--- a/docs/diagrams/ui_annotated.pptx
+++ b/docs/diagrams/ui_annotated.pptx
@@ -8,6 +8,8 @@
     <p:sldId id="257" r:id="rId2"/>
     <p:sldId id="258" r:id="rId3"/>
     <p:sldId id="259" r:id="rId4"/>
+    <p:sldId id="260" r:id="rId5"/>
+    <p:sldId id="264" r:id="rId6"/>
   </p:sldIdLst>
   <p:sldSz cx="12192000" cy="6858000"/>
   <p:notesSz cx="6858000" cy="9144000"/>
@@ -106,6 +108,11 @@
       </a:defRPr>
     </a:lvl9pPr>
   </p:defaultTextStyle>
+  <p:extLst>
+    <p:ext uri="{EFAFB233-063F-42B5-8137-9DF3F51BA10A}">
+      <p15:sldGuideLst xmlns:p15="http://schemas.microsoft.com/office/powerpoint/2012/main"/>
+    </p:ext>
+  </p:extLst>
 </p:presentation>
 </file>
 
@@ -258,7 +265,7 @@
           <a:p>
             <a:fld id="{F0B7906A-B038-4706-83B2-00193F0E7D27}" type="datetimeFigureOut">
               <a:rPr lang="en-SG" smtClean="0"/>
-              <a:t>4/4/2019</a:t>
+              <a:t>11/4/2019</a:t>
             </a:fld>
             <a:endParaRPr lang="en-SG"/>
           </a:p>
@@ -458,7 +465,7 @@
           <a:p>
             <a:fld id="{F0B7906A-B038-4706-83B2-00193F0E7D27}" type="datetimeFigureOut">
               <a:rPr lang="en-SG" smtClean="0"/>
-              <a:t>4/4/2019</a:t>
+              <a:t>11/4/2019</a:t>
             </a:fld>
             <a:endParaRPr lang="en-SG"/>
           </a:p>
@@ -668,7 +675,7 @@
           <a:p>
             <a:fld id="{F0B7906A-B038-4706-83B2-00193F0E7D27}" type="datetimeFigureOut">
               <a:rPr lang="en-SG" smtClean="0"/>
-              <a:t>4/4/2019</a:t>
+              <a:t>11/4/2019</a:t>
             </a:fld>
             <a:endParaRPr lang="en-SG"/>
           </a:p>
@@ -868,7 +875,7 @@
           <a:p>
             <a:fld id="{F0B7906A-B038-4706-83B2-00193F0E7D27}" type="datetimeFigureOut">
               <a:rPr lang="en-SG" smtClean="0"/>
-              <a:t>4/4/2019</a:t>
+              <a:t>11/4/2019</a:t>
             </a:fld>
             <a:endParaRPr lang="en-SG"/>
           </a:p>
@@ -1144,7 +1151,7 @@
           <a:p>
             <a:fld id="{F0B7906A-B038-4706-83B2-00193F0E7D27}" type="datetimeFigureOut">
               <a:rPr lang="en-SG" smtClean="0"/>
-              <a:t>4/4/2019</a:t>
+              <a:t>11/4/2019</a:t>
             </a:fld>
             <a:endParaRPr lang="en-SG"/>
           </a:p>
@@ -1412,7 +1419,7 @@
           <a:p>
             <a:fld id="{F0B7906A-B038-4706-83B2-00193F0E7D27}" type="datetimeFigureOut">
               <a:rPr lang="en-SG" smtClean="0"/>
-              <a:t>4/4/2019</a:t>
+              <a:t>11/4/2019</a:t>
             </a:fld>
             <a:endParaRPr lang="en-SG"/>
           </a:p>
@@ -1827,7 +1834,7 @@
           <a:p>
             <a:fld id="{F0B7906A-B038-4706-83B2-00193F0E7D27}" type="datetimeFigureOut">
               <a:rPr lang="en-SG" smtClean="0"/>
-              <a:t>4/4/2019</a:t>
+              <a:t>11/4/2019</a:t>
             </a:fld>
             <a:endParaRPr lang="en-SG"/>
           </a:p>
@@ -1969,7 +1976,7 @@
           <a:p>
             <a:fld id="{F0B7906A-B038-4706-83B2-00193F0E7D27}" type="datetimeFigureOut">
               <a:rPr lang="en-SG" smtClean="0"/>
-              <a:t>4/4/2019</a:t>
+              <a:t>11/4/2019</a:t>
             </a:fld>
             <a:endParaRPr lang="en-SG"/>
           </a:p>
@@ -2082,7 +2089,7 @@
           <a:p>
             <a:fld id="{F0B7906A-B038-4706-83B2-00193F0E7D27}" type="datetimeFigureOut">
               <a:rPr lang="en-SG" smtClean="0"/>
-              <a:t>4/4/2019</a:t>
+              <a:t>11/4/2019</a:t>
             </a:fld>
             <a:endParaRPr lang="en-SG"/>
           </a:p>
@@ -2395,7 +2402,7 @@
           <a:p>
             <a:fld id="{F0B7906A-B038-4706-83B2-00193F0E7D27}" type="datetimeFigureOut">
               <a:rPr lang="en-SG" smtClean="0"/>
-              <a:t>4/4/2019</a:t>
+              <a:t>11/4/2019</a:t>
             </a:fld>
             <a:endParaRPr lang="en-SG"/>
           </a:p>
@@ -2684,7 +2691,7 @@
           <a:p>
             <a:fld id="{F0B7906A-B038-4706-83B2-00193F0E7D27}" type="datetimeFigureOut">
               <a:rPr lang="en-SG" smtClean="0"/>
-              <a:t>4/4/2019</a:t>
+              <a:t>11/4/2019</a:t>
             </a:fld>
             <a:endParaRPr lang="en-SG"/>
           </a:p>
@@ -2927,7 +2934,7 @@
           <a:p>
             <a:fld id="{F0B7906A-B038-4706-83B2-00193F0E7D27}" type="datetimeFigureOut">
               <a:rPr lang="en-SG" smtClean="0"/>
-              <a:t>4/4/2019</a:t>
+              <a:t>11/4/2019</a:t>
             </a:fld>
             <a:endParaRPr lang="en-SG"/>
           </a:p>
@@ -3794,7 +3801,7 @@
           <a:lstStyle/>
           <a:p>
             <a:pPr algn="ctr"/>
-            <a:endParaRPr lang="en-SG"/>
+            <a:endParaRPr lang="en-SG" dirty="0"/>
           </a:p>
         </p:txBody>
       </p:sp>
@@ -3846,7 +3853,7 @@
           <a:lstStyle/>
           <a:p>
             <a:pPr algn="ctr"/>
-            <a:endParaRPr lang="en-SG"/>
+            <a:endParaRPr lang="en-SG" dirty="0"/>
           </a:p>
         </p:txBody>
       </p:sp>
@@ -4422,6 +4429,1345 @@
     <p:extLst>
       <p:ext uri="{BB962C8B-B14F-4D97-AF65-F5344CB8AC3E}">
         <p14:creationId xmlns:p14="http://schemas.microsoft.com/office/powerpoint/2010/main" val="3621788274"/>
+      </p:ext>
+    </p:extLst>
+  </p:cSld>
+  <p:clrMapOvr>
+    <a:masterClrMapping/>
+  </p:clrMapOvr>
+</p:sld>
+</file>
+
+<file path=ppt/slides/slide4.xml><?xml version="1.0" encoding="utf-8"?>
+<p:sld xmlns:a="http://schemas.openxmlformats.org/drawingml/2006/main" xmlns:r="http://schemas.openxmlformats.org/officeDocument/2006/relationships" xmlns:p="http://schemas.openxmlformats.org/presentationml/2006/main">
+  <p:cSld>
+    <p:spTree>
+      <p:nvGrpSpPr>
+        <p:cNvPr id="1" name=""/>
+        <p:cNvGrpSpPr/>
+        <p:nvPr/>
+      </p:nvGrpSpPr>
+      <p:grpSpPr>
+        <a:xfrm>
+          <a:off x="0" y="0"/>
+          <a:ext cx="0" cy="0"/>
+          <a:chOff x="0" y="0"/>
+          <a:chExt cx="0" cy="0"/>
+        </a:xfrm>
+      </p:grpSpPr>
+      <p:pic>
+        <p:nvPicPr>
+          <p:cNvPr id="2" name="Picture 1">
+            <a:extLst>
+              <a:ext uri="{FF2B5EF4-FFF2-40B4-BE49-F238E27FC236}">
+                <a16:creationId xmlns:a16="http://schemas.microsoft.com/office/drawing/2014/main" id="{59B61738-5CA8-42EA-97E0-F79BA920BF81}"/>
+              </a:ext>
+            </a:extLst>
+          </p:cNvPr>
+          <p:cNvPicPr/>
+          <p:nvPr/>
+        </p:nvPicPr>
+        <p:blipFill rotWithShape="1">
+          <a:blip r:embed="rId2"/>
+          <a:srcRect b="4747"/>
+          <a:stretch/>
+        </p:blipFill>
+        <p:spPr bwMode="auto">
+          <a:xfrm>
+            <a:off x="0" y="0"/>
+            <a:ext cx="12192000" cy="6858000"/>
+          </a:xfrm>
+          <a:prstGeom prst="rect">
+            <a:avLst/>
+          </a:prstGeom>
+          <a:ln>
+            <a:noFill/>
+          </a:ln>
+          <a:extLst>
+            <a:ext uri="{53640926-AAD7-44D8-BBD7-CCE9431645EC}">
+              <a14:shadowObscured xmlns:a14="http://schemas.microsoft.com/office/drawing/2010/main"/>
+            </a:ext>
+          </a:extLst>
+        </p:spPr>
+      </p:pic>
+      <p:sp>
+        <p:nvSpPr>
+          <p:cNvPr id="3" name="Text Box 2">
+            <a:extLst>
+              <a:ext uri="{FF2B5EF4-FFF2-40B4-BE49-F238E27FC236}">
+                <a16:creationId xmlns:a16="http://schemas.microsoft.com/office/drawing/2014/main" id="{A8B280D1-5C4B-4530-B28D-EB2F8851644A}"/>
+              </a:ext>
+            </a:extLst>
+          </p:cNvPr>
+          <p:cNvSpPr txBox="1">
+            <a:spLocks noChangeArrowheads="1"/>
+          </p:cNvSpPr>
+          <p:nvPr/>
+        </p:nvSpPr>
+        <p:spPr bwMode="auto">
+          <a:xfrm>
+            <a:off x="8319208" y="461638"/>
+            <a:ext cx="2928799" cy="337353"/>
+          </a:xfrm>
+          <a:prstGeom prst="rect">
+            <a:avLst/>
+          </a:prstGeom>
+          <a:solidFill>
+            <a:schemeClr val="accent2"/>
+          </a:solidFill>
+          <a:ln w="9525">
+            <a:solidFill>
+              <a:srgbClr val="000000"/>
+            </a:solidFill>
+            <a:miter lim="800000"/>
+            <a:headEnd/>
+            <a:tailEnd/>
+          </a:ln>
+        </p:spPr>
+        <p:txBody>
+          <a:bodyPr rot="0" vert="horz" wrap="square" lIns="91440" tIns="45720" rIns="91440" bIns="45720" anchor="t" anchorCtr="0">
+            <a:noAutofit/>
+          </a:bodyPr>
+          <a:lstStyle/>
+          <a:p>
+            <a:pPr>
+              <a:lnSpc>
+                <a:spcPct val="107000"/>
+              </a:lnSpc>
+              <a:spcAft>
+                <a:spcPts val="800"/>
+              </a:spcAft>
+            </a:pPr>
+            <a:r>
+              <a:rPr lang="en-SG" sz="1200" b="1" dirty="0">
+                <a:solidFill>
+                  <a:schemeClr val="bg1"/>
+                </a:solidFill>
+                <a:effectLst/>
+                <a:latin typeface="Arial Nova Cond" panose="020B0506020202020204" pitchFamily="34" charset="0"/>
+                <a:ea typeface="Calibri" panose="020F0502020204030204" pitchFamily="34" charset="0"/>
+                <a:cs typeface="Times New Roman" panose="02020603050405020304" pitchFamily="18" charset="0"/>
+              </a:rPr>
+              <a:t>1. Type the command to add an employee</a:t>
+            </a:r>
+            <a:endParaRPr lang="en-SG" sz="1200" dirty="0">
+              <a:solidFill>
+                <a:schemeClr val="bg1"/>
+              </a:solidFill>
+              <a:effectLst/>
+              <a:latin typeface="Calibri" panose="020F0502020204030204" pitchFamily="34" charset="0"/>
+              <a:ea typeface="Calibri" panose="020F0502020204030204" pitchFamily="34" charset="0"/>
+              <a:cs typeface="Times New Roman" panose="02020603050405020304" pitchFamily="18" charset="0"/>
+            </a:endParaRPr>
+          </a:p>
+        </p:txBody>
+      </p:sp>
+      <p:cxnSp>
+        <p:nvCxnSpPr>
+          <p:cNvPr id="9" name="Straight Arrow Connector 8">
+            <a:extLst>
+              <a:ext uri="{FF2B5EF4-FFF2-40B4-BE49-F238E27FC236}">
+                <a16:creationId xmlns:a16="http://schemas.microsoft.com/office/drawing/2014/main" id="{7D5EF9DB-FF59-4A1C-9C92-D2F1996C5A9B}"/>
+              </a:ext>
+            </a:extLst>
+          </p:cNvPr>
+          <p:cNvCxnSpPr>
+            <a:stCxn id="3" idx="1"/>
+          </p:cNvCxnSpPr>
+          <p:nvPr/>
+        </p:nvCxnSpPr>
+        <p:spPr>
+          <a:xfrm flipH="1" flipV="1">
+            <a:off x="6178858" y="630314"/>
+            <a:ext cx="2140350" cy="1"/>
+          </a:xfrm>
+          <a:prstGeom prst="straightConnector1">
+            <a:avLst/>
+          </a:prstGeom>
+          <a:ln>
+            <a:solidFill>
+              <a:schemeClr val="accent2"/>
+            </a:solidFill>
+            <a:tailEnd type="triangle"/>
+          </a:ln>
+        </p:spPr>
+        <p:style>
+          <a:lnRef idx="1">
+            <a:schemeClr val="accent1"/>
+          </a:lnRef>
+          <a:fillRef idx="0">
+            <a:schemeClr val="accent1"/>
+          </a:fillRef>
+          <a:effectRef idx="0">
+            <a:schemeClr val="accent1"/>
+          </a:effectRef>
+          <a:fontRef idx="minor">
+            <a:schemeClr val="tx1"/>
+          </a:fontRef>
+        </p:style>
+      </p:cxnSp>
+      <p:sp>
+        <p:nvSpPr>
+          <p:cNvPr id="12" name="Text Box 2">
+            <a:extLst>
+              <a:ext uri="{FF2B5EF4-FFF2-40B4-BE49-F238E27FC236}">
+                <a16:creationId xmlns:a16="http://schemas.microsoft.com/office/drawing/2014/main" id="{06B06BFE-0C72-4775-A3BF-5CA414C1A730}"/>
+              </a:ext>
+            </a:extLst>
+          </p:cNvPr>
+          <p:cNvSpPr txBox="1">
+            <a:spLocks noChangeArrowheads="1"/>
+          </p:cNvSpPr>
+          <p:nvPr/>
+        </p:nvSpPr>
+        <p:spPr bwMode="auto">
+          <a:xfrm>
+            <a:off x="8319208" y="1145219"/>
+            <a:ext cx="2928799" cy="452763"/>
+          </a:xfrm>
+          <a:prstGeom prst="rect">
+            <a:avLst/>
+          </a:prstGeom>
+          <a:solidFill>
+            <a:schemeClr val="accent2"/>
+          </a:solidFill>
+          <a:ln w="9525">
+            <a:solidFill>
+              <a:srgbClr val="000000"/>
+            </a:solidFill>
+            <a:miter lim="800000"/>
+            <a:headEnd/>
+            <a:tailEnd/>
+          </a:ln>
+        </p:spPr>
+        <p:txBody>
+          <a:bodyPr rot="0" vert="horz" wrap="square" lIns="91440" tIns="45720" rIns="91440" bIns="45720" anchor="t" anchorCtr="0">
+            <a:noAutofit/>
+          </a:bodyPr>
+          <a:lstStyle/>
+          <a:p>
+            <a:pPr>
+              <a:lnSpc>
+                <a:spcPct val="107000"/>
+              </a:lnSpc>
+              <a:spcAft>
+                <a:spcPts val="800"/>
+              </a:spcAft>
+            </a:pPr>
+            <a:r>
+              <a:rPr lang="en-SG" sz="1200" b="1" dirty="0">
+                <a:solidFill>
+                  <a:schemeClr val="bg1"/>
+                </a:solidFill>
+                <a:latin typeface="Arial Nova Cond" panose="020B0506020202020204" pitchFamily="34" charset="0"/>
+                <a:ea typeface="Calibri" panose="020F0502020204030204" pitchFamily="34" charset="0"/>
+                <a:cs typeface="Times New Roman" panose="02020603050405020304" pitchFamily="18" charset="0"/>
+              </a:rPr>
+              <a:t>2. The details of the added employee will be indicated as a success message</a:t>
+            </a:r>
+            <a:endParaRPr lang="en-SG" sz="2000" dirty="0">
+              <a:solidFill>
+                <a:schemeClr val="bg1"/>
+              </a:solidFill>
+              <a:latin typeface="Calibri" panose="020F0502020204030204" pitchFamily="34" charset="0"/>
+              <a:ea typeface="Calibri" panose="020F0502020204030204" pitchFamily="34" charset="0"/>
+              <a:cs typeface="Times New Roman" panose="02020603050405020304" pitchFamily="18" charset="0"/>
+            </a:endParaRPr>
+          </a:p>
+        </p:txBody>
+      </p:sp>
+      <p:cxnSp>
+        <p:nvCxnSpPr>
+          <p:cNvPr id="14" name="Connector: Elbow 13">
+            <a:extLst>
+              <a:ext uri="{FF2B5EF4-FFF2-40B4-BE49-F238E27FC236}">
+                <a16:creationId xmlns:a16="http://schemas.microsoft.com/office/drawing/2014/main" id="{C4F474AB-1A54-4859-BBCA-9239987F3E79}"/>
+              </a:ext>
+            </a:extLst>
+          </p:cNvPr>
+          <p:cNvCxnSpPr>
+            <a:cxnSpLocks/>
+          </p:cNvCxnSpPr>
+          <p:nvPr/>
+        </p:nvCxnSpPr>
+        <p:spPr>
+          <a:xfrm rot="10800000">
+            <a:off x="7572652" y="1145220"/>
+            <a:ext cx="746560" cy="225767"/>
+          </a:xfrm>
+          <a:prstGeom prst="bentConnector3">
+            <a:avLst>
+              <a:gd name="adj1" fmla="val 99944"/>
+            </a:avLst>
+          </a:prstGeom>
+          <a:ln>
+            <a:solidFill>
+              <a:schemeClr val="accent2"/>
+            </a:solidFill>
+            <a:tailEnd type="triangle"/>
+          </a:ln>
+        </p:spPr>
+        <p:style>
+          <a:lnRef idx="1">
+            <a:schemeClr val="accent2"/>
+          </a:lnRef>
+          <a:fillRef idx="0">
+            <a:schemeClr val="accent2"/>
+          </a:fillRef>
+          <a:effectRef idx="0">
+            <a:schemeClr val="accent2"/>
+          </a:effectRef>
+          <a:fontRef idx="minor">
+            <a:schemeClr val="tx1"/>
+          </a:fontRef>
+        </p:style>
+      </p:cxnSp>
+      <p:sp>
+        <p:nvSpPr>
+          <p:cNvPr id="24" name="Text Box 2">
+            <a:extLst>
+              <a:ext uri="{FF2B5EF4-FFF2-40B4-BE49-F238E27FC236}">
+                <a16:creationId xmlns:a16="http://schemas.microsoft.com/office/drawing/2014/main" id="{5EFCA87F-7011-477E-9458-51DEAC349745}"/>
+              </a:ext>
+            </a:extLst>
+          </p:cNvPr>
+          <p:cNvSpPr txBox="1">
+            <a:spLocks noChangeArrowheads="1"/>
+          </p:cNvSpPr>
+          <p:nvPr/>
+        </p:nvSpPr>
+        <p:spPr bwMode="auto">
+          <a:xfrm>
+            <a:off x="2441359" y="3645025"/>
+            <a:ext cx="1351225" cy="1282082"/>
+          </a:xfrm>
+          <a:prstGeom prst="rect">
+            <a:avLst/>
+          </a:prstGeom>
+          <a:solidFill>
+            <a:schemeClr val="accent2"/>
+          </a:solidFill>
+          <a:ln w="9525">
+            <a:solidFill>
+              <a:srgbClr val="000000"/>
+            </a:solidFill>
+            <a:miter lim="800000"/>
+            <a:headEnd/>
+            <a:tailEnd/>
+          </a:ln>
+        </p:spPr>
+        <p:txBody>
+          <a:bodyPr rot="0" vert="horz" wrap="square" lIns="91440" tIns="45720" rIns="91440" bIns="45720" anchor="t" anchorCtr="0">
+            <a:noAutofit/>
+          </a:bodyPr>
+          <a:lstStyle/>
+          <a:p>
+            <a:pPr>
+              <a:lnSpc>
+                <a:spcPct val="107000"/>
+              </a:lnSpc>
+              <a:spcAft>
+                <a:spcPts val="800"/>
+              </a:spcAft>
+            </a:pPr>
+            <a:r>
+              <a:rPr lang="en-SG" sz="1200" b="1" dirty="0">
+                <a:solidFill>
+                  <a:schemeClr val="bg1"/>
+                </a:solidFill>
+                <a:effectLst/>
+                <a:latin typeface="Arial Nova Cond" panose="020B0506020202020204" pitchFamily="34" charset="0"/>
+                <a:ea typeface="Calibri" panose="020F0502020204030204" pitchFamily="34" charset="0"/>
+                <a:cs typeface="Times New Roman" panose="02020603050405020304" pitchFamily="18" charset="0"/>
+              </a:rPr>
+              <a:t>3. Panel will display the newly added employee. Clicking on it will display the employee card.</a:t>
+            </a:r>
+            <a:endParaRPr lang="en-SG" sz="1200" dirty="0">
+              <a:solidFill>
+                <a:schemeClr val="bg1"/>
+              </a:solidFill>
+              <a:effectLst/>
+              <a:latin typeface="Calibri" panose="020F0502020204030204" pitchFamily="34" charset="0"/>
+              <a:ea typeface="Calibri" panose="020F0502020204030204" pitchFamily="34" charset="0"/>
+              <a:cs typeface="Times New Roman" panose="02020603050405020304" pitchFamily="18" charset="0"/>
+            </a:endParaRPr>
+          </a:p>
+        </p:txBody>
+      </p:sp>
+      <p:sp>
+        <p:nvSpPr>
+          <p:cNvPr id="25" name="Right Brace 24">
+            <a:extLst>
+              <a:ext uri="{FF2B5EF4-FFF2-40B4-BE49-F238E27FC236}">
+                <a16:creationId xmlns:a16="http://schemas.microsoft.com/office/drawing/2014/main" id="{8118E930-36B4-4C3B-BE9F-B7F8AFA2BC5C}"/>
+              </a:ext>
+            </a:extLst>
+          </p:cNvPr>
+          <p:cNvSpPr/>
+          <p:nvPr/>
+        </p:nvSpPr>
+        <p:spPr>
+          <a:xfrm>
+            <a:off x="2148396" y="3680537"/>
+            <a:ext cx="292963" cy="1202183"/>
+          </a:xfrm>
+          <a:prstGeom prst="rightBrace">
+            <a:avLst/>
+          </a:prstGeom>
+          <a:ln>
+            <a:solidFill>
+              <a:schemeClr val="accent2"/>
+            </a:solidFill>
+          </a:ln>
+        </p:spPr>
+        <p:style>
+          <a:lnRef idx="1">
+            <a:schemeClr val="accent1"/>
+          </a:lnRef>
+          <a:fillRef idx="0">
+            <a:schemeClr val="accent1"/>
+          </a:fillRef>
+          <a:effectRef idx="0">
+            <a:schemeClr val="accent1"/>
+          </a:effectRef>
+          <a:fontRef idx="minor">
+            <a:schemeClr val="tx1"/>
+          </a:fontRef>
+        </p:style>
+        <p:txBody>
+          <a:bodyPr rtlCol="0" anchor="ctr"/>
+          <a:lstStyle/>
+          <a:p>
+            <a:pPr algn="ctr"/>
+            <a:endParaRPr lang="en-SG" dirty="0"/>
+          </a:p>
+        </p:txBody>
+      </p:sp>
+      <p:cxnSp>
+        <p:nvCxnSpPr>
+          <p:cNvPr id="27" name="Straight Arrow Connector 26">
+            <a:extLst>
+              <a:ext uri="{FF2B5EF4-FFF2-40B4-BE49-F238E27FC236}">
+                <a16:creationId xmlns:a16="http://schemas.microsoft.com/office/drawing/2014/main" id="{C2447E0D-8212-459F-AA99-705705131D78}"/>
+              </a:ext>
+            </a:extLst>
+          </p:cNvPr>
+          <p:cNvCxnSpPr/>
+          <p:nvPr/>
+        </p:nvCxnSpPr>
+        <p:spPr>
+          <a:xfrm>
+            <a:off x="3792584" y="4281628"/>
+            <a:ext cx="1471874" cy="0"/>
+          </a:xfrm>
+          <a:prstGeom prst="straightConnector1">
+            <a:avLst/>
+          </a:prstGeom>
+          <a:ln>
+            <a:solidFill>
+              <a:schemeClr val="accent2"/>
+            </a:solidFill>
+            <a:tailEnd type="triangle"/>
+          </a:ln>
+        </p:spPr>
+        <p:style>
+          <a:lnRef idx="1">
+            <a:schemeClr val="accent1"/>
+          </a:lnRef>
+          <a:fillRef idx="0">
+            <a:schemeClr val="accent1"/>
+          </a:fillRef>
+          <a:effectRef idx="0">
+            <a:schemeClr val="accent1"/>
+          </a:effectRef>
+          <a:fontRef idx="minor">
+            <a:schemeClr val="tx1"/>
+          </a:fontRef>
+        </p:style>
+      </p:cxnSp>
+      <p:sp>
+        <p:nvSpPr>
+          <p:cNvPr id="28" name="Text Box 2">
+            <a:extLst>
+              <a:ext uri="{FF2B5EF4-FFF2-40B4-BE49-F238E27FC236}">
+                <a16:creationId xmlns:a16="http://schemas.microsoft.com/office/drawing/2014/main" id="{53F11C72-F7DB-49DD-A49F-56CA03E50784}"/>
+              </a:ext>
+            </a:extLst>
+          </p:cNvPr>
+          <p:cNvSpPr txBox="1">
+            <a:spLocks noChangeArrowheads="1"/>
+          </p:cNvSpPr>
+          <p:nvPr/>
+        </p:nvSpPr>
+        <p:spPr bwMode="auto">
+          <a:xfrm>
+            <a:off x="5477523" y="5504162"/>
+            <a:ext cx="3400148" cy="519333"/>
+          </a:xfrm>
+          <a:prstGeom prst="rect">
+            <a:avLst/>
+          </a:prstGeom>
+          <a:solidFill>
+            <a:schemeClr val="accent2"/>
+          </a:solidFill>
+          <a:ln w="9525">
+            <a:solidFill>
+              <a:srgbClr val="000000"/>
+            </a:solidFill>
+            <a:miter lim="800000"/>
+            <a:headEnd/>
+            <a:tailEnd/>
+          </a:ln>
+        </p:spPr>
+        <p:txBody>
+          <a:bodyPr rot="0" vert="horz" wrap="square" lIns="91440" tIns="45720" rIns="91440" bIns="45720" anchor="t" anchorCtr="0">
+            <a:noAutofit/>
+          </a:bodyPr>
+          <a:lstStyle/>
+          <a:p>
+            <a:pPr>
+              <a:lnSpc>
+                <a:spcPct val="107000"/>
+              </a:lnSpc>
+              <a:spcAft>
+                <a:spcPts val="800"/>
+              </a:spcAft>
+            </a:pPr>
+            <a:r>
+              <a:rPr lang="en-SG" sz="1200" b="1" dirty="0">
+                <a:solidFill>
+                  <a:schemeClr val="bg1"/>
+                </a:solidFill>
+                <a:effectLst/>
+                <a:latin typeface="Arial Nova Cond" panose="020B0506020202020204" pitchFamily="34" charset="0"/>
+                <a:ea typeface="Calibri" panose="020F0502020204030204" pitchFamily="34" charset="0"/>
+                <a:cs typeface="Times New Roman" panose="02020603050405020304" pitchFamily="18" charset="0"/>
+              </a:rPr>
+              <a:t>4. The employee card which contains key details of the employee.</a:t>
+            </a:r>
+            <a:endParaRPr lang="en-SG" sz="1200" dirty="0">
+              <a:solidFill>
+                <a:schemeClr val="bg1"/>
+              </a:solidFill>
+              <a:effectLst/>
+              <a:latin typeface="Calibri" panose="020F0502020204030204" pitchFamily="34" charset="0"/>
+              <a:ea typeface="Calibri" panose="020F0502020204030204" pitchFamily="34" charset="0"/>
+              <a:cs typeface="Times New Roman" panose="02020603050405020304" pitchFamily="18" charset="0"/>
+            </a:endParaRPr>
+          </a:p>
+        </p:txBody>
+      </p:sp>
+      <p:sp>
+        <p:nvSpPr>
+          <p:cNvPr id="29" name="Text Box 2">
+            <a:extLst>
+              <a:ext uri="{FF2B5EF4-FFF2-40B4-BE49-F238E27FC236}">
+                <a16:creationId xmlns:a16="http://schemas.microsoft.com/office/drawing/2014/main" id="{7D89CDAA-BA33-4FE8-9ECB-247CA188E386}"/>
+              </a:ext>
+            </a:extLst>
+          </p:cNvPr>
+          <p:cNvSpPr txBox="1">
+            <a:spLocks noChangeArrowheads="1"/>
+          </p:cNvSpPr>
+          <p:nvPr/>
+        </p:nvSpPr>
+        <p:spPr bwMode="auto">
+          <a:xfrm>
+            <a:off x="9750641" y="4741418"/>
+            <a:ext cx="1498295" cy="1282077"/>
+          </a:xfrm>
+          <a:prstGeom prst="rect">
+            <a:avLst/>
+          </a:prstGeom>
+          <a:solidFill>
+            <a:schemeClr val="accent2"/>
+          </a:solidFill>
+          <a:ln w="9525">
+            <a:solidFill>
+              <a:srgbClr val="000000"/>
+            </a:solidFill>
+            <a:miter lim="800000"/>
+            <a:headEnd/>
+            <a:tailEnd/>
+          </a:ln>
+        </p:spPr>
+        <p:txBody>
+          <a:bodyPr rot="0" vert="horz" wrap="square" lIns="91440" tIns="45720" rIns="91440" bIns="45720" anchor="t" anchorCtr="0">
+            <a:noAutofit/>
+          </a:bodyPr>
+          <a:lstStyle/>
+          <a:p>
+            <a:pPr>
+              <a:lnSpc>
+                <a:spcPct val="107000"/>
+              </a:lnSpc>
+              <a:spcAft>
+                <a:spcPts val="800"/>
+              </a:spcAft>
+            </a:pPr>
+            <a:r>
+              <a:rPr lang="en-SG" sz="1200" b="1" dirty="0">
+                <a:solidFill>
+                  <a:schemeClr val="bg1"/>
+                </a:solidFill>
+                <a:effectLst/>
+                <a:latin typeface="Arial Nova Cond" panose="020B0506020202020204" pitchFamily="34" charset="0"/>
+                <a:ea typeface="Calibri" panose="020F0502020204030204" pitchFamily="34" charset="0"/>
+                <a:cs typeface="Times New Roman" panose="02020603050405020304" pitchFamily="18" charset="0"/>
+              </a:rPr>
+              <a:t>5. Toggling the arrow leads to a loaded GitHub page of the employee based on his GitHub account username.</a:t>
+            </a:r>
+            <a:endParaRPr lang="en-SG" sz="1200" dirty="0">
+              <a:solidFill>
+                <a:schemeClr val="bg1"/>
+              </a:solidFill>
+              <a:effectLst/>
+              <a:latin typeface="Calibri" panose="020F0502020204030204" pitchFamily="34" charset="0"/>
+              <a:ea typeface="Calibri" panose="020F0502020204030204" pitchFamily="34" charset="0"/>
+              <a:cs typeface="Times New Roman" panose="02020603050405020304" pitchFamily="18" charset="0"/>
+            </a:endParaRPr>
+          </a:p>
+        </p:txBody>
+      </p:sp>
+      <p:cxnSp>
+        <p:nvCxnSpPr>
+          <p:cNvPr id="33" name="Connector: Elbow 32">
+            <a:extLst>
+              <a:ext uri="{FF2B5EF4-FFF2-40B4-BE49-F238E27FC236}">
+                <a16:creationId xmlns:a16="http://schemas.microsoft.com/office/drawing/2014/main" id="{7A00DE62-8107-4B73-A572-9B4B35B0544F}"/>
+              </a:ext>
+            </a:extLst>
+          </p:cNvPr>
+          <p:cNvCxnSpPr>
+            <a:stCxn id="29" idx="0"/>
+          </p:cNvCxnSpPr>
+          <p:nvPr/>
+        </p:nvCxnSpPr>
+        <p:spPr>
+          <a:xfrm rot="5400000" flipH="1" flipV="1">
+            <a:off x="10664902" y="4034025"/>
+            <a:ext cx="542280" cy="872506"/>
+          </a:xfrm>
+          <a:prstGeom prst="bentConnector2">
+            <a:avLst/>
+          </a:prstGeom>
+          <a:ln>
+            <a:solidFill>
+              <a:schemeClr val="accent2"/>
+            </a:solidFill>
+            <a:tailEnd type="triangle"/>
+          </a:ln>
+        </p:spPr>
+        <p:style>
+          <a:lnRef idx="1">
+            <a:schemeClr val="accent1"/>
+          </a:lnRef>
+          <a:fillRef idx="0">
+            <a:schemeClr val="accent1"/>
+          </a:fillRef>
+          <a:effectRef idx="0">
+            <a:schemeClr val="accent1"/>
+          </a:effectRef>
+          <a:fontRef idx="minor">
+            <a:schemeClr val="tx1"/>
+          </a:fontRef>
+        </p:style>
+      </p:cxnSp>
+    </p:spTree>
+    <p:extLst>
+      <p:ext uri="{BB962C8B-B14F-4D97-AF65-F5344CB8AC3E}">
+        <p14:creationId xmlns:p14="http://schemas.microsoft.com/office/powerpoint/2010/main" val="2312534276"/>
+      </p:ext>
+    </p:extLst>
+  </p:cSld>
+  <p:clrMapOvr>
+    <a:masterClrMapping/>
+  </p:clrMapOvr>
+</p:sld>
+</file>
+
+<file path=ppt/slides/slide5.xml><?xml version="1.0" encoding="utf-8"?>
+<p:sld xmlns:a="http://schemas.openxmlformats.org/drawingml/2006/main" xmlns:r="http://schemas.openxmlformats.org/officeDocument/2006/relationships" xmlns:p="http://schemas.openxmlformats.org/presentationml/2006/main">
+  <p:cSld>
+    <p:spTree>
+      <p:nvGrpSpPr>
+        <p:cNvPr id="1" name=""/>
+        <p:cNvGrpSpPr/>
+        <p:nvPr/>
+      </p:nvGrpSpPr>
+      <p:grpSpPr>
+        <a:xfrm>
+          <a:off x="0" y="0"/>
+          <a:ext cx="0" cy="0"/>
+          <a:chOff x="0" y="0"/>
+          <a:chExt cx="0" cy="0"/>
+        </a:xfrm>
+      </p:grpSpPr>
+      <p:pic>
+        <p:nvPicPr>
+          <p:cNvPr id="2" name="Picture 1">
+            <a:extLst>
+              <a:ext uri="{FF2B5EF4-FFF2-40B4-BE49-F238E27FC236}">
+                <a16:creationId xmlns:a16="http://schemas.microsoft.com/office/drawing/2014/main" id="{635C4910-D849-43CB-848D-D6CE9A628B28}"/>
+              </a:ext>
+            </a:extLst>
+          </p:cNvPr>
+          <p:cNvPicPr>
+            <a:picLocks noChangeAspect="1"/>
+          </p:cNvPicPr>
+          <p:nvPr/>
+        </p:nvPicPr>
+        <p:blipFill rotWithShape="1">
+          <a:blip r:embed="rId2"/>
+          <a:srcRect b="4722"/>
+          <a:stretch/>
+        </p:blipFill>
+        <p:spPr>
+          <a:xfrm>
+            <a:off x="0" y="0"/>
+            <a:ext cx="12192000" cy="6858000"/>
+          </a:xfrm>
+          <a:prstGeom prst="rect">
+            <a:avLst/>
+          </a:prstGeom>
+        </p:spPr>
+      </p:pic>
+      <p:sp>
+        <p:nvSpPr>
+          <p:cNvPr id="3" name="Text Box 2">
+            <a:extLst>
+              <a:ext uri="{FF2B5EF4-FFF2-40B4-BE49-F238E27FC236}">
+                <a16:creationId xmlns:a16="http://schemas.microsoft.com/office/drawing/2014/main" id="{2E5D2E44-2D75-4C7B-A5DB-3DCD58BDCF84}"/>
+              </a:ext>
+            </a:extLst>
+          </p:cNvPr>
+          <p:cNvSpPr txBox="1">
+            <a:spLocks noChangeArrowheads="1"/>
+          </p:cNvSpPr>
+          <p:nvPr/>
+        </p:nvSpPr>
+        <p:spPr bwMode="auto">
+          <a:xfrm>
+            <a:off x="8324479" y="461637"/>
+            <a:ext cx="2928799" cy="337353"/>
+          </a:xfrm>
+          <a:prstGeom prst="rect">
+            <a:avLst/>
+          </a:prstGeom>
+          <a:solidFill>
+            <a:schemeClr val="accent2"/>
+          </a:solidFill>
+          <a:ln w="9525">
+            <a:solidFill>
+              <a:srgbClr val="000000"/>
+            </a:solidFill>
+            <a:miter lim="800000"/>
+            <a:headEnd/>
+            <a:tailEnd/>
+          </a:ln>
+        </p:spPr>
+        <p:txBody>
+          <a:bodyPr rot="0" vert="horz" wrap="square" lIns="91440" tIns="45720" rIns="91440" bIns="45720" anchor="t" anchorCtr="0">
+            <a:noAutofit/>
+          </a:bodyPr>
+          <a:lstStyle/>
+          <a:p>
+            <a:pPr>
+              <a:lnSpc>
+                <a:spcPct val="107000"/>
+              </a:lnSpc>
+              <a:spcAft>
+                <a:spcPts val="800"/>
+              </a:spcAft>
+            </a:pPr>
+            <a:r>
+              <a:rPr lang="en-SG" sz="1200" b="1" dirty="0">
+                <a:solidFill>
+                  <a:schemeClr val="bg1"/>
+                </a:solidFill>
+                <a:effectLst/>
+                <a:latin typeface="Arial Nova Cond" panose="020B0506020202020204" pitchFamily="34" charset="0"/>
+                <a:ea typeface="Calibri" panose="020F0502020204030204" pitchFamily="34" charset="0"/>
+                <a:cs typeface="Times New Roman" panose="02020603050405020304" pitchFamily="18" charset="0"/>
+              </a:rPr>
+              <a:t>1. Type the command to add a project</a:t>
+            </a:r>
+            <a:endParaRPr lang="en-SG" sz="1200" dirty="0">
+              <a:solidFill>
+                <a:schemeClr val="bg1"/>
+              </a:solidFill>
+              <a:effectLst/>
+              <a:latin typeface="Calibri" panose="020F0502020204030204" pitchFamily="34" charset="0"/>
+              <a:ea typeface="Calibri" panose="020F0502020204030204" pitchFamily="34" charset="0"/>
+              <a:cs typeface="Times New Roman" panose="02020603050405020304" pitchFamily="18" charset="0"/>
+            </a:endParaRPr>
+          </a:p>
+        </p:txBody>
+      </p:sp>
+      <p:cxnSp>
+        <p:nvCxnSpPr>
+          <p:cNvPr id="5" name="Straight Arrow Connector 4">
+            <a:extLst>
+              <a:ext uri="{FF2B5EF4-FFF2-40B4-BE49-F238E27FC236}">
+                <a16:creationId xmlns:a16="http://schemas.microsoft.com/office/drawing/2014/main" id="{1AB3D446-4316-4808-80C8-AE9B35F8FFA5}"/>
+              </a:ext>
+            </a:extLst>
+          </p:cNvPr>
+          <p:cNvCxnSpPr>
+            <a:cxnSpLocks/>
+            <a:stCxn id="3" idx="1"/>
+          </p:cNvCxnSpPr>
+          <p:nvPr/>
+        </p:nvCxnSpPr>
+        <p:spPr>
+          <a:xfrm flipH="1">
+            <a:off x="4724401" y="630314"/>
+            <a:ext cx="3600078" cy="1"/>
+          </a:xfrm>
+          <a:prstGeom prst="straightConnector1">
+            <a:avLst/>
+          </a:prstGeom>
+          <a:ln>
+            <a:solidFill>
+              <a:schemeClr val="accent2"/>
+            </a:solidFill>
+            <a:tailEnd type="triangle"/>
+          </a:ln>
+        </p:spPr>
+        <p:style>
+          <a:lnRef idx="1">
+            <a:schemeClr val="accent1"/>
+          </a:lnRef>
+          <a:fillRef idx="0">
+            <a:schemeClr val="accent1"/>
+          </a:fillRef>
+          <a:effectRef idx="0">
+            <a:schemeClr val="accent1"/>
+          </a:effectRef>
+          <a:fontRef idx="minor">
+            <a:schemeClr val="tx1"/>
+          </a:fontRef>
+        </p:style>
+      </p:cxnSp>
+      <p:sp>
+        <p:nvSpPr>
+          <p:cNvPr id="7" name="Text Box 2">
+            <a:extLst>
+              <a:ext uri="{FF2B5EF4-FFF2-40B4-BE49-F238E27FC236}">
+                <a16:creationId xmlns:a16="http://schemas.microsoft.com/office/drawing/2014/main" id="{C6AF9B88-6406-4897-A86F-431A12A3A878}"/>
+              </a:ext>
+            </a:extLst>
+          </p:cNvPr>
+          <p:cNvSpPr txBox="1">
+            <a:spLocks noChangeArrowheads="1"/>
+          </p:cNvSpPr>
+          <p:nvPr/>
+        </p:nvSpPr>
+        <p:spPr bwMode="auto">
+          <a:xfrm>
+            <a:off x="8324478" y="976541"/>
+            <a:ext cx="2928799" cy="452763"/>
+          </a:xfrm>
+          <a:prstGeom prst="rect">
+            <a:avLst/>
+          </a:prstGeom>
+          <a:solidFill>
+            <a:schemeClr val="accent2"/>
+          </a:solidFill>
+          <a:ln w="9525">
+            <a:solidFill>
+              <a:srgbClr val="000000"/>
+            </a:solidFill>
+            <a:miter lim="800000"/>
+            <a:headEnd/>
+            <a:tailEnd/>
+          </a:ln>
+        </p:spPr>
+        <p:txBody>
+          <a:bodyPr rot="0" vert="horz" wrap="square" lIns="91440" tIns="45720" rIns="91440" bIns="45720" anchor="t" anchorCtr="0">
+            <a:noAutofit/>
+          </a:bodyPr>
+          <a:lstStyle/>
+          <a:p>
+            <a:pPr>
+              <a:lnSpc>
+                <a:spcPct val="107000"/>
+              </a:lnSpc>
+              <a:spcAft>
+                <a:spcPts val="800"/>
+              </a:spcAft>
+            </a:pPr>
+            <a:r>
+              <a:rPr lang="en-SG" sz="1200" b="1" dirty="0">
+                <a:solidFill>
+                  <a:schemeClr val="bg1"/>
+                </a:solidFill>
+                <a:latin typeface="Arial Nova Cond" panose="020B0506020202020204" pitchFamily="34" charset="0"/>
+                <a:ea typeface="Calibri" panose="020F0502020204030204" pitchFamily="34" charset="0"/>
+                <a:cs typeface="Times New Roman" panose="02020603050405020304" pitchFamily="18" charset="0"/>
+              </a:rPr>
+              <a:t>2. The details of the added project will be indicated as a success message.</a:t>
+            </a:r>
+            <a:endParaRPr lang="en-SG" sz="2000" dirty="0">
+              <a:solidFill>
+                <a:schemeClr val="bg1"/>
+              </a:solidFill>
+              <a:latin typeface="Calibri" panose="020F0502020204030204" pitchFamily="34" charset="0"/>
+              <a:ea typeface="Calibri" panose="020F0502020204030204" pitchFamily="34" charset="0"/>
+              <a:cs typeface="Times New Roman" panose="02020603050405020304" pitchFamily="18" charset="0"/>
+            </a:endParaRPr>
+          </a:p>
+        </p:txBody>
+      </p:sp>
+      <p:cxnSp>
+        <p:nvCxnSpPr>
+          <p:cNvPr id="13" name="Straight Arrow Connector 12">
+            <a:extLst>
+              <a:ext uri="{FF2B5EF4-FFF2-40B4-BE49-F238E27FC236}">
+                <a16:creationId xmlns:a16="http://schemas.microsoft.com/office/drawing/2014/main" id="{0F1D0CA1-7643-4296-83F8-493E686EFB89}"/>
+              </a:ext>
+            </a:extLst>
+          </p:cNvPr>
+          <p:cNvCxnSpPr>
+            <a:cxnSpLocks/>
+          </p:cNvCxnSpPr>
+          <p:nvPr/>
+        </p:nvCxnSpPr>
+        <p:spPr>
+          <a:xfrm flipH="1">
+            <a:off x="6889072" y="1211799"/>
+            <a:ext cx="1561174" cy="0"/>
+          </a:xfrm>
+          <a:prstGeom prst="straightConnector1">
+            <a:avLst/>
+          </a:prstGeom>
+          <a:ln>
+            <a:solidFill>
+              <a:schemeClr val="accent2"/>
+            </a:solidFill>
+            <a:tailEnd type="triangle"/>
+          </a:ln>
+        </p:spPr>
+        <p:style>
+          <a:lnRef idx="1">
+            <a:schemeClr val="accent1"/>
+          </a:lnRef>
+          <a:fillRef idx="0">
+            <a:schemeClr val="accent1"/>
+          </a:fillRef>
+          <a:effectRef idx="0">
+            <a:schemeClr val="accent1"/>
+          </a:effectRef>
+          <a:fontRef idx="minor">
+            <a:schemeClr val="tx1"/>
+          </a:fontRef>
+        </p:style>
+      </p:cxnSp>
+      <p:sp>
+        <p:nvSpPr>
+          <p:cNvPr id="15" name="Right Brace 14">
+            <a:extLst>
+              <a:ext uri="{FF2B5EF4-FFF2-40B4-BE49-F238E27FC236}">
+                <a16:creationId xmlns:a16="http://schemas.microsoft.com/office/drawing/2014/main" id="{8A63CBB2-E745-4E00-A745-D9F58472E727}"/>
+              </a:ext>
+            </a:extLst>
+          </p:cNvPr>
+          <p:cNvSpPr/>
+          <p:nvPr/>
+        </p:nvSpPr>
+        <p:spPr>
+          <a:xfrm>
+            <a:off x="2148396" y="3574001"/>
+            <a:ext cx="292963" cy="1104531"/>
+          </a:xfrm>
+          <a:prstGeom prst="rightBrace">
+            <a:avLst/>
+          </a:prstGeom>
+          <a:ln>
+            <a:solidFill>
+              <a:schemeClr val="accent2"/>
+            </a:solidFill>
+          </a:ln>
+        </p:spPr>
+        <p:style>
+          <a:lnRef idx="1">
+            <a:schemeClr val="accent1"/>
+          </a:lnRef>
+          <a:fillRef idx="0">
+            <a:schemeClr val="accent1"/>
+          </a:fillRef>
+          <a:effectRef idx="0">
+            <a:schemeClr val="accent1"/>
+          </a:effectRef>
+          <a:fontRef idx="minor">
+            <a:schemeClr val="tx1"/>
+          </a:fontRef>
+        </p:style>
+        <p:txBody>
+          <a:bodyPr rtlCol="0" anchor="ctr"/>
+          <a:lstStyle/>
+          <a:p>
+            <a:pPr algn="ctr"/>
+            <a:endParaRPr lang="en-SG" dirty="0"/>
+          </a:p>
+        </p:txBody>
+      </p:sp>
+      <p:sp>
+        <p:nvSpPr>
+          <p:cNvPr id="16" name="Text Box 2">
+            <a:extLst>
+              <a:ext uri="{FF2B5EF4-FFF2-40B4-BE49-F238E27FC236}">
+                <a16:creationId xmlns:a16="http://schemas.microsoft.com/office/drawing/2014/main" id="{C588A42A-DB81-4566-BA44-A713DDE2D716}"/>
+              </a:ext>
+            </a:extLst>
+          </p:cNvPr>
+          <p:cNvSpPr txBox="1">
+            <a:spLocks noChangeArrowheads="1"/>
+          </p:cNvSpPr>
+          <p:nvPr/>
+        </p:nvSpPr>
+        <p:spPr bwMode="auto">
+          <a:xfrm>
+            <a:off x="2441359" y="3485225"/>
+            <a:ext cx="1351225" cy="1282082"/>
+          </a:xfrm>
+          <a:prstGeom prst="rect">
+            <a:avLst/>
+          </a:prstGeom>
+          <a:solidFill>
+            <a:schemeClr val="accent2"/>
+          </a:solidFill>
+          <a:ln w="9525">
+            <a:solidFill>
+              <a:srgbClr val="000000"/>
+            </a:solidFill>
+            <a:miter lim="800000"/>
+            <a:headEnd/>
+            <a:tailEnd/>
+          </a:ln>
+        </p:spPr>
+        <p:txBody>
+          <a:bodyPr rot="0" vert="horz" wrap="square" lIns="91440" tIns="45720" rIns="91440" bIns="45720" anchor="t" anchorCtr="0">
+            <a:noAutofit/>
+          </a:bodyPr>
+          <a:lstStyle/>
+          <a:p>
+            <a:pPr>
+              <a:lnSpc>
+                <a:spcPct val="107000"/>
+              </a:lnSpc>
+              <a:spcAft>
+                <a:spcPts val="800"/>
+              </a:spcAft>
+            </a:pPr>
+            <a:r>
+              <a:rPr lang="en-SG" sz="1200" b="1" dirty="0">
+                <a:solidFill>
+                  <a:schemeClr val="bg1"/>
+                </a:solidFill>
+                <a:effectLst/>
+                <a:latin typeface="Arial Nova Cond" panose="020B0506020202020204" pitchFamily="34" charset="0"/>
+                <a:ea typeface="Calibri" panose="020F0502020204030204" pitchFamily="34" charset="0"/>
+                <a:cs typeface="Times New Roman" panose="02020603050405020304" pitchFamily="18" charset="0"/>
+              </a:rPr>
+              <a:t>3. Panel will display the newly added project. Clicking on it will display the project card.</a:t>
+            </a:r>
+            <a:endParaRPr lang="en-SG" sz="1200" dirty="0">
+              <a:solidFill>
+                <a:schemeClr val="bg1"/>
+              </a:solidFill>
+              <a:effectLst/>
+              <a:latin typeface="Calibri" panose="020F0502020204030204" pitchFamily="34" charset="0"/>
+              <a:ea typeface="Calibri" panose="020F0502020204030204" pitchFamily="34" charset="0"/>
+              <a:cs typeface="Times New Roman" panose="02020603050405020304" pitchFamily="18" charset="0"/>
+            </a:endParaRPr>
+          </a:p>
+        </p:txBody>
+      </p:sp>
+      <p:cxnSp>
+        <p:nvCxnSpPr>
+          <p:cNvPr id="17" name="Straight Arrow Connector 16">
+            <a:extLst>
+              <a:ext uri="{FF2B5EF4-FFF2-40B4-BE49-F238E27FC236}">
+                <a16:creationId xmlns:a16="http://schemas.microsoft.com/office/drawing/2014/main" id="{3DEAB8B1-49CA-4625-BF07-E338095951D1}"/>
+              </a:ext>
+            </a:extLst>
+          </p:cNvPr>
+          <p:cNvCxnSpPr>
+            <a:cxnSpLocks/>
+          </p:cNvCxnSpPr>
+          <p:nvPr/>
+        </p:nvCxnSpPr>
+        <p:spPr>
+          <a:xfrm>
+            <a:off x="3792584" y="4121829"/>
+            <a:ext cx="1631672" cy="0"/>
+          </a:xfrm>
+          <a:prstGeom prst="straightConnector1">
+            <a:avLst/>
+          </a:prstGeom>
+          <a:ln>
+            <a:solidFill>
+              <a:schemeClr val="accent2"/>
+            </a:solidFill>
+            <a:tailEnd type="triangle"/>
+          </a:ln>
+        </p:spPr>
+        <p:style>
+          <a:lnRef idx="1">
+            <a:schemeClr val="accent1"/>
+          </a:lnRef>
+          <a:fillRef idx="0">
+            <a:schemeClr val="accent1"/>
+          </a:fillRef>
+          <a:effectRef idx="0">
+            <a:schemeClr val="accent1"/>
+          </a:effectRef>
+          <a:fontRef idx="minor">
+            <a:schemeClr val="tx1"/>
+          </a:fontRef>
+        </p:style>
+      </p:cxnSp>
+      <p:sp>
+        <p:nvSpPr>
+          <p:cNvPr id="19" name="Text Box 2">
+            <a:extLst>
+              <a:ext uri="{FF2B5EF4-FFF2-40B4-BE49-F238E27FC236}">
+                <a16:creationId xmlns:a16="http://schemas.microsoft.com/office/drawing/2014/main" id="{6AEE2983-29BE-4830-BB29-E21317E73D4E}"/>
+              </a:ext>
+            </a:extLst>
+          </p:cNvPr>
+          <p:cNvSpPr txBox="1">
+            <a:spLocks noChangeArrowheads="1"/>
+          </p:cNvSpPr>
+          <p:nvPr/>
+        </p:nvSpPr>
+        <p:spPr bwMode="auto">
+          <a:xfrm>
+            <a:off x="5477523" y="5513040"/>
+            <a:ext cx="3400148" cy="519333"/>
+          </a:xfrm>
+          <a:prstGeom prst="rect">
+            <a:avLst/>
+          </a:prstGeom>
+          <a:solidFill>
+            <a:schemeClr val="accent2"/>
+          </a:solidFill>
+          <a:ln w="9525">
+            <a:solidFill>
+              <a:srgbClr val="000000"/>
+            </a:solidFill>
+            <a:miter lim="800000"/>
+            <a:headEnd/>
+            <a:tailEnd/>
+          </a:ln>
+        </p:spPr>
+        <p:txBody>
+          <a:bodyPr rot="0" vert="horz" wrap="square" lIns="91440" tIns="45720" rIns="91440" bIns="45720" anchor="t" anchorCtr="0">
+            <a:noAutofit/>
+          </a:bodyPr>
+          <a:lstStyle/>
+          <a:p>
+            <a:pPr>
+              <a:lnSpc>
+                <a:spcPct val="107000"/>
+              </a:lnSpc>
+              <a:spcAft>
+                <a:spcPts val="800"/>
+              </a:spcAft>
+            </a:pPr>
+            <a:r>
+              <a:rPr lang="en-SG" sz="1200" b="1" dirty="0">
+                <a:solidFill>
+                  <a:schemeClr val="bg1"/>
+                </a:solidFill>
+                <a:effectLst/>
+                <a:latin typeface="Arial Nova Cond" panose="020B0506020202020204" pitchFamily="34" charset="0"/>
+                <a:ea typeface="Calibri" panose="020F0502020204030204" pitchFamily="34" charset="0"/>
+                <a:cs typeface="Times New Roman" panose="02020603050405020304" pitchFamily="18" charset="0"/>
+              </a:rPr>
+              <a:t>4. The project card which contains key initial details of the project.</a:t>
+            </a:r>
+            <a:endParaRPr lang="en-SG" sz="1200" dirty="0">
+              <a:solidFill>
+                <a:schemeClr val="bg1"/>
+              </a:solidFill>
+              <a:effectLst/>
+              <a:latin typeface="Calibri" panose="020F0502020204030204" pitchFamily="34" charset="0"/>
+              <a:ea typeface="Calibri" panose="020F0502020204030204" pitchFamily="34" charset="0"/>
+              <a:cs typeface="Times New Roman" panose="02020603050405020304" pitchFamily="18" charset="0"/>
+            </a:endParaRPr>
+          </a:p>
+        </p:txBody>
+      </p:sp>
+      <p:sp>
+        <p:nvSpPr>
+          <p:cNvPr id="21" name="TextBox 20">
+            <a:extLst>
+              <a:ext uri="{FF2B5EF4-FFF2-40B4-BE49-F238E27FC236}">
+                <a16:creationId xmlns:a16="http://schemas.microsoft.com/office/drawing/2014/main" id="{18EE55AF-F077-4867-B380-0675BC328F9B}"/>
+              </a:ext>
+            </a:extLst>
+          </p:cNvPr>
+          <p:cNvSpPr txBox="1"/>
+          <p:nvPr/>
+        </p:nvSpPr>
+        <p:spPr>
+          <a:xfrm>
+            <a:off x="5628443" y="3045041"/>
+            <a:ext cx="3080551" cy="519308"/>
+          </a:xfrm>
+          <a:prstGeom prst="rect">
+            <a:avLst/>
+          </a:prstGeom>
+          <a:noFill/>
+          <a:ln w="57150">
+            <a:solidFill>
+              <a:schemeClr val="accent2"/>
+            </a:solidFill>
+          </a:ln>
+        </p:spPr>
+        <p:txBody>
+          <a:bodyPr wrap="square" rtlCol="0">
+            <a:spAutoFit/>
+          </a:bodyPr>
+          <a:lstStyle/>
+          <a:p>
+            <a:endParaRPr lang="en-SG" dirty="0"/>
+          </a:p>
+        </p:txBody>
+      </p:sp>
+      <p:sp>
+        <p:nvSpPr>
+          <p:cNvPr id="22" name="Text Box 2">
+            <a:extLst>
+              <a:ext uri="{FF2B5EF4-FFF2-40B4-BE49-F238E27FC236}">
+                <a16:creationId xmlns:a16="http://schemas.microsoft.com/office/drawing/2014/main" id="{4C0D30C6-DC8B-42D0-9BF4-E266D34F3539}"/>
+              </a:ext>
+            </a:extLst>
+          </p:cNvPr>
+          <p:cNvSpPr txBox="1">
+            <a:spLocks noChangeArrowheads="1"/>
+          </p:cNvSpPr>
+          <p:nvPr/>
+        </p:nvSpPr>
+        <p:spPr bwMode="auto">
+          <a:xfrm>
+            <a:off x="9687017" y="2649613"/>
+            <a:ext cx="1566260" cy="1282082"/>
+          </a:xfrm>
+          <a:prstGeom prst="rect">
+            <a:avLst/>
+          </a:prstGeom>
+          <a:solidFill>
+            <a:schemeClr val="accent2"/>
+          </a:solidFill>
+          <a:ln w="9525">
+            <a:solidFill>
+              <a:srgbClr val="000000"/>
+            </a:solidFill>
+            <a:miter lim="800000"/>
+            <a:headEnd/>
+            <a:tailEnd/>
+          </a:ln>
+        </p:spPr>
+        <p:txBody>
+          <a:bodyPr rot="0" vert="horz" wrap="square" lIns="91440" tIns="45720" rIns="91440" bIns="45720" anchor="t" anchorCtr="0">
+            <a:noAutofit/>
+          </a:bodyPr>
+          <a:lstStyle/>
+          <a:p>
+            <a:pPr>
+              <a:lnSpc>
+                <a:spcPct val="107000"/>
+              </a:lnSpc>
+              <a:spcAft>
+                <a:spcPts val="800"/>
+              </a:spcAft>
+            </a:pPr>
+            <a:r>
+              <a:rPr lang="en-SG" sz="1200" b="1" dirty="0">
+                <a:solidFill>
+                  <a:schemeClr val="bg1"/>
+                </a:solidFill>
+                <a:latin typeface="Arial Nova Cond" panose="020B0506020202020204" pitchFamily="34" charset="0"/>
+                <a:ea typeface="Calibri" panose="020F0502020204030204" pitchFamily="34" charset="0"/>
+                <a:cs typeface="Times New Roman" panose="02020603050405020304" pitchFamily="18" charset="0"/>
+              </a:rPr>
+              <a:t>5</a:t>
+            </a:r>
+            <a:r>
+              <a:rPr lang="en-SG" sz="1200" b="1" dirty="0">
+                <a:solidFill>
+                  <a:schemeClr val="bg1"/>
+                </a:solidFill>
+                <a:effectLst/>
+                <a:latin typeface="Arial Nova Cond" panose="020B0506020202020204" pitchFamily="34" charset="0"/>
+                <a:ea typeface="Calibri" panose="020F0502020204030204" pitchFamily="34" charset="0"/>
+                <a:cs typeface="Times New Roman" panose="02020603050405020304" pitchFamily="18" charset="0"/>
+              </a:rPr>
+              <a:t>. The project is created with a default description. The description has to be edited using the edit project command</a:t>
+            </a:r>
+            <a:endParaRPr lang="en-SG" sz="1200" dirty="0">
+              <a:solidFill>
+                <a:schemeClr val="bg1"/>
+              </a:solidFill>
+              <a:effectLst/>
+              <a:latin typeface="Calibri" panose="020F0502020204030204" pitchFamily="34" charset="0"/>
+              <a:ea typeface="Calibri" panose="020F0502020204030204" pitchFamily="34" charset="0"/>
+              <a:cs typeface="Times New Roman" panose="02020603050405020304" pitchFamily="18" charset="0"/>
+            </a:endParaRPr>
+          </a:p>
+        </p:txBody>
+      </p:sp>
+      <p:cxnSp>
+        <p:nvCxnSpPr>
+          <p:cNvPr id="23" name="Straight Arrow Connector 22">
+            <a:extLst>
+              <a:ext uri="{FF2B5EF4-FFF2-40B4-BE49-F238E27FC236}">
+                <a16:creationId xmlns:a16="http://schemas.microsoft.com/office/drawing/2014/main" id="{7F438014-65E3-406D-B9AD-48D998496138}"/>
+              </a:ext>
+            </a:extLst>
+          </p:cNvPr>
+          <p:cNvCxnSpPr>
+            <a:cxnSpLocks/>
+          </p:cNvCxnSpPr>
+          <p:nvPr/>
+        </p:nvCxnSpPr>
+        <p:spPr>
+          <a:xfrm flipH="1">
+            <a:off x="8748294" y="3290654"/>
+            <a:ext cx="938724" cy="0"/>
+          </a:xfrm>
+          <a:prstGeom prst="straightConnector1">
+            <a:avLst/>
+          </a:prstGeom>
+          <a:ln>
+            <a:solidFill>
+              <a:schemeClr val="accent2"/>
+            </a:solidFill>
+            <a:tailEnd type="triangle"/>
+          </a:ln>
+        </p:spPr>
+        <p:style>
+          <a:lnRef idx="1">
+            <a:schemeClr val="accent1"/>
+          </a:lnRef>
+          <a:fillRef idx="0">
+            <a:schemeClr val="accent1"/>
+          </a:fillRef>
+          <a:effectRef idx="0">
+            <a:schemeClr val="accent1"/>
+          </a:effectRef>
+          <a:fontRef idx="minor">
+            <a:schemeClr val="tx1"/>
+          </a:fontRef>
+        </p:style>
+      </p:cxnSp>
+    </p:spTree>
+    <p:extLst>
+      <p:ext uri="{BB962C8B-B14F-4D97-AF65-F5344CB8AC3E}">
+        <p14:creationId xmlns:p14="http://schemas.microsoft.com/office/powerpoint/2010/main" val="1533643954"/>
       </p:ext>
     </p:extLst>
   </p:cSld>

--- a/docs/diagrams/ui_annotated.pptx
+++ b/docs/diagrams/ui_annotated.pptx
@@ -10,6 +10,12 @@
     <p:sldId id="259" r:id="rId4"/>
     <p:sldId id="260" r:id="rId5"/>
     <p:sldId id="264" r:id="rId6"/>
+    <p:sldId id="267" r:id="rId7"/>
+    <p:sldId id="268" r:id="rId8"/>
+    <p:sldId id="266" r:id="rId9"/>
+    <p:sldId id="269" r:id="rId10"/>
+    <p:sldId id="270" r:id="rId11"/>
+    <p:sldId id="271" r:id="rId12"/>
   </p:sldIdLst>
   <p:sldSz cx="12192000" cy="6858000"/>
   <p:notesSz cx="6858000" cy="9144000"/>
@@ -265,7 +271,7 @@
           <a:p>
             <a:fld id="{F0B7906A-B038-4706-83B2-00193F0E7D27}" type="datetimeFigureOut">
               <a:rPr lang="en-SG" smtClean="0"/>
-              <a:t>11/4/2019</a:t>
+              <a:t>12/4/2019</a:t>
             </a:fld>
             <a:endParaRPr lang="en-SG"/>
           </a:p>
@@ -465,7 +471,7 @@
           <a:p>
             <a:fld id="{F0B7906A-B038-4706-83B2-00193F0E7D27}" type="datetimeFigureOut">
               <a:rPr lang="en-SG" smtClean="0"/>
-              <a:t>11/4/2019</a:t>
+              <a:t>12/4/2019</a:t>
             </a:fld>
             <a:endParaRPr lang="en-SG"/>
           </a:p>
@@ -675,7 +681,7 @@
           <a:p>
             <a:fld id="{F0B7906A-B038-4706-83B2-00193F0E7D27}" type="datetimeFigureOut">
               <a:rPr lang="en-SG" smtClean="0"/>
-              <a:t>11/4/2019</a:t>
+              <a:t>12/4/2019</a:t>
             </a:fld>
             <a:endParaRPr lang="en-SG"/>
           </a:p>
@@ -875,7 +881,7 @@
           <a:p>
             <a:fld id="{F0B7906A-B038-4706-83B2-00193F0E7D27}" type="datetimeFigureOut">
               <a:rPr lang="en-SG" smtClean="0"/>
-              <a:t>11/4/2019</a:t>
+              <a:t>12/4/2019</a:t>
             </a:fld>
             <a:endParaRPr lang="en-SG"/>
           </a:p>
@@ -1151,7 +1157,7 @@
           <a:p>
             <a:fld id="{F0B7906A-B038-4706-83B2-00193F0E7D27}" type="datetimeFigureOut">
               <a:rPr lang="en-SG" smtClean="0"/>
-              <a:t>11/4/2019</a:t>
+              <a:t>12/4/2019</a:t>
             </a:fld>
             <a:endParaRPr lang="en-SG"/>
           </a:p>
@@ -1419,7 +1425,7 @@
           <a:p>
             <a:fld id="{F0B7906A-B038-4706-83B2-00193F0E7D27}" type="datetimeFigureOut">
               <a:rPr lang="en-SG" smtClean="0"/>
-              <a:t>11/4/2019</a:t>
+              <a:t>12/4/2019</a:t>
             </a:fld>
             <a:endParaRPr lang="en-SG"/>
           </a:p>
@@ -1834,7 +1840,7 @@
           <a:p>
             <a:fld id="{F0B7906A-B038-4706-83B2-00193F0E7D27}" type="datetimeFigureOut">
               <a:rPr lang="en-SG" smtClean="0"/>
-              <a:t>11/4/2019</a:t>
+              <a:t>12/4/2019</a:t>
             </a:fld>
             <a:endParaRPr lang="en-SG"/>
           </a:p>
@@ -1976,7 +1982,7 @@
           <a:p>
             <a:fld id="{F0B7906A-B038-4706-83B2-00193F0E7D27}" type="datetimeFigureOut">
               <a:rPr lang="en-SG" smtClean="0"/>
-              <a:t>11/4/2019</a:t>
+              <a:t>12/4/2019</a:t>
             </a:fld>
             <a:endParaRPr lang="en-SG"/>
           </a:p>
@@ -2089,7 +2095,7 @@
           <a:p>
             <a:fld id="{F0B7906A-B038-4706-83B2-00193F0E7D27}" type="datetimeFigureOut">
               <a:rPr lang="en-SG" smtClean="0"/>
-              <a:t>11/4/2019</a:t>
+              <a:t>12/4/2019</a:t>
             </a:fld>
             <a:endParaRPr lang="en-SG"/>
           </a:p>
@@ -2402,7 +2408,7 @@
           <a:p>
             <a:fld id="{F0B7906A-B038-4706-83B2-00193F0E7D27}" type="datetimeFigureOut">
               <a:rPr lang="en-SG" smtClean="0"/>
-              <a:t>11/4/2019</a:t>
+              <a:t>12/4/2019</a:t>
             </a:fld>
             <a:endParaRPr lang="en-SG"/>
           </a:p>
@@ -2691,7 +2697,7 @@
           <a:p>
             <a:fld id="{F0B7906A-B038-4706-83B2-00193F0E7D27}" type="datetimeFigureOut">
               <a:rPr lang="en-SG" smtClean="0"/>
-              <a:t>11/4/2019</a:t>
+              <a:t>12/4/2019</a:t>
             </a:fld>
             <a:endParaRPr lang="en-SG"/>
           </a:p>
@@ -2934,7 +2940,7 @@
           <a:p>
             <a:fld id="{F0B7906A-B038-4706-83B2-00193F0E7D27}" type="datetimeFigureOut">
               <a:rPr lang="en-SG" smtClean="0"/>
-              <a:t>11/4/2019</a:t>
+              <a:t>12/4/2019</a:t>
             </a:fld>
             <a:endParaRPr lang="en-SG"/>
           </a:p>
@@ -3801,7 +3807,7 @@
           <a:lstStyle/>
           <a:p>
             <a:pPr algn="ctr"/>
-            <a:endParaRPr lang="en-SG" dirty="0"/>
+            <a:endParaRPr lang="en-SG"/>
           </a:p>
         </p:txBody>
       </p:sp>
@@ -3943,6 +3949,2554 @@
     <p:extLst>
       <p:ext uri="{BB962C8B-B14F-4D97-AF65-F5344CB8AC3E}">
         <p14:creationId xmlns:p14="http://schemas.microsoft.com/office/powerpoint/2010/main" val="3802157393"/>
+      </p:ext>
+    </p:extLst>
+  </p:cSld>
+  <p:clrMapOvr>
+    <a:masterClrMapping/>
+  </p:clrMapOvr>
+</p:sld>
+</file>
+
+<file path=ppt/slides/slide10.xml><?xml version="1.0" encoding="utf-8"?>
+<p:sld xmlns:a="http://schemas.openxmlformats.org/drawingml/2006/main" xmlns:r="http://schemas.openxmlformats.org/officeDocument/2006/relationships" xmlns:p="http://schemas.openxmlformats.org/presentationml/2006/main">
+  <p:cSld>
+    <p:spTree>
+      <p:nvGrpSpPr>
+        <p:cNvPr id="1" name=""/>
+        <p:cNvGrpSpPr/>
+        <p:nvPr/>
+      </p:nvGrpSpPr>
+      <p:grpSpPr>
+        <a:xfrm>
+          <a:off x="0" y="0"/>
+          <a:ext cx="0" cy="0"/>
+          <a:chOff x="0" y="0"/>
+          <a:chExt cx="0" cy="0"/>
+        </a:xfrm>
+      </p:grpSpPr>
+      <p:pic>
+        <p:nvPicPr>
+          <p:cNvPr id="2" name="Picture 1">
+            <a:extLst>
+              <a:ext uri="{FF2B5EF4-FFF2-40B4-BE49-F238E27FC236}">
+                <a16:creationId xmlns:a16="http://schemas.microsoft.com/office/drawing/2014/main" id="{31E64AFC-D99F-48D4-8EB5-BCF0A54C2368}"/>
+              </a:ext>
+            </a:extLst>
+          </p:cNvPr>
+          <p:cNvPicPr>
+            <a:picLocks noChangeAspect="1"/>
+          </p:cNvPicPr>
+          <p:nvPr/>
+        </p:nvPicPr>
+        <p:blipFill rotWithShape="1">
+          <a:blip r:embed="rId2"/>
+          <a:srcRect b="77222"/>
+          <a:stretch/>
+        </p:blipFill>
+        <p:spPr>
+          <a:xfrm>
+            <a:off x="0" y="0"/>
+            <a:ext cx="12192000" cy="2149200"/>
+          </a:xfrm>
+          <a:prstGeom prst="rect">
+            <a:avLst/>
+          </a:prstGeom>
+          <a:ln w="28575">
+            <a:solidFill>
+              <a:schemeClr val="tx1"/>
+            </a:solidFill>
+          </a:ln>
+        </p:spPr>
+      </p:pic>
+      <p:pic>
+        <p:nvPicPr>
+          <p:cNvPr id="3" name="Picture 2">
+            <a:extLst>
+              <a:ext uri="{FF2B5EF4-FFF2-40B4-BE49-F238E27FC236}">
+                <a16:creationId xmlns:a16="http://schemas.microsoft.com/office/drawing/2014/main" id="{CE3A7B71-1EFF-4875-99D5-087DCE00E3B5}"/>
+              </a:ext>
+            </a:extLst>
+          </p:cNvPr>
+          <p:cNvPicPr>
+            <a:picLocks noChangeAspect="1"/>
+          </p:cNvPicPr>
+          <p:nvPr/>
+        </p:nvPicPr>
+        <p:blipFill rotWithShape="1">
+          <a:blip r:embed="rId3"/>
+          <a:srcRect b="76944"/>
+          <a:stretch/>
+        </p:blipFill>
+        <p:spPr>
+          <a:xfrm>
+            <a:off x="0" y="2354400"/>
+            <a:ext cx="12192000" cy="2149200"/>
+          </a:xfrm>
+          <a:prstGeom prst="rect">
+            <a:avLst/>
+          </a:prstGeom>
+          <a:ln w="28575">
+            <a:solidFill>
+              <a:schemeClr val="tx1"/>
+            </a:solidFill>
+          </a:ln>
+        </p:spPr>
+      </p:pic>
+      <p:pic>
+        <p:nvPicPr>
+          <p:cNvPr id="4" name="Picture 3">
+            <a:extLst>
+              <a:ext uri="{FF2B5EF4-FFF2-40B4-BE49-F238E27FC236}">
+                <a16:creationId xmlns:a16="http://schemas.microsoft.com/office/drawing/2014/main" id="{B4C0AA79-783C-4359-8D30-95F8F40BD5E1}"/>
+              </a:ext>
+            </a:extLst>
+          </p:cNvPr>
+          <p:cNvPicPr>
+            <a:picLocks noChangeAspect="1"/>
+          </p:cNvPicPr>
+          <p:nvPr/>
+        </p:nvPicPr>
+        <p:blipFill rotWithShape="1">
+          <a:blip r:embed="rId4"/>
+          <a:srcRect b="77361"/>
+          <a:stretch/>
+        </p:blipFill>
+        <p:spPr>
+          <a:xfrm>
+            <a:off x="0" y="4708800"/>
+            <a:ext cx="12192000" cy="2149200"/>
+          </a:xfrm>
+          <a:prstGeom prst="rect">
+            <a:avLst/>
+          </a:prstGeom>
+          <a:ln w="28575">
+            <a:solidFill>
+              <a:schemeClr val="tx1"/>
+            </a:solidFill>
+          </a:ln>
+        </p:spPr>
+      </p:pic>
+      <p:sp>
+        <p:nvSpPr>
+          <p:cNvPr id="5" name="TextBox 4">
+            <a:extLst>
+              <a:ext uri="{FF2B5EF4-FFF2-40B4-BE49-F238E27FC236}">
+                <a16:creationId xmlns:a16="http://schemas.microsoft.com/office/drawing/2014/main" id="{A87A28A6-4FED-4AE7-B784-034B0B74F6EC}"/>
+              </a:ext>
+            </a:extLst>
+          </p:cNvPr>
+          <p:cNvSpPr txBox="1"/>
+          <p:nvPr/>
+        </p:nvSpPr>
+        <p:spPr>
+          <a:xfrm>
+            <a:off x="2325950" y="630315"/>
+            <a:ext cx="825623" cy="390617"/>
+          </a:xfrm>
+          <a:prstGeom prst="rect">
+            <a:avLst/>
+          </a:prstGeom>
+          <a:noFill/>
+          <a:ln w="38100">
+            <a:solidFill>
+              <a:schemeClr val="accent2"/>
+            </a:solidFill>
+          </a:ln>
+        </p:spPr>
+        <p:txBody>
+          <a:bodyPr wrap="square" rtlCol="0">
+            <a:spAutoFit/>
+          </a:bodyPr>
+          <a:lstStyle/>
+          <a:p>
+            <a:endParaRPr lang="en-SG" dirty="0"/>
+          </a:p>
+        </p:txBody>
+      </p:sp>
+      <p:sp>
+        <p:nvSpPr>
+          <p:cNvPr id="13" name="TextBox 12">
+            <a:extLst>
+              <a:ext uri="{FF2B5EF4-FFF2-40B4-BE49-F238E27FC236}">
+                <a16:creationId xmlns:a16="http://schemas.microsoft.com/office/drawing/2014/main" id="{63B3C40B-5C9B-464B-8288-B8EDD9F92C1C}"/>
+              </a:ext>
+            </a:extLst>
+          </p:cNvPr>
+          <p:cNvSpPr txBox="1"/>
+          <p:nvPr/>
+        </p:nvSpPr>
+        <p:spPr>
+          <a:xfrm>
+            <a:off x="0" y="6467383"/>
+            <a:ext cx="1677880" cy="390617"/>
+          </a:xfrm>
+          <a:prstGeom prst="rect">
+            <a:avLst/>
+          </a:prstGeom>
+          <a:noFill/>
+          <a:ln w="38100">
+            <a:solidFill>
+              <a:schemeClr val="accent2"/>
+            </a:solidFill>
+          </a:ln>
+        </p:spPr>
+        <p:txBody>
+          <a:bodyPr wrap="square" rtlCol="0">
+            <a:spAutoFit/>
+          </a:bodyPr>
+          <a:lstStyle/>
+          <a:p>
+            <a:endParaRPr lang="en-SG" dirty="0"/>
+          </a:p>
+        </p:txBody>
+      </p:sp>
+      <p:sp>
+        <p:nvSpPr>
+          <p:cNvPr id="14" name="TextBox 13">
+            <a:extLst>
+              <a:ext uri="{FF2B5EF4-FFF2-40B4-BE49-F238E27FC236}">
+                <a16:creationId xmlns:a16="http://schemas.microsoft.com/office/drawing/2014/main" id="{2637A608-41FA-44FF-A17B-DCA72F94BA59}"/>
+              </a:ext>
+            </a:extLst>
+          </p:cNvPr>
+          <p:cNvSpPr txBox="1"/>
+          <p:nvPr/>
+        </p:nvSpPr>
+        <p:spPr>
+          <a:xfrm>
+            <a:off x="2281561" y="5392783"/>
+            <a:ext cx="870011" cy="390617"/>
+          </a:xfrm>
+          <a:prstGeom prst="rect">
+            <a:avLst/>
+          </a:prstGeom>
+          <a:noFill/>
+          <a:ln w="38100">
+            <a:solidFill>
+              <a:schemeClr val="accent2"/>
+            </a:solidFill>
+          </a:ln>
+        </p:spPr>
+        <p:txBody>
+          <a:bodyPr wrap="square" rtlCol="0">
+            <a:spAutoFit/>
+          </a:bodyPr>
+          <a:lstStyle/>
+          <a:p>
+            <a:endParaRPr lang="en-SG" dirty="0"/>
+          </a:p>
+        </p:txBody>
+      </p:sp>
+      <p:sp>
+        <p:nvSpPr>
+          <p:cNvPr id="15" name="TextBox 14">
+            <a:extLst>
+              <a:ext uri="{FF2B5EF4-FFF2-40B4-BE49-F238E27FC236}">
+                <a16:creationId xmlns:a16="http://schemas.microsoft.com/office/drawing/2014/main" id="{CB9E914C-42A3-4021-AE14-092456223B4A}"/>
+              </a:ext>
+            </a:extLst>
+          </p:cNvPr>
+          <p:cNvSpPr txBox="1"/>
+          <p:nvPr/>
+        </p:nvSpPr>
+        <p:spPr>
+          <a:xfrm>
+            <a:off x="0" y="4113047"/>
+            <a:ext cx="1597981" cy="390617"/>
+          </a:xfrm>
+          <a:prstGeom prst="rect">
+            <a:avLst/>
+          </a:prstGeom>
+          <a:noFill/>
+          <a:ln w="38100">
+            <a:solidFill>
+              <a:schemeClr val="accent2"/>
+            </a:solidFill>
+          </a:ln>
+        </p:spPr>
+        <p:txBody>
+          <a:bodyPr wrap="square" rtlCol="0">
+            <a:spAutoFit/>
+          </a:bodyPr>
+          <a:lstStyle/>
+          <a:p>
+            <a:endParaRPr lang="en-SG" dirty="0"/>
+          </a:p>
+        </p:txBody>
+      </p:sp>
+      <p:sp>
+        <p:nvSpPr>
+          <p:cNvPr id="16" name="TextBox 15">
+            <a:extLst>
+              <a:ext uri="{FF2B5EF4-FFF2-40B4-BE49-F238E27FC236}">
+                <a16:creationId xmlns:a16="http://schemas.microsoft.com/office/drawing/2014/main" id="{8992D0BF-423B-41F1-B98C-519B8EE0CBC2}"/>
+              </a:ext>
+            </a:extLst>
+          </p:cNvPr>
+          <p:cNvSpPr txBox="1"/>
+          <p:nvPr/>
+        </p:nvSpPr>
+        <p:spPr>
+          <a:xfrm>
+            <a:off x="2281561" y="2998498"/>
+            <a:ext cx="914400" cy="390617"/>
+          </a:xfrm>
+          <a:prstGeom prst="rect">
+            <a:avLst/>
+          </a:prstGeom>
+          <a:noFill/>
+          <a:ln w="38100">
+            <a:solidFill>
+              <a:schemeClr val="accent2"/>
+            </a:solidFill>
+          </a:ln>
+        </p:spPr>
+        <p:txBody>
+          <a:bodyPr wrap="square" rtlCol="0">
+            <a:spAutoFit/>
+          </a:bodyPr>
+          <a:lstStyle/>
+          <a:p>
+            <a:endParaRPr lang="en-SG" dirty="0"/>
+          </a:p>
+        </p:txBody>
+      </p:sp>
+      <p:sp>
+        <p:nvSpPr>
+          <p:cNvPr id="17" name="TextBox 16">
+            <a:extLst>
+              <a:ext uri="{FF2B5EF4-FFF2-40B4-BE49-F238E27FC236}">
+                <a16:creationId xmlns:a16="http://schemas.microsoft.com/office/drawing/2014/main" id="{F0AAAB23-3DCD-4A6A-BC4B-143B7DD83B23}"/>
+              </a:ext>
+            </a:extLst>
+          </p:cNvPr>
+          <p:cNvSpPr txBox="1"/>
+          <p:nvPr/>
+        </p:nvSpPr>
+        <p:spPr>
+          <a:xfrm>
+            <a:off x="0" y="1782932"/>
+            <a:ext cx="1597981" cy="390617"/>
+          </a:xfrm>
+          <a:prstGeom prst="rect">
+            <a:avLst/>
+          </a:prstGeom>
+          <a:noFill/>
+          <a:ln w="38100">
+            <a:solidFill>
+              <a:schemeClr val="accent2"/>
+            </a:solidFill>
+          </a:ln>
+        </p:spPr>
+        <p:txBody>
+          <a:bodyPr wrap="square" rtlCol="0">
+            <a:spAutoFit/>
+          </a:bodyPr>
+          <a:lstStyle/>
+          <a:p>
+            <a:endParaRPr lang="en-SG" dirty="0"/>
+          </a:p>
+        </p:txBody>
+      </p:sp>
+      <p:sp>
+        <p:nvSpPr>
+          <p:cNvPr id="18" name="Text Box 2">
+            <a:extLst>
+              <a:ext uri="{FF2B5EF4-FFF2-40B4-BE49-F238E27FC236}">
+                <a16:creationId xmlns:a16="http://schemas.microsoft.com/office/drawing/2014/main" id="{6C2DD9F2-B817-4263-8C0B-2A1A9BEACB7A}"/>
+              </a:ext>
+            </a:extLst>
+          </p:cNvPr>
+          <p:cNvSpPr txBox="1">
+            <a:spLocks noChangeArrowheads="1"/>
+          </p:cNvSpPr>
+          <p:nvPr/>
+        </p:nvSpPr>
+        <p:spPr bwMode="auto">
+          <a:xfrm>
+            <a:off x="3854388" y="1745771"/>
+            <a:ext cx="5449410" cy="337353"/>
+          </a:xfrm>
+          <a:prstGeom prst="rect">
+            <a:avLst/>
+          </a:prstGeom>
+          <a:solidFill>
+            <a:schemeClr val="accent2"/>
+          </a:solidFill>
+          <a:ln w="9525">
+            <a:solidFill>
+              <a:srgbClr val="000000"/>
+            </a:solidFill>
+            <a:miter lim="800000"/>
+            <a:headEnd/>
+            <a:tailEnd/>
+          </a:ln>
+        </p:spPr>
+        <p:txBody>
+          <a:bodyPr rot="0" vert="horz" wrap="square" lIns="91440" tIns="45720" rIns="91440" bIns="45720" anchor="t" anchorCtr="0">
+            <a:noAutofit/>
+          </a:bodyPr>
+          <a:lstStyle/>
+          <a:p>
+            <a:pPr>
+              <a:lnSpc>
+                <a:spcPct val="107000"/>
+              </a:lnSpc>
+              <a:spcAft>
+                <a:spcPts val="800"/>
+              </a:spcAft>
+            </a:pPr>
+            <a:r>
+              <a:rPr lang="en-SG" sz="1200" b="1" dirty="0">
+                <a:solidFill>
+                  <a:schemeClr val="bg1"/>
+                </a:solidFill>
+                <a:latin typeface="Arial Nova Cond" panose="020B0506020202020204" pitchFamily="34" charset="0"/>
+                <a:ea typeface="Calibri" panose="020F0502020204030204" pitchFamily="34" charset="0"/>
+                <a:cs typeface="Times New Roman" panose="02020603050405020304" pitchFamily="18" charset="0"/>
+              </a:rPr>
+              <a:t>2. The input gets automatically translated to the target date in DD/MM/YYYY format.</a:t>
+            </a:r>
+            <a:endParaRPr lang="en-SG" sz="1200" dirty="0">
+              <a:solidFill>
+                <a:schemeClr val="bg1"/>
+              </a:solidFill>
+              <a:effectLst/>
+              <a:latin typeface="Calibri" panose="020F0502020204030204" pitchFamily="34" charset="0"/>
+              <a:ea typeface="Calibri" panose="020F0502020204030204" pitchFamily="34" charset="0"/>
+              <a:cs typeface="Times New Roman" panose="02020603050405020304" pitchFamily="18" charset="0"/>
+            </a:endParaRPr>
+          </a:p>
+        </p:txBody>
+      </p:sp>
+      <p:sp>
+        <p:nvSpPr>
+          <p:cNvPr id="19" name="Text Box 2">
+            <a:extLst>
+              <a:ext uri="{FF2B5EF4-FFF2-40B4-BE49-F238E27FC236}">
+                <a16:creationId xmlns:a16="http://schemas.microsoft.com/office/drawing/2014/main" id="{6D51E8B5-4233-4804-8E26-6953209E0E7D}"/>
+              </a:ext>
+            </a:extLst>
+          </p:cNvPr>
+          <p:cNvSpPr txBox="1">
+            <a:spLocks noChangeArrowheads="1"/>
+          </p:cNvSpPr>
+          <p:nvPr/>
+        </p:nvSpPr>
+        <p:spPr bwMode="auto">
+          <a:xfrm>
+            <a:off x="3854388" y="4116046"/>
+            <a:ext cx="5449410" cy="337353"/>
+          </a:xfrm>
+          <a:prstGeom prst="rect">
+            <a:avLst/>
+          </a:prstGeom>
+          <a:solidFill>
+            <a:schemeClr val="accent2"/>
+          </a:solidFill>
+          <a:ln w="9525">
+            <a:solidFill>
+              <a:srgbClr val="000000"/>
+            </a:solidFill>
+            <a:miter lim="800000"/>
+            <a:headEnd/>
+            <a:tailEnd/>
+          </a:ln>
+        </p:spPr>
+        <p:txBody>
+          <a:bodyPr rot="0" vert="horz" wrap="square" lIns="91440" tIns="45720" rIns="91440" bIns="45720" anchor="t" anchorCtr="0">
+            <a:noAutofit/>
+          </a:bodyPr>
+          <a:lstStyle/>
+          <a:p>
+            <a:pPr>
+              <a:lnSpc>
+                <a:spcPct val="107000"/>
+              </a:lnSpc>
+              <a:spcAft>
+                <a:spcPts val="800"/>
+              </a:spcAft>
+            </a:pPr>
+            <a:r>
+              <a:rPr lang="en-SG" sz="1200" b="1" dirty="0">
+                <a:solidFill>
+                  <a:schemeClr val="bg1"/>
+                </a:solidFill>
+                <a:latin typeface="Arial Nova Cond" panose="020B0506020202020204" pitchFamily="34" charset="0"/>
+                <a:ea typeface="Calibri" panose="020F0502020204030204" pitchFamily="34" charset="0"/>
+                <a:cs typeface="Times New Roman" panose="02020603050405020304" pitchFamily="18" charset="0"/>
+              </a:rPr>
+              <a:t>2. The input gets automatically translated to the target date in DD/MM/YYYY format.</a:t>
+            </a:r>
+            <a:endParaRPr lang="en-SG" sz="1200" dirty="0">
+              <a:solidFill>
+                <a:schemeClr val="bg1"/>
+              </a:solidFill>
+              <a:effectLst/>
+              <a:latin typeface="Calibri" panose="020F0502020204030204" pitchFamily="34" charset="0"/>
+              <a:ea typeface="Calibri" panose="020F0502020204030204" pitchFamily="34" charset="0"/>
+              <a:cs typeface="Times New Roman" panose="02020603050405020304" pitchFamily="18" charset="0"/>
+            </a:endParaRPr>
+          </a:p>
+        </p:txBody>
+      </p:sp>
+      <p:sp>
+        <p:nvSpPr>
+          <p:cNvPr id="20" name="Text Box 2">
+            <a:extLst>
+              <a:ext uri="{FF2B5EF4-FFF2-40B4-BE49-F238E27FC236}">
+                <a16:creationId xmlns:a16="http://schemas.microsoft.com/office/drawing/2014/main" id="{922361C9-8E41-43AA-A166-128528E4B0C5}"/>
+              </a:ext>
+            </a:extLst>
+          </p:cNvPr>
+          <p:cNvSpPr txBox="1">
+            <a:spLocks noChangeArrowheads="1"/>
+          </p:cNvSpPr>
+          <p:nvPr/>
+        </p:nvSpPr>
+        <p:spPr bwMode="auto">
+          <a:xfrm>
+            <a:off x="3854388" y="6494014"/>
+            <a:ext cx="5449410" cy="337353"/>
+          </a:xfrm>
+          <a:prstGeom prst="rect">
+            <a:avLst/>
+          </a:prstGeom>
+          <a:solidFill>
+            <a:schemeClr val="accent2"/>
+          </a:solidFill>
+          <a:ln w="9525">
+            <a:solidFill>
+              <a:srgbClr val="000000"/>
+            </a:solidFill>
+            <a:miter lim="800000"/>
+            <a:headEnd/>
+            <a:tailEnd/>
+          </a:ln>
+        </p:spPr>
+        <p:txBody>
+          <a:bodyPr rot="0" vert="horz" wrap="square" lIns="91440" tIns="45720" rIns="91440" bIns="45720" anchor="t" anchorCtr="0">
+            <a:noAutofit/>
+          </a:bodyPr>
+          <a:lstStyle/>
+          <a:p>
+            <a:pPr>
+              <a:lnSpc>
+                <a:spcPct val="107000"/>
+              </a:lnSpc>
+              <a:spcAft>
+                <a:spcPts val="800"/>
+              </a:spcAft>
+            </a:pPr>
+            <a:r>
+              <a:rPr lang="en-SG" sz="1200" b="1" dirty="0">
+                <a:solidFill>
+                  <a:schemeClr val="bg1"/>
+                </a:solidFill>
+                <a:latin typeface="Arial Nova Cond" panose="020B0506020202020204" pitchFamily="34" charset="0"/>
+                <a:ea typeface="Calibri" panose="020F0502020204030204" pitchFamily="34" charset="0"/>
+                <a:cs typeface="Times New Roman" panose="02020603050405020304" pitchFamily="18" charset="0"/>
+              </a:rPr>
+              <a:t>2. The input gets automatically translated to the target date in DD/MM/YYYY format.</a:t>
+            </a:r>
+            <a:endParaRPr lang="en-SG" sz="1200" dirty="0">
+              <a:solidFill>
+                <a:schemeClr val="bg1"/>
+              </a:solidFill>
+              <a:effectLst/>
+              <a:latin typeface="Calibri" panose="020F0502020204030204" pitchFamily="34" charset="0"/>
+              <a:ea typeface="Calibri" panose="020F0502020204030204" pitchFamily="34" charset="0"/>
+              <a:cs typeface="Times New Roman" panose="02020603050405020304" pitchFamily="18" charset="0"/>
+            </a:endParaRPr>
+          </a:p>
+        </p:txBody>
+      </p:sp>
+      <p:sp>
+        <p:nvSpPr>
+          <p:cNvPr id="21" name="Text Box 2">
+            <a:extLst>
+              <a:ext uri="{FF2B5EF4-FFF2-40B4-BE49-F238E27FC236}">
+                <a16:creationId xmlns:a16="http://schemas.microsoft.com/office/drawing/2014/main" id="{A3D28800-973B-4B6F-8951-47D7D9BC4B77}"/>
+              </a:ext>
+            </a:extLst>
+          </p:cNvPr>
+          <p:cNvSpPr txBox="1">
+            <a:spLocks noChangeArrowheads="1"/>
+          </p:cNvSpPr>
+          <p:nvPr/>
+        </p:nvSpPr>
+        <p:spPr bwMode="auto">
+          <a:xfrm>
+            <a:off x="5501986" y="604558"/>
+            <a:ext cx="3801812" cy="442129"/>
+          </a:xfrm>
+          <a:prstGeom prst="rect">
+            <a:avLst/>
+          </a:prstGeom>
+          <a:solidFill>
+            <a:schemeClr val="accent2"/>
+          </a:solidFill>
+          <a:ln w="9525">
+            <a:solidFill>
+              <a:srgbClr val="000000"/>
+            </a:solidFill>
+            <a:miter lim="800000"/>
+            <a:headEnd/>
+            <a:tailEnd/>
+          </a:ln>
+        </p:spPr>
+        <p:txBody>
+          <a:bodyPr rot="0" vert="horz" wrap="square" lIns="91440" tIns="45720" rIns="91440" bIns="45720" anchor="t" anchorCtr="0">
+            <a:noAutofit/>
+          </a:bodyPr>
+          <a:lstStyle/>
+          <a:p>
+            <a:pPr>
+              <a:lnSpc>
+                <a:spcPct val="107000"/>
+              </a:lnSpc>
+              <a:spcAft>
+                <a:spcPts val="800"/>
+              </a:spcAft>
+            </a:pPr>
+            <a:r>
+              <a:rPr lang="en-SG" sz="1200" b="1" dirty="0">
+                <a:solidFill>
+                  <a:schemeClr val="bg1"/>
+                </a:solidFill>
+                <a:latin typeface="Arial Nova Cond" panose="020B0506020202020204" pitchFamily="34" charset="0"/>
+                <a:ea typeface="Calibri" panose="020F0502020204030204" pitchFamily="34" charset="0"/>
+                <a:cs typeface="Times New Roman" panose="02020603050405020304" pitchFamily="18" charset="0"/>
+              </a:rPr>
+              <a:t>1. User has targeted the current week’s Thursday as the start date of the project.</a:t>
+            </a:r>
+            <a:endParaRPr lang="en-SG" sz="1200" dirty="0">
+              <a:solidFill>
+                <a:schemeClr val="bg1"/>
+              </a:solidFill>
+              <a:effectLst/>
+              <a:latin typeface="Calibri" panose="020F0502020204030204" pitchFamily="34" charset="0"/>
+              <a:ea typeface="Calibri" panose="020F0502020204030204" pitchFamily="34" charset="0"/>
+              <a:cs typeface="Times New Roman" panose="02020603050405020304" pitchFamily="18" charset="0"/>
+            </a:endParaRPr>
+          </a:p>
+        </p:txBody>
+      </p:sp>
+      <p:sp>
+        <p:nvSpPr>
+          <p:cNvPr id="23" name="Text Box 2">
+            <a:extLst>
+              <a:ext uri="{FF2B5EF4-FFF2-40B4-BE49-F238E27FC236}">
+                <a16:creationId xmlns:a16="http://schemas.microsoft.com/office/drawing/2014/main" id="{3F18C01D-B380-4302-B8DC-9A9D24A99102}"/>
+              </a:ext>
+            </a:extLst>
+          </p:cNvPr>
+          <p:cNvSpPr txBox="1">
+            <a:spLocks noChangeArrowheads="1"/>
+          </p:cNvSpPr>
+          <p:nvPr/>
+        </p:nvSpPr>
+        <p:spPr bwMode="auto">
+          <a:xfrm>
+            <a:off x="5501986" y="2944858"/>
+            <a:ext cx="3801812" cy="442129"/>
+          </a:xfrm>
+          <a:prstGeom prst="rect">
+            <a:avLst/>
+          </a:prstGeom>
+          <a:solidFill>
+            <a:schemeClr val="accent2"/>
+          </a:solidFill>
+          <a:ln w="9525">
+            <a:solidFill>
+              <a:srgbClr val="000000"/>
+            </a:solidFill>
+            <a:miter lim="800000"/>
+            <a:headEnd/>
+            <a:tailEnd/>
+          </a:ln>
+        </p:spPr>
+        <p:txBody>
+          <a:bodyPr rot="0" vert="horz" wrap="square" lIns="91440" tIns="45720" rIns="91440" bIns="45720" anchor="t" anchorCtr="0">
+            <a:noAutofit/>
+          </a:bodyPr>
+          <a:lstStyle/>
+          <a:p>
+            <a:pPr>
+              <a:lnSpc>
+                <a:spcPct val="107000"/>
+              </a:lnSpc>
+              <a:spcAft>
+                <a:spcPts val="800"/>
+              </a:spcAft>
+            </a:pPr>
+            <a:r>
+              <a:rPr lang="en-SG" sz="1200" b="1" dirty="0">
+                <a:solidFill>
+                  <a:schemeClr val="bg1"/>
+                </a:solidFill>
+                <a:latin typeface="Arial Nova Cond" panose="020B0506020202020204" pitchFamily="34" charset="0"/>
+                <a:ea typeface="Calibri" panose="020F0502020204030204" pitchFamily="34" charset="0"/>
+                <a:cs typeface="Times New Roman" panose="02020603050405020304" pitchFamily="18" charset="0"/>
+              </a:rPr>
+              <a:t>1. User has targeted next week’s Sunday as the start date of the project.</a:t>
+            </a:r>
+            <a:endParaRPr lang="en-SG" sz="1200" dirty="0">
+              <a:solidFill>
+                <a:schemeClr val="bg1"/>
+              </a:solidFill>
+              <a:effectLst/>
+              <a:latin typeface="Calibri" panose="020F0502020204030204" pitchFamily="34" charset="0"/>
+              <a:ea typeface="Calibri" panose="020F0502020204030204" pitchFamily="34" charset="0"/>
+              <a:cs typeface="Times New Roman" panose="02020603050405020304" pitchFamily="18" charset="0"/>
+            </a:endParaRPr>
+          </a:p>
+        </p:txBody>
+      </p:sp>
+      <p:sp>
+        <p:nvSpPr>
+          <p:cNvPr id="24" name="Text Box 2">
+            <a:extLst>
+              <a:ext uri="{FF2B5EF4-FFF2-40B4-BE49-F238E27FC236}">
+                <a16:creationId xmlns:a16="http://schemas.microsoft.com/office/drawing/2014/main" id="{57B51589-A79D-4ED1-8312-55D7C2FB4B2D}"/>
+              </a:ext>
+            </a:extLst>
+          </p:cNvPr>
+          <p:cNvSpPr txBox="1">
+            <a:spLocks noChangeArrowheads="1"/>
+          </p:cNvSpPr>
+          <p:nvPr/>
+        </p:nvSpPr>
+        <p:spPr bwMode="auto">
+          <a:xfrm>
+            <a:off x="5501986" y="5308848"/>
+            <a:ext cx="3801812" cy="473568"/>
+          </a:xfrm>
+          <a:prstGeom prst="rect">
+            <a:avLst/>
+          </a:prstGeom>
+          <a:solidFill>
+            <a:schemeClr val="accent2"/>
+          </a:solidFill>
+          <a:ln w="9525">
+            <a:solidFill>
+              <a:srgbClr val="000000"/>
+            </a:solidFill>
+            <a:miter lim="800000"/>
+            <a:headEnd/>
+            <a:tailEnd/>
+          </a:ln>
+        </p:spPr>
+        <p:txBody>
+          <a:bodyPr rot="0" vert="horz" wrap="square" lIns="91440" tIns="45720" rIns="91440" bIns="45720" anchor="t" anchorCtr="0">
+            <a:noAutofit/>
+          </a:bodyPr>
+          <a:lstStyle/>
+          <a:p>
+            <a:pPr>
+              <a:lnSpc>
+                <a:spcPct val="107000"/>
+              </a:lnSpc>
+              <a:spcAft>
+                <a:spcPts val="800"/>
+              </a:spcAft>
+            </a:pPr>
+            <a:r>
+              <a:rPr lang="en-SG" sz="1200" b="1" dirty="0">
+                <a:solidFill>
+                  <a:schemeClr val="bg1"/>
+                </a:solidFill>
+                <a:latin typeface="Arial Nova Cond" panose="020B0506020202020204" pitchFamily="34" charset="0"/>
+                <a:ea typeface="Calibri" panose="020F0502020204030204" pitchFamily="34" charset="0"/>
+                <a:cs typeface="Times New Roman" panose="02020603050405020304" pitchFamily="18" charset="0"/>
+              </a:rPr>
+              <a:t>1. User has targeted last week’s Tuesday as the start date of the project.</a:t>
+            </a:r>
+            <a:endParaRPr lang="en-SG" sz="1200" dirty="0">
+              <a:solidFill>
+                <a:schemeClr val="bg1"/>
+              </a:solidFill>
+              <a:effectLst/>
+              <a:latin typeface="Calibri" panose="020F0502020204030204" pitchFamily="34" charset="0"/>
+              <a:ea typeface="Calibri" panose="020F0502020204030204" pitchFamily="34" charset="0"/>
+              <a:cs typeface="Times New Roman" panose="02020603050405020304" pitchFamily="18" charset="0"/>
+            </a:endParaRPr>
+          </a:p>
+        </p:txBody>
+      </p:sp>
+      <p:cxnSp>
+        <p:nvCxnSpPr>
+          <p:cNvPr id="26" name="Straight Arrow Connector 25">
+            <a:extLst>
+              <a:ext uri="{FF2B5EF4-FFF2-40B4-BE49-F238E27FC236}">
+                <a16:creationId xmlns:a16="http://schemas.microsoft.com/office/drawing/2014/main" id="{D117CB08-1A0F-47B7-8B6D-3072ABF2AEE2}"/>
+              </a:ext>
+            </a:extLst>
+          </p:cNvPr>
+          <p:cNvCxnSpPr>
+            <a:stCxn id="21" idx="1"/>
+          </p:cNvCxnSpPr>
+          <p:nvPr/>
+        </p:nvCxnSpPr>
+        <p:spPr>
+          <a:xfrm flipH="1">
+            <a:off x="4012707" y="825623"/>
+            <a:ext cx="1489279" cy="0"/>
+          </a:xfrm>
+          <a:prstGeom prst="straightConnector1">
+            <a:avLst/>
+          </a:prstGeom>
+          <a:ln>
+            <a:tailEnd type="triangle"/>
+          </a:ln>
+        </p:spPr>
+        <p:style>
+          <a:lnRef idx="1">
+            <a:schemeClr val="accent2"/>
+          </a:lnRef>
+          <a:fillRef idx="0">
+            <a:schemeClr val="accent2"/>
+          </a:fillRef>
+          <a:effectRef idx="0">
+            <a:schemeClr val="accent2"/>
+          </a:effectRef>
+          <a:fontRef idx="minor">
+            <a:schemeClr val="tx1"/>
+          </a:fontRef>
+        </p:style>
+      </p:cxnSp>
+      <p:cxnSp>
+        <p:nvCxnSpPr>
+          <p:cNvPr id="28" name="Straight Arrow Connector 27">
+            <a:extLst>
+              <a:ext uri="{FF2B5EF4-FFF2-40B4-BE49-F238E27FC236}">
+                <a16:creationId xmlns:a16="http://schemas.microsoft.com/office/drawing/2014/main" id="{3212EA81-6BA6-4C8C-928C-404DAC2531C0}"/>
+              </a:ext>
+            </a:extLst>
+          </p:cNvPr>
+          <p:cNvCxnSpPr>
+            <a:stCxn id="18" idx="1"/>
+          </p:cNvCxnSpPr>
+          <p:nvPr/>
+        </p:nvCxnSpPr>
+        <p:spPr>
+          <a:xfrm flipH="1">
+            <a:off x="1677880" y="1914448"/>
+            <a:ext cx="2176508" cy="12006"/>
+          </a:xfrm>
+          <a:prstGeom prst="straightConnector1">
+            <a:avLst/>
+          </a:prstGeom>
+          <a:ln>
+            <a:tailEnd type="triangle"/>
+          </a:ln>
+        </p:spPr>
+        <p:style>
+          <a:lnRef idx="1">
+            <a:schemeClr val="accent2"/>
+          </a:lnRef>
+          <a:fillRef idx="0">
+            <a:schemeClr val="accent2"/>
+          </a:fillRef>
+          <a:effectRef idx="0">
+            <a:schemeClr val="accent2"/>
+          </a:effectRef>
+          <a:fontRef idx="minor">
+            <a:schemeClr val="tx1"/>
+          </a:fontRef>
+        </p:style>
+      </p:cxnSp>
+      <p:cxnSp>
+        <p:nvCxnSpPr>
+          <p:cNvPr id="29" name="Straight Arrow Connector 28">
+            <a:extLst>
+              <a:ext uri="{FF2B5EF4-FFF2-40B4-BE49-F238E27FC236}">
+                <a16:creationId xmlns:a16="http://schemas.microsoft.com/office/drawing/2014/main" id="{AED779A5-AE88-4FF8-8318-DCDF7C61EAF2}"/>
+              </a:ext>
+            </a:extLst>
+          </p:cNvPr>
+          <p:cNvCxnSpPr/>
+          <p:nvPr/>
+        </p:nvCxnSpPr>
+        <p:spPr>
+          <a:xfrm flipH="1">
+            <a:off x="4012707" y="5550023"/>
+            <a:ext cx="1489279" cy="0"/>
+          </a:xfrm>
+          <a:prstGeom prst="straightConnector1">
+            <a:avLst/>
+          </a:prstGeom>
+          <a:ln>
+            <a:tailEnd type="triangle"/>
+          </a:ln>
+        </p:spPr>
+        <p:style>
+          <a:lnRef idx="1">
+            <a:schemeClr val="accent2"/>
+          </a:lnRef>
+          <a:fillRef idx="0">
+            <a:schemeClr val="accent2"/>
+          </a:fillRef>
+          <a:effectRef idx="0">
+            <a:schemeClr val="accent2"/>
+          </a:effectRef>
+          <a:fontRef idx="minor">
+            <a:schemeClr val="tx1"/>
+          </a:fontRef>
+        </p:style>
+      </p:cxnSp>
+      <p:cxnSp>
+        <p:nvCxnSpPr>
+          <p:cNvPr id="30" name="Straight Arrow Connector 29">
+            <a:extLst>
+              <a:ext uri="{FF2B5EF4-FFF2-40B4-BE49-F238E27FC236}">
+                <a16:creationId xmlns:a16="http://schemas.microsoft.com/office/drawing/2014/main" id="{D4AED6CA-D7FB-4D83-9B62-20025556FA1A}"/>
+              </a:ext>
+            </a:extLst>
+          </p:cNvPr>
+          <p:cNvCxnSpPr/>
+          <p:nvPr/>
+        </p:nvCxnSpPr>
+        <p:spPr>
+          <a:xfrm flipH="1">
+            <a:off x="4012707" y="3172287"/>
+            <a:ext cx="1489279" cy="0"/>
+          </a:xfrm>
+          <a:prstGeom prst="straightConnector1">
+            <a:avLst/>
+          </a:prstGeom>
+          <a:ln>
+            <a:tailEnd type="triangle"/>
+          </a:ln>
+        </p:spPr>
+        <p:style>
+          <a:lnRef idx="1">
+            <a:schemeClr val="accent2"/>
+          </a:lnRef>
+          <a:fillRef idx="0">
+            <a:schemeClr val="accent2"/>
+          </a:fillRef>
+          <a:effectRef idx="0">
+            <a:schemeClr val="accent2"/>
+          </a:effectRef>
+          <a:fontRef idx="minor">
+            <a:schemeClr val="tx1"/>
+          </a:fontRef>
+        </p:style>
+      </p:cxnSp>
+      <p:cxnSp>
+        <p:nvCxnSpPr>
+          <p:cNvPr id="31" name="Straight Arrow Connector 30">
+            <a:extLst>
+              <a:ext uri="{FF2B5EF4-FFF2-40B4-BE49-F238E27FC236}">
+                <a16:creationId xmlns:a16="http://schemas.microsoft.com/office/drawing/2014/main" id="{9CFBD5E7-ED48-425E-8C65-5AF82C2C2792}"/>
+              </a:ext>
+            </a:extLst>
+          </p:cNvPr>
+          <p:cNvCxnSpPr>
+            <a:cxnSpLocks/>
+          </p:cNvCxnSpPr>
+          <p:nvPr/>
+        </p:nvCxnSpPr>
+        <p:spPr>
+          <a:xfrm flipH="1">
+            <a:off x="1802167" y="6650684"/>
+            <a:ext cx="2052221" cy="12006"/>
+          </a:xfrm>
+          <a:prstGeom prst="straightConnector1">
+            <a:avLst/>
+          </a:prstGeom>
+          <a:ln>
+            <a:tailEnd type="triangle"/>
+          </a:ln>
+        </p:spPr>
+        <p:style>
+          <a:lnRef idx="1">
+            <a:schemeClr val="accent2"/>
+          </a:lnRef>
+          <a:fillRef idx="0">
+            <a:schemeClr val="accent2"/>
+          </a:fillRef>
+          <a:effectRef idx="0">
+            <a:schemeClr val="accent2"/>
+          </a:effectRef>
+          <a:fontRef idx="minor">
+            <a:schemeClr val="tx1"/>
+          </a:fontRef>
+        </p:style>
+      </p:cxnSp>
+      <p:cxnSp>
+        <p:nvCxnSpPr>
+          <p:cNvPr id="32" name="Straight Arrow Connector 31">
+            <a:extLst>
+              <a:ext uri="{FF2B5EF4-FFF2-40B4-BE49-F238E27FC236}">
+                <a16:creationId xmlns:a16="http://schemas.microsoft.com/office/drawing/2014/main" id="{EF0E72C8-BDEA-41BA-BAE5-53DE89C20F90}"/>
+              </a:ext>
+            </a:extLst>
+          </p:cNvPr>
+          <p:cNvCxnSpPr/>
+          <p:nvPr/>
+        </p:nvCxnSpPr>
+        <p:spPr>
+          <a:xfrm flipH="1">
+            <a:off x="1677880" y="4290302"/>
+            <a:ext cx="2176508" cy="12006"/>
+          </a:xfrm>
+          <a:prstGeom prst="straightConnector1">
+            <a:avLst/>
+          </a:prstGeom>
+          <a:ln>
+            <a:tailEnd type="triangle"/>
+          </a:ln>
+        </p:spPr>
+        <p:style>
+          <a:lnRef idx="1">
+            <a:schemeClr val="accent2"/>
+          </a:lnRef>
+          <a:fillRef idx="0">
+            <a:schemeClr val="accent2"/>
+          </a:fillRef>
+          <a:effectRef idx="0">
+            <a:schemeClr val="accent2"/>
+          </a:effectRef>
+          <a:fontRef idx="minor">
+            <a:schemeClr val="tx1"/>
+          </a:fontRef>
+        </p:style>
+      </p:cxnSp>
+      <p:sp>
+        <p:nvSpPr>
+          <p:cNvPr id="34" name="TextBox 33">
+            <a:extLst>
+              <a:ext uri="{FF2B5EF4-FFF2-40B4-BE49-F238E27FC236}">
+                <a16:creationId xmlns:a16="http://schemas.microsoft.com/office/drawing/2014/main" id="{BDB7337A-43BE-424E-8DE4-D94206CA03AA}"/>
+              </a:ext>
+            </a:extLst>
+          </p:cNvPr>
+          <p:cNvSpPr txBox="1"/>
+          <p:nvPr/>
+        </p:nvSpPr>
+        <p:spPr>
+          <a:xfrm>
+            <a:off x="9590843" y="1109709"/>
+            <a:ext cx="2402889" cy="584775"/>
+          </a:xfrm>
+          <a:prstGeom prst="rect">
+            <a:avLst/>
+          </a:prstGeom>
+          <a:solidFill>
+            <a:schemeClr val="accent2"/>
+          </a:solidFill>
+          <a:ln>
+            <a:solidFill>
+              <a:schemeClr val="tx1"/>
+            </a:solidFill>
+          </a:ln>
+        </p:spPr>
+        <p:txBody>
+          <a:bodyPr wrap="square" rtlCol="0">
+            <a:spAutoFit/>
+          </a:bodyPr>
+          <a:lstStyle/>
+          <a:p>
+            <a:r>
+              <a:rPr lang="en-SG" sz="1600" b="1" dirty="0">
+                <a:solidFill>
+                  <a:schemeClr val="bg1"/>
+                </a:solidFill>
+                <a:latin typeface="Arial Nova Cond" panose="020B0506020202020204" pitchFamily="34" charset="0"/>
+              </a:rPr>
+              <a:t>Example 1: </a:t>
+            </a:r>
+          </a:p>
+          <a:p>
+            <a:r>
+              <a:rPr lang="en-SG" sz="1600" b="1" dirty="0">
+                <a:solidFill>
+                  <a:schemeClr val="bg1"/>
+                </a:solidFill>
+                <a:latin typeface="Arial Nova Cond" panose="020B0506020202020204" pitchFamily="34" charset="0"/>
+              </a:rPr>
+              <a:t>this week DAY_OF_WEEK</a:t>
+            </a:r>
+          </a:p>
+        </p:txBody>
+      </p:sp>
+      <p:sp>
+        <p:nvSpPr>
+          <p:cNvPr id="37" name="TextBox 36">
+            <a:extLst>
+              <a:ext uri="{FF2B5EF4-FFF2-40B4-BE49-F238E27FC236}">
+                <a16:creationId xmlns:a16="http://schemas.microsoft.com/office/drawing/2014/main" id="{2B43A82D-2882-4795-BE28-3094197F8A8B}"/>
+              </a:ext>
+            </a:extLst>
+          </p:cNvPr>
+          <p:cNvSpPr txBox="1"/>
+          <p:nvPr/>
+        </p:nvSpPr>
+        <p:spPr>
+          <a:xfrm>
+            <a:off x="9590842" y="3455962"/>
+            <a:ext cx="2402889" cy="584775"/>
+          </a:xfrm>
+          <a:prstGeom prst="rect">
+            <a:avLst/>
+          </a:prstGeom>
+          <a:solidFill>
+            <a:schemeClr val="accent2"/>
+          </a:solidFill>
+          <a:ln>
+            <a:solidFill>
+              <a:schemeClr val="tx1"/>
+            </a:solidFill>
+          </a:ln>
+        </p:spPr>
+        <p:txBody>
+          <a:bodyPr wrap="square" rtlCol="0">
+            <a:spAutoFit/>
+          </a:bodyPr>
+          <a:lstStyle/>
+          <a:p>
+            <a:r>
+              <a:rPr lang="en-SG" sz="1600" b="1" dirty="0">
+                <a:solidFill>
+                  <a:schemeClr val="bg1"/>
+                </a:solidFill>
+                <a:latin typeface="Arial Nova Cond" panose="020B0506020202020204" pitchFamily="34" charset="0"/>
+              </a:rPr>
+              <a:t>Example 2: </a:t>
+            </a:r>
+          </a:p>
+          <a:p>
+            <a:r>
+              <a:rPr lang="en-SG" sz="1600" b="1" dirty="0">
+                <a:solidFill>
+                  <a:schemeClr val="bg1"/>
+                </a:solidFill>
+                <a:latin typeface="Arial Nova Cond" panose="020B0506020202020204" pitchFamily="34" charset="0"/>
+              </a:rPr>
+              <a:t>next week DAY_OF_WEEK</a:t>
+            </a:r>
+          </a:p>
+        </p:txBody>
+      </p:sp>
+      <p:sp>
+        <p:nvSpPr>
+          <p:cNvPr id="38" name="TextBox 37">
+            <a:extLst>
+              <a:ext uri="{FF2B5EF4-FFF2-40B4-BE49-F238E27FC236}">
+                <a16:creationId xmlns:a16="http://schemas.microsoft.com/office/drawing/2014/main" id="{FCDE2BD8-259E-48A5-AE67-4C59E1FC509C}"/>
+              </a:ext>
+            </a:extLst>
+          </p:cNvPr>
+          <p:cNvSpPr txBox="1"/>
+          <p:nvPr/>
+        </p:nvSpPr>
+        <p:spPr>
+          <a:xfrm>
+            <a:off x="9590842" y="5855975"/>
+            <a:ext cx="2402889" cy="584775"/>
+          </a:xfrm>
+          <a:prstGeom prst="rect">
+            <a:avLst/>
+          </a:prstGeom>
+          <a:solidFill>
+            <a:schemeClr val="accent2"/>
+          </a:solidFill>
+          <a:ln>
+            <a:solidFill>
+              <a:schemeClr val="tx1"/>
+            </a:solidFill>
+          </a:ln>
+        </p:spPr>
+        <p:txBody>
+          <a:bodyPr wrap="square" rtlCol="0">
+            <a:spAutoFit/>
+          </a:bodyPr>
+          <a:lstStyle/>
+          <a:p>
+            <a:r>
+              <a:rPr lang="en-SG" sz="1600" b="1" dirty="0">
+                <a:solidFill>
+                  <a:schemeClr val="bg1"/>
+                </a:solidFill>
+                <a:latin typeface="Arial Nova Cond" panose="020B0506020202020204" pitchFamily="34" charset="0"/>
+              </a:rPr>
+              <a:t>Example 3: </a:t>
+            </a:r>
+          </a:p>
+          <a:p>
+            <a:r>
+              <a:rPr lang="en-SG" sz="1600" b="1" dirty="0">
+                <a:solidFill>
+                  <a:schemeClr val="bg1"/>
+                </a:solidFill>
+                <a:latin typeface="Arial Nova Cond" panose="020B0506020202020204" pitchFamily="34" charset="0"/>
+              </a:rPr>
+              <a:t>last week DAY_OF_WEEK</a:t>
+            </a:r>
+          </a:p>
+        </p:txBody>
+      </p:sp>
+      <p:sp>
+        <p:nvSpPr>
+          <p:cNvPr id="39" name="TextBox 38">
+            <a:extLst>
+              <a:ext uri="{FF2B5EF4-FFF2-40B4-BE49-F238E27FC236}">
+                <a16:creationId xmlns:a16="http://schemas.microsoft.com/office/drawing/2014/main" id="{DE50030F-A17C-4123-B8BE-2BF77AC7E90C}"/>
+              </a:ext>
+            </a:extLst>
+          </p:cNvPr>
+          <p:cNvSpPr txBox="1"/>
+          <p:nvPr/>
+        </p:nvSpPr>
+        <p:spPr>
+          <a:xfrm>
+            <a:off x="3207011" y="-24349"/>
+            <a:ext cx="5777977" cy="369332"/>
+          </a:xfrm>
+          <a:prstGeom prst="rect">
+            <a:avLst/>
+          </a:prstGeom>
+          <a:solidFill>
+            <a:schemeClr val="accent2"/>
+          </a:solidFill>
+          <a:ln>
+            <a:solidFill>
+              <a:schemeClr val="tx1"/>
+            </a:solidFill>
+          </a:ln>
+        </p:spPr>
+        <p:txBody>
+          <a:bodyPr wrap="square" rtlCol="0">
+            <a:spAutoFit/>
+          </a:bodyPr>
+          <a:lstStyle/>
+          <a:p>
+            <a:r>
+              <a:rPr lang="en-SG" b="1" dirty="0">
+                <a:solidFill>
+                  <a:schemeClr val="bg1"/>
+                </a:solidFill>
+                <a:latin typeface="Arial Nova Cond" panose="020B0506020202020204" pitchFamily="34" charset="0"/>
+              </a:rPr>
+              <a:t>Assuming current date is 12 April 2019 (12/04/2019), Friday</a:t>
+            </a:r>
+          </a:p>
+        </p:txBody>
+      </p:sp>
+    </p:spTree>
+    <p:extLst>
+      <p:ext uri="{BB962C8B-B14F-4D97-AF65-F5344CB8AC3E}">
+        <p14:creationId xmlns:p14="http://schemas.microsoft.com/office/powerpoint/2010/main" val="2336661737"/>
+      </p:ext>
+    </p:extLst>
+  </p:cSld>
+  <p:clrMapOvr>
+    <a:masterClrMapping/>
+  </p:clrMapOvr>
+</p:sld>
+</file>
+
+<file path=ppt/slides/slide11.xml><?xml version="1.0" encoding="utf-8"?>
+<p:sld xmlns:a="http://schemas.openxmlformats.org/drawingml/2006/main" xmlns:r="http://schemas.openxmlformats.org/officeDocument/2006/relationships" xmlns:p="http://schemas.openxmlformats.org/presentationml/2006/main">
+  <p:cSld>
+    <p:spTree>
+      <p:nvGrpSpPr>
+        <p:cNvPr id="1" name=""/>
+        <p:cNvGrpSpPr/>
+        <p:nvPr/>
+      </p:nvGrpSpPr>
+      <p:grpSpPr>
+        <a:xfrm>
+          <a:off x="0" y="0"/>
+          <a:ext cx="0" cy="0"/>
+          <a:chOff x="0" y="0"/>
+          <a:chExt cx="0" cy="0"/>
+        </a:xfrm>
+      </p:grpSpPr>
+      <p:pic>
+        <p:nvPicPr>
+          <p:cNvPr id="2" name="Picture 1">
+            <a:extLst>
+              <a:ext uri="{FF2B5EF4-FFF2-40B4-BE49-F238E27FC236}">
+                <a16:creationId xmlns:a16="http://schemas.microsoft.com/office/drawing/2014/main" id="{E35AC999-A570-4A84-8597-4CA5145A0AF1}"/>
+              </a:ext>
+            </a:extLst>
+          </p:cNvPr>
+          <p:cNvPicPr>
+            <a:picLocks noChangeAspect="1"/>
+          </p:cNvPicPr>
+          <p:nvPr/>
+        </p:nvPicPr>
+        <p:blipFill rotWithShape="1">
+          <a:blip r:embed="rId2"/>
+          <a:srcRect b="77222"/>
+          <a:stretch/>
+        </p:blipFill>
+        <p:spPr>
+          <a:xfrm>
+            <a:off x="0" y="0"/>
+            <a:ext cx="12192000" cy="2149200"/>
+          </a:xfrm>
+          <a:prstGeom prst="rect">
+            <a:avLst/>
+          </a:prstGeom>
+          <a:ln w="28575">
+            <a:solidFill>
+              <a:schemeClr val="tx1"/>
+            </a:solidFill>
+          </a:ln>
+        </p:spPr>
+      </p:pic>
+      <p:pic>
+        <p:nvPicPr>
+          <p:cNvPr id="3" name="Picture 2">
+            <a:extLst>
+              <a:ext uri="{FF2B5EF4-FFF2-40B4-BE49-F238E27FC236}">
+                <a16:creationId xmlns:a16="http://schemas.microsoft.com/office/drawing/2014/main" id="{9613D53A-7228-4310-91E1-B89A7D2EF3DD}"/>
+              </a:ext>
+            </a:extLst>
+          </p:cNvPr>
+          <p:cNvPicPr>
+            <a:picLocks noChangeAspect="1"/>
+          </p:cNvPicPr>
+          <p:nvPr/>
+        </p:nvPicPr>
+        <p:blipFill rotWithShape="1">
+          <a:blip r:embed="rId3"/>
+          <a:srcRect b="77361"/>
+          <a:stretch/>
+        </p:blipFill>
+        <p:spPr>
+          <a:xfrm>
+            <a:off x="1" y="2333624"/>
+            <a:ext cx="12192000" cy="2149200"/>
+          </a:xfrm>
+          <a:prstGeom prst="rect">
+            <a:avLst/>
+          </a:prstGeom>
+          <a:ln w="28575">
+            <a:solidFill>
+              <a:schemeClr val="tx1"/>
+            </a:solidFill>
+          </a:ln>
+        </p:spPr>
+      </p:pic>
+      <p:pic>
+        <p:nvPicPr>
+          <p:cNvPr id="4" name="Picture 3">
+            <a:extLst>
+              <a:ext uri="{FF2B5EF4-FFF2-40B4-BE49-F238E27FC236}">
+                <a16:creationId xmlns:a16="http://schemas.microsoft.com/office/drawing/2014/main" id="{20979000-DF8E-4972-962E-C8B49109001A}"/>
+              </a:ext>
+            </a:extLst>
+          </p:cNvPr>
+          <p:cNvPicPr>
+            <a:picLocks noChangeAspect="1"/>
+          </p:cNvPicPr>
+          <p:nvPr/>
+        </p:nvPicPr>
+        <p:blipFill rotWithShape="1">
+          <a:blip r:embed="rId4"/>
+          <a:srcRect b="77361"/>
+          <a:stretch/>
+        </p:blipFill>
+        <p:spPr>
+          <a:xfrm>
+            <a:off x="0" y="4708801"/>
+            <a:ext cx="12192000" cy="2149199"/>
+          </a:xfrm>
+          <a:prstGeom prst="rect">
+            <a:avLst/>
+          </a:prstGeom>
+          <a:ln w="28575">
+            <a:solidFill>
+              <a:schemeClr val="tx1"/>
+            </a:solidFill>
+          </a:ln>
+        </p:spPr>
+      </p:pic>
+      <p:sp>
+        <p:nvSpPr>
+          <p:cNvPr id="5" name="TextBox 4">
+            <a:extLst>
+              <a:ext uri="{FF2B5EF4-FFF2-40B4-BE49-F238E27FC236}">
+                <a16:creationId xmlns:a16="http://schemas.microsoft.com/office/drawing/2014/main" id="{E92889F4-D35C-4747-A454-B8CA25D254C3}"/>
+              </a:ext>
+            </a:extLst>
+          </p:cNvPr>
+          <p:cNvSpPr txBox="1"/>
+          <p:nvPr/>
+        </p:nvSpPr>
+        <p:spPr>
+          <a:xfrm>
+            <a:off x="3207011" y="0"/>
+            <a:ext cx="5777977" cy="369332"/>
+          </a:xfrm>
+          <a:prstGeom prst="rect">
+            <a:avLst/>
+          </a:prstGeom>
+          <a:solidFill>
+            <a:schemeClr val="accent2"/>
+          </a:solidFill>
+          <a:ln>
+            <a:solidFill>
+              <a:schemeClr val="tx1"/>
+            </a:solidFill>
+          </a:ln>
+        </p:spPr>
+        <p:txBody>
+          <a:bodyPr wrap="square" rtlCol="0">
+            <a:spAutoFit/>
+          </a:bodyPr>
+          <a:lstStyle/>
+          <a:p>
+            <a:r>
+              <a:rPr lang="en-SG" b="1" dirty="0">
+                <a:solidFill>
+                  <a:schemeClr val="bg1"/>
+                </a:solidFill>
+                <a:latin typeface="Arial Nova Cond" panose="020B0506020202020204" pitchFamily="34" charset="0"/>
+              </a:rPr>
+              <a:t>Assuming current date is 12 April 2019 (12/04/2019), Friday</a:t>
+            </a:r>
+          </a:p>
+        </p:txBody>
+      </p:sp>
+      <p:sp>
+        <p:nvSpPr>
+          <p:cNvPr id="6" name="Text Box 2">
+            <a:extLst>
+              <a:ext uri="{FF2B5EF4-FFF2-40B4-BE49-F238E27FC236}">
+                <a16:creationId xmlns:a16="http://schemas.microsoft.com/office/drawing/2014/main" id="{2974E703-4E39-4AA1-8169-C85C88B0C10C}"/>
+              </a:ext>
+            </a:extLst>
+          </p:cNvPr>
+          <p:cNvSpPr txBox="1">
+            <a:spLocks noChangeArrowheads="1"/>
+          </p:cNvSpPr>
+          <p:nvPr/>
+        </p:nvSpPr>
+        <p:spPr bwMode="auto">
+          <a:xfrm>
+            <a:off x="5501986" y="604558"/>
+            <a:ext cx="3801812" cy="442129"/>
+          </a:xfrm>
+          <a:prstGeom prst="rect">
+            <a:avLst/>
+          </a:prstGeom>
+          <a:solidFill>
+            <a:schemeClr val="accent2"/>
+          </a:solidFill>
+          <a:ln w="9525">
+            <a:solidFill>
+              <a:srgbClr val="000000"/>
+            </a:solidFill>
+            <a:miter lim="800000"/>
+            <a:headEnd/>
+            <a:tailEnd/>
+          </a:ln>
+        </p:spPr>
+        <p:txBody>
+          <a:bodyPr rot="0" vert="horz" wrap="square" lIns="91440" tIns="45720" rIns="91440" bIns="45720" anchor="t" anchorCtr="0">
+            <a:noAutofit/>
+          </a:bodyPr>
+          <a:lstStyle/>
+          <a:p>
+            <a:pPr>
+              <a:lnSpc>
+                <a:spcPct val="107000"/>
+              </a:lnSpc>
+              <a:spcAft>
+                <a:spcPts val="800"/>
+              </a:spcAft>
+            </a:pPr>
+            <a:r>
+              <a:rPr lang="en-SG" sz="1200" b="1" dirty="0">
+                <a:solidFill>
+                  <a:schemeClr val="bg1"/>
+                </a:solidFill>
+                <a:latin typeface="Arial Nova Cond" panose="020B0506020202020204" pitchFamily="34" charset="0"/>
+                <a:ea typeface="Calibri" panose="020F0502020204030204" pitchFamily="34" charset="0"/>
+                <a:cs typeface="Times New Roman" panose="02020603050405020304" pitchFamily="18" charset="0"/>
+              </a:rPr>
+              <a:t>1. User has targeted the current month’s 24</a:t>
+            </a:r>
+            <a:r>
+              <a:rPr lang="en-SG" sz="1200" b="1" baseline="30000" dirty="0">
+                <a:solidFill>
+                  <a:schemeClr val="bg1"/>
+                </a:solidFill>
+                <a:latin typeface="Arial Nova Cond" panose="020B0506020202020204" pitchFamily="34" charset="0"/>
+                <a:ea typeface="Calibri" panose="020F0502020204030204" pitchFamily="34" charset="0"/>
+                <a:cs typeface="Times New Roman" panose="02020603050405020304" pitchFamily="18" charset="0"/>
+              </a:rPr>
+              <a:t>th</a:t>
+            </a:r>
+            <a:r>
+              <a:rPr lang="en-SG" sz="1200" b="1" dirty="0">
+                <a:solidFill>
+                  <a:schemeClr val="bg1"/>
+                </a:solidFill>
+                <a:latin typeface="Arial Nova Cond" panose="020B0506020202020204" pitchFamily="34" charset="0"/>
+                <a:ea typeface="Calibri" panose="020F0502020204030204" pitchFamily="34" charset="0"/>
+                <a:cs typeface="Times New Roman" panose="02020603050405020304" pitchFamily="18" charset="0"/>
+              </a:rPr>
+              <a:t> day as the start date of the project.</a:t>
+            </a:r>
+            <a:endParaRPr lang="en-SG" sz="1200" dirty="0">
+              <a:solidFill>
+                <a:schemeClr val="bg1"/>
+              </a:solidFill>
+              <a:effectLst/>
+              <a:latin typeface="Calibri" panose="020F0502020204030204" pitchFamily="34" charset="0"/>
+              <a:ea typeface="Calibri" panose="020F0502020204030204" pitchFamily="34" charset="0"/>
+              <a:cs typeface="Times New Roman" panose="02020603050405020304" pitchFamily="18" charset="0"/>
+            </a:endParaRPr>
+          </a:p>
+        </p:txBody>
+      </p:sp>
+      <p:sp>
+        <p:nvSpPr>
+          <p:cNvPr id="7" name="Text Box 2">
+            <a:extLst>
+              <a:ext uri="{FF2B5EF4-FFF2-40B4-BE49-F238E27FC236}">
+                <a16:creationId xmlns:a16="http://schemas.microsoft.com/office/drawing/2014/main" id="{4522049B-F1E8-4D1C-A8D7-1676959943BD}"/>
+              </a:ext>
+            </a:extLst>
+          </p:cNvPr>
+          <p:cNvSpPr txBox="1">
+            <a:spLocks noChangeArrowheads="1"/>
+          </p:cNvSpPr>
+          <p:nvPr/>
+        </p:nvSpPr>
+        <p:spPr bwMode="auto">
+          <a:xfrm>
+            <a:off x="5501986" y="5341271"/>
+            <a:ext cx="3801812" cy="442129"/>
+          </a:xfrm>
+          <a:prstGeom prst="rect">
+            <a:avLst/>
+          </a:prstGeom>
+          <a:solidFill>
+            <a:schemeClr val="accent2"/>
+          </a:solidFill>
+          <a:ln w="9525">
+            <a:solidFill>
+              <a:srgbClr val="000000"/>
+            </a:solidFill>
+            <a:miter lim="800000"/>
+            <a:headEnd/>
+            <a:tailEnd/>
+          </a:ln>
+        </p:spPr>
+        <p:txBody>
+          <a:bodyPr rot="0" vert="horz" wrap="square" lIns="91440" tIns="45720" rIns="91440" bIns="45720" anchor="t" anchorCtr="0">
+            <a:noAutofit/>
+          </a:bodyPr>
+          <a:lstStyle/>
+          <a:p>
+            <a:pPr>
+              <a:lnSpc>
+                <a:spcPct val="107000"/>
+              </a:lnSpc>
+              <a:spcAft>
+                <a:spcPts val="800"/>
+              </a:spcAft>
+            </a:pPr>
+            <a:r>
+              <a:rPr lang="en-SG" sz="1200" b="1" dirty="0">
+                <a:solidFill>
+                  <a:schemeClr val="bg1"/>
+                </a:solidFill>
+                <a:latin typeface="Arial Nova Cond" panose="020B0506020202020204" pitchFamily="34" charset="0"/>
+                <a:ea typeface="Calibri" panose="020F0502020204030204" pitchFamily="34" charset="0"/>
+                <a:cs typeface="Times New Roman" panose="02020603050405020304" pitchFamily="18" charset="0"/>
+              </a:rPr>
+              <a:t>1. User has targeted last month’s 6</a:t>
+            </a:r>
+            <a:r>
+              <a:rPr lang="en-SG" sz="1200" b="1" baseline="30000" dirty="0">
+                <a:solidFill>
+                  <a:schemeClr val="bg1"/>
+                </a:solidFill>
+                <a:latin typeface="Arial Nova Cond" panose="020B0506020202020204" pitchFamily="34" charset="0"/>
+                <a:ea typeface="Calibri" panose="020F0502020204030204" pitchFamily="34" charset="0"/>
+                <a:cs typeface="Times New Roman" panose="02020603050405020304" pitchFamily="18" charset="0"/>
+              </a:rPr>
+              <a:t>th</a:t>
+            </a:r>
+            <a:r>
+              <a:rPr lang="en-SG" sz="1200" b="1" dirty="0">
+                <a:solidFill>
+                  <a:schemeClr val="bg1"/>
+                </a:solidFill>
+                <a:latin typeface="Arial Nova Cond" panose="020B0506020202020204" pitchFamily="34" charset="0"/>
+                <a:ea typeface="Calibri" panose="020F0502020204030204" pitchFamily="34" charset="0"/>
+                <a:cs typeface="Times New Roman" panose="02020603050405020304" pitchFamily="18" charset="0"/>
+              </a:rPr>
+              <a:t> day as the start date of the project.</a:t>
+            </a:r>
+            <a:endParaRPr lang="en-SG" sz="1200" dirty="0">
+              <a:solidFill>
+                <a:schemeClr val="bg1"/>
+              </a:solidFill>
+              <a:effectLst/>
+              <a:latin typeface="Calibri" panose="020F0502020204030204" pitchFamily="34" charset="0"/>
+              <a:ea typeface="Calibri" panose="020F0502020204030204" pitchFamily="34" charset="0"/>
+              <a:cs typeface="Times New Roman" panose="02020603050405020304" pitchFamily="18" charset="0"/>
+            </a:endParaRPr>
+          </a:p>
+        </p:txBody>
+      </p:sp>
+      <p:sp>
+        <p:nvSpPr>
+          <p:cNvPr id="8" name="Text Box 2">
+            <a:extLst>
+              <a:ext uri="{FF2B5EF4-FFF2-40B4-BE49-F238E27FC236}">
+                <a16:creationId xmlns:a16="http://schemas.microsoft.com/office/drawing/2014/main" id="{9FC90F71-BEB2-4C4F-9D9B-44FF1CAD5F9D}"/>
+              </a:ext>
+            </a:extLst>
+          </p:cNvPr>
+          <p:cNvSpPr txBox="1">
+            <a:spLocks noChangeArrowheads="1"/>
+          </p:cNvSpPr>
+          <p:nvPr/>
+        </p:nvSpPr>
+        <p:spPr bwMode="auto">
+          <a:xfrm>
+            <a:off x="5501986" y="2949293"/>
+            <a:ext cx="3801812" cy="442129"/>
+          </a:xfrm>
+          <a:prstGeom prst="rect">
+            <a:avLst/>
+          </a:prstGeom>
+          <a:solidFill>
+            <a:schemeClr val="accent2"/>
+          </a:solidFill>
+          <a:ln w="9525">
+            <a:solidFill>
+              <a:srgbClr val="000000"/>
+            </a:solidFill>
+            <a:miter lim="800000"/>
+            <a:headEnd/>
+            <a:tailEnd/>
+          </a:ln>
+        </p:spPr>
+        <p:txBody>
+          <a:bodyPr rot="0" vert="horz" wrap="square" lIns="91440" tIns="45720" rIns="91440" bIns="45720" anchor="t" anchorCtr="0">
+            <a:noAutofit/>
+          </a:bodyPr>
+          <a:lstStyle/>
+          <a:p>
+            <a:pPr>
+              <a:lnSpc>
+                <a:spcPct val="107000"/>
+              </a:lnSpc>
+              <a:spcAft>
+                <a:spcPts val="800"/>
+              </a:spcAft>
+            </a:pPr>
+            <a:r>
+              <a:rPr lang="en-SG" sz="1200" b="1" dirty="0">
+                <a:solidFill>
+                  <a:schemeClr val="bg1"/>
+                </a:solidFill>
+                <a:latin typeface="Arial Nova Cond" panose="020B0506020202020204" pitchFamily="34" charset="0"/>
+                <a:ea typeface="Calibri" panose="020F0502020204030204" pitchFamily="34" charset="0"/>
+                <a:cs typeface="Times New Roman" panose="02020603050405020304" pitchFamily="18" charset="0"/>
+              </a:rPr>
+              <a:t>1. User has targeted next month’s 17</a:t>
+            </a:r>
+            <a:r>
+              <a:rPr lang="en-SG" sz="1200" b="1" baseline="30000" dirty="0">
+                <a:solidFill>
+                  <a:schemeClr val="bg1"/>
+                </a:solidFill>
+                <a:latin typeface="Arial Nova Cond" panose="020B0506020202020204" pitchFamily="34" charset="0"/>
+                <a:ea typeface="Calibri" panose="020F0502020204030204" pitchFamily="34" charset="0"/>
+                <a:cs typeface="Times New Roman" panose="02020603050405020304" pitchFamily="18" charset="0"/>
+              </a:rPr>
+              <a:t>th</a:t>
+            </a:r>
+            <a:r>
+              <a:rPr lang="en-SG" sz="1200" b="1" dirty="0">
+                <a:solidFill>
+                  <a:schemeClr val="bg1"/>
+                </a:solidFill>
+                <a:latin typeface="Arial Nova Cond" panose="020B0506020202020204" pitchFamily="34" charset="0"/>
+                <a:ea typeface="Calibri" panose="020F0502020204030204" pitchFamily="34" charset="0"/>
+                <a:cs typeface="Times New Roman" panose="02020603050405020304" pitchFamily="18" charset="0"/>
+              </a:rPr>
+              <a:t> day as the start date of the project.</a:t>
+            </a:r>
+            <a:endParaRPr lang="en-SG" sz="1200" dirty="0">
+              <a:solidFill>
+                <a:schemeClr val="bg1"/>
+              </a:solidFill>
+              <a:effectLst/>
+              <a:latin typeface="Calibri" panose="020F0502020204030204" pitchFamily="34" charset="0"/>
+              <a:ea typeface="Calibri" panose="020F0502020204030204" pitchFamily="34" charset="0"/>
+              <a:cs typeface="Times New Roman" panose="02020603050405020304" pitchFamily="18" charset="0"/>
+            </a:endParaRPr>
+          </a:p>
+        </p:txBody>
+      </p:sp>
+      <p:sp>
+        <p:nvSpPr>
+          <p:cNvPr id="12" name="Text Box 2">
+            <a:extLst>
+              <a:ext uri="{FF2B5EF4-FFF2-40B4-BE49-F238E27FC236}">
+                <a16:creationId xmlns:a16="http://schemas.microsoft.com/office/drawing/2014/main" id="{79E0007B-A7C8-4B4C-A266-C6CAB775F345}"/>
+              </a:ext>
+            </a:extLst>
+          </p:cNvPr>
+          <p:cNvSpPr txBox="1">
+            <a:spLocks noChangeArrowheads="1"/>
+          </p:cNvSpPr>
+          <p:nvPr/>
+        </p:nvSpPr>
+        <p:spPr bwMode="auto">
+          <a:xfrm>
+            <a:off x="3854388" y="1808442"/>
+            <a:ext cx="5449410" cy="337353"/>
+          </a:xfrm>
+          <a:prstGeom prst="rect">
+            <a:avLst/>
+          </a:prstGeom>
+          <a:solidFill>
+            <a:schemeClr val="accent2"/>
+          </a:solidFill>
+          <a:ln w="9525">
+            <a:solidFill>
+              <a:srgbClr val="000000"/>
+            </a:solidFill>
+            <a:miter lim="800000"/>
+            <a:headEnd/>
+            <a:tailEnd/>
+          </a:ln>
+        </p:spPr>
+        <p:txBody>
+          <a:bodyPr rot="0" vert="horz" wrap="square" lIns="91440" tIns="45720" rIns="91440" bIns="45720" anchor="t" anchorCtr="0">
+            <a:noAutofit/>
+          </a:bodyPr>
+          <a:lstStyle/>
+          <a:p>
+            <a:pPr>
+              <a:lnSpc>
+                <a:spcPct val="107000"/>
+              </a:lnSpc>
+              <a:spcAft>
+                <a:spcPts val="800"/>
+              </a:spcAft>
+            </a:pPr>
+            <a:r>
+              <a:rPr lang="en-SG" sz="1200" b="1" dirty="0">
+                <a:solidFill>
+                  <a:schemeClr val="bg1"/>
+                </a:solidFill>
+                <a:latin typeface="Arial Nova Cond" panose="020B0506020202020204" pitchFamily="34" charset="0"/>
+                <a:ea typeface="Calibri" panose="020F0502020204030204" pitchFamily="34" charset="0"/>
+                <a:cs typeface="Times New Roman" panose="02020603050405020304" pitchFamily="18" charset="0"/>
+              </a:rPr>
+              <a:t>2. The input gets automatically translated to the target date in DD/MM/YYYY format.</a:t>
+            </a:r>
+            <a:endParaRPr lang="en-SG" sz="1200" dirty="0">
+              <a:solidFill>
+                <a:schemeClr val="bg1"/>
+              </a:solidFill>
+              <a:effectLst/>
+              <a:latin typeface="Calibri" panose="020F0502020204030204" pitchFamily="34" charset="0"/>
+              <a:ea typeface="Calibri" panose="020F0502020204030204" pitchFamily="34" charset="0"/>
+              <a:cs typeface="Times New Roman" panose="02020603050405020304" pitchFamily="18" charset="0"/>
+            </a:endParaRPr>
+          </a:p>
+        </p:txBody>
+      </p:sp>
+      <p:sp>
+        <p:nvSpPr>
+          <p:cNvPr id="13" name="Text Box 2">
+            <a:extLst>
+              <a:ext uri="{FF2B5EF4-FFF2-40B4-BE49-F238E27FC236}">
+                <a16:creationId xmlns:a16="http://schemas.microsoft.com/office/drawing/2014/main" id="{F2C83EDA-C5F7-43B4-82DF-E885256695E5}"/>
+              </a:ext>
+            </a:extLst>
+          </p:cNvPr>
+          <p:cNvSpPr txBox="1">
+            <a:spLocks noChangeArrowheads="1"/>
+          </p:cNvSpPr>
+          <p:nvPr/>
+        </p:nvSpPr>
+        <p:spPr bwMode="auto">
+          <a:xfrm>
+            <a:off x="3854388" y="6519167"/>
+            <a:ext cx="5449410" cy="337353"/>
+          </a:xfrm>
+          <a:prstGeom prst="rect">
+            <a:avLst/>
+          </a:prstGeom>
+          <a:solidFill>
+            <a:schemeClr val="accent2"/>
+          </a:solidFill>
+          <a:ln w="9525">
+            <a:solidFill>
+              <a:srgbClr val="000000"/>
+            </a:solidFill>
+            <a:miter lim="800000"/>
+            <a:headEnd/>
+            <a:tailEnd/>
+          </a:ln>
+        </p:spPr>
+        <p:txBody>
+          <a:bodyPr rot="0" vert="horz" wrap="square" lIns="91440" tIns="45720" rIns="91440" bIns="45720" anchor="t" anchorCtr="0">
+            <a:noAutofit/>
+          </a:bodyPr>
+          <a:lstStyle/>
+          <a:p>
+            <a:pPr>
+              <a:lnSpc>
+                <a:spcPct val="107000"/>
+              </a:lnSpc>
+              <a:spcAft>
+                <a:spcPts val="800"/>
+              </a:spcAft>
+            </a:pPr>
+            <a:r>
+              <a:rPr lang="en-SG" sz="1200" b="1" dirty="0">
+                <a:solidFill>
+                  <a:schemeClr val="bg1"/>
+                </a:solidFill>
+                <a:latin typeface="Arial Nova Cond" panose="020B0506020202020204" pitchFamily="34" charset="0"/>
+                <a:ea typeface="Calibri" panose="020F0502020204030204" pitchFamily="34" charset="0"/>
+                <a:cs typeface="Times New Roman" panose="02020603050405020304" pitchFamily="18" charset="0"/>
+              </a:rPr>
+              <a:t>2. The input gets automatically translated to the target date in DD/MM/YYYY format.</a:t>
+            </a:r>
+            <a:endParaRPr lang="en-SG" sz="1200" dirty="0">
+              <a:solidFill>
+                <a:schemeClr val="bg1"/>
+              </a:solidFill>
+              <a:effectLst/>
+              <a:latin typeface="Calibri" panose="020F0502020204030204" pitchFamily="34" charset="0"/>
+              <a:ea typeface="Calibri" panose="020F0502020204030204" pitchFamily="34" charset="0"/>
+              <a:cs typeface="Times New Roman" panose="02020603050405020304" pitchFamily="18" charset="0"/>
+            </a:endParaRPr>
+          </a:p>
+        </p:txBody>
+      </p:sp>
+      <p:sp>
+        <p:nvSpPr>
+          <p:cNvPr id="14" name="Text Box 2">
+            <a:extLst>
+              <a:ext uri="{FF2B5EF4-FFF2-40B4-BE49-F238E27FC236}">
+                <a16:creationId xmlns:a16="http://schemas.microsoft.com/office/drawing/2014/main" id="{FF1E811A-463F-4705-82B4-585A0881554F}"/>
+              </a:ext>
+            </a:extLst>
+          </p:cNvPr>
+          <p:cNvSpPr txBox="1">
+            <a:spLocks noChangeArrowheads="1"/>
+          </p:cNvSpPr>
+          <p:nvPr/>
+        </p:nvSpPr>
+        <p:spPr bwMode="auto">
+          <a:xfrm>
+            <a:off x="3854388" y="4142532"/>
+            <a:ext cx="5449410" cy="337353"/>
+          </a:xfrm>
+          <a:prstGeom prst="rect">
+            <a:avLst/>
+          </a:prstGeom>
+          <a:solidFill>
+            <a:schemeClr val="accent2"/>
+          </a:solidFill>
+          <a:ln w="9525">
+            <a:solidFill>
+              <a:srgbClr val="000000"/>
+            </a:solidFill>
+            <a:miter lim="800000"/>
+            <a:headEnd/>
+            <a:tailEnd/>
+          </a:ln>
+        </p:spPr>
+        <p:txBody>
+          <a:bodyPr rot="0" vert="horz" wrap="square" lIns="91440" tIns="45720" rIns="91440" bIns="45720" anchor="t" anchorCtr="0">
+            <a:noAutofit/>
+          </a:bodyPr>
+          <a:lstStyle/>
+          <a:p>
+            <a:pPr>
+              <a:lnSpc>
+                <a:spcPct val="107000"/>
+              </a:lnSpc>
+              <a:spcAft>
+                <a:spcPts val="800"/>
+              </a:spcAft>
+            </a:pPr>
+            <a:r>
+              <a:rPr lang="en-SG" sz="1200" b="1" dirty="0">
+                <a:solidFill>
+                  <a:schemeClr val="bg1"/>
+                </a:solidFill>
+                <a:latin typeface="Arial Nova Cond" panose="020B0506020202020204" pitchFamily="34" charset="0"/>
+                <a:ea typeface="Calibri" panose="020F0502020204030204" pitchFamily="34" charset="0"/>
+                <a:cs typeface="Times New Roman" panose="02020603050405020304" pitchFamily="18" charset="0"/>
+              </a:rPr>
+              <a:t>2. The input gets automatically translated to the target date in DD/MM/YYYY format.</a:t>
+            </a:r>
+            <a:endParaRPr lang="en-SG" sz="1200" dirty="0">
+              <a:solidFill>
+                <a:schemeClr val="bg1"/>
+              </a:solidFill>
+              <a:effectLst/>
+              <a:latin typeface="Calibri" panose="020F0502020204030204" pitchFamily="34" charset="0"/>
+              <a:ea typeface="Calibri" panose="020F0502020204030204" pitchFamily="34" charset="0"/>
+              <a:cs typeface="Times New Roman" panose="02020603050405020304" pitchFamily="18" charset="0"/>
+            </a:endParaRPr>
+          </a:p>
+        </p:txBody>
+      </p:sp>
+      <p:cxnSp>
+        <p:nvCxnSpPr>
+          <p:cNvPr id="15" name="Straight Arrow Connector 14">
+            <a:extLst>
+              <a:ext uri="{FF2B5EF4-FFF2-40B4-BE49-F238E27FC236}">
+                <a16:creationId xmlns:a16="http://schemas.microsoft.com/office/drawing/2014/main" id="{3D7451B1-E293-4C99-AD70-5AEACDA9C213}"/>
+              </a:ext>
+            </a:extLst>
+          </p:cNvPr>
+          <p:cNvCxnSpPr>
+            <a:cxnSpLocks/>
+          </p:cNvCxnSpPr>
+          <p:nvPr/>
+        </p:nvCxnSpPr>
+        <p:spPr>
+          <a:xfrm flipH="1">
+            <a:off x="4554245" y="825623"/>
+            <a:ext cx="947742" cy="0"/>
+          </a:xfrm>
+          <a:prstGeom prst="straightConnector1">
+            <a:avLst/>
+          </a:prstGeom>
+          <a:ln>
+            <a:tailEnd type="triangle"/>
+          </a:ln>
+        </p:spPr>
+        <p:style>
+          <a:lnRef idx="1">
+            <a:schemeClr val="accent2"/>
+          </a:lnRef>
+          <a:fillRef idx="0">
+            <a:schemeClr val="accent2"/>
+          </a:fillRef>
+          <a:effectRef idx="0">
+            <a:schemeClr val="accent2"/>
+          </a:effectRef>
+          <a:fontRef idx="minor">
+            <a:schemeClr val="tx1"/>
+          </a:fontRef>
+        </p:style>
+      </p:cxnSp>
+      <p:cxnSp>
+        <p:nvCxnSpPr>
+          <p:cNvPr id="16" name="Straight Arrow Connector 15">
+            <a:extLst>
+              <a:ext uri="{FF2B5EF4-FFF2-40B4-BE49-F238E27FC236}">
+                <a16:creationId xmlns:a16="http://schemas.microsoft.com/office/drawing/2014/main" id="{272BAC2E-AF4D-4CEA-93CC-BB1343C0C93E}"/>
+              </a:ext>
+            </a:extLst>
+          </p:cNvPr>
+          <p:cNvCxnSpPr>
+            <a:cxnSpLocks/>
+          </p:cNvCxnSpPr>
+          <p:nvPr/>
+        </p:nvCxnSpPr>
+        <p:spPr>
+          <a:xfrm flipH="1">
+            <a:off x="4971495" y="3170357"/>
+            <a:ext cx="931467" cy="0"/>
+          </a:xfrm>
+          <a:prstGeom prst="straightConnector1">
+            <a:avLst/>
+          </a:prstGeom>
+          <a:ln>
+            <a:tailEnd type="triangle"/>
+          </a:ln>
+        </p:spPr>
+        <p:style>
+          <a:lnRef idx="1">
+            <a:schemeClr val="accent2"/>
+          </a:lnRef>
+          <a:fillRef idx="0">
+            <a:schemeClr val="accent2"/>
+          </a:fillRef>
+          <a:effectRef idx="0">
+            <a:schemeClr val="accent2"/>
+          </a:effectRef>
+          <a:fontRef idx="minor">
+            <a:schemeClr val="tx1"/>
+          </a:fontRef>
+        </p:style>
+      </p:cxnSp>
+      <p:cxnSp>
+        <p:nvCxnSpPr>
+          <p:cNvPr id="17" name="Straight Arrow Connector 16">
+            <a:extLst>
+              <a:ext uri="{FF2B5EF4-FFF2-40B4-BE49-F238E27FC236}">
+                <a16:creationId xmlns:a16="http://schemas.microsoft.com/office/drawing/2014/main" id="{1A4EAA78-AF77-41BE-8F99-6313B961456D}"/>
+              </a:ext>
+            </a:extLst>
+          </p:cNvPr>
+          <p:cNvCxnSpPr>
+            <a:cxnSpLocks/>
+          </p:cNvCxnSpPr>
+          <p:nvPr/>
+        </p:nvCxnSpPr>
+        <p:spPr>
+          <a:xfrm flipH="1">
+            <a:off x="4165107" y="5562335"/>
+            <a:ext cx="1336880" cy="0"/>
+          </a:xfrm>
+          <a:prstGeom prst="straightConnector1">
+            <a:avLst/>
+          </a:prstGeom>
+          <a:ln>
+            <a:tailEnd type="triangle"/>
+          </a:ln>
+        </p:spPr>
+        <p:style>
+          <a:lnRef idx="1">
+            <a:schemeClr val="accent2"/>
+          </a:lnRef>
+          <a:fillRef idx="0">
+            <a:schemeClr val="accent2"/>
+          </a:fillRef>
+          <a:effectRef idx="0">
+            <a:schemeClr val="accent2"/>
+          </a:effectRef>
+          <a:fontRef idx="minor">
+            <a:schemeClr val="tx1"/>
+          </a:fontRef>
+        </p:style>
+      </p:cxnSp>
+      <p:cxnSp>
+        <p:nvCxnSpPr>
+          <p:cNvPr id="21" name="Straight Arrow Connector 20">
+            <a:extLst>
+              <a:ext uri="{FF2B5EF4-FFF2-40B4-BE49-F238E27FC236}">
+                <a16:creationId xmlns:a16="http://schemas.microsoft.com/office/drawing/2014/main" id="{6C3F725F-D2BF-48CC-A77E-182DCBC15CAF}"/>
+              </a:ext>
+            </a:extLst>
+          </p:cNvPr>
+          <p:cNvCxnSpPr/>
+          <p:nvPr/>
+        </p:nvCxnSpPr>
+        <p:spPr>
+          <a:xfrm flipH="1">
+            <a:off x="1677880" y="1978441"/>
+            <a:ext cx="2176508" cy="12006"/>
+          </a:xfrm>
+          <a:prstGeom prst="straightConnector1">
+            <a:avLst/>
+          </a:prstGeom>
+          <a:ln>
+            <a:tailEnd type="triangle"/>
+          </a:ln>
+        </p:spPr>
+        <p:style>
+          <a:lnRef idx="1">
+            <a:schemeClr val="accent2"/>
+          </a:lnRef>
+          <a:fillRef idx="0">
+            <a:schemeClr val="accent2"/>
+          </a:fillRef>
+          <a:effectRef idx="0">
+            <a:schemeClr val="accent2"/>
+          </a:effectRef>
+          <a:fontRef idx="minor">
+            <a:schemeClr val="tx1"/>
+          </a:fontRef>
+        </p:style>
+      </p:cxnSp>
+      <p:cxnSp>
+        <p:nvCxnSpPr>
+          <p:cNvPr id="22" name="Straight Arrow Connector 21">
+            <a:extLst>
+              <a:ext uri="{FF2B5EF4-FFF2-40B4-BE49-F238E27FC236}">
+                <a16:creationId xmlns:a16="http://schemas.microsoft.com/office/drawing/2014/main" id="{C58EE1FA-3D44-468C-A75D-8DDEA629FF95}"/>
+              </a:ext>
+            </a:extLst>
+          </p:cNvPr>
+          <p:cNvCxnSpPr/>
+          <p:nvPr/>
+        </p:nvCxnSpPr>
+        <p:spPr>
+          <a:xfrm flipH="1">
+            <a:off x="1677880" y="4311209"/>
+            <a:ext cx="2176508" cy="12006"/>
+          </a:xfrm>
+          <a:prstGeom prst="straightConnector1">
+            <a:avLst/>
+          </a:prstGeom>
+          <a:ln>
+            <a:tailEnd type="triangle"/>
+          </a:ln>
+        </p:spPr>
+        <p:style>
+          <a:lnRef idx="1">
+            <a:schemeClr val="accent2"/>
+          </a:lnRef>
+          <a:fillRef idx="0">
+            <a:schemeClr val="accent2"/>
+          </a:fillRef>
+          <a:effectRef idx="0">
+            <a:schemeClr val="accent2"/>
+          </a:effectRef>
+          <a:fontRef idx="minor">
+            <a:schemeClr val="tx1"/>
+          </a:fontRef>
+        </p:style>
+      </p:cxnSp>
+      <p:cxnSp>
+        <p:nvCxnSpPr>
+          <p:cNvPr id="23" name="Straight Arrow Connector 22">
+            <a:extLst>
+              <a:ext uri="{FF2B5EF4-FFF2-40B4-BE49-F238E27FC236}">
+                <a16:creationId xmlns:a16="http://schemas.microsoft.com/office/drawing/2014/main" id="{A9FF0E5E-CBE9-45FA-B00F-AFDF62A1A416}"/>
+              </a:ext>
+            </a:extLst>
+          </p:cNvPr>
+          <p:cNvCxnSpPr/>
+          <p:nvPr/>
+        </p:nvCxnSpPr>
+        <p:spPr>
+          <a:xfrm flipH="1">
+            <a:off x="1677880" y="6687843"/>
+            <a:ext cx="2176508" cy="12006"/>
+          </a:xfrm>
+          <a:prstGeom prst="straightConnector1">
+            <a:avLst/>
+          </a:prstGeom>
+          <a:ln>
+            <a:tailEnd type="triangle"/>
+          </a:ln>
+        </p:spPr>
+        <p:style>
+          <a:lnRef idx="1">
+            <a:schemeClr val="accent2"/>
+          </a:lnRef>
+          <a:fillRef idx="0">
+            <a:schemeClr val="accent2"/>
+          </a:fillRef>
+          <a:effectRef idx="0">
+            <a:schemeClr val="accent2"/>
+          </a:effectRef>
+          <a:fontRef idx="minor">
+            <a:schemeClr val="tx1"/>
+          </a:fontRef>
+        </p:style>
+      </p:cxnSp>
+      <p:sp>
+        <p:nvSpPr>
+          <p:cNvPr id="24" name="TextBox 23">
+            <a:extLst>
+              <a:ext uri="{FF2B5EF4-FFF2-40B4-BE49-F238E27FC236}">
+                <a16:creationId xmlns:a16="http://schemas.microsoft.com/office/drawing/2014/main" id="{75B9D56B-452F-4C3D-BCE3-211C7437B7FD}"/>
+              </a:ext>
+            </a:extLst>
+          </p:cNvPr>
+          <p:cNvSpPr txBox="1"/>
+          <p:nvPr/>
+        </p:nvSpPr>
+        <p:spPr>
+          <a:xfrm>
+            <a:off x="2766134" y="640956"/>
+            <a:ext cx="947742" cy="369332"/>
+          </a:xfrm>
+          <a:prstGeom prst="rect">
+            <a:avLst/>
+          </a:prstGeom>
+          <a:noFill/>
+          <a:ln w="38100">
+            <a:solidFill>
+              <a:schemeClr val="accent2"/>
+            </a:solidFill>
+          </a:ln>
+        </p:spPr>
+        <p:txBody>
+          <a:bodyPr wrap="square" rtlCol="0">
+            <a:spAutoFit/>
+          </a:bodyPr>
+          <a:lstStyle/>
+          <a:p>
+            <a:endParaRPr lang="en-SG" dirty="0"/>
+          </a:p>
+        </p:txBody>
+      </p:sp>
+      <p:sp>
+        <p:nvSpPr>
+          <p:cNvPr id="25" name="TextBox 24">
+            <a:extLst>
+              <a:ext uri="{FF2B5EF4-FFF2-40B4-BE49-F238E27FC236}">
+                <a16:creationId xmlns:a16="http://schemas.microsoft.com/office/drawing/2014/main" id="{F3797CCB-3E38-4CCC-9CAC-9BFEB350B88A}"/>
+              </a:ext>
+            </a:extLst>
+          </p:cNvPr>
+          <p:cNvSpPr txBox="1"/>
+          <p:nvPr/>
+        </p:nvSpPr>
+        <p:spPr>
+          <a:xfrm>
+            <a:off x="2414331" y="5358740"/>
+            <a:ext cx="897040" cy="369332"/>
+          </a:xfrm>
+          <a:prstGeom prst="rect">
+            <a:avLst/>
+          </a:prstGeom>
+          <a:noFill/>
+          <a:ln w="38100">
+            <a:solidFill>
+              <a:schemeClr val="accent2"/>
+            </a:solidFill>
+          </a:ln>
+        </p:spPr>
+        <p:txBody>
+          <a:bodyPr wrap="square" rtlCol="0">
+            <a:spAutoFit/>
+          </a:bodyPr>
+          <a:lstStyle/>
+          <a:p>
+            <a:endParaRPr lang="en-SG" dirty="0"/>
+          </a:p>
+        </p:txBody>
+      </p:sp>
+      <p:sp>
+        <p:nvSpPr>
+          <p:cNvPr id="26" name="TextBox 25">
+            <a:extLst>
+              <a:ext uri="{FF2B5EF4-FFF2-40B4-BE49-F238E27FC236}">
+                <a16:creationId xmlns:a16="http://schemas.microsoft.com/office/drawing/2014/main" id="{0C165325-AE4E-49DC-BBF3-0E74EC42703B}"/>
+              </a:ext>
+            </a:extLst>
+          </p:cNvPr>
+          <p:cNvSpPr txBox="1"/>
+          <p:nvPr/>
+        </p:nvSpPr>
+        <p:spPr>
+          <a:xfrm>
+            <a:off x="3141955" y="2972633"/>
+            <a:ext cx="1023152" cy="369332"/>
+          </a:xfrm>
+          <a:prstGeom prst="rect">
+            <a:avLst/>
+          </a:prstGeom>
+          <a:noFill/>
+          <a:ln w="38100">
+            <a:solidFill>
+              <a:schemeClr val="accent2"/>
+            </a:solidFill>
+          </a:ln>
+        </p:spPr>
+        <p:txBody>
+          <a:bodyPr wrap="square" rtlCol="0">
+            <a:spAutoFit/>
+          </a:bodyPr>
+          <a:lstStyle/>
+          <a:p>
+            <a:endParaRPr lang="en-SG" dirty="0"/>
+          </a:p>
+        </p:txBody>
+      </p:sp>
+      <p:sp>
+        <p:nvSpPr>
+          <p:cNvPr id="27" name="TextBox 26">
+            <a:extLst>
+              <a:ext uri="{FF2B5EF4-FFF2-40B4-BE49-F238E27FC236}">
+                <a16:creationId xmlns:a16="http://schemas.microsoft.com/office/drawing/2014/main" id="{536FB9D3-15BA-49B8-B61E-A7B07526D815}"/>
+              </a:ext>
+            </a:extLst>
+          </p:cNvPr>
+          <p:cNvSpPr txBox="1"/>
+          <p:nvPr/>
+        </p:nvSpPr>
+        <p:spPr>
+          <a:xfrm>
+            <a:off x="-25945" y="6495390"/>
+            <a:ext cx="1677931" cy="369332"/>
+          </a:xfrm>
+          <a:prstGeom prst="rect">
+            <a:avLst/>
+          </a:prstGeom>
+          <a:noFill/>
+          <a:ln w="38100">
+            <a:solidFill>
+              <a:schemeClr val="accent2"/>
+            </a:solidFill>
+          </a:ln>
+        </p:spPr>
+        <p:txBody>
+          <a:bodyPr wrap="square" rtlCol="0">
+            <a:spAutoFit/>
+          </a:bodyPr>
+          <a:lstStyle/>
+          <a:p>
+            <a:endParaRPr lang="en-SG" dirty="0"/>
+          </a:p>
+        </p:txBody>
+      </p:sp>
+      <p:sp>
+        <p:nvSpPr>
+          <p:cNvPr id="28" name="TextBox 27">
+            <a:extLst>
+              <a:ext uri="{FF2B5EF4-FFF2-40B4-BE49-F238E27FC236}">
+                <a16:creationId xmlns:a16="http://schemas.microsoft.com/office/drawing/2014/main" id="{21332A20-9847-4C82-9088-5DE10B390095}"/>
+              </a:ext>
+            </a:extLst>
+          </p:cNvPr>
+          <p:cNvSpPr txBox="1"/>
+          <p:nvPr/>
+        </p:nvSpPr>
+        <p:spPr>
+          <a:xfrm>
+            <a:off x="-52" y="4126542"/>
+            <a:ext cx="1677932" cy="369332"/>
+          </a:xfrm>
+          <a:prstGeom prst="rect">
+            <a:avLst/>
+          </a:prstGeom>
+          <a:noFill/>
+          <a:ln w="38100">
+            <a:solidFill>
+              <a:schemeClr val="accent2"/>
+            </a:solidFill>
+          </a:ln>
+        </p:spPr>
+        <p:txBody>
+          <a:bodyPr wrap="square" rtlCol="0">
+            <a:spAutoFit/>
+          </a:bodyPr>
+          <a:lstStyle/>
+          <a:p>
+            <a:endParaRPr lang="en-SG" dirty="0"/>
+          </a:p>
+        </p:txBody>
+      </p:sp>
+      <p:sp>
+        <p:nvSpPr>
+          <p:cNvPr id="29" name="TextBox 28">
+            <a:extLst>
+              <a:ext uri="{FF2B5EF4-FFF2-40B4-BE49-F238E27FC236}">
+                <a16:creationId xmlns:a16="http://schemas.microsoft.com/office/drawing/2014/main" id="{5CFC5142-F72C-4F87-831B-687652326635}"/>
+              </a:ext>
+            </a:extLst>
+          </p:cNvPr>
+          <p:cNvSpPr txBox="1"/>
+          <p:nvPr/>
+        </p:nvSpPr>
+        <p:spPr>
+          <a:xfrm>
+            <a:off x="18444" y="1776463"/>
+            <a:ext cx="1659436" cy="369332"/>
+          </a:xfrm>
+          <a:prstGeom prst="rect">
+            <a:avLst/>
+          </a:prstGeom>
+          <a:noFill/>
+          <a:ln w="38100">
+            <a:solidFill>
+              <a:schemeClr val="accent2"/>
+            </a:solidFill>
+          </a:ln>
+        </p:spPr>
+        <p:txBody>
+          <a:bodyPr wrap="square" rtlCol="0">
+            <a:spAutoFit/>
+          </a:bodyPr>
+          <a:lstStyle/>
+          <a:p>
+            <a:endParaRPr lang="en-SG" dirty="0"/>
+          </a:p>
+        </p:txBody>
+      </p:sp>
+      <p:sp>
+        <p:nvSpPr>
+          <p:cNvPr id="30" name="TextBox 29">
+            <a:extLst>
+              <a:ext uri="{FF2B5EF4-FFF2-40B4-BE49-F238E27FC236}">
+                <a16:creationId xmlns:a16="http://schemas.microsoft.com/office/drawing/2014/main" id="{691E8431-7CF2-47F3-96CE-382ADF05EDD7}"/>
+              </a:ext>
+            </a:extLst>
+          </p:cNvPr>
+          <p:cNvSpPr txBox="1"/>
+          <p:nvPr/>
+        </p:nvSpPr>
+        <p:spPr>
+          <a:xfrm>
+            <a:off x="9374819" y="1109709"/>
+            <a:ext cx="2618914" cy="584775"/>
+          </a:xfrm>
+          <a:prstGeom prst="rect">
+            <a:avLst/>
+          </a:prstGeom>
+          <a:solidFill>
+            <a:schemeClr val="accent2"/>
+          </a:solidFill>
+          <a:ln>
+            <a:solidFill>
+              <a:schemeClr val="tx1"/>
+            </a:solidFill>
+          </a:ln>
+        </p:spPr>
+        <p:txBody>
+          <a:bodyPr wrap="square" rtlCol="0">
+            <a:spAutoFit/>
+          </a:bodyPr>
+          <a:lstStyle/>
+          <a:p>
+            <a:r>
+              <a:rPr lang="en-SG" sz="1600" b="1" dirty="0">
+                <a:solidFill>
+                  <a:schemeClr val="bg1"/>
+                </a:solidFill>
+                <a:latin typeface="Arial Nova Cond" panose="020B0506020202020204" pitchFamily="34" charset="0"/>
+              </a:rPr>
+              <a:t>Example 1: </a:t>
+            </a:r>
+          </a:p>
+          <a:p>
+            <a:r>
+              <a:rPr lang="en-SG" sz="1600" b="1" dirty="0">
+                <a:solidFill>
+                  <a:schemeClr val="bg1"/>
+                </a:solidFill>
+                <a:latin typeface="Arial Nova Cond" panose="020B0506020202020204" pitchFamily="34" charset="0"/>
+              </a:rPr>
+              <a:t>this month DAY_OF_MONTH</a:t>
+            </a:r>
+          </a:p>
+        </p:txBody>
+      </p:sp>
+      <p:sp>
+        <p:nvSpPr>
+          <p:cNvPr id="31" name="TextBox 30">
+            <a:extLst>
+              <a:ext uri="{FF2B5EF4-FFF2-40B4-BE49-F238E27FC236}">
+                <a16:creationId xmlns:a16="http://schemas.microsoft.com/office/drawing/2014/main" id="{A4BC29DC-AA00-4296-8E79-7DF1F0A439EF}"/>
+              </a:ext>
+            </a:extLst>
+          </p:cNvPr>
+          <p:cNvSpPr txBox="1"/>
+          <p:nvPr/>
+        </p:nvSpPr>
+        <p:spPr>
+          <a:xfrm>
+            <a:off x="9374820" y="5949545"/>
+            <a:ext cx="2618912" cy="584775"/>
+          </a:xfrm>
+          <a:prstGeom prst="rect">
+            <a:avLst/>
+          </a:prstGeom>
+          <a:solidFill>
+            <a:schemeClr val="accent2"/>
+          </a:solidFill>
+          <a:ln>
+            <a:solidFill>
+              <a:schemeClr val="tx1"/>
+            </a:solidFill>
+          </a:ln>
+        </p:spPr>
+        <p:txBody>
+          <a:bodyPr wrap="square" rtlCol="0">
+            <a:spAutoFit/>
+          </a:bodyPr>
+          <a:lstStyle/>
+          <a:p>
+            <a:r>
+              <a:rPr lang="en-SG" sz="1600" b="1" dirty="0">
+                <a:solidFill>
+                  <a:schemeClr val="bg1"/>
+                </a:solidFill>
+                <a:latin typeface="Arial Nova Cond" panose="020B0506020202020204" pitchFamily="34" charset="0"/>
+              </a:rPr>
+              <a:t>Example 3: </a:t>
+            </a:r>
+          </a:p>
+          <a:p>
+            <a:r>
+              <a:rPr lang="en-SG" sz="1600" b="1" dirty="0">
+                <a:solidFill>
+                  <a:schemeClr val="bg1"/>
+                </a:solidFill>
+                <a:latin typeface="Arial Nova Cond" panose="020B0506020202020204" pitchFamily="34" charset="0"/>
+              </a:rPr>
+              <a:t>last month DAY_OF_MONTH</a:t>
+            </a:r>
+          </a:p>
+        </p:txBody>
+      </p:sp>
+      <p:sp>
+        <p:nvSpPr>
+          <p:cNvPr id="32" name="TextBox 31">
+            <a:extLst>
+              <a:ext uri="{FF2B5EF4-FFF2-40B4-BE49-F238E27FC236}">
+                <a16:creationId xmlns:a16="http://schemas.microsoft.com/office/drawing/2014/main" id="{C90D496D-BF18-4597-9517-71EFC3FFB76A}"/>
+              </a:ext>
+            </a:extLst>
+          </p:cNvPr>
+          <p:cNvSpPr txBox="1"/>
+          <p:nvPr/>
+        </p:nvSpPr>
+        <p:spPr>
+          <a:xfrm>
+            <a:off x="9374819" y="3541767"/>
+            <a:ext cx="2618913" cy="584775"/>
+          </a:xfrm>
+          <a:prstGeom prst="rect">
+            <a:avLst/>
+          </a:prstGeom>
+          <a:solidFill>
+            <a:schemeClr val="accent2"/>
+          </a:solidFill>
+          <a:ln>
+            <a:solidFill>
+              <a:schemeClr val="tx1"/>
+            </a:solidFill>
+          </a:ln>
+        </p:spPr>
+        <p:txBody>
+          <a:bodyPr wrap="square" rtlCol="0">
+            <a:spAutoFit/>
+          </a:bodyPr>
+          <a:lstStyle/>
+          <a:p>
+            <a:r>
+              <a:rPr lang="en-SG" sz="1600" b="1" dirty="0">
+                <a:solidFill>
+                  <a:schemeClr val="bg1"/>
+                </a:solidFill>
+                <a:latin typeface="Arial Nova Cond" panose="020B0506020202020204" pitchFamily="34" charset="0"/>
+              </a:rPr>
+              <a:t>Example 2: </a:t>
+            </a:r>
+          </a:p>
+          <a:p>
+            <a:r>
+              <a:rPr lang="en-SG" sz="1600" b="1" dirty="0">
+                <a:solidFill>
+                  <a:schemeClr val="bg1"/>
+                </a:solidFill>
+                <a:latin typeface="Arial Nova Cond" panose="020B0506020202020204" pitchFamily="34" charset="0"/>
+              </a:rPr>
+              <a:t>next month DAY_OF_MONTH</a:t>
+            </a:r>
+          </a:p>
+        </p:txBody>
+      </p:sp>
+    </p:spTree>
+    <p:extLst>
+      <p:ext uri="{BB962C8B-B14F-4D97-AF65-F5344CB8AC3E}">
+        <p14:creationId xmlns:p14="http://schemas.microsoft.com/office/powerpoint/2010/main" val="648947890"/>
       </p:ext>
     </p:extLst>
   </p:cSld>
@@ -5768,6 +8322,2728 @@
     <p:extLst>
       <p:ext uri="{BB962C8B-B14F-4D97-AF65-F5344CB8AC3E}">
         <p14:creationId xmlns:p14="http://schemas.microsoft.com/office/powerpoint/2010/main" val="1533643954"/>
+      </p:ext>
+    </p:extLst>
+  </p:cSld>
+  <p:clrMapOvr>
+    <a:masterClrMapping/>
+  </p:clrMapOvr>
+</p:sld>
+</file>
+
+<file path=ppt/slides/slide6.xml><?xml version="1.0" encoding="utf-8"?>
+<p:sld xmlns:a="http://schemas.openxmlformats.org/drawingml/2006/main" xmlns:r="http://schemas.openxmlformats.org/officeDocument/2006/relationships" xmlns:p="http://schemas.openxmlformats.org/presentationml/2006/main">
+  <p:cSld>
+    <p:spTree>
+      <p:nvGrpSpPr>
+        <p:cNvPr id="1" name=""/>
+        <p:cNvGrpSpPr/>
+        <p:nvPr/>
+      </p:nvGrpSpPr>
+      <p:grpSpPr>
+        <a:xfrm>
+          <a:off x="0" y="0"/>
+          <a:ext cx="0" cy="0"/>
+          <a:chOff x="0" y="0"/>
+          <a:chExt cx="0" cy="0"/>
+        </a:xfrm>
+      </p:grpSpPr>
+      <p:pic>
+        <p:nvPicPr>
+          <p:cNvPr id="3" name="Picture 2">
+            <a:extLst>
+              <a:ext uri="{FF2B5EF4-FFF2-40B4-BE49-F238E27FC236}">
+                <a16:creationId xmlns:a16="http://schemas.microsoft.com/office/drawing/2014/main" id="{40C85DD0-E410-4724-8074-9BCA672B72B0}"/>
+              </a:ext>
+            </a:extLst>
+          </p:cNvPr>
+          <p:cNvPicPr>
+            <a:picLocks noChangeAspect="1"/>
+          </p:cNvPicPr>
+          <p:nvPr/>
+        </p:nvPicPr>
+        <p:blipFill rotWithShape="1">
+          <a:blip r:embed="rId2"/>
+          <a:srcRect b="4722"/>
+          <a:stretch/>
+        </p:blipFill>
+        <p:spPr>
+          <a:xfrm>
+            <a:off x="0" y="0"/>
+            <a:ext cx="12192000" cy="6858000"/>
+          </a:xfrm>
+          <a:prstGeom prst="rect">
+            <a:avLst/>
+          </a:prstGeom>
+        </p:spPr>
+      </p:pic>
+      <p:sp>
+        <p:nvSpPr>
+          <p:cNvPr id="4" name="Text Box 2">
+            <a:extLst>
+              <a:ext uri="{FF2B5EF4-FFF2-40B4-BE49-F238E27FC236}">
+                <a16:creationId xmlns:a16="http://schemas.microsoft.com/office/drawing/2014/main" id="{379EBF1F-4495-44AB-B0B3-CC668D4EDD7A}"/>
+              </a:ext>
+            </a:extLst>
+          </p:cNvPr>
+          <p:cNvSpPr txBox="1">
+            <a:spLocks noChangeArrowheads="1"/>
+          </p:cNvSpPr>
+          <p:nvPr/>
+        </p:nvSpPr>
+        <p:spPr bwMode="auto">
+          <a:xfrm>
+            <a:off x="2317533" y="1768599"/>
+            <a:ext cx="1940141" cy="1660401"/>
+          </a:xfrm>
+          <a:prstGeom prst="rect">
+            <a:avLst/>
+          </a:prstGeom>
+          <a:solidFill>
+            <a:schemeClr val="accent2"/>
+          </a:solidFill>
+          <a:ln w="9525">
+            <a:solidFill>
+              <a:srgbClr val="000000"/>
+            </a:solidFill>
+            <a:miter lim="800000"/>
+            <a:headEnd/>
+            <a:tailEnd/>
+          </a:ln>
+        </p:spPr>
+        <p:txBody>
+          <a:bodyPr rot="0" vert="horz" wrap="square" lIns="91440" tIns="45720" rIns="91440" bIns="45720" anchor="t" anchorCtr="0">
+            <a:noAutofit/>
+          </a:bodyPr>
+          <a:lstStyle/>
+          <a:p>
+            <a:pPr>
+              <a:lnSpc>
+                <a:spcPct val="107000"/>
+              </a:lnSpc>
+              <a:spcAft>
+                <a:spcPts val="800"/>
+              </a:spcAft>
+            </a:pPr>
+            <a:r>
+              <a:rPr lang="en-SG" sz="1200" b="1" dirty="0">
+                <a:solidFill>
+                  <a:schemeClr val="bg1"/>
+                </a:solidFill>
+                <a:latin typeface="Arial Nova Cond" panose="020B0506020202020204" pitchFamily="34" charset="0"/>
+                <a:ea typeface="Calibri" panose="020F0502020204030204" pitchFamily="34" charset="0"/>
+                <a:cs typeface="Times New Roman" panose="02020603050405020304" pitchFamily="18" charset="0"/>
+              </a:rPr>
+              <a:t>1</a:t>
+            </a:r>
+            <a:r>
+              <a:rPr lang="en-SG" sz="1200" b="1" dirty="0">
+                <a:solidFill>
+                  <a:schemeClr val="bg1"/>
+                </a:solidFill>
+                <a:effectLst/>
+                <a:latin typeface="Arial Nova Cond" panose="020B0506020202020204" pitchFamily="34" charset="0"/>
+                <a:ea typeface="Calibri" panose="020F0502020204030204" pitchFamily="34" charset="0"/>
+                <a:cs typeface="Times New Roman" panose="02020603050405020304" pitchFamily="18" charset="0"/>
+              </a:rPr>
+              <a:t>. Either call the find command to get a filtered list of employees or call the list command to get a full list of employees. Alternatively, can click on the Employees tab to get the full list of employees.</a:t>
+            </a:r>
+            <a:endParaRPr lang="en-SG" sz="1200" dirty="0">
+              <a:solidFill>
+                <a:schemeClr val="bg1"/>
+              </a:solidFill>
+              <a:effectLst/>
+              <a:latin typeface="Calibri" panose="020F0502020204030204" pitchFamily="34" charset="0"/>
+              <a:ea typeface="Calibri" panose="020F0502020204030204" pitchFamily="34" charset="0"/>
+              <a:cs typeface="Times New Roman" panose="02020603050405020304" pitchFamily="18" charset="0"/>
+            </a:endParaRPr>
+          </a:p>
+        </p:txBody>
+      </p:sp>
+      <p:cxnSp>
+        <p:nvCxnSpPr>
+          <p:cNvPr id="20" name="Straight Connector 19">
+            <a:extLst>
+              <a:ext uri="{FF2B5EF4-FFF2-40B4-BE49-F238E27FC236}">
+                <a16:creationId xmlns:a16="http://schemas.microsoft.com/office/drawing/2014/main" id="{9EE06FFD-E8F2-45A2-B784-A1B63D2BFBCF}"/>
+              </a:ext>
+            </a:extLst>
+          </p:cNvPr>
+          <p:cNvCxnSpPr/>
+          <p:nvPr/>
+        </p:nvCxnSpPr>
+        <p:spPr>
+          <a:xfrm flipH="1">
+            <a:off x="1429305" y="1944210"/>
+            <a:ext cx="888228" cy="0"/>
+          </a:xfrm>
+          <a:prstGeom prst="line">
+            <a:avLst/>
+          </a:prstGeom>
+          <a:ln>
+            <a:solidFill>
+              <a:schemeClr val="accent2"/>
+            </a:solidFill>
+          </a:ln>
+        </p:spPr>
+        <p:style>
+          <a:lnRef idx="1">
+            <a:schemeClr val="accent1"/>
+          </a:lnRef>
+          <a:fillRef idx="0">
+            <a:schemeClr val="accent1"/>
+          </a:fillRef>
+          <a:effectRef idx="0">
+            <a:schemeClr val="accent1"/>
+          </a:effectRef>
+          <a:fontRef idx="minor">
+            <a:schemeClr val="tx1"/>
+          </a:fontRef>
+        </p:style>
+      </p:cxnSp>
+      <p:cxnSp>
+        <p:nvCxnSpPr>
+          <p:cNvPr id="22" name="Straight Arrow Connector 21">
+            <a:extLst>
+              <a:ext uri="{FF2B5EF4-FFF2-40B4-BE49-F238E27FC236}">
+                <a16:creationId xmlns:a16="http://schemas.microsoft.com/office/drawing/2014/main" id="{7F81F38D-3C11-445C-B8F5-7F41D2F98883}"/>
+              </a:ext>
+            </a:extLst>
+          </p:cNvPr>
+          <p:cNvCxnSpPr>
+            <a:cxnSpLocks/>
+          </p:cNvCxnSpPr>
+          <p:nvPr/>
+        </p:nvCxnSpPr>
+        <p:spPr>
+          <a:xfrm>
+            <a:off x="1429305" y="1944210"/>
+            <a:ext cx="0" cy="204186"/>
+          </a:xfrm>
+          <a:prstGeom prst="straightConnector1">
+            <a:avLst/>
+          </a:prstGeom>
+          <a:ln>
+            <a:tailEnd type="triangle"/>
+          </a:ln>
+        </p:spPr>
+        <p:style>
+          <a:lnRef idx="1">
+            <a:schemeClr val="accent2"/>
+          </a:lnRef>
+          <a:fillRef idx="0">
+            <a:schemeClr val="accent2"/>
+          </a:fillRef>
+          <a:effectRef idx="0">
+            <a:schemeClr val="accent2"/>
+          </a:effectRef>
+          <a:fontRef idx="minor">
+            <a:schemeClr val="tx1"/>
+          </a:fontRef>
+        </p:style>
+      </p:cxnSp>
+      <p:sp>
+        <p:nvSpPr>
+          <p:cNvPr id="24" name="Text Box 2">
+            <a:extLst>
+              <a:ext uri="{FF2B5EF4-FFF2-40B4-BE49-F238E27FC236}">
+                <a16:creationId xmlns:a16="http://schemas.microsoft.com/office/drawing/2014/main" id="{A84BC7C6-909C-43EC-90C1-3F792D130DD2}"/>
+              </a:ext>
+            </a:extLst>
+          </p:cNvPr>
+          <p:cNvSpPr txBox="1">
+            <a:spLocks noChangeArrowheads="1"/>
+          </p:cNvSpPr>
+          <p:nvPr/>
+        </p:nvSpPr>
+        <p:spPr bwMode="auto">
+          <a:xfrm>
+            <a:off x="2601618" y="3794832"/>
+            <a:ext cx="1940141" cy="857067"/>
+          </a:xfrm>
+          <a:prstGeom prst="rect">
+            <a:avLst/>
+          </a:prstGeom>
+          <a:solidFill>
+            <a:schemeClr val="accent2"/>
+          </a:solidFill>
+          <a:ln w="9525">
+            <a:solidFill>
+              <a:srgbClr val="000000"/>
+            </a:solidFill>
+            <a:miter lim="800000"/>
+            <a:headEnd/>
+            <a:tailEnd/>
+          </a:ln>
+        </p:spPr>
+        <p:txBody>
+          <a:bodyPr rot="0" vert="horz" wrap="square" lIns="91440" tIns="45720" rIns="91440" bIns="45720" anchor="t" anchorCtr="0">
+            <a:noAutofit/>
+          </a:bodyPr>
+          <a:lstStyle/>
+          <a:p>
+            <a:pPr>
+              <a:lnSpc>
+                <a:spcPct val="107000"/>
+              </a:lnSpc>
+              <a:spcAft>
+                <a:spcPts val="800"/>
+              </a:spcAft>
+            </a:pPr>
+            <a:r>
+              <a:rPr lang="en-SG" sz="1200" b="1" dirty="0">
+                <a:solidFill>
+                  <a:schemeClr val="bg1"/>
+                </a:solidFill>
+                <a:latin typeface="Arial Nova Cond" panose="020B0506020202020204" pitchFamily="34" charset="0"/>
+                <a:ea typeface="Calibri" panose="020F0502020204030204" pitchFamily="34" charset="0"/>
+                <a:cs typeface="Times New Roman" panose="02020603050405020304" pitchFamily="18" charset="0"/>
+              </a:rPr>
+              <a:t>2. Identify target employee from the list. For </a:t>
+            </a:r>
+            <a:r>
+              <a:rPr lang="en-SG" sz="1200" b="1" dirty="0" err="1">
+                <a:solidFill>
+                  <a:schemeClr val="bg1"/>
+                </a:solidFill>
+                <a:latin typeface="Arial Nova Cond" panose="020B0506020202020204" pitchFamily="34" charset="0"/>
+                <a:ea typeface="Calibri" panose="020F0502020204030204" pitchFamily="34" charset="0"/>
+                <a:cs typeface="Times New Roman" panose="02020603050405020304" pitchFamily="18" charset="0"/>
+              </a:rPr>
+              <a:t>eg</a:t>
+            </a:r>
+            <a:r>
+              <a:rPr lang="en-SG" sz="1200" b="1" dirty="0">
+                <a:solidFill>
+                  <a:schemeClr val="bg1"/>
+                </a:solidFill>
+                <a:latin typeface="Arial Nova Cond" panose="020B0506020202020204" pitchFamily="34" charset="0"/>
+                <a:ea typeface="Calibri" panose="020F0502020204030204" pitchFamily="34" charset="0"/>
+                <a:cs typeface="Times New Roman" panose="02020603050405020304" pitchFamily="18" charset="0"/>
+              </a:rPr>
+              <a:t>, target employee is at index 2 of the displayed list.</a:t>
+            </a:r>
+            <a:endParaRPr lang="en-SG" sz="1200" dirty="0">
+              <a:solidFill>
+                <a:schemeClr val="bg1"/>
+              </a:solidFill>
+              <a:effectLst/>
+              <a:latin typeface="Calibri" panose="020F0502020204030204" pitchFamily="34" charset="0"/>
+              <a:ea typeface="Calibri" panose="020F0502020204030204" pitchFamily="34" charset="0"/>
+              <a:cs typeface="Times New Roman" panose="02020603050405020304" pitchFamily="18" charset="0"/>
+            </a:endParaRPr>
+          </a:p>
+        </p:txBody>
+      </p:sp>
+      <p:cxnSp>
+        <p:nvCxnSpPr>
+          <p:cNvPr id="26" name="Straight Arrow Connector 25">
+            <a:extLst>
+              <a:ext uri="{FF2B5EF4-FFF2-40B4-BE49-F238E27FC236}">
+                <a16:creationId xmlns:a16="http://schemas.microsoft.com/office/drawing/2014/main" id="{D8B2BF98-1387-422A-958D-E4A4606924C4}"/>
+              </a:ext>
+            </a:extLst>
+          </p:cNvPr>
+          <p:cNvCxnSpPr>
+            <a:stCxn id="24" idx="1"/>
+          </p:cNvCxnSpPr>
+          <p:nvPr/>
+        </p:nvCxnSpPr>
+        <p:spPr>
+          <a:xfrm flipH="1">
+            <a:off x="1216241" y="4223366"/>
+            <a:ext cx="1385377" cy="11283"/>
+          </a:xfrm>
+          <a:prstGeom prst="straightConnector1">
+            <a:avLst/>
+          </a:prstGeom>
+          <a:ln>
+            <a:tailEnd type="triangle"/>
+          </a:ln>
+        </p:spPr>
+        <p:style>
+          <a:lnRef idx="1">
+            <a:schemeClr val="accent2"/>
+          </a:lnRef>
+          <a:fillRef idx="0">
+            <a:schemeClr val="accent2"/>
+          </a:fillRef>
+          <a:effectRef idx="0">
+            <a:schemeClr val="accent2"/>
+          </a:effectRef>
+          <a:fontRef idx="minor">
+            <a:schemeClr val="tx1"/>
+          </a:fontRef>
+        </p:style>
+      </p:cxnSp>
+      <p:sp>
+        <p:nvSpPr>
+          <p:cNvPr id="27" name="Text Box 2">
+            <a:extLst>
+              <a:ext uri="{FF2B5EF4-FFF2-40B4-BE49-F238E27FC236}">
+                <a16:creationId xmlns:a16="http://schemas.microsoft.com/office/drawing/2014/main" id="{D4A6B5C1-0C81-429E-A396-9C4F5CBDBDD6}"/>
+              </a:ext>
+            </a:extLst>
+          </p:cNvPr>
+          <p:cNvSpPr txBox="1">
+            <a:spLocks noChangeArrowheads="1"/>
+          </p:cNvSpPr>
+          <p:nvPr/>
+        </p:nvSpPr>
+        <p:spPr bwMode="auto">
+          <a:xfrm>
+            <a:off x="4477210" y="461638"/>
+            <a:ext cx="3672490" cy="337353"/>
+          </a:xfrm>
+          <a:prstGeom prst="rect">
+            <a:avLst/>
+          </a:prstGeom>
+          <a:solidFill>
+            <a:schemeClr val="accent2"/>
+          </a:solidFill>
+          <a:ln w="9525">
+            <a:solidFill>
+              <a:srgbClr val="000000"/>
+            </a:solidFill>
+            <a:miter lim="800000"/>
+            <a:headEnd/>
+            <a:tailEnd/>
+          </a:ln>
+        </p:spPr>
+        <p:txBody>
+          <a:bodyPr rot="0" vert="horz" wrap="square" lIns="91440" tIns="45720" rIns="91440" bIns="45720" anchor="t" anchorCtr="0">
+            <a:noAutofit/>
+          </a:bodyPr>
+          <a:lstStyle/>
+          <a:p>
+            <a:pPr>
+              <a:lnSpc>
+                <a:spcPct val="107000"/>
+              </a:lnSpc>
+              <a:spcAft>
+                <a:spcPts val="800"/>
+              </a:spcAft>
+            </a:pPr>
+            <a:r>
+              <a:rPr lang="en-SG" sz="1200" b="1" dirty="0">
+                <a:solidFill>
+                  <a:schemeClr val="bg1"/>
+                </a:solidFill>
+                <a:latin typeface="Arial Nova Cond" panose="020B0506020202020204" pitchFamily="34" charset="0"/>
+                <a:ea typeface="Calibri" panose="020F0502020204030204" pitchFamily="34" charset="0"/>
+                <a:cs typeface="Times New Roman" panose="02020603050405020304" pitchFamily="18" charset="0"/>
+              </a:rPr>
+              <a:t>3</a:t>
+            </a:r>
+            <a:r>
+              <a:rPr lang="en-SG" sz="1200" b="1" dirty="0">
+                <a:solidFill>
+                  <a:schemeClr val="bg1"/>
+                </a:solidFill>
+                <a:effectLst/>
+                <a:latin typeface="Arial Nova Cond" panose="020B0506020202020204" pitchFamily="34" charset="0"/>
+                <a:ea typeface="Calibri" panose="020F0502020204030204" pitchFamily="34" charset="0"/>
+                <a:cs typeface="Times New Roman" panose="02020603050405020304" pitchFamily="18" charset="0"/>
+              </a:rPr>
+              <a:t>. Type the command to add an employee to a project</a:t>
+            </a:r>
+            <a:endParaRPr lang="en-SG" sz="1200" dirty="0">
+              <a:solidFill>
+                <a:schemeClr val="bg1"/>
+              </a:solidFill>
+              <a:effectLst/>
+              <a:latin typeface="Calibri" panose="020F0502020204030204" pitchFamily="34" charset="0"/>
+              <a:ea typeface="Calibri" panose="020F0502020204030204" pitchFamily="34" charset="0"/>
+              <a:cs typeface="Times New Roman" panose="02020603050405020304" pitchFamily="18" charset="0"/>
+            </a:endParaRPr>
+          </a:p>
+        </p:txBody>
+      </p:sp>
+      <p:cxnSp>
+        <p:nvCxnSpPr>
+          <p:cNvPr id="29" name="Straight Arrow Connector 28">
+            <a:extLst>
+              <a:ext uri="{FF2B5EF4-FFF2-40B4-BE49-F238E27FC236}">
+                <a16:creationId xmlns:a16="http://schemas.microsoft.com/office/drawing/2014/main" id="{540194E4-D793-472B-BEC1-9F16EDB962F2}"/>
+              </a:ext>
+            </a:extLst>
+          </p:cNvPr>
+          <p:cNvCxnSpPr>
+            <a:cxnSpLocks/>
+            <a:stCxn id="27" idx="1"/>
+          </p:cNvCxnSpPr>
+          <p:nvPr/>
+        </p:nvCxnSpPr>
+        <p:spPr>
+          <a:xfrm flipH="1">
+            <a:off x="1597981" y="630315"/>
+            <a:ext cx="2879229" cy="0"/>
+          </a:xfrm>
+          <a:prstGeom prst="straightConnector1">
+            <a:avLst/>
+          </a:prstGeom>
+          <a:ln>
+            <a:tailEnd type="triangle"/>
+          </a:ln>
+        </p:spPr>
+        <p:style>
+          <a:lnRef idx="1">
+            <a:schemeClr val="accent2"/>
+          </a:lnRef>
+          <a:fillRef idx="0">
+            <a:schemeClr val="accent2"/>
+          </a:fillRef>
+          <a:effectRef idx="0">
+            <a:schemeClr val="accent2"/>
+          </a:effectRef>
+          <a:fontRef idx="minor">
+            <a:schemeClr val="tx1"/>
+          </a:fontRef>
+        </p:style>
+      </p:cxnSp>
+      <p:sp>
+        <p:nvSpPr>
+          <p:cNvPr id="31" name="Text Box 2">
+            <a:extLst>
+              <a:ext uri="{FF2B5EF4-FFF2-40B4-BE49-F238E27FC236}">
+                <a16:creationId xmlns:a16="http://schemas.microsoft.com/office/drawing/2014/main" id="{D83BA093-B3EC-4B82-871C-E84D19C38CA2}"/>
+              </a:ext>
+            </a:extLst>
+          </p:cNvPr>
+          <p:cNvSpPr txBox="1">
+            <a:spLocks noChangeArrowheads="1"/>
+          </p:cNvSpPr>
+          <p:nvPr/>
+        </p:nvSpPr>
+        <p:spPr bwMode="auto">
+          <a:xfrm>
+            <a:off x="8072668" y="1145219"/>
+            <a:ext cx="3672490" cy="452763"/>
+          </a:xfrm>
+          <a:prstGeom prst="rect">
+            <a:avLst/>
+          </a:prstGeom>
+          <a:solidFill>
+            <a:schemeClr val="accent2"/>
+          </a:solidFill>
+          <a:ln w="9525">
+            <a:solidFill>
+              <a:srgbClr val="000000"/>
+            </a:solidFill>
+            <a:miter lim="800000"/>
+            <a:headEnd/>
+            <a:tailEnd/>
+          </a:ln>
+        </p:spPr>
+        <p:txBody>
+          <a:bodyPr rot="0" vert="horz" wrap="square" lIns="91440" tIns="45720" rIns="91440" bIns="45720" anchor="t" anchorCtr="0">
+            <a:noAutofit/>
+          </a:bodyPr>
+          <a:lstStyle/>
+          <a:p>
+            <a:pPr>
+              <a:lnSpc>
+                <a:spcPct val="107000"/>
+              </a:lnSpc>
+              <a:spcAft>
+                <a:spcPts val="800"/>
+              </a:spcAft>
+            </a:pPr>
+            <a:r>
+              <a:rPr lang="en-SG" sz="1200" b="1" dirty="0">
+                <a:solidFill>
+                  <a:schemeClr val="bg1"/>
+                </a:solidFill>
+                <a:latin typeface="Arial Nova Cond" panose="020B0506020202020204" pitchFamily="34" charset="0"/>
+                <a:ea typeface="Calibri" panose="020F0502020204030204" pitchFamily="34" charset="0"/>
+                <a:cs typeface="Times New Roman" panose="02020603050405020304" pitchFamily="18" charset="0"/>
+              </a:rPr>
+              <a:t>4. The details of the added employee and the target project, Apollo, will be indicated as a success message</a:t>
+            </a:r>
+            <a:endParaRPr lang="en-SG" sz="2000" dirty="0">
+              <a:solidFill>
+                <a:schemeClr val="bg1"/>
+              </a:solidFill>
+              <a:latin typeface="Calibri" panose="020F0502020204030204" pitchFamily="34" charset="0"/>
+              <a:ea typeface="Calibri" panose="020F0502020204030204" pitchFamily="34" charset="0"/>
+              <a:cs typeface="Times New Roman" panose="02020603050405020304" pitchFamily="18" charset="0"/>
+            </a:endParaRPr>
+          </a:p>
+        </p:txBody>
+      </p:sp>
+      <p:cxnSp>
+        <p:nvCxnSpPr>
+          <p:cNvPr id="33" name="Connector: Elbow 32">
+            <a:extLst>
+              <a:ext uri="{FF2B5EF4-FFF2-40B4-BE49-F238E27FC236}">
+                <a16:creationId xmlns:a16="http://schemas.microsoft.com/office/drawing/2014/main" id="{F7892459-BD0A-43F4-9993-D4E758F44A8C}"/>
+              </a:ext>
+            </a:extLst>
+          </p:cNvPr>
+          <p:cNvCxnSpPr>
+            <a:cxnSpLocks/>
+            <a:stCxn id="31" idx="0"/>
+          </p:cNvCxnSpPr>
+          <p:nvPr/>
+        </p:nvCxnSpPr>
+        <p:spPr>
+          <a:xfrm rot="16200000" flipV="1">
+            <a:off x="9588601" y="824907"/>
+            <a:ext cx="150920" cy="489704"/>
+          </a:xfrm>
+          <a:prstGeom prst="bentConnector2">
+            <a:avLst/>
+          </a:prstGeom>
+          <a:ln>
+            <a:tailEnd type="triangle"/>
+          </a:ln>
+        </p:spPr>
+        <p:style>
+          <a:lnRef idx="1">
+            <a:schemeClr val="accent2"/>
+          </a:lnRef>
+          <a:fillRef idx="0">
+            <a:schemeClr val="accent2"/>
+          </a:fillRef>
+          <a:effectRef idx="0">
+            <a:schemeClr val="accent2"/>
+          </a:effectRef>
+          <a:fontRef idx="minor">
+            <a:schemeClr val="tx1"/>
+          </a:fontRef>
+        </p:style>
+      </p:cxnSp>
+      <p:sp>
+        <p:nvSpPr>
+          <p:cNvPr id="35" name="Text Box 2">
+            <a:extLst>
+              <a:ext uri="{FF2B5EF4-FFF2-40B4-BE49-F238E27FC236}">
+                <a16:creationId xmlns:a16="http://schemas.microsoft.com/office/drawing/2014/main" id="{76F51F6A-934D-4475-A6BD-69B221F9C825}"/>
+              </a:ext>
+            </a:extLst>
+          </p:cNvPr>
+          <p:cNvSpPr txBox="1">
+            <a:spLocks noChangeArrowheads="1"/>
+          </p:cNvSpPr>
+          <p:nvPr/>
+        </p:nvSpPr>
+        <p:spPr bwMode="auto">
+          <a:xfrm>
+            <a:off x="9664061" y="4223366"/>
+            <a:ext cx="1940141" cy="1640336"/>
+          </a:xfrm>
+          <a:prstGeom prst="rect">
+            <a:avLst/>
+          </a:prstGeom>
+          <a:solidFill>
+            <a:schemeClr val="accent2"/>
+          </a:solidFill>
+          <a:ln w="9525">
+            <a:solidFill>
+              <a:srgbClr val="000000"/>
+            </a:solidFill>
+            <a:miter lim="800000"/>
+            <a:headEnd/>
+            <a:tailEnd/>
+          </a:ln>
+        </p:spPr>
+        <p:txBody>
+          <a:bodyPr rot="0" vert="horz" wrap="square" lIns="91440" tIns="45720" rIns="91440" bIns="45720" anchor="t" anchorCtr="0">
+            <a:noAutofit/>
+          </a:bodyPr>
+          <a:lstStyle/>
+          <a:p>
+            <a:pPr>
+              <a:lnSpc>
+                <a:spcPct val="107000"/>
+              </a:lnSpc>
+              <a:spcAft>
+                <a:spcPts val="800"/>
+              </a:spcAft>
+            </a:pPr>
+            <a:r>
+              <a:rPr lang="en-SG" sz="1200" b="1" dirty="0">
+                <a:solidFill>
+                  <a:schemeClr val="bg1"/>
+                </a:solidFill>
+                <a:effectLst/>
+                <a:latin typeface="Arial Nova Cond" panose="020B0506020202020204" pitchFamily="34" charset="0"/>
+                <a:ea typeface="Calibri" panose="020F0502020204030204" pitchFamily="34" charset="0"/>
+                <a:cs typeface="Times New Roman" panose="02020603050405020304" pitchFamily="18" charset="0"/>
+              </a:rPr>
+              <a:t>5. By selecting project “Apollo” and using the arrows to toggle to the list of employees assigned to project “Apollo”, you will be able to see the targe</a:t>
+            </a:r>
+            <a:r>
+              <a:rPr lang="en-SG" sz="1200" b="1" dirty="0">
+                <a:solidFill>
+                  <a:schemeClr val="bg1"/>
+                </a:solidFill>
+                <a:latin typeface="Arial Nova Cond" panose="020B0506020202020204" pitchFamily="34" charset="0"/>
+                <a:ea typeface="Calibri" panose="020F0502020204030204" pitchFamily="34" charset="0"/>
+                <a:cs typeface="Times New Roman" panose="02020603050405020304" pitchFamily="18" charset="0"/>
+              </a:rPr>
+              <a:t>t employee already added to the list.</a:t>
+            </a:r>
+            <a:endParaRPr lang="en-SG" sz="1200" dirty="0">
+              <a:solidFill>
+                <a:schemeClr val="bg1"/>
+              </a:solidFill>
+              <a:effectLst/>
+              <a:latin typeface="Calibri" panose="020F0502020204030204" pitchFamily="34" charset="0"/>
+              <a:ea typeface="Calibri" panose="020F0502020204030204" pitchFamily="34" charset="0"/>
+              <a:cs typeface="Times New Roman" panose="02020603050405020304" pitchFamily="18" charset="0"/>
+            </a:endParaRPr>
+          </a:p>
+        </p:txBody>
+      </p:sp>
+      <p:cxnSp>
+        <p:nvCxnSpPr>
+          <p:cNvPr id="38" name="Connector: Elbow 37">
+            <a:extLst>
+              <a:ext uri="{FF2B5EF4-FFF2-40B4-BE49-F238E27FC236}">
+                <a16:creationId xmlns:a16="http://schemas.microsoft.com/office/drawing/2014/main" id="{0360A83C-9FD0-458F-BAAA-DD1E0C80B7E2}"/>
+              </a:ext>
+            </a:extLst>
+          </p:cNvPr>
+          <p:cNvCxnSpPr>
+            <a:cxnSpLocks/>
+            <a:stCxn id="35" idx="0"/>
+          </p:cNvCxnSpPr>
+          <p:nvPr/>
+        </p:nvCxnSpPr>
+        <p:spPr>
+          <a:xfrm rot="16200000" flipV="1">
+            <a:off x="9686086" y="3275319"/>
+            <a:ext cx="681174" cy="1214919"/>
+          </a:xfrm>
+          <a:prstGeom prst="bentConnector2">
+            <a:avLst/>
+          </a:prstGeom>
+          <a:ln>
+            <a:tailEnd type="triangle"/>
+          </a:ln>
+        </p:spPr>
+        <p:style>
+          <a:lnRef idx="1">
+            <a:schemeClr val="accent2"/>
+          </a:lnRef>
+          <a:fillRef idx="0">
+            <a:schemeClr val="accent2"/>
+          </a:fillRef>
+          <a:effectRef idx="0">
+            <a:schemeClr val="accent2"/>
+          </a:effectRef>
+          <a:fontRef idx="minor">
+            <a:schemeClr val="tx1"/>
+          </a:fontRef>
+        </p:style>
+      </p:cxnSp>
+    </p:spTree>
+    <p:extLst>
+      <p:ext uri="{BB962C8B-B14F-4D97-AF65-F5344CB8AC3E}">
+        <p14:creationId xmlns:p14="http://schemas.microsoft.com/office/powerpoint/2010/main" val="3294276536"/>
+      </p:ext>
+    </p:extLst>
+  </p:cSld>
+  <p:clrMapOvr>
+    <a:masterClrMapping/>
+  </p:clrMapOvr>
+</p:sld>
+</file>
+
+<file path=ppt/slides/slide7.xml><?xml version="1.0" encoding="utf-8"?>
+<p:sld xmlns:a="http://schemas.openxmlformats.org/drawingml/2006/main" xmlns:r="http://schemas.openxmlformats.org/officeDocument/2006/relationships" xmlns:p="http://schemas.openxmlformats.org/presentationml/2006/main">
+  <p:cSld>
+    <p:spTree>
+      <p:nvGrpSpPr>
+        <p:cNvPr id="1" name=""/>
+        <p:cNvGrpSpPr/>
+        <p:nvPr/>
+      </p:nvGrpSpPr>
+      <p:grpSpPr>
+        <a:xfrm>
+          <a:off x="0" y="0"/>
+          <a:ext cx="0" cy="0"/>
+          <a:chOff x="0" y="0"/>
+          <a:chExt cx="0" cy="0"/>
+        </a:xfrm>
+      </p:grpSpPr>
+      <p:pic>
+        <p:nvPicPr>
+          <p:cNvPr id="3" name="Picture 2">
+            <a:extLst>
+              <a:ext uri="{FF2B5EF4-FFF2-40B4-BE49-F238E27FC236}">
+                <a16:creationId xmlns:a16="http://schemas.microsoft.com/office/drawing/2014/main" id="{AB725B8F-5A35-4665-9FAA-807832FA2F48}"/>
+              </a:ext>
+            </a:extLst>
+          </p:cNvPr>
+          <p:cNvPicPr>
+            <a:picLocks noChangeAspect="1"/>
+          </p:cNvPicPr>
+          <p:nvPr/>
+        </p:nvPicPr>
+        <p:blipFill rotWithShape="1">
+          <a:blip r:embed="rId2"/>
+          <a:srcRect b="4583"/>
+          <a:stretch/>
+        </p:blipFill>
+        <p:spPr>
+          <a:xfrm>
+            <a:off x="0" y="0"/>
+            <a:ext cx="12192000" cy="6858000"/>
+          </a:xfrm>
+          <a:prstGeom prst="rect">
+            <a:avLst/>
+          </a:prstGeom>
+        </p:spPr>
+      </p:pic>
+      <p:sp>
+        <p:nvSpPr>
+          <p:cNvPr id="4" name="Right Brace 3">
+            <a:extLst>
+              <a:ext uri="{FF2B5EF4-FFF2-40B4-BE49-F238E27FC236}">
+                <a16:creationId xmlns:a16="http://schemas.microsoft.com/office/drawing/2014/main" id="{3152E62F-D1D6-470B-82B6-EF9914ECF08D}"/>
+              </a:ext>
+            </a:extLst>
+          </p:cNvPr>
+          <p:cNvSpPr/>
+          <p:nvPr/>
+        </p:nvSpPr>
+        <p:spPr>
+          <a:xfrm>
+            <a:off x="2143125" y="2486025"/>
+            <a:ext cx="404766" cy="3781425"/>
+          </a:xfrm>
+          <a:prstGeom prst="rightBrace">
+            <a:avLst/>
+          </a:prstGeom>
+          <a:ln w="38100">
+            <a:solidFill>
+              <a:schemeClr val="accent2"/>
+            </a:solidFill>
+          </a:ln>
+        </p:spPr>
+        <p:style>
+          <a:lnRef idx="1">
+            <a:schemeClr val="accent1"/>
+          </a:lnRef>
+          <a:fillRef idx="0">
+            <a:schemeClr val="accent1"/>
+          </a:fillRef>
+          <a:effectRef idx="0">
+            <a:schemeClr val="accent1"/>
+          </a:effectRef>
+          <a:fontRef idx="minor">
+            <a:schemeClr val="tx1"/>
+          </a:fontRef>
+        </p:style>
+        <p:txBody>
+          <a:bodyPr rtlCol="0" anchor="ctr"/>
+          <a:lstStyle/>
+          <a:p>
+            <a:pPr algn="ctr"/>
+            <a:endParaRPr lang="en-SG" dirty="0"/>
+          </a:p>
+        </p:txBody>
+      </p:sp>
+      <p:sp>
+        <p:nvSpPr>
+          <p:cNvPr id="5" name="Text Box 2">
+            <a:extLst>
+              <a:ext uri="{FF2B5EF4-FFF2-40B4-BE49-F238E27FC236}">
+                <a16:creationId xmlns:a16="http://schemas.microsoft.com/office/drawing/2014/main" id="{680831E7-59FD-44B0-AE47-B0540A2A8A60}"/>
+              </a:ext>
+            </a:extLst>
+          </p:cNvPr>
+          <p:cNvSpPr txBox="1">
+            <a:spLocks noChangeArrowheads="1"/>
+          </p:cNvSpPr>
+          <p:nvPr/>
+        </p:nvSpPr>
+        <p:spPr bwMode="auto">
+          <a:xfrm>
+            <a:off x="2547891" y="3834019"/>
+            <a:ext cx="1660125" cy="1085436"/>
+          </a:xfrm>
+          <a:prstGeom prst="rect">
+            <a:avLst/>
+          </a:prstGeom>
+          <a:solidFill>
+            <a:schemeClr val="accent2"/>
+          </a:solidFill>
+          <a:ln w="9525">
+            <a:solidFill>
+              <a:srgbClr val="000000"/>
+            </a:solidFill>
+            <a:miter lim="800000"/>
+            <a:headEnd/>
+            <a:tailEnd/>
+          </a:ln>
+        </p:spPr>
+        <p:txBody>
+          <a:bodyPr rot="0" vert="horz" wrap="square" lIns="91440" tIns="45720" rIns="91440" bIns="45720" anchor="t" anchorCtr="0">
+            <a:noAutofit/>
+          </a:bodyPr>
+          <a:lstStyle/>
+          <a:p>
+            <a:pPr>
+              <a:lnSpc>
+                <a:spcPct val="107000"/>
+              </a:lnSpc>
+              <a:spcAft>
+                <a:spcPts val="800"/>
+              </a:spcAft>
+            </a:pPr>
+            <a:r>
+              <a:rPr lang="en-SG" sz="1200" b="1" dirty="0">
+                <a:solidFill>
+                  <a:schemeClr val="bg1"/>
+                </a:solidFill>
+                <a:latin typeface="Arial Nova Cond" panose="020B0506020202020204" pitchFamily="34" charset="0"/>
+                <a:ea typeface="Calibri" panose="020F0502020204030204" pitchFamily="34" charset="0"/>
+                <a:cs typeface="Times New Roman" panose="02020603050405020304" pitchFamily="18" charset="0"/>
+              </a:rPr>
+              <a:t>1. Identify target project from the list of projects. For </a:t>
+            </a:r>
+            <a:r>
+              <a:rPr lang="en-SG" sz="1200" b="1" dirty="0" err="1">
+                <a:solidFill>
+                  <a:schemeClr val="bg1"/>
+                </a:solidFill>
+                <a:latin typeface="Arial Nova Cond" panose="020B0506020202020204" pitchFamily="34" charset="0"/>
+                <a:ea typeface="Calibri" panose="020F0502020204030204" pitchFamily="34" charset="0"/>
+                <a:cs typeface="Times New Roman" panose="02020603050405020304" pitchFamily="18" charset="0"/>
+              </a:rPr>
+              <a:t>eg</a:t>
+            </a:r>
+            <a:r>
+              <a:rPr lang="en-SG" sz="1200" b="1" dirty="0">
+                <a:solidFill>
+                  <a:schemeClr val="bg1"/>
+                </a:solidFill>
+                <a:latin typeface="Arial Nova Cond" panose="020B0506020202020204" pitchFamily="34" charset="0"/>
+                <a:ea typeface="Calibri" panose="020F0502020204030204" pitchFamily="34" charset="0"/>
+                <a:cs typeface="Times New Roman" panose="02020603050405020304" pitchFamily="18" charset="0"/>
+              </a:rPr>
+              <a:t>, name of target project is “Orbital”</a:t>
+            </a:r>
+            <a:endParaRPr lang="en-SG" sz="1200" dirty="0">
+              <a:solidFill>
+                <a:schemeClr val="bg1"/>
+              </a:solidFill>
+              <a:effectLst/>
+              <a:latin typeface="Calibri" panose="020F0502020204030204" pitchFamily="34" charset="0"/>
+              <a:ea typeface="Calibri" panose="020F0502020204030204" pitchFamily="34" charset="0"/>
+              <a:cs typeface="Times New Roman" panose="02020603050405020304" pitchFamily="18" charset="0"/>
+            </a:endParaRPr>
+          </a:p>
+        </p:txBody>
+      </p:sp>
+      <p:sp>
+        <p:nvSpPr>
+          <p:cNvPr id="6" name="Text Box 2">
+            <a:extLst>
+              <a:ext uri="{FF2B5EF4-FFF2-40B4-BE49-F238E27FC236}">
+                <a16:creationId xmlns:a16="http://schemas.microsoft.com/office/drawing/2014/main" id="{51175579-D231-4CF7-849D-BFFF6EE82652}"/>
+              </a:ext>
+            </a:extLst>
+          </p:cNvPr>
+          <p:cNvSpPr txBox="1">
+            <a:spLocks noChangeArrowheads="1"/>
+          </p:cNvSpPr>
+          <p:nvPr/>
+        </p:nvSpPr>
+        <p:spPr bwMode="auto">
+          <a:xfrm>
+            <a:off x="8019401" y="461638"/>
+            <a:ext cx="3779022" cy="337353"/>
+          </a:xfrm>
+          <a:prstGeom prst="rect">
+            <a:avLst/>
+          </a:prstGeom>
+          <a:solidFill>
+            <a:schemeClr val="accent2"/>
+          </a:solidFill>
+          <a:ln w="9525">
+            <a:solidFill>
+              <a:srgbClr val="000000"/>
+            </a:solidFill>
+            <a:miter lim="800000"/>
+            <a:headEnd/>
+            <a:tailEnd/>
+          </a:ln>
+        </p:spPr>
+        <p:txBody>
+          <a:bodyPr rot="0" vert="horz" wrap="square" lIns="91440" tIns="45720" rIns="91440" bIns="45720" anchor="t" anchorCtr="0">
+            <a:noAutofit/>
+          </a:bodyPr>
+          <a:lstStyle/>
+          <a:p>
+            <a:pPr>
+              <a:lnSpc>
+                <a:spcPct val="107000"/>
+              </a:lnSpc>
+              <a:spcAft>
+                <a:spcPts val="800"/>
+              </a:spcAft>
+            </a:pPr>
+            <a:r>
+              <a:rPr lang="en-SG" sz="1200" b="1" dirty="0">
+                <a:solidFill>
+                  <a:schemeClr val="bg1"/>
+                </a:solidFill>
+                <a:effectLst/>
+                <a:latin typeface="Arial Nova Cond" panose="020B0506020202020204" pitchFamily="34" charset="0"/>
+                <a:ea typeface="Calibri" panose="020F0502020204030204" pitchFamily="34" charset="0"/>
+                <a:cs typeface="Times New Roman" panose="02020603050405020304" pitchFamily="18" charset="0"/>
+              </a:rPr>
+              <a:t>2. Type the command to add a milestone to a project</a:t>
+            </a:r>
+            <a:endParaRPr lang="en-SG" sz="1200" dirty="0">
+              <a:solidFill>
+                <a:schemeClr val="bg1"/>
+              </a:solidFill>
+              <a:effectLst/>
+              <a:latin typeface="Calibri" panose="020F0502020204030204" pitchFamily="34" charset="0"/>
+              <a:ea typeface="Calibri" panose="020F0502020204030204" pitchFamily="34" charset="0"/>
+              <a:cs typeface="Times New Roman" panose="02020603050405020304" pitchFamily="18" charset="0"/>
+            </a:endParaRPr>
+          </a:p>
+        </p:txBody>
+      </p:sp>
+      <p:cxnSp>
+        <p:nvCxnSpPr>
+          <p:cNvPr id="9" name="Straight Arrow Connector 8">
+            <a:extLst>
+              <a:ext uri="{FF2B5EF4-FFF2-40B4-BE49-F238E27FC236}">
+                <a16:creationId xmlns:a16="http://schemas.microsoft.com/office/drawing/2014/main" id="{08A2C1BD-9F55-4E52-B5C8-31CCD48AEEA1}"/>
+              </a:ext>
+            </a:extLst>
+          </p:cNvPr>
+          <p:cNvCxnSpPr>
+            <a:cxnSpLocks/>
+            <a:stCxn id="6" idx="1"/>
+          </p:cNvCxnSpPr>
+          <p:nvPr/>
+        </p:nvCxnSpPr>
+        <p:spPr>
+          <a:xfrm flipH="1">
+            <a:off x="6702641" y="630315"/>
+            <a:ext cx="1316760" cy="0"/>
+          </a:xfrm>
+          <a:prstGeom prst="straightConnector1">
+            <a:avLst/>
+          </a:prstGeom>
+          <a:ln>
+            <a:tailEnd type="triangle"/>
+          </a:ln>
+        </p:spPr>
+        <p:style>
+          <a:lnRef idx="1">
+            <a:schemeClr val="accent2"/>
+          </a:lnRef>
+          <a:fillRef idx="0">
+            <a:schemeClr val="accent2"/>
+          </a:fillRef>
+          <a:effectRef idx="0">
+            <a:schemeClr val="accent2"/>
+          </a:effectRef>
+          <a:fontRef idx="minor">
+            <a:schemeClr val="tx1"/>
+          </a:fontRef>
+        </p:style>
+      </p:cxnSp>
+      <p:sp>
+        <p:nvSpPr>
+          <p:cNvPr id="10" name="Text Box 2">
+            <a:extLst>
+              <a:ext uri="{FF2B5EF4-FFF2-40B4-BE49-F238E27FC236}">
+                <a16:creationId xmlns:a16="http://schemas.microsoft.com/office/drawing/2014/main" id="{A809CAB2-ACBC-45B5-B301-E3FA754785B2}"/>
+              </a:ext>
+            </a:extLst>
+          </p:cNvPr>
+          <p:cNvSpPr txBox="1">
+            <a:spLocks noChangeArrowheads="1"/>
+          </p:cNvSpPr>
+          <p:nvPr/>
+        </p:nvSpPr>
+        <p:spPr bwMode="auto">
+          <a:xfrm>
+            <a:off x="8019402" y="1114147"/>
+            <a:ext cx="3779021" cy="501590"/>
+          </a:xfrm>
+          <a:prstGeom prst="rect">
+            <a:avLst/>
+          </a:prstGeom>
+          <a:solidFill>
+            <a:schemeClr val="accent2"/>
+          </a:solidFill>
+          <a:ln w="9525">
+            <a:solidFill>
+              <a:srgbClr val="000000"/>
+            </a:solidFill>
+            <a:miter lim="800000"/>
+            <a:headEnd/>
+            <a:tailEnd/>
+          </a:ln>
+        </p:spPr>
+        <p:txBody>
+          <a:bodyPr rot="0" vert="horz" wrap="square" lIns="91440" tIns="45720" rIns="91440" bIns="45720" anchor="t" anchorCtr="0">
+            <a:noAutofit/>
+          </a:bodyPr>
+          <a:lstStyle/>
+          <a:p>
+            <a:pPr>
+              <a:lnSpc>
+                <a:spcPct val="107000"/>
+              </a:lnSpc>
+              <a:spcAft>
+                <a:spcPts val="800"/>
+              </a:spcAft>
+            </a:pPr>
+            <a:r>
+              <a:rPr lang="en-SG" sz="1200" b="1" dirty="0">
+                <a:solidFill>
+                  <a:schemeClr val="bg1"/>
+                </a:solidFill>
+                <a:latin typeface="Arial Nova Cond" panose="020B0506020202020204" pitchFamily="34" charset="0"/>
+                <a:ea typeface="Calibri" panose="020F0502020204030204" pitchFamily="34" charset="0"/>
+                <a:cs typeface="Times New Roman" panose="02020603050405020304" pitchFamily="18" charset="0"/>
+              </a:rPr>
+              <a:t>3. The details of the added milestone and the target project, Orbital, will be indicated as a success message</a:t>
+            </a:r>
+            <a:endParaRPr lang="en-SG" sz="2000" dirty="0">
+              <a:solidFill>
+                <a:schemeClr val="bg1"/>
+              </a:solidFill>
+              <a:latin typeface="Calibri" panose="020F0502020204030204" pitchFamily="34" charset="0"/>
+              <a:ea typeface="Calibri" panose="020F0502020204030204" pitchFamily="34" charset="0"/>
+              <a:cs typeface="Times New Roman" panose="02020603050405020304" pitchFamily="18" charset="0"/>
+            </a:endParaRPr>
+          </a:p>
+        </p:txBody>
+      </p:sp>
+      <p:cxnSp>
+        <p:nvCxnSpPr>
+          <p:cNvPr id="15" name="Connector: Elbow 14">
+            <a:extLst>
+              <a:ext uri="{FF2B5EF4-FFF2-40B4-BE49-F238E27FC236}">
+                <a16:creationId xmlns:a16="http://schemas.microsoft.com/office/drawing/2014/main" id="{8371F6FB-575B-4C15-AC11-F09CFC349399}"/>
+              </a:ext>
+            </a:extLst>
+          </p:cNvPr>
+          <p:cNvCxnSpPr>
+            <a:stCxn id="10" idx="0"/>
+          </p:cNvCxnSpPr>
+          <p:nvPr/>
+        </p:nvCxnSpPr>
+        <p:spPr>
+          <a:xfrm rot="16200000" flipV="1">
+            <a:off x="8618715" y="-176051"/>
+            <a:ext cx="128726" cy="2451670"/>
+          </a:xfrm>
+          <a:prstGeom prst="bentConnector2">
+            <a:avLst/>
+          </a:prstGeom>
+          <a:ln>
+            <a:tailEnd type="triangle"/>
+          </a:ln>
+        </p:spPr>
+        <p:style>
+          <a:lnRef idx="1">
+            <a:schemeClr val="accent2"/>
+          </a:lnRef>
+          <a:fillRef idx="0">
+            <a:schemeClr val="accent2"/>
+          </a:fillRef>
+          <a:effectRef idx="0">
+            <a:schemeClr val="accent2"/>
+          </a:effectRef>
+          <a:fontRef idx="minor">
+            <a:schemeClr val="tx1"/>
+          </a:fontRef>
+        </p:style>
+      </p:cxnSp>
+      <p:sp>
+        <p:nvSpPr>
+          <p:cNvPr id="16" name="Text Box 2">
+            <a:extLst>
+              <a:ext uri="{FF2B5EF4-FFF2-40B4-BE49-F238E27FC236}">
+                <a16:creationId xmlns:a16="http://schemas.microsoft.com/office/drawing/2014/main" id="{89DCA306-CCFE-41BB-9D2F-C1A4092DCCDE}"/>
+              </a:ext>
+            </a:extLst>
+          </p:cNvPr>
+          <p:cNvSpPr txBox="1">
+            <a:spLocks noChangeArrowheads="1"/>
+          </p:cNvSpPr>
+          <p:nvPr/>
+        </p:nvSpPr>
+        <p:spPr bwMode="auto">
+          <a:xfrm>
+            <a:off x="10182873" y="1731146"/>
+            <a:ext cx="1940141" cy="1640336"/>
+          </a:xfrm>
+          <a:prstGeom prst="rect">
+            <a:avLst/>
+          </a:prstGeom>
+          <a:solidFill>
+            <a:schemeClr val="accent2"/>
+          </a:solidFill>
+          <a:ln w="9525">
+            <a:solidFill>
+              <a:srgbClr val="000000"/>
+            </a:solidFill>
+            <a:miter lim="800000"/>
+            <a:headEnd/>
+            <a:tailEnd/>
+          </a:ln>
+        </p:spPr>
+        <p:txBody>
+          <a:bodyPr rot="0" vert="horz" wrap="square" lIns="91440" tIns="45720" rIns="91440" bIns="45720" anchor="t" anchorCtr="0">
+            <a:noAutofit/>
+          </a:bodyPr>
+          <a:lstStyle/>
+          <a:p>
+            <a:pPr>
+              <a:lnSpc>
+                <a:spcPct val="107000"/>
+              </a:lnSpc>
+              <a:spcAft>
+                <a:spcPts val="800"/>
+              </a:spcAft>
+            </a:pPr>
+            <a:r>
+              <a:rPr lang="en-SG" sz="1200" b="1" dirty="0">
+                <a:solidFill>
+                  <a:schemeClr val="bg1"/>
+                </a:solidFill>
+                <a:latin typeface="Arial Nova Cond" panose="020B0506020202020204" pitchFamily="34" charset="0"/>
+                <a:ea typeface="Calibri" panose="020F0502020204030204" pitchFamily="34" charset="0"/>
+                <a:cs typeface="Times New Roman" panose="02020603050405020304" pitchFamily="18" charset="0"/>
+              </a:rPr>
+              <a:t>4</a:t>
+            </a:r>
+            <a:r>
+              <a:rPr lang="en-SG" sz="1200" b="1" dirty="0">
+                <a:solidFill>
+                  <a:schemeClr val="bg1"/>
+                </a:solidFill>
+                <a:effectLst/>
+                <a:latin typeface="Arial Nova Cond" panose="020B0506020202020204" pitchFamily="34" charset="0"/>
+                <a:ea typeface="Calibri" panose="020F0502020204030204" pitchFamily="34" charset="0"/>
+                <a:cs typeface="Times New Roman" panose="02020603050405020304" pitchFamily="18" charset="0"/>
+              </a:rPr>
+              <a:t>. By selecting project “Orbital” and using the arrows to toggle to the list of milestones under project “Orbital”, you will be able to see the new milestone </a:t>
+            </a:r>
+            <a:r>
+              <a:rPr lang="en-SG" sz="1200" b="1" dirty="0">
+                <a:solidFill>
+                  <a:schemeClr val="bg1"/>
+                </a:solidFill>
+                <a:latin typeface="Arial Nova Cond" panose="020B0506020202020204" pitchFamily="34" charset="0"/>
+                <a:ea typeface="Calibri" panose="020F0502020204030204" pitchFamily="34" charset="0"/>
+                <a:cs typeface="Times New Roman" panose="02020603050405020304" pitchFamily="18" charset="0"/>
+              </a:rPr>
+              <a:t>already added to the list.</a:t>
+            </a:r>
+            <a:endParaRPr lang="en-SG" sz="1200" dirty="0">
+              <a:solidFill>
+                <a:schemeClr val="bg1"/>
+              </a:solidFill>
+              <a:effectLst/>
+              <a:latin typeface="Calibri" panose="020F0502020204030204" pitchFamily="34" charset="0"/>
+              <a:ea typeface="Calibri" panose="020F0502020204030204" pitchFamily="34" charset="0"/>
+              <a:cs typeface="Times New Roman" panose="02020603050405020304" pitchFamily="18" charset="0"/>
+            </a:endParaRPr>
+          </a:p>
+        </p:txBody>
+      </p:sp>
+      <p:cxnSp>
+        <p:nvCxnSpPr>
+          <p:cNvPr id="23" name="Straight Connector 22">
+            <a:extLst>
+              <a:ext uri="{FF2B5EF4-FFF2-40B4-BE49-F238E27FC236}">
+                <a16:creationId xmlns:a16="http://schemas.microsoft.com/office/drawing/2014/main" id="{A4578050-5059-4579-AB74-56FD33A42370}"/>
+              </a:ext>
+            </a:extLst>
+          </p:cNvPr>
+          <p:cNvCxnSpPr/>
+          <p:nvPr/>
+        </p:nvCxnSpPr>
+        <p:spPr>
+          <a:xfrm flipH="1">
+            <a:off x="8300621" y="2077375"/>
+            <a:ext cx="1873189" cy="0"/>
+          </a:xfrm>
+          <a:prstGeom prst="line">
+            <a:avLst/>
+          </a:prstGeom>
+        </p:spPr>
+        <p:style>
+          <a:lnRef idx="1">
+            <a:schemeClr val="accent2"/>
+          </a:lnRef>
+          <a:fillRef idx="0">
+            <a:schemeClr val="accent2"/>
+          </a:fillRef>
+          <a:effectRef idx="0">
+            <a:schemeClr val="accent2"/>
+          </a:effectRef>
+          <a:fontRef idx="minor">
+            <a:schemeClr val="tx1"/>
+          </a:fontRef>
+        </p:style>
+      </p:cxnSp>
+      <p:cxnSp>
+        <p:nvCxnSpPr>
+          <p:cNvPr id="25" name="Straight Arrow Connector 24">
+            <a:extLst>
+              <a:ext uri="{FF2B5EF4-FFF2-40B4-BE49-F238E27FC236}">
+                <a16:creationId xmlns:a16="http://schemas.microsoft.com/office/drawing/2014/main" id="{8349DE86-2FFB-4EA8-8FA4-F29A76CA7593}"/>
+              </a:ext>
+            </a:extLst>
+          </p:cNvPr>
+          <p:cNvCxnSpPr/>
+          <p:nvPr/>
+        </p:nvCxnSpPr>
+        <p:spPr>
+          <a:xfrm>
+            <a:off x="8291744" y="2068497"/>
+            <a:ext cx="0" cy="692458"/>
+          </a:xfrm>
+          <a:prstGeom prst="straightConnector1">
+            <a:avLst/>
+          </a:prstGeom>
+          <a:ln>
+            <a:tailEnd type="triangle"/>
+          </a:ln>
+        </p:spPr>
+        <p:style>
+          <a:lnRef idx="1">
+            <a:schemeClr val="accent2"/>
+          </a:lnRef>
+          <a:fillRef idx="0">
+            <a:schemeClr val="accent2"/>
+          </a:fillRef>
+          <a:effectRef idx="0">
+            <a:schemeClr val="accent2"/>
+          </a:effectRef>
+          <a:fontRef idx="minor">
+            <a:schemeClr val="tx1"/>
+          </a:fontRef>
+        </p:style>
+      </p:cxnSp>
+      <p:sp>
+        <p:nvSpPr>
+          <p:cNvPr id="26" name="Text Box 2">
+            <a:extLst>
+              <a:ext uri="{FF2B5EF4-FFF2-40B4-BE49-F238E27FC236}">
+                <a16:creationId xmlns:a16="http://schemas.microsoft.com/office/drawing/2014/main" id="{157C1C36-373E-4809-9594-DDF8D97DEE3A}"/>
+              </a:ext>
+            </a:extLst>
+          </p:cNvPr>
+          <p:cNvSpPr txBox="1">
+            <a:spLocks noChangeArrowheads="1"/>
+          </p:cNvSpPr>
+          <p:nvPr/>
+        </p:nvSpPr>
+        <p:spPr bwMode="auto">
+          <a:xfrm>
+            <a:off x="10195079" y="3605366"/>
+            <a:ext cx="1940141" cy="1254130"/>
+          </a:xfrm>
+          <a:prstGeom prst="rect">
+            <a:avLst/>
+          </a:prstGeom>
+          <a:solidFill>
+            <a:schemeClr val="accent2"/>
+          </a:solidFill>
+          <a:ln w="9525">
+            <a:solidFill>
+              <a:srgbClr val="000000"/>
+            </a:solidFill>
+            <a:miter lim="800000"/>
+            <a:headEnd/>
+            <a:tailEnd/>
+          </a:ln>
+        </p:spPr>
+        <p:txBody>
+          <a:bodyPr rot="0" vert="horz" wrap="square" lIns="91440" tIns="45720" rIns="91440" bIns="45720" anchor="t" anchorCtr="0">
+            <a:noAutofit/>
+          </a:bodyPr>
+          <a:lstStyle/>
+          <a:p>
+            <a:pPr>
+              <a:lnSpc>
+                <a:spcPct val="107000"/>
+              </a:lnSpc>
+              <a:spcAft>
+                <a:spcPts val="800"/>
+              </a:spcAft>
+            </a:pPr>
+            <a:r>
+              <a:rPr lang="en-SG" sz="1200" b="1" dirty="0">
+                <a:solidFill>
+                  <a:schemeClr val="bg1"/>
+                </a:solidFill>
+                <a:effectLst/>
+                <a:latin typeface="Arial Nova Cond" panose="020B0506020202020204" pitchFamily="34" charset="0"/>
+                <a:ea typeface="Calibri" panose="020F0502020204030204" pitchFamily="34" charset="0"/>
+                <a:cs typeface="Times New Roman" panose="02020603050405020304" pitchFamily="18" charset="0"/>
+              </a:rPr>
+              <a:t>5. As the date of the new milestone falls between the 2 milestones already in th</a:t>
+            </a:r>
+            <a:r>
+              <a:rPr lang="en-SG" sz="1200" b="1" dirty="0">
+                <a:solidFill>
+                  <a:schemeClr val="bg1"/>
+                </a:solidFill>
+                <a:latin typeface="Arial Nova Cond" panose="020B0506020202020204" pitchFamily="34" charset="0"/>
+                <a:ea typeface="Calibri" panose="020F0502020204030204" pitchFamily="34" charset="0"/>
+                <a:cs typeface="Times New Roman" panose="02020603050405020304" pitchFamily="18" charset="0"/>
+              </a:rPr>
+              <a:t>e list , the new milestone entry will be placed in between</a:t>
+            </a:r>
+            <a:endParaRPr lang="en-SG" sz="1200" dirty="0">
+              <a:solidFill>
+                <a:schemeClr val="bg1"/>
+              </a:solidFill>
+              <a:effectLst/>
+              <a:latin typeface="Calibri" panose="020F0502020204030204" pitchFamily="34" charset="0"/>
+              <a:ea typeface="Calibri" panose="020F0502020204030204" pitchFamily="34" charset="0"/>
+              <a:cs typeface="Times New Roman" panose="02020603050405020304" pitchFamily="18" charset="0"/>
+            </a:endParaRPr>
+          </a:p>
+        </p:txBody>
+      </p:sp>
+    </p:spTree>
+    <p:extLst>
+      <p:ext uri="{BB962C8B-B14F-4D97-AF65-F5344CB8AC3E}">
+        <p14:creationId xmlns:p14="http://schemas.microsoft.com/office/powerpoint/2010/main" val="1450077521"/>
+      </p:ext>
+    </p:extLst>
+  </p:cSld>
+  <p:clrMapOvr>
+    <a:masterClrMapping/>
+  </p:clrMapOvr>
+</p:sld>
+</file>
+
+<file path=ppt/slides/slide8.xml><?xml version="1.0" encoding="utf-8"?>
+<p:sld xmlns:a="http://schemas.openxmlformats.org/drawingml/2006/main" xmlns:r="http://schemas.openxmlformats.org/officeDocument/2006/relationships" xmlns:p="http://schemas.openxmlformats.org/presentationml/2006/main">
+  <p:cSld>
+    <p:spTree>
+      <p:nvGrpSpPr>
+        <p:cNvPr id="1" name=""/>
+        <p:cNvGrpSpPr/>
+        <p:nvPr/>
+      </p:nvGrpSpPr>
+      <p:grpSpPr>
+        <a:xfrm>
+          <a:off x="0" y="0"/>
+          <a:ext cx="0" cy="0"/>
+          <a:chOff x="0" y="0"/>
+          <a:chExt cx="0" cy="0"/>
+        </a:xfrm>
+      </p:grpSpPr>
+      <p:pic>
+        <p:nvPicPr>
+          <p:cNvPr id="2" name="Picture 1">
+            <a:extLst>
+              <a:ext uri="{FF2B5EF4-FFF2-40B4-BE49-F238E27FC236}">
+                <a16:creationId xmlns:a16="http://schemas.microsoft.com/office/drawing/2014/main" id="{B094C944-B477-436C-ACB6-B9990EF3069E}"/>
+              </a:ext>
+            </a:extLst>
+          </p:cNvPr>
+          <p:cNvPicPr>
+            <a:picLocks noChangeAspect="1"/>
+          </p:cNvPicPr>
+          <p:nvPr/>
+        </p:nvPicPr>
+        <p:blipFill rotWithShape="1">
+          <a:blip r:embed="rId2"/>
+          <a:srcRect r="81953" b="87639"/>
+          <a:stretch/>
+        </p:blipFill>
+        <p:spPr>
+          <a:xfrm>
+            <a:off x="0" y="0"/>
+            <a:ext cx="12281408" cy="6858000"/>
+          </a:xfrm>
+          <a:prstGeom prst="rect">
+            <a:avLst/>
+          </a:prstGeom>
+          <a:ln w="76200">
+            <a:solidFill>
+              <a:schemeClr val="bg1"/>
+            </a:solidFill>
+          </a:ln>
+        </p:spPr>
+      </p:pic>
+      <p:cxnSp>
+        <p:nvCxnSpPr>
+          <p:cNvPr id="4" name="Straight Arrow Connector 3">
+            <a:extLst>
+              <a:ext uri="{FF2B5EF4-FFF2-40B4-BE49-F238E27FC236}">
+                <a16:creationId xmlns:a16="http://schemas.microsoft.com/office/drawing/2014/main" id="{E458FA27-34B2-4B06-BB74-D2F3E4937377}"/>
+              </a:ext>
+            </a:extLst>
+          </p:cNvPr>
+          <p:cNvCxnSpPr>
+            <a:cxnSpLocks/>
+          </p:cNvCxnSpPr>
+          <p:nvPr/>
+        </p:nvCxnSpPr>
+        <p:spPr>
+          <a:xfrm flipH="1">
+            <a:off x="4722923" y="0"/>
+            <a:ext cx="3160448" cy="3036163"/>
+          </a:xfrm>
+          <a:prstGeom prst="straightConnector1">
+            <a:avLst/>
+          </a:prstGeom>
+          <a:ln w="76200">
+            <a:solidFill>
+              <a:schemeClr val="accent2"/>
+            </a:solidFill>
+            <a:tailEnd type="triangle"/>
+          </a:ln>
+        </p:spPr>
+        <p:style>
+          <a:lnRef idx="1">
+            <a:schemeClr val="accent1"/>
+          </a:lnRef>
+          <a:fillRef idx="0">
+            <a:schemeClr val="accent1"/>
+          </a:fillRef>
+          <a:effectRef idx="0">
+            <a:schemeClr val="accent1"/>
+          </a:effectRef>
+          <a:fontRef idx="minor">
+            <a:schemeClr val="tx1"/>
+          </a:fontRef>
+        </p:style>
+      </p:cxnSp>
+    </p:spTree>
+    <p:extLst>
+      <p:ext uri="{BB962C8B-B14F-4D97-AF65-F5344CB8AC3E}">
+        <p14:creationId xmlns:p14="http://schemas.microsoft.com/office/powerpoint/2010/main" val="2923474229"/>
+      </p:ext>
+    </p:extLst>
+  </p:cSld>
+  <p:clrMapOvr>
+    <a:masterClrMapping/>
+  </p:clrMapOvr>
+</p:sld>
+</file>
+
+<file path=ppt/slides/slide9.xml><?xml version="1.0" encoding="utf-8"?>
+<p:sld xmlns:a="http://schemas.openxmlformats.org/drawingml/2006/main" xmlns:r="http://schemas.openxmlformats.org/officeDocument/2006/relationships" xmlns:p="http://schemas.openxmlformats.org/presentationml/2006/main">
+  <p:cSld>
+    <p:spTree>
+      <p:nvGrpSpPr>
+        <p:cNvPr id="1" name=""/>
+        <p:cNvGrpSpPr/>
+        <p:nvPr/>
+      </p:nvGrpSpPr>
+      <p:grpSpPr>
+        <a:xfrm>
+          <a:off x="0" y="0"/>
+          <a:ext cx="0" cy="0"/>
+          <a:chOff x="0" y="0"/>
+          <a:chExt cx="0" cy="0"/>
+        </a:xfrm>
+      </p:grpSpPr>
+      <p:pic>
+        <p:nvPicPr>
+          <p:cNvPr id="5" name="Picture 4">
+            <a:extLst>
+              <a:ext uri="{FF2B5EF4-FFF2-40B4-BE49-F238E27FC236}">
+                <a16:creationId xmlns:a16="http://schemas.microsoft.com/office/drawing/2014/main" id="{D9E135DF-8569-41FB-8450-938D2567B296}"/>
+              </a:ext>
+            </a:extLst>
+          </p:cNvPr>
+          <p:cNvPicPr>
+            <a:picLocks noChangeAspect="1"/>
+          </p:cNvPicPr>
+          <p:nvPr/>
+        </p:nvPicPr>
+        <p:blipFill rotWithShape="1">
+          <a:blip r:embed="rId2"/>
+          <a:srcRect b="76577"/>
+          <a:stretch/>
+        </p:blipFill>
+        <p:spPr>
+          <a:xfrm>
+            <a:off x="0" y="-19078"/>
+            <a:ext cx="12192000" cy="2149536"/>
+          </a:xfrm>
+          <a:prstGeom prst="rect">
+            <a:avLst/>
+          </a:prstGeom>
+          <a:ln w="28575">
+            <a:solidFill>
+              <a:schemeClr val="tx1"/>
+            </a:solidFill>
+          </a:ln>
+        </p:spPr>
+      </p:pic>
+      <p:sp>
+        <p:nvSpPr>
+          <p:cNvPr id="6" name="TextBox 5">
+            <a:extLst>
+              <a:ext uri="{FF2B5EF4-FFF2-40B4-BE49-F238E27FC236}">
+                <a16:creationId xmlns:a16="http://schemas.microsoft.com/office/drawing/2014/main" id="{9B741FFD-0583-47CE-B0CC-B1CBAAFEB50C}"/>
+              </a:ext>
+            </a:extLst>
+          </p:cNvPr>
+          <p:cNvSpPr txBox="1"/>
+          <p:nvPr/>
+        </p:nvSpPr>
+        <p:spPr>
+          <a:xfrm>
+            <a:off x="2432115" y="603315"/>
+            <a:ext cx="537327" cy="369332"/>
+          </a:xfrm>
+          <a:prstGeom prst="rect">
+            <a:avLst/>
+          </a:prstGeom>
+          <a:noFill/>
+          <a:ln w="38100">
+            <a:solidFill>
+              <a:schemeClr val="accent2"/>
+            </a:solidFill>
+          </a:ln>
+        </p:spPr>
+        <p:txBody>
+          <a:bodyPr wrap="square" rtlCol="0">
+            <a:spAutoFit/>
+          </a:bodyPr>
+          <a:lstStyle/>
+          <a:p>
+            <a:endParaRPr lang="en-SG" dirty="0"/>
+          </a:p>
+        </p:txBody>
+      </p:sp>
+      <p:sp>
+        <p:nvSpPr>
+          <p:cNvPr id="7" name="TextBox 6">
+            <a:extLst>
+              <a:ext uri="{FF2B5EF4-FFF2-40B4-BE49-F238E27FC236}">
+                <a16:creationId xmlns:a16="http://schemas.microsoft.com/office/drawing/2014/main" id="{787ECCF9-BE93-48B4-8C43-666FD7CEE8BF}"/>
+              </a:ext>
+            </a:extLst>
+          </p:cNvPr>
+          <p:cNvSpPr txBox="1"/>
+          <p:nvPr/>
+        </p:nvSpPr>
+        <p:spPr>
+          <a:xfrm>
+            <a:off x="0" y="1763036"/>
+            <a:ext cx="1621410" cy="369332"/>
+          </a:xfrm>
+          <a:prstGeom prst="rect">
+            <a:avLst/>
+          </a:prstGeom>
+          <a:noFill/>
+          <a:ln w="38100">
+            <a:solidFill>
+              <a:schemeClr val="accent2"/>
+            </a:solidFill>
+          </a:ln>
+        </p:spPr>
+        <p:txBody>
+          <a:bodyPr wrap="square" rtlCol="0">
+            <a:spAutoFit/>
+          </a:bodyPr>
+          <a:lstStyle/>
+          <a:p>
+            <a:endParaRPr lang="en-SG" dirty="0"/>
+          </a:p>
+        </p:txBody>
+      </p:sp>
+      <p:sp>
+        <p:nvSpPr>
+          <p:cNvPr id="8" name="Text Box 2">
+            <a:extLst>
+              <a:ext uri="{FF2B5EF4-FFF2-40B4-BE49-F238E27FC236}">
+                <a16:creationId xmlns:a16="http://schemas.microsoft.com/office/drawing/2014/main" id="{E154DDE7-F4B9-4E11-8440-28EC301E80AD}"/>
+              </a:ext>
+            </a:extLst>
+          </p:cNvPr>
+          <p:cNvSpPr txBox="1">
+            <a:spLocks noChangeArrowheads="1"/>
+          </p:cNvSpPr>
+          <p:nvPr/>
+        </p:nvSpPr>
+        <p:spPr bwMode="auto">
+          <a:xfrm>
+            <a:off x="5181932" y="632068"/>
+            <a:ext cx="3801812" cy="337353"/>
+          </a:xfrm>
+          <a:prstGeom prst="rect">
+            <a:avLst/>
+          </a:prstGeom>
+          <a:solidFill>
+            <a:schemeClr val="accent2"/>
+          </a:solidFill>
+          <a:ln w="9525">
+            <a:solidFill>
+              <a:srgbClr val="000000"/>
+            </a:solidFill>
+            <a:miter lim="800000"/>
+            <a:headEnd/>
+            <a:tailEnd/>
+          </a:ln>
+        </p:spPr>
+        <p:txBody>
+          <a:bodyPr rot="0" vert="horz" wrap="square" lIns="91440" tIns="45720" rIns="91440" bIns="45720" anchor="t" anchorCtr="0">
+            <a:noAutofit/>
+          </a:bodyPr>
+          <a:lstStyle/>
+          <a:p>
+            <a:pPr>
+              <a:lnSpc>
+                <a:spcPct val="107000"/>
+              </a:lnSpc>
+              <a:spcAft>
+                <a:spcPts val="800"/>
+              </a:spcAft>
+            </a:pPr>
+            <a:r>
+              <a:rPr lang="en-SG" sz="1200" b="1" dirty="0">
+                <a:solidFill>
+                  <a:schemeClr val="bg1"/>
+                </a:solidFill>
+                <a:latin typeface="Arial Nova Cond" panose="020B0506020202020204" pitchFamily="34" charset="0"/>
+                <a:ea typeface="Calibri" panose="020F0502020204030204" pitchFamily="34" charset="0"/>
+                <a:cs typeface="Times New Roman" panose="02020603050405020304" pitchFamily="18" charset="0"/>
+              </a:rPr>
+              <a:t>1. User has typed in today as the start date of the project.</a:t>
+            </a:r>
+            <a:endParaRPr lang="en-SG" sz="1200" dirty="0">
+              <a:solidFill>
+                <a:schemeClr val="bg1"/>
+              </a:solidFill>
+              <a:effectLst/>
+              <a:latin typeface="Calibri" panose="020F0502020204030204" pitchFamily="34" charset="0"/>
+              <a:ea typeface="Calibri" panose="020F0502020204030204" pitchFamily="34" charset="0"/>
+              <a:cs typeface="Times New Roman" panose="02020603050405020304" pitchFamily="18" charset="0"/>
+            </a:endParaRPr>
+          </a:p>
+        </p:txBody>
+      </p:sp>
+      <p:cxnSp>
+        <p:nvCxnSpPr>
+          <p:cNvPr id="10" name="Straight Arrow Connector 9">
+            <a:extLst>
+              <a:ext uri="{FF2B5EF4-FFF2-40B4-BE49-F238E27FC236}">
+                <a16:creationId xmlns:a16="http://schemas.microsoft.com/office/drawing/2014/main" id="{918FB132-AB13-4365-A644-C1901657AADE}"/>
+              </a:ext>
+            </a:extLst>
+          </p:cNvPr>
+          <p:cNvCxnSpPr>
+            <a:cxnSpLocks/>
+          </p:cNvCxnSpPr>
+          <p:nvPr/>
+        </p:nvCxnSpPr>
+        <p:spPr>
+          <a:xfrm flipH="1">
+            <a:off x="3777005" y="815804"/>
+            <a:ext cx="1404928" cy="0"/>
+          </a:xfrm>
+          <a:prstGeom prst="straightConnector1">
+            <a:avLst/>
+          </a:prstGeom>
+          <a:ln>
+            <a:tailEnd type="triangle"/>
+          </a:ln>
+        </p:spPr>
+        <p:style>
+          <a:lnRef idx="1">
+            <a:schemeClr val="accent2"/>
+          </a:lnRef>
+          <a:fillRef idx="0">
+            <a:schemeClr val="accent2"/>
+          </a:fillRef>
+          <a:effectRef idx="0">
+            <a:schemeClr val="accent2"/>
+          </a:effectRef>
+          <a:fontRef idx="minor">
+            <a:schemeClr val="tx1"/>
+          </a:fontRef>
+        </p:style>
+      </p:cxnSp>
+      <p:sp>
+        <p:nvSpPr>
+          <p:cNvPr id="11" name="Text Box 2">
+            <a:extLst>
+              <a:ext uri="{FF2B5EF4-FFF2-40B4-BE49-F238E27FC236}">
+                <a16:creationId xmlns:a16="http://schemas.microsoft.com/office/drawing/2014/main" id="{6C870D41-80E3-4DB5-8924-84B4DA42F0A9}"/>
+              </a:ext>
+            </a:extLst>
+          </p:cNvPr>
+          <p:cNvSpPr txBox="1">
+            <a:spLocks noChangeArrowheads="1"/>
+          </p:cNvSpPr>
+          <p:nvPr/>
+        </p:nvSpPr>
+        <p:spPr bwMode="auto">
+          <a:xfrm>
+            <a:off x="3701988" y="1764798"/>
+            <a:ext cx="5281756" cy="337353"/>
+          </a:xfrm>
+          <a:prstGeom prst="rect">
+            <a:avLst/>
+          </a:prstGeom>
+          <a:solidFill>
+            <a:schemeClr val="accent2"/>
+          </a:solidFill>
+          <a:ln w="9525">
+            <a:solidFill>
+              <a:srgbClr val="000000"/>
+            </a:solidFill>
+            <a:miter lim="800000"/>
+            <a:headEnd/>
+            <a:tailEnd/>
+          </a:ln>
+        </p:spPr>
+        <p:txBody>
+          <a:bodyPr rot="0" vert="horz" wrap="square" lIns="91440" tIns="45720" rIns="91440" bIns="45720" anchor="t" anchorCtr="0">
+            <a:noAutofit/>
+          </a:bodyPr>
+          <a:lstStyle/>
+          <a:p>
+            <a:pPr>
+              <a:lnSpc>
+                <a:spcPct val="107000"/>
+              </a:lnSpc>
+              <a:spcAft>
+                <a:spcPts val="800"/>
+              </a:spcAft>
+            </a:pPr>
+            <a:r>
+              <a:rPr lang="en-SG" sz="1200" b="1" dirty="0">
+                <a:solidFill>
+                  <a:schemeClr val="bg1"/>
+                </a:solidFill>
+                <a:latin typeface="Arial Nova Cond" panose="020B0506020202020204" pitchFamily="34" charset="0"/>
+                <a:ea typeface="Calibri" panose="020F0502020204030204" pitchFamily="34" charset="0"/>
+                <a:cs typeface="Times New Roman" panose="02020603050405020304" pitchFamily="18" charset="0"/>
+              </a:rPr>
+              <a:t>2. The input gets automatically translated to today’s date in DD/MM/YYYY format.</a:t>
+            </a:r>
+            <a:endParaRPr lang="en-SG" sz="1200" dirty="0">
+              <a:solidFill>
+                <a:schemeClr val="bg1"/>
+              </a:solidFill>
+              <a:effectLst/>
+              <a:latin typeface="Calibri" panose="020F0502020204030204" pitchFamily="34" charset="0"/>
+              <a:ea typeface="Calibri" panose="020F0502020204030204" pitchFamily="34" charset="0"/>
+              <a:cs typeface="Times New Roman" panose="02020603050405020304" pitchFamily="18" charset="0"/>
+            </a:endParaRPr>
+          </a:p>
+        </p:txBody>
+      </p:sp>
+      <p:cxnSp>
+        <p:nvCxnSpPr>
+          <p:cNvPr id="13" name="Straight Arrow Connector 12">
+            <a:extLst>
+              <a:ext uri="{FF2B5EF4-FFF2-40B4-BE49-F238E27FC236}">
+                <a16:creationId xmlns:a16="http://schemas.microsoft.com/office/drawing/2014/main" id="{FD29C48E-5FEF-48C7-84BC-A0C6BE03D08E}"/>
+              </a:ext>
+            </a:extLst>
+          </p:cNvPr>
+          <p:cNvCxnSpPr>
+            <a:cxnSpLocks/>
+            <a:stCxn id="11" idx="1"/>
+          </p:cNvCxnSpPr>
+          <p:nvPr/>
+        </p:nvCxnSpPr>
+        <p:spPr>
+          <a:xfrm flipH="1">
+            <a:off x="1687398" y="1933475"/>
+            <a:ext cx="2014590" cy="8447"/>
+          </a:xfrm>
+          <a:prstGeom prst="straightConnector1">
+            <a:avLst/>
+          </a:prstGeom>
+          <a:ln>
+            <a:tailEnd type="triangle"/>
+          </a:ln>
+        </p:spPr>
+        <p:style>
+          <a:lnRef idx="1">
+            <a:schemeClr val="accent2"/>
+          </a:lnRef>
+          <a:fillRef idx="0">
+            <a:schemeClr val="accent2"/>
+          </a:fillRef>
+          <a:effectRef idx="0">
+            <a:schemeClr val="accent2"/>
+          </a:effectRef>
+          <a:fontRef idx="minor">
+            <a:schemeClr val="tx1"/>
+          </a:fontRef>
+        </p:style>
+      </p:cxnSp>
+      <p:pic>
+        <p:nvPicPr>
+          <p:cNvPr id="14" name="Picture 13">
+            <a:extLst>
+              <a:ext uri="{FF2B5EF4-FFF2-40B4-BE49-F238E27FC236}">
+                <a16:creationId xmlns:a16="http://schemas.microsoft.com/office/drawing/2014/main" id="{670FC78B-0DB5-46D6-8CA2-31761E278AF2}"/>
+              </a:ext>
+            </a:extLst>
+          </p:cNvPr>
+          <p:cNvPicPr>
+            <a:picLocks noChangeAspect="1"/>
+          </p:cNvPicPr>
+          <p:nvPr/>
+        </p:nvPicPr>
+        <p:blipFill rotWithShape="1">
+          <a:blip r:embed="rId3"/>
+          <a:srcRect b="77041"/>
+          <a:stretch/>
+        </p:blipFill>
+        <p:spPr>
+          <a:xfrm>
+            <a:off x="0" y="2314194"/>
+            <a:ext cx="12192000" cy="2149200"/>
+          </a:xfrm>
+          <a:prstGeom prst="rect">
+            <a:avLst/>
+          </a:prstGeom>
+          <a:ln w="28575">
+            <a:solidFill>
+              <a:schemeClr val="tx1"/>
+            </a:solidFill>
+          </a:ln>
+        </p:spPr>
+      </p:pic>
+      <p:sp>
+        <p:nvSpPr>
+          <p:cNvPr id="15" name="TextBox 14">
+            <a:extLst>
+              <a:ext uri="{FF2B5EF4-FFF2-40B4-BE49-F238E27FC236}">
+                <a16:creationId xmlns:a16="http://schemas.microsoft.com/office/drawing/2014/main" id="{55CE3AF9-F284-461C-BA0A-F07BCEBBE27E}"/>
+              </a:ext>
+            </a:extLst>
+          </p:cNvPr>
+          <p:cNvSpPr txBox="1"/>
+          <p:nvPr/>
+        </p:nvSpPr>
+        <p:spPr>
+          <a:xfrm>
+            <a:off x="2458093" y="2999106"/>
+            <a:ext cx="769856" cy="369332"/>
+          </a:xfrm>
+          <a:prstGeom prst="rect">
+            <a:avLst/>
+          </a:prstGeom>
+          <a:noFill/>
+          <a:ln w="38100">
+            <a:solidFill>
+              <a:schemeClr val="accent2"/>
+            </a:solidFill>
+          </a:ln>
+        </p:spPr>
+        <p:txBody>
+          <a:bodyPr wrap="square" rtlCol="0">
+            <a:spAutoFit/>
+          </a:bodyPr>
+          <a:lstStyle/>
+          <a:p>
+            <a:endParaRPr lang="en-SG" dirty="0"/>
+          </a:p>
+        </p:txBody>
+      </p:sp>
+      <p:sp>
+        <p:nvSpPr>
+          <p:cNvPr id="16" name="TextBox 15">
+            <a:extLst>
+              <a:ext uri="{FF2B5EF4-FFF2-40B4-BE49-F238E27FC236}">
+                <a16:creationId xmlns:a16="http://schemas.microsoft.com/office/drawing/2014/main" id="{382482ED-FAD3-4D14-8B1F-4047C1BC3FC0}"/>
+              </a:ext>
+            </a:extLst>
+          </p:cNvPr>
+          <p:cNvSpPr txBox="1"/>
+          <p:nvPr/>
+        </p:nvSpPr>
+        <p:spPr>
+          <a:xfrm>
+            <a:off x="0" y="4094062"/>
+            <a:ext cx="1621410" cy="369332"/>
+          </a:xfrm>
+          <a:prstGeom prst="rect">
+            <a:avLst/>
+          </a:prstGeom>
+          <a:noFill/>
+          <a:ln w="38100">
+            <a:solidFill>
+              <a:schemeClr val="accent2"/>
+            </a:solidFill>
+          </a:ln>
+        </p:spPr>
+        <p:txBody>
+          <a:bodyPr wrap="square" rtlCol="0">
+            <a:spAutoFit/>
+          </a:bodyPr>
+          <a:lstStyle/>
+          <a:p>
+            <a:endParaRPr lang="en-SG" dirty="0"/>
+          </a:p>
+        </p:txBody>
+      </p:sp>
+      <p:sp>
+        <p:nvSpPr>
+          <p:cNvPr id="17" name="Text Box 2">
+            <a:extLst>
+              <a:ext uri="{FF2B5EF4-FFF2-40B4-BE49-F238E27FC236}">
+                <a16:creationId xmlns:a16="http://schemas.microsoft.com/office/drawing/2014/main" id="{083A14B9-CE02-4592-BC8F-B840A5077109}"/>
+              </a:ext>
+            </a:extLst>
+          </p:cNvPr>
+          <p:cNvSpPr txBox="1">
+            <a:spLocks noChangeArrowheads="1"/>
+          </p:cNvSpPr>
+          <p:nvPr/>
+        </p:nvSpPr>
+        <p:spPr bwMode="auto">
+          <a:xfrm>
+            <a:off x="4761159" y="2965340"/>
+            <a:ext cx="4207164" cy="337353"/>
+          </a:xfrm>
+          <a:prstGeom prst="rect">
+            <a:avLst/>
+          </a:prstGeom>
+          <a:solidFill>
+            <a:schemeClr val="accent2"/>
+          </a:solidFill>
+          <a:ln w="9525">
+            <a:solidFill>
+              <a:srgbClr val="000000"/>
+            </a:solidFill>
+            <a:miter lim="800000"/>
+            <a:headEnd/>
+            <a:tailEnd/>
+          </a:ln>
+        </p:spPr>
+        <p:txBody>
+          <a:bodyPr rot="0" vert="horz" wrap="square" lIns="91440" tIns="45720" rIns="91440" bIns="45720" anchor="t" anchorCtr="0">
+            <a:noAutofit/>
+          </a:bodyPr>
+          <a:lstStyle/>
+          <a:p>
+            <a:pPr>
+              <a:lnSpc>
+                <a:spcPct val="107000"/>
+              </a:lnSpc>
+              <a:spcAft>
+                <a:spcPts val="800"/>
+              </a:spcAft>
+            </a:pPr>
+            <a:r>
+              <a:rPr lang="en-SG" sz="1200" b="1" dirty="0">
+                <a:solidFill>
+                  <a:schemeClr val="bg1"/>
+                </a:solidFill>
+                <a:latin typeface="Arial Nova Cond" panose="020B0506020202020204" pitchFamily="34" charset="0"/>
+                <a:ea typeface="Calibri" panose="020F0502020204030204" pitchFamily="34" charset="0"/>
+                <a:cs typeface="Times New Roman" panose="02020603050405020304" pitchFamily="18" charset="0"/>
+              </a:rPr>
+              <a:t>1. User has typed in “tomorrow” as the start date of the project.</a:t>
+            </a:r>
+            <a:endParaRPr lang="en-SG" sz="1200" dirty="0">
+              <a:solidFill>
+                <a:schemeClr val="bg1"/>
+              </a:solidFill>
+              <a:effectLst/>
+              <a:latin typeface="Calibri" panose="020F0502020204030204" pitchFamily="34" charset="0"/>
+              <a:ea typeface="Calibri" panose="020F0502020204030204" pitchFamily="34" charset="0"/>
+              <a:cs typeface="Times New Roman" panose="02020603050405020304" pitchFamily="18" charset="0"/>
+            </a:endParaRPr>
+          </a:p>
+        </p:txBody>
+      </p:sp>
+      <p:cxnSp>
+        <p:nvCxnSpPr>
+          <p:cNvPr id="18" name="Straight Arrow Connector 17">
+            <a:extLst>
+              <a:ext uri="{FF2B5EF4-FFF2-40B4-BE49-F238E27FC236}">
+                <a16:creationId xmlns:a16="http://schemas.microsoft.com/office/drawing/2014/main" id="{C9685AB7-0455-46D0-B7FE-78AAE85A3FC8}"/>
+              </a:ext>
+            </a:extLst>
+          </p:cNvPr>
+          <p:cNvCxnSpPr>
+            <a:cxnSpLocks/>
+            <a:stCxn id="17" idx="1"/>
+          </p:cNvCxnSpPr>
+          <p:nvPr/>
+        </p:nvCxnSpPr>
+        <p:spPr>
+          <a:xfrm flipH="1" flipV="1">
+            <a:off x="4023919" y="3134016"/>
+            <a:ext cx="737240" cy="1"/>
+          </a:xfrm>
+          <a:prstGeom prst="straightConnector1">
+            <a:avLst/>
+          </a:prstGeom>
+          <a:ln>
+            <a:tailEnd type="triangle"/>
+          </a:ln>
+        </p:spPr>
+        <p:style>
+          <a:lnRef idx="1">
+            <a:schemeClr val="accent2"/>
+          </a:lnRef>
+          <a:fillRef idx="0">
+            <a:schemeClr val="accent2"/>
+          </a:fillRef>
+          <a:effectRef idx="0">
+            <a:schemeClr val="accent2"/>
+          </a:effectRef>
+          <a:fontRef idx="minor">
+            <a:schemeClr val="tx1"/>
+          </a:fontRef>
+        </p:style>
+      </p:cxnSp>
+      <p:sp>
+        <p:nvSpPr>
+          <p:cNvPr id="20" name="Text Box 2">
+            <a:extLst>
+              <a:ext uri="{FF2B5EF4-FFF2-40B4-BE49-F238E27FC236}">
+                <a16:creationId xmlns:a16="http://schemas.microsoft.com/office/drawing/2014/main" id="{0BC2D9CB-2659-451C-8382-8A2DAF9C3508}"/>
+              </a:ext>
+            </a:extLst>
+          </p:cNvPr>
+          <p:cNvSpPr txBox="1">
+            <a:spLocks noChangeArrowheads="1"/>
+          </p:cNvSpPr>
+          <p:nvPr/>
+        </p:nvSpPr>
+        <p:spPr bwMode="auto">
+          <a:xfrm>
+            <a:off x="3386239" y="4122515"/>
+            <a:ext cx="5597506" cy="337353"/>
+          </a:xfrm>
+          <a:prstGeom prst="rect">
+            <a:avLst/>
+          </a:prstGeom>
+          <a:solidFill>
+            <a:schemeClr val="accent2"/>
+          </a:solidFill>
+          <a:ln w="9525">
+            <a:solidFill>
+              <a:srgbClr val="000000"/>
+            </a:solidFill>
+            <a:miter lim="800000"/>
+            <a:headEnd/>
+            <a:tailEnd/>
+          </a:ln>
+        </p:spPr>
+        <p:txBody>
+          <a:bodyPr rot="0" vert="horz" wrap="square" lIns="91440" tIns="45720" rIns="91440" bIns="45720" anchor="t" anchorCtr="0">
+            <a:noAutofit/>
+          </a:bodyPr>
+          <a:lstStyle/>
+          <a:p>
+            <a:pPr>
+              <a:lnSpc>
+                <a:spcPct val="107000"/>
+              </a:lnSpc>
+              <a:spcAft>
+                <a:spcPts val="800"/>
+              </a:spcAft>
+            </a:pPr>
+            <a:r>
+              <a:rPr lang="en-SG" sz="1200" b="1" dirty="0">
+                <a:solidFill>
+                  <a:schemeClr val="bg1"/>
+                </a:solidFill>
+                <a:latin typeface="Arial Nova Cond" panose="020B0506020202020204" pitchFamily="34" charset="0"/>
+                <a:ea typeface="Calibri" panose="020F0502020204030204" pitchFamily="34" charset="0"/>
+                <a:cs typeface="Times New Roman" panose="02020603050405020304" pitchFamily="18" charset="0"/>
+              </a:rPr>
+              <a:t>2. The input gets automatically translated to tomorrow’s date in DD/MM/YYYY format.</a:t>
+            </a:r>
+            <a:endParaRPr lang="en-SG" sz="1200" dirty="0">
+              <a:solidFill>
+                <a:schemeClr val="bg1"/>
+              </a:solidFill>
+              <a:effectLst/>
+              <a:latin typeface="Calibri" panose="020F0502020204030204" pitchFamily="34" charset="0"/>
+              <a:ea typeface="Calibri" panose="020F0502020204030204" pitchFamily="34" charset="0"/>
+              <a:cs typeface="Times New Roman" panose="02020603050405020304" pitchFamily="18" charset="0"/>
+            </a:endParaRPr>
+          </a:p>
+        </p:txBody>
+      </p:sp>
+      <p:cxnSp>
+        <p:nvCxnSpPr>
+          <p:cNvPr id="21" name="Straight Arrow Connector 20">
+            <a:extLst>
+              <a:ext uri="{FF2B5EF4-FFF2-40B4-BE49-F238E27FC236}">
+                <a16:creationId xmlns:a16="http://schemas.microsoft.com/office/drawing/2014/main" id="{63153747-F7EF-4EA0-9951-35064829F4ED}"/>
+              </a:ext>
+            </a:extLst>
+          </p:cNvPr>
+          <p:cNvCxnSpPr>
+            <a:cxnSpLocks/>
+          </p:cNvCxnSpPr>
+          <p:nvPr/>
+        </p:nvCxnSpPr>
+        <p:spPr>
+          <a:xfrm flipH="1">
+            <a:off x="1687399" y="4291192"/>
+            <a:ext cx="1698840" cy="0"/>
+          </a:xfrm>
+          <a:prstGeom prst="straightConnector1">
+            <a:avLst/>
+          </a:prstGeom>
+          <a:ln>
+            <a:tailEnd type="triangle"/>
+          </a:ln>
+        </p:spPr>
+        <p:style>
+          <a:lnRef idx="1">
+            <a:schemeClr val="accent2"/>
+          </a:lnRef>
+          <a:fillRef idx="0">
+            <a:schemeClr val="accent2"/>
+          </a:fillRef>
+          <a:effectRef idx="0">
+            <a:schemeClr val="accent2"/>
+          </a:effectRef>
+          <a:fontRef idx="minor">
+            <a:schemeClr val="tx1"/>
+          </a:fontRef>
+        </p:style>
+      </p:cxnSp>
+      <p:pic>
+        <p:nvPicPr>
+          <p:cNvPr id="33" name="Picture 32">
+            <a:extLst>
+              <a:ext uri="{FF2B5EF4-FFF2-40B4-BE49-F238E27FC236}">
+                <a16:creationId xmlns:a16="http://schemas.microsoft.com/office/drawing/2014/main" id="{DD631BBA-0E3E-43E2-8500-21F676AF9031}"/>
+              </a:ext>
+            </a:extLst>
+          </p:cNvPr>
+          <p:cNvPicPr>
+            <a:picLocks noChangeAspect="1"/>
+          </p:cNvPicPr>
+          <p:nvPr/>
+        </p:nvPicPr>
+        <p:blipFill rotWithShape="1">
+          <a:blip r:embed="rId4"/>
+          <a:srcRect b="77041"/>
+          <a:stretch/>
+        </p:blipFill>
+        <p:spPr>
+          <a:xfrm>
+            <a:off x="0" y="4708799"/>
+            <a:ext cx="12192000" cy="2149200"/>
+          </a:xfrm>
+          <a:prstGeom prst="rect">
+            <a:avLst/>
+          </a:prstGeom>
+          <a:ln w="28575">
+            <a:solidFill>
+              <a:schemeClr val="tx1"/>
+            </a:solidFill>
+          </a:ln>
+        </p:spPr>
+      </p:pic>
+      <p:sp>
+        <p:nvSpPr>
+          <p:cNvPr id="39" name="TextBox 38">
+            <a:extLst>
+              <a:ext uri="{FF2B5EF4-FFF2-40B4-BE49-F238E27FC236}">
+                <a16:creationId xmlns:a16="http://schemas.microsoft.com/office/drawing/2014/main" id="{5EAFB21D-2263-4C83-B022-5334B380B6D5}"/>
+              </a:ext>
+            </a:extLst>
+          </p:cNvPr>
+          <p:cNvSpPr txBox="1"/>
+          <p:nvPr/>
+        </p:nvSpPr>
+        <p:spPr>
+          <a:xfrm>
+            <a:off x="2308194" y="5345436"/>
+            <a:ext cx="727969" cy="380661"/>
+          </a:xfrm>
+          <a:prstGeom prst="rect">
+            <a:avLst/>
+          </a:prstGeom>
+          <a:noFill/>
+          <a:ln w="38100">
+            <a:solidFill>
+              <a:schemeClr val="accent2"/>
+            </a:solidFill>
+          </a:ln>
+        </p:spPr>
+        <p:txBody>
+          <a:bodyPr wrap="square" rtlCol="0">
+            <a:spAutoFit/>
+          </a:bodyPr>
+          <a:lstStyle/>
+          <a:p>
+            <a:endParaRPr lang="en-SG" dirty="0"/>
+          </a:p>
+        </p:txBody>
+      </p:sp>
+      <p:sp>
+        <p:nvSpPr>
+          <p:cNvPr id="40" name="TextBox 39">
+            <a:extLst>
+              <a:ext uri="{FF2B5EF4-FFF2-40B4-BE49-F238E27FC236}">
+                <a16:creationId xmlns:a16="http://schemas.microsoft.com/office/drawing/2014/main" id="{17AB54A9-6339-48EA-8C56-94181E3182C6}"/>
+              </a:ext>
+            </a:extLst>
+          </p:cNvPr>
+          <p:cNvSpPr txBox="1"/>
+          <p:nvPr/>
+        </p:nvSpPr>
+        <p:spPr>
+          <a:xfrm>
+            <a:off x="0" y="6488667"/>
+            <a:ext cx="1621410" cy="369332"/>
+          </a:xfrm>
+          <a:prstGeom prst="rect">
+            <a:avLst/>
+          </a:prstGeom>
+          <a:noFill/>
+          <a:ln w="38100">
+            <a:solidFill>
+              <a:schemeClr val="accent2"/>
+            </a:solidFill>
+          </a:ln>
+        </p:spPr>
+        <p:txBody>
+          <a:bodyPr wrap="square" rtlCol="0">
+            <a:spAutoFit/>
+          </a:bodyPr>
+          <a:lstStyle/>
+          <a:p>
+            <a:endParaRPr lang="en-SG" dirty="0"/>
+          </a:p>
+        </p:txBody>
+      </p:sp>
+      <p:sp>
+        <p:nvSpPr>
+          <p:cNvPr id="41" name="Text Box 2">
+            <a:extLst>
+              <a:ext uri="{FF2B5EF4-FFF2-40B4-BE49-F238E27FC236}">
+                <a16:creationId xmlns:a16="http://schemas.microsoft.com/office/drawing/2014/main" id="{315BC484-2334-41CF-9937-44090B5E1785}"/>
+              </a:ext>
+            </a:extLst>
+          </p:cNvPr>
+          <p:cNvSpPr txBox="1">
+            <a:spLocks noChangeArrowheads="1"/>
+          </p:cNvSpPr>
+          <p:nvPr/>
+        </p:nvSpPr>
+        <p:spPr bwMode="auto">
+          <a:xfrm>
+            <a:off x="4776580" y="5347655"/>
+            <a:ext cx="4207164" cy="337353"/>
+          </a:xfrm>
+          <a:prstGeom prst="rect">
+            <a:avLst/>
+          </a:prstGeom>
+          <a:solidFill>
+            <a:schemeClr val="accent2"/>
+          </a:solidFill>
+          <a:ln w="9525">
+            <a:solidFill>
+              <a:srgbClr val="000000"/>
+            </a:solidFill>
+            <a:miter lim="800000"/>
+            <a:headEnd/>
+            <a:tailEnd/>
+          </a:ln>
+        </p:spPr>
+        <p:txBody>
+          <a:bodyPr rot="0" vert="horz" wrap="square" lIns="91440" tIns="45720" rIns="91440" bIns="45720" anchor="t" anchorCtr="0">
+            <a:noAutofit/>
+          </a:bodyPr>
+          <a:lstStyle/>
+          <a:p>
+            <a:pPr>
+              <a:lnSpc>
+                <a:spcPct val="107000"/>
+              </a:lnSpc>
+              <a:spcAft>
+                <a:spcPts val="800"/>
+              </a:spcAft>
+            </a:pPr>
+            <a:r>
+              <a:rPr lang="en-SG" sz="1200" b="1" dirty="0">
+                <a:solidFill>
+                  <a:schemeClr val="bg1"/>
+                </a:solidFill>
+                <a:latin typeface="Arial Nova Cond" panose="020B0506020202020204" pitchFamily="34" charset="0"/>
+                <a:ea typeface="Calibri" panose="020F0502020204030204" pitchFamily="34" charset="0"/>
+                <a:cs typeface="Times New Roman" panose="02020603050405020304" pitchFamily="18" charset="0"/>
+              </a:rPr>
+              <a:t>1. User has typed in “yesterday” as the start date of the project.</a:t>
+            </a:r>
+            <a:endParaRPr lang="en-SG" sz="1200" dirty="0">
+              <a:solidFill>
+                <a:schemeClr val="bg1"/>
+              </a:solidFill>
+              <a:effectLst/>
+              <a:latin typeface="Calibri" panose="020F0502020204030204" pitchFamily="34" charset="0"/>
+              <a:ea typeface="Calibri" panose="020F0502020204030204" pitchFamily="34" charset="0"/>
+              <a:cs typeface="Times New Roman" panose="02020603050405020304" pitchFamily="18" charset="0"/>
+            </a:endParaRPr>
+          </a:p>
+        </p:txBody>
+      </p:sp>
+      <p:cxnSp>
+        <p:nvCxnSpPr>
+          <p:cNvPr id="42" name="Straight Arrow Connector 41">
+            <a:extLst>
+              <a:ext uri="{FF2B5EF4-FFF2-40B4-BE49-F238E27FC236}">
+                <a16:creationId xmlns:a16="http://schemas.microsoft.com/office/drawing/2014/main" id="{BC073C4A-43A7-4185-BD9A-6864B1AC9E24}"/>
+              </a:ext>
+            </a:extLst>
+          </p:cNvPr>
+          <p:cNvCxnSpPr>
+            <a:cxnSpLocks/>
+          </p:cNvCxnSpPr>
+          <p:nvPr/>
+        </p:nvCxnSpPr>
+        <p:spPr>
+          <a:xfrm flipH="1" flipV="1">
+            <a:off x="3879542" y="5516331"/>
+            <a:ext cx="881619" cy="1"/>
+          </a:xfrm>
+          <a:prstGeom prst="straightConnector1">
+            <a:avLst/>
+          </a:prstGeom>
+          <a:ln>
+            <a:tailEnd type="triangle"/>
+          </a:ln>
+        </p:spPr>
+        <p:style>
+          <a:lnRef idx="1">
+            <a:schemeClr val="accent2"/>
+          </a:lnRef>
+          <a:fillRef idx="0">
+            <a:schemeClr val="accent2"/>
+          </a:fillRef>
+          <a:effectRef idx="0">
+            <a:schemeClr val="accent2"/>
+          </a:effectRef>
+          <a:fontRef idx="minor">
+            <a:schemeClr val="tx1"/>
+          </a:fontRef>
+        </p:style>
+      </p:cxnSp>
+      <p:sp>
+        <p:nvSpPr>
+          <p:cNvPr id="46" name="Text Box 2">
+            <a:extLst>
+              <a:ext uri="{FF2B5EF4-FFF2-40B4-BE49-F238E27FC236}">
+                <a16:creationId xmlns:a16="http://schemas.microsoft.com/office/drawing/2014/main" id="{4FB4D075-03AA-47EF-A287-C1265E95D04D}"/>
+              </a:ext>
+            </a:extLst>
+          </p:cNvPr>
+          <p:cNvSpPr txBox="1">
+            <a:spLocks noChangeArrowheads="1"/>
+          </p:cNvSpPr>
+          <p:nvPr/>
+        </p:nvSpPr>
+        <p:spPr bwMode="auto">
+          <a:xfrm>
+            <a:off x="3386239" y="6436866"/>
+            <a:ext cx="5597506" cy="337353"/>
+          </a:xfrm>
+          <a:prstGeom prst="rect">
+            <a:avLst/>
+          </a:prstGeom>
+          <a:solidFill>
+            <a:schemeClr val="accent2"/>
+          </a:solidFill>
+          <a:ln w="9525">
+            <a:solidFill>
+              <a:srgbClr val="000000"/>
+            </a:solidFill>
+            <a:miter lim="800000"/>
+            <a:headEnd/>
+            <a:tailEnd/>
+          </a:ln>
+        </p:spPr>
+        <p:txBody>
+          <a:bodyPr rot="0" vert="horz" wrap="square" lIns="91440" tIns="45720" rIns="91440" bIns="45720" anchor="t" anchorCtr="0">
+            <a:noAutofit/>
+          </a:bodyPr>
+          <a:lstStyle/>
+          <a:p>
+            <a:pPr>
+              <a:lnSpc>
+                <a:spcPct val="107000"/>
+              </a:lnSpc>
+              <a:spcAft>
+                <a:spcPts val="800"/>
+              </a:spcAft>
+            </a:pPr>
+            <a:r>
+              <a:rPr lang="en-SG" sz="1200" b="1" dirty="0">
+                <a:solidFill>
+                  <a:schemeClr val="bg1"/>
+                </a:solidFill>
+                <a:latin typeface="Arial Nova Cond" panose="020B0506020202020204" pitchFamily="34" charset="0"/>
+                <a:ea typeface="Calibri" panose="020F0502020204030204" pitchFamily="34" charset="0"/>
+                <a:cs typeface="Times New Roman" panose="02020603050405020304" pitchFamily="18" charset="0"/>
+              </a:rPr>
+              <a:t>2. The input gets automatically translated to yesterday’s date in DD/MM/YYYY format.</a:t>
+            </a:r>
+            <a:endParaRPr lang="en-SG" sz="1200" dirty="0">
+              <a:solidFill>
+                <a:schemeClr val="bg1"/>
+              </a:solidFill>
+              <a:effectLst/>
+              <a:latin typeface="Calibri" panose="020F0502020204030204" pitchFamily="34" charset="0"/>
+              <a:ea typeface="Calibri" panose="020F0502020204030204" pitchFamily="34" charset="0"/>
+              <a:cs typeface="Times New Roman" panose="02020603050405020304" pitchFamily="18" charset="0"/>
+            </a:endParaRPr>
+          </a:p>
+        </p:txBody>
+      </p:sp>
+      <p:cxnSp>
+        <p:nvCxnSpPr>
+          <p:cNvPr id="47" name="Straight Arrow Connector 46">
+            <a:extLst>
+              <a:ext uri="{FF2B5EF4-FFF2-40B4-BE49-F238E27FC236}">
+                <a16:creationId xmlns:a16="http://schemas.microsoft.com/office/drawing/2014/main" id="{CF78BE78-E149-4C61-9951-D600A9740339}"/>
+              </a:ext>
+            </a:extLst>
+          </p:cNvPr>
+          <p:cNvCxnSpPr>
+            <a:cxnSpLocks/>
+          </p:cNvCxnSpPr>
+          <p:nvPr/>
+        </p:nvCxnSpPr>
+        <p:spPr>
+          <a:xfrm flipH="1">
+            <a:off x="1687399" y="6610299"/>
+            <a:ext cx="1698840" cy="0"/>
+          </a:xfrm>
+          <a:prstGeom prst="straightConnector1">
+            <a:avLst/>
+          </a:prstGeom>
+          <a:ln>
+            <a:tailEnd type="triangle"/>
+          </a:ln>
+        </p:spPr>
+        <p:style>
+          <a:lnRef idx="1">
+            <a:schemeClr val="accent2"/>
+          </a:lnRef>
+          <a:fillRef idx="0">
+            <a:schemeClr val="accent2"/>
+          </a:fillRef>
+          <a:effectRef idx="0">
+            <a:schemeClr val="accent2"/>
+          </a:effectRef>
+          <a:fontRef idx="minor">
+            <a:schemeClr val="tx1"/>
+          </a:fontRef>
+        </p:style>
+      </p:cxnSp>
+      <p:sp>
+        <p:nvSpPr>
+          <p:cNvPr id="50" name="TextBox 49">
+            <a:extLst>
+              <a:ext uri="{FF2B5EF4-FFF2-40B4-BE49-F238E27FC236}">
+                <a16:creationId xmlns:a16="http://schemas.microsoft.com/office/drawing/2014/main" id="{B5E0AD04-9440-41C2-B4FB-B72E1A42A126}"/>
+              </a:ext>
+            </a:extLst>
+          </p:cNvPr>
+          <p:cNvSpPr txBox="1"/>
+          <p:nvPr/>
+        </p:nvSpPr>
+        <p:spPr>
+          <a:xfrm>
+            <a:off x="9223900" y="1109709"/>
+            <a:ext cx="2192783" cy="369332"/>
+          </a:xfrm>
+          <a:prstGeom prst="rect">
+            <a:avLst/>
+          </a:prstGeom>
+          <a:solidFill>
+            <a:schemeClr val="accent2"/>
+          </a:solidFill>
+          <a:ln>
+            <a:solidFill>
+              <a:schemeClr val="tx1"/>
+            </a:solidFill>
+          </a:ln>
+        </p:spPr>
+        <p:txBody>
+          <a:bodyPr wrap="square" rtlCol="0">
+            <a:spAutoFit/>
+          </a:bodyPr>
+          <a:lstStyle/>
+          <a:p>
+            <a:r>
+              <a:rPr lang="en-SG" b="1" dirty="0">
+                <a:solidFill>
+                  <a:schemeClr val="bg1"/>
+                </a:solidFill>
+                <a:latin typeface="Arial Nova Cond" panose="020B0506020202020204" pitchFamily="34" charset="0"/>
+              </a:rPr>
+              <a:t>Example 1: Today</a:t>
+            </a:r>
+          </a:p>
+        </p:txBody>
+      </p:sp>
+      <p:sp>
+        <p:nvSpPr>
+          <p:cNvPr id="51" name="TextBox 50">
+            <a:extLst>
+              <a:ext uri="{FF2B5EF4-FFF2-40B4-BE49-F238E27FC236}">
+                <a16:creationId xmlns:a16="http://schemas.microsoft.com/office/drawing/2014/main" id="{5B1329EE-3A70-40B4-89B8-2C228E21CD4F}"/>
+              </a:ext>
+            </a:extLst>
+          </p:cNvPr>
+          <p:cNvSpPr txBox="1"/>
+          <p:nvPr/>
+        </p:nvSpPr>
+        <p:spPr>
+          <a:xfrm>
+            <a:off x="9223898" y="5860742"/>
+            <a:ext cx="2192785" cy="369332"/>
+          </a:xfrm>
+          <a:prstGeom prst="rect">
+            <a:avLst/>
+          </a:prstGeom>
+          <a:solidFill>
+            <a:schemeClr val="accent2"/>
+          </a:solidFill>
+          <a:ln>
+            <a:solidFill>
+              <a:schemeClr val="tx1"/>
+            </a:solidFill>
+          </a:ln>
+        </p:spPr>
+        <p:txBody>
+          <a:bodyPr wrap="square" rtlCol="0">
+            <a:spAutoFit/>
+          </a:bodyPr>
+          <a:lstStyle/>
+          <a:p>
+            <a:r>
+              <a:rPr lang="en-SG" b="1" dirty="0">
+                <a:solidFill>
+                  <a:schemeClr val="bg1"/>
+                </a:solidFill>
+                <a:latin typeface="Arial Nova Cond" panose="020B0506020202020204" pitchFamily="34" charset="0"/>
+              </a:rPr>
+              <a:t>Example 3: Yesterday</a:t>
+            </a:r>
+          </a:p>
+        </p:txBody>
+      </p:sp>
+      <p:sp>
+        <p:nvSpPr>
+          <p:cNvPr id="52" name="TextBox 51">
+            <a:extLst>
+              <a:ext uri="{FF2B5EF4-FFF2-40B4-BE49-F238E27FC236}">
+                <a16:creationId xmlns:a16="http://schemas.microsoft.com/office/drawing/2014/main" id="{BD6EE5F3-40AA-43B5-A283-8ECC99BD8746}"/>
+              </a:ext>
+            </a:extLst>
+          </p:cNvPr>
+          <p:cNvSpPr txBox="1"/>
+          <p:nvPr/>
+        </p:nvSpPr>
+        <p:spPr>
+          <a:xfrm>
+            <a:off x="9223898" y="3489833"/>
+            <a:ext cx="2192785" cy="369332"/>
+          </a:xfrm>
+          <a:prstGeom prst="rect">
+            <a:avLst/>
+          </a:prstGeom>
+          <a:solidFill>
+            <a:schemeClr val="accent2"/>
+          </a:solidFill>
+          <a:ln>
+            <a:solidFill>
+              <a:schemeClr val="tx1"/>
+            </a:solidFill>
+          </a:ln>
+        </p:spPr>
+        <p:txBody>
+          <a:bodyPr wrap="square" rtlCol="0">
+            <a:spAutoFit/>
+          </a:bodyPr>
+          <a:lstStyle/>
+          <a:p>
+            <a:r>
+              <a:rPr lang="en-SG" b="1" dirty="0">
+                <a:solidFill>
+                  <a:schemeClr val="bg1"/>
+                </a:solidFill>
+                <a:latin typeface="Arial Nova Cond" panose="020B0506020202020204" pitchFamily="34" charset="0"/>
+              </a:rPr>
+              <a:t>Example 2: Tomorrow</a:t>
+            </a:r>
+          </a:p>
+        </p:txBody>
+      </p:sp>
+      <p:sp>
+        <p:nvSpPr>
+          <p:cNvPr id="53" name="TextBox 52">
+            <a:extLst>
+              <a:ext uri="{FF2B5EF4-FFF2-40B4-BE49-F238E27FC236}">
+                <a16:creationId xmlns:a16="http://schemas.microsoft.com/office/drawing/2014/main" id="{7A6B68EC-FC61-45F5-AE8D-D50121FFB36A}"/>
+              </a:ext>
+            </a:extLst>
+          </p:cNvPr>
+          <p:cNvSpPr txBox="1"/>
+          <p:nvPr/>
+        </p:nvSpPr>
+        <p:spPr>
+          <a:xfrm>
+            <a:off x="3295540" y="-13798"/>
+            <a:ext cx="5778903" cy="369332"/>
+          </a:xfrm>
+          <a:prstGeom prst="rect">
+            <a:avLst/>
+          </a:prstGeom>
+          <a:solidFill>
+            <a:schemeClr val="accent2"/>
+          </a:solidFill>
+          <a:ln>
+            <a:solidFill>
+              <a:schemeClr val="tx1"/>
+            </a:solidFill>
+          </a:ln>
+        </p:spPr>
+        <p:txBody>
+          <a:bodyPr wrap="square" rtlCol="0">
+            <a:spAutoFit/>
+          </a:bodyPr>
+          <a:lstStyle/>
+          <a:p>
+            <a:r>
+              <a:rPr lang="en-SG" b="1" dirty="0">
+                <a:solidFill>
+                  <a:schemeClr val="bg1"/>
+                </a:solidFill>
+                <a:latin typeface="Arial Nova Cond" panose="020B0506020202020204" pitchFamily="34" charset="0"/>
+              </a:rPr>
+              <a:t>Assuming current date is 12 April 2019 (12/04/2019), Friday</a:t>
+            </a:r>
+          </a:p>
+        </p:txBody>
+      </p:sp>
+    </p:spTree>
+    <p:extLst>
+      <p:ext uri="{BB962C8B-B14F-4D97-AF65-F5344CB8AC3E}">
+        <p14:creationId xmlns:p14="http://schemas.microsoft.com/office/powerpoint/2010/main" val="1649825059"/>
       </p:ext>
     </p:extLst>
   </p:cSld>

--- a/docs/diagrams/ui_annotated.pptx
+++ b/docs/diagrams/ui_annotated.pptx
@@ -8,6 +8,14 @@
     <p:sldId id="257" r:id="rId2"/>
     <p:sldId id="258" r:id="rId3"/>
     <p:sldId id="259" r:id="rId4"/>
+    <p:sldId id="260" r:id="rId5"/>
+    <p:sldId id="264" r:id="rId6"/>
+    <p:sldId id="267" r:id="rId7"/>
+    <p:sldId id="268" r:id="rId8"/>
+    <p:sldId id="266" r:id="rId9"/>
+    <p:sldId id="269" r:id="rId10"/>
+    <p:sldId id="270" r:id="rId11"/>
+    <p:sldId id="271" r:id="rId12"/>
   </p:sldIdLst>
   <p:sldSz cx="12192000" cy="6858000"/>
   <p:notesSz cx="6858000" cy="9144000"/>
@@ -106,6 +114,11 @@
       </a:defRPr>
     </a:lvl9pPr>
   </p:defaultTextStyle>
+  <p:extLst>
+    <p:ext uri="{EFAFB233-063F-42B5-8137-9DF3F51BA10A}">
+      <p15:sldGuideLst xmlns:p15="http://schemas.microsoft.com/office/powerpoint/2012/main"/>
+    </p:ext>
+  </p:extLst>
 </p:presentation>
 </file>
 
@@ -258,7 +271,7 @@
           <a:p>
             <a:fld id="{F0B7906A-B038-4706-83B2-00193F0E7D27}" type="datetimeFigureOut">
               <a:rPr lang="en-SG" smtClean="0"/>
-              <a:t>4/4/2019</a:t>
+              <a:t>12/4/2019</a:t>
             </a:fld>
             <a:endParaRPr lang="en-SG"/>
           </a:p>
@@ -458,7 +471,7 @@
           <a:p>
             <a:fld id="{F0B7906A-B038-4706-83B2-00193F0E7D27}" type="datetimeFigureOut">
               <a:rPr lang="en-SG" smtClean="0"/>
-              <a:t>4/4/2019</a:t>
+              <a:t>12/4/2019</a:t>
             </a:fld>
             <a:endParaRPr lang="en-SG"/>
           </a:p>
@@ -668,7 +681,7 @@
           <a:p>
             <a:fld id="{F0B7906A-B038-4706-83B2-00193F0E7D27}" type="datetimeFigureOut">
               <a:rPr lang="en-SG" smtClean="0"/>
-              <a:t>4/4/2019</a:t>
+              <a:t>12/4/2019</a:t>
             </a:fld>
             <a:endParaRPr lang="en-SG"/>
           </a:p>
@@ -868,7 +881,7 @@
           <a:p>
             <a:fld id="{F0B7906A-B038-4706-83B2-00193F0E7D27}" type="datetimeFigureOut">
               <a:rPr lang="en-SG" smtClean="0"/>
-              <a:t>4/4/2019</a:t>
+              <a:t>12/4/2019</a:t>
             </a:fld>
             <a:endParaRPr lang="en-SG"/>
           </a:p>
@@ -1144,7 +1157,7 @@
           <a:p>
             <a:fld id="{F0B7906A-B038-4706-83B2-00193F0E7D27}" type="datetimeFigureOut">
               <a:rPr lang="en-SG" smtClean="0"/>
-              <a:t>4/4/2019</a:t>
+              <a:t>12/4/2019</a:t>
             </a:fld>
             <a:endParaRPr lang="en-SG"/>
           </a:p>
@@ -1412,7 +1425,7 @@
           <a:p>
             <a:fld id="{F0B7906A-B038-4706-83B2-00193F0E7D27}" type="datetimeFigureOut">
               <a:rPr lang="en-SG" smtClean="0"/>
-              <a:t>4/4/2019</a:t>
+              <a:t>12/4/2019</a:t>
             </a:fld>
             <a:endParaRPr lang="en-SG"/>
           </a:p>
@@ -1827,7 +1840,7 @@
           <a:p>
             <a:fld id="{F0B7906A-B038-4706-83B2-00193F0E7D27}" type="datetimeFigureOut">
               <a:rPr lang="en-SG" smtClean="0"/>
-              <a:t>4/4/2019</a:t>
+              <a:t>12/4/2019</a:t>
             </a:fld>
             <a:endParaRPr lang="en-SG"/>
           </a:p>
@@ -1969,7 +1982,7 @@
           <a:p>
             <a:fld id="{F0B7906A-B038-4706-83B2-00193F0E7D27}" type="datetimeFigureOut">
               <a:rPr lang="en-SG" smtClean="0"/>
-              <a:t>4/4/2019</a:t>
+              <a:t>12/4/2019</a:t>
             </a:fld>
             <a:endParaRPr lang="en-SG"/>
           </a:p>
@@ -2082,7 +2095,7 @@
           <a:p>
             <a:fld id="{F0B7906A-B038-4706-83B2-00193F0E7D27}" type="datetimeFigureOut">
               <a:rPr lang="en-SG" smtClean="0"/>
-              <a:t>4/4/2019</a:t>
+              <a:t>12/4/2019</a:t>
             </a:fld>
             <a:endParaRPr lang="en-SG"/>
           </a:p>
@@ -2395,7 +2408,7 @@
           <a:p>
             <a:fld id="{F0B7906A-B038-4706-83B2-00193F0E7D27}" type="datetimeFigureOut">
               <a:rPr lang="en-SG" smtClean="0"/>
-              <a:t>4/4/2019</a:t>
+              <a:t>12/4/2019</a:t>
             </a:fld>
             <a:endParaRPr lang="en-SG"/>
           </a:p>
@@ -2684,7 +2697,7 @@
           <a:p>
             <a:fld id="{F0B7906A-B038-4706-83B2-00193F0E7D27}" type="datetimeFigureOut">
               <a:rPr lang="en-SG" smtClean="0"/>
-              <a:t>4/4/2019</a:t>
+              <a:t>12/4/2019</a:t>
             </a:fld>
             <a:endParaRPr lang="en-SG"/>
           </a:p>
@@ -2927,7 +2940,7 @@
           <a:p>
             <a:fld id="{F0B7906A-B038-4706-83B2-00193F0E7D27}" type="datetimeFigureOut">
               <a:rPr lang="en-SG" smtClean="0"/>
-              <a:t>4/4/2019</a:t>
+              <a:t>12/4/2019</a:t>
             </a:fld>
             <a:endParaRPr lang="en-SG"/>
           </a:p>
@@ -3846,7 +3859,7 @@
           <a:lstStyle/>
           <a:p>
             <a:pPr algn="ctr"/>
-            <a:endParaRPr lang="en-SG"/>
+            <a:endParaRPr lang="en-SG" dirty="0"/>
           </a:p>
         </p:txBody>
       </p:sp>
@@ -3936,6 +3949,2554 @@
     <p:extLst>
       <p:ext uri="{BB962C8B-B14F-4D97-AF65-F5344CB8AC3E}">
         <p14:creationId xmlns:p14="http://schemas.microsoft.com/office/powerpoint/2010/main" val="3802157393"/>
+      </p:ext>
+    </p:extLst>
+  </p:cSld>
+  <p:clrMapOvr>
+    <a:masterClrMapping/>
+  </p:clrMapOvr>
+</p:sld>
+</file>
+
+<file path=ppt/slides/slide10.xml><?xml version="1.0" encoding="utf-8"?>
+<p:sld xmlns:a="http://schemas.openxmlformats.org/drawingml/2006/main" xmlns:r="http://schemas.openxmlformats.org/officeDocument/2006/relationships" xmlns:p="http://schemas.openxmlformats.org/presentationml/2006/main">
+  <p:cSld>
+    <p:spTree>
+      <p:nvGrpSpPr>
+        <p:cNvPr id="1" name=""/>
+        <p:cNvGrpSpPr/>
+        <p:nvPr/>
+      </p:nvGrpSpPr>
+      <p:grpSpPr>
+        <a:xfrm>
+          <a:off x="0" y="0"/>
+          <a:ext cx="0" cy="0"/>
+          <a:chOff x="0" y="0"/>
+          <a:chExt cx="0" cy="0"/>
+        </a:xfrm>
+      </p:grpSpPr>
+      <p:pic>
+        <p:nvPicPr>
+          <p:cNvPr id="2" name="Picture 1">
+            <a:extLst>
+              <a:ext uri="{FF2B5EF4-FFF2-40B4-BE49-F238E27FC236}">
+                <a16:creationId xmlns:a16="http://schemas.microsoft.com/office/drawing/2014/main" id="{31E64AFC-D99F-48D4-8EB5-BCF0A54C2368}"/>
+              </a:ext>
+            </a:extLst>
+          </p:cNvPr>
+          <p:cNvPicPr>
+            <a:picLocks noChangeAspect="1"/>
+          </p:cNvPicPr>
+          <p:nvPr/>
+        </p:nvPicPr>
+        <p:blipFill rotWithShape="1">
+          <a:blip r:embed="rId2"/>
+          <a:srcRect b="77222"/>
+          <a:stretch/>
+        </p:blipFill>
+        <p:spPr>
+          <a:xfrm>
+            <a:off x="0" y="0"/>
+            <a:ext cx="12192000" cy="2149200"/>
+          </a:xfrm>
+          <a:prstGeom prst="rect">
+            <a:avLst/>
+          </a:prstGeom>
+          <a:ln w="28575">
+            <a:solidFill>
+              <a:schemeClr val="tx1"/>
+            </a:solidFill>
+          </a:ln>
+        </p:spPr>
+      </p:pic>
+      <p:pic>
+        <p:nvPicPr>
+          <p:cNvPr id="3" name="Picture 2">
+            <a:extLst>
+              <a:ext uri="{FF2B5EF4-FFF2-40B4-BE49-F238E27FC236}">
+                <a16:creationId xmlns:a16="http://schemas.microsoft.com/office/drawing/2014/main" id="{CE3A7B71-1EFF-4875-99D5-087DCE00E3B5}"/>
+              </a:ext>
+            </a:extLst>
+          </p:cNvPr>
+          <p:cNvPicPr>
+            <a:picLocks noChangeAspect="1"/>
+          </p:cNvPicPr>
+          <p:nvPr/>
+        </p:nvPicPr>
+        <p:blipFill rotWithShape="1">
+          <a:blip r:embed="rId3"/>
+          <a:srcRect b="76944"/>
+          <a:stretch/>
+        </p:blipFill>
+        <p:spPr>
+          <a:xfrm>
+            <a:off x="0" y="2354400"/>
+            <a:ext cx="12192000" cy="2149200"/>
+          </a:xfrm>
+          <a:prstGeom prst="rect">
+            <a:avLst/>
+          </a:prstGeom>
+          <a:ln w="28575">
+            <a:solidFill>
+              <a:schemeClr val="tx1"/>
+            </a:solidFill>
+          </a:ln>
+        </p:spPr>
+      </p:pic>
+      <p:pic>
+        <p:nvPicPr>
+          <p:cNvPr id="4" name="Picture 3">
+            <a:extLst>
+              <a:ext uri="{FF2B5EF4-FFF2-40B4-BE49-F238E27FC236}">
+                <a16:creationId xmlns:a16="http://schemas.microsoft.com/office/drawing/2014/main" id="{B4C0AA79-783C-4359-8D30-95F8F40BD5E1}"/>
+              </a:ext>
+            </a:extLst>
+          </p:cNvPr>
+          <p:cNvPicPr>
+            <a:picLocks noChangeAspect="1"/>
+          </p:cNvPicPr>
+          <p:nvPr/>
+        </p:nvPicPr>
+        <p:blipFill rotWithShape="1">
+          <a:blip r:embed="rId4"/>
+          <a:srcRect b="77361"/>
+          <a:stretch/>
+        </p:blipFill>
+        <p:spPr>
+          <a:xfrm>
+            <a:off x="0" y="4708800"/>
+            <a:ext cx="12192000" cy="2149200"/>
+          </a:xfrm>
+          <a:prstGeom prst="rect">
+            <a:avLst/>
+          </a:prstGeom>
+          <a:ln w="28575">
+            <a:solidFill>
+              <a:schemeClr val="tx1"/>
+            </a:solidFill>
+          </a:ln>
+        </p:spPr>
+      </p:pic>
+      <p:sp>
+        <p:nvSpPr>
+          <p:cNvPr id="5" name="TextBox 4">
+            <a:extLst>
+              <a:ext uri="{FF2B5EF4-FFF2-40B4-BE49-F238E27FC236}">
+                <a16:creationId xmlns:a16="http://schemas.microsoft.com/office/drawing/2014/main" id="{A87A28A6-4FED-4AE7-B784-034B0B74F6EC}"/>
+              </a:ext>
+            </a:extLst>
+          </p:cNvPr>
+          <p:cNvSpPr txBox="1"/>
+          <p:nvPr/>
+        </p:nvSpPr>
+        <p:spPr>
+          <a:xfrm>
+            <a:off x="2325950" y="630315"/>
+            <a:ext cx="825623" cy="390617"/>
+          </a:xfrm>
+          <a:prstGeom prst="rect">
+            <a:avLst/>
+          </a:prstGeom>
+          <a:noFill/>
+          <a:ln w="38100">
+            <a:solidFill>
+              <a:schemeClr val="accent2"/>
+            </a:solidFill>
+          </a:ln>
+        </p:spPr>
+        <p:txBody>
+          <a:bodyPr wrap="square" rtlCol="0">
+            <a:spAutoFit/>
+          </a:bodyPr>
+          <a:lstStyle/>
+          <a:p>
+            <a:endParaRPr lang="en-SG" dirty="0"/>
+          </a:p>
+        </p:txBody>
+      </p:sp>
+      <p:sp>
+        <p:nvSpPr>
+          <p:cNvPr id="13" name="TextBox 12">
+            <a:extLst>
+              <a:ext uri="{FF2B5EF4-FFF2-40B4-BE49-F238E27FC236}">
+                <a16:creationId xmlns:a16="http://schemas.microsoft.com/office/drawing/2014/main" id="{63B3C40B-5C9B-464B-8288-B8EDD9F92C1C}"/>
+              </a:ext>
+            </a:extLst>
+          </p:cNvPr>
+          <p:cNvSpPr txBox="1"/>
+          <p:nvPr/>
+        </p:nvSpPr>
+        <p:spPr>
+          <a:xfrm>
+            <a:off x="0" y="6467383"/>
+            <a:ext cx="1677880" cy="390617"/>
+          </a:xfrm>
+          <a:prstGeom prst="rect">
+            <a:avLst/>
+          </a:prstGeom>
+          <a:noFill/>
+          <a:ln w="38100">
+            <a:solidFill>
+              <a:schemeClr val="accent2"/>
+            </a:solidFill>
+          </a:ln>
+        </p:spPr>
+        <p:txBody>
+          <a:bodyPr wrap="square" rtlCol="0">
+            <a:spAutoFit/>
+          </a:bodyPr>
+          <a:lstStyle/>
+          <a:p>
+            <a:endParaRPr lang="en-SG" dirty="0"/>
+          </a:p>
+        </p:txBody>
+      </p:sp>
+      <p:sp>
+        <p:nvSpPr>
+          <p:cNvPr id="14" name="TextBox 13">
+            <a:extLst>
+              <a:ext uri="{FF2B5EF4-FFF2-40B4-BE49-F238E27FC236}">
+                <a16:creationId xmlns:a16="http://schemas.microsoft.com/office/drawing/2014/main" id="{2637A608-41FA-44FF-A17B-DCA72F94BA59}"/>
+              </a:ext>
+            </a:extLst>
+          </p:cNvPr>
+          <p:cNvSpPr txBox="1"/>
+          <p:nvPr/>
+        </p:nvSpPr>
+        <p:spPr>
+          <a:xfrm>
+            <a:off x="2281561" y="5392783"/>
+            <a:ext cx="870011" cy="390617"/>
+          </a:xfrm>
+          <a:prstGeom prst="rect">
+            <a:avLst/>
+          </a:prstGeom>
+          <a:noFill/>
+          <a:ln w="38100">
+            <a:solidFill>
+              <a:schemeClr val="accent2"/>
+            </a:solidFill>
+          </a:ln>
+        </p:spPr>
+        <p:txBody>
+          <a:bodyPr wrap="square" rtlCol="0">
+            <a:spAutoFit/>
+          </a:bodyPr>
+          <a:lstStyle/>
+          <a:p>
+            <a:endParaRPr lang="en-SG" dirty="0"/>
+          </a:p>
+        </p:txBody>
+      </p:sp>
+      <p:sp>
+        <p:nvSpPr>
+          <p:cNvPr id="15" name="TextBox 14">
+            <a:extLst>
+              <a:ext uri="{FF2B5EF4-FFF2-40B4-BE49-F238E27FC236}">
+                <a16:creationId xmlns:a16="http://schemas.microsoft.com/office/drawing/2014/main" id="{CB9E914C-42A3-4021-AE14-092456223B4A}"/>
+              </a:ext>
+            </a:extLst>
+          </p:cNvPr>
+          <p:cNvSpPr txBox="1"/>
+          <p:nvPr/>
+        </p:nvSpPr>
+        <p:spPr>
+          <a:xfrm>
+            <a:off x="0" y="4113047"/>
+            <a:ext cx="1597981" cy="390617"/>
+          </a:xfrm>
+          <a:prstGeom prst="rect">
+            <a:avLst/>
+          </a:prstGeom>
+          <a:noFill/>
+          <a:ln w="38100">
+            <a:solidFill>
+              <a:schemeClr val="accent2"/>
+            </a:solidFill>
+          </a:ln>
+        </p:spPr>
+        <p:txBody>
+          <a:bodyPr wrap="square" rtlCol="0">
+            <a:spAutoFit/>
+          </a:bodyPr>
+          <a:lstStyle/>
+          <a:p>
+            <a:endParaRPr lang="en-SG" dirty="0"/>
+          </a:p>
+        </p:txBody>
+      </p:sp>
+      <p:sp>
+        <p:nvSpPr>
+          <p:cNvPr id="16" name="TextBox 15">
+            <a:extLst>
+              <a:ext uri="{FF2B5EF4-FFF2-40B4-BE49-F238E27FC236}">
+                <a16:creationId xmlns:a16="http://schemas.microsoft.com/office/drawing/2014/main" id="{8992D0BF-423B-41F1-B98C-519B8EE0CBC2}"/>
+              </a:ext>
+            </a:extLst>
+          </p:cNvPr>
+          <p:cNvSpPr txBox="1"/>
+          <p:nvPr/>
+        </p:nvSpPr>
+        <p:spPr>
+          <a:xfrm>
+            <a:off x="2281561" y="2998498"/>
+            <a:ext cx="914400" cy="390617"/>
+          </a:xfrm>
+          <a:prstGeom prst="rect">
+            <a:avLst/>
+          </a:prstGeom>
+          <a:noFill/>
+          <a:ln w="38100">
+            <a:solidFill>
+              <a:schemeClr val="accent2"/>
+            </a:solidFill>
+          </a:ln>
+        </p:spPr>
+        <p:txBody>
+          <a:bodyPr wrap="square" rtlCol="0">
+            <a:spAutoFit/>
+          </a:bodyPr>
+          <a:lstStyle/>
+          <a:p>
+            <a:endParaRPr lang="en-SG" dirty="0"/>
+          </a:p>
+        </p:txBody>
+      </p:sp>
+      <p:sp>
+        <p:nvSpPr>
+          <p:cNvPr id="17" name="TextBox 16">
+            <a:extLst>
+              <a:ext uri="{FF2B5EF4-FFF2-40B4-BE49-F238E27FC236}">
+                <a16:creationId xmlns:a16="http://schemas.microsoft.com/office/drawing/2014/main" id="{F0AAAB23-3DCD-4A6A-BC4B-143B7DD83B23}"/>
+              </a:ext>
+            </a:extLst>
+          </p:cNvPr>
+          <p:cNvSpPr txBox="1"/>
+          <p:nvPr/>
+        </p:nvSpPr>
+        <p:spPr>
+          <a:xfrm>
+            <a:off x="0" y="1782932"/>
+            <a:ext cx="1597981" cy="390617"/>
+          </a:xfrm>
+          <a:prstGeom prst="rect">
+            <a:avLst/>
+          </a:prstGeom>
+          <a:noFill/>
+          <a:ln w="38100">
+            <a:solidFill>
+              <a:schemeClr val="accent2"/>
+            </a:solidFill>
+          </a:ln>
+        </p:spPr>
+        <p:txBody>
+          <a:bodyPr wrap="square" rtlCol="0">
+            <a:spAutoFit/>
+          </a:bodyPr>
+          <a:lstStyle/>
+          <a:p>
+            <a:endParaRPr lang="en-SG" dirty="0"/>
+          </a:p>
+        </p:txBody>
+      </p:sp>
+      <p:sp>
+        <p:nvSpPr>
+          <p:cNvPr id="18" name="Text Box 2">
+            <a:extLst>
+              <a:ext uri="{FF2B5EF4-FFF2-40B4-BE49-F238E27FC236}">
+                <a16:creationId xmlns:a16="http://schemas.microsoft.com/office/drawing/2014/main" id="{6C2DD9F2-B817-4263-8C0B-2A1A9BEACB7A}"/>
+              </a:ext>
+            </a:extLst>
+          </p:cNvPr>
+          <p:cNvSpPr txBox="1">
+            <a:spLocks noChangeArrowheads="1"/>
+          </p:cNvSpPr>
+          <p:nvPr/>
+        </p:nvSpPr>
+        <p:spPr bwMode="auto">
+          <a:xfrm>
+            <a:off x="3854388" y="1745771"/>
+            <a:ext cx="5449410" cy="337353"/>
+          </a:xfrm>
+          <a:prstGeom prst="rect">
+            <a:avLst/>
+          </a:prstGeom>
+          <a:solidFill>
+            <a:schemeClr val="accent2"/>
+          </a:solidFill>
+          <a:ln w="9525">
+            <a:solidFill>
+              <a:srgbClr val="000000"/>
+            </a:solidFill>
+            <a:miter lim="800000"/>
+            <a:headEnd/>
+            <a:tailEnd/>
+          </a:ln>
+        </p:spPr>
+        <p:txBody>
+          <a:bodyPr rot="0" vert="horz" wrap="square" lIns="91440" tIns="45720" rIns="91440" bIns="45720" anchor="t" anchorCtr="0">
+            <a:noAutofit/>
+          </a:bodyPr>
+          <a:lstStyle/>
+          <a:p>
+            <a:pPr>
+              <a:lnSpc>
+                <a:spcPct val="107000"/>
+              </a:lnSpc>
+              <a:spcAft>
+                <a:spcPts val="800"/>
+              </a:spcAft>
+            </a:pPr>
+            <a:r>
+              <a:rPr lang="en-SG" sz="1200" b="1" dirty="0">
+                <a:solidFill>
+                  <a:schemeClr val="bg1"/>
+                </a:solidFill>
+                <a:latin typeface="Arial Nova Cond" panose="020B0506020202020204" pitchFamily="34" charset="0"/>
+                <a:ea typeface="Calibri" panose="020F0502020204030204" pitchFamily="34" charset="0"/>
+                <a:cs typeface="Times New Roman" panose="02020603050405020304" pitchFamily="18" charset="0"/>
+              </a:rPr>
+              <a:t>2. The input gets automatically translated to the target date in DD/MM/YYYY format.</a:t>
+            </a:r>
+            <a:endParaRPr lang="en-SG" sz="1200" dirty="0">
+              <a:solidFill>
+                <a:schemeClr val="bg1"/>
+              </a:solidFill>
+              <a:effectLst/>
+              <a:latin typeface="Calibri" panose="020F0502020204030204" pitchFamily="34" charset="0"/>
+              <a:ea typeface="Calibri" panose="020F0502020204030204" pitchFamily="34" charset="0"/>
+              <a:cs typeface="Times New Roman" panose="02020603050405020304" pitchFamily="18" charset="0"/>
+            </a:endParaRPr>
+          </a:p>
+        </p:txBody>
+      </p:sp>
+      <p:sp>
+        <p:nvSpPr>
+          <p:cNvPr id="19" name="Text Box 2">
+            <a:extLst>
+              <a:ext uri="{FF2B5EF4-FFF2-40B4-BE49-F238E27FC236}">
+                <a16:creationId xmlns:a16="http://schemas.microsoft.com/office/drawing/2014/main" id="{6D51E8B5-4233-4804-8E26-6953209E0E7D}"/>
+              </a:ext>
+            </a:extLst>
+          </p:cNvPr>
+          <p:cNvSpPr txBox="1">
+            <a:spLocks noChangeArrowheads="1"/>
+          </p:cNvSpPr>
+          <p:nvPr/>
+        </p:nvSpPr>
+        <p:spPr bwMode="auto">
+          <a:xfrm>
+            <a:off x="3854388" y="4116046"/>
+            <a:ext cx="5449410" cy="337353"/>
+          </a:xfrm>
+          <a:prstGeom prst="rect">
+            <a:avLst/>
+          </a:prstGeom>
+          <a:solidFill>
+            <a:schemeClr val="accent2"/>
+          </a:solidFill>
+          <a:ln w="9525">
+            <a:solidFill>
+              <a:srgbClr val="000000"/>
+            </a:solidFill>
+            <a:miter lim="800000"/>
+            <a:headEnd/>
+            <a:tailEnd/>
+          </a:ln>
+        </p:spPr>
+        <p:txBody>
+          <a:bodyPr rot="0" vert="horz" wrap="square" lIns="91440" tIns="45720" rIns="91440" bIns="45720" anchor="t" anchorCtr="0">
+            <a:noAutofit/>
+          </a:bodyPr>
+          <a:lstStyle/>
+          <a:p>
+            <a:pPr>
+              <a:lnSpc>
+                <a:spcPct val="107000"/>
+              </a:lnSpc>
+              <a:spcAft>
+                <a:spcPts val="800"/>
+              </a:spcAft>
+            </a:pPr>
+            <a:r>
+              <a:rPr lang="en-SG" sz="1200" b="1" dirty="0">
+                <a:solidFill>
+                  <a:schemeClr val="bg1"/>
+                </a:solidFill>
+                <a:latin typeface="Arial Nova Cond" panose="020B0506020202020204" pitchFamily="34" charset="0"/>
+                <a:ea typeface="Calibri" panose="020F0502020204030204" pitchFamily="34" charset="0"/>
+                <a:cs typeface="Times New Roman" panose="02020603050405020304" pitchFamily="18" charset="0"/>
+              </a:rPr>
+              <a:t>2. The input gets automatically translated to the target date in DD/MM/YYYY format.</a:t>
+            </a:r>
+            <a:endParaRPr lang="en-SG" sz="1200" dirty="0">
+              <a:solidFill>
+                <a:schemeClr val="bg1"/>
+              </a:solidFill>
+              <a:effectLst/>
+              <a:latin typeface="Calibri" panose="020F0502020204030204" pitchFamily="34" charset="0"/>
+              <a:ea typeface="Calibri" panose="020F0502020204030204" pitchFamily="34" charset="0"/>
+              <a:cs typeface="Times New Roman" panose="02020603050405020304" pitchFamily="18" charset="0"/>
+            </a:endParaRPr>
+          </a:p>
+        </p:txBody>
+      </p:sp>
+      <p:sp>
+        <p:nvSpPr>
+          <p:cNvPr id="20" name="Text Box 2">
+            <a:extLst>
+              <a:ext uri="{FF2B5EF4-FFF2-40B4-BE49-F238E27FC236}">
+                <a16:creationId xmlns:a16="http://schemas.microsoft.com/office/drawing/2014/main" id="{922361C9-8E41-43AA-A166-128528E4B0C5}"/>
+              </a:ext>
+            </a:extLst>
+          </p:cNvPr>
+          <p:cNvSpPr txBox="1">
+            <a:spLocks noChangeArrowheads="1"/>
+          </p:cNvSpPr>
+          <p:nvPr/>
+        </p:nvSpPr>
+        <p:spPr bwMode="auto">
+          <a:xfrm>
+            <a:off x="3854388" y="6494014"/>
+            <a:ext cx="5449410" cy="337353"/>
+          </a:xfrm>
+          <a:prstGeom prst="rect">
+            <a:avLst/>
+          </a:prstGeom>
+          <a:solidFill>
+            <a:schemeClr val="accent2"/>
+          </a:solidFill>
+          <a:ln w="9525">
+            <a:solidFill>
+              <a:srgbClr val="000000"/>
+            </a:solidFill>
+            <a:miter lim="800000"/>
+            <a:headEnd/>
+            <a:tailEnd/>
+          </a:ln>
+        </p:spPr>
+        <p:txBody>
+          <a:bodyPr rot="0" vert="horz" wrap="square" lIns="91440" tIns="45720" rIns="91440" bIns="45720" anchor="t" anchorCtr="0">
+            <a:noAutofit/>
+          </a:bodyPr>
+          <a:lstStyle/>
+          <a:p>
+            <a:pPr>
+              <a:lnSpc>
+                <a:spcPct val="107000"/>
+              </a:lnSpc>
+              <a:spcAft>
+                <a:spcPts val="800"/>
+              </a:spcAft>
+            </a:pPr>
+            <a:r>
+              <a:rPr lang="en-SG" sz="1200" b="1" dirty="0">
+                <a:solidFill>
+                  <a:schemeClr val="bg1"/>
+                </a:solidFill>
+                <a:latin typeface="Arial Nova Cond" panose="020B0506020202020204" pitchFamily="34" charset="0"/>
+                <a:ea typeface="Calibri" panose="020F0502020204030204" pitchFamily="34" charset="0"/>
+                <a:cs typeface="Times New Roman" panose="02020603050405020304" pitchFamily="18" charset="0"/>
+              </a:rPr>
+              <a:t>2. The input gets automatically translated to the target date in DD/MM/YYYY format.</a:t>
+            </a:r>
+            <a:endParaRPr lang="en-SG" sz="1200" dirty="0">
+              <a:solidFill>
+                <a:schemeClr val="bg1"/>
+              </a:solidFill>
+              <a:effectLst/>
+              <a:latin typeface="Calibri" panose="020F0502020204030204" pitchFamily="34" charset="0"/>
+              <a:ea typeface="Calibri" panose="020F0502020204030204" pitchFamily="34" charset="0"/>
+              <a:cs typeface="Times New Roman" panose="02020603050405020304" pitchFamily="18" charset="0"/>
+            </a:endParaRPr>
+          </a:p>
+        </p:txBody>
+      </p:sp>
+      <p:sp>
+        <p:nvSpPr>
+          <p:cNvPr id="21" name="Text Box 2">
+            <a:extLst>
+              <a:ext uri="{FF2B5EF4-FFF2-40B4-BE49-F238E27FC236}">
+                <a16:creationId xmlns:a16="http://schemas.microsoft.com/office/drawing/2014/main" id="{A3D28800-973B-4B6F-8951-47D7D9BC4B77}"/>
+              </a:ext>
+            </a:extLst>
+          </p:cNvPr>
+          <p:cNvSpPr txBox="1">
+            <a:spLocks noChangeArrowheads="1"/>
+          </p:cNvSpPr>
+          <p:nvPr/>
+        </p:nvSpPr>
+        <p:spPr bwMode="auto">
+          <a:xfrm>
+            <a:off x="5501986" y="604558"/>
+            <a:ext cx="3801812" cy="442129"/>
+          </a:xfrm>
+          <a:prstGeom prst="rect">
+            <a:avLst/>
+          </a:prstGeom>
+          <a:solidFill>
+            <a:schemeClr val="accent2"/>
+          </a:solidFill>
+          <a:ln w="9525">
+            <a:solidFill>
+              <a:srgbClr val="000000"/>
+            </a:solidFill>
+            <a:miter lim="800000"/>
+            <a:headEnd/>
+            <a:tailEnd/>
+          </a:ln>
+        </p:spPr>
+        <p:txBody>
+          <a:bodyPr rot="0" vert="horz" wrap="square" lIns="91440" tIns="45720" rIns="91440" bIns="45720" anchor="t" anchorCtr="0">
+            <a:noAutofit/>
+          </a:bodyPr>
+          <a:lstStyle/>
+          <a:p>
+            <a:pPr>
+              <a:lnSpc>
+                <a:spcPct val="107000"/>
+              </a:lnSpc>
+              <a:spcAft>
+                <a:spcPts val="800"/>
+              </a:spcAft>
+            </a:pPr>
+            <a:r>
+              <a:rPr lang="en-SG" sz="1200" b="1" dirty="0">
+                <a:solidFill>
+                  <a:schemeClr val="bg1"/>
+                </a:solidFill>
+                <a:latin typeface="Arial Nova Cond" panose="020B0506020202020204" pitchFamily="34" charset="0"/>
+                <a:ea typeface="Calibri" panose="020F0502020204030204" pitchFamily="34" charset="0"/>
+                <a:cs typeface="Times New Roman" panose="02020603050405020304" pitchFamily="18" charset="0"/>
+              </a:rPr>
+              <a:t>1. User has targeted the current week’s Thursday as the start date of the project.</a:t>
+            </a:r>
+            <a:endParaRPr lang="en-SG" sz="1200" dirty="0">
+              <a:solidFill>
+                <a:schemeClr val="bg1"/>
+              </a:solidFill>
+              <a:effectLst/>
+              <a:latin typeface="Calibri" panose="020F0502020204030204" pitchFamily="34" charset="0"/>
+              <a:ea typeface="Calibri" panose="020F0502020204030204" pitchFamily="34" charset="0"/>
+              <a:cs typeface="Times New Roman" panose="02020603050405020304" pitchFamily="18" charset="0"/>
+            </a:endParaRPr>
+          </a:p>
+        </p:txBody>
+      </p:sp>
+      <p:sp>
+        <p:nvSpPr>
+          <p:cNvPr id="23" name="Text Box 2">
+            <a:extLst>
+              <a:ext uri="{FF2B5EF4-FFF2-40B4-BE49-F238E27FC236}">
+                <a16:creationId xmlns:a16="http://schemas.microsoft.com/office/drawing/2014/main" id="{3F18C01D-B380-4302-B8DC-9A9D24A99102}"/>
+              </a:ext>
+            </a:extLst>
+          </p:cNvPr>
+          <p:cNvSpPr txBox="1">
+            <a:spLocks noChangeArrowheads="1"/>
+          </p:cNvSpPr>
+          <p:nvPr/>
+        </p:nvSpPr>
+        <p:spPr bwMode="auto">
+          <a:xfrm>
+            <a:off x="5501986" y="2944858"/>
+            <a:ext cx="3801812" cy="442129"/>
+          </a:xfrm>
+          <a:prstGeom prst="rect">
+            <a:avLst/>
+          </a:prstGeom>
+          <a:solidFill>
+            <a:schemeClr val="accent2"/>
+          </a:solidFill>
+          <a:ln w="9525">
+            <a:solidFill>
+              <a:srgbClr val="000000"/>
+            </a:solidFill>
+            <a:miter lim="800000"/>
+            <a:headEnd/>
+            <a:tailEnd/>
+          </a:ln>
+        </p:spPr>
+        <p:txBody>
+          <a:bodyPr rot="0" vert="horz" wrap="square" lIns="91440" tIns="45720" rIns="91440" bIns="45720" anchor="t" anchorCtr="0">
+            <a:noAutofit/>
+          </a:bodyPr>
+          <a:lstStyle/>
+          <a:p>
+            <a:pPr>
+              <a:lnSpc>
+                <a:spcPct val="107000"/>
+              </a:lnSpc>
+              <a:spcAft>
+                <a:spcPts val="800"/>
+              </a:spcAft>
+            </a:pPr>
+            <a:r>
+              <a:rPr lang="en-SG" sz="1200" b="1" dirty="0">
+                <a:solidFill>
+                  <a:schemeClr val="bg1"/>
+                </a:solidFill>
+                <a:latin typeface="Arial Nova Cond" panose="020B0506020202020204" pitchFamily="34" charset="0"/>
+                <a:ea typeface="Calibri" panose="020F0502020204030204" pitchFamily="34" charset="0"/>
+                <a:cs typeface="Times New Roman" panose="02020603050405020304" pitchFamily="18" charset="0"/>
+              </a:rPr>
+              <a:t>1. User has targeted next week’s Sunday as the start date of the project.</a:t>
+            </a:r>
+            <a:endParaRPr lang="en-SG" sz="1200" dirty="0">
+              <a:solidFill>
+                <a:schemeClr val="bg1"/>
+              </a:solidFill>
+              <a:effectLst/>
+              <a:latin typeface="Calibri" panose="020F0502020204030204" pitchFamily="34" charset="0"/>
+              <a:ea typeface="Calibri" panose="020F0502020204030204" pitchFamily="34" charset="0"/>
+              <a:cs typeface="Times New Roman" panose="02020603050405020304" pitchFamily="18" charset="0"/>
+            </a:endParaRPr>
+          </a:p>
+        </p:txBody>
+      </p:sp>
+      <p:sp>
+        <p:nvSpPr>
+          <p:cNvPr id="24" name="Text Box 2">
+            <a:extLst>
+              <a:ext uri="{FF2B5EF4-FFF2-40B4-BE49-F238E27FC236}">
+                <a16:creationId xmlns:a16="http://schemas.microsoft.com/office/drawing/2014/main" id="{57B51589-A79D-4ED1-8312-55D7C2FB4B2D}"/>
+              </a:ext>
+            </a:extLst>
+          </p:cNvPr>
+          <p:cNvSpPr txBox="1">
+            <a:spLocks noChangeArrowheads="1"/>
+          </p:cNvSpPr>
+          <p:nvPr/>
+        </p:nvSpPr>
+        <p:spPr bwMode="auto">
+          <a:xfrm>
+            <a:off x="5501986" y="5308848"/>
+            <a:ext cx="3801812" cy="473568"/>
+          </a:xfrm>
+          <a:prstGeom prst="rect">
+            <a:avLst/>
+          </a:prstGeom>
+          <a:solidFill>
+            <a:schemeClr val="accent2"/>
+          </a:solidFill>
+          <a:ln w="9525">
+            <a:solidFill>
+              <a:srgbClr val="000000"/>
+            </a:solidFill>
+            <a:miter lim="800000"/>
+            <a:headEnd/>
+            <a:tailEnd/>
+          </a:ln>
+        </p:spPr>
+        <p:txBody>
+          <a:bodyPr rot="0" vert="horz" wrap="square" lIns="91440" tIns="45720" rIns="91440" bIns="45720" anchor="t" anchorCtr="0">
+            <a:noAutofit/>
+          </a:bodyPr>
+          <a:lstStyle/>
+          <a:p>
+            <a:pPr>
+              <a:lnSpc>
+                <a:spcPct val="107000"/>
+              </a:lnSpc>
+              <a:spcAft>
+                <a:spcPts val="800"/>
+              </a:spcAft>
+            </a:pPr>
+            <a:r>
+              <a:rPr lang="en-SG" sz="1200" b="1" dirty="0">
+                <a:solidFill>
+                  <a:schemeClr val="bg1"/>
+                </a:solidFill>
+                <a:latin typeface="Arial Nova Cond" panose="020B0506020202020204" pitchFamily="34" charset="0"/>
+                <a:ea typeface="Calibri" panose="020F0502020204030204" pitchFamily="34" charset="0"/>
+                <a:cs typeface="Times New Roman" panose="02020603050405020304" pitchFamily="18" charset="0"/>
+              </a:rPr>
+              <a:t>1. User has targeted last week’s Tuesday as the start date of the project.</a:t>
+            </a:r>
+            <a:endParaRPr lang="en-SG" sz="1200" dirty="0">
+              <a:solidFill>
+                <a:schemeClr val="bg1"/>
+              </a:solidFill>
+              <a:effectLst/>
+              <a:latin typeface="Calibri" panose="020F0502020204030204" pitchFamily="34" charset="0"/>
+              <a:ea typeface="Calibri" panose="020F0502020204030204" pitchFamily="34" charset="0"/>
+              <a:cs typeface="Times New Roman" panose="02020603050405020304" pitchFamily="18" charset="0"/>
+            </a:endParaRPr>
+          </a:p>
+        </p:txBody>
+      </p:sp>
+      <p:cxnSp>
+        <p:nvCxnSpPr>
+          <p:cNvPr id="26" name="Straight Arrow Connector 25">
+            <a:extLst>
+              <a:ext uri="{FF2B5EF4-FFF2-40B4-BE49-F238E27FC236}">
+                <a16:creationId xmlns:a16="http://schemas.microsoft.com/office/drawing/2014/main" id="{D117CB08-1A0F-47B7-8B6D-3072ABF2AEE2}"/>
+              </a:ext>
+            </a:extLst>
+          </p:cNvPr>
+          <p:cNvCxnSpPr>
+            <a:stCxn id="21" idx="1"/>
+          </p:cNvCxnSpPr>
+          <p:nvPr/>
+        </p:nvCxnSpPr>
+        <p:spPr>
+          <a:xfrm flipH="1">
+            <a:off x="4012707" y="825623"/>
+            <a:ext cx="1489279" cy="0"/>
+          </a:xfrm>
+          <a:prstGeom prst="straightConnector1">
+            <a:avLst/>
+          </a:prstGeom>
+          <a:ln>
+            <a:tailEnd type="triangle"/>
+          </a:ln>
+        </p:spPr>
+        <p:style>
+          <a:lnRef idx="1">
+            <a:schemeClr val="accent2"/>
+          </a:lnRef>
+          <a:fillRef idx="0">
+            <a:schemeClr val="accent2"/>
+          </a:fillRef>
+          <a:effectRef idx="0">
+            <a:schemeClr val="accent2"/>
+          </a:effectRef>
+          <a:fontRef idx="minor">
+            <a:schemeClr val="tx1"/>
+          </a:fontRef>
+        </p:style>
+      </p:cxnSp>
+      <p:cxnSp>
+        <p:nvCxnSpPr>
+          <p:cNvPr id="28" name="Straight Arrow Connector 27">
+            <a:extLst>
+              <a:ext uri="{FF2B5EF4-FFF2-40B4-BE49-F238E27FC236}">
+                <a16:creationId xmlns:a16="http://schemas.microsoft.com/office/drawing/2014/main" id="{3212EA81-6BA6-4C8C-928C-404DAC2531C0}"/>
+              </a:ext>
+            </a:extLst>
+          </p:cNvPr>
+          <p:cNvCxnSpPr>
+            <a:stCxn id="18" idx="1"/>
+          </p:cNvCxnSpPr>
+          <p:nvPr/>
+        </p:nvCxnSpPr>
+        <p:spPr>
+          <a:xfrm flipH="1">
+            <a:off x="1677880" y="1914448"/>
+            <a:ext cx="2176508" cy="12006"/>
+          </a:xfrm>
+          <a:prstGeom prst="straightConnector1">
+            <a:avLst/>
+          </a:prstGeom>
+          <a:ln>
+            <a:tailEnd type="triangle"/>
+          </a:ln>
+        </p:spPr>
+        <p:style>
+          <a:lnRef idx="1">
+            <a:schemeClr val="accent2"/>
+          </a:lnRef>
+          <a:fillRef idx="0">
+            <a:schemeClr val="accent2"/>
+          </a:fillRef>
+          <a:effectRef idx="0">
+            <a:schemeClr val="accent2"/>
+          </a:effectRef>
+          <a:fontRef idx="minor">
+            <a:schemeClr val="tx1"/>
+          </a:fontRef>
+        </p:style>
+      </p:cxnSp>
+      <p:cxnSp>
+        <p:nvCxnSpPr>
+          <p:cNvPr id="29" name="Straight Arrow Connector 28">
+            <a:extLst>
+              <a:ext uri="{FF2B5EF4-FFF2-40B4-BE49-F238E27FC236}">
+                <a16:creationId xmlns:a16="http://schemas.microsoft.com/office/drawing/2014/main" id="{AED779A5-AE88-4FF8-8318-DCDF7C61EAF2}"/>
+              </a:ext>
+            </a:extLst>
+          </p:cNvPr>
+          <p:cNvCxnSpPr/>
+          <p:nvPr/>
+        </p:nvCxnSpPr>
+        <p:spPr>
+          <a:xfrm flipH="1">
+            <a:off x="4012707" y="5550023"/>
+            <a:ext cx="1489279" cy="0"/>
+          </a:xfrm>
+          <a:prstGeom prst="straightConnector1">
+            <a:avLst/>
+          </a:prstGeom>
+          <a:ln>
+            <a:tailEnd type="triangle"/>
+          </a:ln>
+        </p:spPr>
+        <p:style>
+          <a:lnRef idx="1">
+            <a:schemeClr val="accent2"/>
+          </a:lnRef>
+          <a:fillRef idx="0">
+            <a:schemeClr val="accent2"/>
+          </a:fillRef>
+          <a:effectRef idx="0">
+            <a:schemeClr val="accent2"/>
+          </a:effectRef>
+          <a:fontRef idx="minor">
+            <a:schemeClr val="tx1"/>
+          </a:fontRef>
+        </p:style>
+      </p:cxnSp>
+      <p:cxnSp>
+        <p:nvCxnSpPr>
+          <p:cNvPr id="30" name="Straight Arrow Connector 29">
+            <a:extLst>
+              <a:ext uri="{FF2B5EF4-FFF2-40B4-BE49-F238E27FC236}">
+                <a16:creationId xmlns:a16="http://schemas.microsoft.com/office/drawing/2014/main" id="{D4AED6CA-D7FB-4D83-9B62-20025556FA1A}"/>
+              </a:ext>
+            </a:extLst>
+          </p:cNvPr>
+          <p:cNvCxnSpPr/>
+          <p:nvPr/>
+        </p:nvCxnSpPr>
+        <p:spPr>
+          <a:xfrm flipH="1">
+            <a:off x="4012707" y="3172287"/>
+            <a:ext cx="1489279" cy="0"/>
+          </a:xfrm>
+          <a:prstGeom prst="straightConnector1">
+            <a:avLst/>
+          </a:prstGeom>
+          <a:ln>
+            <a:tailEnd type="triangle"/>
+          </a:ln>
+        </p:spPr>
+        <p:style>
+          <a:lnRef idx="1">
+            <a:schemeClr val="accent2"/>
+          </a:lnRef>
+          <a:fillRef idx="0">
+            <a:schemeClr val="accent2"/>
+          </a:fillRef>
+          <a:effectRef idx="0">
+            <a:schemeClr val="accent2"/>
+          </a:effectRef>
+          <a:fontRef idx="minor">
+            <a:schemeClr val="tx1"/>
+          </a:fontRef>
+        </p:style>
+      </p:cxnSp>
+      <p:cxnSp>
+        <p:nvCxnSpPr>
+          <p:cNvPr id="31" name="Straight Arrow Connector 30">
+            <a:extLst>
+              <a:ext uri="{FF2B5EF4-FFF2-40B4-BE49-F238E27FC236}">
+                <a16:creationId xmlns:a16="http://schemas.microsoft.com/office/drawing/2014/main" id="{9CFBD5E7-ED48-425E-8C65-5AF82C2C2792}"/>
+              </a:ext>
+            </a:extLst>
+          </p:cNvPr>
+          <p:cNvCxnSpPr>
+            <a:cxnSpLocks/>
+          </p:cNvCxnSpPr>
+          <p:nvPr/>
+        </p:nvCxnSpPr>
+        <p:spPr>
+          <a:xfrm flipH="1">
+            <a:off x="1802167" y="6650684"/>
+            <a:ext cx="2052221" cy="12006"/>
+          </a:xfrm>
+          <a:prstGeom prst="straightConnector1">
+            <a:avLst/>
+          </a:prstGeom>
+          <a:ln>
+            <a:tailEnd type="triangle"/>
+          </a:ln>
+        </p:spPr>
+        <p:style>
+          <a:lnRef idx="1">
+            <a:schemeClr val="accent2"/>
+          </a:lnRef>
+          <a:fillRef idx="0">
+            <a:schemeClr val="accent2"/>
+          </a:fillRef>
+          <a:effectRef idx="0">
+            <a:schemeClr val="accent2"/>
+          </a:effectRef>
+          <a:fontRef idx="minor">
+            <a:schemeClr val="tx1"/>
+          </a:fontRef>
+        </p:style>
+      </p:cxnSp>
+      <p:cxnSp>
+        <p:nvCxnSpPr>
+          <p:cNvPr id="32" name="Straight Arrow Connector 31">
+            <a:extLst>
+              <a:ext uri="{FF2B5EF4-FFF2-40B4-BE49-F238E27FC236}">
+                <a16:creationId xmlns:a16="http://schemas.microsoft.com/office/drawing/2014/main" id="{EF0E72C8-BDEA-41BA-BAE5-53DE89C20F90}"/>
+              </a:ext>
+            </a:extLst>
+          </p:cNvPr>
+          <p:cNvCxnSpPr/>
+          <p:nvPr/>
+        </p:nvCxnSpPr>
+        <p:spPr>
+          <a:xfrm flipH="1">
+            <a:off x="1677880" y="4290302"/>
+            <a:ext cx="2176508" cy="12006"/>
+          </a:xfrm>
+          <a:prstGeom prst="straightConnector1">
+            <a:avLst/>
+          </a:prstGeom>
+          <a:ln>
+            <a:tailEnd type="triangle"/>
+          </a:ln>
+        </p:spPr>
+        <p:style>
+          <a:lnRef idx="1">
+            <a:schemeClr val="accent2"/>
+          </a:lnRef>
+          <a:fillRef idx="0">
+            <a:schemeClr val="accent2"/>
+          </a:fillRef>
+          <a:effectRef idx="0">
+            <a:schemeClr val="accent2"/>
+          </a:effectRef>
+          <a:fontRef idx="minor">
+            <a:schemeClr val="tx1"/>
+          </a:fontRef>
+        </p:style>
+      </p:cxnSp>
+      <p:sp>
+        <p:nvSpPr>
+          <p:cNvPr id="34" name="TextBox 33">
+            <a:extLst>
+              <a:ext uri="{FF2B5EF4-FFF2-40B4-BE49-F238E27FC236}">
+                <a16:creationId xmlns:a16="http://schemas.microsoft.com/office/drawing/2014/main" id="{BDB7337A-43BE-424E-8DE4-D94206CA03AA}"/>
+              </a:ext>
+            </a:extLst>
+          </p:cNvPr>
+          <p:cNvSpPr txBox="1"/>
+          <p:nvPr/>
+        </p:nvSpPr>
+        <p:spPr>
+          <a:xfrm>
+            <a:off x="9590843" y="1109709"/>
+            <a:ext cx="2402889" cy="584775"/>
+          </a:xfrm>
+          <a:prstGeom prst="rect">
+            <a:avLst/>
+          </a:prstGeom>
+          <a:solidFill>
+            <a:schemeClr val="accent2"/>
+          </a:solidFill>
+          <a:ln>
+            <a:solidFill>
+              <a:schemeClr val="tx1"/>
+            </a:solidFill>
+          </a:ln>
+        </p:spPr>
+        <p:txBody>
+          <a:bodyPr wrap="square" rtlCol="0">
+            <a:spAutoFit/>
+          </a:bodyPr>
+          <a:lstStyle/>
+          <a:p>
+            <a:r>
+              <a:rPr lang="en-SG" sz="1600" b="1" dirty="0">
+                <a:solidFill>
+                  <a:schemeClr val="bg1"/>
+                </a:solidFill>
+                <a:latin typeface="Arial Nova Cond" panose="020B0506020202020204" pitchFamily="34" charset="0"/>
+              </a:rPr>
+              <a:t>Example 1: </a:t>
+            </a:r>
+          </a:p>
+          <a:p>
+            <a:r>
+              <a:rPr lang="en-SG" sz="1600" b="1" dirty="0">
+                <a:solidFill>
+                  <a:schemeClr val="bg1"/>
+                </a:solidFill>
+                <a:latin typeface="Arial Nova Cond" panose="020B0506020202020204" pitchFamily="34" charset="0"/>
+              </a:rPr>
+              <a:t>this week DAY_OF_WEEK</a:t>
+            </a:r>
+          </a:p>
+        </p:txBody>
+      </p:sp>
+      <p:sp>
+        <p:nvSpPr>
+          <p:cNvPr id="37" name="TextBox 36">
+            <a:extLst>
+              <a:ext uri="{FF2B5EF4-FFF2-40B4-BE49-F238E27FC236}">
+                <a16:creationId xmlns:a16="http://schemas.microsoft.com/office/drawing/2014/main" id="{2B43A82D-2882-4795-BE28-3094197F8A8B}"/>
+              </a:ext>
+            </a:extLst>
+          </p:cNvPr>
+          <p:cNvSpPr txBox="1"/>
+          <p:nvPr/>
+        </p:nvSpPr>
+        <p:spPr>
+          <a:xfrm>
+            <a:off x="9590842" y="3455962"/>
+            <a:ext cx="2402889" cy="584775"/>
+          </a:xfrm>
+          <a:prstGeom prst="rect">
+            <a:avLst/>
+          </a:prstGeom>
+          <a:solidFill>
+            <a:schemeClr val="accent2"/>
+          </a:solidFill>
+          <a:ln>
+            <a:solidFill>
+              <a:schemeClr val="tx1"/>
+            </a:solidFill>
+          </a:ln>
+        </p:spPr>
+        <p:txBody>
+          <a:bodyPr wrap="square" rtlCol="0">
+            <a:spAutoFit/>
+          </a:bodyPr>
+          <a:lstStyle/>
+          <a:p>
+            <a:r>
+              <a:rPr lang="en-SG" sz="1600" b="1" dirty="0">
+                <a:solidFill>
+                  <a:schemeClr val="bg1"/>
+                </a:solidFill>
+                <a:latin typeface="Arial Nova Cond" panose="020B0506020202020204" pitchFamily="34" charset="0"/>
+              </a:rPr>
+              <a:t>Example 2: </a:t>
+            </a:r>
+          </a:p>
+          <a:p>
+            <a:r>
+              <a:rPr lang="en-SG" sz="1600" b="1" dirty="0">
+                <a:solidFill>
+                  <a:schemeClr val="bg1"/>
+                </a:solidFill>
+                <a:latin typeface="Arial Nova Cond" panose="020B0506020202020204" pitchFamily="34" charset="0"/>
+              </a:rPr>
+              <a:t>next week DAY_OF_WEEK</a:t>
+            </a:r>
+          </a:p>
+        </p:txBody>
+      </p:sp>
+      <p:sp>
+        <p:nvSpPr>
+          <p:cNvPr id="38" name="TextBox 37">
+            <a:extLst>
+              <a:ext uri="{FF2B5EF4-FFF2-40B4-BE49-F238E27FC236}">
+                <a16:creationId xmlns:a16="http://schemas.microsoft.com/office/drawing/2014/main" id="{FCDE2BD8-259E-48A5-AE67-4C59E1FC509C}"/>
+              </a:ext>
+            </a:extLst>
+          </p:cNvPr>
+          <p:cNvSpPr txBox="1"/>
+          <p:nvPr/>
+        </p:nvSpPr>
+        <p:spPr>
+          <a:xfrm>
+            <a:off x="9590842" y="5855975"/>
+            <a:ext cx="2402889" cy="584775"/>
+          </a:xfrm>
+          <a:prstGeom prst="rect">
+            <a:avLst/>
+          </a:prstGeom>
+          <a:solidFill>
+            <a:schemeClr val="accent2"/>
+          </a:solidFill>
+          <a:ln>
+            <a:solidFill>
+              <a:schemeClr val="tx1"/>
+            </a:solidFill>
+          </a:ln>
+        </p:spPr>
+        <p:txBody>
+          <a:bodyPr wrap="square" rtlCol="0">
+            <a:spAutoFit/>
+          </a:bodyPr>
+          <a:lstStyle/>
+          <a:p>
+            <a:r>
+              <a:rPr lang="en-SG" sz="1600" b="1" dirty="0">
+                <a:solidFill>
+                  <a:schemeClr val="bg1"/>
+                </a:solidFill>
+                <a:latin typeface="Arial Nova Cond" panose="020B0506020202020204" pitchFamily="34" charset="0"/>
+              </a:rPr>
+              <a:t>Example 3: </a:t>
+            </a:r>
+          </a:p>
+          <a:p>
+            <a:r>
+              <a:rPr lang="en-SG" sz="1600" b="1" dirty="0">
+                <a:solidFill>
+                  <a:schemeClr val="bg1"/>
+                </a:solidFill>
+                <a:latin typeface="Arial Nova Cond" panose="020B0506020202020204" pitchFamily="34" charset="0"/>
+              </a:rPr>
+              <a:t>last week DAY_OF_WEEK</a:t>
+            </a:r>
+          </a:p>
+        </p:txBody>
+      </p:sp>
+      <p:sp>
+        <p:nvSpPr>
+          <p:cNvPr id="39" name="TextBox 38">
+            <a:extLst>
+              <a:ext uri="{FF2B5EF4-FFF2-40B4-BE49-F238E27FC236}">
+                <a16:creationId xmlns:a16="http://schemas.microsoft.com/office/drawing/2014/main" id="{DE50030F-A17C-4123-B8BE-2BF77AC7E90C}"/>
+              </a:ext>
+            </a:extLst>
+          </p:cNvPr>
+          <p:cNvSpPr txBox="1"/>
+          <p:nvPr/>
+        </p:nvSpPr>
+        <p:spPr>
+          <a:xfrm>
+            <a:off x="3207011" y="-24349"/>
+            <a:ext cx="5777977" cy="369332"/>
+          </a:xfrm>
+          <a:prstGeom prst="rect">
+            <a:avLst/>
+          </a:prstGeom>
+          <a:solidFill>
+            <a:schemeClr val="accent2"/>
+          </a:solidFill>
+          <a:ln>
+            <a:solidFill>
+              <a:schemeClr val="tx1"/>
+            </a:solidFill>
+          </a:ln>
+        </p:spPr>
+        <p:txBody>
+          <a:bodyPr wrap="square" rtlCol="0">
+            <a:spAutoFit/>
+          </a:bodyPr>
+          <a:lstStyle/>
+          <a:p>
+            <a:r>
+              <a:rPr lang="en-SG" b="1" dirty="0">
+                <a:solidFill>
+                  <a:schemeClr val="bg1"/>
+                </a:solidFill>
+                <a:latin typeface="Arial Nova Cond" panose="020B0506020202020204" pitchFamily="34" charset="0"/>
+              </a:rPr>
+              <a:t>Assuming current date is 12 April 2019 (12/04/2019), Friday</a:t>
+            </a:r>
+          </a:p>
+        </p:txBody>
+      </p:sp>
+    </p:spTree>
+    <p:extLst>
+      <p:ext uri="{BB962C8B-B14F-4D97-AF65-F5344CB8AC3E}">
+        <p14:creationId xmlns:p14="http://schemas.microsoft.com/office/powerpoint/2010/main" val="2336661737"/>
+      </p:ext>
+    </p:extLst>
+  </p:cSld>
+  <p:clrMapOvr>
+    <a:masterClrMapping/>
+  </p:clrMapOvr>
+</p:sld>
+</file>
+
+<file path=ppt/slides/slide11.xml><?xml version="1.0" encoding="utf-8"?>
+<p:sld xmlns:a="http://schemas.openxmlformats.org/drawingml/2006/main" xmlns:r="http://schemas.openxmlformats.org/officeDocument/2006/relationships" xmlns:p="http://schemas.openxmlformats.org/presentationml/2006/main">
+  <p:cSld>
+    <p:spTree>
+      <p:nvGrpSpPr>
+        <p:cNvPr id="1" name=""/>
+        <p:cNvGrpSpPr/>
+        <p:nvPr/>
+      </p:nvGrpSpPr>
+      <p:grpSpPr>
+        <a:xfrm>
+          <a:off x="0" y="0"/>
+          <a:ext cx="0" cy="0"/>
+          <a:chOff x="0" y="0"/>
+          <a:chExt cx="0" cy="0"/>
+        </a:xfrm>
+      </p:grpSpPr>
+      <p:pic>
+        <p:nvPicPr>
+          <p:cNvPr id="2" name="Picture 1">
+            <a:extLst>
+              <a:ext uri="{FF2B5EF4-FFF2-40B4-BE49-F238E27FC236}">
+                <a16:creationId xmlns:a16="http://schemas.microsoft.com/office/drawing/2014/main" id="{E35AC999-A570-4A84-8597-4CA5145A0AF1}"/>
+              </a:ext>
+            </a:extLst>
+          </p:cNvPr>
+          <p:cNvPicPr>
+            <a:picLocks noChangeAspect="1"/>
+          </p:cNvPicPr>
+          <p:nvPr/>
+        </p:nvPicPr>
+        <p:blipFill rotWithShape="1">
+          <a:blip r:embed="rId2"/>
+          <a:srcRect b="77222"/>
+          <a:stretch/>
+        </p:blipFill>
+        <p:spPr>
+          <a:xfrm>
+            <a:off x="0" y="0"/>
+            <a:ext cx="12192000" cy="2149200"/>
+          </a:xfrm>
+          <a:prstGeom prst="rect">
+            <a:avLst/>
+          </a:prstGeom>
+          <a:ln w="28575">
+            <a:solidFill>
+              <a:schemeClr val="tx1"/>
+            </a:solidFill>
+          </a:ln>
+        </p:spPr>
+      </p:pic>
+      <p:pic>
+        <p:nvPicPr>
+          <p:cNvPr id="3" name="Picture 2">
+            <a:extLst>
+              <a:ext uri="{FF2B5EF4-FFF2-40B4-BE49-F238E27FC236}">
+                <a16:creationId xmlns:a16="http://schemas.microsoft.com/office/drawing/2014/main" id="{9613D53A-7228-4310-91E1-B89A7D2EF3DD}"/>
+              </a:ext>
+            </a:extLst>
+          </p:cNvPr>
+          <p:cNvPicPr>
+            <a:picLocks noChangeAspect="1"/>
+          </p:cNvPicPr>
+          <p:nvPr/>
+        </p:nvPicPr>
+        <p:blipFill rotWithShape="1">
+          <a:blip r:embed="rId3"/>
+          <a:srcRect b="77361"/>
+          <a:stretch/>
+        </p:blipFill>
+        <p:spPr>
+          <a:xfrm>
+            <a:off x="1" y="2333624"/>
+            <a:ext cx="12192000" cy="2149200"/>
+          </a:xfrm>
+          <a:prstGeom prst="rect">
+            <a:avLst/>
+          </a:prstGeom>
+          <a:ln w="28575">
+            <a:solidFill>
+              <a:schemeClr val="tx1"/>
+            </a:solidFill>
+          </a:ln>
+        </p:spPr>
+      </p:pic>
+      <p:pic>
+        <p:nvPicPr>
+          <p:cNvPr id="4" name="Picture 3">
+            <a:extLst>
+              <a:ext uri="{FF2B5EF4-FFF2-40B4-BE49-F238E27FC236}">
+                <a16:creationId xmlns:a16="http://schemas.microsoft.com/office/drawing/2014/main" id="{20979000-DF8E-4972-962E-C8B49109001A}"/>
+              </a:ext>
+            </a:extLst>
+          </p:cNvPr>
+          <p:cNvPicPr>
+            <a:picLocks noChangeAspect="1"/>
+          </p:cNvPicPr>
+          <p:nvPr/>
+        </p:nvPicPr>
+        <p:blipFill rotWithShape="1">
+          <a:blip r:embed="rId4"/>
+          <a:srcRect b="77361"/>
+          <a:stretch/>
+        </p:blipFill>
+        <p:spPr>
+          <a:xfrm>
+            <a:off x="0" y="4708801"/>
+            <a:ext cx="12192000" cy="2149199"/>
+          </a:xfrm>
+          <a:prstGeom prst="rect">
+            <a:avLst/>
+          </a:prstGeom>
+          <a:ln w="28575">
+            <a:solidFill>
+              <a:schemeClr val="tx1"/>
+            </a:solidFill>
+          </a:ln>
+        </p:spPr>
+      </p:pic>
+      <p:sp>
+        <p:nvSpPr>
+          <p:cNvPr id="5" name="TextBox 4">
+            <a:extLst>
+              <a:ext uri="{FF2B5EF4-FFF2-40B4-BE49-F238E27FC236}">
+                <a16:creationId xmlns:a16="http://schemas.microsoft.com/office/drawing/2014/main" id="{E92889F4-D35C-4747-A454-B8CA25D254C3}"/>
+              </a:ext>
+            </a:extLst>
+          </p:cNvPr>
+          <p:cNvSpPr txBox="1"/>
+          <p:nvPr/>
+        </p:nvSpPr>
+        <p:spPr>
+          <a:xfrm>
+            <a:off x="3207011" y="0"/>
+            <a:ext cx="5777977" cy="369332"/>
+          </a:xfrm>
+          <a:prstGeom prst="rect">
+            <a:avLst/>
+          </a:prstGeom>
+          <a:solidFill>
+            <a:schemeClr val="accent2"/>
+          </a:solidFill>
+          <a:ln>
+            <a:solidFill>
+              <a:schemeClr val="tx1"/>
+            </a:solidFill>
+          </a:ln>
+        </p:spPr>
+        <p:txBody>
+          <a:bodyPr wrap="square" rtlCol="0">
+            <a:spAutoFit/>
+          </a:bodyPr>
+          <a:lstStyle/>
+          <a:p>
+            <a:r>
+              <a:rPr lang="en-SG" b="1" dirty="0">
+                <a:solidFill>
+                  <a:schemeClr val="bg1"/>
+                </a:solidFill>
+                <a:latin typeface="Arial Nova Cond" panose="020B0506020202020204" pitchFamily="34" charset="0"/>
+              </a:rPr>
+              <a:t>Assuming current date is 12 April 2019 (12/04/2019), Friday</a:t>
+            </a:r>
+          </a:p>
+        </p:txBody>
+      </p:sp>
+      <p:sp>
+        <p:nvSpPr>
+          <p:cNvPr id="6" name="Text Box 2">
+            <a:extLst>
+              <a:ext uri="{FF2B5EF4-FFF2-40B4-BE49-F238E27FC236}">
+                <a16:creationId xmlns:a16="http://schemas.microsoft.com/office/drawing/2014/main" id="{2974E703-4E39-4AA1-8169-C85C88B0C10C}"/>
+              </a:ext>
+            </a:extLst>
+          </p:cNvPr>
+          <p:cNvSpPr txBox="1">
+            <a:spLocks noChangeArrowheads="1"/>
+          </p:cNvSpPr>
+          <p:nvPr/>
+        </p:nvSpPr>
+        <p:spPr bwMode="auto">
+          <a:xfrm>
+            <a:off x="5501986" y="604558"/>
+            <a:ext cx="3801812" cy="442129"/>
+          </a:xfrm>
+          <a:prstGeom prst="rect">
+            <a:avLst/>
+          </a:prstGeom>
+          <a:solidFill>
+            <a:schemeClr val="accent2"/>
+          </a:solidFill>
+          <a:ln w="9525">
+            <a:solidFill>
+              <a:srgbClr val="000000"/>
+            </a:solidFill>
+            <a:miter lim="800000"/>
+            <a:headEnd/>
+            <a:tailEnd/>
+          </a:ln>
+        </p:spPr>
+        <p:txBody>
+          <a:bodyPr rot="0" vert="horz" wrap="square" lIns="91440" tIns="45720" rIns="91440" bIns="45720" anchor="t" anchorCtr="0">
+            <a:noAutofit/>
+          </a:bodyPr>
+          <a:lstStyle/>
+          <a:p>
+            <a:pPr>
+              <a:lnSpc>
+                <a:spcPct val="107000"/>
+              </a:lnSpc>
+              <a:spcAft>
+                <a:spcPts val="800"/>
+              </a:spcAft>
+            </a:pPr>
+            <a:r>
+              <a:rPr lang="en-SG" sz="1200" b="1" dirty="0">
+                <a:solidFill>
+                  <a:schemeClr val="bg1"/>
+                </a:solidFill>
+                <a:latin typeface="Arial Nova Cond" panose="020B0506020202020204" pitchFamily="34" charset="0"/>
+                <a:ea typeface="Calibri" panose="020F0502020204030204" pitchFamily="34" charset="0"/>
+                <a:cs typeface="Times New Roman" panose="02020603050405020304" pitchFamily="18" charset="0"/>
+              </a:rPr>
+              <a:t>1. User has targeted the current month’s 24</a:t>
+            </a:r>
+            <a:r>
+              <a:rPr lang="en-SG" sz="1200" b="1" baseline="30000" dirty="0">
+                <a:solidFill>
+                  <a:schemeClr val="bg1"/>
+                </a:solidFill>
+                <a:latin typeface="Arial Nova Cond" panose="020B0506020202020204" pitchFamily="34" charset="0"/>
+                <a:ea typeface="Calibri" panose="020F0502020204030204" pitchFamily="34" charset="0"/>
+                <a:cs typeface="Times New Roman" panose="02020603050405020304" pitchFamily="18" charset="0"/>
+              </a:rPr>
+              <a:t>th</a:t>
+            </a:r>
+            <a:r>
+              <a:rPr lang="en-SG" sz="1200" b="1" dirty="0">
+                <a:solidFill>
+                  <a:schemeClr val="bg1"/>
+                </a:solidFill>
+                <a:latin typeface="Arial Nova Cond" panose="020B0506020202020204" pitchFamily="34" charset="0"/>
+                <a:ea typeface="Calibri" panose="020F0502020204030204" pitchFamily="34" charset="0"/>
+                <a:cs typeface="Times New Roman" panose="02020603050405020304" pitchFamily="18" charset="0"/>
+              </a:rPr>
+              <a:t> day as the start date of the project.</a:t>
+            </a:r>
+            <a:endParaRPr lang="en-SG" sz="1200" dirty="0">
+              <a:solidFill>
+                <a:schemeClr val="bg1"/>
+              </a:solidFill>
+              <a:effectLst/>
+              <a:latin typeface="Calibri" panose="020F0502020204030204" pitchFamily="34" charset="0"/>
+              <a:ea typeface="Calibri" panose="020F0502020204030204" pitchFamily="34" charset="0"/>
+              <a:cs typeface="Times New Roman" panose="02020603050405020304" pitchFamily="18" charset="0"/>
+            </a:endParaRPr>
+          </a:p>
+        </p:txBody>
+      </p:sp>
+      <p:sp>
+        <p:nvSpPr>
+          <p:cNvPr id="7" name="Text Box 2">
+            <a:extLst>
+              <a:ext uri="{FF2B5EF4-FFF2-40B4-BE49-F238E27FC236}">
+                <a16:creationId xmlns:a16="http://schemas.microsoft.com/office/drawing/2014/main" id="{4522049B-F1E8-4D1C-A8D7-1676959943BD}"/>
+              </a:ext>
+            </a:extLst>
+          </p:cNvPr>
+          <p:cNvSpPr txBox="1">
+            <a:spLocks noChangeArrowheads="1"/>
+          </p:cNvSpPr>
+          <p:nvPr/>
+        </p:nvSpPr>
+        <p:spPr bwMode="auto">
+          <a:xfrm>
+            <a:off x="5501986" y="5341271"/>
+            <a:ext cx="3801812" cy="442129"/>
+          </a:xfrm>
+          <a:prstGeom prst="rect">
+            <a:avLst/>
+          </a:prstGeom>
+          <a:solidFill>
+            <a:schemeClr val="accent2"/>
+          </a:solidFill>
+          <a:ln w="9525">
+            <a:solidFill>
+              <a:srgbClr val="000000"/>
+            </a:solidFill>
+            <a:miter lim="800000"/>
+            <a:headEnd/>
+            <a:tailEnd/>
+          </a:ln>
+        </p:spPr>
+        <p:txBody>
+          <a:bodyPr rot="0" vert="horz" wrap="square" lIns="91440" tIns="45720" rIns="91440" bIns="45720" anchor="t" anchorCtr="0">
+            <a:noAutofit/>
+          </a:bodyPr>
+          <a:lstStyle/>
+          <a:p>
+            <a:pPr>
+              <a:lnSpc>
+                <a:spcPct val="107000"/>
+              </a:lnSpc>
+              <a:spcAft>
+                <a:spcPts val="800"/>
+              </a:spcAft>
+            </a:pPr>
+            <a:r>
+              <a:rPr lang="en-SG" sz="1200" b="1" dirty="0">
+                <a:solidFill>
+                  <a:schemeClr val="bg1"/>
+                </a:solidFill>
+                <a:latin typeface="Arial Nova Cond" panose="020B0506020202020204" pitchFamily="34" charset="0"/>
+                <a:ea typeface="Calibri" panose="020F0502020204030204" pitchFamily="34" charset="0"/>
+                <a:cs typeface="Times New Roman" panose="02020603050405020304" pitchFamily="18" charset="0"/>
+              </a:rPr>
+              <a:t>1. User has targeted last month’s 6</a:t>
+            </a:r>
+            <a:r>
+              <a:rPr lang="en-SG" sz="1200" b="1" baseline="30000" dirty="0">
+                <a:solidFill>
+                  <a:schemeClr val="bg1"/>
+                </a:solidFill>
+                <a:latin typeface="Arial Nova Cond" panose="020B0506020202020204" pitchFamily="34" charset="0"/>
+                <a:ea typeface="Calibri" panose="020F0502020204030204" pitchFamily="34" charset="0"/>
+                <a:cs typeface="Times New Roman" panose="02020603050405020304" pitchFamily="18" charset="0"/>
+              </a:rPr>
+              <a:t>th</a:t>
+            </a:r>
+            <a:r>
+              <a:rPr lang="en-SG" sz="1200" b="1" dirty="0">
+                <a:solidFill>
+                  <a:schemeClr val="bg1"/>
+                </a:solidFill>
+                <a:latin typeface="Arial Nova Cond" panose="020B0506020202020204" pitchFamily="34" charset="0"/>
+                <a:ea typeface="Calibri" panose="020F0502020204030204" pitchFamily="34" charset="0"/>
+                <a:cs typeface="Times New Roman" panose="02020603050405020304" pitchFamily="18" charset="0"/>
+              </a:rPr>
+              <a:t> day as the start date of the project.</a:t>
+            </a:r>
+            <a:endParaRPr lang="en-SG" sz="1200" dirty="0">
+              <a:solidFill>
+                <a:schemeClr val="bg1"/>
+              </a:solidFill>
+              <a:effectLst/>
+              <a:latin typeface="Calibri" panose="020F0502020204030204" pitchFamily="34" charset="0"/>
+              <a:ea typeface="Calibri" panose="020F0502020204030204" pitchFamily="34" charset="0"/>
+              <a:cs typeface="Times New Roman" panose="02020603050405020304" pitchFamily="18" charset="0"/>
+            </a:endParaRPr>
+          </a:p>
+        </p:txBody>
+      </p:sp>
+      <p:sp>
+        <p:nvSpPr>
+          <p:cNvPr id="8" name="Text Box 2">
+            <a:extLst>
+              <a:ext uri="{FF2B5EF4-FFF2-40B4-BE49-F238E27FC236}">
+                <a16:creationId xmlns:a16="http://schemas.microsoft.com/office/drawing/2014/main" id="{9FC90F71-BEB2-4C4F-9D9B-44FF1CAD5F9D}"/>
+              </a:ext>
+            </a:extLst>
+          </p:cNvPr>
+          <p:cNvSpPr txBox="1">
+            <a:spLocks noChangeArrowheads="1"/>
+          </p:cNvSpPr>
+          <p:nvPr/>
+        </p:nvSpPr>
+        <p:spPr bwMode="auto">
+          <a:xfrm>
+            <a:off x="5501986" y="2949293"/>
+            <a:ext cx="3801812" cy="442129"/>
+          </a:xfrm>
+          <a:prstGeom prst="rect">
+            <a:avLst/>
+          </a:prstGeom>
+          <a:solidFill>
+            <a:schemeClr val="accent2"/>
+          </a:solidFill>
+          <a:ln w="9525">
+            <a:solidFill>
+              <a:srgbClr val="000000"/>
+            </a:solidFill>
+            <a:miter lim="800000"/>
+            <a:headEnd/>
+            <a:tailEnd/>
+          </a:ln>
+        </p:spPr>
+        <p:txBody>
+          <a:bodyPr rot="0" vert="horz" wrap="square" lIns="91440" tIns="45720" rIns="91440" bIns="45720" anchor="t" anchorCtr="0">
+            <a:noAutofit/>
+          </a:bodyPr>
+          <a:lstStyle/>
+          <a:p>
+            <a:pPr>
+              <a:lnSpc>
+                <a:spcPct val="107000"/>
+              </a:lnSpc>
+              <a:spcAft>
+                <a:spcPts val="800"/>
+              </a:spcAft>
+            </a:pPr>
+            <a:r>
+              <a:rPr lang="en-SG" sz="1200" b="1" dirty="0">
+                <a:solidFill>
+                  <a:schemeClr val="bg1"/>
+                </a:solidFill>
+                <a:latin typeface="Arial Nova Cond" panose="020B0506020202020204" pitchFamily="34" charset="0"/>
+                <a:ea typeface="Calibri" panose="020F0502020204030204" pitchFamily="34" charset="0"/>
+                <a:cs typeface="Times New Roman" panose="02020603050405020304" pitchFamily="18" charset="0"/>
+              </a:rPr>
+              <a:t>1. User has targeted next month’s 17</a:t>
+            </a:r>
+            <a:r>
+              <a:rPr lang="en-SG" sz="1200" b="1" baseline="30000" dirty="0">
+                <a:solidFill>
+                  <a:schemeClr val="bg1"/>
+                </a:solidFill>
+                <a:latin typeface="Arial Nova Cond" panose="020B0506020202020204" pitchFamily="34" charset="0"/>
+                <a:ea typeface="Calibri" panose="020F0502020204030204" pitchFamily="34" charset="0"/>
+                <a:cs typeface="Times New Roman" panose="02020603050405020304" pitchFamily="18" charset="0"/>
+              </a:rPr>
+              <a:t>th</a:t>
+            </a:r>
+            <a:r>
+              <a:rPr lang="en-SG" sz="1200" b="1" dirty="0">
+                <a:solidFill>
+                  <a:schemeClr val="bg1"/>
+                </a:solidFill>
+                <a:latin typeface="Arial Nova Cond" panose="020B0506020202020204" pitchFamily="34" charset="0"/>
+                <a:ea typeface="Calibri" panose="020F0502020204030204" pitchFamily="34" charset="0"/>
+                <a:cs typeface="Times New Roman" panose="02020603050405020304" pitchFamily="18" charset="0"/>
+              </a:rPr>
+              <a:t> day as the start date of the project.</a:t>
+            </a:r>
+            <a:endParaRPr lang="en-SG" sz="1200" dirty="0">
+              <a:solidFill>
+                <a:schemeClr val="bg1"/>
+              </a:solidFill>
+              <a:effectLst/>
+              <a:latin typeface="Calibri" panose="020F0502020204030204" pitchFamily="34" charset="0"/>
+              <a:ea typeface="Calibri" panose="020F0502020204030204" pitchFamily="34" charset="0"/>
+              <a:cs typeface="Times New Roman" panose="02020603050405020304" pitchFamily="18" charset="0"/>
+            </a:endParaRPr>
+          </a:p>
+        </p:txBody>
+      </p:sp>
+      <p:sp>
+        <p:nvSpPr>
+          <p:cNvPr id="12" name="Text Box 2">
+            <a:extLst>
+              <a:ext uri="{FF2B5EF4-FFF2-40B4-BE49-F238E27FC236}">
+                <a16:creationId xmlns:a16="http://schemas.microsoft.com/office/drawing/2014/main" id="{79E0007B-A7C8-4B4C-A266-C6CAB775F345}"/>
+              </a:ext>
+            </a:extLst>
+          </p:cNvPr>
+          <p:cNvSpPr txBox="1">
+            <a:spLocks noChangeArrowheads="1"/>
+          </p:cNvSpPr>
+          <p:nvPr/>
+        </p:nvSpPr>
+        <p:spPr bwMode="auto">
+          <a:xfrm>
+            <a:off x="3854388" y="1808442"/>
+            <a:ext cx="5449410" cy="337353"/>
+          </a:xfrm>
+          <a:prstGeom prst="rect">
+            <a:avLst/>
+          </a:prstGeom>
+          <a:solidFill>
+            <a:schemeClr val="accent2"/>
+          </a:solidFill>
+          <a:ln w="9525">
+            <a:solidFill>
+              <a:srgbClr val="000000"/>
+            </a:solidFill>
+            <a:miter lim="800000"/>
+            <a:headEnd/>
+            <a:tailEnd/>
+          </a:ln>
+        </p:spPr>
+        <p:txBody>
+          <a:bodyPr rot="0" vert="horz" wrap="square" lIns="91440" tIns="45720" rIns="91440" bIns="45720" anchor="t" anchorCtr="0">
+            <a:noAutofit/>
+          </a:bodyPr>
+          <a:lstStyle/>
+          <a:p>
+            <a:pPr>
+              <a:lnSpc>
+                <a:spcPct val="107000"/>
+              </a:lnSpc>
+              <a:spcAft>
+                <a:spcPts val="800"/>
+              </a:spcAft>
+            </a:pPr>
+            <a:r>
+              <a:rPr lang="en-SG" sz="1200" b="1" dirty="0">
+                <a:solidFill>
+                  <a:schemeClr val="bg1"/>
+                </a:solidFill>
+                <a:latin typeface="Arial Nova Cond" panose="020B0506020202020204" pitchFamily="34" charset="0"/>
+                <a:ea typeface="Calibri" panose="020F0502020204030204" pitchFamily="34" charset="0"/>
+                <a:cs typeface="Times New Roman" panose="02020603050405020304" pitchFamily="18" charset="0"/>
+              </a:rPr>
+              <a:t>2. The input gets automatically translated to the target date in DD/MM/YYYY format.</a:t>
+            </a:r>
+            <a:endParaRPr lang="en-SG" sz="1200" dirty="0">
+              <a:solidFill>
+                <a:schemeClr val="bg1"/>
+              </a:solidFill>
+              <a:effectLst/>
+              <a:latin typeface="Calibri" panose="020F0502020204030204" pitchFamily="34" charset="0"/>
+              <a:ea typeface="Calibri" panose="020F0502020204030204" pitchFamily="34" charset="0"/>
+              <a:cs typeface="Times New Roman" panose="02020603050405020304" pitchFamily="18" charset="0"/>
+            </a:endParaRPr>
+          </a:p>
+        </p:txBody>
+      </p:sp>
+      <p:sp>
+        <p:nvSpPr>
+          <p:cNvPr id="13" name="Text Box 2">
+            <a:extLst>
+              <a:ext uri="{FF2B5EF4-FFF2-40B4-BE49-F238E27FC236}">
+                <a16:creationId xmlns:a16="http://schemas.microsoft.com/office/drawing/2014/main" id="{F2C83EDA-C5F7-43B4-82DF-E885256695E5}"/>
+              </a:ext>
+            </a:extLst>
+          </p:cNvPr>
+          <p:cNvSpPr txBox="1">
+            <a:spLocks noChangeArrowheads="1"/>
+          </p:cNvSpPr>
+          <p:nvPr/>
+        </p:nvSpPr>
+        <p:spPr bwMode="auto">
+          <a:xfrm>
+            <a:off x="3854388" y="6519167"/>
+            <a:ext cx="5449410" cy="337353"/>
+          </a:xfrm>
+          <a:prstGeom prst="rect">
+            <a:avLst/>
+          </a:prstGeom>
+          <a:solidFill>
+            <a:schemeClr val="accent2"/>
+          </a:solidFill>
+          <a:ln w="9525">
+            <a:solidFill>
+              <a:srgbClr val="000000"/>
+            </a:solidFill>
+            <a:miter lim="800000"/>
+            <a:headEnd/>
+            <a:tailEnd/>
+          </a:ln>
+        </p:spPr>
+        <p:txBody>
+          <a:bodyPr rot="0" vert="horz" wrap="square" lIns="91440" tIns="45720" rIns="91440" bIns="45720" anchor="t" anchorCtr="0">
+            <a:noAutofit/>
+          </a:bodyPr>
+          <a:lstStyle/>
+          <a:p>
+            <a:pPr>
+              <a:lnSpc>
+                <a:spcPct val="107000"/>
+              </a:lnSpc>
+              <a:spcAft>
+                <a:spcPts val="800"/>
+              </a:spcAft>
+            </a:pPr>
+            <a:r>
+              <a:rPr lang="en-SG" sz="1200" b="1" dirty="0">
+                <a:solidFill>
+                  <a:schemeClr val="bg1"/>
+                </a:solidFill>
+                <a:latin typeface="Arial Nova Cond" panose="020B0506020202020204" pitchFamily="34" charset="0"/>
+                <a:ea typeface="Calibri" panose="020F0502020204030204" pitchFamily="34" charset="0"/>
+                <a:cs typeface="Times New Roman" panose="02020603050405020304" pitchFamily="18" charset="0"/>
+              </a:rPr>
+              <a:t>2. The input gets automatically translated to the target date in DD/MM/YYYY format.</a:t>
+            </a:r>
+            <a:endParaRPr lang="en-SG" sz="1200" dirty="0">
+              <a:solidFill>
+                <a:schemeClr val="bg1"/>
+              </a:solidFill>
+              <a:effectLst/>
+              <a:latin typeface="Calibri" panose="020F0502020204030204" pitchFamily="34" charset="0"/>
+              <a:ea typeface="Calibri" panose="020F0502020204030204" pitchFamily="34" charset="0"/>
+              <a:cs typeface="Times New Roman" panose="02020603050405020304" pitchFamily="18" charset="0"/>
+            </a:endParaRPr>
+          </a:p>
+        </p:txBody>
+      </p:sp>
+      <p:sp>
+        <p:nvSpPr>
+          <p:cNvPr id="14" name="Text Box 2">
+            <a:extLst>
+              <a:ext uri="{FF2B5EF4-FFF2-40B4-BE49-F238E27FC236}">
+                <a16:creationId xmlns:a16="http://schemas.microsoft.com/office/drawing/2014/main" id="{FF1E811A-463F-4705-82B4-585A0881554F}"/>
+              </a:ext>
+            </a:extLst>
+          </p:cNvPr>
+          <p:cNvSpPr txBox="1">
+            <a:spLocks noChangeArrowheads="1"/>
+          </p:cNvSpPr>
+          <p:nvPr/>
+        </p:nvSpPr>
+        <p:spPr bwMode="auto">
+          <a:xfrm>
+            <a:off x="3854388" y="4142532"/>
+            <a:ext cx="5449410" cy="337353"/>
+          </a:xfrm>
+          <a:prstGeom prst="rect">
+            <a:avLst/>
+          </a:prstGeom>
+          <a:solidFill>
+            <a:schemeClr val="accent2"/>
+          </a:solidFill>
+          <a:ln w="9525">
+            <a:solidFill>
+              <a:srgbClr val="000000"/>
+            </a:solidFill>
+            <a:miter lim="800000"/>
+            <a:headEnd/>
+            <a:tailEnd/>
+          </a:ln>
+        </p:spPr>
+        <p:txBody>
+          <a:bodyPr rot="0" vert="horz" wrap="square" lIns="91440" tIns="45720" rIns="91440" bIns="45720" anchor="t" anchorCtr="0">
+            <a:noAutofit/>
+          </a:bodyPr>
+          <a:lstStyle/>
+          <a:p>
+            <a:pPr>
+              <a:lnSpc>
+                <a:spcPct val="107000"/>
+              </a:lnSpc>
+              <a:spcAft>
+                <a:spcPts val="800"/>
+              </a:spcAft>
+            </a:pPr>
+            <a:r>
+              <a:rPr lang="en-SG" sz="1200" b="1" dirty="0">
+                <a:solidFill>
+                  <a:schemeClr val="bg1"/>
+                </a:solidFill>
+                <a:latin typeface="Arial Nova Cond" panose="020B0506020202020204" pitchFamily="34" charset="0"/>
+                <a:ea typeface="Calibri" panose="020F0502020204030204" pitchFamily="34" charset="0"/>
+                <a:cs typeface="Times New Roman" panose="02020603050405020304" pitchFamily="18" charset="0"/>
+              </a:rPr>
+              <a:t>2. The input gets automatically translated to the target date in DD/MM/YYYY format.</a:t>
+            </a:r>
+            <a:endParaRPr lang="en-SG" sz="1200" dirty="0">
+              <a:solidFill>
+                <a:schemeClr val="bg1"/>
+              </a:solidFill>
+              <a:effectLst/>
+              <a:latin typeface="Calibri" panose="020F0502020204030204" pitchFamily="34" charset="0"/>
+              <a:ea typeface="Calibri" panose="020F0502020204030204" pitchFamily="34" charset="0"/>
+              <a:cs typeface="Times New Roman" panose="02020603050405020304" pitchFamily="18" charset="0"/>
+            </a:endParaRPr>
+          </a:p>
+        </p:txBody>
+      </p:sp>
+      <p:cxnSp>
+        <p:nvCxnSpPr>
+          <p:cNvPr id="15" name="Straight Arrow Connector 14">
+            <a:extLst>
+              <a:ext uri="{FF2B5EF4-FFF2-40B4-BE49-F238E27FC236}">
+                <a16:creationId xmlns:a16="http://schemas.microsoft.com/office/drawing/2014/main" id="{3D7451B1-E293-4C99-AD70-5AEACDA9C213}"/>
+              </a:ext>
+            </a:extLst>
+          </p:cNvPr>
+          <p:cNvCxnSpPr>
+            <a:cxnSpLocks/>
+          </p:cNvCxnSpPr>
+          <p:nvPr/>
+        </p:nvCxnSpPr>
+        <p:spPr>
+          <a:xfrm flipH="1">
+            <a:off x="4554245" y="825623"/>
+            <a:ext cx="947742" cy="0"/>
+          </a:xfrm>
+          <a:prstGeom prst="straightConnector1">
+            <a:avLst/>
+          </a:prstGeom>
+          <a:ln>
+            <a:tailEnd type="triangle"/>
+          </a:ln>
+        </p:spPr>
+        <p:style>
+          <a:lnRef idx="1">
+            <a:schemeClr val="accent2"/>
+          </a:lnRef>
+          <a:fillRef idx="0">
+            <a:schemeClr val="accent2"/>
+          </a:fillRef>
+          <a:effectRef idx="0">
+            <a:schemeClr val="accent2"/>
+          </a:effectRef>
+          <a:fontRef idx="minor">
+            <a:schemeClr val="tx1"/>
+          </a:fontRef>
+        </p:style>
+      </p:cxnSp>
+      <p:cxnSp>
+        <p:nvCxnSpPr>
+          <p:cNvPr id="16" name="Straight Arrow Connector 15">
+            <a:extLst>
+              <a:ext uri="{FF2B5EF4-FFF2-40B4-BE49-F238E27FC236}">
+                <a16:creationId xmlns:a16="http://schemas.microsoft.com/office/drawing/2014/main" id="{272BAC2E-AF4D-4CEA-93CC-BB1343C0C93E}"/>
+              </a:ext>
+            </a:extLst>
+          </p:cNvPr>
+          <p:cNvCxnSpPr>
+            <a:cxnSpLocks/>
+          </p:cNvCxnSpPr>
+          <p:nvPr/>
+        </p:nvCxnSpPr>
+        <p:spPr>
+          <a:xfrm flipH="1">
+            <a:off x="4971495" y="3170357"/>
+            <a:ext cx="931467" cy="0"/>
+          </a:xfrm>
+          <a:prstGeom prst="straightConnector1">
+            <a:avLst/>
+          </a:prstGeom>
+          <a:ln>
+            <a:tailEnd type="triangle"/>
+          </a:ln>
+        </p:spPr>
+        <p:style>
+          <a:lnRef idx="1">
+            <a:schemeClr val="accent2"/>
+          </a:lnRef>
+          <a:fillRef idx="0">
+            <a:schemeClr val="accent2"/>
+          </a:fillRef>
+          <a:effectRef idx="0">
+            <a:schemeClr val="accent2"/>
+          </a:effectRef>
+          <a:fontRef idx="minor">
+            <a:schemeClr val="tx1"/>
+          </a:fontRef>
+        </p:style>
+      </p:cxnSp>
+      <p:cxnSp>
+        <p:nvCxnSpPr>
+          <p:cNvPr id="17" name="Straight Arrow Connector 16">
+            <a:extLst>
+              <a:ext uri="{FF2B5EF4-FFF2-40B4-BE49-F238E27FC236}">
+                <a16:creationId xmlns:a16="http://schemas.microsoft.com/office/drawing/2014/main" id="{1A4EAA78-AF77-41BE-8F99-6313B961456D}"/>
+              </a:ext>
+            </a:extLst>
+          </p:cNvPr>
+          <p:cNvCxnSpPr>
+            <a:cxnSpLocks/>
+          </p:cNvCxnSpPr>
+          <p:nvPr/>
+        </p:nvCxnSpPr>
+        <p:spPr>
+          <a:xfrm flipH="1">
+            <a:off x="4165107" y="5562335"/>
+            <a:ext cx="1336880" cy="0"/>
+          </a:xfrm>
+          <a:prstGeom prst="straightConnector1">
+            <a:avLst/>
+          </a:prstGeom>
+          <a:ln>
+            <a:tailEnd type="triangle"/>
+          </a:ln>
+        </p:spPr>
+        <p:style>
+          <a:lnRef idx="1">
+            <a:schemeClr val="accent2"/>
+          </a:lnRef>
+          <a:fillRef idx="0">
+            <a:schemeClr val="accent2"/>
+          </a:fillRef>
+          <a:effectRef idx="0">
+            <a:schemeClr val="accent2"/>
+          </a:effectRef>
+          <a:fontRef idx="minor">
+            <a:schemeClr val="tx1"/>
+          </a:fontRef>
+        </p:style>
+      </p:cxnSp>
+      <p:cxnSp>
+        <p:nvCxnSpPr>
+          <p:cNvPr id="21" name="Straight Arrow Connector 20">
+            <a:extLst>
+              <a:ext uri="{FF2B5EF4-FFF2-40B4-BE49-F238E27FC236}">
+                <a16:creationId xmlns:a16="http://schemas.microsoft.com/office/drawing/2014/main" id="{6C3F725F-D2BF-48CC-A77E-182DCBC15CAF}"/>
+              </a:ext>
+            </a:extLst>
+          </p:cNvPr>
+          <p:cNvCxnSpPr/>
+          <p:nvPr/>
+        </p:nvCxnSpPr>
+        <p:spPr>
+          <a:xfrm flipH="1">
+            <a:off x="1677880" y="1978441"/>
+            <a:ext cx="2176508" cy="12006"/>
+          </a:xfrm>
+          <a:prstGeom prst="straightConnector1">
+            <a:avLst/>
+          </a:prstGeom>
+          <a:ln>
+            <a:tailEnd type="triangle"/>
+          </a:ln>
+        </p:spPr>
+        <p:style>
+          <a:lnRef idx="1">
+            <a:schemeClr val="accent2"/>
+          </a:lnRef>
+          <a:fillRef idx="0">
+            <a:schemeClr val="accent2"/>
+          </a:fillRef>
+          <a:effectRef idx="0">
+            <a:schemeClr val="accent2"/>
+          </a:effectRef>
+          <a:fontRef idx="minor">
+            <a:schemeClr val="tx1"/>
+          </a:fontRef>
+        </p:style>
+      </p:cxnSp>
+      <p:cxnSp>
+        <p:nvCxnSpPr>
+          <p:cNvPr id="22" name="Straight Arrow Connector 21">
+            <a:extLst>
+              <a:ext uri="{FF2B5EF4-FFF2-40B4-BE49-F238E27FC236}">
+                <a16:creationId xmlns:a16="http://schemas.microsoft.com/office/drawing/2014/main" id="{C58EE1FA-3D44-468C-A75D-8DDEA629FF95}"/>
+              </a:ext>
+            </a:extLst>
+          </p:cNvPr>
+          <p:cNvCxnSpPr/>
+          <p:nvPr/>
+        </p:nvCxnSpPr>
+        <p:spPr>
+          <a:xfrm flipH="1">
+            <a:off x="1677880" y="4311209"/>
+            <a:ext cx="2176508" cy="12006"/>
+          </a:xfrm>
+          <a:prstGeom prst="straightConnector1">
+            <a:avLst/>
+          </a:prstGeom>
+          <a:ln>
+            <a:tailEnd type="triangle"/>
+          </a:ln>
+        </p:spPr>
+        <p:style>
+          <a:lnRef idx="1">
+            <a:schemeClr val="accent2"/>
+          </a:lnRef>
+          <a:fillRef idx="0">
+            <a:schemeClr val="accent2"/>
+          </a:fillRef>
+          <a:effectRef idx="0">
+            <a:schemeClr val="accent2"/>
+          </a:effectRef>
+          <a:fontRef idx="minor">
+            <a:schemeClr val="tx1"/>
+          </a:fontRef>
+        </p:style>
+      </p:cxnSp>
+      <p:cxnSp>
+        <p:nvCxnSpPr>
+          <p:cNvPr id="23" name="Straight Arrow Connector 22">
+            <a:extLst>
+              <a:ext uri="{FF2B5EF4-FFF2-40B4-BE49-F238E27FC236}">
+                <a16:creationId xmlns:a16="http://schemas.microsoft.com/office/drawing/2014/main" id="{A9FF0E5E-CBE9-45FA-B00F-AFDF62A1A416}"/>
+              </a:ext>
+            </a:extLst>
+          </p:cNvPr>
+          <p:cNvCxnSpPr/>
+          <p:nvPr/>
+        </p:nvCxnSpPr>
+        <p:spPr>
+          <a:xfrm flipH="1">
+            <a:off x="1677880" y="6687843"/>
+            <a:ext cx="2176508" cy="12006"/>
+          </a:xfrm>
+          <a:prstGeom prst="straightConnector1">
+            <a:avLst/>
+          </a:prstGeom>
+          <a:ln>
+            <a:tailEnd type="triangle"/>
+          </a:ln>
+        </p:spPr>
+        <p:style>
+          <a:lnRef idx="1">
+            <a:schemeClr val="accent2"/>
+          </a:lnRef>
+          <a:fillRef idx="0">
+            <a:schemeClr val="accent2"/>
+          </a:fillRef>
+          <a:effectRef idx="0">
+            <a:schemeClr val="accent2"/>
+          </a:effectRef>
+          <a:fontRef idx="minor">
+            <a:schemeClr val="tx1"/>
+          </a:fontRef>
+        </p:style>
+      </p:cxnSp>
+      <p:sp>
+        <p:nvSpPr>
+          <p:cNvPr id="24" name="TextBox 23">
+            <a:extLst>
+              <a:ext uri="{FF2B5EF4-FFF2-40B4-BE49-F238E27FC236}">
+                <a16:creationId xmlns:a16="http://schemas.microsoft.com/office/drawing/2014/main" id="{75B9D56B-452F-4C3D-BCE3-211C7437B7FD}"/>
+              </a:ext>
+            </a:extLst>
+          </p:cNvPr>
+          <p:cNvSpPr txBox="1"/>
+          <p:nvPr/>
+        </p:nvSpPr>
+        <p:spPr>
+          <a:xfrm>
+            <a:off x="2766134" y="640956"/>
+            <a:ext cx="947742" cy="369332"/>
+          </a:xfrm>
+          <a:prstGeom prst="rect">
+            <a:avLst/>
+          </a:prstGeom>
+          <a:noFill/>
+          <a:ln w="38100">
+            <a:solidFill>
+              <a:schemeClr val="accent2"/>
+            </a:solidFill>
+          </a:ln>
+        </p:spPr>
+        <p:txBody>
+          <a:bodyPr wrap="square" rtlCol="0">
+            <a:spAutoFit/>
+          </a:bodyPr>
+          <a:lstStyle/>
+          <a:p>
+            <a:endParaRPr lang="en-SG" dirty="0"/>
+          </a:p>
+        </p:txBody>
+      </p:sp>
+      <p:sp>
+        <p:nvSpPr>
+          <p:cNvPr id="25" name="TextBox 24">
+            <a:extLst>
+              <a:ext uri="{FF2B5EF4-FFF2-40B4-BE49-F238E27FC236}">
+                <a16:creationId xmlns:a16="http://schemas.microsoft.com/office/drawing/2014/main" id="{F3797CCB-3E38-4CCC-9CAC-9BFEB350B88A}"/>
+              </a:ext>
+            </a:extLst>
+          </p:cNvPr>
+          <p:cNvSpPr txBox="1"/>
+          <p:nvPr/>
+        </p:nvSpPr>
+        <p:spPr>
+          <a:xfrm>
+            <a:off x="2414331" y="5358740"/>
+            <a:ext cx="897040" cy="369332"/>
+          </a:xfrm>
+          <a:prstGeom prst="rect">
+            <a:avLst/>
+          </a:prstGeom>
+          <a:noFill/>
+          <a:ln w="38100">
+            <a:solidFill>
+              <a:schemeClr val="accent2"/>
+            </a:solidFill>
+          </a:ln>
+        </p:spPr>
+        <p:txBody>
+          <a:bodyPr wrap="square" rtlCol="0">
+            <a:spAutoFit/>
+          </a:bodyPr>
+          <a:lstStyle/>
+          <a:p>
+            <a:endParaRPr lang="en-SG" dirty="0"/>
+          </a:p>
+        </p:txBody>
+      </p:sp>
+      <p:sp>
+        <p:nvSpPr>
+          <p:cNvPr id="26" name="TextBox 25">
+            <a:extLst>
+              <a:ext uri="{FF2B5EF4-FFF2-40B4-BE49-F238E27FC236}">
+                <a16:creationId xmlns:a16="http://schemas.microsoft.com/office/drawing/2014/main" id="{0C165325-AE4E-49DC-BBF3-0E74EC42703B}"/>
+              </a:ext>
+            </a:extLst>
+          </p:cNvPr>
+          <p:cNvSpPr txBox="1"/>
+          <p:nvPr/>
+        </p:nvSpPr>
+        <p:spPr>
+          <a:xfrm>
+            <a:off x="3141955" y="2972633"/>
+            <a:ext cx="1023152" cy="369332"/>
+          </a:xfrm>
+          <a:prstGeom prst="rect">
+            <a:avLst/>
+          </a:prstGeom>
+          <a:noFill/>
+          <a:ln w="38100">
+            <a:solidFill>
+              <a:schemeClr val="accent2"/>
+            </a:solidFill>
+          </a:ln>
+        </p:spPr>
+        <p:txBody>
+          <a:bodyPr wrap="square" rtlCol="0">
+            <a:spAutoFit/>
+          </a:bodyPr>
+          <a:lstStyle/>
+          <a:p>
+            <a:endParaRPr lang="en-SG" dirty="0"/>
+          </a:p>
+        </p:txBody>
+      </p:sp>
+      <p:sp>
+        <p:nvSpPr>
+          <p:cNvPr id="27" name="TextBox 26">
+            <a:extLst>
+              <a:ext uri="{FF2B5EF4-FFF2-40B4-BE49-F238E27FC236}">
+                <a16:creationId xmlns:a16="http://schemas.microsoft.com/office/drawing/2014/main" id="{536FB9D3-15BA-49B8-B61E-A7B07526D815}"/>
+              </a:ext>
+            </a:extLst>
+          </p:cNvPr>
+          <p:cNvSpPr txBox="1"/>
+          <p:nvPr/>
+        </p:nvSpPr>
+        <p:spPr>
+          <a:xfrm>
+            <a:off x="-25945" y="6495390"/>
+            <a:ext cx="1677931" cy="369332"/>
+          </a:xfrm>
+          <a:prstGeom prst="rect">
+            <a:avLst/>
+          </a:prstGeom>
+          <a:noFill/>
+          <a:ln w="38100">
+            <a:solidFill>
+              <a:schemeClr val="accent2"/>
+            </a:solidFill>
+          </a:ln>
+        </p:spPr>
+        <p:txBody>
+          <a:bodyPr wrap="square" rtlCol="0">
+            <a:spAutoFit/>
+          </a:bodyPr>
+          <a:lstStyle/>
+          <a:p>
+            <a:endParaRPr lang="en-SG" dirty="0"/>
+          </a:p>
+        </p:txBody>
+      </p:sp>
+      <p:sp>
+        <p:nvSpPr>
+          <p:cNvPr id="28" name="TextBox 27">
+            <a:extLst>
+              <a:ext uri="{FF2B5EF4-FFF2-40B4-BE49-F238E27FC236}">
+                <a16:creationId xmlns:a16="http://schemas.microsoft.com/office/drawing/2014/main" id="{21332A20-9847-4C82-9088-5DE10B390095}"/>
+              </a:ext>
+            </a:extLst>
+          </p:cNvPr>
+          <p:cNvSpPr txBox="1"/>
+          <p:nvPr/>
+        </p:nvSpPr>
+        <p:spPr>
+          <a:xfrm>
+            <a:off x="-52" y="4126542"/>
+            <a:ext cx="1677932" cy="369332"/>
+          </a:xfrm>
+          <a:prstGeom prst="rect">
+            <a:avLst/>
+          </a:prstGeom>
+          <a:noFill/>
+          <a:ln w="38100">
+            <a:solidFill>
+              <a:schemeClr val="accent2"/>
+            </a:solidFill>
+          </a:ln>
+        </p:spPr>
+        <p:txBody>
+          <a:bodyPr wrap="square" rtlCol="0">
+            <a:spAutoFit/>
+          </a:bodyPr>
+          <a:lstStyle/>
+          <a:p>
+            <a:endParaRPr lang="en-SG" dirty="0"/>
+          </a:p>
+        </p:txBody>
+      </p:sp>
+      <p:sp>
+        <p:nvSpPr>
+          <p:cNvPr id="29" name="TextBox 28">
+            <a:extLst>
+              <a:ext uri="{FF2B5EF4-FFF2-40B4-BE49-F238E27FC236}">
+                <a16:creationId xmlns:a16="http://schemas.microsoft.com/office/drawing/2014/main" id="{5CFC5142-F72C-4F87-831B-687652326635}"/>
+              </a:ext>
+            </a:extLst>
+          </p:cNvPr>
+          <p:cNvSpPr txBox="1"/>
+          <p:nvPr/>
+        </p:nvSpPr>
+        <p:spPr>
+          <a:xfrm>
+            <a:off x="18444" y="1776463"/>
+            <a:ext cx="1659436" cy="369332"/>
+          </a:xfrm>
+          <a:prstGeom prst="rect">
+            <a:avLst/>
+          </a:prstGeom>
+          <a:noFill/>
+          <a:ln w="38100">
+            <a:solidFill>
+              <a:schemeClr val="accent2"/>
+            </a:solidFill>
+          </a:ln>
+        </p:spPr>
+        <p:txBody>
+          <a:bodyPr wrap="square" rtlCol="0">
+            <a:spAutoFit/>
+          </a:bodyPr>
+          <a:lstStyle/>
+          <a:p>
+            <a:endParaRPr lang="en-SG" dirty="0"/>
+          </a:p>
+        </p:txBody>
+      </p:sp>
+      <p:sp>
+        <p:nvSpPr>
+          <p:cNvPr id="30" name="TextBox 29">
+            <a:extLst>
+              <a:ext uri="{FF2B5EF4-FFF2-40B4-BE49-F238E27FC236}">
+                <a16:creationId xmlns:a16="http://schemas.microsoft.com/office/drawing/2014/main" id="{691E8431-7CF2-47F3-96CE-382ADF05EDD7}"/>
+              </a:ext>
+            </a:extLst>
+          </p:cNvPr>
+          <p:cNvSpPr txBox="1"/>
+          <p:nvPr/>
+        </p:nvSpPr>
+        <p:spPr>
+          <a:xfrm>
+            <a:off x="9374819" y="1109709"/>
+            <a:ext cx="2618914" cy="584775"/>
+          </a:xfrm>
+          <a:prstGeom prst="rect">
+            <a:avLst/>
+          </a:prstGeom>
+          <a:solidFill>
+            <a:schemeClr val="accent2"/>
+          </a:solidFill>
+          <a:ln>
+            <a:solidFill>
+              <a:schemeClr val="tx1"/>
+            </a:solidFill>
+          </a:ln>
+        </p:spPr>
+        <p:txBody>
+          <a:bodyPr wrap="square" rtlCol="0">
+            <a:spAutoFit/>
+          </a:bodyPr>
+          <a:lstStyle/>
+          <a:p>
+            <a:r>
+              <a:rPr lang="en-SG" sz="1600" b="1" dirty="0">
+                <a:solidFill>
+                  <a:schemeClr val="bg1"/>
+                </a:solidFill>
+                <a:latin typeface="Arial Nova Cond" panose="020B0506020202020204" pitchFamily="34" charset="0"/>
+              </a:rPr>
+              <a:t>Example 1: </a:t>
+            </a:r>
+          </a:p>
+          <a:p>
+            <a:r>
+              <a:rPr lang="en-SG" sz="1600" b="1" dirty="0">
+                <a:solidFill>
+                  <a:schemeClr val="bg1"/>
+                </a:solidFill>
+                <a:latin typeface="Arial Nova Cond" panose="020B0506020202020204" pitchFamily="34" charset="0"/>
+              </a:rPr>
+              <a:t>this month DAY_OF_MONTH</a:t>
+            </a:r>
+          </a:p>
+        </p:txBody>
+      </p:sp>
+      <p:sp>
+        <p:nvSpPr>
+          <p:cNvPr id="31" name="TextBox 30">
+            <a:extLst>
+              <a:ext uri="{FF2B5EF4-FFF2-40B4-BE49-F238E27FC236}">
+                <a16:creationId xmlns:a16="http://schemas.microsoft.com/office/drawing/2014/main" id="{A4BC29DC-AA00-4296-8E79-7DF1F0A439EF}"/>
+              </a:ext>
+            </a:extLst>
+          </p:cNvPr>
+          <p:cNvSpPr txBox="1"/>
+          <p:nvPr/>
+        </p:nvSpPr>
+        <p:spPr>
+          <a:xfrm>
+            <a:off x="9374820" y="5949545"/>
+            <a:ext cx="2618912" cy="584775"/>
+          </a:xfrm>
+          <a:prstGeom prst="rect">
+            <a:avLst/>
+          </a:prstGeom>
+          <a:solidFill>
+            <a:schemeClr val="accent2"/>
+          </a:solidFill>
+          <a:ln>
+            <a:solidFill>
+              <a:schemeClr val="tx1"/>
+            </a:solidFill>
+          </a:ln>
+        </p:spPr>
+        <p:txBody>
+          <a:bodyPr wrap="square" rtlCol="0">
+            <a:spAutoFit/>
+          </a:bodyPr>
+          <a:lstStyle/>
+          <a:p>
+            <a:r>
+              <a:rPr lang="en-SG" sz="1600" b="1" dirty="0">
+                <a:solidFill>
+                  <a:schemeClr val="bg1"/>
+                </a:solidFill>
+                <a:latin typeface="Arial Nova Cond" panose="020B0506020202020204" pitchFamily="34" charset="0"/>
+              </a:rPr>
+              <a:t>Example 3: </a:t>
+            </a:r>
+          </a:p>
+          <a:p>
+            <a:r>
+              <a:rPr lang="en-SG" sz="1600" b="1" dirty="0">
+                <a:solidFill>
+                  <a:schemeClr val="bg1"/>
+                </a:solidFill>
+                <a:latin typeface="Arial Nova Cond" panose="020B0506020202020204" pitchFamily="34" charset="0"/>
+              </a:rPr>
+              <a:t>last month DAY_OF_MONTH</a:t>
+            </a:r>
+          </a:p>
+        </p:txBody>
+      </p:sp>
+      <p:sp>
+        <p:nvSpPr>
+          <p:cNvPr id="32" name="TextBox 31">
+            <a:extLst>
+              <a:ext uri="{FF2B5EF4-FFF2-40B4-BE49-F238E27FC236}">
+                <a16:creationId xmlns:a16="http://schemas.microsoft.com/office/drawing/2014/main" id="{C90D496D-BF18-4597-9517-71EFC3FFB76A}"/>
+              </a:ext>
+            </a:extLst>
+          </p:cNvPr>
+          <p:cNvSpPr txBox="1"/>
+          <p:nvPr/>
+        </p:nvSpPr>
+        <p:spPr>
+          <a:xfrm>
+            <a:off x="9374819" y="3541767"/>
+            <a:ext cx="2618913" cy="584775"/>
+          </a:xfrm>
+          <a:prstGeom prst="rect">
+            <a:avLst/>
+          </a:prstGeom>
+          <a:solidFill>
+            <a:schemeClr val="accent2"/>
+          </a:solidFill>
+          <a:ln>
+            <a:solidFill>
+              <a:schemeClr val="tx1"/>
+            </a:solidFill>
+          </a:ln>
+        </p:spPr>
+        <p:txBody>
+          <a:bodyPr wrap="square" rtlCol="0">
+            <a:spAutoFit/>
+          </a:bodyPr>
+          <a:lstStyle/>
+          <a:p>
+            <a:r>
+              <a:rPr lang="en-SG" sz="1600" b="1" dirty="0">
+                <a:solidFill>
+                  <a:schemeClr val="bg1"/>
+                </a:solidFill>
+                <a:latin typeface="Arial Nova Cond" panose="020B0506020202020204" pitchFamily="34" charset="0"/>
+              </a:rPr>
+              <a:t>Example 2: </a:t>
+            </a:r>
+          </a:p>
+          <a:p>
+            <a:r>
+              <a:rPr lang="en-SG" sz="1600" b="1" dirty="0">
+                <a:solidFill>
+                  <a:schemeClr val="bg1"/>
+                </a:solidFill>
+                <a:latin typeface="Arial Nova Cond" panose="020B0506020202020204" pitchFamily="34" charset="0"/>
+              </a:rPr>
+              <a:t>next month DAY_OF_MONTH</a:t>
+            </a:r>
+          </a:p>
+        </p:txBody>
+      </p:sp>
+    </p:spTree>
+    <p:extLst>
+      <p:ext uri="{BB962C8B-B14F-4D97-AF65-F5344CB8AC3E}">
+        <p14:creationId xmlns:p14="http://schemas.microsoft.com/office/powerpoint/2010/main" val="648947890"/>
       </p:ext>
     </p:extLst>
   </p:cSld>
@@ -4422,6 +6983,4067 @@
     <p:extLst>
       <p:ext uri="{BB962C8B-B14F-4D97-AF65-F5344CB8AC3E}">
         <p14:creationId xmlns:p14="http://schemas.microsoft.com/office/powerpoint/2010/main" val="3621788274"/>
+      </p:ext>
+    </p:extLst>
+  </p:cSld>
+  <p:clrMapOvr>
+    <a:masterClrMapping/>
+  </p:clrMapOvr>
+</p:sld>
+</file>
+
+<file path=ppt/slides/slide4.xml><?xml version="1.0" encoding="utf-8"?>
+<p:sld xmlns:a="http://schemas.openxmlformats.org/drawingml/2006/main" xmlns:r="http://schemas.openxmlformats.org/officeDocument/2006/relationships" xmlns:p="http://schemas.openxmlformats.org/presentationml/2006/main">
+  <p:cSld>
+    <p:spTree>
+      <p:nvGrpSpPr>
+        <p:cNvPr id="1" name=""/>
+        <p:cNvGrpSpPr/>
+        <p:nvPr/>
+      </p:nvGrpSpPr>
+      <p:grpSpPr>
+        <a:xfrm>
+          <a:off x="0" y="0"/>
+          <a:ext cx="0" cy="0"/>
+          <a:chOff x="0" y="0"/>
+          <a:chExt cx="0" cy="0"/>
+        </a:xfrm>
+      </p:grpSpPr>
+      <p:pic>
+        <p:nvPicPr>
+          <p:cNvPr id="2" name="Picture 1">
+            <a:extLst>
+              <a:ext uri="{FF2B5EF4-FFF2-40B4-BE49-F238E27FC236}">
+                <a16:creationId xmlns:a16="http://schemas.microsoft.com/office/drawing/2014/main" id="{59B61738-5CA8-42EA-97E0-F79BA920BF81}"/>
+              </a:ext>
+            </a:extLst>
+          </p:cNvPr>
+          <p:cNvPicPr/>
+          <p:nvPr/>
+        </p:nvPicPr>
+        <p:blipFill rotWithShape="1">
+          <a:blip r:embed="rId2"/>
+          <a:srcRect b="4747"/>
+          <a:stretch/>
+        </p:blipFill>
+        <p:spPr bwMode="auto">
+          <a:xfrm>
+            <a:off x="0" y="0"/>
+            <a:ext cx="12192000" cy="6858000"/>
+          </a:xfrm>
+          <a:prstGeom prst="rect">
+            <a:avLst/>
+          </a:prstGeom>
+          <a:ln>
+            <a:noFill/>
+          </a:ln>
+          <a:extLst>
+            <a:ext uri="{53640926-AAD7-44D8-BBD7-CCE9431645EC}">
+              <a14:shadowObscured xmlns:a14="http://schemas.microsoft.com/office/drawing/2010/main"/>
+            </a:ext>
+          </a:extLst>
+        </p:spPr>
+      </p:pic>
+      <p:sp>
+        <p:nvSpPr>
+          <p:cNvPr id="3" name="Text Box 2">
+            <a:extLst>
+              <a:ext uri="{FF2B5EF4-FFF2-40B4-BE49-F238E27FC236}">
+                <a16:creationId xmlns:a16="http://schemas.microsoft.com/office/drawing/2014/main" id="{A8B280D1-5C4B-4530-B28D-EB2F8851644A}"/>
+              </a:ext>
+            </a:extLst>
+          </p:cNvPr>
+          <p:cNvSpPr txBox="1">
+            <a:spLocks noChangeArrowheads="1"/>
+          </p:cNvSpPr>
+          <p:nvPr/>
+        </p:nvSpPr>
+        <p:spPr bwMode="auto">
+          <a:xfrm>
+            <a:off x="8319208" y="461638"/>
+            <a:ext cx="2928799" cy="337353"/>
+          </a:xfrm>
+          <a:prstGeom prst="rect">
+            <a:avLst/>
+          </a:prstGeom>
+          <a:solidFill>
+            <a:schemeClr val="accent2"/>
+          </a:solidFill>
+          <a:ln w="9525">
+            <a:solidFill>
+              <a:srgbClr val="000000"/>
+            </a:solidFill>
+            <a:miter lim="800000"/>
+            <a:headEnd/>
+            <a:tailEnd/>
+          </a:ln>
+        </p:spPr>
+        <p:txBody>
+          <a:bodyPr rot="0" vert="horz" wrap="square" lIns="91440" tIns="45720" rIns="91440" bIns="45720" anchor="t" anchorCtr="0">
+            <a:noAutofit/>
+          </a:bodyPr>
+          <a:lstStyle/>
+          <a:p>
+            <a:pPr>
+              <a:lnSpc>
+                <a:spcPct val="107000"/>
+              </a:lnSpc>
+              <a:spcAft>
+                <a:spcPts val="800"/>
+              </a:spcAft>
+            </a:pPr>
+            <a:r>
+              <a:rPr lang="en-SG" sz="1200" b="1" dirty="0">
+                <a:solidFill>
+                  <a:schemeClr val="bg1"/>
+                </a:solidFill>
+                <a:effectLst/>
+                <a:latin typeface="Arial Nova Cond" panose="020B0506020202020204" pitchFamily="34" charset="0"/>
+                <a:ea typeface="Calibri" panose="020F0502020204030204" pitchFamily="34" charset="0"/>
+                <a:cs typeface="Times New Roman" panose="02020603050405020304" pitchFamily="18" charset="0"/>
+              </a:rPr>
+              <a:t>1. Type the command to add an employee</a:t>
+            </a:r>
+            <a:endParaRPr lang="en-SG" sz="1200" dirty="0">
+              <a:solidFill>
+                <a:schemeClr val="bg1"/>
+              </a:solidFill>
+              <a:effectLst/>
+              <a:latin typeface="Calibri" panose="020F0502020204030204" pitchFamily="34" charset="0"/>
+              <a:ea typeface="Calibri" panose="020F0502020204030204" pitchFamily="34" charset="0"/>
+              <a:cs typeface="Times New Roman" panose="02020603050405020304" pitchFamily="18" charset="0"/>
+            </a:endParaRPr>
+          </a:p>
+        </p:txBody>
+      </p:sp>
+      <p:cxnSp>
+        <p:nvCxnSpPr>
+          <p:cNvPr id="9" name="Straight Arrow Connector 8">
+            <a:extLst>
+              <a:ext uri="{FF2B5EF4-FFF2-40B4-BE49-F238E27FC236}">
+                <a16:creationId xmlns:a16="http://schemas.microsoft.com/office/drawing/2014/main" id="{7D5EF9DB-FF59-4A1C-9C92-D2F1996C5A9B}"/>
+              </a:ext>
+            </a:extLst>
+          </p:cNvPr>
+          <p:cNvCxnSpPr>
+            <a:stCxn id="3" idx="1"/>
+          </p:cNvCxnSpPr>
+          <p:nvPr/>
+        </p:nvCxnSpPr>
+        <p:spPr>
+          <a:xfrm flipH="1" flipV="1">
+            <a:off x="6178858" y="630314"/>
+            <a:ext cx="2140350" cy="1"/>
+          </a:xfrm>
+          <a:prstGeom prst="straightConnector1">
+            <a:avLst/>
+          </a:prstGeom>
+          <a:ln>
+            <a:solidFill>
+              <a:schemeClr val="accent2"/>
+            </a:solidFill>
+            <a:tailEnd type="triangle"/>
+          </a:ln>
+        </p:spPr>
+        <p:style>
+          <a:lnRef idx="1">
+            <a:schemeClr val="accent1"/>
+          </a:lnRef>
+          <a:fillRef idx="0">
+            <a:schemeClr val="accent1"/>
+          </a:fillRef>
+          <a:effectRef idx="0">
+            <a:schemeClr val="accent1"/>
+          </a:effectRef>
+          <a:fontRef idx="minor">
+            <a:schemeClr val="tx1"/>
+          </a:fontRef>
+        </p:style>
+      </p:cxnSp>
+      <p:sp>
+        <p:nvSpPr>
+          <p:cNvPr id="12" name="Text Box 2">
+            <a:extLst>
+              <a:ext uri="{FF2B5EF4-FFF2-40B4-BE49-F238E27FC236}">
+                <a16:creationId xmlns:a16="http://schemas.microsoft.com/office/drawing/2014/main" id="{06B06BFE-0C72-4775-A3BF-5CA414C1A730}"/>
+              </a:ext>
+            </a:extLst>
+          </p:cNvPr>
+          <p:cNvSpPr txBox="1">
+            <a:spLocks noChangeArrowheads="1"/>
+          </p:cNvSpPr>
+          <p:nvPr/>
+        </p:nvSpPr>
+        <p:spPr bwMode="auto">
+          <a:xfrm>
+            <a:off x="8319208" y="1145219"/>
+            <a:ext cx="2928799" cy="452763"/>
+          </a:xfrm>
+          <a:prstGeom prst="rect">
+            <a:avLst/>
+          </a:prstGeom>
+          <a:solidFill>
+            <a:schemeClr val="accent2"/>
+          </a:solidFill>
+          <a:ln w="9525">
+            <a:solidFill>
+              <a:srgbClr val="000000"/>
+            </a:solidFill>
+            <a:miter lim="800000"/>
+            <a:headEnd/>
+            <a:tailEnd/>
+          </a:ln>
+        </p:spPr>
+        <p:txBody>
+          <a:bodyPr rot="0" vert="horz" wrap="square" lIns="91440" tIns="45720" rIns="91440" bIns="45720" anchor="t" anchorCtr="0">
+            <a:noAutofit/>
+          </a:bodyPr>
+          <a:lstStyle/>
+          <a:p>
+            <a:pPr>
+              <a:lnSpc>
+                <a:spcPct val="107000"/>
+              </a:lnSpc>
+              <a:spcAft>
+                <a:spcPts val="800"/>
+              </a:spcAft>
+            </a:pPr>
+            <a:r>
+              <a:rPr lang="en-SG" sz="1200" b="1" dirty="0">
+                <a:solidFill>
+                  <a:schemeClr val="bg1"/>
+                </a:solidFill>
+                <a:latin typeface="Arial Nova Cond" panose="020B0506020202020204" pitchFamily="34" charset="0"/>
+                <a:ea typeface="Calibri" panose="020F0502020204030204" pitchFamily="34" charset="0"/>
+                <a:cs typeface="Times New Roman" panose="02020603050405020304" pitchFamily="18" charset="0"/>
+              </a:rPr>
+              <a:t>2. The details of the added employee will be indicated as a success message</a:t>
+            </a:r>
+            <a:endParaRPr lang="en-SG" sz="2000" dirty="0">
+              <a:solidFill>
+                <a:schemeClr val="bg1"/>
+              </a:solidFill>
+              <a:latin typeface="Calibri" panose="020F0502020204030204" pitchFamily="34" charset="0"/>
+              <a:ea typeface="Calibri" panose="020F0502020204030204" pitchFamily="34" charset="0"/>
+              <a:cs typeface="Times New Roman" panose="02020603050405020304" pitchFamily="18" charset="0"/>
+            </a:endParaRPr>
+          </a:p>
+        </p:txBody>
+      </p:sp>
+      <p:cxnSp>
+        <p:nvCxnSpPr>
+          <p:cNvPr id="14" name="Connector: Elbow 13">
+            <a:extLst>
+              <a:ext uri="{FF2B5EF4-FFF2-40B4-BE49-F238E27FC236}">
+                <a16:creationId xmlns:a16="http://schemas.microsoft.com/office/drawing/2014/main" id="{C4F474AB-1A54-4859-BBCA-9239987F3E79}"/>
+              </a:ext>
+            </a:extLst>
+          </p:cNvPr>
+          <p:cNvCxnSpPr>
+            <a:cxnSpLocks/>
+          </p:cNvCxnSpPr>
+          <p:nvPr/>
+        </p:nvCxnSpPr>
+        <p:spPr>
+          <a:xfrm rot="10800000">
+            <a:off x="7572652" y="1145220"/>
+            <a:ext cx="746560" cy="225767"/>
+          </a:xfrm>
+          <a:prstGeom prst="bentConnector3">
+            <a:avLst>
+              <a:gd name="adj1" fmla="val 99944"/>
+            </a:avLst>
+          </a:prstGeom>
+          <a:ln>
+            <a:solidFill>
+              <a:schemeClr val="accent2"/>
+            </a:solidFill>
+            <a:tailEnd type="triangle"/>
+          </a:ln>
+        </p:spPr>
+        <p:style>
+          <a:lnRef idx="1">
+            <a:schemeClr val="accent2"/>
+          </a:lnRef>
+          <a:fillRef idx="0">
+            <a:schemeClr val="accent2"/>
+          </a:fillRef>
+          <a:effectRef idx="0">
+            <a:schemeClr val="accent2"/>
+          </a:effectRef>
+          <a:fontRef idx="minor">
+            <a:schemeClr val="tx1"/>
+          </a:fontRef>
+        </p:style>
+      </p:cxnSp>
+      <p:sp>
+        <p:nvSpPr>
+          <p:cNvPr id="24" name="Text Box 2">
+            <a:extLst>
+              <a:ext uri="{FF2B5EF4-FFF2-40B4-BE49-F238E27FC236}">
+                <a16:creationId xmlns:a16="http://schemas.microsoft.com/office/drawing/2014/main" id="{5EFCA87F-7011-477E-9458-51DEAC349745}"/>
+              </a:ext>
+            </a:extLst>
+          </p:cNvPr>
+          <p:cNvSpPr txBox="1">
+            <a:spLocks noChangeArrowheads="1"/>
+          </p:cNvSpPr>
+          <p:nvPr/>
+        </p:nvSpPr>
+        <p:spPr bwMode="auto">
+          <a:xfrm>
+            <a:off x="2441359" y="3645025"/>
+            <a:ext cx="1351225" cy="1282082"/>
+          </a:xfrm>
+          <a:prstGeom prst="rect">
+            <a:avLst/>
+          </a:prstGeom>
+          <a:solidFill>
+            <a:schemeClr val="accent2"/>
+          </a:solidFill>
+          <a:ln w="9525">
+            <a:solidFill>
+              <a:srgbClr val="000000"/>
+            </a:solidFill>
+            <a:miter lim="800000"/>
+            <a:headEnd/>
+            <a:tailEnd/>
+          </a:ln>
+        </p:spPr>
+        <p:txBody>
+          <a:bodyPr rot="0" vert="horz" wrap="square" lIns="91440" tIns="45720" rIns="91440" bIns="45720" anchor="t" anchorCtr="0">
+            <a:noAutofit/>
+          </a:bodyPr>
+          <a:lstStyle/>
+          <a:p>
+            <a:pPr>
+              <a:lnSpc>
+                <a:spcPct val="107000"/>
+              </a:lnSpc>
+              <a:spcAft>
+                <a:spcPts val="800"/>
+              </a:spcAft>
+            </a:pPr>
+            <a:r>
+              <a:rPr lang="en-SG" sz="1200" b="1" dirty="0">
+                <a:solidFill>
+                  <a:schemeClr val="bg1"/>
+                </a:solidFill>
+                <a:effectLst/>
+                <a:latin typeface="Arial Nova Cond" panose="020B0506020202020204" pitchFamily="34" charset="0"/>
+                <a:ea typeface="Calibri" panose="020F0502020204030204" pitchFamily="34" charset="0"/>
+                <a:cs typeface="Times New Roman" panose="02020603050405020304" pitchFamily="18" charset="0"/>
+              </a:rPr>
+              <a:t>3. Panel will display the newly added employee. Clicking on it will display the employee card.</a:t>
+            </a:r>
+            <a:endParaRPr lang="en-SG" sz="1200" dirty="0">
+              <a:solidFill>
+                <a:schemeClr val="bg1"/>
+              </a:solidFill>
+              <a:effectLst/>
+              <a:latin typeface="Calibri" panose="020F0502020204030204" pitchFamily="34" charset="0"/>
+              <a:ea typeface="Calibri" panose="020F0502020204030204" pitchFamily="34" charset="0"/>
+              <a:cs typeface="Times New Roman" panose="02020603050405020304" pitchFamily="18" charset="0"/>
+            </a:endParaRPr>
+          </a:p>
+        </p:txBody>
+      </p:sp>
+      <p:sp>
+        <p:nvSpPr>
+          <p:cNvPr id="25" name="Right Brace 24">
+            <a:extLst>
+              <a:ext uri="{FF2B5EF4-FFF2-40B4-BE49-F238E27FC236}">
+                <a16:creationId xmlns:a16="http://schemas.microsoft.com/office/drawing/2014/main" id="{8118E930-36B4-4C3B-BE9F-B7F8AFA2BC5C}"/>
+              </a:ext>
+            </a:extLst>
+          </p:cNvPr>
+          <p:cNvSpPr/>
+          <p:nvPr/>
+        </p:nvSpPr>
+        <p:spPr>
+          <a:xfrm>
+            <a:off x="2148396" y="3680537"/>
+            <a:ext cx="292963" cy="1202183"/>
+          </a:xfrm>
+          <a:prstGeom prst="rightBrace">
+            <a:avLst/>
+          </a:prstGeom>
+          <a:ln>
+            <a:solidFill>
+              <a:schemeClr val="accent2"/>
+            </a:solidFill>
+          </a:ln>
+        </p:spPr>
+        <p:style>
+          <a:lnRef idx="1">
+            <a:schemeClr val="accent1"/>
+          </a:lnRef>
+          <a:fillRef idx="0">
+            <a:schemeClr val="accent1"/>
+          </a:fillRef>
+          <a:effectRef idx="0">
+            <a:schemeClr val="accent1"/>
+          </a:effectRef>
+          <a:fontRef idx="minor">
+            <a:schemeClr val="tx1"/>
+          </a:fontRef>
+        </p:style>
+        <p:txBody>
+          <a:bodyPr rtlCol="0" anchor="ctr"/>
+          <a:lstStyle/>
+          <a:p>
+            <a:pPr algn="ctr"/>
+            <a:endParaRPr lang="en-SG" dirty="0"/>
+          </a:p>
+        </p:txBody>
+      </p:sp>
+      <p:cxnSp>
+        <p:nvCxnSpPr>
+          <p:cNvPr id="27" name="Straight Arrow Connector 26">
+            <a:extLst>
+              <a:ext uri="{FF2B5EF4-FFF2-40B4-BE49-F238E27FC236}">
+                <a16:creationId xmlns:a16="http://schemas.microsoft.com/office/drawing/2014/main" id="{C2447E0D-8212-459F-AA99-705705131D78}"/>
+              </a:ext>
+            </a:extLst>
+          </p:cNvPr>
+          <p:cNvCxnSpPr/>
+          <p:nvPr/>
+        </p:nvCxnSpPr>
+        <p:spPr>
+          <a:xfrm>
+            <a:off x="3792584" y="4281628"/>
+            <a:ext cx="1471874" cy="0"/>
+          </a:xfrm>
+          <a:prstGeom prst="straightConnector1">
+            <a:avLst/>
+          </a:prstGeom>
+          <a:ln>
+            <a:solidFill>
+              <a:schemeClr val="accent2"/>
+            </a:solidFill>
+            <a:tailEnd type="triangle"/>
+          </a:ln>
+        </p:spPr>
+        <p:style>
+          <a:lnRef idx="1">
+            <a:schemeClr val="accent1"/>
+          </a:lnRef>
+          <a:fillRef idx="0">
+            <a:schemeClr val="accent1"/>
+          </a:fillRef>
+          <a:effectRef idx="0">
+            <a:schemeClr val="accent1"/>
+          </a:effectRef>
+          <a:fontRef idx="minor">
+            <a:schemeClr val="tx1"/>
+          </a:fontRef>
+        </p:style>
+      </p:cxnSp>
+      <p:sp>
+        <p:nvSpPr>
+          <p:cNvPr id="28" name="Text Box 2">
+            <a:extLst>
+              <a:ext uri="{FF2B5EF4-FFF2-40B4-BE49-F238E27FC236}">
+                <a16:creationId xmlns:a16="http://schemas.microsoft.com/office/drawing/2014/main" id="{53F11C72-F7DB-49DD-A49F-56CA03E50784}"/>
+              </a:ext>
+            </a:extLst>
+          </p:cNvPr>
+          <p:cNvSpPr txBox="1">
+            <a:spLocks noChangeArrowheads="1"/>
+          </p:cNvSpPr>
+          <p:nvPr/>
+        </p:nvSpPr>
+        <p:spPr bwMode="auto">
+          <a:xfrm>
+            <a:off x="5477523" y="5504162"/>
+            <a:ext cx="3400148" cy="519333"/>
+          </a:xfrm>
+          <a:prstGeom prst="rect">
+            <a:avLst/>
+          </a:prstGeom>
+          <a:solidFill>
+            <a:schemeClr val="accent2"/>
+          </a:solidFill>
+          <a:ln w="9525">
+            <a:solidFill>
+              <a:srgbClr val="000000"/>
+            </a:solidFill>
+            <a:miter lim="800000"/>
+            <a:headEnd/>
+            <a:tailEnd/>
+          </a:ln>
+        </p:spPr>
+        <p:txBody>
+          <a:bodyPr rot="0" vert="horz" wrap="square" lIns="91440" tIns="45720" rIns="91440" bIns="45720" anchor="t" anchorCtr="0">
+            <a:noAutofit/>
+          </a:bodyPr>
+          <a:lstStyle/>
+          <a:p>
+            <a:pPr>
+              <a:lnSpc>
+                <a:spcPct val="107000"/>
+              </a:lnSpc>
+              <a:spcAft>
+                <a:spcPts val="800"/>
+              </a:spcAft>
+            </a:pPr>
+            <a:r>
+              <a:rPr lang="en-SG" sz="1200" b="1" dirty="0">
+                <a:solidFill>
+                  <a:schemeClr val="bg1"/>
+                </a:solidFill>
+                <a:effectLst/>
+                <a:latin typeface="Arial Nova Cond" panose="020B0506020202020204" pitchFamily="34" charset="0"/>
+                <a:ea typeface="Calibri" panose="020F0502020204030204" pitchFamily="34" charset="0"/>
+                <a:cs typeface="Times New Roman" panose="02020603050405020304" pitchFamily="18" charset="0"/>
+              </a:rPr>
+              <a:t>4. The employee card which contains key details of the employee.</a:t>
+            </a:r>
+            <a:endParaRPr lang="en-SG" sz="1200" dirty="0">
+              <a:solidFill>
+                <a:schemeClr val="bg1"/>
+              </a:solidFill>
+              <a:effectLst/>
+              <a:latin typeface="Calibri" panose="020F0502020204030204" pitchFamily="34" charset="0"/>
+              <a:ea typeface="Calibri" panose="020F0502020204030204" pitchFamily="34" charset="0"/>
+              <a:cs typeface="Times New Roman" panose="02020603050405020304" pitchFamily="18" charset="0"/>
+            </a:endParaRPr>
+          </a:p>
+        </p:txBody>
+      </p:sp>
+      <p:sp>
+        <p:nvSpPr>
+          <p:cNvPr id="29" name="Text Box 2">
+            <a:extLst>
+              <a:ext uri="{FF2B5EF4-FFF2-40B4-BE49-F238E27FC236}">
+                <a16:creationId xmlns:a16="http://schemas.microsoft.com/office/drawing/2014/main" id="{7D89CDAA-BA33-4FE8-9ECB-247CA188E386}"/>
+              </a:ext>
+            </a:extLst>
+          </p:cNvPr>
+          <p:cNvSpPr txBox="1">
+            <a:spLocks noChangeArrowheads="1"/>
+          </p:cNvSpPr>
+          <p:nvPr/>
+        </p:nvSpPr>
+        <p:spPr bwMode="auto">
+          <a:xfrm>
+            <a:off x="9750641" y="4741418"/>
+            <a:ext cx="1498295" cy="1282077"/>
+          </a:xfrm>
+          <a:prstGeom prst="rect">
+            <a:avLst/>
+          </a:prstGeom>
+          <a:solidFill>
+            <a:schemeClr val="accent2"/>
+          </a:solidFill>
+          <a:ln w="9525">
+            <a:solidFill>
+              <a:srgbClr val="000000"/>
+            </a:solidFill>
+            <a:miter lim="800000"/>
+            <a:headEnd/>
+            <a:tailEnd/>
+          </a:ln>
+        </p:spPr>
+        <p:txBody>
+          <a:bodyPr rot="0" vert="horz" wrap="square" lIns="91440" tIns="45720" rIns="91440" bIns="45720" anchor="t" anchorCtr="0">
+            <a:noAutofit/>
+          </a:bodyPr>
+          <a:lstStyle/>
+          <a:p>
+            <a:pPr>
+              <a:lnSpc>
+                <a:spcPct val="107000"/>
+              </a:lnSpc>
+              <a:spcAft>
+                <a:spcPts val="800"/>
+              </a:spcAft>
+            </a:pPr>
+            <a:r>
+              <a:rPr lang="en-SG" sz="1200" b="1" dirty="0">
+                <a:solidFill>
+                  <a:schemeClr val="bg1"/>
+                </a:solidFill>
+                <a:effectLst/>
+                <a:latin typeface="Arial Nova Cond" panose="020B0506020202020204" pitchFamily="34" charset="0"/>
+                <a:ea typeface="Calibri" panose="020F0502020204030204" pitchFamily="34" charset="0"/>
+                <a:cs typeface="Times New Roman" panose="02020603050405020304" pitchFamily="18" charset="0"/>
+              </a:rPr>
+              <a:t>5. Toggling the arrow leads to a loaded GitHub page of the employee based on his GitHub account username.</a:t>
+            </a:r>
+            <a:endParaRPr lang="en-SG" sz="1200" dirty="0">
+              <a:solidFill>
+                <a:schemeClr val="bg1"/>
+              </a:solidFill>
+              <a:effectLst/>
+              <a:latin typeface="Calibri" panose="020F0502020204030204" pitchFamily="34" charset="0"/>
+              <a:ea typeface="Calibri" panose="020F0502020204030204" pitchFamily="34" charset="0"/>
+              <a:cs typeface="Times New Roman" panose="02020603050405020304" pitchFamily="18" charset="0"/>
+            </a:endParaRPr>
+          </a:p>
+        </p:txBody>
+      </p:sp>
+      <p:cxnSp>
+        <p:nvCxnSpPr>
+          <p:cNvPr id="33" name="Connector: Elbow 32">
+            <a:extLst>
+              <a:ext uri="{FF2B5EF4-FFF2-40B4-BE49-F238E27FC236}">
+                <a16:creationId xmlns:a16="http://schemas.microsoft.com/office/drawing/2014/main" id="{7A00DE62-8107-4B73-A572-9B4B35B0544F}"/>
+              </a:ext>
+            </a:extLst>
+          </p:cNvPr>
+          <p:cNvCxnSpPr>
+            <a:stCxn id="29" idx="0"/>
+          </p:cNvCxnSpPr>
+          <p:nvPr/>
+        </p:nvCxnSpPr>
+        <p:spPr>
+          <a:xfrm rot="5400000" flipH="1" flipV="1">
+            <a:off x="10664902" y="4034025"/>
+            <a:ext cx="542280" cy="872506"/>
+          </a:xfrm>
+          <a:prstGeom prst="bentConnector2">
+            <a:avLst/>
+          </a:prstGeom>
+          <a:ln>
+            <a:solidFill>
+              <a:schemeClr val="accent2"/>
+            </a:solidFill>
+            <a:tailEnd type="triangle"/>
+          </a:ln>
+        </p:spPr>
+        <p:style>
+          <a:lnRef idx="1">
+            <a:schemeClr val="accent1"/>
+          </a:lnRef>
+          <a:fillRef idx="0">
+            <a:schemeClr val="accent1"/>
+          </a:fillRef>
+          <a:effectRef idx="0">
+            <a:schemeClr val="accent1"/>
+          </a:effectRef>
+          <a:fontRef idx="minor">
+            <a:schemeClr val="tx1"/>
+          </a:fontRef>
+        </p:style>
+      </p:cxnSp>
+    </p:spTree>
+    <p:extLst>
+      <p:ext uri="{BB962C8B-B14F-4D97-AF65-F5344CB8AC3E}">
+        <p14:creationId xmlns:p14="http://schemas.microsoft.com/office/powerpoint/2010/main" val="2312534276"/>
+      </p:ext>
+    </p:extLst>
+  </p:cSld>
+  <p:clrMapOvr>
+    <a:masterClrMapping/>
+  </p:clrMapOvr>
+</p:sld>
+</file>
+
+<file path=ppt/slides/slide5.xml><?xml version="1.0" encoding="utf-8"?>
+<p:sld xmlns:a="http://schemas.openxmlformats.org/drawingml/2006/main" xmlns:r="http://schemas.openxmlformats.org/officeDocument/2006/relationships" xmlns:p="http://schemas.openxmlformats.org/presentationml/2006/main">
+  <p:cSld>
+    <p:spTree>
+      <p:nvGrpSpPr>
+        <p:cNvPr id="1" name=""/>
+        <p:cNvGrpSpPr/>
+        <p:nvPr/>
+      </p:nvGrpSpPr>
+      <p:grpSpPr>
+        <a:xfrm>
+          <a:off x="0" y="0"/>
+          <a:ext cx="0" cy="0"/>
+          <a:chOff x="0" y="0"/>
+          <a:chExt cx="0" cy="0"/>
+        </a:xfrm>
+      </p:grpSpPr>
+      <p:pic>
+        <p:nvPicPr>
+          <p:cNvPr id="2" name="Picture 1">
+            <a:extLst>
+              <a:ext uri="{FF2B5EF4-FFF2-40B4-BE49-F238E27FC236}">
+                <a16:creationId xmlns:a16="http://schemas.microsoft.com/office/drawing/2014/main" id="{635C4910-D849-43CB-848D-D6CE9A628B28}"/>
+              </a:ext>
+            </a:extLst>
+          </p:cNvPr>
+          <p:cNvPicPr>
+            <a:picLocks noChangeAspect="1"/>
+          </p:cNvPicPr>
+          <p:nvPr/>
+        </p:nvPicPr>
+        <p:blipFill rotWithShape="1">
+          <a:blip r:embed="rId2"/>
+          <a:srcRect b="4722"/>
+          <a:stretch/>
+        </p:blipFill>
+        <p:spPr>
+          <a:xfrm>
+            <a:off x="0" y="0"/>
+            <a:ext cx="12192000" cy="6858000"/>
+          </a:xfrm>
+          <a:prstGeom prst="rect">
+            <a:avLst/>
+          </a:prstGeom>
+        </p:spPr>
+      </p:pic>
+      <p:sp>
+        <p:nvSpPr>
+          <p:cNvPr id="3" name="Text Box 2">
+            <a:extLst>
+              <a:ext uri="{FF2B5EF4-FFF2-40B4-BE49-F238E27FC236}">
+                <a16:creationId xmlns:a16="http://schemas.microsoft.com/office/drawing/2014/main" id="{2E5D2E44-2D75-4C7B-A5DB-3DCD58BDCF84}"/>
+              </a:ext>
+            </a:extLst>
+          </p:cNvPr>
+          <p:cNvSpPr txBox="1">
+            <a:spLocks noChangeArrowheads="1"/>
+          </p:cNvSpPr>
+          <p:nvPr/>
+        </p:nvSpPr>
+        <p:spPr bwMode="auto">
+          <a:xfrm>
+            <a:off x="8324479" y="461637"/>
+            <a:ext cx="2928799" cy="337353"/>
+          </a:xfrm>
+          <a:prstGeom prst="rect">
+            <a:avLst/>
+          </a:prstGeom>
+          <a:solidFill>
+            <a:schemeClr val="accent2"/>
+          </a:solidFill>
+          <a:ln w="9525">
+            <a:solidFill>
+              <a:srgbClr val="000000"/>
+            </a:solidFill>
+            <a:miter lim="800000"/>
+            <a:headEnd/>
+            <a:tailEnd/>
+          </a:ln>
+        </p:spPr>
+        <p:txBody>
+          <a:bodyPr rot="0" vert="horz" wrap="square" lIns="91440" tIns="45720" rIns="91440" bIns="45720" anchor="t" anchorCtr="0">
+            <a:noAutofit/>
+          </a:bodyPr>
+          <a:lstStyle/>
+          <a:p>
+            <a:pPr>
+              <a:lnSpc>
+                <a:spcPct val="107000"/>
+              </a:lnSpc>
+              <a:spcAft>
+                <a:spcPts val="800"/>
+              </a:spcAft>
+            </a:pPr>
+            <a:r>
+              <a:rPr lang="en-SG" sz="1200" b="1" dirty="0">
+                <a:solidFill>
+                  <a:schemeClr val="bg1"/>
+                </a:solidFill>
+                <a:effectLst/>
+                <a:latin typeface="Arial Nova Cond" panose="020B0506020202020204" pitchFamily="34" charset="0"/>
+                <a:ea typeface="Calibri" panose="020F0502020204030204" pitchFamily="34" charset="0"/>
+                <a:cs typeface="Times New Roman" panose="02020603050405020304" pitchFamily="18" charset="0"/>
+              </a:rPr>
+              <a:t>1. Type the command to add a project</a:t>
+            </a:r>
+            <a:endParaRPr lang="en-SG" sz="1200" dirty="0">
+              <a:solidFill>
+                <a:schemeClr val="bg1"/>
+              </a:solidFill>
+              <a:effectLst/>
+              <a:latin typeface="Calibri" panose="020F0502020204030204" pitchFamily="34" charset="0"/>
+              <a:ea typeface="Calibri" panose="020F0502020204030204" pitchFamily="34" charset="0"/>
+              <a:cs typeface="Times New Roman" panose="02020603050405020304" pitchFamily="18" charset="0"/>
+            </a:endParaRPr>
+          </a:p>
+        </p:txBody>
+      </p:sp>
+      <p:cxnSp>
+        <p:nvCxnSpPr>
+          <p:cNvPr id="5" name="Straight Arrow Connector 4">
+            <a:extLst>
+              <a:ext uri="{FF2B5EF4-FFF2-40B4-BE49-F238E27FC236}">
+                <a16:creationId xmlns:a16="http://schemas.microsoft.com/office/drawing/2014/main" id="{1AB3D446-4316-4808-80C8-AE9B35F8FFA5}"/>
+              </a:ext>
+            </a:extLst>
+          </p:cNvPr>
+          <p:cNvCxnSpPr>
+            <a:cxnSpLocks/>
+            <a:stCxn id="3" idx="1"/>
+          </p:cNvCxnSpPr>
+          <p:nvPr/>
+        </p:nvCxnSpPr>
+        <p:spPr>
+          <a:xfrm flipH="1">
+            <a:off x="4724401" y="630314"/>
+            <a:ext cx="3600078" cy="1"/>
+          </a:xfrm>
+          <a:prstGeom prst="straightConnector1">
+            <a:avLst/>
+          </a:prstGeom>
+          <a:ln>
+            <a:solidFill>
+              <a:schemeClr val="accent2"/>
+            </a:solidFill>
+            <a:tailEnd type="triangle"/>
+          </a:ln>
+        </p:spPr>
+        <p:style>
+          <a:lnRef idx="1">
+            <a:schemeClr val="accent1"/>
+          </a:lnRef>
+          <a:fillRef idx="0">
+            <a:schemeClr val="accent1"/>
+          </a:fillRef>
+          <a:effectRef idx="0">
+            <a:schemeClr val="accent1"/>
+          </a:effectRef>
+          <a:fontRef idx="minor">
+            <a:schemeClr val="tx1"/>
+          </a:fontRef>
+        </p:style>
+      </p:cxnSp>
+      <p:sp>
+        <p:nvSpPr>
+          <p:cNvPr id="7" name="Text Box 2">
+            <a:extLst>
+              <a:ext uri="{FF2B5EF4-FFF2-40B4-BE49-F238E27FC236}">
+                <a16:creationId xmlns:a16="http://schemas.microsoft.com/office/drawing/2014/main" id="{C6AF9B88-6406-4897-A86F-431A12A3A878}"/>
+              </a:ext>
+            </a:extLst>
+          </p:cNvPr>
+          <p:cNvSpPr txBox="1">
+            <a:spLocks noChangeArrowheads="1"/>
+          </p:cNvSpPr>
+          <p:nvPr/>
+        </p:nvSpPr>
+        <p:spPr bwMode="auto">
+          <a:xfrm>
+            <a:off x="8324478" y="976541"/>
+            <a:ext cx="2928799" cy="452763"/>
+          </a:xfrm>
+          <a:prstGeom prst="rect">
+            <a:avLst/>
+          </a:prstGeom>
+          <a:solidFill>
+            <a:schemeClr val="accent2"/>
+          </a:solidFill>
+          <a:ln w="9525">
+            <a:solidFill>
+              <a:srgbClr val="000000"/>
+            </a:solidFill>
+            <a:miter lim="800000"/>
+            <a:headEnd/>
+            <a:tailEnd/>
+          </a:ln>
+        </p:spPr>
+        <p:txBody>
+          <a:bodyPr rot="0" vert="horz" wrap="square" lIns="91440" tIns="45720" rIns="91440" bIns="45720" anchor="t" anchorCtr="0">
+            <a:noAutofit/>
+          </a:bodyPr>
+          <a:lstStyle/>
+          <a:p>
+            <a:pPr>
+              <a:lnSpc>
+                <a:spcPct val="107000"/>
+              </a:lnSpc>
+              <a:spcAft>
+                <a:spcPts val="800"/>
+              </a:spcAft>
+            </a:pPr>
+            <a:r>
+              <a:rPr lang="en-SG" sz="1200" b="1" dirty="0">
+                <a:solidFill>
+                  <a:schemeClr val="bg1"/>
+                </a:solidFill>
+                <a:latin typeface="Arial Nova Cond" panose="020B0506020202020204" pitchFamily="34" charset="0"/>
+                <a:ea typeface="Calibri" panose="020F0502020204030204" pitchFamily="34" charset="0"/>
+                <a:cs typeface="Times New Roman" panose="02020603050405020304" pitchFamily="18" charset="0"/>
+              </a:rPr>
+              <a:t>2. The details of the added project will be indicated as a success message.</a:t>
+            </a:r>
+            <a:endParaRPr lang="en-SG" sz="2000" dirty="0">
+              <a:solidFill>
+                <a:schemeClr val="bg1"/>
+              </a:solidFill>
+              <a:latin typeface="Calibri" panose="020F0502020204030204" pitchFamily="34" charset="0"/>
+              <a:ea typeface="Calibri" panose="020F0502020204030204" pitchFamily="34" charset="0"/>
+              <a:cs typeface="Times New Roman" panose="02020603050405020304" pitchFamily="18" charset="0"/>
+            </a:endParaRPr>
+          </a:p>
+        </p:txBody>
+      </p:sp>
+      <p:cxnSp>
+        <p:nvCxnSpPr>
+          <p:cNvPr id="13" name="Straight Arrow Connector 12">
+            <a:extLst>
+              <a:ext uri="{FF2B5EF4-FFF2-40B4-BE49-F238E27FC236}">
+                <a16:creationId xmlns:a16="http://schemas.microsoft.com/office/drawing/2014/main" id="{0F1D0CA1-7643-4296-83F8-493E686EFB89}"/>
+              </a:ext>
+            </a:extLst>
+          </p:cNvPr>
+          <p:cNvCxnSpPr>
+            <a:cxnSpLocks/>
+          </p:cNvCxnSpPr>
+          <p:nvPr/>
+        </p:nvCxnSpPr>
+        <p:spPr>
+          <a:xfrm flipH="1">
+            <a:off x="6889072" y="1211799"/>
+            <a:ext cx="1561174" cy="0"/>
+          </a:xfrm>
+          <a:prstGeom prst="straightConnector1">
+            <a:avLst/>
+          </a:prstGeom>
+          <a:ln>
+            <a:solidFill>
+              <a:schemeClr val="accent2"/>
+            </a:solidFill>
+            <a:tailEnd type="triangle"/>
+          </a:ln>
+        </p:spPr>
+        <p:style>
+          <a:lnRef idx="1">
+            <a:schemeClr val="accent1"/>
+          </a:lnRef>
+          <a:fillRef idx="0">
+            <a:schemeClr val="accent1"/>
+          </a:fillRef>
+          <a:effectRef idx="0">
+            <a:schemeClr val="accent1"/>
+          </a:effectRef>
+          <a:fontRef idx="minor">
+            <a:schemeClr val="tx1"/>
+          </a:fontRef>
+        </p:style>
+      </p:cxnSp>
+      <p:sp>
+        <p:nvSpPr>
+          <p:cNvPr id="15" name="Right Brace 14">
+            <a:extLst>
+              <a:ext uri="{FF2B5EF4-FFF2-40B4-BE49-F238E27FC236}">
+                <a16:creationId xmlns:a16="http://schemas.microsoft.com/office/drawing/2014/main" id="{8A63CBB2-E745-4E00-A745-D9F58472E727}"/>
+              </a:ext>
+            </a:extLst>
+          </p:cNvPr>
+          <p:cNvSpPr/>
+          <p:nvPr/>
+        </p:nvSpPr>
+        <p:spPr>
+          <a:xfrm>
+            <a:off x="2148396" y="3574001"/>
+            <a:ext cx="292963" cy="1104531"/>
+          </a:xfrm>
+          <a:prstGeom prst="rightBrace">
+            <a:avLst/>
+          </a:prstGeom>
+          <a:ln>
+            <a:solidFill>
+              <a:schemeClr val="accent2"/>
+            </a:solidFill>
+          </a:ln>
+        </p:spPr>
+        <p:style>
+          <a:lnRef idx="1">
+            <a:schemeClr val="accent1"/>
+          </a:lnRef>
+          <a:fillRef idx="0">
+            <a:schemeClr val="accent1"/>
+          </a:fillRef>
+          <a:effectRef idx="0">
+            <a:schemeClr val="accent1"/>
+          </a:effectRef>
+          <a:fontRef idx="minor">
+            <a:schemeClr val="tx1"/>
+          </a:fontRef>
+        </p:style>
+        <p:txBody>
+          <a:bodyPr rtlCol="0" anchor="ctr"/>
+          <a:lstStyle/>
+          <a:p>
+            <a:pPr algn="ctr"/>
+            <a:endParaRPr lang="en-SG" dirty="0"/>
+          </a:p>
+        </p:txBody>
+      </p:sp>
+      <p:sp>
+        <p:nvSpPr>
+          <p:cNvPr id="16" name="Text Box 2">
+            <a:extLst>
+              <a:ext uri="{FF2B5EF4-FFF2-40B4-BE49-F238E27FC236}">
+                <a16:creationId xmlns:a16="http://schemas.microsoft.com/office/drawing/2014/main" id="{C588A42A-DB81-4566-BA44-A713DDE2D716}"/>
+              </a:ext>
+            </a:extLst>
+          </p:cNvPr>
+          <p:cNvSpPr txBox="1">
+            <a:spLocks noChangeArrowheads="1"/>
+          </p:cNvSpPr>
+          <p:nvPr/>
+        </p:nvSpPr>
+        <p:spPr bwMode="auto">
+          <a:xfrm>
+            <a:off x="2441359" y="3485225"/>
+            <a:ext cx="1351225" cy="1282082"/>
+          </a:xfrm>
+          <a:prstGeom prst="rect">
+            <a:avLst/>
+          </a:prstGeom>
+          <a:solidFill>
+            <a:schemeClr val="accent2"/>
+          </a:solidFill>
+          <a:ln w="9525">
+            <a:solidFill>
+              <a:srgbClr val="000000"/>
+            </a:solidFill>
+            <a:miter lim="800000"/>
+            <a:headEnd/>
+            <a:tailEnd/>
+          </a:ln>
+        </p:spPr>
+        <p:txBody>
+          <a:bodyPr rot="0" vert="horz" wrap="square" lIns="91440" tIns="45720" rIns="91440" bIns="45720" anchor="t" anchorCtr="0">
+            <a:noAutofit/>
+          </a:bodyPr>
+          <a:lstStyle/>
+          <a:p>
+            <a:pPr>
+              <a:lnSpc>
+                <a:spcPct val="107000"/>
+              </a:lnSpc>
+              <a:spcAft>
+                <a:spcPts val="800"/>
+              </a:spcAft>
+            </a:pPr>
+            <a:r>
+              <a:rPr lang="en-SG" sz="1200" b="1" dirty="0">
+                <a:solidFill>
+                  <a:schemeClr val="bg1"/>
+                </a:solidFill>
+                <a:effectLst/>
+                <a:latin typeface="Arial Nova Cond" panose="020B0506020202020204" pitchFamily="34" charset="0"/>
+                <a:ea typeface="Calibri" panose="020F0502020204030204" pitchFamily="34" charset="0"/>
+                <a:cs typeface="Times New Roman" panose="02020603050405020304" pitchFamily="18" charset="0"/>
+              </a:rPr>
+              <a:t>3. Panel will display the newly added project. Clicking on it will display the project card.</a:t>
+            </a:r>
+            <a:endParaRPr lang="en-SG" sz="1200" dirty="0">
+              <a:solidFill>
+                <a:schemeClr val="bg1"/>
+              </a:solidFill>
+              <a:effectLst/>
+              <a:latin typeface="Calibri" panose="020F0502020204030204" pitchFamily="34" charset="0"/>
+              <a:ea typeface="Calibri" panose="020F0502020204030204" pitchFamily="34" charset="0"/>
+              <a:cs typeface="Times New Roman" panose="02020603050405020304" pitchFamily="18" charset="0"/>
+            </a:endParaRPr>
+          </a:p>
+        </p:txBody>
+      </p:sp>
+      <p:cxnSp>
+        <p:nvCxnSpPr>
+          <p:cNvPr id="17" name="Straight Arrow Connector 16">
+            <a:extLst>
+              <a:ext uri="{FF2B5EF4-FFF2-40B4-BE49-F238E27FC236}">
+                <a16:creationId xmlns:a16="http://schemas.microsoft.com/office/drawing/2014/main" id="{3DEAB8B1-49CA-4625-BF07-E338095951D1}"/>
+              </a:ext>
+            </a:extLst>
+          </p:cNvPr>
+          <p:cNvCxnSpPr>
+            <a:cxnSpLocks/>
+          </p:cNvCxnSpPr>
+          <p:nvPr/>
+        </p:nvCxnSpPr>
+        <p:spPr>
+          <a:xfrm>
+            <a:off x="3792584" y="4121829"/>
+            <a:ext cx="1631672" cy="0"/>
+          </a:xfrm>
+          <a:prstGeom prst="straightConnector1">
+            <a:avLst/>
+          </a:prstGeom>
+          <a:ln>
+            <a:solidFill>
+              <a:schemeClr val="accent2"/>
+            </a:solidFill>
+            <a:tailEnd type="triangle"/>
+          </a:ln>
+        </p:spPr>
+        <p:style>
+          <a:lnRef idx="1">
+            <a:schemeClr val="accent1"/>
+          </a:lnRef>
+          <a:fillRef idx="0">
+            <a:schemeClr val="accent1"/>
+          </a:fillRef>
+          <a:effectRef idx="0">
+            <a:schemeClr val="accent1"/>
+          </a:effectRef>
+          <a:fontRef idx="minor">
+            <a:schemeClr val="tx1"/>
+          </a:fontRef>
+        </p:style>
+      </p:cxnSp>
+      <p:sp>
+        <p:nvSpPr>
+          <p:cNvPr id="19" name="Text Box 2">
+            <a:extLst>
+              <a:ext uri="{FF2B5EF4-FFF2-40B4-BE49-F238E27FC236}">
+                <a16:creationId xmlns:a16="http://schemas.microsoft.com/office/drawing/2014/main" id="{6AEE2983-29BE-4830-BB29-E21317E73D4E}"/>
+              </a:ext>
+            </a:extLst>
+          </p:cNvPr>
+          <p:cNvSpPr txBox="1">
+            <a:spLocks noChangeArrowheads="1"/>
+          </p:cNvSpPr>
+          <p:nvPr/>
+        </p:nvSpPr>
+        <p:spPr bwMode="auto">
+          <a:xfrm>
+            <a:off x="5477523" y="5513040"/>
+            <a:ext cx="3400148" cy="519333"/>
+          </a:xfrm>
+          <a:prstGeom prst="rect">
+            <a:avLst/>
+          </a:prstGeom>
+          <a:solidFill>
+            <a:schemeClr val="accent2"/>
+          </a:solidFill>
+          <a:ln w="9525">
+            <a:solidFill>
+              <a:srgbClr val="000000"/>
+            </a:solidFill>
+            <a:miter lim="800000"/>
+            <a:headEnd/>
+            <a:tailEnd/>
+          </a:ln>
+        </p:spPr>
+        <p:txBody>
+          <a:bodyPr rot="0" vert="horz" wrap="square" lIns="91440" tIns="45720" rIns="91440" bIns="45720" anchor="t" anchorCtr="0">
+            <a:noAutofit/>
+          </a:bodyPr>
+          <a:lstStyle/>
+          <a:p>
+            <a:pPr>
+              <a:lnSpc>
+                <a:spcPct val="107000"/>
+              </a:lnSpc>
+              <a:spcAft>
+                <a:spcPts val="800"/>
+              </a:spcAft>
+            </a:pPr>
+            <a:r>
+              <a:rPr lang="en-SG" sz="1200" b="1" dirty="0">
+                <a:solidFill>
+                  <a:schemeClr val="bg1"/>
+                </a:solidFill>
+                <a:effectLst/>
+                <a:latin typeface="Arial Nova Cond" panose="020B0506020202020204" pitchFamily="34" charset="0"/>
+                <a:ea typeface="Calibri" panose="020F0502020204030204" pitchFamily="34" charset="0"/>
+                <a:cs typeface="Times New Roman" panose="02020603050405020304" pitchFamily="18" charset="0"/>
+              </a:rPr>
+              <a:t>4. The project card which contains key initial details of the project.</a:t>
+            </a:r>
+            <a:endParaRPr lang="en-SG" sz="1200" dirty="0">
+              <a:solidFill>
+                <a:schemeClr val="bg1"/>
+              </a:solidFill>
+              <a:effectLst/>
+              <a:latin typeface="Calibri" panose="020F0502020204030204" pitchFamily="34" charset="0"/>
+              <a:ea typeface="Calibri" panose="020F0502020204030204" pitchFamily="34" charset="0"/>
+              <a:cs typeface="Times New Roman" panose="02020603050405020304" pitchFamily="18" charset="0"/>
+            </a:endParaRPr>
+          </a:p>
+        </p:txBody>
+      </p:sp>
+      <p:sp>
+        <p:nvSpPr>
+          <p:cNvPr id="21" name="TextBox 20">
+            <a:extLst>
+              <a:ext uri="{FF2B5EF4-FFF2-40B4-BE49-F238E27FC236}">
+                <a16:creationId xmlns:a16="http://schemas.microsoft.com/office/drawing/2014/main" id="{18EE55AF-F077-4867-B380-0675BC328F9B}"/>
+              </a:ext>
+            </a:extLst>
+          </p:cNvPr>
+          <p:cNvSpPr txBox="1"/>
+          <p:nvPr/>
+        </p:nvSpPr>
+        <p:spPr>
+          <a:xfrm>
+            <a:off x="5628443" y="3045041"/>
+            <a:ext cx="3080551" cy="519308"/>
+          </a:xfrm>
+          <a:prstGeom prst="rect">
+            <a:avLst/>
+          </a:prstGeom>
+          <a:noFill/>
+          <a:ln w="57150">
+            <a:solidFill>
+              <a:schemeClr val="accent2"/>
+            </a:solidFill>
+          </a:ln>
+        </p:spPr>
+        <p:txBody>
+          <a:bodyPr wrap="square" rtlCol="0">
+            <a:spAutoFit/>
+          </a:bodyPr>
+          <a:lstStyle/>
+          <a:p>
+            <a:endParaRPr lang="en-SG" dirty="0"/>
+          </a:p>
+        </p:txBody>
+      </p:sp>
+      <p:sp>
+        <p:nvSpPr>
+          <p:cNvPr id="22" name="Text Box 2">
+            <a:extLst>
+              <a:ext uri="{FF2B5EF4-FFF2-40B4-BE49-F238E27FC236}">
+                <a16:creationId xmlns:a16="http://schemas.microsoft.com/office/drawing/2014/main" id="{4C0D30C6-DC8B-42D0-9BF4-E266D34F3539}"/>
+              </a:ext>
+            </a:extLst>
+          </p:cNvPr>
+          <p:cNvSpPr txBox="1">
+            <a:spLocks noChangeArrowheads="1"/>
+          </p:cNvSpPr>
+          <p:nvPr/>
+        </p:nvSpPr>
+        <p:spPr bwMode="auto">
+          <a:xfrm>
+            <a:off x="9687017" y="2649613"/>
+            <a:ext cx="1566260" cy="1282082"/>
+          </a:xfrm>
+          <a:prstGeom prst="rect">
+            <a:avLst/>
+          </a:prstGeom>
+          <a:solidFill>
+            <a:schemeClr val="accent2"/>
+          </a:solidFill>
+          <a:ln w="9525">
+            <a:solidFill>
+              <a:srgbClr val="000000"/>
+            </a:solidFill>
+            <a:miter lim="800000"/>
+            <a:headEnd/>
+            <a:tailEnd/>
+          </a:ln>
+        </p:spPr>
+        <p:txBody>
+          <a:bodyPr rot="0" vert="horz" wrap="square" lIns="91440" tIns="45720" rIns="91440" bIns="45720" anchor="t" anchorCtr="0">
+            <a:noAutofit/>
+          </a:bodyPr>
+          <a:lstStyle/>
+          <a:p>
+            <a:pPr>
+              <a:lnSpc>
+                <a:spcPct val="107000"/>
+              </a:lnSpc>
+              <a:spcAft>
+                <a:spcPts val="800"/>
+              </a:spcAft>
+            </a:pPr>
+            <a:r>
+              <a:rPr lang="en-SG" sz="1200" b="1" dirty="0">
+                <a:solidFill>
+                  <a:schemeClr val="bg1"/>
+                </a:solidFill>
+                <a:latin typeface="Arial Nova Cond" panose="020B0506020202020204" pitchFamily="34" charset="0"/>
+                <a:ea typeface="Calibri" panose="020F0502020204030204" pitchFamily="34" charset="0"/>
+                <a:cs typeface="Times New Roman" panose="02020603050405020304" pitchFamily="18" charset="0"/>
+              </a:rPr>
+              <a:t>5</a:t>
+            </a:r>
+            <a:r>
+              <a:rPr lang="en-SG" sz="1200" b="1" dirty="0">
+                <a:solidFill>
+                  <a:schemeClr val="bg1"/>
+                </a:solidFill>
+                <a:effectLst/>
+                <a:latin typeface="Arial Nova Cond" panose="020B0506020202020204" pitchFamily="34" charset="0"/>
+                <a:ea typeface="Calibri" panose="020F0502020204030204" pitchFamily="34" charset="0"/>
+                <a:cs typeface="Times New Roman" panose="02020603050405020304" pitchFamily="18" charset="0"/>
+              </a:rPr>
+              <a:t>. The project is created with a default description. The description has to be edited using the edit project command</a:t>
+            </a:r>
+            <a:endParaRPr lang="en-SG" sz="1200" dirty="0">
+              <a:solidFill>
+                <a:schemeClr val="bg1"/>
+              </a:solidFill>
+              <a:effectLst/>
+              <a:latin typeface="Calibri" panose="020F0502020204030204" pitchFamily="34" charset="0"/>
+              <a:ea typeface="Calibri" panose="020F0502020204030204" pitchFamily="34" charset="0"/>
+              <a:cs typeface="Times New Roman" panose="02020603050405020304" pitchFamily="18" charset="0"/>
+            </a:endParaRPr>
+          </a:p>
+        </p:txBody>
+      </p:sp>
+      <p:cxnSp>
+        <p:nvCxnSpPr>
+          <p:cNvPr id="23" name="Straight Arrow Connector 22">
+            <a:extLst>
+              <a:ext uri="{FF2B5EF4-FFF2-40B4-BE49-F238E27FC236}">
+                <a16:creationId xmlns:a16="http://schemas.microsoft.com/office/drawing/2014/main" id="{7F438014-65E3-406D-B9AD-48D998496138}"/>
+              </a:ext>
+            </a:extLst>
+          </p:cNvPr>
+          <p:cNvCxnSpPr>
+            <a:cxnSpLocks/>
+          </p:cNvCxnSpPr>
+          <p:nvPr/>
+        </p:nvCxnSpPr>
+        <p:spPr>
+          <a:xfrm flipH="1">
+            <a:off x="8748294" y="3290654"/>
+            <a:ext cx="938724" cy="0"/>
+          </a:xfrm>
+          <a:prstGeom prst="straightConnector1">
+            <a:avLst/>
+          </a:prstGeom>
+          <a:ln>
+            <a:solidFill>
+              <a:schemeClr val="accent2"/>
+            </a:solidFill>
+            <a:tailEnd type="triangle"/>
+          </a:ln>
+        </p:spPr>
+        <p:style>
+          <a:lnRef idx="1">
+            <a:schemeClr val="accent1"/>
+          </a:lnRef>
+          <a:fillRef idx="0">
+            <a:schemeClr val="accent1"/>
+          </a:fillRef>
+          <a:effectRef idx="0">
+            <a:schemeClr val="accent1"/>
+          </a:effectRef>
+          <a:fontRef idx="minor">
+            <a:schemeClr val="tx1"/>
+          </a:fontRef>
+        </p:style>
+      </p:cxnSp>
+    </p:spTree>
+    <p:extLst>
+      <p:ext uri="{BB962C8B-B14F-4D97-AF65-F5344CB8AC3E}">
+        <p14:creationId xmlns:p14="http://schemas.microsoft.com/office/powerpoint/2010/main" val="1533643954"/>
+      </p:ext>
+    </p:extLst>
+  </p:cSld>
+  <p:clrMapOvr>
+    <a:masterClrMapping/>
+  </p:clrMapOvr>
+</p:sld>
+</file>
+
+<file path=ppt/slides/slide6.xml><?xml version="1.0" encoding="utf-8"?>
+<p:sld xmlns:a="http://schemas.openxmlformats.org/drawingml/2006/main" xmlns:r="http://schemas.openxmlformats.org/officeDocument/2006/relationships" xmlns:p="http://schemas.openxmlformats.org/presentationml/2006/main">
+  <p:cSld>
+    <p:spTree>
+      <p:nvGrpSpPr>
+        <p:cNvPr id="1" name=""/>
+        <p:cNvGrpSpPr/>
+        <p:nvPr/>
+      </p:nvGrpSpPr>
+      <p:grpSpPr>
+        <a:xfrm>
+          <a:off x="0" y="0"/>
+          <a:ext cx="0" cy="0"/>
+          <a:chOff x="0" y="0"/>
+          <a:chExt cx="0" cy="0"/>
+        </a:xfrm>
+      </p:grpSpPr>
+      <p:pic>
+        <p:nvPicPr>
+          <p:cNvPr id="3" name="Picture 2">
+            <a:extLst>
+              <a:ext uri="{FF2B5EF4-FFF2-40B4-BE49-F238E27FC236}">
+                <a16:creationId xmlns:a16="http://schemas.microsoft.com/office/drawing/2014/main" id="{40C85DD0-E410-4724-8074-9BCA672B72B0}"/>
+              </a:ext>
+            </a:extLst>
+          </p:cNvPr>
+          <p:cNvPicPr>
+            <a:picLocks noChangeAspect="1"/>
+          </p:cNvPicPr>
+          <p:nvPr/>
+        </p:nvPicPr>
+        <p:blipFill rotWithShape="1">
+          <a:blip r:embed="rId2"/>
+          <a:srcRect b="4722"/>
+          <a:stretch/>
+        </p:blipFill>
+        <p:spPr>
+          <a:xfrm>
+            <a:off x="0" y="0"/>
+            <a:ext cx="12192000" cy="6858000"/>
+          </a:xfrm>
+          <a:prstGeom prst="rect">
+            <a:avLst/>
+          </a:prstGeom>
+        </p:spPr>
+      </p:pic>
+      <p:sp>
+        <p:nvSpPr>
+          <p:cNvPr id="4" name="Text Box 2">
+            <a:extLst>
+              <a:ext uri="{FF2B5EF4-FFF2-40B4-BE49-F238E27FC236}">
+                <a16:creationId xmlns:a16="http://schemas.microsoft.com/office/drawing/2014/main" id="{379EBF1F-4495-44AB-B0B3-CC668D4EDD7A}"/>
+              </a:ext>
+            </a:extLst>
+          </p:cNvPr>
+          <p:cNvSpPr txBox="1">
+            <a:spLocks noChangeArrowheads="1"/>
+          </p:cNvSpPr>
+          <p:nvPr/>
+        </p:nvSpPr>
+        <p:spPr bwMode="auto">
+          <a:xfrm>
+            <a:off x="2317533" y="1768599"/>
+            <a:ext cx="1940141" cy="1660401"/>
+          </a:xfrm>
+          <a:prstGeom prst="rect">
+            <a:avLst/>
+          </a:prstGeom>
+          <a:solidFill>
+            <a:schemeClr val="accent2"/>
+          </a:solidFill>
+          <a:ln w="9525">
+            <a:solidFill>
+              <a:srgbClr val="000000"/>
+            </a:solidFill>
+            <a:miter lim="800000"/>
+            <a:headEnd/>
+            <a:tailEnd/>
+          </a:ln>
+        </p:spPr>
+        <p:txBody>
+          <a:bodyPr rot="0" vert="horz" wrap="square" lIns="91440" tIns="45720" rIns="91440" bIns="45720" anchor="t" anchorCtr="0">
+            <a:noAutofit/>
+          </a:bodyPr>
+          <a:lstStyle/>
+          <a:p>
+            <a:pPr>
+              <a:lnSpc>
+                <a:spcPct val="107000"/>
+              </a:lnSpc>
+              <a:spcAft>
+                <a:spcPts val="800"/>
+              </a:spcAft>
+            </a:pPr>
+            <a:r>
+              <a:rPr lang="en-SG" sz="1200" b="1" dirty="0">
+                <a:solidFill>
+                  <a:schemeClr val="bg1"/>
+                </a:solidFill>
+                <a:latin typeface="Arial Nova Cond" panose="020B0506020202020204" pitchFamily="34" charset="0"/>
+                <a:ea typeface="Calibri" panose="020F0502020204030204" pitchFamily="34" charset="0"/>
+                <a:cs typeface="Times New Roman" panose="02020603050405020304" pitchFamily="18" charset="0"/>
+              </a:rPr>
+              <a:t>1</a:t>
+            </a:r>
+            <a:r>
+              <a:rPr lang="en-SG" sz="1200" b="1" dirty="0">
+                <a:solidFill>
+                  <a:schemeClr val="bg1"/>
+                </a:solidFill>
+                <a:effectLst/>
+                <a:latin typeface="Arial Nova Cond" panose="020B0506020202020204" pitchFamily="34" charset="0"/>
+                <a:ea typeface="Calibri" panose="020F0502020204030204" pitchFamily="34" charset="0"/>
+                <a:cs typeface="Times New Roman" panose="02020603050405020304" pitchFamily="18" charset="0"/>
+              </a:rPr>
+              <a:t>. Either call the find command to get a filtered list of employees or call the list command to get a full list of employees. Alternatively, can click on the Employees tab to get the full list of employees.</a:t>
+            </a:r>
+            <a:endParaRPr lang="en-SG" sz="1200" dirty="0">
+              <a:solidFill>
+                <a:schemeClr val="bg1"/>
+              </a:solidFill>
+              <a:effectLst/>
+              <a:latin typeface="Calibri" panose="020F0502020204030204" pitchFamily="34" charset="0"/>
+              <a:ea typeface="Calibri" panose="020F0502020204030204" pitchFamily="34" charset="0"/>
+              <a:cs typeface="Times New Roman" panose="02020603050405020304" pitchFamily="18" charset="0"/>
+            </a:endParaRPr>
+          </a:p>
+        </p:txBody>
+      </p:sp>
+      <p:cxnSp>
+        <p:nvCxnSpPr>
+          <p:cNvPr id="20" name="Straight Connector 19">
+            <a:extLst>
+              <a:ext uri="{FF2B5EF4-FFF2-40B4-BE49-F238E27FC236}">
+                <a16:creationId xmlns:a16="http://schemas.microsoft.com/office/drawing/2014/main" id="{9EE06FFD-E8F2-45A2-B784-A1B63D2BFBCF}"/>
+              </a:ext>
+            </a:extLst>
+          </p:cNvPr>
+          <p:cNvCxnSpPr/>
+          <p:nvPr/>
+        </p:nvCxnSpPr>
+        <p:spPr>
+          <a:xfrm flipH="1">
+            <a:off x="1429305" y="1944210"/>
+            <a:ext cx="888228" cy="0"/>
+          </a:xfrm>
+          <a:prstGeom prst="line">
+            <a:avLst/>
+          </a:prstGeom>
+          <a:ln>
+            <a:solidFill>
+              <a:schemeClr val="accent2"/>
+            </a:solidFill>
+          </a:ln>
+        </p:spPr>
+        <p:style>
+          <a:lnRef idx="1">
+            <a:schemeClr val="accent1"/>
+          </a:lnRef>
+          <a:fillRef idx="0">
+            <a:schemeClr val="accent1"/>
+          </a:fillRef>
+          <a:effectRef idx="0">
+            <a:schemeClr val="accent1"/>
+          </a:effectRef>
+          <a:fontRef idx="minor">
+            <a:schemeClr val="tx1"/>
+          </a:fontRef>
+        </p:style>
+      </p:cxnSp>
+      <p:cxnSp>
+        <p:nvCxnSpPr>
+          <p:cNvPr id="22" name="Straight Arrow Connector 21">
+            <a:extLst>
+              <a:ext uri="{FF2B5EF4-FFF2-40B4-BE49-F238E27FC236}">
+                <a16:creationId xmlns:a16="http://schemas.microsoft.com/office/drawing/2014/main" id="{7F81F38D-3C11-445C-B8F5-7F41D2F98883}"/>
+              </a:ext>
+            </a:extLst>
+          </p:cNvPr>
+          <p:cNvCxnSpPr>
+            <a:cxnSpLocks/>
+          </p:cNvCxnSpPr>
+          <p:nvPr/>
+        </p:nvCxnSpPr>
+        <p:spPr>
+          <a:xfrm>
+            <a:off x="1429305" y="1944210"/>
+            <a:ext cx="0" cy="204186"/>
+          </a:xfrm>
+          <a:prstGeom prst="straightConnector1">
+            <a:avLst/>
+          </a:prstGeom>
+          <a:ln>
+            <a:tailEnd type="triangle"/>
+          </a:ln>
+        </p:spPr>
+        <p:style>
+          <a:lnRef idx="1">
+            <a:schemeClr val="accent2"/>
+          </a:lnRef>
+          <a:fillRef idx="0">
+            <a:schemeClr val="accent2"/>
+          </a:fillRef>
+          <a:effectRef idx="0">
+            <a:schemeClr val="accent2"/>
+          </a:effectRef>
+          <a:fontRef idx="minor">
+            <a:schemeClr val="tx1"/>
+          </a:fontRef>
+        </p:style>
+      </p:cxnSp>
+      <p:sp>
+        <p:nvSpPr>
+          <p:cNvPr id="24" name="Text Box 2">
+            <a:extLst>
+              <a:ext uri="{FF2B5EF4-FFF2-40B4-BE49-F238E27FC236}">
+                <a16:creationId xmlns:a16="http://schemas.microsoft.com/office/drawing/2014/main" id="{A84BC7C6-909C-43EC-90C1-3F792D130DD2}"/>
+              </a:ext>
+            </a:extLst>
+          </p:cNvPr>
+          <p:cNvSpPr txBox="1">
+            <a:spLocks noChangeArrowheads="1"/>
+          </p:cNvSpPr>
+          <p:nvPr/>
+        </p:nvSpPr>
+        <p:spPr bwMode="auto">
+          <a:xfrm>
+            <a:off x="2601618" y="3794832"/>
+            <a:ext cx="1940141" cy="857067"/>
+          </a:xfrm>
+          <a:prstGeom prst="rect">
+            <a:avLst/>
+          </a:prstGeom>
+          <a:solidFill>
+            <a:schemeClr val="accent2"/>
+          </a:solidFill>
+          <a:ln w="9525">
+            <a:solidFill>
+              <a:srgbClr val="000000"/>
+            </a:solidFill>
+            <a:miter lim="800000"/>
+            <a:headEnd/>
+            <a:tailEnd/>
+          </a:ln>
+        </p:spPr>
+        <p:txBody>
+          <a:bodyPr rot="0" vert="horz" wrap="square" lIns="91440" tIns="45720" rIns="91440" bIns="45720" anchor="t" anchorCtr="0">
+            <a:noAutofit/>
+          </a:bodyPr>
+          <a:lstStyle/>
+          <a:p>
+            <a:pPr>
+              <a:lnSpc>
+                <a:spcPct val="107000"/>
+              </a:lnSpc>
+              <a:spcAft>
+                <a:spcPts val="800"/>
+              </a:spcAft>
+            </a:pPr>
+            <a:r>
+              <a:rPr lang="en-SG" sz="1200" b="1" dirty="0">
+                <a:solidFill>
+                  <a:schemeClr val="bg1"/>
+                </a:solidFill>
+                <a:latin typeface="Arial Nova Cond" panose="020B0506020202020204" pitchFamily="34" charset="0"/>
+                <a:ea typeface="Calibri" panose="020F0502020204030204" pitchFamily="34" charset="0"/>
+                <a:cs typeface="Times New Roman" panose="02020603050405020304" pitchFamily="18" charset="0"/>
+              </a:rPr>
+              <a:t>2. Identify target employee from the list. For </a:t>
+            </a:r>
+            <a:r>
+              <a:rPr lang="en-SG" sz="1200" b="1" dirty="0" err="1">
+                <a:solidFill>
+                  <a:schemeClr val="bg1"/>
+                </a:solidFill>
+                <a:latin typeface="Arial Nova Cond" panose="020B0506020202020204" pitchFamily="34" charset="0"/>
+                <a:ea typeface="Calibri" panose="020F0502020204030204" pitchFamily="34" charset="0"/>
+                <a:cs typeface="Times New Roman" panose="02020603050405020304" pitchFamily="18" charset="0"/>
+              </a:rPr>
+              <a:t>eg</a:t>
+            </a:r>
+            <a:r>
+              <a:rPr lang="en-SG" sz="1200" b="1" dirty="0">
+                <a:solidFill>
+                  <a:schemeClr val="bg1"/>
+                </a:solidFill>
+                <a:latin typeface="Arial Nova Cond" panose="020B0506020202020204" pitchFamily="34" charset="0"/>
+                <a:ea typeface="Calibri" panose="020F0502020204030204" pitchFamily="34" charset="0"/>
+                <a:cs typeface="Times New Roman" panose="02020603050405020304" pitchFamily="18" charset="0"/>
+              </a:rPr>
+              <a:t>, target employee is at index 2 of the displayed list.</a:t>
+            </a:r>
+            <a:endParaRPr lang="en-SG" sz="1200" dirty="0">
+              <a:solidFill>
+                <a:schemeClr val="bg1"/>
+              </a:solidFill>
+              <a:effectLst/>
+              <a:latin typeface="Calibri" panose="020F0502020204030204" pitchFamily="34" charset="0"/>
+              <a:ea typeface="Calibri" panose="020F0502020204030204" pitchFamily="34" charset="0"/>
+              <a:cs typeface="Times New Roman" panose="02020603050405020304" pitchFamily="18" charset="0"/>
+            </a:endParaRPr>
+          </a:p>
+        </p:txBody>
+      </p:sp>
+      <p:cxnSp>
+        <p:nvCxnSpPr>
+          <p:cNvPr id="26" name="Straight Arrow Connector 25">
+            <a:extLst>
+              <a:ext uri="{FF2B5EF4-FFF2-40B4-BE49-F238E27FC236}">
+                <a16:creationId xmlns:a16="http://schemas.microsoft.com/office/drawing/2014/main" id="{D8B2BF98-1387-422A-958D-E4A4606924C4}"/>
+              </a:ext>
+            </a:extLst>
+          </p:cNvPr>
+          <p:cNvCxnSpPr>
+            <a:stCxn id="24" idx="1"/>
+          </p:cNvCxnSpPr>
+          <p:nvPr/>
+        </p:nvCxnSpPr>
+        <p:spPr>
+          <a:xfrm flipH="1">
+            <a:off x="1216241" y="4223366"/>
+            <a:ext cx="1385377" cy="11283"/>
+          </a:xfrm>
+          <a:prstGeom prst="straightConnector1">
+            <a:avLst/>
+          </a:prstGeom>
+          <a:ln>
+            <a:tailEnd type="triangle"/>
+          </a:ln>
+        </p:spPr>
+        <p:style>
+          <a:lnRef idx="1">
+            <a:schemeClr val="accent2"/>
+          </a:lnRef>
+          <a:fillRef idx="0">
+            <a:schemeClr val="accent2"/>
+          </a:fillRef>
+          <a:effectRef idx="0">
+            <a:schemeClr val="accent2"/>
+          </a:effectRef>
+          <a:fontRef idx="minor">
+            <a:schemeClr val="tx1"/>
+          </a:fontRef>
+        </p:style>
+      </p:cxnSp>
+      <p:sp>
+        <p:nvSpPr>
+          <p:cNvPr id="27" name="Text Box 2">
+            <a:extLst>
+              <a:ext uri="{FF2B5EF4-FFF2-40B4-BE49-F238E27FC236}">
+                <a16:creationId xmlns:a16="http://schemas.microsoft.com/office/drawing/2014/main" id="{D4A6B5C1-0C81-429E-A396-9C4F5CBDBDD6}"/>
+              </a:ext>
+            </a:extLst>
+          </p:cNvPr>
+          <p:cNvSpPr txBox="1">
+            <a:spLocks noChangeArrowheads="1"/>
+          </p:cNvSpPr>
+          <p:nvPr/>
+        </p:nvSpPr>
+        <p:spPr bwMode="auto">
+          <a:xfrm>
+            <a:off x="4477210" y="461638"/>
+            <a:ext cx="3672490" cy="337353"/>
+          </a:xfrm>
+          <a:prstGeom prst="rect">
+            <a:avLst/>
+          </a:prstGeom>
+          <a:solidFill>
+            <a:schemeClr val="accent2"/>
+          </a:solidFill>
+          <a:ln w="9525">
+            <a:solidFill>
+              <a:srgbClr val="000000"/>
+            </a:solidFill>
+            <a:miter lim="800000"/>
+            <a:headEnd/>
+            <a:tailEnd/>
+          </a:ln>
+        </p:spPr>
+        <p:txBody>
+          <a:bodyPr rot="0" vert="horz" wrap="square" lIns="91440" tIns="45720" rIns="91440" bIns="45720" anchor="t" anchorCtr="0">
+            <a:noAutofit/>
+          </a:bodyPr>
+          <a:lstStyle/>
+          <a:p>
+            <a:pPr>
+              <a:lnSpc>
+                <a:spcPct val="107000"/>
+              </a:lnSpc>
+              <a:spcAft>
+                <a:spcPts val="800"/>
+              </a:spcAft>
+            </a:pPr>
+            <a:r>
+              <a:rPr lang="en-SG" sz="1200" b="1" dirty="0">
+                <a:solidFill>
+                  <a:schemeClr val="bg1"/>
+                </a:solidFill>
+                <a:latin typeface="Arial Nova Cond" panose="020B0506020202020204" pitchFamily="34" charset="0"/>
+                <a:ea typeface="Calibri" panose="020F0502020204030204" pitchFamily="34" charset="0"/>
+                <a:cs typeface="Times New Roman" panose="02020603050405020304" pitchFamily="18" charset="0"/>
+              </a:rPr>
+              <a:t>3</a:t>
+            </a:r>
+            <a:r>
+              <a:rPr lang="en-SG" sz="1200" b="1" dirty="0">
+                <a:solidFill>
+                  <a:schemeClr val="bg1"/>
+                </a:solidFill>
+                <a:effectLst/>
+                <a:latin typeface="Arial Nova Cond" panose="020B0506020202020204" pitchFamily="34" charset="0"/>
+                <a:ea typeface="Calibri" panose="020F0502020204030204" pitchFamily="34" charset="0"/>
+                <a:cs typeface="Times New Roman" panose="02020603050405020304" pitchFamily="18" charset="0"/>
+              </a:rPr>
+              <a:t>. Type the command to add an employee to a project</a:t>
+            </a:r>
+            <a:endParaRPr lang="en-SG" sz="1200" dirty="0">
+              <a:solidFill>
+                <a:schemeClr val="bg1"/>
+              </a:solidFill>
+              <a:effectLst/>
+              <a:latin typeface="Calibri" panose="020F0502020204030204" pitchFamily="34" charset="0"/>
+              <a:ea typeface="Calibri" panose="020F0502020204030204" pitchFamily="34" charset="0"/>
+              <a:cs typeface="Times New Roman" panose="02020603050405020304" pitchFamily="18" charset="0"/>
+            </a:endParaRPr>
+          </a:p>
+        </p:txBody>
+      </p:sp>
+      <p:cxnSp>
+        <p:nvCxnSpPr>
+          <p:cNvPr id="29" name="Straight Arrow Connector 28">
+            <a:extLst>
+              <a:ext uri="{FF2B5EF4-FFF2-40B4-BE49-F238E27FC236}">
+                <a16:creationId xmlns:a16="http://schemas.microsoft.com/office/drawing/2014/main" id="{540194E4-D793-472B-BEC1-9F16EDB962F2}"/>
+              </a:ext>
+            </a:extLst>
+          </p:cNvPr>
+          <p:cNvCxnSpPr>
+            <a:cxnSpLocks/>
+            <a:stCxn id="27" idx="1"/>
+          </p:cNvCxnSpPr>
+          <p:nvPr/>
+        </p:nvCxnSpPr>
+        <p:spPr>
+          <a:xfrm flipH="1">
+            <a:off x="1597981" y="630315"/>
+            <a:ext cx="2879229" cy="0"/>
+          </a:xfrm>
+          <a:prstGeom prst="straightConnector1">
+            <a:avLst/>
+          </a:prstGeom>
+          <a:ln>
+            <a:tailEnd type="triangle"/>
+          </a:ln>
+        </p:spPr>
+        <p:style>
+          <a:lnRef idx="1">
+            <a:schemeClr val="accent2"/>
+          </a:lnRef>
+          <a:fillRef idx="0">
+            <a:schemeClr val="accent2"/>
+          </a:fillRef>
+          <a:effectRef idx="0">
+            <a:schemeClr val="accent2"/>
+          </a:effectRef>
+          <a:fontRef idx="minor">
+            <a:schemeClr val="tx1"/>
+          </a:fontRef>
+        </p:style>
+      </p:cxnSp>
+      <p:sp>
+        <p:nvSpPr>
+          <p:cNvPr id="31" name="Text Box 2">
+            <a:extLst>
+              <a:ext uri="{FF2B5EF4-FFF2-40B4-BE49-F238E27FC236}">
+                <a16:creationId xmlns:a16="http://schemas.microsoft.com/office/drawing/2014/main" id="{D83BA093-B3EC-4B82-871C-E84D19C38CA2}"/>
+              </a:ext>
+            </a:extLst>
+          </p:cNvPr>
+          <p:cNvSpPr txBox="1">
+            <a:spLocks noChangeArrowheads="1"/>
+          </p:cNvSpPr>
+          <p:nvPr/>
+        </p:nvSpPr>
+        <p:spPr bwMode="auto">
+          <a:xfrm>
+            <a:off x="8072668" y="1145219"/>
+            <a:ext cx="3672490" cy="452763"/>
+          </a:xfrm>
+          <a:prstGeom prst="rect">
+            <a:avLst/>
+          </a:prstGeom>
+          <a:solidFill>
+            <a:schemeClr val="accent2"/>
+          </a:solidFill>
+          <a:ln w="9525">
+            <a:solidFill>
+              <a:srgbClr val="000000"/>
+            </a:solidFill>
+            <a:miter lim="800000"/>
+            <a:headEnd/>
+            <a:tailEnd/>
+          </a:ln>
+        </p:spPr>
+        <p:txBody>
+          <a:bodyPr rot="0" vert="horz" wrap="square" lIns="91440" tIns="45720" rIns="91440" bIns="45720" anchor="t" anchorCtr="0">
+            <a:noAutofit/>
+          </a:bodyPr>
+          <a:lstStyle/>
+          <a:p>
+            <a:pPr>
+              <a:lnSpc>
+                <a:spcPct val="107000"/>
+              </a:lnSpc>
+              <a:spcAft>
+                <a:spcPts val="800"/>
+              </a:spcAft>
+            </a:pPr>
+            <a:r>
+              <a:rPr lang="en-SG" sz="1200" b="1" dirty="0">
+                <a:solidFill>
+                  <a:schemeClr val="bg1"/>
+                </a:solidFill>
+                <a:latin typeface="Arial Nova Cond" panose="020B0506020202020204" pitchFamily="34" charset="0"/>
+                <a:ea typeface="Calibri" panose="020F0502020204030204" pitchFamily="34" charset="0"/>
+                <a:cs typeface="Times New Roman" panose="02020603050405020304" pitchFamily="18" charset="0"/>
+              </a:rPr>
+              <a:t>4. The details of the added employee and the target project, Apollo, will be indicated as a success message</a:t>
+            </a:r>
+            <a:endParaRPr lang="en-SG" sz="2000" dirty="0">
+              <a:solidFill>
+                <a:schemeClr val="bg1"/>
+              </a:solidFill>
+              <a:latin typeface="Calibri" panose="020F0502020204030204" pitchFamily="34" charset="0"/>
+              <a:ea typeface="Calibri" panose="020F0502020204030204" pitchFamily="34" charset="0"/>
+              <a:cs typeface="Times New Roman" panose="02020603050405020304" pitchFamily="18" charset="0"/>
+            </a:endParaRPr>
+          </a:p>
+        </p:txBody>
+      </p:sp>
+      <p:cxnSp>
+        <p:nvCxnSpPr>
+          <p:cNvPr id="33" name="Connector: Elbow 32">
+            <a:extLst>
+              <a:ext uri="{FF2B5EF4-FFF2-40B4-BE49-F238E27FC236}">
+                <a16:creationId xmlns:a16="http://schemas.microsoft.com/office/drawing/2014/main" id="{F7892459-BD0A-43F4-9993-D4E758F44A8C}"/>
+              </a:ext>
+            </a:extLst>
+          </p:cNvPr>
+          <p:cNvCxnSpPr>
+            <a:cxnSpLocks/>
+            <a:stCxn id="31" idx="0"/>
+          </p:cNvCxnSpPr>
+          <p:nvPr/>
+        </p:nvCxnSpPr>
+        <p:spPr>
+          <a:xfrm rot="16200000" flipV="1">
+            <a:off x="9588601" y="824907"/>
+            <a:ext cx="150920" cy="489704"/>
+          </a:xfrm>
+          <a:prstGeom prst="bentConnector2">
+            <a:avLst/>
+          </a:prstGeom>
+          <a:ln>
+            <a:tailEnd type="triangle"/>
+          </a:ln>
+        </p:spPr>
+        <p:style>
+          <a:lnRef idx="1">
+            <a:schemeClr val="accent2"/>
+          </a:lnRef>
+          <a:fillRef idx="0">
+            <a:schemeClr val="accent2"/>
+          </a:fillRef>
+          <a:effectRef idx="0">
+            <a:schemeClr val="accent2"/>
+          </a:effectRef>
+          <a:fontRef idx="minor">
+            <a:schemeClr val="tx1"/>
+          </a:fontRef>
+        </p:style>
+      </p:cxnSp>
+      <p:sp>
+        <p:nvSpPr>
+          <p:cNvPr id="35" name="Text Box 2">
+            <a:extLst>
+              <a:ext uri="{FF2B5EF4-FFF2-40B4-BE49-F238E27FC236}">
+                <a16:creationId xmlns:a16="http://schemas.microsoft.com/office/drawing/2014/main" id="{76F51F6A-934D-4475-A6BD-69B221F9C825}"/>
+              </a:ext>
+            </a:extLst>
+          </p:cNvPr>
+          <p:cNvSpPr txBox="1">
+            <a:spLocks noChangeArrowheads="1"/>
+          </p:cNvSpPr>
+          <p:nvPr/>
+        </p:nvSpPr>
+        <p:spPr bwMode="auto">
+          <a:xfrm>
+            <a:off x="9664061" y="4223366"/>
+            <a:ext cx="1940141" cy="1640336"/>
+          </a:xfrm>
+          <a:prstGeom prst="rect">
+            <a:avLst/>
+          </a:prstGeom>
+          <a:solidFill>
+            <a:schemeClr val="accent2"/>
+          </a:solidFill>
+          <a:ln w="9525">
+            <a:solidFill>
+              <a:srgbClr val="000000"/>
+            </a:solidFill>
+            <a:miter lim="800000"/>
+            <a:headEnd/>
+            <a:tailEnd/>
+          </a:ln>
+        </p:spPr>
+        <p:txBody>
+          <a:bodyPr rot="0" vert="horz" wrap="square" lIns="91440" tIns="45720" rIns="91440" bIns="45720" anchor="t" anchorCtr="0">
+            <a:noAutofit/>
+          </a:bodyPr>
+          <a:lstStyle/>
+          <a:p>
+            <a:pPr>
+              <a:lnSpc>
+                <a:spcPct val="107000"/>
+              </a:lnSpc>
+              <a:spcAft>
+                <a:spcPts val="800"/>
+              </a:spcAft>
+            </a:pPr>
+            <a:r>
+              <a:rPr lang="en-SG" sz="1200" b="1" dirty="0">
+                <a:solidFill>
+                  <a:schemeClr val="bg1"/>
+                </a:solidFill>
+                <a:effectLst/>
+                <a:latin typeface="Arial Nova Cond" panose="020B0506020202020204" pitchFamily="34" charset="0"/>
+                <a:ea typeface="Calibri" panose="020F0502020204030204" pitchFamily="34" charset="0"/>
+                <a:cs typeface="Times New Roman" panose="02020603050405020304" pitchFamily="18" charset="0"/>
+              </a:rPr>
+              <a:t>5. By selecting project “Apollo” and using the arrows to toggle to the list of employees assigned to project “Apollo”, you will be able to see the targe</a:t>
+            </a:r>
+            <a:r>
+              <a:rPr lang="en-SG" sz="1200" b="1" dirty="0">
+                <a:solidFill>
+                  <a:schemeClr val="bg1"/>
+                </a:solidFill>
+                <a:latin typeface="Arial Nova Cond" panose="020B0506020202020204" pitchFamily="34" charset="0"/>
+                <a:ea typeface="Calibri" panose="020F0502020204030204" pitchFamily="34" charset="0"/>
+                <a:cs typeface="Times New Roman" panose="02020603050405020304" pitchFamily="18" charset="0"/>
+              </a:rPr>
+              <a:t>t employee already added to the list.</a:t>
+            </a:r>
+            <a:endParaRPr lang="en-SG" sz="1200" dirty="0">
+              <a:solidFill>
+                <a:schemeClr val="bg1"/>
+              </a:solidFill>
+              <a:effectLst/>
+              <a:latin typeface="Calibri" panose="020F0502020204030204" pitchFamily="34" charset="0"/>
+              <a:ea typeface="Calibri" panose="020F0502020204030204" pitchFamily="34" charset="0"/>
+              <a:cs typeface="Times New Roman" panose="02020603050405020304" pitchFamily="18" charset="0"/>
+            </a:endParaRPr>
+          </a:p>
+        </p:txBody>
+      </p:sp>
+      <p:cxnSp>
+        <p:nvCxnSpPr>
+          <p:cNvPr id="38" name="Connector: Elbow 37">
+            <a:extLst>
+              <a:ext uri="{FF2B5EF4-FFF2-40B4-BE49-F238E27FC236}">
+                <a16:creationId xmlns:a16="http://schemas.microsoft.com/office/drawing/2014/main" id="{0360A83C-9FD0-458F-BAAA-DD1E0C80B7E2}"/>
+              </a:ext>
+            </a:extLst>
+          </p:cNvPr>
+          <p:cNvCxnSpPr>
+            <a:cxnSpLocks/>
+            <a:stCxn id="35" idx="0"/>
+          </p:cNvCxnSpPr>
+          <p:nvPr/>
+        </p:nvCxnSpPr>
+        <p:spPr>
+          <a:xfrm rot="16200000" flipV="1">
+            <a:off x="9686086" y="3275319"/>
+            <a:ext cx="681174" cy="1214919"/>
+          </a:xfrm>
+          <a:prstGeom prst="bentConnector2">
+            <a:avLst/>
+          </a:prstGeom>
+          <a:ln>
+            <a:tailEnd type="triangle"/>
+          </a:ln>
+        </p:spPr>
+        <p:style>
+          <a:lnRef idx="1">
+            <a:schemeClr val="accent2"/>
+          </a:lnRef>
+          <a:fillRef idx="0">
+            <a:schemeClr val="accent2"/>
+          </a:fillRef>
+          <a:effectRef idx="0">
+            <a:schemeClr val="accent2"/>
+          </a:effectRef>
+          <a:fontRef idx="minor">
+            <a:schemeClr val="tx1"/>
+          </a:fontRef>
+        </p:style>
+      </p:cxnSp>
+    </p:spTree>
+    <p:extLst>
+      <p:ext uri="{BB962C8B-B14F-4D97-AF65-F5344CB8AC3E}">
+        <p14:creationId xmlns:p14="http://schemas.microsoft.com/office/powerpoint/2010/main" val="3294276536"/>
+      </p:ext>
+    </p:extLst>
+  </p:cSld>
+  <p:clrMapOvr>
+    <a:masterClrMapping/>
+  </p:clrMapOvr>
+</p:sld>
+</file>
+
+<file path=ppt/slides/slide7.xml><?xml version="1.0" encoding="utf-8"?>
+<p:sld xmlns:a="http://schemas.openxmlformats.org/drawingml/2006/main" xmlns:r="http://schemas.openxmlformats.org/officeDocument/2006/relationships" xmlns:p="http://schemas.openxmlformats.org/presentationml/2006/main">
+  <p:cSld>
+    <p:spTree>
+      <p:nvGrpSpPr>
+        <p:cNvPr id="1" name=""/>
+        <p:cNvGrpSpPr/>
+        <p:nvPr/>
+      </p:nvGrpSpPr>
+      <p:grpSpPr>
+        <a:xfrm>
+          <a:off x="0" y="0"/>
+          <a:ext cx="0" cy="0"/>
+          <a:chOff x="0" y="0"/>
+          <a:chExt cx="0" cy="0"/>
+        </a:xfrm>
+      </p:grpSpPr>
+      <p:pic>
+        <p:nvPicPr>
+          <p:cNvPr id="3" name="Picture 2">
+            <a:extLst>
+              <a:ext uri="{FF2B5EF4-FFF2-40B4-BE49-F238E27FC236}">
+                <a16:creationId xmlns:a16="http://schemas.microsoft.com/office/drawing/2014/main" id="{AB725B8F-5A35-4665-9FAA-807832FA2F48}"/>
+              </a:ext>
+            </a:extLst>
+          </p:cNvPr>
+          <p:cNvPicPr>
+            <a:picLocks noChangeAspect="1"/>
+          </p:cNvPicPr>
+          <p:nvPr/>
+        </p:nvPicPr>
+        <p:blipFill rotWithShape="1">
+          <a:blip r:embed="rId2"/>
+          <a:srcRect b="4583"/>
+          <a:stretch/>
+        </p:blipFill>
+        <p:spPr>
+          <a:xfrm>
+            <a:off x="0" y="0"/>
+            <a:ext cx="12192000" cy="6858000"/>
+          </a:xfrm>
+          <a:prstGeom prst="rect">
+            <a:avLst/>
+          </a:prstGeom>
+        </p:spPr>
+      </p:pic>
+      <p:sp>
+        <p:nvSpPr>
+          <p:cNvPr id="4" name="Right Brace 3">
+            <a:extLst>
+              <a:ext uri="{FF2B5EF4-FFF2-40B4-BE49-F238E27FC236}">
+                <a16:creationId xmlns:a16="http://schemas.microsoft.com/office/drawing/2014/main" id="{3152E62F-D1D6-470B-82B6-EF9914ECF08D}"/>
+              </a:ext>
+            </a:extLst>
+          </p:cNvPr>
+          <p:cNvSpPr/>
+          <p:nvPr/>
+        </p:nvSpPr>
+        <p:spPr>
+          <a:xfrm>
+            <a:off x="2143125" y="2486025"/>
+            <a:ext cx="404766" cy="3781425"/>
+          </a:xfrm>
+          <a:prstGeom prst="rightBrace">
+            <a:avLst/>
+          </a:prstGeom>
+          <a:ln w="38100">
+            <a:solidFill>
+              <a:schemeClr val="accent2"/>
+            </a:solidFill>
+          </a:ln>
+        </p:spPr>
+        <p:style>
+          <a:lnRef idx="1">
+            <a:schemeClr val="accent1"/>
+          </a:lnRef>
+          <a:fillRef idx="0">
+            <a:schemeClr val="accent1"/>
+          </a:fillRef>
+          <a:effectRef idx="0">
+            <a:schemeClr val="accent1"/>
+          </a:effectRef>
+          <a:fontRef idx="minor">
+            <a:schemeClr val="tx1"/>
+          </a:fontRef>
+        </p:style>
+        <p:txBody>
+          <a:bodyPr rtlCol="0" anchor="ctr"/>
+          <a:lstStyle/>
+          <a:p>
+            <a:pPr algn="ctr"/>
+            <a:endParaRPr lang="en-SG" dirty="0"/>
+          </a:p>
+        </p:txBody>
+      </p:sp>
+      <p:sp>
+        <p:nvSpPr>
+          <p:cNvPr id="5" name="Text Box 2">
+            <a:extLst>
+              <a:ext uri="{FF2B5EF4-FFF2-40B4-BE49-F238E27FC236}">
+                <a16:creationId xmlns:a16="http://schemas.microsoft.com/office/drawing/2014/main" id="{680831E7-59FD-44B0-AE47-B0540A2A8A60}"/>
+              </a:ext>
+            </a:extLst>
+          </p:cNvPr>
+          <p:cNvSpPr txBox="1">
+            <a:spLocks noChangeArrowheads="1"/>
+          </p:cNvSpPr>
+          <p:nvPr/>
+        </p:nvSpPr>
+        <p:spPr bwMode="auto">
+          <a:xfrm>
+            <a:off x="2547891" y="3834019"/>
+            <a:ext cx="1660125" cy="1085436"/>
+          </a:xfrm>
+          <a:prstGeom prst="rect">
+            <a:avLst/>
+          </a:prstGeom>
+          <a:solidFill>
+            <a:schemeClr val="accent2"/>
+          </a:solidFill>
+          <a:ln w="9525">
+            <a:solidFill>
+              <a:srgbClr val="000000"/>
+            </a:solidFill>
+            <a:miter lim="800000"/>
+            <a:headEnd/>
+            <a:tailEnd/>
+          </a:ln>
+        </p:spPr>
+        <p:txBody>
+          <a:bodyPr rot="0" vert="horz" wrap="square" lIns="91440" tIns="45720" rIns="91440" bIns="45720" anchor="t" anchorCtr="0">
+            <a:noAutofit/>
+          </a:bodyPr>
+          <a:lstStyle/>
+          <a:p>
+            <a:pPr>
+              <a:lnSpc>
+                <a:spcPct val="107000"/>
+              </a:lnSpc>
+              <a:spcAft>
+                <a:spcPts val="800"/>
+              </a:spcAft>
+            </a:pPr>
+            <a:r>
+              <a:rPr lang="en-SG" sz="1200" b="1" dirty="0">
+                <a:solidFill>
+                  <a:schemeClr val="bg1"/>
+                </a:solidFill>
+                <a:latin typeface="Arial Nova Cond" panose="020B0506020202020204" pitchFamily="34" charset="0"/>
+                <a:ea typeface="Calibri" panose="020F0502020204030204" pitchFamily="34" charset="0"/>
+                <a:cs typeface="Times New Roman" panose="02020603050405020304" pitchFamily="18" charset="0"/>
+              </a:rPr>
+              <a:t>1. Identify target project from the list of projects. For </a:t>
+            </a:r>
+            <a:r>
+              <a:rPr lang="en-SG" sz="1200" b="1" dirty="0" err="1">
+                <a:solidFill>
+                  <a:schemeClr val="bg1"/>
+                </a:solidFill>
+                <a:latin typeface="Arial Nova Cond" panose="020B0506020202020204" pitchFamily="34" charset="0"/>
+                <a:ea typeface="Calibri" panose="020F0502020204030204" pitchFamily="34" charset="0"/>
+                <a:cs typeface="Times New Roman" panose="02020603050405020304" pitchFamily="18" charset="0"/>
+              </a:rPr>
+              <a:t>eg</a:t>
+            </a:r>
+            <a:r>
+              <a:rPr lang="en-SG" sz="1200" b="1" dirty="0">
+                <a:solidFill>
+                  <a:schemeClr val="bg1"/>
+                </a:solidFill>
+                <a:latin typeface="Arial Nova Cond" panose="020B0506020202020204" pitchFamily="34" charset="0"/>
+                <a:ea typeface="Calibri" panose="020F0502020204030204" pitchFamily="34" charset="0"/>
+                <a:cs typeface="Times New Roman" panose="02020603050405020304" pitchFamily="18" charset="0"/>
+              </a:rPr>
+              <a:t>, name of target project is “Orbital”</a:t>
+            </a:r>
+            <a:endParaRPr lang="en-SG" sz="1200" dirty="0">
+              <a:solidFill>
+                <a:schemeClr val="bg1"/>
+              </a:solidFill>
+              <a:effectLst/>
+              <a:latin typeface="Calibri" panose="020F0502020204030204" pitchFamily="34" charset="0"/>
+              <a:ea typeface="Calibri" panose="020F0502020204030204" pitchFamily="34" charset="0"/>
+              <a:cs typeface="Times New Roman" panose="02020603050405020304" pitchFamily="18" charset="0"/>
+            </a:endParaRPr>
+          </a:p>
+        </p:txBody>
+      </p:sp>
+      <p:sp>
+        <p:nvSpPr>
+          <p:cNvPr id="6" name="Text Box 2">
+            <a:extLst>
+              <a:ext uri="{FF2B5EF4-FFF2-40B4-BE49-F238E27FC236}">
+                <a16:creationId xmlns:a16="http://schemas.microsoft.com/office/drawing/2014/main" id="{51175579-D231-4CF7-849D-BFFF6EE82652}"/>
+              </a:ext>
+            </a:extLst>
+          </p:cNvPr>
+          <p:cNvSpPr txBox="1">
+            <a:spLocks noChangeArrowheads="1"/>
+          </p:cNvSpPr>
+          <p:nvPr/>
+        </p:nvSpPr>
+        <p:spPr bwMode="auto">
+          <a:xfrm>
+            <a:off x="8019401" y="461638"/>
+            <a:ext cx="3779022" cy="337353"/>
+          </a:xfrm>
+          <a:prstGeom prst="rect">
+            <a:avLst/>
+          </a:prstGeom>
+          <a:solidFill>
+            <a:schemeClr val="accent2"/>
+          </a:solidFill>
+          <a:ln w="9525">
+            <a:solidFill>
+              <a:srgbClr val="000000"/>
+            </a:solidFill>
+            <a:miter lim="800000"/>
+            <a:headEnd/>
+            <a:tailEnd/>
+          </a:ln>
+        </p:spPr>
+        <p:txBody>
+          <a:bodyPr rot="0" vert="horz" wrap="square" lIns="91440" tIns="45720" rIns="91440" bIns="45720" anchor="t" anchorCtr="0">
+            <a:noAutofit/>
+          </a:bodyPr>
+          <a:lstStyle/>
+          <a:p>
+            <a:pPr>
+              <a:lnSpc>
+                <a:spcPct val="107000"/>
+              </a:lnSpc>
+              <a:spcAft>
+                <a:spcPts val="800"/>
+              </a:spcAft>
+            </a:pPr>
+            <a:r>
+              <a:rPr lang="en-SG" sz="1200" b="1" dirty="0">
+                <a:solidFill>
+                  <a:schemeClr val="bg1"/>
+                </a:solidFill>
+                <a:effectLst/>
+                <a:latin typeface="Arial Nova Cond" panose="020B0506020202020204" pitchFamily="34" charset="0"/>
+                <a:ea typeface="Calibri" panose="020F0502020204030204" pitchFamily="34" charset="0"/>
+                <a:cs typeface="Times New Roman" panose="02020603050405020304" pitchFamily="18" charset="0"/>
+              </a:rPr>
+              <a:t>2. Type the command to add a milestone to a project</a:t>
+            </a:r>
+            <a:endParaRPr lang="en-SG" sz="1200" dirty="0">
+              <a:solidFill>
+                <a:schemeClr val="bg1"/>
+              </a:solidFill>
+              <a:effectLst/>
+              <a:latin typeface="Calibri" panose="020F0502020204030204" pitchFamily="34" charset="0"/>
+              <a:ea typeface="Calibri" panose="020F0502020204030204" pitchFamily="34" charset="0"/>
+              <a:cs typeface="Times New Roman" panose="02020603050405020304" pitchFamily="18" charset="0"/>
+            </a:endParaRPr>
+          </a:p>
+        </p:txBody>
+      </p:sp>
+      <p:cxnSp>
+        <p:nvCxnSpPr>
+          <p:cNvPr id="9" name="Straight Arrow Connector 8">
+            <a:extLst>
+              <a:ext uri="{FF2B5EF4-FFF2-40B4-BE49-F238E27FC236}">
+                <a16:creationId xmlns:a16="http://schemas.microsoft.com/office/drawing/2014/main" id="{08A2C1BD-9F55-4E52-B5C8-31CCD48AEEA1}"/>
+              </a:ext>
+            </a:extLst>
+          </p:cNvPr>
+          <p:cNvCxnSpPr>
+            <a:cxnSpLocks/>
+            <a:stCxn id="6" idx="1"/>
+          </p:cNvCxnSpPr>
+          <p:nvPr/>
+        </p:nvCxnSpPr>
+        <p:spPr>
+          <a:xfrm flipH="1">
+            <a:off x="6702641" y="630315"/>
+            <a:ext cx="1316760" cy="0"/>
+          </a:xfrm>
+          <a:prstGeom prst="straightConnector1">
+            <a:avLst/>
+          </a:prstGeom>
+          <a:ln>
+            <a:tailEnd type="triangle"/>
+          </a:ln>
+        </p:spPr>
+        <p:style>
+          <a:lnRef idx="1">
+            <a:schemeClr val="accent2"/>
+          </a:lnRef>
+          <a:fillRef idx="0">
+            <a:schemeClr val="accent2"/>
+          </a:fillRef>
+          <a:effectRef idx="0">
+            <a:schemeClr val="accent2"/>
+          </a:effectRef>
+          <a:fontRef idx="minor">
+            <a:schemeClr val="tx1"/>
+          </a:fontRef>
+        </p:style>
+      </p:cxnSp>
+      <p:sp>
+        <p:nvSpPr>
+          <p:cNvPr id="10" name="Text Box 2">
+            <a:extLst>
+              <a:ext uri="{FF2B5EF4-FFF2-40B4-BE49-F238E27FC236}">
+                <a16:creationId xmlns:a16="http://schemas.microsoft.com/office/drawing/2014/main" id="{A809CAB2-ACBC-45B5-B301-E3FA754785B2}"/>
+              </a:ext>
+            </a:extLst>
+          </p:cNvPr>
+          <p:cNvSpPr txBox="1">
+            <a:spLocks noChangeArrowheads="1"/>
+          </p:cNvSpPr>
+          <p:nvPr/>
+        </p:nvSpPr>
+        <p:spPr bwMode="auto">
+          <a:xfrm>
+            <a:off x="8019402" y="1114147"/>
+            <a:ext cx="3779021" cy="501590"/>
+          </a:xfrm>
+          <a:prstGeom prst="rect">
+            <a:avLst/>
+          </a:prstGeom>
+          <a:solidFill>
+            <a:schemeClr val="accent2"/>
+          </a:solidFill>
+          <a:ln w="9525">
+            <a:solidFill>
+              <a:srgbClr val="000000"/>
+            </a:solidFill>
+            <a:miter lim="800000"/>
+            <a:headEnd/>
+            <a:tailEnd/>
+          </a:ln>
+        </p:spPr>
+        <p:txBody>
+          <a:bodyPr rot="0" vert="horz" wrap="square" lIns="91440" tIns="45720" rIns="91440" bIns="45720" anchor="t" anchorCtr="0">
+            <a:noAutofit/>
+          </a:bodyPr>
+          <a:lstStyle/>
+          <a:p>
+            <a:pPr>
+              <a:lnSpc>
+                <a:spcPct val="107000"/>
+              </a:lnSpc>
+              <a:spcAft>
+                <a:spcPts val="800"/>
+              </a:spcAft>
+            </a:pPr>
+            <a:r>
+              <a:rPr lang="en-SG" sz="1200" b="1" dirty="0">
+                <a:solidFill>
+                  <a:schemeClr val="bg1"/>
+                </a:solidFill>
+                <a:latin typeface="Arial Nova Cond" panose="020B0506020202020204" pitchFamily="34" charset="0"/>
+                <a:ea typeface="Calibri" panose="020F0502020204030204" pitchFamily="34" charset="0"/>
+                <a:cs typeface="Times New Roman" panose="02020603050405020304" pitchFamily="18" charset="0"/>
+              </a:rPr>
+              <a:t>3. The details of the added milestone and the target project, Orbital, will be indicated as a success message</a:t>
+            </a:r>
+            <a:endParaRPr lang="en-SG" sz="2000" dirty="0">
+              <a:solidFill>
+                <a:schemeClr val="bg1"/>
+              </a:solidFill>
+              <a:latin typeface="Calibri" panose="020F0502020204030204" pitchFamily="34" charset="0"/>
+              <a:ea typeface="Calibri" panose="020F0502020204030204" pitchFamily="34" charset="0"/>
+              <a:cs typeface="Times New Roman" panose="02020603050405020304" pitchFamily="18" charset="0"/>
+            </a:endParaRPr>
+          </a:p>
+        </p:txBody>
+      </p:sp>
+      <p:cxnSp>
+        <p:nvCxnSpPr>
+          <p:cNvPr id="15" name="Connector: Elbow 14">
+            <a:extLst>
+              <a:ext uri="{FF2B5EF4-FFF2-40B4-BE49-F238E27FC236}">
+                <a16:creationId xmlns:a16="http://schemas.microsoft.com/office/drawing/2014/main" id="{8371F6FB-575B-4C15-AC11-F09CFC349399}"/>
+              </a:ext>
+            </a:extLst>
+          </p:cNvPr>
+          <p:cNvCxnSpPr>
+            <a:stCxn id="10" idx="0"/>
+          </p:cNvCxnSpPr>
+          <p:nvPr/>
+        </p:nvCxnSpPr>
+        <p:spPr>
+          <a:xfrm rot="16200000" flipV="1">
+            <a:off x="8618715" y="-176051"/>
+            <a:ext cx="128726" cy="2451670"/>
+          </a:xfrm>
+          <a:prstGeom prst="bentConnector2">
+            <a:avLst/>
+          </a:prstGeom>
+          <a:ln>
+            <a:tailEnd type="triangle"/>
+          </a:ln>
+        </p:spPr>
+        <p:style>
+          <a:lnRef idx="1">
+            <a:schemeClr val="accent2"/>
+          </a:lnRef>
+          <a:fillRef idx="0">
+            <a:schemeClr val="accent2"/>
+          </a:fillRef>
+          <a:effectRef idx="0">
+            <a:schemeClr val="accent2"/>
+          </a:effectRef>
+          <a:fontRef idx="minor">
+            <a:schemeClr val="tx1"/>
+          </a:fontRef>
+        </p:style>
+      </p:cxnSp>
+      <p:sp>
+        <p:nvSpPr>
+          <p:cNvPr id="16" name="Text Box 2">
+            <a:extLst>
+              <a:ext uri="{FF2B5EF4-FFF2-40B4-BE49-F238E27FC236}">
+                <a16:creationId xmlns:a16="http://schemas.microsoft.com/office/drawing/2014/main" id="{89DCA306-CCFE-41BB-9D2F-C1A4092DCCDE}"/>
+              </a:ext>
+            </a:extLst>
+          </p:cNvPr>
+          <p:cNvSpPr txBox="1">
+            <a:spLocks noChangeArrowheads="1"/>
+          </p:cNvSpPr>
+          <p:nvPr/>
+        </p:nvSpPr>
+        <p:spPr bwMode="auto">
+          <a:xfrm>
+            <a:off x="10182873" y="1731146"/>
+            <a:ext cx="1940141" cy="1640336"/>
+          </a:xfrm>
+          <a:prstGeom prst="rect">
+            <a:avLst/>
+          </a:prstGeom>
+          <a:solidFill>
+            <a:schemeClr val="accent2"/>
+          </a:solidFill>
+          <a:ln w="9525">
+            <a:solidFill>
+              <a:srgbClr val="000000"/>
+            </a:solidFill>
+            <a:miter lim="800000"/>
+            <a:headEnd/>
+            <a:tailEnd/>
+          </a:ln>
+        </p:spPr>
+        <p:txBody>
+          <a:bodyPr rot="0" vert="horz" wrap="square" lIns="91440" tIns="45720" rIns="91440" bIns="45720" anchor="t" anchorCtr="0">
+            <a:noAutofit/>
+          </a:bodyPr>
+          <a:lstStyle/>
+          <a:p>
+            <a:pPr>
+              <a:lnSpc>
+                <a:spcPct val="107000"/>
+              </a:lnSpc>
+              <a:spcAft>
+                <a:spcPts val="800"/>
+              </a:spcAft>
+            </a:pPr>
+            <a:r>
+              <a:rPr lang="en-SG" sz="1200" b="1" dirty="0">
+                <a:solidFill>
+                  <a:schemeClr val="bg1"/>
+                </a:solidFill>
+                <a:latin typeface="Arial Nova Cond" panose="020B0506020202020204" pitchFamily="34" charset="0"/>
+                <a:ea typeface="Calibri" panose="020F0502020204030204" pitchFamily="34" charset="0"/>
+                <a:cs typeface="Times New Roman" panose="02020603050405020304" pitchFamily="18" charset="0"/>
+              </a:rPr>
+              <a:t>4</a:t>
+            </a:r>
+            <a:r>
+              <a:rPr lang="en-SG" sz="1200" b="1" dirty="0">
+                <a:solidFill>
+                  <a:schemeClr val="bg1"/>
+                </a:solidFill>
+                <a:effectLst/>
+                <a:latin typeface="Arial Nova Cond" panose="020B0506020202020204" pitchFamily="34" charset="0"/>
+                <a:ea typeface="Calibri" panose="020F0502020204030204" pitchFamily="34" charset="0"/>
+                <a:cs typeface="Times New Roman" panose="02020603050405020304" pitchFamily="18" charset="0"/>
+              </a:rPr>
+              <a:t>. By selecting project “Orbital” and using the arrows to toggle to the list of milestones under project “Orbital”, you will be able to see the new milestone </a:t>
+            </a:r>
+            <a:r>
+              <a:rPr lang="en-SG" sz="1200" b="1" dirty="0">
+                <a:solidFill>
+                  <a:schemeClr val="bg1"/>
+                </a:solidFill>
+                <a:latin typeface="Arial Nova Cond" panose="020B0506020202020204" pitchFamily="34" charset="0"/>
+                <a:ea typeface="Calibri" panose="020F0502020204030204" pitchFamily="34" charset="0"/>
+                <a:cs typeface="Times New Roman" panose="02020603050405020304" pitchFamily="18" charset="0"/>
+              </a:rPr>
+              <a:t>already added to the list.</a:t>
+            </a:r>
+            <a:endParaRPr lang="en-SG" sz="1200" dirty="0">
+              <a:solidFill>
+                <a:schemeClr val="bg1"/>
+              </a:solidFill>
+              <a:effectLst/>
+              <a:latin typeface="Calibri" panose="020F0502020204030204" pitchFamily="34" charset="0"/>
+              <a:ea typeface="Calibri" panose="020F0502020204030204" pitchFamily="34" charset="0"/>
+              <a:cs typeface="Times New Roman" panose="02020603050405020304" pitchFamily="18" charset="0"/>
+            </a:endParaRPr>
+          </a:p>
+        </p:txBody>
+      </p:sp>
+      <p:cxnSp>
+        <p:nvCxnSpPr>
+          <p:cNvPr id="23" name="Straight Connector 22">
+            <a:extLst>
+              <a:ext uri="{FF2B5EF4-FFF2-40B4-BE49-F238E27FC236}">
+                <a16:creationId xmlns:a16="http://schemas.microsoft.com/office/drawing/2014/main" id="{A4578050-5059-4579-AB74-56FD33A42370}"/>
+              </a:ext>
+            </a:extLst>
+          </p:cNvPr>
+          <p:cNvCxnSpPr/>
+          <p:nvPr/>
+        </p:nvCxnSpPr>
+        <p:spPr>
+          <a:xfrm flipH="1">
+            <a:off x="8300621" y="2077375"/>
+            <a:ext cx="1873189" cy="0"/>
+          </a:xfrm>
+          <a:prstGeom prst="line">
+            <a:avLst/>
+          </a:prstGeom>
+        </p:spPr>
+        <p:style>
+          <a:lnRef idx="1">
+            <a:schemeClr val="accent2"/>
+          </a:lnRef>
+          <a:fillRef idx="0">
+            <a:schemeClr val="accent2"/>
+          </a:fillRef>
+          <a:effectRef idx="0">
+            <a:schemeClr val="accent2"/>
+          </a:effectRef>
+          <a:fontRef idx="minor">
+            <a:schemeClr val="tx1"/>
+          </a:fontRef>
+        </p:style>
+      </p:cxnSp>
+      <p:cxnSp>
+        <p:nvCxnSpPr>
+          <p:cNvPr id="25" name="Straight Arrow Connector 24">
+            <a:extLst>
+              <a:ext uri="{FF2B5EF4-FFF2-40B4-BE49-F238E27FC236}">
+                <a16:creationId xmlns:a16="http://schemas.microsoft.com/office/drawing/2014/main" id="{8349DE86-2FFB-4EA8-8FA4-F29A76CA7593}"/>
+              </a:ext>
+            </a:extLst>
+          </p:cNvPr>
+          <p:cNvCxnSpPr/>
+          <p:nvPr/>
+        </p:nvCxnSpPr>
+        <p:spPr>
+          <a:xfrm>
+            <a:off x="8291744" y="2068497"/>
+            <a:ext cx="0" cy="692458"/>
+          </a:xfrm>
+          <a:prstGeom prst="straightConnector1">
+            <a:avLst/>
+          </a:prstGeom>
+          <a:ln>
+            <a:tailEnd type="triangle"/>
+          </a:ln>
+        </p:spPr>
+        <p:style>
+          <a:lnRef idx="1">
+            <a:schemeClr val="accent2"/>
+          </a:lnRef>
+          <a:fillRef idx="0">
+            <a:schemeClr val="accent2"/>
+          </a:fillRef>
+          <a:effectRef idx="0">
+            <a:schemeClr val="accent2"/>
+          </a:effectRef>
+          <a:fontRef idx="minor">
+            <a:schemeClr val="tx1"/>
+          </a:fontRef>
+        </p:style>
+      </p:cxnSp>
+      <p:sp>
+        <p:nvSpPr>
+          <p:cNvPr id="26" name="Text Box 2">
+            <a:extLst>
+              <a:ext uri="{FF2B5EF4-FFF2-40B4-BE49-F238E27FC236}">
+                <a16:creationId xmlns:a16="http://schemas.microsoft.com/office/drawing/2014/main" id="{157C1C36-373E-4809-9594-DDF8D97DEE3A}"/>
+              </a:ext>
+            </a:extLst>
+          </p:cNvPr>
+          <p:cNvSpPr txBox="1">
+            <a:spLocks noChangeArrowheads="1"/>
+          </p:cNvSpPr>
+          <p:nvPr/>
+        </p:nvSpPr>
+        <p:spPr bwMode="auto">
+          <a:xfrm>
+            <a:off x="10195079" y="3605366"/>
+            <a:ext cx="1940141" cy="1254130"/>
+          </a:xfrm>
+          <a:prstGeom prst="rect">
+            <a:avLst/>
+          </a:prstGeom>
+          <a:solidFill>
+            <a:schemeClr val="accent2"/>
+          </a:solidFill>
+          <a:ln w="9525">
+            <a:solidFill>
+              <a:srgbClr val="000000"/>
+            </a:solidFill>
+            <a:miter lim="800000"/>
+            <a:headEnd/>
+            <a:tailEnd/>
+          </a:ln>
+        </p:spPr>
+        <p:txBody>
+          <a:bodyPr rot="0" vert="horz" wrap="square" lIns="91440" tIns="45720" rIns="91440" bIns="45720" anchor="t" anchorCtr="0">
+            <a:noAutofit/>
+          </a:bodyPr>
+          <a:lstStyle/>
+          <a:p>
+            <a:pPr>
+              <a:lnSpc>
+                <a:spcPct val="107000"/>
+              </a:lnSpc>
+              <a:spcAft>
+                <a:spcPts val="800"/>
+              </a:spcAft>
+            </a:pPr>
+            <a:r>
+              <a:rPr lang="en-SG" sz="1200" b="1" dirty="0">
+                <a:solidFill>
+                  <a:schemeClr val="bg1"/>
+                </a:solidFill>
+                <a:effectLst/>
+                <a:latin typeface="Arial Nova Cond" panose="020B0506020202020204" pitchFamily="34" charset="0"/>
+                <a:ea typeface="Calibri" panose="020F0502020204030204" pitchFamily="34" charset="0"/>
+                <a:cs typeface="Times New Roman" panose="02020603050405020304" pitchFamily="18" charset="0"/>
+              </a:rPr>
+              <a:t>5. As the date of the new milestone falls between the 2 milestones already in th</a:t>
+            </a:r>
+            <a:r>
+              <a:rPr lang="en-SG" sz="1200" b="1" dirty="0">
+                <a:solidFill>
+                  <a:schemeClr val="bg1"/>
+                </a:solidFill>
+                <a:latin typeface="Arial Nova Cond" panose="020B0506020202020204" pitchFamily="34" charset="0"/>
+                <a:ea typeface="Calibri" panose="020F0502020204030204" pitchFamily="34" charset="0"/>
+                <a:cs typeface="Times New Roman" panose="02020603050405020304" pitchFamily="18" charset="0"/>
+              </a:rPr>
+              <a:t>e list , the new milestone entry will be placed in between</a:t>
+            </a:r>
+            <a:endParaRPr lang="en-SG" sz="1200" dirty="0">
+              <a:solidFill>
+                <a:schemeClr val="bg1"/>
+              </a:solidFill>
+              <a:effectLst/>
+              <a:latin typeface="Calibri" panose="020F0502020204030204" pitchFamily="34" charset="0"/>
+              <a:ea typeface="Calibri" panose="020F0502020204030204" pitchFamily="34" charset="0"/>
+              <a:cs typeface="Times New Roman" panose="02020603050405020304" pitchFamily="18" charset="0"/>
+            </a:endParaRPr>
+          </a:p>
+        </p:txBody>
+      </p:sp>
+    </p:spTree>
+    <p:extLst>
+      <p:ext uri="{BB962C8B-B14F-4D97-AF65-F5344CB8AC3E}">
+        <p14:creationId xmlns:p14="http://schemas.microsoft.com/office/powerpoint/2010/main" val="1450077521"/>
+      </p:ext>
+    </p:extLst>
+  </p:cSld>
+  <p:clrMapOvr>
+    <a:masterClrMapping/>
+  </p:clrMapOvr>
+</p:sld>
+</file>
+
+<file path=ppt/slides/slide8.xml><?xml version="1.0" encoding="utf-8"?>
+<p:sld xmlns:a="http://schemas.openxmlformats.org/drawingml/2006/main" xmlns:r="http://schemas.openxmlformats.org/officeDocument/2006/relationships" xmlns:p="http://schemas.openxmlformats.org/presentationml/2006/main">
+  <p:cSld>
+    <p:spTree>
+      <p:nvGrpSpPr>
+        <p:cNvPr id="1" name=""/>
+        <p:cNvGrpSpPr/>
+        <p:nvPr/>
+      </p:nvGrpSpPr>
+      <p:grpSpPr>
+        <a:xfrm>
+          <a:off x="0" y="0"/>
+          <a:ext cx="0" cy="0"/>
+          <a:chOff x="0" y="0"/>
+          <a:chExt cx="0" cy="0"/>
+        </a:xfrm>
+      </p:grpSpPr>
+      <p:pic>
+        <p:nvPicPr>
+          <p:cNvPr id="2" name="Picture 1">
+            <a:extLst>
+              <a:ext uri="{FF2B5EF4-FFF2-40B4-BE49-F238E27FC236}">
+                <a16:creationId xmlns:a16="http://schemas.microsoft.com/office/drawing/2014/main" id="{B094C944-B477-436C-ACB6-B9990EF3069E}"/>
+              </a:ext>
+            </a:extLst>
+          </p:cNvPr>
+          <p:cNvPicPr>
+            <a:picLocks noChangeAspect="1"/>
+          </p:cNvPicPr>
+          <p:nvPr/>
+        </p:nvPicPr>
+        <p:blipFill rotWithShape="1">
+          <a:blip r:embed="rId2"/>
+          <a:srcRect r="81953" b="87639"/>
+          <a:stretch/>
+        </p:blipFill>
+        <p:spPr>
+          <a:xfrm>
+            <a:off x="0" y="0"/>
+            <a:ext cx="12281408" cy="6858000"/>
+          </a:xfrm>
+          <a:prstGeom prst="rect">
+            <a:avLst/>
+          </a:prstGeom>
+          <a:ln w="76200">
+            <a:solidFill>
+              <a:schemeClr val="bg1"/>
+            </a:solidFill>
+          </a:ln>
+        </p:spPr>
+      </p:pic>
+      <p:cxnSp>
+        <p:nvCxnSpPr>
+          <p:cNvPr id="4" name="Straight Arrow Connector 3">
+            <a:extLst>
+              <a:ext uri="{FF2B5EF4-FFF2-40B4-BE49-F238E27FC236}">
+                <a16:creationId xmlns:a16="http://schemas.microsoft.com/office/drawing/2014/main" id="{E458FA27-34B2-4B06-BB74-D2F3E4937377}"/>
+              </a:ext>
+            </a:extLst>
+          </p:cNvPr>
+          <p:cNvCxnSpPr>
+            <a:cxnSpLocks/>
+          </p:cNvCxnSpPr>
+          <p:nvPr/>
+        </p:nvCxnSpPr>
+        <p:spPr>
+          <a:xfrm flipH="1">
+            <a:off x="4722923" y="0"/>
+            <a:ext cx="3160448" cy="3036163"/>
+          </a:xfrm>
+          <a:prstGeom prst="straightConnector1">
+            <a:avLst/>
+          </a:prstGeom>
+          <a:ln w="76200">
+            <a:solidFill>
+              <a:schemeClr val="accent2"/>
+            </a:solidFill>
+            <a:tailEnd type="triangle"/>
+          </a:ln>
+        </p:spPr>
+        <p:style>
+          <a:lnRef idx="1">
+            <a:schemeClr val="accent1"/>
+          </a:lnRef>
+          <a:fillRef idx="0">
+            <a:schemeClr val="accent1"/>
+          </a:fillRef>
+          <a:effectRef idx="0">
+            <a:schemeClr val="accent1"/>
+          </a:effectRef>
+          <a:fontRef idx="minor">
+            <a:schemeClr val="tx1"/>
+          </a:fontRef>
+        </p:style>
+      </p:cxnSp>
+    </p:spTree>
+    <p:extLst>
+      <p:ext uri="{BB962C8B-B14F-4D97-AF65-F5344CB8AC3E}">
+        <p14:creationId xmlns:p14="http://schemas.microsoft.com/office/powerpoint/2010/main" val="2923474229"/>
+      </p:ext>
+    </p:extLst>
+  </p:cSld>
+  <p:clrMapOvr>
+    <a:masterClrMapping/>
+  </p:clrMapOvr>
+</p:sld>
+</file>
+
+<file path=ppt/slides/slide9.xml><?xml version="1.0" encoding="utf-8"?>
+<p:sld xmlns:a="http://schemas.openxmlformats.org/drawingml/2006/main" xmlns:r="http://schemas.openxmlformats.org/officeDocument/2006/relationships" xmlns:p="http://schemas.openxmlformats.org/presentationml/2006/main">
+  <p:cSld>
+    <p:spTree>
+      <p:nvGrpSpPr>
+        <p:cNvPr id="1" name=""/>
+        <p:cNvGrpSpPr/>
+        <p:nvPr/>
+      </p:nvGrpSpPr>
+      <p:grpSpPr>
+        <a:xfrm>
+          <a:off x="0" y="0"/>
+          <a:ext cx="0" cy="0"/>
+          <a:chOff x="0" y="0"/>
+          <a:chExt cx="0" cy="0"/>
+        </a:xfrm>
+      </p:grpSpPr>
+      <p:pic>
+        <p:nvPicPr>
+          <p:cNvPr id="5" name="Picture 4">
+            <a:extLst>
+              <a:ext uri="{FF2B5EF4-FFF2-40B4-BE49-F238E27FC236}">
+                <a16:creationId xmlns:a16="http://schemas.microsoft.com/office/drawing/2014/main" id="{D9E135DF-8569-41FB-8450-938D2567B296}"/>
+              </a:ext>
+            </a:extLst>
+          </p:cNvPr>
+          <p:cNvPicPr>
+            <a:picLocks noChangeAspect="1"/>
+          </p:cNvPicPr>
+          <p:nvPr/>
+        </p:nvPicPr>
+        <p:blipFill rotWithShape="1">
+          <a:blip r:embed="rId2"/>
+          <a:srcRect b="76577"/>
+          <a:stretch/>
+        </p:blipFill>
+        <p:spPr>
+          <a:xfrm>
+            <a:off x="0" y="-19078"/>
+            <a:ext cx="12192000" cy="2149536"/>
+          </a:xfrm>
+          <a:prstGeom prst="rect">
+            <a:avLst/>
+          </a:prstGeom>
+          <a:ln w="28575">
+            <a:solidFill>
+              <a:schemeClr val="tx1"/>
+            </a:solidFill>
+          </a:ln>
+        </p:spPr>
+      </p:pic>
+      <p:sp>
+        <p:nvSpPr>
+          <p:cNvPr id="6" name="TextBox 5">
+            <a:extLst>
+              <a:ext uri="{FF2B5EF4-FFF2-40B4-BE49-F238E27FC236}">
+                <a16:creationId xmlns:a16="http://schemas.microsoft.com/office/drawing/2014/main" id="{9B741FFD-0583-47CE-B0CC-B1CBAAFEB50C}"/>
+              </a:ext>
+            </a:extLst>
+          </p:cNvPr>
+          <p:cNvSpPr txBox="1"/>
+          <p:nvPr/>
+        </p:nvSpPr>
+        <p:spPr>
+          <a:xfrm>
+            <a:off x="2432115" y="603315"/>
+            <a:ext cx="537327" cy="369332"/>
+          </a:xfrm>
+          <a:prstGeom prst="rect">
+            <a:avLst/>
+          </a:prstGeom>
+          <a:noFill/>
+          <a:ln w="38100">
+            <a:solidFill>
+              <a:schemeClr val="accent2"/>
+            </a:solidFill>
+          </a:ln>
+        </p:spPr>
+        <p:txBody>
+          <a:bodyPr wrap="square" rtlCol="0">
+            <a:spAutoFit/>
+          </a:bodyPr>
+          <a:lstStyle/>
+          <a:p>
+            <a:endParaRPr lang="en-SG" dirty="0"/>
+          </a:p>
+        </p:txBody>
+      </p:sp>
+      <p:sp>
+        <p:nvSpPr>
+          <p:cNvPr id="7" name="TextBox 6">
+            <a:extLst>
+              <a:ext uri="{FF2B5EF4-FFF2-40B4-BE49-F238E27FC236}">
+                <a16:creationId xmlns:a16="http://schemas.microsoft.com/office/drawing/2014/main" id="{787ECCF9-BE93-48B4-8C43-666FD7CEE8BF}"/>
+              </a:ext>
+            </a:extLst>
+          </p:cNvPr>
+          <p:cNvSpPr txBox="1"/>
+          <p:nvPr/>
+        </p:nvSpPr>
+        <p:spPr>
+          <a:xfrm>
+            <a:off x="0" y="1763036"/>
+            <a:ext cx="1621410" cy="369332"/>
+          </a:xfrm>
+          <a:prstGeom prst="rect">
+            <a:avLst/>
+          </a:prstGeom>
+          <a:noFill/>
+          <a:ln w="38100">
+            <a:solidFill>
+              <a:schemeClr val="accent2"/>
+            </a:solidFill>
+          </a:ln>
+        </p:spPr>
+        <p:txBody>
+          <a:bodyPr wrap="square" rtlCol="0">
+            <a:spAutoFit/>
+          </a:bodyPr>
+          <a:lstStyle/>
+          <a:p>
+            <a:endParaRPr lang="en-SG" dirty="0"/>
+          </a:p>
+        </p:txBody>
+      </p:sp>
+      <p:sp>
+        <p:nvSpPr>
+          <p:cNvPr id="8" name="Text Box 2">
+            <a:extLst>
+              <a:ext uri="{FF2B5EF4-FFF2-40B4-BE49-F238E27FC236}">
+                <a16:creationId xmlns:a16="http://schemas.microsoft.com/office/drawing/2014/main" id="{E154DDE7-F4B9-4E11-8440-28EC301E80AD}"/>
+              </a:ext>
+            </a:extLst>
+          </p:cNvPr>
+          <p:cNvSpPr txBox="1">
+            <a:spLocks noChangeArrowheads="1"/>
+          </p:cNvSpPr>
+          <p:nvPr/>
+        </p:nvSpPr>
+        <p:spPr bwMode="auto">
+          <a:xfrm>
+            <a:off x="5181932" y="632068"/>
+            <a:ext cx="3801812" cy="337353"/>
+          </a:xfrm>
+          <a:prstGeom prst="rect">
+            <a:avLst/>
+          </a:prstGeom>
+          <a:solidFill>
+            <a:schemeClr val="accent2"/>
+          </a:solidFill>
+          <a:ln w="9525">
+            <a:solidFill>
+              <a:srgbClr val="000000"/>
+            </a:solidFill>
+            <a:miter lim="800000"/>
+            <a:headEnd/>
+            <a:tailEnd/>
+          </a:ln>
+        </p:spPr>
+        <p:txBody>
+          <a:bodyPr rot="0" vert="horz" wrap="square" lIns="91440" tIns="45720" rIns="91440" bIns="45720" anchor="t" anchorCtr="0">
+            <a:noAutofit/>
+          </a:bodyPr>
+          <a:lstStyle/>
+          <a:p>
+            <a:pPr>
+              <a:lnSpc>
+                <a:spcPct val="107000"/>
+              </a:lnSpc>
+              <a:spcAft>
+                <a:spcPts val="800"/>
+              </a:spcAft>
+            </a:pPr>
+            <a:r>
+              <a:rPr lang="en-SG" sz="1200" b="1" dirty="0">
+                <a:solidFill>
+                  <a:schemeClr val="bg1"/>
+                </a:solidFill>
+                <a:latin typeface="Arial Nova Cond" panose="020B0506020202020204" pitchFamily="34" charset="0"/>
+                <a:ea typeface="Calibri" panose="020F0502020204030204" pitchFamily="34" charset="0"/>
+                <a:cs typeface="Times New Roman" panose="02020603050405020304" pitchFamily="18" charset="0"/>
+              </a:rPr>
+              <a:t>1. User has typed in today as the start date of the project.</a:t>
+            </a:r>
+            <a:endParaRPr lang="en-SG" sz="1200" dirty="0">
+              <a:solidFill>
+                <a:schemeClr val="bg1"/>
+              </a:solidFill>
+              <a:effectLst/>
+              <a:latin typeface="Calibri" panose="020F0502020204030204" pitchFamily="34" charset="0"/>
+              <a:ea typeface="Calibri" panose="020F0502020204030204" pitchFamily="34" charset="0"/>
+              <a:cs typeface="Times New Roman" panose="02020603050405020304" pitchFamily="18" charset="0"/>
+            </a:endParaRPr>
+          </a:p>
+        </p:txBody>
+      </p:sp>
+      <p:cxnSp>
+        <p:nvCxnSpPr>
+          <p:cNvPr id="10" name="Straight Arrow Connector 9">
+            <a:extLst>
+              <a:ext uri="{FF2B5EF4-FFF2-40B4-BE49-F238E27FC236}">
+                <a16:creationId xmlns:a16="http://schemas.microsoft.com/office/drawing/2014/main" id="{918FB132-AB13-4365-A644-C1901657AADE}"/>
+              </a:ext>
+            </a:extLst>
+          </p:cNvPr>
+          <p:cNvCxnSpPr>
+            <a:cxnSpLocks/>
+          </p:cNvCxnSpPr>
+          <p:nvPr/>
+        </p:nvCxnSpPr>
+        <p:spPr>
+          <a:xfrm flipH="1">
+            <a:off x="3777005" y="815804"/>
+            <a:ext cx="1404928" cy="0"/>
+          </a:xfrm>
+          <a:prstGeom prst="straightConnector1">
+            <a:avLst/>
+          </a:prstGeom>
+          <a:ln>
+            <a:tailEnd type="triangle"/>
+          </a:ln>
+        </p:spPr>
+        <p:style>
+          <a:lnRef idx="1">
+            <a:schemeClr val="accent2"/>
+          </a:lnRef>
+          <a:fillRef idx="0">
+            <a:schemeClr val="accent2"/>
+          </a:fillRef>
+          <a:effectRef idx="0">
+            <a:schemeClr val="accent2"/>
+          </a:effectRef>
+          <a:fontRef idx="minor">
+            <a:schemeClr val="tx1"/>
+          </a:fontRef>
+        </p:style>
+      </p:cxnSp>
+      <p:sp>
+        <p:nvSpPr>
+          <p:cNvPr id="11" name="Text Box 2">
+            <a:extLst>
+              <a:ext uri="{FF2B5EF4-FFF2-40B4-BE49-F238E27FC236}">
+                <a16:creationId xmlns:a16="http://schemas.microsoft.com/office/drawing/2014/main" id="{6C870D41-80E3-4DB5-8924-84B4DA42F0A9}"/>
+              </a:ext>
+            </a:extLst>
+          </p:cNvPr>
+          <p:cNvSpPr txBox="1">
+            <a:spLocks noChangeArrowheads="1"/>
+          </p:cNvSpPr>
+          <p:nvPr/>
+        </p:nvSpPr>
+        <p:spPr bwMode="auto">
+          <a:xfrm>
+            <a:off x="3701988" y="1764798"/>
+            <a:ext cx="5281756" cy="337353"/>
+          </a:xfrm>
+          <a:prstGeom prst="rect">
+            <a:avLst/>
+          </a:prstGeom>
+          <a:solidFill>
+            <a:schemeClr val="accent2"/>
+          </a:solidFill>
+          <a:ln w="9525">
+            <a:solidFill>
+              <a:srgbClr val="000000"/>
+            </a:solidFill>
+            <a:miter lim="800000"/>
+            <a:headEnd/>
+            <a:tailEnd/>
+          </a:ln>
+        </p:spPr>
+        <p:txBody>
+          <a:bodyPr rot="0" vert="horz" wrap="square" lIns="91440" tIns="45720" rIns="91440" bIns="45720" anchor="t" anchorCtr="0">
+            <a:noAutofit/>
+          </a:bodyPr>
+          <a:lstStyle/>
+          <a:p>
+            <a:pPr>
+              <a:lnSpc>
+                <a:spcPct val="107000"/>
+              </a:lnSpc>
+              <a:spcAft>
+                <a:spcPts val="800"/>
+              </a:spcAft>
+            </a:pPr>
+            <a:r>
+              <a:rPr lang="en-SG" sz="1200" b="1" dirty="0">
+                <a:solidFill>
+                  <a:schemeClr val="bg1"/>
+                </a:solidFill>
+                <a:latin typeface="Arial Nova Cond" panose="020B0506020202020204" pitchFamily="34" charset="0"/>
+                <a:ea typeface="Calibri" panose="020F0502020204030204" pitchFamily="34" charset="0"/>
+                <a:cs typeface="Times New Roman" panose="02020603050405020304" pitchFamily="18" charset="0"/>
+              </a:rPr>
+              <a:t>2. The input gets automatically translated to today’s date in DD/MM/YYYY format.</a:t>
+            </a:r>
+            <a:endParaRPr lang="en-SG" sz="1200" dirty="0">
+              <a:solidFill>
+                <a:schemeClr val="bg1"/>
+              </a:solidFill>
+              <a:effectLst/>
+              <a:latin typeface="Calibri" panose="020F0502020204030204" pitchFamily="34" charset="0"/>
+              <a:ea typeface="Calibri" panose="020F0502020204030204" pitchFamily="34" charset="0"/>
+              <a:cs typeface="Times New Roman" panose="02020603050405020304" pitchFamily="18" charset="0"/>
+            </a:endParaRPr>
+          </a:p>
+        </p:txBody>
+      </p:sp>
+      <p:cxnSp>
+        <p:nvCxnSpPr>
+          <p:cNvPr id="13" name="Straight Arrow Connector 12">
+            <a:extLst>
+              <a:ext uri="{FF2B5EF4-FFF2-40B4-BE49-F238E27FC236}">
+                <a16:creationId xmlns:a16="http://schemas.microsoft.com/office/drawing/2014/main" id="{FD29C48E-5FEF-48C7-84BC-A0C6BE03D08E}"/>
+              </a:ext>
+            </a:extLst>
+          </p:cNvPr>
+          <p:cNvCxnSpPr>
+            <a:cxnSpLocks/>
+            <a:stCxn id="11" idx="1"/>
+          </p:cNvCxnSpPr>
+          <p:nvPr/>
+        </p:nvCxnSpPr>
+        <p:spPr>
+          <a:xfrm flipH="1">
+            <a:off x="1687398" y="1933475"/>
+            <a:ext cx="2014590" cy="8447"/>
+          </a:xfrm>
+          <a:prstGeom prst="straightConnector1">
+            <a:avLst/>
+          </a:prstGeom>
+          <a:ln>
+            <a:tailEnd type="triangle"/>
+          </a:ln>
+        </p:spPr>
+        <p:style>
+          <a:lnRef idx="1">
+            <a:schemeClr val="accent2"/>
+          </a:lnRef>
+          <a:fillRef idx="0">
+            <a:schemeClr val="accent2"/>
+          </a:fillRef>
+          <a:effectRef idx="0">
+            <a:schemeClr val="accent2"/>
+          </a:effectRef>
+          <a:fontRef idx="minor">
+            <a:schemeClr val="tx1"/>
+          </a:fontRef>
+        </p:style>
+      </p:cxnSp>
+      <p:pic>
+        <p:nvPicPr>
+          <p:cNvPr id="14" name="Picture 13">
+            <a:extLst>
+              <a:ext uri="{FF2B5EF4-FFF2-40B4-BE49-F238E27FC236}">
+                <a16:creationId xmlns:a16="http://schemas.microsoft.com/office/drawing/2014/main" id="{670FC78B-0DB5-46D6-8CA2-31761E278AF2}"/>
+              </a:ext>
+            </a:extLst>
+          </p:cNvPr>
+          <p:cNvPicPr>
+            <a:picLocks noChangeAspect="1"/>
+          </p:cNvPicPr>
+          <p:nvPr/>
+        </p:nvPicPr>
+        <p:blipFill rotWithShape="1">
+          <a:blip r:embed="rId3"/>
+          <a:srcRect b="77041"/>
+          <a:stretch/>
+        </p:blipFill>
+        <p:spPr>
+          <a:xfrm>
+            <a:off x="0" y="2314194"/>
+            <a:ext cx="12192000" cy="2149200"/>
+          </a:xfrm>
+          <a:prstGeom prst="rect">
+            <a:avLst/>
+          </a:prstGeom>
+          <a:ln w="28575">
+            <a:solidFill>
+              <a:schemeClr val="tx1"/>
+            </a:solidFill>
+          </a:ln>
+        </p:spPr>
+      </p:pic>
+      <p:sp>
+        <p:nvSpPr>
+          <p:cNvPr id="15" name="TextBox 14">
+            <a:extLst>
+              <a:ext uri="{FF2B5EF4-FFF2-40B4-BE49-F238E27FC236}">
+                <a16:creationId xmlns:a16="http://schemas.microsoft.com/office/drawing/2014/main" id="{55CE3AF9-F284-461C-BA0A-F07BCEBBE27E}"/>
+              </a:ext>
+            </a:extLst>
+          </p:cNvPr>
+          <p:cNvSpPr txBox="1"/>
+          <p:nvPr/>
+        </p:nvSpPr>
+        <p:spPr>
+          <a:xfrm>
+            <a:off x="2458093" y="2999106"/>
+            <a:ext cx="769856" cy="369332"/>
+          </a:xfrm>
+          <a:prstGeom prst="rect">
+            <a:avLst/>
+          </a:prstGeom>
+          <a:noFill/>
+          <a:ln w="38100">
+            <a:solidFill>
+              <a:schemeClr val="accent2"/>
+            </a:solidFill>
+          </a:ln>
+        </p:spPr>
+        <p:txBody>
+          <a:bodyPr wrap="square" rtlCol="0">
+            <a:spAutoFit/>
+          </a:bodyPr>
+          <a:lstStyle/>
+          <a:p>
+            <a:endParaRPr lang="en-SG" dirty="0"/>
+          </a:p>
+        </p:txBody>
+      </p:sp>
+      <p:sp>
+        <p:nvSpPr>
+          <p:cNvPr id="16" name="TextBox 15">
+            <a:extLst>
+              <a:ext uri="{FF2B5EF4-FFF2-40B4-BE49-F238E27FC236}">
+                <a16:creationId xmlns:a16="http://schemas.microsoft.com/office/drawing/2014/main" id="{382482ED-FAD3-4D14-8B1F-4047C1BC3FC0}"/>
+              </a:ext>
+            </a:extLst>
+          </p:cNvPr>
+          <p:cNvSpPr txBox="1"/>
+          <p:nvPr/>
+        </p:nvSpPr>
+        <p:spPr>
+          <a:xfrm>
+            <a:off x="0" y="4094062"/>
+            <a:ext cx="1621410" cy="369332"/>
+          </a:xfrm>
+          <a:prstGeom prst="rect">
+            <a:avLst/>
+          </a:prstGeom>
+          <a:noFill/>
+          <a:ln w="38100">
+            <a:solidFill>
+              <a:schemeClr val="accent2"/>
+            </a:solidFill>
+          </a:ln>
+        </p:spPr>
+        <p:txBody>
+          <a:bodyPr wrap="square" rtlCol="0">
+            <a:spAutoFit/>
+          </a:bodyPr>
+          <a:lstStyle/>
+          <a:p>
+            <a:endParaRPr lang="en-SG" dirty="0"/>
+          </a:p>
+        </p:txBody>
+      </p:sp>
+      <p:sp>
+        <p:nvSpPr>
+          <p:cNvPr id="17" name="Text Box 2">
+            <a:extLst>
+              <a:ext uri="{FF2B5EF4-FFF2-40B4-BE49-F238E27FC236}">
+                <a16:creationId xmlns:a16="http://schemas.microsoft.com/office/drawing/2014/main" id="{083A14B9-CE02-4592-BC8F-B840A5077109}"/>
+              </a:ext>
+            </a:extLst>
+          </p:cNvPr>
+          <p:cNvSpPr txBox="1">
+            <a:spLocks noChangeArrowheads="1"/>
+          </p:cNvSpPr>
+          <p:nvPr/>
+        </p:nvSpPr>
+        <p:spPr bwMode="auto">
+          <a:xfrm>
+            <a:off x="4761159" y="2965340"/>
+            <a:ext cx="4207164" cy="337353"/>
+          </a:xfrm>
+          <a:prstGeom prst="rect">
+            <a:avLst/>
+          </a:prstGeom>
+          <a:solidFill>
+            <a:schemeClr val="accent2"/>
+          </a:solidFill>
+          <a:ln w="9525">
+            <a:solidFill>
+              <a:srgbClr val="000000"/>
+            </a:solidFill>
+            <a:miter lim="800000"/>
+            <a:headEnd/>
+            <a:tailEnd/>
+          </a:ln>
+        </p:spPr>
+        <p:txBody>
+          <a:bodyPr rot="0" vert="horz" wrap="square" lIns="91440" tIns="45720" rIns="91440" bIns="45720" anchor="t" anchorCtr="0">
+            <a:noAutofit/>
+          </a:bodyPr>
+          <a:lstStyle/>
+          <a:p>
+            <a:pPr>
+              <a:lnSpc>
+                <a:spcPct val="107000"/>
+              </a:lnSpc>
+              <a:spcAft>
+                <a:spcPts val="800"/>
+              </a:spcAft>
+            </a:pPr>
+            <a:r>
+              <a:rPr lang="en-SG" sz="1200" b="1" dirty="0">
+                <a:solidFill>
+                  <a:schemeClr val="bg1"/>
+                </a:solidFill>
+                <a:latin typeface="Arial Nova Cond" panose="020B0506020202020204" pitchFamily="34" charset="0"/>
+                <a:ea typeface="Calibri" panose="020F0502020204030204" pitchFamily="34" charset="0"/>
+                <a:cs typeface="Times New Roman" panose="02020603050405020304" pitchFamily="18" charset="0"/>
+              </a:rPr>
+              <a:t>1. User has typed in “tomorrow” as the start date of the project.</a:t>
+            </a:r>
+            <a:endParaRPr lang="en-SG" sz="1200" dirty="0">
+              <a:solidFill>
+                <a:schemeClr val="bg1"/>
+              </a:solidFill>
+              <a:effectLst/>
+              <a:latin typeface="Calibri" panose="020F0502020204030204" pitchFamily="34" charset="0"/>
+              <a:ea typeface="Calibri" panose="020F0502020204030204" pitchFamily="34" charset="0"/>
+              <a:cs typeface="Times New Roman" panose="02020603050405020304" pitchFamily="18" charset="0"/>
+            </a:endParaRPr>
+          </a:p>
+        </p:txBody>
+      </p:sp>
+      <p:cxnSp>
+        <p:nvCxnSpPr>
+          <p:cNvPr id="18" name="Straight Arrow Connector 17">
+            <a:extLst>
+              <a:ext uri="{FF2B5EF4-FFF2-40B4-BE49-F238E27FC236}">
+                <a16:creationId xmlns:a16="http://schemas.microsoft.com/office/drawing/2014/main" id="{C9685AB7-0455-46D0-B7FE-78AAE85A3FC8}"/>
+              </a:ext>
+            </a:extLst>
+          </p:cNvPr>
+          <p:cNvCxnSpPr>
+            <a:cxnSpLocks/>
+            <a:stCxn id="17" idx="1"/>
+          </p:cNvCxnSpPr>
+          <p:nvPr/>
+        </p:nvCxnSpPr>
+        <p:spPr>
+          <a:xfrm flipH="1" flipV="1">
+            <a:off x="4023919" y="3134016"/>
+            <a:ext cx="737240" cy="1"/>
+          </a:xfrm>
+          <a:prstGeom prst="straightConnector1">
+            <a:avLst/>
+          </a:prstGeom>
+          <a:ln>
+            <a:tailEnd type="triangle"/>
+          </a:ln>
+        </p:spPr>
+        <p:style>
+          <a:lnRef idx="1">
+            <a:schemeClr val="accent2"/>
+          </a:lnRef>
+          <a:fillRef idx="0">
+            <a:schemeClr val="accent2"/>
+          </a:fillRef>
+          <a:effectRef idx="0">
+            <a:schemeClr val="accent2"/>
+          </a:effectRef>
+          <a:fontRef idx="minor">
+            <a:schemeClr val="tx1"/>
+          </a:fontRef>
+        </p:style>
+      </p:cxnSp>
+      <p:sp>
+        <p:nvSpPr>
+          <p:cNvPr id="20" name="Text Box 2">
+            <a:extLst>
+              <a:ext uri="{FF2B5EF4-FFF2-40B4-BE49-F238E27FC236}">
+                <a16:creationId xmlns:a16="http://schemas.microsoft.com/office/drawing/2014/main" id="{0BC2D9CB-2659-451C-8382-8A2DAF9C3508}"/>
+              </a:ext>
+            </a:extLst>
+          </p:cNvPr>
+          <p:cNvSpPr txBox="1">
+            <a:spLocks noChangeArrowheads="1"/>
+          </p:cNvSpPr>
+          <p:nvPr/>
+        </p:nvSpPr>
+        <p:spPr bwMode="auto">
+          <a:xfrm>
+            <a:off x="3386239" y="4122515"/>
+            <a:ext cx="5597506" cy="337353"/>
+          </a:xfrm>
+          <a:prstGeom prst="rect">
+            <a:avLst/>
+          </a:prstGeom>
+          <a:solidFill>
+            <a:schemeClr val="accent2"/>
+          </a:solidFill>
+          <a:ln w="9525">
+            <a:solidFill>
+              <a:srgbClr val="000000"/>
+            </a:solidFill>
+            <a:miter lim="800000"/>
+            <a:headEnd/>
+            <a:tailEnd/>
+          </a:ln>
+        </p:spPr>
+        <p:txBody>
+          <a:bodyPr rot="0" vert="horz" wrap="square" lIns="91440" tIns="45720" rIns="91440" bIns="45720" anchor="t" anchorCtr="0">
+            <a:noAutofit/>
+          </a:bodyPr>
+          <a:lstStyle/>
+          <a:p>
+            <a:pPr>
+              <a:lnSpc>
+                <a:spcPct val="107000"/>
+              </a:lnSpc>
+              <a:spcAft>
+                <a:spcPts val="800"/>
+              </a:spcAft>
+            </a:pPr>
+            <a:r>
+              <a:rPr lang="en-SG" sz="1200" b="1" dirty="0">
+                <a:solidFill>
+                  <a:schemeClr val="bg1"/>
+                </a:solidFill>
+                <a:latin typeface="Arial Nova Cond" panose="020B0506020202020204" pitchFamily="34" charset="0"/>
+                <a:ea typeface="Calibri" panose="020F0502020204030204" pitchFamily="34" charset="0"/>
+                <a:cs typeface="Times New Roman" panose="02020603050405020304" pitchFamily="18" charset="0"/>
+              </a:rPr>
+              <a:t>2. The input gets automatically translated to tomorrow’s date in DD/MM/YYYY format.</a:t>
+            </a:r>
+            <a:endParaRPr lang="en-SG" sz="1200" dirty="0">
+              <a:solidFill>
+                <a:schemeClr val="bg1"/>
+              </a:solidFill>
+              <a:effectLst/>
+              <a:latin typeface="Calibri" panose="020F0502020204030204" pitchFamily="34" charset="0"/>
+              <a:ea typeface="Calibri" panose="020F0502020204030204" pitchFamily="34" charset="0"/>
+              <a:cs typeface="Times New Roman" panose="02020603050405020304" pitchFamily="18" charset="0"/>
+            </a:endParaRPr>
+          </a:p>
+        </p:txBody>
+      </p:sp>
+      <p:cxnSp>
+        <p:nvCxnSpPr>
+          <p:cNvPr id="21" name="Straight Arrow Connector 20">
+            <a:extLst>
+              <a:ext uri="{FF2B5EF4-FFF2-40B4-BE49-F238E27FC236}">
+                <a16:creationId xmlns:a16="http://schemas.microsoft.com/office/drawing/2014/main" id="{63153747-F7EF-4EA0-9951-35064829F4ED}"/>
+              </a:ext>
+            </a:extLst>
+          </p:cNvPr>
+          <p:cNvCxnSpPr>
+            <a:cxnSpLocks/>
+          </p:cNvCxnSpPr>
+          <p:nvPr/>
+        </p:nvCxnSpPr>
+        <p:spPr>
+          <a:xfrm flipH="1">
+            <a:off x="1687399" y="4291192"/>
+            <a:ext cx="1698840" cy="0"/>
+          </a:xfrm>
+          <a:prstGeom prst="straightConnector1">
+            <a:avLst/>
+          </a:prstGeom>
+          <a:ln>
+            <a:tailEnd type="triangle"/>
+          </a:ln>
+        </p:spPr>
+        <p:style>
+          <a:lnRef idx="1">
+            <a:schemeClr val="accent2"/>
+          </a:lnRef>
+          <a:fillRef idx="0">
+            <a:schemeClr val="accent2"/>
+          </a:fillRef>
+          <a:effectRef idx="0">
+            <a:schemeClr val="accent2"/>
+          </a:effectRef>
+          <a:fontRef idx="minor">
+            <a:schemeClr val="tx1"/>
+          </a:fontRef>
+        </p:style>
+      </p:cxnSp>
+      <p:pic>
+        <p:nvPicPr>
+          <p:cNvPr id="33" name="Picture 32">
+            <a:extLst>
+              <a:ext uri="{FF2B5EF4-FFF2-40B4-BE49-F238E27FC236}">
+                <a16:creationId xmlns:a16="http://schemas.microsoft.com/office/drawing/2014/main" id="{DD631BBA-0E3E-43E2-8500-21F676AF9031}"/>
+              </a:ext>
+            </a:extLst>
+          </p:cNvPr>
+          <p:cNvPicPr>
+            <a:picLocks noChangeAspect="1"/>
+          </p:cNvPicPr>
+          <p:nvPr/>
+        </p:nvPicPr>
+        <p:blipFill rotWithShape="1">
+          <a:blip r:embed="rId4"/>
+          <a:srcRect b="77041"/>
+          <a:stretch/>
+        </p:blipFill>
+        <p:spPr>
+          <a:xfrm>
+            <a:off x="0" y="4708799"/>
+            <a:ext cx="12192000" cy="2149200"/>
+          </a:xfrm>
+          <a:prstGeom prst="rect">
+            <a:avLst/>
+          </a:prstGeom>
+          <a:ln w="28575">
+            <a:solidFill>
+              <a:schemeClr val="tx1"/>
+            </a:solidFill>
+          </a:ln>
+        </p:spPr>
+      </p:pic>
+      <p:sp>
+        <p:nvSpPr>
+          <p:cNvPr id="39" name="TextBox 38">
+            <a:extLst>
+              <a:ext uri="{FF2B5EF4-FFF2-40B4-BE49-F238E27FC236}">
+                <a16:creationId xmlns:a16="http://schemas.microsoft.com/office/drawing/2014/main" id="{5EAFB21D-2263-4C83-B022-5334B380B6D5}"/>
+              </a:ext>
+            </a:extLst>
+          </p:cNvPr>
+          <p:cNvSpPr txBox="1"/>
+          <p:nvPr/>
+        </p:nvSpPr>
+        <p:spPr>
+          <a:xfrm>
+            <a:off x="2308194" y="5345436"/>
+            <a:ext cx="727969" cy="380661"/>
+          </a:xfrm>
+          <a:prstGeom prst="rect">
+            <a:avLst/>
+          </a:prstGeom>
+          <a:noFill/>
+          <a:ln w="38100">
+            <a:solidFill>
+              <a:schemeClr val="accent2"/>
+            </a:solidFill>
+          </a:ln>
+        </p:spPr>
+        <p:txBody>
+          <a:bodyPr wrap="square" rtlCol="0">
+            <a:spAutoFit/>
+          </a:bodyPr>
+          <a:lstStyle/>
+          <a:p>
+            <a:endParaRPr lang="en-SG" dirty="0"/>
+          </a:p>
+        </p:txBody>
+      </p:sp>
+      <p:sp>
+        <p:nvSpPr>
+          <p:cNvPr id="40" name="TextBox 39">
+            <a:extLst>
+              <a:ext uri="{FF2B5EF4-FFF2-40B4-BE49-F238E27FC236}">
+                <a16:creationId xmlns:a16="http://schemas.microsoft.com/office/drawing/2014/main" id="{17AB54A9-6339-48EA-8C56-94181E3182C6}"/>
+              </a:ext>
+            </a:extLst>
+          </p:cNvPr>
+          <p:cNvSpPr txBox="1"/>
+          <p:nvPr/>
+        </p:nvSpPr>
+        <p:spPr>
+          <a:xfrm>
+            <a:off x="0" y="6488667"/>
+            <a:ext cx="1621410" cy="369332"/>
+          </a:xfrm>
+          <a:prstGeom prst="rect">
+            <a:avLst/>
+          </a:prstGeom>
+          <a:noFill/>
+          <a:ln w="38100">
+            <a:solidFill>
+              <a:schemeClr val="accent2"/>
+            </a:solidFill>
+          </a:ln>
+        </p:spPr>
+        <p:txBody>
+          <a:bodyPr wrap="square" rtlCol="0">
+            <a:spAutoFit/>
+          </a:bodyPr>
+          <a:lstStyle/>
+          <a:p>
+            <a:endParaRPr lang="en-SG" dirty="0"/>
+          </a:p>
+        </p:txBody>
+      </p:sp>
+      <p:sp>
+        <p:nvSpPr>
+          <p:cNvPr id="41" name="Text Box 2">
+            <a:extLst>
+              <a:ext uri="{FF2B5EF4-FFF2-40B4-BE49-F238E27FC236}">
+                <a16:creationId xmlns:a16="http://schemas.microsoft.com/office/drawing/2014/main" id="{315BC484-2334-41CF-9937-44090B5E1785}"/>
+              </a:ext>
+            </a:extLst>
+          </p:cNvPr>
+          <p:cNvSpPr txBox="1">
+            <a:spLocks noChangeArrowheads="1"/>
+          </p:cNvSpPr>
+          <p:nvPr/>
+        </p:nvSpPr>
+        <p:spPr bwMode="auto">
+          <a:xfrm>
+            <a:off x="4776580" y="5347655"/>
+            <a:ext cx="4207164" cy="337353"/>
+          </a:xfrm>
+          <a:prstGeom prst="rect">
+            <a:avLst/>
+          </a:prstGeom>
+          <a:solidFill>
+            <a:schemeClr val="accent2"/>
+          </a:solidFill>
+          <a:ln w="9525">
+            <a:solidFill>
+              <a:srgbClr val="000000"/>
+            </a:solidFill>
+            <a:miter lim="800000"/>
+            <a:headEnd/>
+            <a:tailEnd/>
+          </a:ln>
+        </p:spPr>
+        <p:txBody>
+          <a:bodyPr rot="0" vert="horz" wrap="square" lIns="91440" tIns="45720" rIns="91440" bIns="45720" anchor="t" anchorCtr="0">
+            <a:noAutofit/>
+          </a:bodyPr>
+          <a:lstStyle/>
+          <a:p>
+            <a:pPr>
+              <a:lnSpc>
+                <a:spcPct val="107000"/>
+              </a:lnSpc>
+              <a:spcAft>
+                <a:spcPts val="800"/>
+              </a:spcAft>
+            </a:pPr>
+            <a:r>
+              <a:rPr lang="en-SG" sz="1200" b="1" dirty="0">
+                <a:solidFill>
+                  <a:schemeClr val="bg1"/>
+                </a:solidFill>
+                <a:latin typeface="Arial Nova Cond" panose="020B0506020202020204" pitchFamily="34" charset="0"/>
+                <a:ea typeface="Calibri" panose="020F0502020204030204" pitchFamily="34" charset="0"/>
+                <a:cs typeface="Times New Roman" panose="02020603050405020304" pitchFamily="18" charset="0"/>
+              </a:rPr>
+              <a:t>1. User has typed in “yesterday” as the start date of the project.</a:t>
+            </a:r>
+            <a:endParaRPr lang="en-SG" sz="1200" dirty="0">
+              <a:solidFill>
+                <a:schemeClr val="bg1"/>
+              </a:solidFill>
+              <a:effectLst/>
+              <a:latin typeface="Calibri" panose="020F0502020204030204" pitchFamily="34" charset="0"/>
+              <a:ea typeface="Calibri" panose="020F0502020204030204" pitchFamily="34" charset="0"/>
+              <a:cs typeface="Times New Roman" panose="02020603050405020304" pitchFamily="18" charset="0"/>
+            </a:endParaRPr>
+          </a:p>
+        </p:txBody>
+      </p:sp>
+      <p:cxnSp>
+        <p:nvCxnSpPr>
+          <p:cNvPr id="42" name="Straight Arrow Connector 41">
+            <a:extLst>
+              <a:ext uri="{FF2B5EF4-FFF2-40B4-BE49-F238E27FC236}">
+                <a16:creationId xmlns:a16="http://schemas.microsoft.com/office/drawing/2014/main" id="{BC073C4A-43A7-4185-BD9A-6864B1AC9E24}"/>
+              </a:ext>
+            </a:extLst>
+          </p:cNvPr>
+          <p:cNvCxnSpPr>
+            <a:cxnSpLocks/>
+          </p:cNvCxnSpPr>
+          <p:nvPr/>
+        </p:nvCxnSpPr>
+        <p:spPr>
+          <a:xfrm flipH="1" flipV="1">
+            <a:off x="3879542" y="5516331"/>
+            <a:ext cx="881619" cy="1"/>
+          </a:xfrm>
+          <a:prstGeom prst="straightConnector1">
+            <a:avLst/>
+          </a:prstGeom>
+          <a:ln>
+            <a:tailEnd type="triangle"/>
+          </a:ln>
+        </p:spPr>
+        <p:style>
+          <a:lnRef idx="1">
+            <a:schemeClr val="accent2"/>
+          </a:lnRef>
+          <a:fillRef idx="0">
+            <a:schemeClr val="accent2"/>
+          </a:fillRef>
+          <a:effectRef idx="0">
+            <a:schemeClr val="accent2"/>
+          </a:effectRef>
+          <a:fontRef idx="minor">
+            <a:schemeClr val="tx1"/>
+          </a:fontRef>
+        </p:style>
+      </p:cxnSp>
+      <p:sp>
+        <p:nvSpPr>
+          <p:cNvPr id="46" name="Text Box 2">
+            <a:extLst>
+              <a:ext uri="{FF2B5EF4-FFF2-40B4-BE49-F238E27FC236}">
+                <a16:creationId xmlns:a16="http://schemas.microsoft.com/office/drawing/2014/main" id="{4FB4D075-03AA-47EF-A287-C1265E95D04D}"/>
+              </a:ext>
+            </a:extLst>
+          </p:cNvPr>
+          <p:cNvSpPr txBox="1">
+            <a:spLocks noChangeArrowheads="1"/>
+          </p:cNvSpPr>
+          <p:nvPr/>
+        </p:nvSpPr>
+        <p:spPr bwMode="auto">
+          <a:xfrm>
+            <a:off x="3386239" y="6436866"/>
+            <a:ext cx="5597506" cy="337353"/>
+          </a:xfrm>
+          <a:prstGeom prst="rect">
+            <a:avLst/>
+          </a:prstGeom>
+          <a:solidFill>
+            <a:schemeClr val="accent2"/>
+          </a:solidFill>
+          <a:ln w="9525">
+            <a:solidFill>
+              <a:srgbClr val="000000"/>
+            </a:solidFill>
+            <a:miter lim="800000"/>
+            <a:headEnd/>
+            <a:tailEnd/>
+          </a:ln>
+        </p:spPr>
+        <p:txBody>
+          <a:bodyPr rot="0" vert="horz" wrap="square" lIns="91440" tIns="45720" rIns="91440" bIns="45720" anchor="t" anchorCtr="0">
+            <a:noAutofit/>
+          </a:bodyPr>
+          <a:lstStyle/>
+          <a:p>
+            <a:pPr>
+              <a:lnSpc>
+                <a:spcPct val="107000"/>
+              </a:lnSpc>
+              <a:spcAft>
+                <a:spcPts val="800"/>
+              </a:spcAft>
+            </a:pPr>
+            <a:r>
+              <a:rPr lang="en-SG" sz="1200" b="1" dirty="0">
+                <a:solidFill>
+                  <a:schemeClr val="bg1"/>
+                </a:solidFill>
+                <a:latin typeface="Arial Nova Cond" panose="020B0506020202020204" pitchFamily="34" charset="0"/>
+                <a:ea typeface="Calibri" panose="020F0502020204030204" pitchFamily="34" charset="0"/>
+                <a:cs typeface="Times New Roman" panose="02020603050405020304" pitchFamily="18" charset="0"/>
+              </a:rPr>
+              <a:t>2. The input gets automatically translated to yesterday’s date in DD/MM/YYYY format.</a:t>
+            </a:r>
+            <a:endParaRPr lang="en-SG" sz="1200" dirty="0">
+              <a:solidFill>
+                <a:schemeClr val="bg1"/>
+              </a:solidFill>
+              <a:effectLst/>
+              <a:latin typeface="Calibri" panose="020F0502020204030204" pitchFamily="34" charset="0"/>
+              <a:ea typeface="Calibri" panose="020F0502020204030204" pitchFamily="34" charset="0"/>
+              <a:cs typeface="Times New Roman" panose="02020603050405020304" pitchFamily="18" charset="0"/>
+            </a:endParaRPr>
+          </a:p>
+        </p:txBody>
+      </p:sp>
+      <p:cxnSp>
+        <p:nvCxnSpPr>
+          <p:cNvPr id="47" name="Straight Arrow Connector 46">
+            <a:extLst>
+              <a:ext uri="{FF2B5EF4-FFF2-40B4-BE49-F238E27FC236}">
+                <a16:creationId xmlns:a16="http://schemas.microsoft.com/office/drawing/2014/main" id="{CF78BE78-E149-4C61-9951-D600A9740339}"/>
+              </a:ext>
+            </a:extLst>
+          </p:cNvPr>
+          <p:cNvCxnSpPr>
+            <a:cxnSpLocks/>
+          </p:cNvCxnSpPr>
+          <p:nvPr/>
+        </p:nvCxnSpPr>
+        <p:spPr>
+          <a:xfrm flipH="1">
+            <a:off x="1687399" y="6610299"/>
+            <a:ext cx="1698840" cy="0"/>
+          </a:xfrm>
+          <a:prstGeom prst="straightConnector1">
+            <a:avLst/>
+          </a:prstGeom>
+          <a:ln>
+            <a:tailEnd type="triangle"/>
+          </a:ln>
+        </p:spPr>
+        <p:style>
+          <a:lnRef idx="1">
+            <a:schemeClr val="accent2"/>
+          </a:lnRef>
+          <a:fillRef idx="0">
+            <a:schemeClr val="accent2"/>
+          </a:fillRef>
+          <a:effectRef idx="0">
+            <a:schemeClr val="accent2"/>
+          </a:effectRef>
+          <a:fontRef idx="minor">
+            <a:schemeClr val="tx1"/>
+          </a:fontRef>
+        </p:style>
+      </p:cxnSp>
+      <p:sp>
+        <p:nvSpPr>
+          <p:cNvPr id="50" name="TextBox 49">
+            <a:extLst>
+              <a:ext uri="{FF2B5EF4-FFF2-40B4-BE49-F238E27FC236}">
+                <a16:creationId xmlns:a16="http://schemas.microsoft.com/office/drawing/2014/main" id="{B5E0AD04-9440-41C2-B4FB-B72E1A42A126}"/>
+              </a:ext>
+            </a:extLst>
+          </p:cNvPr>
+          <p:cNvSpPr txBox="1"/>
+          <p:nvPr/>
+        </p:nvSpPr>
+        <p:spPr>
+          <a:xfrm>
+            <a:off x="9223900" y="1109709"/>
+            <a:ext cx="2192783" cy="369332"/>
+          </a:xfrm>
+          <a:prstGeom prst="rect">
+            <a:avLst/>
+          </a:prstGeom>
+          <a:solidFill>
+            <a:schemeClr val="accent2"/>
+          </a:solidFill>
+          <a:ln>
+            <a:solidFill>
+              <a:schemeClr val="tx1"/>
+            </a:solidFill>
+          </a:ln>
+        </p:spPr>
+        <p:txBody>
+          <a:bodyPr wrap="square" rtlCol="0">
+            <a:spAutoFit/>
+          </a:bodyPr>
+          <a:lstStyle/>
+          <a:p>
+            <a:r>
+              <a:rPr lang="en-SG" b="1" dirty="0">
+                <a:solidFill>
+                  <a:schemeClr val="bg1"/>
+                </a:solidFill>
+                <a:latin typeface="Arial Nova Cond" panose="020B0506020202020204" pitchFamily="34" charset="0"/>
+              </a:rPr>
+              <a:t>Example 1: Today</a:t>
+            </a:r>
+          </a:p>
+        </p:txBody>
+      </p:sp>
+      <p:sp>
+        <p:nvSpPr>
+          <p:cNvPr id="51" name="TextBox 50">
+            <a:extLst>
+              <a:ext uri="{FF2B5EF4-FFF2-40B4-BE49-F238E27FC236}">
+                <a16:creationId xmlns:a16="http://schemas.microsoft.com/office/drawing/2014/main" id="{5B1329EE-3A70-40B4-89B8-2C228E21CD4F}"/>
+              </a:ext>
+            </a:extLst>
+          </p:cNvPr>
+          <p:cNvSpPr txBox="1"/>
+          <p:nvPr/>
+        </p:nvSpPr>
+        <p:spPr>
+          <a:xfrm>
+            <a:off x="9223898" y="5860742"/>
+            <a:ext cx="2192785" cy="369332"/>
+          </a:xfrm>
+          <a:prstGeom prst="rect">
+            <a:avLst/>
+          </a:prstGeom>
+          <a:solidFill>
+            <a:schemeClr val="accent2"/>
+          </a:solidFill>
+          <a:ln>
+            <a:solidFill>
+              <a:schemeClr val="tx1"/>
+            </a:solidFill>
+          </a:ln>
+        </p:spPr>
+        <p:txBody>
+          <a:bodyPr wrap="square" rtlCol="0">
+            <a:spAutoFit/>
+          </a:bodyPr>
+          <a:lstStyle/>
+          <a:p>
+            <a:r>
+              <a:rPr lang="en-SG" b="1" dirty="0">
+                <a:solidFill>
+                  <a:schemeClr val="bg1"/>
+                </a:solidFill>
+                <a:latin typeface="Arial Nova Cond" panose="020B0506020202020204" pitchFamily="34" charset="0"/>
+              </a:rPr>
+              <a:t>Example 3: Yesterday</a:t>
+            </a:r>
+          </a:p>
+        </p:txBody>
+      </p:sp>
+      <p:sp>
+        <p:nvSpPr>
+          <p:cNvPr id="52" name="TextBox 51">
+            <a:extLst>
+              <a:ext uri="{FF2B5EF4-FFF2-40B4-BE49-F238E27FC236}">
+                <a16:creationId xmlns:a16="http://schemas.microsoft.com/office/drawing/2014/main" id="{BD6EE5F3-40AA-43B5-A283-8ECC99BD8746}"/>
+              </a:ext>
+            </a:extLst>
+          </p:cNvPr>
+          <p:cNvSpPr txBox="1"/>
+          <p:nvPr/>
+        </p:nvSpPr>
+        <p:spPr>
+          <a:xfrm>
+            <a:off x="9223898" y="3489833"/>
+            <a:ext cx="2192785" cy="369332"/>
+          </a:xfrm>
+          <a:prstGeom prst="rect">
+            <a:avLst/>
+          </a:prstGeom>
+          <a:solidFill>
+            <a:schemeClr val="accent2"/>
+          </a:solidFill>
+          <a:ln>
+            <a:solidFill>
+              <a:schemeClr val="tx1"/>
+            </a:solidFill>
+          </a:ln>
+        </p:spPr>
+        <p:txBody>
+          <a:bodyPr wrap="square" rtlCol="0">
+            <a:spAutoFit/>
+          </a:bodyPr>
+          <a:lstStyle/>
+          <a:p>
+            <a:r>
+              <a:rPr lang="en-SG" b="1" dirty="0">
+                <a:solidFill>
+                  <a:schemeClr val="bg1"/>
+                </a:solidFill>
+                <a:latin typeface="Arial Nova Cond" panose="020B0506020202020204" pitchFamily="34" charset="0"/>
+              </a:rPr>
+              <a:t>Example 2: Tomorrow</a:t>
+            </a:r>
+          </a:p>
+        </p:txBody>
+      </p:sp>
+      <p:sp>
+        <p:nvSpPr>
+          <p:cNvPr id="53" name="TextBox 52">
+            <a:extLst>
+              <a:ext uri="{FF2B5EF4-FFF2-40B4-BE49-F238E27FC236}">
+                <a16:creationId xmlns:a16="http://schemas.microsoft.com/office/drawing/2014/main" id="{7A6B68EC-FC61-45F5-AE8D-D50121FFB36A}"/>
+              </a:ext>
+            </a:extLst>
+          </p:cNvPr>
+          <p:cNvSpPr txBox="1"/>
+          <p:nvPr/>
+        </p:nvSpPr>
+        <p:spPr>
+          <a:xfrm>
+            <a:off x="3295540" y="-13798"/>
+            <a:ext cx="5778903" cy="369332"/>
+          </a:xfrm>
+          <a:prstGeom prst="rect">
+            <a:avLst/>
+          </a:prstGeom>
+          <a:solidFill>
+            <a:schemeClr val="accent2"/>
+          </a:solidFill>
+          <a:ln>
+            <a:solidFill>
+              <a:schemeClr val="tx1"/>
+            </a:solidFill>
+          </a:ln>
+        </p:spPr>
+        <p:txBody>
+          <a:bodyPr wrap="square" rtlCol="0">
+            <a:spAutoFit/>
+          </a:bodyPr>
+          <a:lstStyle/>
+          <a:p>
+            <a:r>
+              <a:rPr lang="en-SG" b="1" dirty="0">
+                <a:solidFill>
+                  <a:schemeClr val="bg1"/>
+                </a:solidFill>
+                <a:latin typeface="Arial Nova Cond" panose="020B0506020202020204" pitchFamily="34" charset="0"/>
+              </a:rPr>
+              <a:t>Assuming current date is 12 April 2019 (12/04/2019), Friday</a:t>
+            </a:r>
+          </a:p>
+        </p:txBody>
+      </p:sp>
+    </p:spTree>
+    <p:extLst>
+      <p:ext uri="{BB962C8B-B14F-4D97-AF65-F5344CB8AC3E}">
+        <p14:creationId xmlns:p14="http://schemas.microsoft.com/office/powerpoint/2010/main" val="1649825059"/>
       </p:ext>
     </p:extLst>
   </p:cSld>

--- a/docs/diagrams/ui_annotated.pptx
+++ b/docs/diagrams/ui_annotated.pptx
@@ -12,10 +12,12 @@
     <p:sldId id="264" r:id="rId6"/>
     <p:sldId id="267" r:id="rId7"/>
     <p:sldId id="268" r:id="rId8"/>
-    <p:sldId id="266" r:id="rId9"/>
-    <p:sldId id="269" r:id="rId10"/>
-    <p:sldId id="270" r:id="rId11"/>
-    <p:sldId id="271" r:id="rId12"/>
+    <p:sldId id="272" r:id="rId9"/>
+    <p:sldId id="273" r:id="rId10"/>
+    <p:sldId id="266" r:id="rId11"/>
+    <p:sldId id="269" r:id="rId12"/>
+    <p:sldId id="270" r:id="rId13"/>
+    <p:sldId id="271" r:id="rId14"/>
   </p:sldIdLst>
   <p:sldSz cx="12192000" cy="6858000"/>
   <p:notesSz cx="6858000" cy="9144000"/>
@@ -271,7 +273,7 @@
           <a:p>
             <a:fld id="{F0B7906A-B038-4706-83B2-00193F0E7D27}" type="datetimeFigureOut">
               <a:rPr lang="en-SG" smtClean="0"/>
-              <a:t>12/4/2019</a:t>
+              <a:t>13/4/2019</a:t>
             </a:fld>
             <a:endParaRPr lang="en-SG"/>
           </a:p>
@@ -471,7 +473,7 @@
           <a:p>
             <a:fld id="{F0B7906A-B038-4706-83B2-00193F0E7D27}" type="datetimeFigureOut">
               <a:rPr lang="en-SG" smtClean="0"/>
-              <a:t>12/4/2019</a:t>
+              <a:t>13/4/2019</a:t>
             </a:fld>
             <a:endParaRPr lang="en-SG"/>
           </a:p>
@@ -681,7 +683,7 @@
           <a:p>
             <a:fld id="{F0B7906A-B038-4706-83B2-00193F0E7D27}" type="datetimeFigureOut">
               <a:rPr lang="en-SG" smtClean="0"/>
-              <a:t>12/4/2019</a:t>
+              <a:t>13/4/2019</a:t>
             </a:fld>
             <a:endParaRPr lang="en-SG"/>
           </a:p>
@@ -881,7 +883,7 @@
           <a:p>
             <a:fld id="{F0B7906A-B038-4706-83B2-00193F0E7D27}" type="datetimeFigureOut">
               <a:rPr lang="en-SG" smtClean="0"/>
-              <a:t>12/4/2019</a:t>
+              <a:t>13/4/2019</a:t>
             </a:fld>
             <a:endParaRPr lang="en-SG"/>
           </a:p>
@@ -1157,7 +1159,7 @@
           <a:p>
             <a:fld id="{F0B7906A-B038-4706-83B2-00193F0E7D27}" type="datetimeFigureOut">
               <a:rPr lang="en-SG" smtClean="0"/>
-              <a:t>12/4/2019</a:t>
+              <a:t>13/4/2019</a:t>
             </a:fld>
             <a:endParaRPr lang="en-SG"/>
           </a:p>
@@ -1425,7 +1427,7 @@
           <a:p>
             <a:fld id="{F0B7906A-B038-4706-83B2-00193F0E7D27}" type="datetimeFigureOut">
               <a:rPr lang="en-SG" smtClean="0"/>
-              <a:t>12/4/2019</a:t>
+              <a:t>13/4/2019</a:t>
             </a:fld>
             <a:endParaRPr lang="en-SG"/>
           </a:p>
@@ -1840,7 +1842,7 @@
           <a:p>
             <a:fld id="{F0B7906A-B038-4706-83B2-00193F0E7D27}" type="datetimeFigureOut">
               <a:rPr lang="en-SG" smtClean="0"/>
-              <a:t>12/4/2019</a:t>
+              <a:t>13/4/2019</a:t>
             </a:fld>
             <a:endParaRPr lang="en-SG"/>
           </a:p>
@@ -1982,7 +1984,7 @@
           <a:p>
             <a:fld id="{F0B7906A-B038-4706-83B2-00193F0E7D27}" type="datetimeFigureOut">
               <a:rPr lang="en-SG" smtClean="0"/>
-              <a:t>12/4/2019</a:t>
+              <a:t>13/4/2019</a:t>
             </a:fld>
             <a:endParaRPr lang="en-SG"/>
           </a:p>
@@ -2095,7 +2097,7 @@
           <a:p>
             <a:fld id="{F0B7906A-B038-4706-83B2-00193F0E7D27}" type="datetimeFigureOut">
               <a:rPr lang="en-SG" smtClean="0"/>
-              <a:t>12/4/2019</a:t>
+              <a:t>13/4/2019</a:t>
             </a:fld>
             <a:endParaRPr lang="en-SG"/>
           </a:p>
@@ -2408,7 +2410,7 @@
           <a:p>
             <a:fld id="{F0B7906A-B038-4706-83B2-00193F0E7D27}" type="datetimeFigureOut">
               <a:rPr lang="en-SG" smtClean="0"/>
-              <a:t>12/4/2019</a:t>
+              <a:t>13/4/2019</a:t>
             </a:fld>
             <a:endParaRPr lang="en-SG"/>
           </a:p>
@@ -2697,7 +2699,7 @@
           <a:p>
             <a:fld id="{F0B7906A-B038-4706-83B2-00193F0E7D27}" type="datetimeFigureOut">
               <a:rPr lang="en-SG" smtClean="0"/>
-              <a:t>12/4/2019</a:t>
+              <a:t>13/4/2019</a:t>
             </a:fld>
             <a:endParaRPr lang="en-SG"/>
           </a:p>
@@ -2940,7 +2942,7 @@
           <a:p>
             <a:fld id="{F0B7906A-B038-4706-83B2-00193F0E7D27}" type="datetimeFigureOut">
               <a:rPr lang="en-SG" smtClean="0"/>
-              <a:t>12/4/2019</a:t>
+              <a:t>13/4/2019</a:t>
             </a:fld>
             <a:endParaRPr lang="en-SG"/>
           </a:p>
@@ -3980,6 +3982,1330 @@
           <p:cNvPr id="2" name="Picture 1">
             <a:extLst>
               <a:ext uri="{FF2B5EF4-FFF2-40B4-BE49-F238E27FC236}">
+                <a16:creationId xmlns:a16="http://schemas.microsoft.com/office/drawing/2014/main" id="{B094C944-B477-436C-ACB6-B9990EF3069E}"/>
+              </a:ext>
+            </a:extLst>
+          </p:cNvPr>
+          <p:cNvPicPr>
+            <a:picLocks noChangeAspect="1"/>
+          </p:cNvPicPr>
+          <p:nvPr/>
+        </p:nvPicPr>
+        <p:blipFill rotWithShape="1">
+          <a:blip r:embed="rId2"/>
+          <a:srcRect r="81953" b="87639"/>
+          <a:stretch/>
+        </p:blipFill>
+        <p:spPr>
+          <a:xfrm>
+            <a:off x="0" y="0"/>
+            <a:ext cx="12281408" cy="6858000"/>
+          </a:xfrm>
+          <a:prstGeom prst="rect">
+            <a:avLst/>
+          </a:prstGeom>
+          <a:ln w="76200">
+            <a:solidFill>
+              <a:schemeClr val="bg1"/>
+            </a:solidFill>
+          </a:ln>
+        </p:spPr>
+      </p:pic>
+      <p:cxnSp>
+        <p:nvCxnSpPr>
+          <p:cNvPr id="4" name="Straight Arrow Connector 3">
+            <a:extLst>
+              <a:ext uri="{FF2B5EF4-FFF2-40B4-BE49-F238E27FC236}">
+                <a16:creationId xmlns:a16="http://schemas.microsoft.com/office/drawing/2014/main" id="{E458FA27-34B2-4B06-BB74-D2F3E4937377}"/>
+              </a:ext>
+            </a:extLst>
+          </p:cNvPr>
+          <p:cNvCxnSpPr>
+            <a:cxnSpLocks/>
+          </p:cNvCxnSpPr>
+          <p:nvPr/>
+        </p:nvCxnSpPr>
+        <p:spPr>
+          <a:xfrm flipH="1">
+            <a:off x="4722923" y="0"/>
+            <a:ext cx="3160448" cy="3036163"/>
+          </a:xfrm>
+          <a:prstGeom prst="straightConnector1">
+            <a:avLst/>
+          </a:prstGeom>
+          <a:ln w="76200">
+            <a:solidFill>
+              <a:schemeClr val="accent2"/>
+            </a:solidFill>
+            <a:tailEnd type="triangle"/>
+          </a:ln>
+        </p:spPr>
+        <p:style>
+          <a:lnRef idx="1">
+            <a:schemeClr val="accent1"/>
+          </a:lnRef>
+          <a:fillRef idx="0">
+            <a:schemeClr val="accent1"/>
+          </a:fillRef>
+          <a:effectRef idx="0">
+            <a:schemeClr val="accent1"/>
+          </a:effectRef>
+          <a:fontRef idx="minor">
+            <a:schemeClr val="tx1"/>
+          </a:fontRef>
+        </p:style>
+      </p:cxnSp>
+    </p:spTree>
+    <p:extLst>
+      <p:ext uri="{BB962C8B-B14F-4D97-AF65-F5344CB8AC3E}">
+        <p14:creationId xmlns:p14="http://schemas.microsoft.com/office/powerpoint/2010/main" val="2923474229"/>
+      </p:ext>
+    </p:extLst>
+  </p:cSld>
+  <p:clrMapOvr>
+    <a:masterClrMapping/>
+  </p:clrMapOvr>
+</p:sld>
+</file>
+
+<file path=ppt/slides/slide11.xml><?xml version="1.0" encoding="utf-8"?>
+<p:sld xmlns:a="http://schemas.openxmlformats.org/drawingml/2006/main" xmlns:r="http://schemas.openxmlformats.org/officeDocument/2006/relationships" xmlns:p="http://schemas.openxmlformats.org/presentationml/2006/main">
+  <p:cSld>
+    <p:spTree>
+      <p:nvGrpSpPr>
+        <p:cNvPr id="1" name=""/>
+        <p:cNvGrpSpPr/>
+        <p:nvPr/>
+      </p:nvGrpSpPr>
+      <p:grpSpPr>
+        <a:xfrm>
+          <a:off x="0" y="0"/>
+          <a:ext cx="0" cy="0"/>
+          <a:chOff x="0" y="0"/>
+          <a:chExt cx="0" cy="0"/>
+        </a:xfrm>
+      </p:grpSpPr>
+      <p:pic>
+        <p:nvPicPr>
+          <p:cNvPr id="5" name="Picture 4">
+            <a:extLst>
+              <a:ext uri="{FF2B5EF4-FFF2-40B4-BE49-F238E27FC236}">
+                <a16:creationId xmlns:a16="http://schemas.microsoft.com/office/drawing/2014/main" id="{D9E135DF-8569-41FB-8450-938D2567B296}"/>
+              </a:ext>
+            </a:extLst>
+          </p:cNvPr>
+          <p:cNvPicPr>
+            <a:picLocks noChangeAspect="1"/>
+          </p:cNvPicPr>
+          <p:nvPr/>
+        </p:nvPicPr>
+        <p:blipFill rotWithShape="1">
+          <a:blip r:embed="rId2"/>
+          <a:srcRect b="76577"/>
+          <a:stretch/>
+        </p:blipFill>
+        <p:spPr>
+          <a:xfrm>
+            <a:off x="0" y="-19078"/>
+            <a:ext cx="12192000" cy="2149536"/>
+          </a:xfrm>
+          <a:prstGeom prst="rect">
+            <a:avLst/>
+          </a:prstGeom>
+          <a:ln w="28575">
+            <a:solidFill>
+              <a:schemeClr val="tx1"/>
+            </a:solidFill>
+          </a:ln>
+        </p:spPr>
+      </p:pic>
+      <p:sp>
+        <p:nvSpPr>
+          <p:cNvPr id="6" name="TextBox 5">
+            <a:extLst>
+              <a:ext uri="{FF2B5EF4-FFF2-40B4-BE49-F238E27FC236}">
+                <a16:creationId xmlns:a16="http://schemas.microsoft.com/office/drawing/2014/main" id="{9B741FFD-0583-47CE-B0CC-B1CBAAFEB50C}"/>
+              </a:ext>
+            </a:extLst>
+          </p:cNvPr>
+          <p:cNvSpPr txBox="1"/>
+          <p:nvPr/>
+        </p:nvSpPr>
+        <p:spPr>
+          <a:xfrm>
+            <a:off x="2432115" y="603315"/>
+            <a:ext cx="537327" cy="369332"/>
+          </a:xfrm>
+          <a:prstGeom prst="rect">
+            <a:avLst/>
+          </a:prstGeom>
+          <a:noFill/>
+          <a:ln w="38100">
+            <a:solidFill>
+              <a:schemeClr val="accent2"/>
+            </a:solidFill>
+          </a:ln>
+        </p:spPr>
+        <p:txBody>
+          <a:bodyPr wrap="square" rtlCol="0">
+            <a:spAutoFit/>
+          </a:bodyPr>
+          <a:lstStyle/>
+          <a:p>
+            <a:endParaRPr lang="en-SG" dirty="0"/>
+          </a:p>
+        </p:txBody>
+      </p:sp>
+      <p:sp>
+        <p:nvSpPr>
+          <p:cNvPr id="7" name="TextBox 6">
+            <a:extLst>
+              <a:ext uri="{FF2B5EF4-FFF2-40B4-BE49-F238E27FC236}">
+                <a16:creationId xmlns:a16="http://schemas.microsoft.com/office/drawing/2014/main" id="{787ECCF9-BE93-48B4-8C43-666FD7CEE8BF}"/>
+              </a:ext>
+            </a:extLst>
+          </p:cNvPr>
+          <p:cNvSpPr txBox="1"/>
+          <p:nvPr/>
+        </p:nvSpPr>
+        <p:spPr>
+          <a:xfrm>
+            <a:off x="0" y="1763036"/>
+            <a:ext cx="1621410" cy="369332"/>
+          </a:xfrm>
+          <a:prstGeom prst="rect">
+            <a:avLst/>
+          </a:prstGeom>
+          <a:noFill/>
+          <a:ln w="38100">
+            <a:solidFill>
+              <a:schemeClr val="accent2"/>
+            </a:solidFill>
+          </a:ln>
+        </p:spPr>
+        <p:txBody>
+          <a:bodyPr wrap="square" rtlCol="0">
+            <a:spAutoFit/>
+          </a:bodyPr>
+          <a:lstStyle/>
+          <a:p>
+            <a:endParaRPr lang="en-SG" dirty="0"/>
+          </a:p>
+        </p:txBody>
+      </p:sp>
+      <p:sp>
+        <p:nvSpPr>
+          <p:cNvPr id="8" name="Text Box 2">
+            <a:extLst>
+              <a:ext uri="{FF2B5EF4-FFF2-40B4-BE49-F238E27FC236}">
+                <a16:creationId xmlns:a16="http://schemas.microsoft.com/office/drawing/2014/main" id="{E154DDE7-F4B9-4E11-8440-28EC301E80AD}"/>
+              </a:ext>
+            </a:extLst>
+          </p:cNvPr>
+          <p:cNvSpPr txBox="1">
+            <a:spLocks noChangeArrowheads="1"/>
+          </p:cNvSpPr>
+          <p:nvPr/>
+        </p:nvSpPr>
+        <p:spPr bwMode="auto">
+          <a:xfrm>
+            <a:off x="5181932" y="632068"/>
+            <a:ext cx="3801812" cy="337353"/>
+          </a:xfrm>
+          <a:prstGeom prst="rect">
+            <a:avLst/>
+          </a:prstGeom>
+          <a:solidFill>
+            <a:schemeClr val="accent2"/>
+          </a:solidFill>
+          <a:ln w="9525">
+            <a:solidFill>
+              <a:srgbClr val="000000"/>
+            </a:solidFill>
+            <a:miter lim="800000"/>
+            <a:headEnd/>
+            <a:tailEnd/>
+          </a:ln>
+        </p:spPr>
+        <p:txBody>
+          <a:bodyPr rot="0" vert="horz" wrap="square" lIns="91440" tIns="45720" rIns="91440" bIns="45720" anchor="t" anchorCtr="0">
+            <a:noAutofit/>
+          </a:bodyPr>
+          <a:lstStyle/>
+          <a:p>
+            <a:pPr>
+              <a:lnSpc>
+                <a:spcPct val="107000"/>
+              </a:lnSpc>
+              <a:spcAft>
+                <a:spcPts val="800"/>
+              </a:spcAft>
+            </a:pPr>
+            <a:r>
+              <a:rPr lang="en-SG" sz="1200" b="1" dirty="0">
+                <a:solidFill>
+                  <a:schemeClr val="bg1"/>
+                </a:solidFill>
+                <a:latin typeface="Arial Nova Cond" panose="020B0506020202020204" pitchFamily="34" charset="0"/>
+                <a:ea typeface="Calibri" panose="020F0502020204030204" pitchFamily="34" charset="0"/>
+                <a:cs typeface="Times New Roman" panose="02020603050405020304" pitchFamily="18" charset="0"/>
+              </a:rPr>
+              <a:t>1. User has typed in today as the start date of the project.</a:t>
+            </a:r>
+            <a:endParaRPr lang="en-SG" sz="1200" dirty="0">
+              <a:solidFill>
+                <a:schemeClr val="bg1"/>
+              </a:solidFill>
+              <a:effectLst/>
+              <a:latin typeface="Calibri" panose="020F0502020204030204" pitchFamily="34" charset="0"/>
+              <a:ea typeface="Calibri" panose="020F0502020204030204" pitchFamily="34" charset="0"/>
+              <a:cs typeface="Times New Roman" panose="02020603050405020304" pitchFamily="18" charset="0"/>
+            </a:endParaRPr>
+          </a:p>
+        </p:txBody>
+      </p:sp>
+      <p:cxnSp>
+        <p:nvCxnSpPr>
+          <p:cNvPr id="10" name="Straight Arrow Connector 9">
+            <a:extLst>
+              <a:ext uri="{FF2B5EF4-FFF2-40B4-BE49-F238E27FC236}">
+                <a16:creationId xmlns:a16="http://schemas.microsoft.com/office/drawing/2014/main" id="{918FB132-AB13-4365-A644-C1901657AADE}"/>
+              </a:ext>
+            </a:extLst>
+          </p:cNvPr>
+          <p:cNvCxnSpPr>
+            <a:cxnSpLocks/>
+          </p:cNvCxnSpPr>
+          <p:nvPr/>
+        </p:nvCxnSpPr>
+        <p:spPr>
+          <a:xfrm flipH="1">
+            <a:off x="3777005" y="815804"/>
+            <a:ext cx="1404928" cy="0"/>
+          </a:xfrm>
+          <a:prstGeom prst="straightConnector1">
+            <a:avLst/>
+          </a:prstGeom>
+          <a:ln>
+            <a:tailEnd type="triangle"/>
+          </a:ln>
+        </p:spPr>
+        <p:style>
+          <a:lnRef idx="1">
+            <a:schemeClr val="accent2"/>
+          </a:lnRef>
+          <a:fillRef idx="0">
+            <a:schemeClr val="accent2"/>
+          </a:fillRef>
+          <a:effectRef idx="0">
+            <a:schemeClr val="accent2"/>
+          </a:effectRef>
+          <a:fontRef idx="minor">
+            <a:schemeClr val="tx1"/>
+          </a:fontRef>
+        </p:style>
+      </p:cxnSp>
+      <p:sp>
+        <p:nvSpPr>
+          <p:cNvPr id="11" name="Text Box 2">
+            <a:extLst>
+              <a:ext uri="{FF2B5EF4-FFF2-40B4-BE49-F238E27FC236}">
+                <a16:creationId xmlns:a16="http://schemas.microsoft.com/office/drawing/2014/main" id="{6C870D41-80E3-4DB5-8924-84B4DA42F0A9}"/>
+              </a:ext>
+            </a:extLst>
+          </p:cNvPr>
+          <p:cNvSpPr txBox="1">
+            <a:spLocks noChangeArrowheads="1"/>
+          </p:cNvSpPr>
+          <p:nvPr/>
+        </p:nvSpPr>
+        <p:spPr bwMode="auto">
+          <a:xfrm>
+            <a:off x="3701988" y="1764798"/>
+            <a:ext cx="5281756" cy="337353"/>
+          </a:xfrm>
+          <a:prstGeom prst="rect">
+            <a:avLst/>
+          </a:prstGeom>
+          <a:solidFill>
+            <a:schemeClr val="accent2"/>
+          </a:solidFill>
+          <a:ln w="9525">
+            <a:solidFill>
+              <a:srgbClr val="000000"/>
+            </a:solidFill>
+            <a:miter lim="800000"/>
+            <a:headEnd/>
+            <a:tailEnd/>
+          </a:ln>
+        </p:spPr>
+        <p:txBody>
+          <a:bodyPr rot="0" vert="horz" wrap="square" lIns="91440" tIns="45720" rIns="91440" bIns="45720" anchor="t" anchorCtr="0">
+            <a:noAutofit/>
+          </a:bodyPr>
+          <a:lstStyle/>
+          <a:p>
+            <a:pPr>
+              <a:lnSpc>
+                <a:spcPct val="107000"/>
+              </a:lnSpc>
+              <a:spcAft>
+                <a:spcPts val="800"/>
+              </a:spcAft>
+            </a:pPr>
+            <a:r>
+              <a:rPr lang="en-SG" sz="1200" b="1" dirty="0">
+                <a:solidFill>
+                  <a:schemeClr val="bg1"/>
+                </a:solidFill>
+                <a:latin typeface="Arial Nova Cond" panose="020B0506020202020204" pitchFamily="34" charset="0"/>
+                <a:ea typeface="Calibri" panose="020F0502020204030204" pitchFamily="34" charset="0"/>
+                <a:cs typeface="Times New Roman" panose="02020603050405020304" pitchFamily="18" charset="0"/>
+              </a:rPr>
+              <a:t>2. The input gets automatically translated to today’s date in DD/MM/YYYY format.</a:t>
+            </a:r>
+            <a:endParaRPr lang="en-SG" sz="1200" dirty="0">
+              <a:solidFill>
+                <a:schemeClr val="bg1"/>
+              </a:solidFill>
+              <a:effectLst/>
+              <a:latin typeface="Calibri" panose="020F0502020204030204" pitchFamily="34" charset="0"/>
+              <a:ea typeface="Calibri" panose="020F0502020204030204" pitchFamily="34" charset="0"/>
+              <a:cs typeface="Times New Roman" panose="02020603050405020304" pitchFamily="18" charset="0"/>
+            </a:endParaRPr>
+          </a:p>
+        </p:txBody>
+      </p:sp>
+      <p:cxnSp>
+        <p:nvCxnSpPr>
+          <p:cNvPr id="13" name="Straight Arrow Connector 12">
+            <a:extLst>
+              <a:ext uri="{FF2B5EF4-FFF2-40B4-BE49-F238E27FC236}">
+                <a16:creationId xmlns:a16="http://schemas.microsoft.com/office/drawing/2014/main" id="{FD29C48E-5FEF-48C7-84BC-A0C6BE03D08E}"/>
+              </a:ext>
+            </a:extLst>
+          </p:cNvPr>
+          <p:cNvCxnSpPr>
+            <a:cxnSpLocks/>
+            <a:stCxn id="11" idx="1"/>
+          </p:cNvCxnSpPr>
+          <p:nvPr/>
+        </p:nvCxnSpPr>
+        <p:spPr>
+          <a:xfrm flipH="1">
+            <a:off x="1687398" y="1933475"/>
+            <a:ext cx="2014590" cy="8447"/>
+          </a:xfrm>
+          <a:prstGeom prst="straightConnector1">
+            <a:avLst/>
+          </a:prstGeom>
+          <a:ln>
+            <a:tailEnd type="triangle"/>
+          </a:ln>
+        </p:spPr>
+        <p:style>
+          <a:lnRef idx="1">
+            <a:schemeClr val="accent2"/>
+          </a:lnRef>
+          <a:fillRef idx="0">
+            <a:schemeClr val="accent2"/>
+          </a:fillRef>
+          <a:effectRef idx="0">
+            <a:schemeClr val="accent2"/>
+          </a:effectRef>
+          <a:fontRef idx="minor">
+            <a:schemeClr val="tx1"/>
+          </a:fontRef>
+        </p:style>
+      </p:cxnSp>
+      <p:pic>
+        <p:nvPicPr>
+          <p:cNvPr id="14" name="Picture 13">
+            <a:extLst>
+              <a:ext uri="{FF2B5EF4-FFF2-40B4-BE49-F238E27FC236}">
+                <a16:creationId xmlns:a16="http://schemas.microsoft.com/office/drawing/2014/main" id="{670FC78B-0DB5-46D6-8CA2-31761E278AF2}"/>
+              </a:ext>
+            </a:extLst>
+          </p:cNvPr>
+          <p:cNvPicPr>
+            <a:picLocks noChangeAspect="1"/>
+          </p:cNvPicPr>
+          <p:nvPr/>
+        </p:nvPicPr>
+        <p:blipFill rotWithShape="1">
+          <a:blip r:embed="rId3"/>
+          <a:srcRect b="77041"/>
+          <a:stretch/>
+        </p:blipFill>
+        <p:spPr>
+          <a:xfrm>
+            <a:off x="0" y="2314194"/>
+            <a:ext cx="12192000" cy="2149200"/>
+          </a:xfrm>
+          <a:prstGeom prst="rect">
+            <a:avLst/>
+          </a:prstGeom>
+          <a:ln w="28575">
+            <a:solidFill>
+              <a:schemeClr val="tx1"/>
+            </a:solidFill>
+          </a:ln>
+        </p:spPr>
+      </p:pic>
+      <p:sp>
+        <p:nvSpPr>
+          <p:cNvPr id="15" name="TextBox 14">
+            <a:extLst>
+              <a:ext uri="{FF2B5EF4-FFF2-40B4-BE49-F238E27FC236}">
+                <a16:creationId xmlns:a16="http://schemas.microsoft.com/office/drawing/2014/main" id="{55CE3AF9-F284-461C-BA0A-F07BCEBBE27E}"/>
+              </a:ext>
+            </a:extLst>
+          </p:cNvPr>
+          <p:cNvSpPr txBox="1"/>
+          <p:nvPr/>
+        </p:nvSpPr>
+        <p:spPr>
+          <a:xfrm>
+            <a:off x="2458093" y="2999106"/>
+            <a:ext cx="769856" cy="369332"/>
+          </a:xfrm>
+          <a:prstGeom prst="rect">
+            <a:avLst/>
+          </a:prstGeom>
+          <a:noFill/>
+          <a:ln w="38100">
+            <a:solidFill>
+              <a:schemeClr val="accent2"/>
+            </a:solidFill>
+          </a:ln>
+        </p:spPr>
+        <p:txBody>
+          <a:bodyPr wrap="square" rtlCol="0">
+            <a:spAutoFit/>
+          </a:bodyPr>
+          <a:lstStyle/>
+          <a:p>
+            <a:endParaRPr lang="en-SG" dirty="0"/>
+          </a:p>
+        </p:txBody>
+      </p:sp>
+      <p:sp>
+        <p:nvSpPr>
+          <p:cNvPr id="16" name="TextBox 15">
+            <a:extLst>
+              <a:ext uri="{FF2B5EF4-FFF2-40B4-BE49-F238E27FC236}">
+                <a16:creationId xmlns:a16="http://schemas.microsoft.com/office/drawing/2014/main" id="{382482ED-FAD3-4D14-8B1F-4047C1BC3FC0}"/>
+              </a:ext>
+            </a:extLst>
+          </p:cNvPr>
+          <p:cNvSpPr txBox="1"/>
+          <p:nvPr/>
+        </p:nvSpPr>
+        <p:spPr>
+          <a:xfrm>
+            <a:off x="0" y="4094062"/>
+            <a:ext cx="1621410" cy="369332"/>
+          </a:xfrm>
+          <a:prstGeom prst="rect">
+            <a:avLst/>
+          </a:prstGeom>
+          <a:noFill/>
+          <a:ln w="38100">
+            <a:solidFill>
+              <a:schemeClr val="accent2"/>
+            </a:solidFill>
+          </a:ln>
+        </p:spPr>
+        <p:txBody>
+          <a:bodyPr wrap="square" rtlCol="0">
+            <a:spAutoFit/>
+          </a:bodyPr>
+          <a:lstStyle/>
+          <a:p>
+            <a:endParaRPr lang="en-SG" dirty="0"/>
+          </a:p>
+        </p:txBody>
+      </p:sp>
+      <p:sp>
+        <p:nvSpPr>
+          <p:cNvPr id="17" name="Text Box 2">
+            <a:extLst>
+              <a:ext uri="{FF2B5EF4-FFF2-40B4-BE49-F238E27FC236}">
+                <a16:creationId xmlns:a16="http://schemas.microsoft.com/office/drawing/2014/main" id="{083A14B9-CE02-4592-BC8F-B840A5077109}"/>
+              </a:ext>
+            </a:extLst>
+          </p:cNvPr>
+          <p:cNvSpPr txBox="1">
+            <a:spLocks noChangeArrowheads="1"/>
+          </p:cNvSpPr>
+          <p:nvPr/>
+        </p:nvSpPr>
+        <p:spPr bwMode="auto">
+          <a:xfrm>
+            <a:off x="4761159" y="2965340"/>
+            <a:ext cx="4207164" cy="337353"/>
+          </a:xfrm>
+          <a:prstGeom prst="rect">
+            <a:avLst/>
+          </a:prstGeom>
+          <a:solidFill>
+            <a:schemeClr val="accent2"/>
+          </a:solidFill>
+          <a:ln w="9525">
+            <a:solidFill>
+              <a:srgbClr val="000000"/>
+            </a:solidFill>
+            <a:miter lim="800000"/>
+            <a:headEnd/>
+            <a:tailEnd/>
+          </a:ln>
+        </p:spPr>
+        <p:txBody>
+          <a:bodyPr rot="0" vert="horz" wrap="square" lIns="91440" tIns="45720" rIns="91440" bIns="45720" anchor="t" anchorCtr="0">
+            <a:noAutofit/>
+          </a:bodyPr>
+          <a:lstStyle/>
+          <a:p>
+            <a:pPr>
+              <a:lnSpc>
+                <a:spcPct val="107000"/>
+              </a:lnSpc>
+              <a:spcAft>
+                <a:spcPts val="800"/>
+              </a:spcAft>
+            </a:pPr>
+            <a:r>
+              <a:rPr lang="en-SG" sz="1200" b="1" dirty="0">
+                <a:solidFill>
+                  <a:schemeClr val="bg1"/>
+                </a:solidFill>
+                <a:latin typeface="Arial Nova Cond" panose="020B0506020202020204" pitchFamily="34" charset="0"/>
+                <a:ea typeface="Calibri" panose="020F0502020204030204" pitchFamily="34" charset="0"/>
+                <a:cs typeface="Times New Roman" panose="02020603050405020304" pitchFamily="18" charset="0"/>
+              </a:rPr>
+              <a:t>1. User has typed in “tomorrow” as the start date of the project.</a:t>
+            </a:r>
+            <a:endParaRPr lang="en-SG" sz="1200" dirty="0">
+              <a:solidFill>
+                <a:schemeClr val="bg1"/>
+              </a:solidFill>
+              <a:effectLst/>
+              <a:latin typeface="Calibri" panose="020F0502020204030204" pitchFamily="34" charset="0"/>
+              <a:ea typeface="Calibri" panose="020F0502020204030204" pitchFamily="34" charset="0"/>
+              <a:cs typeface="Times New Roman" panose="02020603050405020304" pitchFamily="18" charset="0"/>
+            </a:endParaRPr>
+          </a:p>
+        </p:txBody>
+      </p:sp>
+      <p:cxnSp>
+        <p:nvCxnSpPr>
+          <p:cNvPr id="18" name="Straight Arrow Connector 17">
+            <a:extLst>
+              <a:ext uri="{FF2B5EF4-FFF2-40B4-BE49-F238E27FC236}">
+                <a16:creationId xmlns:a16="http://schemas.microsoft.com/office/drawing/2014/main" id="{C9685AB7-0455-46D0-B7FE-78AAE85A3FC8}"/>
+              </a:ext>
+            </a:extLst>
+          </p:cNvPr>
+          <p:cNvCxnSpPr>
+            <a:cxnSpLocks/>
+            <a:stCxn id="17" idx="1"/>
+          </p:cNvCxnSpPr>
+          <p:nvPr/>
+        </p:nvCxnSpPr>
+        <p:spPr>
+          <a:xfrm flipH="1" flipV="1">
+            <a:off x="4023919" y="3134016"/>
+            <a:ext cx="737240" cy="1"/>
+          </a:xfrm>
+          <a:prstGeom prst="straightConnector1">
+            <a:avLst/>
+          </a:prstGeom>
+          <a:ln>
+            <a:tailEnd type="triangle"/>
+          </a:ln>
+        </p:spPr>
+        <p:style>
+          <a:lnRef idx="1">
+            <a:schemeClr val="accent2"/>
+          </a:lnRef>
+          <a:fillRef idx="0">
+            <a:schemeClr val="accent2"/>
+          </a:fillRef>
+          <a:effectRef idx="0">
+            <a:schemeClr val="accent2"/>
+          </a:effectRef>
+          <a:fontRef idx="minor">
+            <a:schemeClr val="tx1"/>
+          </a:fontRef>
+        </p:style>
+      </p:cxnSp>
+      <p:sp>
+        <p:nvSpPr>
+          <p:cNvPr id="20" name="Text Box 2">
+            <a:extLst>
+              <a:ext uri="{FF2B5EF4-FFF2-40B4-BE49-F238E27FC236}">
+                <a16:creationId xmlns:a16="http://schemas.microsoft.com/office/drawing/2014/main" id="{0BC2D9CB-2659-451C-8382-8A2DAF9C3508}"/>
+              </a:ext>
+            </a:extLst>
+          </p:cNvPr>
+          <p:cNvSpPr txBox="1">
+            <a:spLocks noChangeArrowheads="1"/>
+          </p:cNvSpPr>
+          <p:nvPr/>
+        </p:nvSpPr>
+        <p:spPr bwMode="auto">
+          <a:xfrm>
+            <a:off x="3386239" y="4122515"/>
+            <a:ext cx="5597506" cy="337353"/>
+          </a:xfrm>
+          <a:prstGeom prst="rect">
+            <a:avLst/>
+          </a:prstGeom>
+          <a:solidFill>
+            <a:schemeClr val="accent2"/>
+          </a:solidFill>
+          <a:ln w="9525">
+            <a:solidFill>
+              <a:srgbClr val="000000"/>
+            </a:solidFill>
+            <a:miter lim="800000"/>
+            <a:headEnd/>
+            <a:tailEnd/>
+          </a:ln>
+        </p:spPr>
+        <p:txBody>
+          <a:bodyPr rot="0" vert="horz" wrap="square" lIns="91440" tIns="45720" rIns="91440" bIns="45720" anchor="t" anchorCtr="0">
+            <a:noAutofit/>
+          </a:bodyPr>
+          <a:lstStyle/>
+          <a:p>
+            <a:pPr>
+              <a:lnSpc>
+                <a:spcPct val="107000"/>
+              </a:lnSpc>
+              <a:spcAft>
+                <a:spcPts val="800"/>
+              </a:spcAft>
+            </a:pPr>
+            <a:r>
+              <a:rPr lang="en-SG" sz="1200" b="1" dirty="0">
+                <a:solidFill>
+                  <a:schemeClr val="bg1"/>
+                </a:solidFill>
+                <a:latin typeface="Arial Nova Cond" panose="020B0506020202020204" pitchFamily="34" charset="0"/>
+                <a:ea typeface="Calibri" panose="020F0502020204030204" pitchFamily="34" charset="0"/>
+                <a:cs typeface="Times New Roman" panose="02020603050405020304" pitchFamily="18" charset="0"/>
+              </a:rPr>
+              <a:t>2. The input gets automatically translated to tomorrow’s date in DD/MM/YYYY format.</a:t>
+            </a:r>
+            <a:endParaRPr lang="en-SG" sz="1200" dirty="0">
+              <a:solidFill>
+                <a:schemeClr val="bg1"/>
+              </a:solidFill>
+              <a:effectLst/>
+              <a:latin typeface="Calibri" panose="020F0502020204030204" pitchFamily="34" charset="0"/>
+              <a:ea typeface="Calibri" panose="020F0502020204030204" pitchFamily="34" charset="0"/>
+              <a:cs typeface="Times New Roman" panose="02020603050405020304" pitchFamily="18" charset="0"/>
+            </a:endParaRPr>
+          </a:p>
+        </p:txBody>
+      </p:sp>
+      <p:cxnSp>
+        <p:nvCxnSpPr>
+          <p:cNvPr id="21" name="Straight Arrow Connector 20">
+            <a:extLst>
+              <a:ext uri="{FF2B5EF4-FFF2-40B4-BE49-F238E27FC236}">
+                <a16:creationId xmlns:a16="http://schemas.microsoft.com/office/drawing/2014/main" id="{63153747-F7EF-4EA0-9951-35064829F4ED}"/>
+              </a:ext>
+            </a:extLst>
+          </p:cNvPr>
+          <p:cNvCxnSpPr>
+            <a:cxnSpLocks/>
+          </p:cNvCxnSpPr>
+          <p:nvPr/>
+        </p:nvCxnSpPr>
+        <p:spPr>
+          <a:xfrm flipH="1">
+            <a:off x="1687399" y="4291192"/>
+            <a:ext cx="1698840" cy="0"/>
+          </a:xfrm>
+          <a:prstGeom prst="straightConnector1">
+            <a:avLst/>
+          </a:prstGeom>
+          <a:ln>
+            <a:tailEnd type="triangle"/>
+          </a:ln>
+        </p:spPr>
+        <p:style>
+          <a:lnRef idx="1">
+            <a:schemeClr val="accent2"/>
+          </a:lnRef>
+          <a:fillRef idx="0">
+            <a:schemeClr val="accent2"/>
+          </a:fillRef>
+          <a:effectRef idx="0">
+            <a:schemeClr val="accent2"/>
+          </a:effectRef>
+          <a:fontRef idx="minor">
+            <a:schemeClr val="tx1"/>
+          </a:fontRef>
+        </p:style>
+      </p:cxnSp>
+      <p:pic>
+        <p:nvPicPr>
+          <p:cNvPr id="33" name="Picture 32">
+            <a:extLst>
+              <a:ext uri="{FF2B5EF4-FFF2-40B4-BE49-F238E27FC236}">
+                <a16:creationId xmlns:a16="http://schemas.microsoft.com/office/drawing/2014/main" id="{DD631BBA-0E3E-43E2-8500-21F676AF9031}"/>
+              </a:ext>
+            </a:extLst>
+          </p:cNvPr>
+          <p:cNvPicPr>
+            <a:picLocks noChangeAspect="1"/>
+          </p:cNvPicPr>
+          <p:nvPr/>
+        </p:nvPicPr>
+        <p:blipFill rotWithShape="1">
+          <a:blip r:embed="rId4"/>
+          <a:srcRect b="77041"/>
+          <a:stretch/>
+        </p:blipFill>
+        <p:spPr>
+          <a:xfrm>
+            <a:off x="0" y="4708799"/>
+            <a:ext cx="12192000" cy="2149200"/>
+          </a:xfrm>
+          <a:prstGeom prst="rect">
+            <a:avLst/>
+          </a:prstGeom>
+          <a:ln w="28575">
+            <a:solidFill>
+              <a:schemeClr val="tx1"/>
+            </a:solidFill>
+          </a:ln>
+        </p:spPr>
+      </p:pic>
+      <p:sp>
+        <p:nvSpPr>
+          <p:cNvPr id="39" name="TextBox 38">
+            <a:extLst>
+              <a:ext uri="{FF2B5EF4-FFF2-40B4-BE49-F238E27FC236}">
+                <a16:creationId xmlns:a16="http://schemas.microsoft.com/office/drawing/2014/main" id="{5EAFB21D-2263-4C83-B022-5334B380B6D5}"/>
+              </a:ext>
+            </a:extLst>
+          </p:cNvPr>
+          <p:cNvSpPr txBox="1"/>
+          <p:nvPr/>
+        </p:nvSpPr>
+        <p:spPr>
+          <a:xfrm>
+            <a:off x="2308194" y="5345436"/>
+            <a:ext cx="727969" cy="380661"/>
+          </a:xfrm>
+          <a:prstGeom prst="rect">
+            <a:avLst/>
+          </a:prstGeom>
+          <a:noFill/>
+          <a:ln w="38100">
+            <a:solidFill>
+              <a:schemeClr val="accent2"/>
+            </a:solidFill>
+          </a:ln>
+        </p:spPr>
+        <p:txBody>
+          <a:bodyPr wrap="square" rtlCol="0">
+            <a:spAutoFit/>
+          </a:bodyPr>
+          <a:lstStyle/>
+          <a:p>
+            <a:endParaRPr lang="en-SG" dirty="0"/>
+          </a:p>
+        </p:txBody>
+      </p:sp>
+      <p:sp>
+        <p:nvSpPr>
+          <p:cNvPr id="40" name="TextBox 39">
+            <a:extLst>
+              <a:ext uri="{FF2B5EF4-FFF2-40B4-BE49-F238E27FC236}">
+                <a16:creationId xmlns:a16="http://schemas.microsoft.com/office/drawing/2014/main" id="{17AB54A9-6339-48EA-8C56-94181E3182C6}"/>
+              </a:ext>
+            </a:extLst>
+          </p:cNvPr>
+          <p:cNvSpPr txBox="1"/>
+          <p:nvPr/>
+        </p:nvSpPr>
+        <p:spPr>
+          <a:xfrm>
+            <a:off x="0" y="6488667"/>
+            <a:ext cx="1621410" cy="369332"/>
+          </a:xfrm>
+          <a:prstGeom prst="rect">
+            <a:avLst/>
+          </a:prstGeom>
+          <a:noFill/>
+          <a:ln w="38100">
+            <a:solidFill>
+              <a:schemeClr val="accent2"/>
+            </a:solidFill>
+          </a:ln>
+        </p:spPr>
+        <p:txBody>
+          <a:bodyPr wrap="square" rtlCol="0">
+            <a:spAutoFit/>
+          </a:bodyPr>
+          <a:lstStyle/>
+          <a:p>
+            <a:endParaRPr lang="en-SG" dirty="0"/>
+          </a:p>
+        </p:txBody>
+      </p:sp>
+      <p:sp>
+        <p:nvSpPr>
+          <p:cNvPr id="41" name="Text Box 2">
+            <a:extLst>
+              <a:ext uri="{FF2B5EF4-FFF2-40B4-BE49-F238E27FC236}">
+                <a16:creationId xmlns:a16="http://schemas.microsoft.com/office/drawing/2014/main" id="{315BC484-2334-41CF-9937-44090B5E1785}"/>
+              </a:ext>
+            </a:extLst>
+          </p:cNvPr>
+          <p:cNvSpPr txBox="1">
+            <a:spLocks noChangeArrowheads="1"/>
+          </p:cNvSpPr>
+          <p:nvPr/>
+        </p:nvSpPr>
+        <p:spPr bwMode="auto">
+          <a:xfrm>
+            <a:off x="4776580" y="5347655"/>
+            <a:ext cx="4207164" cy="337353"/>
+          </a:xfrm>
+          <a:prstGeom prst="rect">
+            <a:avLst/>
+          </a:prstGeom>
+          <a:solidFill>
+            <a:schemeClr val="accent2"/>
+          </a:solidFill>
+          <a:ln w="9525">
+            <a:solidFill>
+              <a:srgbClr val="000000"/>
+            </a:solidFill>
+            <a:miter lim="800000"/>
+            <a:headEnd/>
+            <a:tailEnd/>
+          </a:ln>
+        </p:spPr>
+        <p:txBody>
+          <a:bodyPr rot="0" vert="horz" wrap="square" lIns="91440" tIns="45720" rIns="91440" bIns="45720" anchor="t" anchorCtr="0">
+            <a:noAutofit/>
+          </a:bodyPr>
+          <a:lstStyle/>
+          <a:p>
+            <a:pPr>
+              <a:lnSpc>
+                <a:spcPct val="107000"/>
+              </a:lnSpc>
+              <a:spcAft>
+                <a:spcPts val="800"/>
+              </a:spcAft>
+            </a:pPr>
+            <a:r>
+              <a:rPr lang="en-SG" sz="1200" b="1" dirty="0">
+                <a:solidFill>
+                  <a:schemeClr val="bg1"/>
+                </a:solidFill>
+                <a:latin typeface="Arial Nova Cond" panose="020B0506020202020204" pitchFamily="34" charset="0"/>
+                <a:ea typeface="Calibri" panose="020F0502020204030204" pitchFamily="34" charset="0"/>
+                <a:cs typeface="Times New Roman" panose="02020603050405020304" pitchFamily="18" charset="0"/>
+              </a:rPr>
+              <a:t>1. User has typed in “yesterday” as the start date of the project.</a:t>
+            </a:r>
+            <a:endParaRPr lang="en-SG" sz="1200" dirty="0">
+              <a:solidFill>
+                <a:schemeClr val="bg1"/>
+              </a:solidFill>
+              <a:effectLst/>
+              <a:latin typeface="Calibri" panose="020F0502020204030204" pitchFamily="34" charset="0"/>
+              <a:ea typeface="Calibri" panose="020F0502020204030204" pitchFamily="34" charset="0"/>
+              <a:cs typeface="Times New Roman" panose="02020603050405020304" pitchFamily="18" charset="0"/>
+            </a:endParaRPr>
+          </a:p>
+        </p:txBody>
+      </p:sp>
+      <p:cxnSp>
+        <p:nvCxnSpPr>
+          <p:cNvPr id="42" name="Straight Arrow Connector 41">
+            <a:extLst>
+              <a:ext uri="{FF2B5EF4-FFF2-40B4-BE49-F238E27FC236}">
+                <a16:creationId xmlns:a16="http://schemas.microsoft.com/office/drawing/2014/main" id="{BC073C4A-43A7-4185-BD9A-6864B1AC9E24}"/>
+              </a:ext>
+            </a:extLst>
+          </p:cNvPr>
+          <p:cNvCxnSpPr>
+            <a:cxnSpLocks/>
+          </p:cNvCxnSpPr>
+          <p:nvPr/>
+        </p:nvCxnSpPr>
+        <p:spPr>
+          <a:xfrm flipH="1" flipV="1">
+            <a:off x="3879542" y="5516331"/>
+            <a:ext cx="881619" cy="1"/>
+          </a:xfrm>
+          <a:prstGeom prst="straightConnector1">
+            <a:avLst/>
+          </a:prstGeom>
+          <a:ln>
+            <a:tailEnd type="triangle"/>
+          </a:ln>
+        </p:spPr>
+        <p:style>
+          <a:lnRef idx="1">
+            <a:schemeClr val="accent2"/>
+          </a:lnRef>
+          <a:fillRef idx="0">
+            <a:schemeClr val="accent2"/>
+          </a:fillRef>
+          <a:effectRef idx="0">
+            <a:schemeClr val="accent2"/>
+          </a:effectRef>
+          <a:fontRef idx="minor">
+            <a:schemeClr val="tx1"/>
+          </a:fontRef>
+        </p:style>
+      </p:cxnSp>
+      <p:sp>
+        <p:nvSpPr>
+          <p:cNvPr id="46" name="Text Box 2">
+            <a:extLst>
+              <a:ext uri="{FF2B5EF4-FFF2-40B4-BE49-F238E27FC236}">
+                <a16:creationId xmlns:a16="http://schemas.microsoft.com/office/drawing/2014/main" id="{4FB4D075-03AA-47EF-A287-C1265E95D04D}"/>
+              </a:ext>
+            </a:extLst>
+          </p:cNvPr>
+          <p:cNvSpPr txBox="1">
+            <a:spLocks noChangeArrowheads="1"/>
+          </p:cNvSpPr>
+          <p:nvPr/>
+        </p:nvSpPr>
+        <p:spPr bwMode="auto">
+          <a:xfrm>
+            <a:off x="3386239" y="6436866"/>
+            <a:ext cx="5597506" cy="337353"/>
+          </a:xfrm>
+          <a:prstGeom prst="rect">
+            <a:avLst/>
+          </a:prstGeom>
+          <a:solidFill>
+            <a:schemeClr val="accent2"/>
+          </a:solidFill>
+          <a:ln w="9525">
+            <a:solidFill>
+              <a:srgbClr val="000000"/>
+            </a:solidFill>
+            <a:miter lim="800000"/>
+            <a:headEnd/>
+            <a:tailEnd/>
+          </a:ln>
+        </p:spPr>
+        <p:txBody>
+          <a:bodyPr rot="0" vert="horz" wrap="square" lIns="91440" tIns="45720" rIns="91440" bIns="45720" anchor="t" anchorCtr="0">
+            <a:noAutofit/>
+          </a:bodyPr>
+          <a:lstStyle/>
+          <a:p>
+            <a:pPr>
+              <a:lnSpc>
+                <a:spcPct val="107000"/>
+              </a:lnSpc>
+              <a:spcAft>
+                <a:spcPts val="800"/>
+              </a:spcAft>
+            </a:pPr>
+            <a:r>
+              <a:rPr lang="en-SG" sz="1200" b="1" dirty="0">
+                <a:solidFill>
+                  <a:schemeClr val="bg1"/>
+                </a:solidFill>
+                <a:latin typeface="Arial Nova Cond" panose="020B0506020202020204" pitchFamily="34" charset="0"/>
+                <a:ea typeface="Calibri" panose="020F0502020204030204" pitchFamily="34" charset="0"/>
+                <a:cs typeface="Times New Roman" panose="02020603050405020304" pitchFamily="18" charset="0"/>
+              </a:rPr>
+              <a:t>2. The input gets automatically translated to yesterday’s date in DD/MM/YYYY format.</a:t>
+            </a:r>
+            <a:endParaRPr lang="en-SG" sz="1200" dirty="0">
+              <a:solidFill>
+                <a:schemeClr val="bg1"/>
+              </a:solidFill>
+              <a:effectLst/>
+              <a:latin typeface="Calibri" panose="020F0502020204030204" pitchFamily="34" charset="0"/>
+              <a:ea typeface="Calibri" panose="020F0502020204030204" pitchFamily="34" charset="0"/>
+              <a:cs typeface="Times New Roman" panose="02020603050405020304" pitchFamily="18" charset="0"/>
+            </a:endParaRPr>
+          </a:p>
+        </p:txBody>
+      </p:sp>
+      <p:cxnSp>
+        <p:nvCxnSpPr>
+          <p:cNvPr id="47" name="Straight Arrow Connector 46">
+            <a:extLst>
+              <a:ext uri="{FF2B5EF4-FFF2-40B4-BE49-F238E27FC236}">
+                <a16:creationId xmlns:a16="http://schemas.microsoft.com/office/drawing/2014/main" id="{CF78BE78-E149-4C61-9951-D600A9740339}"/>
+              </a:ext>
+            </a:extLst>
+          </p:cNvPr>
+          <p:cNvCxnSpPr>
+            <a:cxnSpLocks/>
+          </p:cNvCxnSpPr>
+          <p:nvPr/>
+        </p:nvCxnSpPr>
+        <p:spPr>
+          <a:xfrm flipH="1">
+            <a:off x="1687399" y="6610299"/>
+            <a:ext cx="1698840" cy="0"/>
+          </a:xfrm>
+          <a:prstGeom prst="straightConnector1">
+            <a:avLst/>
+          </a:prstGeom>
+          <a:ln>
+            <a:tailEnd type="triangle"/>
+          </a:ln>
+        </p:spPr>
+        <p:style>
+          <a:lnRef idx="1">
+            <a:schemeClr val="accent2"/>
+          </a:lnRef>
+          <a:fillRef idx="0">
+            <a:schemeClr val="accent2"/>
+          </a:fillRef>
+          <a:effectRef idx="0">
+            <a:schemeClr val="accent2"/>
+          </a:effectRef>
+          <a:fontRef idx="minor">
+            <a:schemeClr val="tx1"/>
+          </a:fontRef>
+        </p:style>
+      </p:cxnSp>
+      <p:sp>
+        <p:nvSpPr>
+          <p:cNvPr id="50" name="TextBox 49">
+            <a:extLst>
+              <a:ext uri="{FF2B5EF4-FFF2-40B4-BE49-F238E27FC236}">
+                <a16:creationId xmlns:a16="http://schemas.microsoft.com/office/drawing/2014/main" id="{B5E0AD04-9440-41C2-B4FB-B72E1A42A126}"/>
+              </a:ext>
+            </a:extLst>
+          </p:cNvPr>
+          <p:cNvSpPr txBox="1"/>
+          <p:nvPr/>
+        </p:nvSpPr>
+        <p:spPr>
+          <a:xfrm>
+            <a:off x="9223900" y="1109709"/>
+            <a:ext cx="2192783" cy="369332"/>
+          </a:xfrm>
+          <a:prstGeom prst="rect">
+            <a:avLst/>
+          </a:prstGeom>
+          <a:solidFill>
+            <a:schemeClr val="accent2"/>
+          </a:solidFill>
+          <a:ln>
+            <a:solidFill>
+              <a:schemeClr val="tx1"/>
+            </a:solidFill>
+          </a:ln>
+        </p:spPr>
+        <p:txBody>
+          <a:bodyPr wrap="square" rtlCol="0">
+            <a:spAutoFit/>
+          </a:bodyPr>
+          <a:lstStyle/>
+          <a:p>
+            <a:r>
+              <a:rPr lang="en-SG" b="1" dirty="0">
+                <a:solidFill>
+                  <a:schemeClr val="bg1"/>
+                </a:solidFill>
+                <a:latin typeface="Arial Nova Cond" panose="020B0506020202020204" pitchFamily="34" charset="0"/>
+              </a:rPr>
+              <a:t>Example 1: Today</a:t>
+            </a:r>
+          </a:p>
+        </p:txBody>
+      </p:sp>
+      <p:sp>
+        <p:nvSpPr>
+          <p:cNvPr id="51" name="TextBox 50">
+            <a:extLst>
+              <a:ext uri="{FF2B5EF4-FFF2-40B4-BE49-F238E27FC236}">
+                <a16:creationId xmlns:a16="http://schemas.microsoft.com/office/drawing/2014/main" id="{5B1329EE-3A70-40B4-89B8-2C228E21CD4F}"/>
+              </a:ext>
+            </a:extLst>
+          </p:cNvPr>
+          <p:cNvSpPr txBox="1"/>
+          <p:nvPr/>
+        </p:nvSpPr>
+        <p:spPr>
+          <a:xfrm>
+            <a:off x="9223898" y="5860742"/>
+            <a:ext cx="2192785" cy="369332"/>
+          </a:xfrm>
+          <a:prstGeom prst="rect">
+            <a:avLst/>
+          </a:prstGeom>
+          <a:solidFill>
+            <a:schemeClr val="accent2"/>
+          </a:solidFill>
+          <a:ln>
+            <a:solidFill>
+              <a:schemeClr val="tx1"/>
+            </a:solidFill>
+          </a:ln>
+        </p:spPr>
+        <p:txBody>
+          <a:bodyPr wrap="square" rtlCol="0">
+            <a:spAutoFit/>
+          </a:bodyPr>
+          <a:lstStyle/>
+          <a:p>
+            <a:r>
+              <a:rPr lang="en-SG" b="1" dirty="0">
+                <a:solidFill>
+                  <a:schemeClr val="bg1"/>
+                </a:solidFill>
+                <a:latin typeface="Arial Nova Cond" panose="020B0506020202020204" pitchFamily="34" charset="0"/>
+              </a:rPr>
+              <a:t>Example 3: Yesterday</a:t>
+            </a:r>
+          </a:p>
+        </p:txBody>
+      </p:sp>
+      <p:sp>
+        <p:nvSpPr>
+          <p:cNvPr id="52" name="TextBox 51">
+            <a:extLst>
+              <a:ext uri="{FF2B5EF4-FFF2-40B4-BE49-F238E27FC236}">
+                <a16:creationId xmlns:a16="http://schemas.microsoft.com/office/drawing/2014/main" id="{BD6EE5F3-40AA-43B5-A283-8ECC99BD8746}"/>
+              </a:ext>
+            </a:extLst>
+          </p:cNvPr>
+          <p:cNvSpPr txBox="1"/>
+          <p:nvPr/>
+        </p:nvSpPr>
+        <p:spPr>
+          <a:xfrm>
+            <a:off x="9223898" y="3489833"/>
+            <a:ext cx="2192785" cy="369332"/>
+          </a:xfrm>
+          <a:prstGeom prst="rect">
+            <a:avLst/>
+          </a:prstGeom>
+          <a:solidFill>
+            <a:schemeClr val="accent2"/>
+          </a:solidFill>
+          <a:ln>
+            <a:solidFill>
+              <a:schemeClr val="tx1"/>
+            </a:solidFill>
+          </a:ln>
+        </p:spPr>
+        <p:txBody>
+          <a:bodyPr wrap="square" rtlCol="0">
+            <a:spAutoFit/>
+          </a:bodyPr>
+          <a:lstStyle/>
+          <a:p>
+            <a:r>
+              <a:rPr lang="en-SG" b="1" dirty="0">
+                <a:solidFill>
+                  <a:schemeClr val="bg1"/>
+                </a:solidFill>
+                <a:latin typeface="Arial Nova Cond" panose="020B0506020202020204" pitchFamily="34" charset="0"/>
+              </a:rPr>
+              <a:t>Example 2: Tomorrow</a:t>
+            </a:r>
+          </a:p>
+        </p:txBody>
+      </p:sp>
+      <p:sp>
+        <p:nvSpPr>
+          <p:cNvPr id="53" name="TextBox 52">
+            <a:extLst>
+              <a:ext uri="{FF2B5EF4-FFF2-40B4-BE49-F238E27FC236}">
+                <a16:creationId xmlns:a16="http://schemas.microsoft.com/office/drawing/2014/main" id="{7A6B68EC-FC61-45F5-AE8D-D50121FFB36A}"/>
+              </a:ext>
+            </a:extLst>
+          </p:cNvPr>
+          <p:cNvSpPr txBox="1"/>
+          <p:nvPr/>
+        </p:nvSpPr>
+        <p:spPr>
+          <a:xfrm>
+            <a:off x="3295540" y="-13798"/>
+            <a:ext cx="5778903" cy="369332"/>
+          </a:xfrm>
+          <a:prstGeom prst="rect">
+            <a:avLst/>
+          </a:prstGeom>
+          <a:solidFill>
+            <a:schemeClr val="accent2"/>
+          </a:solidFill>
+          <a:ln>
+            <a:solidFill>
+              <a:schemeClr val="tx1"/>
+            </a:solidFill>
+          </a:ln>
+        </p:spPr>
+        <p:txBody>
+          <a:bodyPr wrap="square" rtlCol="0">
+            <a:spAutoFit/>
+          </a:bodyPr>
+          <a:lstStyle/>
+          <a:p>
+            <a:r>
+              <a:rPr lang="en-SG" b="1" dirty="0">
+                <a:solidFill>
+                  <a:schemeClr val="bg1"/>
+                </a:solidFill>
+                <a:latin typeface="Arial Nova Cond" panose="020B0506020202020204" pitchFamily="34" charset="0"/>
+              </a:rPr>
+              <a:t>Assuming current date is 12 April 2019 (12/04/2019), Friday</a:t>
+            </a:r>
+          </a:p>
+        </p:txBody>
+      </p:sp>
+    </p:spTree>
+    <p:extLst>
+      <p:ext uri="{BB962C8B-B14F-4D97-AF65-F5344CB8AC3E}">
+        <p14:creationId xmlns:p14="http://schemas.microsoft.com/office/powerpoint/2010/main" val="1649825059"/>
+      </p:ext>
+    </p:extLst>
+  </p:cSld>
+  <p:clrMapOvr>
+    <a:masterClrMapping/>
+  </p:clrMapOvr>
+</p:sld>
+</file>
+
+<file path=ppt/slides/slide12.xml><?xml version="1.0" encoding="utf-8"?>
+<p:sld xmlns:a="http://schemas.openxmlformats.org/drawingml/2006/main" xmlns:r="http://schemas.openxmlformats.org/officeDocument/2006/relationships" xmlns:p="http://schemas.openxmlformats.org/presentationml/2006/main">
+  <p:cSld>
+    <p:spTree>
+      <p:nvGrpSpPr>
+        <p:cNvPr id="1" name=""/>
+        <p:cNvGrpSpPr/>
+        <p:nvPr/>
+      </p:nvGrpSpPr>
+      <p:grpSpPr>
+        <a:xfrm>
+          <a:off x="0" y="0"/>
+          <a:ext cx="0" cy="0"/>
+          <a:chOff x="0" y="0"/>
+          <a:chExt cx="0" cy="0"/>
+        </a:xfrm>
+      </p:grpSpPr>
+      <p:pic>
+        <p:nvPicPr>
+          <p:cNvPr id="2" name="Picture 1">
+            <a:extLst>
+              <a:ext uri="{FF2B5EF4-FFF2-40B4-BE49-F238E27FC236}">
                 <a16:creationId xmlns:a16="http://schemas.microsoft.com/office/drawing/2014/main" id="{31E64AFC-D99F-48D4-8EB5-BCF0A54C2368}"/>
               </a:ext>
             </a:extLst>
@@ -5199,7 +6525,7 @@
 </p:sld>
 </file>
 
-<file path=ppt/slides/slide11.xml><?xml version="1.0" encoding="utf-8"?>
+<file path=ppt/slides/slide13.xml><?xml version="1.0" encoding="utf-8"?>
 <p:sld xmlns:a="http://schemas.openxmlformats.org/drawingml/2006/main" xmlns:r="http://schemas.openxmlformats.org/officeDocument/2006/relationships" xmlns:p="http://schemas.openxmlformats.org/presentationml/2006/main">
   <p:cSld>
     <p:spTree>
@@ -8599,29 +9925,7 @@
                 <a:ea typeface="Calibri" panose="020F0502020204030204" pitchFamily="34" charset="0"/>
                 <a:cs typeface="Times New Roman" panose="02020603050405020304" pitchFamily="18" charset="0"/>
               </a:rPr>
-              <a:t>2. Identify target employee from the list. For </a:t>
-            </a:r>
-            <a:r>
-              <a:rPr lang="en-SG" sz="1200" b="1" dirty="0" err="1">
-                <a:solidFill>
-                  <a:schemeClr val="bg1"/>
-                </a:solidFill>
-                <a:latin typeface="Arial Nova Cond" panose="020B0506020202020204" pitchFamily="34" charset="0"/>
-                <a:ea typeface="Calibri" panose="020F0502020204030204" pitchFamily="34" charset="0"/>
-                <a:cs typeface="Times New Roman" panose="02020603050405020304" pitchFamily="18" charset="0"/>
-              </a:rPr>
-              <a:t>eg</a:t>
-            </a:r>
-            <a:r>
-              <a:rPr lang="en-SG" sz="1200" b="1" dirty="0">
-                <a:solidFill>
-                  <a:schemeClr val="bg1"/>
-                </a:solidFill>
-                <a:latin typeface="Arial Nova Cond" panose="020B0506020202020204" pitchFamily="34" charset="0"/>
-                <a:ea typeface="Calibri" panose="020F0502020204030204" pitchFamily="34" charset="0"/>
-                <a:cs typeface="Times New Roman" panose="02020603050405020304" pitchFamily="18" charset="0"/>
-              </a:rPr>
-              <a:t>, target employee is at index 2 of the displayed list.</a:t>
+              <a:t>2. Identify target employee from the list. For eg, target employee is at index 2 of the displayed list.</a:t>
             </a:r>
             <a:endParaRPr lang="en-SG" sz="1200" dirty="0">
               <a:solidFill>
@@ -9203,29 +10507,7 @@
                 <a:ea typeface="Calibri" panose="020F0502020204030204" pitchFamily="34" charset="0"/>
                 <a:cs typeface="Times New Roman" panose="02020603050405020304" pitchFamily="18" charset="0"/>
               </a:rPr>
-              <a:t>1. Identify target project from the list of projects. For </a:t>
-            </a:r>
-            <a:r>
-              <a:rPr lang="en-SG" sz="1200" b="1" dirty="0" err="1">
-                <a:solidFill>
-                  <a:schemeClr val="bg1"/>
-                </a:solidFill>
-                <a:latin typeface="Arial Nova Cond" panose="020B0506020202020204" pitchFamily="34" charset="0"/>
-                <a:ea typeface="Calibri" panose="020F0502020204030204" pitchFamily="34" charset="0"/>
-                <a:cs typeface="Times New Roman" panose="02020603050405020304" pitchFamily="18" charset="0"/>
-              </a:rPr>
-              <a:t>eg</a:t>
-            </a:r>
-            <a:r>
-              <a:rPr lang="en-SG" sz="1200" b="1" dirty="0">
-                <a:solidFill>
-                  <a:schemeClr val="bg1"/>
-                </a:solidFill>
-                <a:latin typeface="Arial Nova Cond" panose="020B0506020202020204" pitchFamily="34" charset="0"/>
-                <a:ea typeface="Calibri" panose="020F0502020204030204" pitchFamily="34" charset="0"/>
-                <a:cs typeface="Times New Roman" panose="02020603050405020304" pitchFamily="18" charset="0"/>
-              </a:rPr>
-              <a:t>, name of target project is “Orbital”</a:t>
+              <a:t>1. Identify target project from the list of projects. For eg, name of target project is “Orbital”</a:t>
             </a:r>
             <a:endParaRPr lang="en-SG" sz="1200" dirty="0">
               <a:solidFill>
@@ -9748,10 +11030,10 @@
       </p:grpSpPr>
       <p:pic>
         <p:nvPicPr>
-          <p:cNvPr id="2" name="Picture 1">
-            <a:extLst>
-              <a:ext uri="{FF2B5EF4-FFF2-40B4-BE49-F238E27FC236}">
-                <a16:creationId xmlns:a16="http://schemas.microsoft.com/office/drawing/2014/main" id="{B094C944-B477-436C-ACB6-B9990EF3069E}"/>
+          <p:cNvPr id="3" name="Picture 2">
+            <a:extLst>
+              <a:ext uri="{FF2B5EF4-FFF2-40B4-BE49-F238E27FC236}">
+                <a16:creationId xmlns:a16="http://schemas.microsoft.com/office/drawing/2014/main" id="{7E4F4B5F-370C-4592-AC1D-71312B1F61A6}"/>
               </a:ext>
             </a:extLst>
           </p:cNvPr>
@@ -9760,53 +11042,46 @@
           </p:cNvPicPr>
           <p:nvPr/>
         </p:nvPicPr>
-        <p:blipFill rotWithShape="1">
+        <p:blipFill>
           <a:blip r:embed="rId2"/>
-          <a:srcRect r="81953" b="87639"/>
-          <a:stretch/>
+          <a:stretch>
+            <a:fillRect/>
+          </a:stretch>
         </p:blipFill>
         <p:spPr>
           <a:xfrm>
             <a:off x="0" y="0"/>
-            <a:ext cx="12281408" cy="6858000"/>
+            <a:ext cx="12192000" cy="6858000"/>
           </a:xfrm>
           <a:prstGeom prst="rect">
             <a:avLst/>
           </a:prstGeom>
-          <a:ln w="76200">
-            <a:solidFill>
-              <a:schemeClr val="bg1"/>
-            </a:solidFill>
-          </a:ln>
         </p:spPr>
       </p:pic>
-      <p:cxnSp>
-        <p:nvCxnSpPr>
-          <p:cNvPr id="4" name="Straight Arrow Connector 3">
-            <a:extLst>
-              <a:ext uri="{FF2B5EF4-FFF2-40B4-BE49-F238E27FC236}">
-                <a16:creationId xmlns:a16="http://schemas.microsoft.com/office/drawing/2014/main" id="{E458FA27-34B2-4B06-BB74-D2F3E4937377}"/>
-              </a:ext>
-            </a:extLst>
-          </p:cNvPr>
-          <p:cNvCxnSpPr>
-            <a:cxnSpLocks/>
-          </p:cNvCxnSpPr>
-          <p:nvPr/>
-        </p:nvCxnSpPr>
-        <p:spPr>
-          <a:xfrm flipH="1">
-            <a:off x="4722923" y="0"/>
-            <a:ext cx="3160448" cy="3036163"/>
-          </a:xfrm>
-          <a:prstGeom prst="straightConnector1">
-            <a:avLst/>
-          </a:prstGeom>
-          <a:ln w="76200">
+      <p:sp>
+        <p:nvSpPr>
+          <p:cNvPr id="4" name="Right Brace 3">
+            <a:extLst>
+              <a:ext uri="{FF2B5EF4-FFF2-40B4-BE49-F238E27FC236}">
+                <a16:creationId xmlns:a16="http://schemas.microsoft.com/office/drawing/2014/main" id="{8C9DA5B1-E700-4CAD-AB10-097629CCEE17}"/>
+              </a:ext>
+            </a:extLst>
+          </p:cNvPr>
+          <p:cNvSpPr/>
+          <p:nvPr/>
+        </p:nvSpPr>
+        <p:spPr>
+          <a:xfrm>
+            <a:off x="2143125" y="2551314"/>
+            <a:ext cx="404766" cy="3884997"/>
+          </a:xfrm>
+          <a:prstGeom prst="rightBrace">
+            <a:avLst/>
+          </a:prstGeom>
+          <a:ln w="38100">
             <a:solidFill>
               <a:schemeClr val="accent2"/>
             </a:solidFill>
-            <a:tailEnd type="triangle"/>
           </a:ln>
         </p:spPr>
         <p:style>
@@ -9823,11 +11098,757 @@
             <a:schemeClr val="tx1"/>
           </a:fontRef>
         </p:style>
+        <p:txBody>
+          <a:bodyPr rtlCol="0" anchor="ctr"/>
+          <a:lstStyle/>
+          <a:p>
+            <a:pPr algn="ctr"/>
+            <a:endParaRPr lang="en-SG" dirty="0"/>
+          </a:p>
+        </p:txBody>
+      </p:sp>
+      <p:sp>
+        <p:nvSpPr>
+          <p:cNvPr id="5" name="Text Box 2">
+            <a:extLst>
+              <a:ext uri="{FF2B5EF4-FFF2-40B4-BE49-F238E27FC236}">
+                <a16:creationId xmlns:a16="http://schemas.microsoft.com/office/drawing/2014/main" id="{4E71F7AF-136B-4111-8EB2-97818063643F}"/>
+              </a:ext>
+            </a:extLst>
+          </p:cNvPr>
+          <p:cNvSpPr txBox="1">
+            <a:spLocks noChangeArrowheads="1"/>
+          </p:cNvSpPr>
+          <p:nvPr/>
+        </p:nvSpPr>
+        <p:spPr bwMode="auto">
+          <a:xfrm>
+            <a:off x="2547891" y="3951094"/>
+            <a:ext cx="1660125" cy="1085436"/>
+          </a:xfrm>
+          <a:prstGeom prst="rect">
+            <a:avLst/>
+          </a:prstGeom>
+          <a:solidFill>
+            <a:schemeClr val="accent2"/>
+          </a:solidFill>
+          <a:ln w="9525">
+            <a:solidFill>
+              <a:srgbClr val="000000"/>
+            </a:solidFill>
+            <a:miter lim="800000"/>
+            <a:headEnd/>
+            <a:tailEnd/>
+          </a:ln>
+        </p:spPr>
+        <p:txBody>
+          <a:bodyPr rot="0" vert="horz" wrap="square" lIns="91440" tIns="45720" rIns="91440" bIns="45720" anchor="t" anchorCtr="0">
+            <a:noAutofit/>
+          </a:bodyPr>
+          <a:lstStyle/>
+          <a:p>
+            <a:pPr>
+              <a:lnSpc>
+                <a:spcPct val="107000"/>
+              </a:lnSpc>
+              <a:spcAft>
+                <a:spcPts val="800"/>
+              </a:spcAft>
+            </a:pPr>
+            <a:r>
+              <a:rPr lang="en-SG" sz="1200" b="1" dirty="0">
+                <a:solidFill>
+                  <a:schemeClr val="bg1"/>
+                </a:solidFill>
+                <a:latin typeface="Arial Nova Cond" panose="020B0506020202020204" pitchFamily="34" charset="0"/>
+                <a:ea typeface="Calibri" panose="020F0502020204030204" pitchFamily="34" charset="0"/>
+                <a:cs typeface="Times New Roman" panose="02020603050405020304" pitchFamily="18" charset="0"/>
+              </a:rPr>
+              <a:t>1. Identify target project from the list of projects. For eg, name of target project is “Orbital”</a:t>
+            </a:r>
+            <a:endParaRPr lang="en-SG" sz="1200" dirty="0">
+              <a:solidFill>
+                <a:schemeClr val="bg1"/>
+              </a:solidFill>
+              <a:effectLst/>
+              <a:latin typeface="Calibri" panose="020F0502020204030204" pitchFamily="34" charset="0"/>
+              <a:ea typeface="Calibri" panose="020F0502020204030204" pitchFamily="34" charset="0"/>
+              <a:cs typeface="Times New Roman" panose="02020603050405020304" pitchFamily="18" charset="0"/>
+            </a:endParaRPr>
+          </a:p>
+        </p:txBody>
+      </p:sp>
+      <p:sp>
+        <p:nvSpPr>
+          <p:cNvPr id="6" name="Text Box 2">
+            <a:extLst>
+              <a:ext uri="{FF2B5EF4-FFF2-40B4-BE49-F238E27FC236}">
+                <a16:creationId xmlns:a16="http://schemas.microsoft.com/office/drawing/2014/main" id="{23E4F310-42BB-4073-99B0-EB563178276A}"/>
+              </a:ext>
+            </a:extLst>
+          </p:cNvPr>
+          <p:cNvSpPr txBox="1">
+            <a:spLocks noChangeArrowheads="1"/>
+          </p:cNvSpPr>
+          <p:nvPr/>
+        </p:nvSpPr>
+        <p:spPr bwMode="auto">
+          <a:xfrm>
+            <a:off x="5238101" y="510466"/>
+            <a:ext cx="3992086" cy="337353"/>
+          </a:xfrm>
+          <a:prstGeom prst="rect">
+            <a:avLst/>
+          </a:prstGeom>
+          <a:solidFill>
+            <a:schemeClr val="accent2"/>
+          </a:solidFill>
+          <a:ln w="9525">
+            <a:solidFill>
+              <a:srgbClr val="000000"/>
+            </a:solidFill>
+            <a:miter lim="800000"/>
+            <a:headEnd/>
+            <a:tailEnd/>
+          </a:ln>
+        </p:spPr>
+        <p:txBody>
+          <a:bodyPr rot="0" vert="horz" wrap="square" lIns="91440" tIns="45720" rIns="91440" bIns="45720" anchor="t" anchorCtr="0">
+            <a:noAutofit/>
+          </a:bodyPr>
+          <a:lstStyle/>
+          <a:p>
+            <a:pPr>
+              <a:lnSpc>
+                <a:spcPct val="107000"/>
+              </a:lnSpc>
+              <a:spcAft>
+                <a:spcPts val="800"/>
+              </a:spcAft>
+            </a:pPr>
+            <a:r>
+              <a:rPr lang="en-SG" sz="1200" b="1" dirty="0">
+                <a:solidFill>
+                  <a:schemeClr val="bg1"/>
+                </a:solidFill>
+                <a:effectLst/>
+                <a:latin typeface="Arial Nova Cond" panose="020B0506020202020204" pitchFamily="34" charset="0"/>
+                <a:ea typeface="Calibri" panose="020F0502020204030204" pitchFamily="34" charset="0"/>
+                <a:cs typeface="Times New Roman" panose="02020603050405020304" pitchFamily="18" charset="0"/>
+              </a:rPr>
+              <a:t>3. Type the command to add a task to a project’s milestone</a:t>
+            </a:r>
+            <a:endParaRPr lang="en-SG" sz="1200" dirty="0">
+              <a:solidFill>
+                <a:schemeClr val="bg1"/>
+              </a:solidFill>
+              <a:effectLst/>
+              <a:latin typeface="Calibri" panose="020F0502020204030204" pitchFamily="34" charset="0"/>
+              <a:ea typeface="Calibri" panose="020F0502020204030204" pitchFamily="34" charset="0"/>
+              <a:cs typeface="Times New Roman" panose="02020603050405020304" pitchFamily="18" charset="0"/>
+            </a:endParaRPr>
+          </a:p>
+        </p:txBody>
+      </p:sp>
+      <p:cxnSp>
+        <p:nvCxnSpPr>
+          <p:cNvPr id="7" name="Straight Arrow Connector 6">
+            <a:extLst>
+              <a:ext uri="{FF2B5EF4-FFF2-40B4-BE49-F238E27FC236}">
+                <a16:creationId xmlns:a16="http://schemas.microsoft.com/office/drawing/2014/main" id="{68A0399F-718A-451F-87C5-C0FFAEE48D48}"/>
+              </a:ext>
+            </a:extLst>
+          </p:cNvPr>
+          <p:cNvCxnSpPr>
+            <a:cxnSpLocks/>
+            <a:stCxn id="6" idx="1"/>
+          </p:cNvCxnSpPr>
+          <p:nvPr/>
+        </p:nvCxnSpPr>
+        <p:spPr>
+          <a:xfrm flipH="1">
+            <a:off x="3921341" y="679143"/>
+            <a:ext cx="1316760" cy="0"/>
+          </a:xfrm>
+          <a:prstGeom prst="straightConnector1">
+            <a:avLst/>
+          </a:prstGeom>
+          <a:ln>
+            <a:tailEnd type="triangle"/>
+          </a:ln>
+        </p:spPr>
+        <p:style>
+          <a:lnRef idx="1">
+            <a:schemeClr val="accent2"/>
+          </a:lnRef>
+          <a:fillRef idx="0">
+            <a:schemeClr val="accent2"/>
+          </a:fillRef>
+          <a:effectRef idx="0">
+            <a:schemeClr val="accent2"/>
+          </a:effectRef>
+          <a:fontRef idx="minor">
+            <a:schemeClr val="tx1"/>
+          </a:fontRef>
+        </p:style>
       </p:cxnSp>
+      <p:sp>
+        <p:nvSpPr>
+          <p:cNvPr id="8" name="Text Box 2">
+            <a:extLst>
+              <a:ext uri="{FF2B5EF4-FFF2-40B4-BE49-F238E27FC236}">
+                <a16:creationId xmlns:a16="http://schemas.microsoft.com/office/drawing/2014/main" id="{D3275FB8-0D08-45B7-8712-0608704D9006}"/>
+              </a:ext>
+            </a:extLst>
+          </p:cNvPr>
+          <p:cNvSpPr txBox="1">
+            <a:spLocks noChangeArrowheads="1"/>
+          </p:cNvSpPr>
+          <p:nvPr/>
+        </p:nvSpPr>
+        <p:spPr bwMode="auto">
+          <a:xfrm>
+            <a:off x="5991505" y="1234325"/>
+            <a:ext cx="4706085" cy="501590"/>
+          </a:xfrm>
+          <a:prstGeom prst="rect">
+            <a:avLst/>
+          </a:prstGeom>
+          <a:solidFill>
+            <a:schemeClr val="accent2"/>
+          </a:solidFill>
+          <a:ln w="9525">
+            <a:solidFill>
+              <a:srgbClr val="000000"/>
+            </a:solidFill>
+            <a:miter lim="800000"/>
+            <a:headEnd/>
+            <a:tailEnd/>
+          </a:ln>
+        </p:spPr>
+        <p:txBody>
+          <a:bodyPr rot="0" vert="horz" wrap="square" lIns="91440" tIns="45720" rIns="91440" bIns="45720" anchor="t" anchorCtr="0">
+            <a:noAutofit/>
+          </a:bodyPr>
+          <a:lstStyle/>
+          <a:p>
+            <a:pPr>
+              <a:lnSpc>
+                <a:spcPct val="107000"/>
+              </a:lnSpc>
+              <a:spcAft>
+                <a:spcPts val="800"/>
+              </a:spcAft>
+            </a:pPr>
+            <a:r>
+              <a:rPr lang="en-SG" sz="1200" b="1" dirty="0">
+                <a:solidFill>
+                  <a:schemeClr val="bg1"/>
+                </a:solidFill>
+                <a:latin typeface="Arial Nova Cond" panose="020B0506020202020204" pitchFamily="34" charset="0"/>
+                <a:ea typeface="Calibri" panose="020F0502020204030204" pitchFamily="34" charset="0"/>
+                <a:cs typeface="Times New Roman" panose="02020603050405020304" pitchFamily="18" charset="0"/>
+              </a:rPr>
+              <a:t>4. The details of the added project task, the target milestone index, 2, and the target project, Orbital, will be indicated in the success message</a:t>
+            </a:r>
+            <a:endParaRPr lang="en-SG" sz="2000" dirty="0">
+              <a:solidFill>
+                <a:schemeClr val="bg1"/>
+              </a:solidFill>
+              <a:latin typeface="Calibri" panose="020F0502020204030204" pitchFamily="34" charset="0"/>
+              <a:ea typeface="Calibri" panose="020F0502020204030204" pitchFamily="34" charset="0"/>
+              <a:cs typeface="Times New Roman" panose="02020603050405020304" pitchFamily="18" charset="0"/>
+            </a:endParaRPr>
+          </a:p>
+        </p:txBody>
+      </p:sp>
+      <p:cxnSp>
+        <p:nvCxnSpPr>
+          <p:cNvPr id="9" name="Connector: Elbow 8">
+            <a:extLst>
+              <a:ext uri="{FF2B5EF4-FFF2-40B4-BE49-F238E27FC236}">
+                <a16:creationId xmlns:a16="http://schemas.microsoft.com/office/drawing/2014/main" id="{CAB73BA0-C554-4628-83CD-9E503DE433FD}"/>
+              </a:ext>
+            </a:extLst>
+          </p:cNvPr>
+          <p:cNvCxnSpPr>
+            <a:cxnSpLocks/>
+            <a:stCxn id="8" idx="0"/>
+          </p:cNvCxnSpPr>
+          <p:nvPr/>
+        </p:nvCxnSpPr>
+        <p:spPr>
+          <a:xfrm rot="16200000" flipV="1">
+            <a:off x="6904380" y="-205843"/>
+            <a:ext cx="157392" cy="2722944"/>
+          </a:xfrm>
+          <a:prstGeom prst="bentConnector2">
+            <a:avLst/>
+          </a:prstGeom>
+          <a:ln>
+            <a:tailEnd type="triangle"/>
+          </a:ln>
+        </p:spPr>
+        <p:style>
+          <a:lnRef idx="1">
+            <a:schemeClr val="accent2"/>
+          </a:lnRef>
+          <a:fillRef idx="0">
+            <a:schemeClr val="accent2"/>
+          </a:fillRef>
+          <a:effectRef idx="0">
+            <a:schemeClr val="accent2"/>
+          </a:effectRef>
+          <a:fontRef idx="minor">
+            <a:schemeClr val="tx1"/>
+          </a:fontRef>
+        </p:style>
+      </p:cxnSp>
+      <p:sp>
+        <p:nvSpPr>
+          <p:cNvPr id="10" name="Text Box 2">
+            <a:extLst>
+              <a:ext uri="{FF2B5EF4-FFF2-40B4-BE49-F238E27FC236}">
+                <a16:creationId xmlns:a16="http://schemas.microsoft.com/office/drawing/2014/main" id="{ECAEC7BA-E888-4F2C-A645-3C79DCC5D41B}"/>
+              </a:ext>
+            </a:extLst>
+          </p:cNvPr>
+          <p:cNvSpPr txBox="1">
+            <a:spLocks noChangeArrowheads="1"/>
+          </p:cNvSpPr>
+          <p:nvPr/>
+        </p:nvSpPr>
+        <p:spPr bwMode="auto">
+          <a:xfrm>
+            <a:off x="10204142" y="1790383"/>
+            <a:ext cx="1940141" cy="1640336"/>
+          </a:xfrm>
+          <a:prstGeom prst="rect">
+            <a:avLst/>
+          </a:prstGeom>
+          <a:solidFill>
+            <a:schemeClr val="accent2"/>
+          </a:solidFill>
+          <a:ln w="9525">
+            <a:solidFill>
+              <a:srgbClr val="000000"/>
+            </a:solidFill>
+            <a:miter lim="800000"/>
+            <a:headEnd/>
+            <a:tailEnd/>
+          </a:ln>
+        </p:spPr>
+        <p:txBody>
+          <a:bodyPr rot="0" vert="horz" wrap="square" lIns="91440" tIns="45720" rIns="91440" bIns="45720" anchor="t" anchorCtr="0">
+            <a:noAutofit/>
+          </a:bodyPr>
+          <a:lstStyle/>
+          <a:p>
+            <a:pPr>
+              <a:lnSpc>
+                <a:spcPct val="107000"/>
+              </a:lnSpc>
+              <a:spcAft>
+                <a:spcPts val="800"/>
+              </a:spcAft>
+            </a:pPr>
+            <a:r>
+              <a:rPr lang="en-SG" sz="1200" b="1" dirty="0">
+                <a:solidFill>
+                  <a:schemeClr val="bg1"/>
+                </a:solidFill>
+                <a:effectLst/>
+                <a:latin typeface="Arial Nova Cond" panose="020B0506020202020204" pitchFamily="34" charset="0"/>
+                <a:ea typeface="Calibri" panose="020F0502020204030204" pitchFamily="34" charset="0"/>
+                <a:cs typeface="Times New Roman" panose="02020603050405020304" pitchFamily="18" charset="0"/>
+              </a:rPr>
+              <a:t>5. By selecting project “Orbital” and using the arrows to toggle to the list of milestones and tasks under project “Orbital”, you will be able to see the new project task </a:t>
+            </a:r>
+            <a:r>
+              <a:rPr lang="en-SG" sz="1200" b="1" dirty="0">
+                <a:solidFill>
+                  <a:schemeClr val="bg1"/>
+                </a:solidFill>
+                <a:latin typeface="Arial Nova Cond" panose="020B0506020202020204" pitchFamily="34" charset="0"/>
+                <a:ea typeface="Calibri" panose="020F0502020204030204" pitchFamily="34" charset="0"/>
+                <a:cs typeface="Times New Roman" panose="02020603050405020304" pitchFamily="18" charset="0"/>
+              </a:rPr>
+              <a:t>already added to the list.</a:t>
+            </a:r>
+            <a:endParaRPr lang="en-SG" sz="1200" dirty="0">
+              <a:solidFill>
+                <a:schemeClr val="bg1"/>
+              </a:solidFill>
+              <a:effectLst/>
+              <a:latin typeface="Calibri" panose="020F0502020204030204" pitchFamily="34" charset="0"/>
+              <a:ea typeface="Calibri" panose="020F0502020204030204" pitchFamily="34" charset="0"/>
+              <a:cs typeface="Times New Roman" panose="02020603050405020304" pitchFamily="18" charset="0"/>
+            </a:endParaRPr>
+          </a:p>
+        </p:txBody>
+      </p:sp>
+      <p:cxnSp>
+        <p:nvCxnSpPr>
+          <p:cNvPr id="11" name="Straight Connector 10">
+            <a:extLst>
+              <a:ext uri="{FF2B5EF4-FFF2-40B4-BE49-F238E27FC236}">
+                <a16:creationId xmlns:a16="http://schemas.microsoft.com/office/drawing/2014/main" id="{BC0A7E02-D18D-44A1-B1F7-C7BF0389E605}"/>
+              </a:ext>
+            </a:extLst>
+          </p:cNvPr>
+          <p:cNvCxnSpPr/>
+          <p:nvPr/>
+        </p:nvCxnSpPr>
+        <p:spPr>
+          <a:xfrm flipH="1">
+            <a:off x="8313013" y="2133705"/>
+            <a:ext cx="1873189" cy="0"/>
+          </a:xfrm>
+          <a:prstGeom prst="line">
+            <a:avLst/>
+          </a:prstGeom>
+        </p:spPr>
+        <p:style>
+          <a:lnRef idx="1">
+            <a:schemeClr val="accent2"/>
+          </a:lnRef>
+          <a:fillRef idx="0">
+            <a:schemeClr val="accent2"/>
+          </a:fillRef>
+          <a:effectRef idx="0">
+            <a:schemeClr val="accent2"/>
+          </a:effectRef>
+          <a:fontRef idx="minor">
+            <a:schemeClr val="tx1"/>
+          </a:fontRef>
+        </p:style>
+      </p:cxnSp>
+      <p:cxnSp>
+        <p:nvCxnSpPr>
+          <p:cNvPr id="12" name="Straight Arrow Connector 11">
+            <a:extLst>
+              <a:ext uri="{FF2B5EF4-FFF2-40B4-BE49-F238E27FC236}">
+                <a16:creationId xmlns:a16="http://schemas.microsoft.com/office/drawing/2014/main" id="{0BE3FAB7-3345-4C33-85E8-03C107E4801C}"/>
+              </a:ext>
+            </a:extLst>
+          </p:cNvPr>
+          <p:cNvCxnSpPr/>
+          <p:nvPr/>
+        </p:nvCxnSpPr>
+        <p:spPr>
+          <a:xfrm>
+            <a:off x="8313013" y="2127734"/>
+            <a:ext cx="0" cy="692458"/>
+          </a:xfrm>
+          <a:prstGeom prst="straightConnector1">
+            <a:avLst/>
+          </a:prstGeom>
+          <a:ln>
+            <a:tailEnd type="triangle"/>
+          </a:ln>
+        </p:spPr>
+        <p:style>
+          <a:lnRef idx="1">
+            <a:schemeClr val="accent2"/>
+          </a:lnRef>
+          <a:fillRef idx="0">
+            <a:schemeClr val="accent2"/>
+          </a:fillRef>
+          <a:effectRef idx="0">
+            <a:schemeClr val="accent2"/>
+          </a:effectRef>
+          <a:fontRef idx="minor">
+            <a:schemeClr val="tx1"/>
+          </a:fontRef>
+        </p:style>
+      </p:cxnSp>
+      <p:sp>
+        <p:nvSpPr>
+          <p:cNvPr id="13" name="Text Box 2">
+            <a:extLst>
+              <a:ext uri="{FF2B5EF4-FFF2-40B4-BE49-F238E27FC236}">
+                <a16:creationId xmlns:a16="http://schemas.microsoft.com/office/drawing/2014/main" id="{C66E2AF0-076D-42E5-90EF-41D8125B88EA}"/>
+              </a:ext>
+            </a:extLst>
+          </p:cNvPr>
+          <p:cNvSpPr txBox="1">
+            <a:spLocks noChangeArrowheads="1"/>
+          </p:cNvSpPr>
+          <p:nvPr/>
+        </p:nvSpPr>
+        <p:spPr bwMode="auto">
+          <a:xfrm>
+            <a:off x="6546727" y="3725299"/>
+            <a:ext cx="1940141" cy="1254130"/>
+          </a:xfrm>
+          <a:prstGeom prst="rect">
+            <a:avLst/>
+          </a:prstGeom>
+          <a:solidFill>
+            <a:schemeClr val="accent2"/>
+          </a:solidFill>
+          <a:ln w="9525">
+            <a:solidFill>
+              <a:srgbClr val="000000"/>
+            </a:solidFill>
+            <a:miter lim="800000"/>
+            <a:headEnd/>
+            <a:tailEnd/>
+          </a:ln>
+        </p:spPr>
+        <p:txBody>
+          <a:bodyPr rot="0" vert="horz" wrap="square" lIns="91440" tIns="45720" rIns="91440" bIns="45720" anchor="t" anchorCtr="0">
+            <a:noAutofit/>
+          </a:bodyPr>
+          <a:lstStyle/>
+          <a:p>
+            <a:pPr>
+              <a:lnSpc>
+                <a:spcPct val="107000"/>
+              </a:lnSpc>
+              <a:spcAft>
+                <a:spcPts val="800"/>
+              </a:spcAft>
+            </a:pPr>
+            <a:r>
+              <a:rPr lang="en-SG" sz="1200" b="1" dirty="0">
+                <a:solidFill>
+                  <a:schemeClr val="bg1"/>
+                </a:solidFill>
+                <a:effectLst/>
+                <a:latin typeface="Arial Nova Cond" panose="020B0506020202020204" pitchFamily="34" charset="0"/>
+                <a:ea typeface="Calibri" panose="020F0502020204030204" pitchFamily="34" charset="0"/>
+                <a:cs typeface="Times New Roman" panose="02020603050405020304" pitchFamily="18" charset="0"/>
+              </a:rPr>
+              <a:t>6. The new project task is added under the milestone at index 2. Project tasks are set to ongoing status by default on addition to the milestone.</a:t>
+            </a:r>
+            <a:endParaRPr lang="en-SG" sz="1200" dirty="0">
+              <a:solidFill>
+                <a:schemeClr val="bg1"/>
+              </a:solidFill>
+              <a:effectLst/>
+              <a:latin typeface="Calibri" panose="020F0502020204030204" pitchFamily="34" charset="0"/>
+              <a:ea typeface="Calibri" panose="020F0502020204030204" pitchFamily="34" charset="0"/>
+              <a:cs typeface="Times New Roman" panose="02020603050405020304" pitchFamily="18" charset="0"/>
+            </a:endParaRPr>
+          </a:p>
+        </p:txBody>
+      </p:sp>
+      <p:cxnSp>
+        <p:nvCxnSpPr>
+          <p:cNvPr id="18" name="Connector: Elbow 17">
+            <a:extLst>
+              <a:ext uri="{FF2B5EF4-FFF2-40B4-BE49-F238E27FC236}">
+                <a16:creationId xmlns:a16="http://schemas.microsoft.com/office/drawing/2014/main" id="{5CA6284A-CCC3-46C4-845B-2837DC370A3F}"/>
+              </a:ext>
+            </a:extLst>
+          </p:cNvPr>
+          <p:cNvCxnSpPr>
+            <a:cxnSpLocks/>
+            <a:stCxn id="13" idx="0"/>
+          </p:cNvCxnSpPr>
+          <p:nvPr/>
+        </p:nvCxnSpPr>
+        <p:spPr>
+          <a:xfrm rot="16200000" flipV="1">
+            <a:off x="6929720" y="3138220"/>
+            <a:ext cx="360000" cy="814157"/>
+          </a:xfrm>
+          <a:prstGeom prst="bentConnector2">
+            <a:avLst/>
+          </a:prstGeom>
+          <a:ln>
+            <a:tailEnd type="triangle"/>
+          </a:ln>
+        </p:spPr>
+        <p:style>
+          <a:lnRef idx="1">
+            <a:schemeClr val="accent2"/>
+          </a:lnRef>
+          <a:fillRef idx="0">
+            <a:schemeClr val="accent2"/>
+          </a:fillRef>
+          <a:effectRef idx="0">
+            <a:schemeClr val="accent2"/>
+          </a:effectRef>
+          <a:fontRef idx="minor">
+            <a:schemeClr val="tx1"/>
+          </a:fontRef>
+        </p:style>
+      </p:cxnSp>
+      <p:sp>
+        <p:nvSpPr>
+          <p:cNvPr id="23" name="Text Box 2">
+            <a:extLst>
+              <a:ext uri="{FF2B5EF4-FFF2-40B4-BE49-F238E27FC236}">
+                <a16:creationId xmlns:a16="http://schemas.microsoft.com/office/drawing/2014/main" id="{E18A2A79-2A84-4295-A353-0065DCBB2CE9}"/>
+              </a:ext>
+            </a:extLst>
+          </p:cNvPr>
+          <p:cNvSpPr txBox="1">
+            <a:spLocks noChangeArrowheads="1"/>
+          </p:cNvSpPr>
+          <p:nvPr/>
+        </p:nvSpPr>
+        <p:spPr bwMode="auto">
+          <a:xfrm>
+            <a:off x="2481170" y="2596898"/>
+            <a:ext cx="1459544" cy="935764"/>
+          </a:xfrm>
+          <a:prstGeom prst="rect">
+            <a:avLst/>
+          </a:prstGeom>
+          <a:solidFill>
+            <a:schemeClr val="accent2"/>
+          </a:solidFill>
+          <a:ln w="9525">
+            <a:solidFill>
+              <a:srgbClr val="000000"/>
+            </a:solidFill>
+            <a:miter lim="800000"/>
+            <a:headEnd/>
+            <a:tailEnd/>
+          </a:ln>
+        </p:spPr>
+        <p:txBody>
+          <a:bodyPr rot="0" vert="horz" wrap="square" lIns="91440" tIns="45720" rIns="91440" bIns="45720" anchor="t" anchorCtr="0">
+            <a:noAutofit/>
+          </a:bodyPr>
+          <a:lstStyle/>
+          <a:p>
+            <a:pPr>
+              <a:lnSpc>
+                <a:spcPct val="107000"/>
+              </a:lnSpc>
+              <a:spcAft>
+                <a:spcPts val="800"/>
+              </a:spcAft>
+            </a:pPr>
+            <a:r>
+              <a:rPr lang="en-SG" sz="1200" b="1" dirty="0">
+                <a:solidFill>
+                  <a:schemeClr val="bg1"/>
+                </a:solidFill>
+                <a:effectLst/>
+                <a:latin typeface="Arial Nova Cond" panose="020B0506020202020204" pitchFamily="34" charset="0"/>
+                <a:ea typeface="Calibri" panose="020F0502020204030204" pitchFamily="34" charset="0"/>
+                <a:cs typeface="Times New Roman" panose="02020603050405020304" pitchFamily="18" charset="0"/>
+              </a:rPr>
+              <a:t>2. Arrow for collapsing the list of tasks under a milestone.</a:t>
+            </a:r>
+            <a:endParaRPr lang="en-SG" sz="1200" dirty="0">
+              <a:solidFill>
+                <a:schemeClr val="bg1"/>
+              </a:solidFill>
+              <a:effectLst/>
+              <a:latin typeface="Calibri" panose="020F0502020204030204" pitchFamily="34" charset="0"/>
+              <a:ea typeface="Calibri" panose="020F0502020204030204" pitchFamily="34" charset="0"/>
+              <a:cs typeface="Times New Roman" panose="02020603050405020304" pitchFamily="18" charset="0"/>
+            </a:endParaRPr>
+          </a:p>
+        </p:txBody>
+      </p:sp>
+      <p:cxnSp>
+        <p:nvCxnSpPr>
+          <p:cNvPr id="24" name="Connector: Elbow 23">
+            <a:extLst>
+              <a:ext uri="{FF2B5EF4-FFF2-40B4-BE49-F238E27FC236}">
+                <a16:creationId xmlns:a16="http://schemas.microsoft.com/office/drawing/2014/main" id="{9C0081C2-E7E0-4E69-86DD-749A928FC3A7}"/>
+              </a:ext>
+            </a:extLst>
+          </p:cNvPr>
+          <p:cNvCxnSpPr>
+            <a:cxnSpLocks/>
+            <a:stCxn id="23" idx="3"/>
+            <a:endCxn id="28" idx="1"/>
+          </p:cNvCxnSpPr>
+          <p:nvPr/>
+        </p:nvCxnSpPr>
+        <p:spPr>
+          <a:xfrm>
+            <a:off x="3940714" y="3064780"/>
+            <a:ext cx="475759" cy="84759"/>
+          </a:xfrm>
+          <a:prstGeom prst="bentConnector3">
+            <a:avLst>
+              <a:gd name="adj1" fmla="val 50000"/>
+            </a:avLst>
+          </a:prstGeom>
+          <a:ln>
+            <a:tailEnd type="triangle"/>
+          </a:ln>
+        </p:spPr>
+        <p:style>
+          <a:lnRef idx="1">
+            <a:schemeClr val="accent2"/>
+          </a:lnRef>
+          <a:fillRef idx="0">
+            <a:schemeClr val="accent2"/>
+          </a:fillRef>
+          <a:effectRef idx="0">
+            <a:schemeClr val="accent2"/>
+          </a:effectRef>
+          <a:fontRef idx="minor">
+            <a:schemeClr val="tx1"/>
+          </a:fontRef>
+        </p:style>
+      </p:cxnSp>
+      <p:sp>
+        <p:nvSpPr>
+          <p:cNvPr id="28" name="Rectangle 27">
+            <a:extLst>
+              <a:ext uri="{FF2B5EF4-FFF2-40B4-BE49-F238E27FC236}">
+                <a16:creationId xmlns:a16="http://schemas.microsoft.com/office/drawing/2014/main" id="{6B3BB933-6554-48C9-9E67-EA219AFC8232}"/>
+              </a:ext>
+            </a:extLst>
+          </p:cNvPr>
+          <p:cNvSpPr/>
+          <p:nvPr/>
+        </p:nvSpPr>
+        <p:spPr>
+          <a:xfrm>
+            <a:off x="4416473" y="3093817"/>
+            <a:ext cx="95352" cy="111443"/>
+          </a:xfrm>
+          <a:prstGeom prst="rect">
+            <a:avLst/>
+          </a:prstGeom>
+          <a:noFill/>
+          <a:ln w="22225">
+            <a:solidFill>
+              <a:schemeClr val="accent2"/>
+            </a:solidFill>
+          </a:ln>
+        </p:spPr>
+        <p:style>
+          <a:lnRef idx="2">
+            <a:schemeClr val="accent1">
+              <a:shade val="50000"/>
+            </a:schemeClr>
+          </a:lnRef>
+          <a:fillRef idx="1">
+            <a:schemeClr val="accent1"/>
+          </a:fillRef>
+          <a:effectRef idx="0">
+            <a:schemeClr val="accent1"/>
+          </a:effectRef>
+          <a:fontRef idx="minor">
+            <a:schemeClr val="lt1"/>
+          </a:fontRef>
+        </p:style>
+        <p:txBody>
+          <a:bodyPr rtlCol="0" anchor="ctr"/>
+          <a:lstStyle/>
+          <a:p>
+            <a:pPr algn="ctr"/>
+            <a:endParaRPr lang="en-SG" dirty="0"/>
+          </a:p>
+        </p:txBody>
+      </p:sp>
     </p:spTree>
     <p:extLst>
       <p:ext uri="{BB962C8B-B14F-4D97-AF65-F5344CB8AC3E}">
-        <p14:creationId xmlns:p14="http://schemas.microsoft.com/office/powerpoint/2010/main" val="2923474229"/>
+        <p14:creationId xmlns:p14="http://schemas.microsoft.com/office/powerpoint/2010/main" val="3337039540"/>
       </p:ext>
     </p:extLst>
   </p:cSld>
@@ -9856,10 +11877,10 @@
       </p:grpSpPr>
       <p:pic>
         <p:nvPicPr>
-          <p:cNvPr id="5" name="Picture 4">
-            <a:extLst>
-              <a:ext uri="{FF2B5EF4-FFF2-40B4-BE49-F238E27FC236}">
-                <a16:creationId xmlns:a16="http://schemas.microsoft.com/office/drawing/2014/main" id="{D9E135DF-8569-41FB-8450-938D2567B296}"/>
+          <p:cNvPr id="59" name="Picture 58">
+            <a:extLst>
+              <a:ext uri="{FF2B5EF4-FFF2-40B4-BE49-F238E27FC236}">
+                <a16:creationId xmlns:a16="http://schemas.microsoft.com/office/drawing/2014/main" id="{448196C8-4D3F-46F6-8865-F03A98202FBE}"/>
               </a:ext>
             </a:extLst>
           </p:cNvPr>
@@ -9868,32 +11889,58 @@
           </p:cNvPicPr>
           <p:nvPr/>
         </p:nvPicPr>
-        <p:blipFill rotWithShape="1">
+        <p:blipFill>
           <a:blip r:embed="rId2"/>
-          <a:srcRect b="76577"/>
-          <a:stretch/>
+          <a:stretch>
+            <a:fillRect/>
+          </a:stretch>
         </p:blipFill>
         <p:spPr>
           <a:xfrm>
-            <a:off x="0" y="-19078"/>
-            <a:ext cx="12192000" cy="2149536"/>
+            <a:off x="6180046" y="1003391"/>
+            <a:ext cx="5986806" cy="3692303"/>
           </a:xfrm>
           <a:prstGeom prst="rect">
             <a:avLst/>
           </a:prstGeom>
-          <a:ln w="28575">
-            <a:solidFill>
-              <a:schemeClr val="tx1"/>
-            </a:solidFill>
-          </a:ln>
         </p:spPr>
       </p:pic>
-      <p:sp>
-        <p:nvSpPr>
-          <p:cNvPr id="6" name="TextBox 5">
-            <a:extLst>
-              <a:ext uri="{FF2B5EF4-FFF2-40B4-BE49-F238E27FC236}">
-                <a16:creationId xmlns:a16="http://schemas.microsoft.com/office/drawing/2014/main" id="{9B741FFD-0583-47CE-B0CC-B1CBAAFEB50C}"/>
+      <p:pic>
+        <p:nvPicPr>
+          <p:cNvPr id="57" name="Picture 56">
+            <a:extLst>
+              <a:ext uri="{FF2B5EF4-FFF2-40B4-BE49-F238E27FC236}">
+                <a16:creationId xmlns:a16="http://schemas.microsoft.com/office/drawing/2014/main" id="{7DBBBE37-E5EC-4BEA-AA87-A73574470D4A}"/>
+              </a:ext>
+            </a:extLst>
+          </p:cNvPr>
+          <p:cNvPicPr>
+            <a:picLocks noChangeAspect="1"/>
+          </p:cNvPicPr>
+          <p:nvPr/>
+        </p:nvPicPr>
+        <p:blipFill>
+          <a:blip r:embed="rId3"/>
+          <a:stretch>
+            <a:fillRect/>
+          </a:stretch>
+        </p:blipFill>
+        <p:spPr>
+          <a:xfrm>
+            <a:off x="109194" y="1003391"/>
+            <a:ext cx="5986806" cy="3722777"/>
+          </a:xfrm>
+          <a:prstGeom prst="rect">
+            <a:avLst/>
+          </a:prstGeom>
+        </p:spPr>
+      </p:pic>
+      <p:sp>
+        <p:nvSpPr>
+          <p:cNvPr id="4" name="TextBox 3">
+            <a:extLst>
+              <a:ext uri="{FF2B5EF4-FFF2-40B4-BE49-F238E27FC236}">
+                <a16:creationId xmlns:a16="http://schemas.microsoft.com/office/drawing/2014/main" id="{B6E056D6-FCD4-4EEA-BCAA-1D65A1B8E15F}"/>
               </a:ext>
             </a:extLst>
           </p:cNvPr>
@@ -9902,8 +11949,88 @@
         </p:nvSpPr>
         <p:spPr>
           <a:xfrm>
-            <a:off x="2432115" y="603315"/>
-            <a:ext cx="537327" cy="369332"/>
+            <a:off x="109194" y="510363"/>
+            <a:ext cx="2377633" cy="461665"/>
+          </a:xfrm>
+          <a:prstGeom prst="rect">
+            <a:avLst/>
+          </a:prstGeom>
+          <a:noFill/>
+        </p:spPr>
+        <p:txBody>
+          <a:bodyPr wrap="square" rtlCol="0">
+            <a:spAutoFit/>
+          </a:bodyPr>
+          <a:lstStyle/>
+          <a:p>
+            <a:r>
+              <a:rPr lang="en-SG" sz="2400" dirty="0">
+                <a:solidFill>
+                  <a:schemeClr val="accent2"/>
+                </a:solidFill>
+                <a:latin typeface="Arial Nova Cond" panose="020B0506020202020204" pitchFamily="34" charset="0"/>
+              </a:rPr>
+              <a:t>BEFORE</a:t>
+            </a:r>
+          </a:p>
+        </p:txBody>
+      </p:sp>
+      <p:sp>
+        <p:nvSpPr>
+          <p:cNvPr id="5" name="TextBox 4">
+            <a:extLst>
+              <a:ext uri="{FF2B5EF4-FFF2-40B4-BE49-F238E27FC236}">
+                <a16:creationId xmlns:a16="http://schemas.microsoft.com/office/drawing/2014/main" id="{1C01C89D-1A0D-4BF5-8CD1-F586B55A77B9}"/>
+              </a:ext>
+            </a:extLst>
+          </p:cNvPr>
+          <p:cNvSpPr txBox="1"/>
+          <p:nvPr/>
+        </p:nvSpPr>
+        <p:spPr>
+          <a:xfrm>
+            <a:off x="6180046" y="510363"/>
+            <a:ext cx="2377633" cy="461665"/>
+          </a:xfrm>
+          <a:prstGeom prst="rect">
+            <a:avLst/>
+          </a:prstGeom>
+          <a:noFill/>
+        </p:spPr>
+        <p:txBody>
+          <a:bodyPr wrap="square" rtlCol="0">
+            <a:spAutoFit/>
+          </a:bodyPr>
+          <a:lstStyle/>
+          <a:p>
+            <a:r>
+              <a:rPr lang="en-SG" sz="2400" dirty="0">
+                <a:solidFill>
+                  <a:schemeClr val="accent2"/>
+                </a:solidFill>
+                <a:latin typeface="Arial Nova Cond" panose="020B0506020202020204" pitchFamily="34" charset="0"/>
+              </a:rPr>
+              <a:t>AFTER</a:t>
+            </a:r>
+          </a:p>
+        </p:txBody>
+      </p:sp>
+      <p:sp>
+        <p:nvSpPr>
+          <p:cNvPr id="6" name="Rectangle 5">
+            <a:extLst>
+              <a:ext uri="{FF2B5EF4-FFF2-40B4-BE49-F238E27FC236}">
+                <a16:creationId xmlns:a16="http://schemas.microsoft.com/office/drawing/2014/main" id="{986A9773-E1F0-4B74-8A2D-5EEDDA00BB89}"/>
+              </a:ext>
+            </a:extLst>
+          </p:cNvPr>
+          <p:cNvSpPr/>
+          <p:nvPr/>
+        </p:nvSpPr>
+        <p:spPr>
+          <a:xfrm>
+            <a:off x="203512" y="1514473"/>
+            <a:ext cx="4220507" cy="644913"/>
           </a:xfrm>
           <a:prstGeom prst="rect">
             <a:avLst/>
@@ -9915,50 +12042,28 @@
             </a:solidFill>
           </a:ln>
         </p:spPr>
-        <p:txBody>
-          <a:bodyPr wrap="square" rtlCol="0">
-            <a:spAutoFit/>
-          </a:bodyPr>
-          <a:lstStyle/>
-          <a:p>
-            <a:endParaRPr lang="en-SG" dirty="0"/>
-          </a:p>
-        </p:txBody>
-      </p:sp>
-      <p:sp>
-        <p:nvSpPr>
-          <p:cNvPr id="7" name="TextBox 6">
-            <a:extLst>
-              <a:ext uri="{FF2B5EF4-FFF2-40B4-BE49-F238E27FC236}">
-                <a16:creationId xmlns:a16="http://schemas.microsoft.com/office/drawing/2014/main" id="{787ECCF9-BE93-48B4-8C43-666FD7CEE8BF}"/>
-              </a:ext>
-            </a:extLst>
-          </p:cNvPr>
-          <p:cNvSpPr txBox="1"/>
-          <p:nvPr/>
-        </p:nvSpPr>
-        <p:spPr>
-          <a:xfrm>
-            <a:off x="0" y="1763036"/>
-            <a:ext cx="1621410" cy="369332"/>
-          </a:xfrm>
-          <a:prstGeom prst="rect">
-            <a:avLst/>
-          </a:prstGeom>
-          <a:noFill/>
-          <a:ln w="38100">
-            <a:solidFill>
-              <a:schemeClr val="accent2"/>
-            </a:solidFill>
-          </a:ln>
-        </p:spPr>
-        <p:txBody>
-          <a:bodyPr wrap="square" rtlCol="0">
-            <a:spAutoFit/>
-          </a:bodyPr>
-          <a:lstStyle/>
-          <a:p>
-            <a:endParaRPr lang="en-SG" dirty="0"/>
+        <p:style>
+          <a:lnRef idx="2">
+            <a:schemeClr val="accent1">
+              <a:shade val="50000"/>
+            </a:schemeClr>
+          </a:lnRef>
+          <a:fillRef idx="1">
+            <a:schemeClr val="accent1"/>
+          </a:fillRef>
+          <a:effectRef idx="0">
+            <a:schemeClr val="accent1"/>
+          </a:effectRef>
+          <a:fontRef idx="minor">
+            <a:schemeClr val="lt1"/>
+          </a:fontRef>
+        </p:style>
+        <p:txBody>
+          <a:bodyPr rtlCol="0" anchor="ctr"/>
+          <a:lstStyle/>
+          <a:p>
+            <a:pPr algn="ctr"/>
+            <a:endParaRPr lang="en-SG"/>
           </a:p>
         </p:txBody>
       </p:sp>
@@ -9967,7 +12072,7 @@
           <p:cNvPr id="8" name="Text Box 2">
             <a:extLst>
               <a:ext uri="{FF2B5EF4-FFF2-40B4-BE49-F238E27FC236}">
-                <a16:creationId xmlns:a16="http://schemas.microsoft.com/office/drawing/2014/main" id="{E154DDE7-F4B9-4E11-8440-28EC301E80AD}"/>
+                <a16:creationId xmlns:a16="http://schemas.microsoft.com/office/drawing/2014/main" id="{CF3DC429-02F5-489E-A1C3-0C82121A7BD1}"/>
               </a:ext>
             </a:extLst>
           </p:cNvPr>
@@ -9978,8 +12083,8 @@
         </p:nvSpPr>
         <p:spPr bwMode="auto">
           <a:xfrm>
-            <a:off x="5181932" y="632068"/>
-            <a:ext cx="3801812" cy="337353"/>
+            <a:off x="4294426" y="2917104"/>
+            <a:ext cx="2134949" cy="1018698"/>
           </a:xfrm>
           <a:prstGeom prst="rect">
             <a:avLst/>
@@ -10015,11 +12120,36 @@
                 <a:solidFill>
                   <a:schemeClr val="bg1"/>
                 </a:solidFill>
+                <a:effectLst/>
                 <a:latin typeface="Arial Nova Cond" panose="020B0506020202020204" pitchFamily="34" charset="0"/>
                 <a:ea typeface="Calibri" panose="020F0502020204030204" pitchFamily="34" charset="0"/>
                 <a:cs typeface="Times New Roman" panose="02020603050405020304" pitchFamily="18" charset="0"/>
               </a:rPr>
-              <a:t>1. User has typed in today as the start date of the project.</a:t>
+              <a:t>The 1</a:t>
+            </a:r>
+            <a:r>
+              <a:rPr lang="en-SG" sz="1200" b="1" baseline="30000" dirty="0">
+                <a:solidFill>
+                  <a:schemeClr val="bg1"/>
+                </a:solidFill>
+                <a:effectLst/>
+                <a:latin typeface="Arial Nova Cond" panose="020B0506020202020204" pitchFamily="34" charset="0"/>
+                <a:ea typeface="Calibri" panose="020F0502020204030204" pitchFamily="34" charset="0"/>
+                <a:cs typeface="Times New Roman" panose="02020603050405020304" pitchFamily="18" charset="0"/>
+              </a:rPr>
+              <a:t>st</a:t>
+            </a:r>
+            <a:r>
+              <a:rPr lang="en-SG" sz="1200" b="1" dirty="0">
+                <a:solidFill>
+                  <a:schemeClr val="bg1"/>
+                </a:solidFill>
+                <a:effectLst/>
+                <a:latin typeface="Arial Nova Cond" panose="020B0506020202020204" pitchFamily="34" charset="0"/>
+                <a:ea typeface="Calibri" panose="020F0502020204030204" pitchFamily="34" charset="0"/>
+                <a:cs typeface="Times New Roman" panose="02020603050405020304" pitchFamily="18" charset="0"/>
+              </a:rPr>
+              <a:t> project task is removed from the milestone at index 2. The index of the remaining project task is updated from 1 to 2.</a:t>
             </a:r>
             <a:endParaRPr lang="en-SG" sz="1200" dirty="0">
               <a:solidFill>
@@ -10033,12 +12163,64 @@
           </a:p>
         </p:txBody>
       </p:sp>
+      <p:sp>
+        <p:nvSpPr>
+          <p:cNvPr id="30" name="Rectangle 29">
+            <a:extLst>
+              <a:ext uri="{FF2B5EF4-FFF2-40B4-BE49-F238E27FC236}">
+                <a16:creationId xmlns:a16="http://schemas.microsoft.com/office/drawing/2014/main" id="{6326C739-5981-42C1-BA33-0A400885A4BB}"/>
+              </a:ext>
+            </a:extLst>
+          </p:cNvPr>
+          <p:cNvSpPr/>
+          <p:nvPr/>
+        </p:nvSpPr>
+        <p:spPr>
+          <a:xfrm>
+            <a:off x="6246857" y="1524000"/>
+            <a:ext cx="4163968" cy="400049"/>
+          </a:xfrm>
+          <a:prstGeom prst="rect">
+            <a:avLst/>
+          </a:prstGeom>
+          <a:noFill/>
+          <a:ln w="38100">
+            <a:solidFill>
+              <a:schemeClr val="accent2"/>
+            </a:solidFill>
+          </a:ln>
+        </p:spPr>
+        <p:style>
+          <a:lnRef idx="2">
+            <a:schemeClr val="accent1">
+              <a:shade val="50000"/>
+            </a:schemeClr>
+          </a:lnRef>
+          <a:fillRef idx="1">
+            <a:schemeClr val="accent1"/>
+          </a:fillRef>
+          <a:effectRef idx="0">
+            <a:schemeClr val="accent1"/>
+          </a:effectRef>
+          <a:fontRef idx="minor">
+            <a:schemeClr val="lt1"/>
+          </a:fontRef>
+        </p:style>
+        <p:txBody>
+          <a:bodyPr rtlCol="0" anchor="ctr"/>
+          <a:lstStyle/>
+          <a:p>
+            <a:pPr algn="ctr"/>
+            <a:endParaRPr lang="en-SG"/>
+          </a:p>
+        </p:txBody>
+      </p:sp>
       <p:cxnSp>
         <p:nvCxnSpPr>
-          <p:cNvPr id="10" name="Straight Arrow Connector 9">
-            <a:extLst>
-              <a:ext uri="{FF2B5EF4-FFF2-40B4-BE49-F238E27FC236}">
-                <a16:creationId xmlns:a16="http://schemas.microsoft.com/office/drawing/2014/main" id="{918FB132-AB13-4365-A644-C1901657AADE}"/>
+          <p:cNvPr id="44" name="Straight Arrow Connector 43">
+            <a:extLst>
+              <a:ext uri="{FF2B5EF4-FFF2-40B4-BE49-F238E27FC236}">
+                <a16:creationId xmlns:a16="http://schemas.microsoft.com/office/drawing/2014/main" id="{747FFF60-FFD0-479C-83EF-586CC0994F27}"/>
               </a:ext>
             </a:extLst>
           </p:cNvPr>
@@ -10048,1002 +12230,84 @@
           <p:nvPr/>
         </p:nvCxnSpPr>
         <p:spPr>
-          <a:xfrm flipH="1">
-            <a:off x="3777005" y="815804"/>
-            <a:ext cx="1404928" cy="0"/>
+          <a:xfrm flipH="1" flipV="1">
+            <a:off x="4124327" y="2190751"/>
+            <a:ext cx="299692" cy="674029"/>
           </a:xfrm>
           <a:prstGeom prst="straightConnector1">
             <a:avLst/>
           </a:prstGeom>
-          <a:ln>
+          <a:ln w="34925">
+            <a:solidFill>
+              <a:schemeClr val="accent2"/>
+            </a:solidFill>
             <a:tailEnd type="triangle"/>
           </a:ln>
         </p:spPr>
         <p:style>
           <a:lnRef idx="1">
-            <a:schemeClr val="accent2"/>
+            <a:schemeClr val="accent1"/>
           </a:lnRef>
           <a:fillRef idx="0">
-            <a:schemeClr val="accent2"/>
+            <a:schemeClr val="accent1"/>
           </a:fillRef>
           <a:effectRef idx="0">
-            <a:schemeClr val="accent2"/>
+            <a:schemeClr val="accent1"/>
           </a:effectRef>
           <a:fontRef idx="minor">
             <a:schemeClr val="tx1"/>
           </a:fontRef>
         </p:style>
       </p:cxnSp>
-      <p:sp>
-        <p:nvSpPr>
-          <p:cNvPr id="11" name="Text Box 2">
-            <a:extLst>
-              <a:ext uri="{FF2B5EF4-FFF2-40B4-BE49-F238E27FC236}">
-                <a16:creationId xmlns:a16="http://schemas.microsoft.com/office/drawing/2014/main" id="{6C870D41-80E3-4DB5-8924-84B4DA42F0A9}"/>
-              </a:ext>
-            </a:extLst>
-          </p:cNvPr>
-          <p:cNvSpPr txBox="1">
-            <a:spLocks noChangeArrowheads="1"/>
-          </p:cNvSpPr>
-          <p:nvPr/>
-        </p:nvSpPr>
-        <p:spPr bwMode="auto">
-          <a:xfrm>
-            <a:off x="3701988" y="1764798"/>
-            <a:ext cx="5281756" cy="337353"/>
-          </a:xfrm>
-          <a:prstGeom prst="rect">
-            <a:avLst/>
-          </a:prstGeom>
-          <a:solidFill>
-            <a:schemeClr val="accent2"/>
-          </a:solidFill>
-          <a:ln w="9525">
-            <a:solidFill>
-              <a:srgbClr val="000000"/>
-            </a:solidFill>
-            <a:miter lim="800000"/>
-            <a:headEnd/>
-            <a:tailEnd/>
-          </a:ln>
-        </p:spPr>
-        <p:txBody>
-          <a:bodyPr rot="0" vert="horz" wrap="square" lIns="91440" tIns="45720" rIns="91440" bIns="45720" anchor="t" anchorCtr="0">
-            <a:noAutofit/>
-          </a:bodyPr>
-          <a:lstStyle/>
-          <a:p>
-            <a:pPr>
-              <a:lnSpc>
-                <a:spcPct val="107000"/>
-              </a:lnSpc>
-              <a:spcAft>
-                <a:spcPts val="800"/>
-              </a:spcAft>
-            </a:pPr>
-            <a:r>
-              <a:rPr lang="en-SG" sz="1200" b="1" dirty="0">
-                <a:solidFill>
-                  <a:schemeClr val="bg1"/>
-                </a:solidFill>
-                <a:latin typeface="Arial Nova Cond" panose="020B0506020202020204" pitchFamily="34" charset="0"/>
-                <a:ea typeface="Calibri" panose="020F0502020204030204" pitchFamily="34" charset="0"/>
-                <a:cs typeface="Times New Roman" panose="02020603050405020304" pitchFamily="18" charset="0"/>
-              </a:rPr>
-              <a:t>2. The input gets automatically translated to today’s date in DD/MM/YYYY format.</a:t>
-            </a:r>
-            <a:endParaRPr lang="en-SG" sz="1200" dirty="0">
-              <a:solidFill>
-                <a:schemeClr val="bg1"/>
-              </a:solidFill>
-              <a:effectLst/>
-              <a:latin typeface="Calibri" panose="020F0502020204030204" pitchFamily="34" charset="0"/>
-              <a:ea typeface="Calibri" panose="020F0502020204030204" pitchFamily="34" charset="0"/>
-              <a:cs typeface="Times New Roman" panose="02020603050405020304" pitchFamily="18" charset="0"/>
-            </a:endParaRPr>
-          </a:p>
-        </p:txBody>
-      </p:sp>
       <p:cxnSp>
         <p:nvCxnSpPr>
-          <p:cNvPr id="13" name="Straight Arrow Connector 12">
-            <a:extLst>
-              <a:ext uri="{FF2B5EF4-FFF2-40B4-BE49-F238E27FC236}">
-                <a16:creationId xmlns:a16="http://schemas.microsoft.com/office/drawing/2014/main" id="{FD29C48E-5FEF-48C7-84BC-A0C6BE03D08E}"/>
+          <p:cNvPr id="46" name="Straight Arrow Connector 45">
+            <a:extLst>
+              <a:ext uri="{FF2B5EF4-FFF2-40B4-BE49-F238E27FC236}">
+                <a16:creationId xmlns:a16="http://schemas.microsoft.com/office/drawing/2014/main" id="{CA7C0367-8B9B-4843-BC31-40260B582924}"/>
               </a:ext>
             </a:extLst>
           </p:cNvPr>
           <p:cNvCxnSpPr>
             <a:cxnSpLocks/>
-            <a:stCxn id="11" idx="1"/>
+            <a:stCxn id="57" idx="3"/>
           </p:cNvCxnSpPr>
           <p:nvPr/>
         </p:nvCxnSpPr>
         <p:spPr>
-          <a:xfrm flipH="1">
-            <a:off x="1687398" y="1933475"/>
-            <a:ext cx="2014590" cy="8447"/>
+          <a:xfrm flipV="1">
+            <a:off x="6096000" y="1990726"/>
+            <a:ext cx="222613" cy="874054"/>
           </a:xfrm>
           <a:prstGeom prst="straightConnector1">
             <a:avLst/>
           </a:prstGeom>
-          <a:ln>
+          <a:ln w="34925">
+            <a:solidFill>
+              <a:schemeClr val="accent2"/>
+            </a:solidFill>
             <a:tailEnd type="triangle"/>
           </a:ln>
         </p:spPr>
         <p:style>
           <a:lnRef idx="1">
-            <a:schemeClr val="accent2"/>
+            <a:schemeClr val="accent1"/>
           </a:lnRef>
           <a:fillRef idx="0">
-            <a:schemeClr val="accent2"/>
+            <a:schemeClr val="accent1"/>
           </a:fillRef>
           <a:effectRef idx="0">
-            <a:schemeClr val="accent2"/>
+            <a:schemeClr val="accent1"/>
           </a:effectRef>
           <a:fontRef idx="minor">
             <a:schemeClr val="tx1"/>
           </a:fontRef>
         </p:style>
       </p:cxnSp>
-      <p:pic>
-        <p:nvPicPr>
-          <p:cNvPr id="14" name="Picture 13">
-            <a:extLst>
-              <a:ext uri="{FF2B5EF4-FFF2-40B4-BE49-F238E27FC236}">
-                <a16:creationId xmlns:a16="http://schemas.microsoft.com/office/drawing/2014/main" id="{670FC78B-0DB5-46D6-8CA2-31761E278AF2}"/>
-              </a:ext>
-            </a:extLst>
-          </p:cNvPr>
-          <p:cNvPicPr>
-            <a:picLocks noChangeAspect="1"/>
-          </p:cNvPicPr>
-          <p:nvPr/>
-        </p:nvPicPr>
-        <p:blipFill rotWithShape="1">
-          <a:blip r:embed="rId3"/>
-          <a:srcRect b="77041"/>
-          <a:stretch/>
-        </p:blipFill>
-        <p:spPr>
-          <a:xfrm>
-            <a:off x="0" y="2314194"/>
-            <a:ext cx="12192000" cy="2149200"/>
-          </a:xfrm>
-          <a:prstGeom prst="rect">
-            <a:avLst/>
-          </a:prstGeom>
-          <a:ln w="28575">
-            <a:solidFill>
-              <a:schemeClr val="tx1"/>
-            </a:solidFill>
-          </a:ln>
-        </p:spPr>
-      </p:pic>
-      <p:sp>
-        <p:nvSpPr>
-          <p:cNvPr id="15" name="TextBox 14">
-            <a:extLst>
-              <a:ext uri="{FF2B5EF4-FFF2-40B4-BE49-F238E27FC236}">
-                <a16:creationId xmlns:a16="http://schemas.microsoft.com/office/drawing/2014/main" id="{55CE3AF9-F284-461C-BA0A-F07BCEBBE27E}"/>
-              </a:ext>
-            </a:extLst>
-          </p:cNvPr>
-          <p:cNvSpPr txBox="1"/>
-          <p:nvPr/>
-        </p:nvSpPr>
-        <p:spPr>
-          <a:xfrm>
-            <a:off x="2458093" y="2999106"/>
-            <a:ext cx="769856" cy="369332"/>
-          </a:xfrm>
-          <a:prstGeom prst="rect">
-            <a:avLst/>
-          </a:prstGeom>
-          <a:noFill/>
-          <a:ln w="38100">
-            <a:solidFill>
-              <a:schemeClr val="accent2"/>
-            </a:solidFill>
-          </a:ln>
-        </p:spPr>
-        <p:txBody>
-          <a:bodyPr wrap="square" rtlCol="0">
-            <a:spAutoFit/>
-          </a:bodyPr>
-          <a:lstStyle/>
-          <a:p>
-            <a:endParaRPr lang="en-SG" dirty="0"/>
-          </a:p>
-        </p:txBody>
-      </p:sp>
-      <p:sp>
-        <p:nvSpPr>
-          <p:cNvPr id="16" name="TextBox 15">
-            <a:extLst>
-              <a:ext uri="{FF2B5EF4-FFF2-40B4-BE49-F238E27FC236}">
-                <a16:creationId xmlns:a16="http://schemas.microsoft.com/office/drawing/2014/main" id="{382482ED-FAD3-4D14-8B1F-4047C1BC3FC0}"/>
-              </a:ext>
-            </a:extLst>
-          </p:cNvPr>
-          <p:cNvSpPr txBox="1"/>
-          <p:nvPr/>
-        </p:nvSpPr>
-        <p:spPr>
-          <a:xfrm>
-            <a:off x="0" y="4094062"/>
-            <a:ext cx="1621410" cy="369332"/>
-          </a:xfrm>
-          <a:prstGeom prst="rect">
-            <a:avLst/>
-          </a:prstGeom>
-          <a:noFill/>
-          <a:ln w="38100">
-            <a:solidFill>
-              <a:schemeClr val="accent2"/>
-            </a:solidFill>
-          </a:ln>
-        </p:spPr>
-        <p:txBody>
-          <a:bodyPr wrap="square" rtlCol="0">
-            <a:spAutoFit/>
-          </a:bodyPr>
-          <a:lstStyle/>
-          <a:p>
-            <a:endParaRPr lang="en-SG" dirty="0"/>
-          </a:p>
-        </p:txBody>
-      </p:sp>
-      <p:sp>
-        <p:nvSpPr>
-          <p:cNvPr id="17" name="Text Box 2">
-            <a:extLst>
-              <a:ext uri="{FF2B5EF4-FFF2-40B4-BE49-F238E27FC236}">
-                <a16:creationId xmlns:a16="http://schemas.microsoft.com/office/drawing/2014/main" id="{083A14B9-CE02-4592-BC8F-B840A5077109}"/>
-              </a:ext>
-            </a:extLst>
-          </p:cNvPr>
-          <p:cNvSpPr txBox="1">
-            <a:spLocks noChangeArrowheads="1"/>
-          </p:cNvSpPr>
-          <p:nvPr/>
-        </p:nvSpPr>
-        <p:spPr bwMode="auto">
-          <a:xfrm>
-            <a:off x="4761159" y="2965340"/>
-            <a:ext cx="4207164" cy="337353"/>
-          </a:xfrm>
-          <a:prstGeom prst="rect">
-            <a:avLst/>
-          </a:prstGeom>
-          <a:solidFill>
-            <a:schemeClr val="accent2"/>
-          </a:solidFill>
-          <a:ln w="9525">
-            <a:solidFill>
-              <a:srgbClr val="000000"/>
-            </a:solidFill>
-            <a:miter lim="800000"/>
-            <a:headEnd/>
-            <a:tailEnd/>
-          </a:ln>
-        </p:spPr>
-        <p:txBody>
-          <a:bodyPr rot="0" vert="horz" wrap="square" lIns="91440" tIns="45720" rIns="91440" bIns="45720" anchor="t" anchorCtr="0">
-            <a:noAutofit/>
-          </a:bodyPr>
-          <a:lstStyle/>
-          <a:p>
-            <a:pPr>
-              <a:lnSpc>
-                <a:spcPct val="107000"/>
-              </a:lnSpc>
-              <a:spcAft>
-                <a:spcPts val="800"/>
-              </a:spcAft>
-            </a:pPr>
-            <a:r>
-              <a:rPr lang="en-SG" sz="1200" b="1" dirty="0">
-                <a:solidFill>
-                  <a:schemeClr val="bg1"/>
-                </a:solidFill>
-                <a:latin typeface="Arial Nova Cond" panose="020B0506020202020204" pitchFamily="34" charset="0"/>
-                <a:ea typeface="Calibri" panose="020F0502020204030204" pitchFamily="34" charset="0"/>
-                <a:cs typeface="Times New Roman" panose="02020603050405020304" pitchFamily="18" charset="0"/>
-              </a:rPr>
-              <a:t>1. User has typed in “tomorrow” as the start date of the project.</a:t>
-            </a:r>
-            <a:endParaRPr lang="en-SG" sz="1200" dirty="0">
-              <a:solidFill>
-                <a:schemeClr val="bg1"/>
-              </a:solidFill>
-              <a:effectLst/>
-              <a:latin typeface="Calibri" panose="020F0502020204030204" pitchFamily="34" charset="0"/>
-              <a:ea typeface="Calibri" panose="020F0502020204030204" pitchFamily="34" charset="0"/>
-              <a:cs typeface="Times New Roman" panose="02020603050405020304" pitchFamily="18" charset="0"/>
-            </a:endParaRPr>
-          </a:p>
-        </p:txBody>
-      </p:sp>
-      <p:cxnSp>
-        <p:nvCxnSpPr>
-          <p:cNvPr id="18" name="Straight Arrow Connector 17">
-            <a:extLst>
-              <a:ext uri="{FF2B5EF4-FFF2-40B4-BE49-F238E27FC236}">
-                <a16:creationId xmlns:a16="http://schemas.microsoft.com/office/drawing/2014/main" id="{C9685AB7-0455-46D0-B7FE-78AAE85A3FC8}"/>
-              </a:ext>
-            </a:extLst>
-          </p:cNvPr>
-          <p:cNvCxnSpPr>
-            <a:cxnSpLocks/>
-            <a:stCxn id="17" idx="1"/>
-          </p:cNvCxnSpPr>
-          <p:nvPr/>
-        </p:nvCxnSpPr>
-        <p:spPr>
-          <a:xfrm flipH="1" flipV="1">
-            <a:off x="4023919" y="3134016"/>
-            <a:ext cx="737240" cy="1"/>
-          </a:xfrm>
-          <a:prstGeom prst="straightConnector1">
-            <a:avLst/>
-          </a:prstGeom>
-          <a:ln>
-            <a:tailEnd type="triangle"/>
-          </a:ln>
-        </p:spPr>
-        <p:style>
-          <a:lnRef idx="1">
-            <a:schemeClr val="accent2"/>
-          </a:lnRef>
-          <a:fillRef idx="0">
-            <a:schemeClr val="accent2"/>
-          </a:fillRef>
-          <a:effectRef idx="0">
-            <a:schemeClr val="accent2"/>
-          </a:effectRef>
-          <a:fontRef idx="minor">
-            <a:schemeClr val="tx1"/>
-          </a:fontRef>
-        </p:style>
-      </p:cxnSp>
-      <p:sp>
-        <p:nvSpPr>
-          <p:cNvPr id="20" name="Text Box 2">
-            <a:extLst>
-              <a:ext uri="{FF2B5EF4-FFF2-40B4-BE49-F238E27FC236}">
-                <a16:creationId xmlns:a16="http://schemas.microsoft.com/office/drawing/2014/main" id="{0BC2D9CB-2659-451C-8382-8A2DAF9C3508}"/>
-              </a:ext>
-            </a:extLst>
-          </p:cNvPr>
-          <p:cNvSpPr txBox="1">
-            <a:spLocks noChangeArrowheads="1"/>
-          </p:cNvSpPr>
-          <p:nvPr/>
-        </p:nvSpPr>
-        <p:spPr bwMode="auto">
-          <a:xfrm>
-            <a:off x="3386239" y="4122515"/>
-            <a:ext cx="5597506" cy="337353"/>
-          </a:xfrm>
-          <a:prstGeom prst="rect">
-            <a:avLst/>
-          </a:prstGeom>
-          <a:solidFill>
-            <a:schemeClr val="accent2"/>
-          </a:solidFill>
-          <a:ln w="9525">
-            <a:solidFill>
-              <a:srgbClr val="000000"/>
-            </a:solidFill>
-            <a:miter lim="800000"/>
-            <a:headEnd/>
-            <a:tailEnd/>
-          </a:ln>
-        </p:spPr>
-        <p:txBody>
-          <a:bodyPr rot="0" vert="horz" wrap="square" lIns="91440" tIns="45720" rIns="91440" bIns="45720" anchor="t" anchorCtr="0">
-            <a:noAutofit/>
-          </a:bodyPr>
-          <a:lstStyle/>
-          <a:p>
-            <a:pPr>
-              <a:lnSpc>
-                <a:spcPct val="107000"/>
-              </a:lnSpc>
-              <a:spcAft>
-                <a:spcPts val="800"/>
-              </a:spcAft>
-            </a:pPr>
-            <a:r>
-              <a:rPr lang="en-SG" sz="1200" b="1" dirty="0">
-                <a:solidFill>
-                  <a:schemeClr val="bg1"/>
-                </a:solidFill>
-                <a:latin typeface="Arial Nova Cond" panose="020B0506020202020204" pitchFamily="34" charset="0"/>
-                <a:ea typeface="Calibri" panose="020F0502020204030204" pitchFamily="34" charset="0"/>
-                <a:cs typeface="Times New Roman" panose="02020603050405020304" pitchFamily="18" charset="0"/>
-              </a:rPr>
-              <a:t>2. The input gets automatically translated to tomorrow’s date in DD/MM/YYYY format.</a:t>
-            </a:r>
-            <a:endParaRPr lang="en-SG" sz="1200" dirty="0">
-              <a:solidFill>
-                <a:schemeClr val="bg1"/>
-              </a:solidFill>
-              <a:effectLst/>
-              <a:latin typeface="Calibri" panose="020F0502020204030204" pitchFamily="34" charset="0"/>
-              <a:ea typeface="Calibri" panose="020F0502020204030204" pitchFamily="34" charset="0"/>
-              <a:cs typeface="Times New Roman" panose="02020603050405020304" pitchFamily="18" charset="0"/>
-            </a:endParaRPr>
-          </a:p>
-        </p:txBody>
-      </p:sp>
-      <p:cxnSp>
-        <p:nvCxnSpPr>
-          <p:cNvPr id="21" name="Straight Arrow Connector 20">
-            <a:extLst>
-              <a:ext uri="{FF2B5EF4-FFF2-40B4-BE49-F238E27FC236}">
-                <a16:creationId xmlns:a16="http://schemas.microsoft.com/office/drawing/2014/main" id="{63153747-F7EF-4EA0-9951-35064829F4ED}"/>
-              </a:ext>
-            </a:extLst>
-          </p:cNvPr>
-          <p:cNvCxnSpPr>
-            <a:cxnSpLocks/>
-          </p:cNvCxnSpPr>
-          <p:nvPr/>
-        </p:nvCxnSpPr>
-        <p:spPr>
-          <a:xfrm flipH="1">
-            <a:off x="1687399" y="4291192"/>
-            <a:ext cx="1698840" cy="0"/>
-          </a:xfrm>
-          <a:prstGeom prst="straightConnector1">
-            <a:avLst/>
-          </a:prstGeom>
-          <a:ln>
-            <a:tailEnd type="triangle"/>
-          </a:ln>
-        </p:spPr>
-        <p:style>
-          <a:lnRef idx="1">
-            <a:schemeClr val="accent2"/>
-          </a:lnRef>
-          <a:fillRef idx="0">
-            <a:schemeClr val="accent2"/>
-          </a:fillRef>
-          <a:effectRef idx="0">
-            <a:schemeClr val="accent2"/>
-          </a:effectRef>
-          <a:fontRef idx="minor">
-            <a:schemeClr val="tx1"/>
-          </a:fontRef>
-        </p:style>
-      </p:cxnSp>
-      <p:pic>
-        <p:nvPicPr>
-          <p:cNvPr id="33" name="Picture 32">
-            <a:extLst>
-              <a:ext uri="{FF2B5EF4-FFF2-40B4-BE49-F238E27FC236}">
-                <a16:creationId xmlns:a16="http://schemas.microsoft.com/office/drawing/2014/main" id="{DD631BBA-0E3E-43E2-8500-21F676AF9031}"/>
-              </a:ext>
-            </a:extLst>
-          </p:cNvPr>
-          <p:cNvPicPr>
-            <a:picLocks noChangeAspect="1"/>
-          </p:cNvPicPr>
-          <p:nvPr/>
-        </p:nvPicPr>
-        <p:blipFill rotWithShape="1">
-          <a:blip r:embed="rId4"/>
-          <a:srcRect b="77041"/>
-          <a:stretch/>
-        </p:blipFill>
-        <p:spPr>
-          <a:xfrm>
-            <a:off x="0" y="4708799"/>
-            <a:ext cx="12192000" cy="2149200"/>
-          </a:xfrm>
-          <a:prstGeom prst="rect">
-            <a:avLst/>
-          </a:prstGeom>
-          <a:ln w="28575">
-            <a:solidFill>
-              <a:schemeClr val="tx1"/>
-            </a:solidFill>
-          </a:ln>
-        </p:spPr>
-      </p:pic>
-      <p:sp>
-        <p:nvSpPr>
-          <p:cNvPr id="39" name="TextBox 38">
-            <a:extLst>
-              <a:ext uri="{FF2B5EF4-FFF2-40B4-BE49-F238E27FC236}">
-                <a16:creationId xmlns:a16="http://schemas.microsoft.com/office/drawing/2014/main" id="{5EAFB21D-2263-4C83-B022-5334B380B6D5}"/>
-              </a:ext>
-            </a:extLst>
-          </p:cNvPr>
-          <p:cNvSpPr txBox="1"/>
-          <p:nvPr/>
-        </p:nvSpPr>
-        <p:spPr>
-          <a:xfrm>
-            <a:off x="2308194" y="5345436"/>
-            <a:ext cx="727969" cy="380661"/>
-          </a:xfrm>
-          <a:prstGeom prst="rect">
-            <a:avLst/>
-          </a:prstGeom>
-          <a:noFill/>
-          <a:ln w="38100">
-            <a:solidFill>
-              <a:schemeClr val="accent2"/>
-            </a:solidFill>
-          </a:ln>
-        </p:spPr>
-        <p:txBody>
-          <a:bodyPr wrap="square" rtlCol="0">
-            <a:spAutoFit/>
-          </a:bodyPr>
-          <a:lstStyle/>
-          <a:p>
-            <a:endParaRPr lang="en-SG" dirty="0"/>
-          </a:p>
-        </p:txBody>
-      </p:sp>
-      <p:sp>
-        <p:nvSpPr>
-          <p:cNvPr id="40" name="TextBox 39">
-            <a:extLst>
-              <a:ext uri="{FF2B5EF4-FFF2-40B4-BE49-F238E27FC236}">
-                <a16:creationId xmlns:a16="http://schemas.microsoft.com/office/drawing/2014/main" id="{17AB54A9-6339-48EA-8C56-94181E3182C6}"/>
-              </a:ext>
-            </a:extLst>
-          </p:cNvPr>
-          <p:cNvSpPr txBox="1"/>
-          <p:nvPr/>
-        </p:nvSpPr>
-        <p:spPr>
-          <a:xfrm>
-            <a:off x="0" y="6488667"/>
-            <a:ext cx="1621410" cy="369332"/>
-          </a:xfrm>
-          <a:prstGeom prst="rect">
-            <a:avLst/>
-          </a:prstGeom>
-          <a:noFill/>
-          <a:ln w="38100">
-            <a:solidFill>
-              <a:schemeClr val="accent2"/>
-            </a:solidFill>
-          </a:ln>
-        </p:spPr>
-        <p:txBody>
-          <a:bodyPr wrap="square" rtlCol="0">
-            <a:spAutoFit/>
-          </a:bodyPr>
-          <a:lstStyle/>
-          <a:p>
-            <a:endParaRPr lang="en-SG" dirty="0"/>
-          </a:p>
-        </p:txBody>
-      </p:sp>
-      <p:sp>
-        <p:nvSpPr>
-          <p:cNvPr id="41" name="Text Box 2">
-            <a:extLst>
-              <a:ext uri="{FF2B5EF4-FFF2-40B4-BE49-F238E27FC236}">
-                <a16:creationId xmlns:a16="http://schemas.microsoft.com/office/drawing/2014/main" id="{315BC484-2334-41CF-9937-44090B5E1785}"/>
-              </a:ext>
-            </a:extLst>
-          </p:cNvPr>
-          <p:cNvSpPr txBox="1">
-            <a:spLocks noChangeArrowheads="1"/>
-          </p:cNvSpPr>
-          <p:nvPr/>
-        </p:nvSpPr>
-        <p:spPr bwMode="auto">
-          <a:xfrm>
-            <a:off x="4776580" y="5347655"/>
-            <a:ext cx="4207164" cy="337353"/>
-          </a:xfrm>
-          <a:prstGeom prst="rect">
-            <a:avLst/>
-          </a:prstGeom>
-          <a:solidFill>
-            <a:schemeClr val="accent2"/>
-          </a:solidFill>
-          <a:ln w="9525">
-            <a:solidFill>
-              <a:srgbClr val="000000"/>
-            </a:solidFill>
-            <a:miter lim="800000"/>
-            <a:headEnd/>
-            <a:tailEnd/>
-          </a:ln>
-        </p:spPr>
-        <p:txBody>
-          <a:bodyPr rot="0" vert="horz" wrap="square" lIns="91440" tIns="45720" rIns="91440" bIns="45720" anchor="t" anchorCtr="0">
-            <a:noAutofit/>
-          </a:bodyPr>
-          <a:lstStyle/>
-          <a:p>
-            <a:pPr>
-              <a:lnSpc>
-                <a:spcPct val="107000"/>
-              </a:lnSpc>
-              <a:spcAft>
-                <a:spcPts val="800"/>
-              </a:spcAft>
-            </a:pPr>
-            <a:r>
-              <a:rPr lang="en-SG" sz="1200" b="1" dirty="0">
-                <a:solidFill>
-                  <a:schemeClr val="bg1"/>
-                </a:solidFill>
-                <a:latin typeface="Arial Nova Cond" panose="020B0506020202020204" pitchFamily="34" charset="0"/>
-                <a:ea typeface="Calibri" panose="020F0502020204030204" pitchFamily="34" charset="0"/>
-                <a:cs typeface="Times New Roman" panose="02020603050405020304" pitchFamily="18" charset="0"/>
-              </a:rPr>
-              <a:t>1. User has typed in “yesterday” as the start date of the project.</a:t>
-            </a:r>
-            <a:endParaRPr lang="en-SG" sz="1200" dirty="0">
-              <a:solidFill>
-                <a:schemeClr val="bg1"/>
-              </a:solidFill>
-              <a:effectLst/>
-              <a:latin typeface="Calibri" panose="020F0502020204030204" pitchFamily="34" charset="0"/>
-              <a:ea typeface="Calibri" panose="020F0502020204030204" pitchFamily="34" charset="0"/>
-              <a:cs typeface="Times New Roman" panose="02020603050405020304" pitchFamily="18" charset="0"/>
-            </a:endParaRPr>
-          </a:p>
-        </p:txBody>
-      </p:sp>
-      <p:cxnSp>
-        <p:nvCxnSpPr>
-          <p:cNvPr id="42" name="Straight Arrow Connector 41">
-            <a:extLst>
-              <a:ext uri="{FF2B5EF4-FFF2-40B4-BE49-F238E27FC236}">
-                <a16:creationId xmlns:a16="http://schemas.microsoft.com/office/drawing/2014/main" id="{BC073C4A-43A7-4185-BD9A-6864B1AC9E24}"/>
-              </a:ext>
-            </a:extLst>
-          </p:cNvPr>
-          <p:cNvCxnSpPr>
-            <a:cxnSpLocks/>
-          </p:cNvCxnSpPr>
-          <p:nvPr/>
-        </p:nvCxnSpPr>
-        <p:spPr>
-          <a:xfrm flipH="1" flipV="1">
-            <a:off x="3879542" y="5516331"/>
-            <a:ext cx="881619" cy="1"/>
-          </a:xfrm>
-          <a:prstGeom prst="straightConnector1">
-            <a:avLst/>
-          </a:prstGeom>
-          <a:ln>
-            <a:tailEnd type="triangle"/>
-          </a:ln>
-        </p:spPr>
-        <p:style>
-          <a:lnRef idx="1">
-            <a:schemeClr val="accent2"/>
-          </a:lnRef>
-          <a:fillRef idx="0">
-            <a:schemeClr val="accent2"/>
-          </a:fillRef>
-          <a:effectRef idx="0">
-            <a:schemeClr val="accent2"/>
-          </a:effectRef>
-          <a:fontRef idx="minor">
-            <a:schemeClr val="tx1"/>
-          </a:fontRef>
-        </p:style>
-      </p:cxnSp>
-      <p:sp>
-        <p:nvSpPr>
-          <p:cNvPr id="46" name="Text Box 2">
-            <a:extLst>
-              <a:ext uri="{FF2B5EF4-FFF2-40B4-BE49-F238E27FC236}">
-                <a16:creationId xmlns:a16="http://schemas.microsoft.com/office/drawing/2014/main" id="{4FB4D075-03AA-47EF-A287-C1265E95D04D}"/>
-              </a:ext>
-            </a:extLst>
-          </p:cNvPr>
-          <p:cNvSpPr txBox="1">
-            <a:spLocks noChangeArrowheads="1"/>
-          </p:cNvSpPr>
-          <p:nvPr/>
-        </p:nvSpPr>
-        <p:spPr bwMode="auto">
-          <a:xfrm>
-            <a:off x="3386239" y="6436866"/>
-            <a:ext cx="5597506" cy="337353"/>
-          </a:xfrm>
-          <a:prstGeom prst="rect">
-            <a:avLst/>
-          </a:prstGeom>
-          <a:solidFill>
-            <a:schemeClr val="accent2"/>
-          </a:solidFill>
-          <a:ln w="9525">
-            <a:solidFill>
-              <a:srgbClr val="000000"/>
-            </a:solidFill>
-            <a:miter lim="800000"/>
-            <a:headEnd/>
-            <a:tailEnd/>
-          </a:ln>
-        </p:spPr>
-        <p:txBody>
-          <a:bodyPr rot="0" vert="horz" wrap="square" lIns="91440" tIns="45720" rIns="91440" bIns="45720" anchor="t" anchorCtr="0">
-            <a:noAutofit/>
-          </a:bodyPr>
-          <a:lstStyle/>
-          <a:p>
-            <a:pPr>
-              <a:lnSpc>
-                <a:spcPct val="107000"/>
-              </a:lnSpc>
-              <a:spcAft>
-                <a:spcPts val="800"/>
-              </a:spcAft>
-            </a:pPr>
-            <a:r>
-              <a:rPr lang="en-SG" sz="1200" b="1" dirty="0">
-                <a:solidFill>
-                  <a:schemeClr val="bg1"/>
-                </a:solidFill>
-                <a:latin typeface="Arial Nova Cond" panose="020B0506020202020204" pitchFamily="34" charset="0"/>
-                <a:ea typeface="Calibri" panose="020F0502020204030204" pitchFamily="34" charset="0"/>
-                <a:cs typeface="Times New Roman" panose="02020603050405020304" pitchFamily="18" charset="0"/>
-              </a:rPr>
-              <a:t>2. The input gets automatically translated to yesterday’s date in DD/MM/YYYY format.</a:t>
-            </a:r>
-            <a:endParaRPr lang="en-SG" sz="1200" dirty="0">
-              <a:solidFill>
-                <a:schemeClr val="bg1"/>
-              </a:solidFill>
-              <a:effectLst/>
-              <a:latin typeface="Calibri" panose="020F0502020204030204" pitchFamily="34" charset="0"/>
-              <a:ea typeface="Calibri" panose="020F0502020204030204" pitchFamily="34" charset="0"/>
-              <a:cs typeface="Times New Roman" panose="02020603050405020304" pitchFamily="18" charset="0"/>
-            </a:endParaRPr>
-          </a:p>
-        </p:txBody>
-      </p:sp>
-      <p:cxnSp>
-        <p:nvCxnSpPr>
-          <p:cNvPr id="47" name="Straight Arrow Connector 46">
-            <a:extLst>
-              <a:ext uri="{FF2B5EF4-FFF2-40B4-BE49-F238E27FC236}">
-                <a16:creationId xmlns:a16="http://schemas.microsoft.com/office/drawing/2014/main" id="{CF78BE78-E149-4C61-9951-D600A9740339}"/>
-              </a:ext>
-            </a:extLst>
-          </p:cNvPr>
-          <p:cNvCxnSpPr>
-            <a:cxnSpLocks/>
-          </p:cNvCxnSpPr>
-          <p:nvPr/>
-        </p:nvCxnSpPr>
-        <p:spPr>
-          <a:xfrm flipH="1">
-            <a:off x="1687399" y="6610299"/>
-            <a:ext cx="1698840" cy="0"/>
-          </a:xfrm>
-          <a:prstGeom prst="straightConnector1">
-            <a:avLst/>
-          </a:prstGeom>
-          <a:ln>
-            <a:tailEnd type="triangle"/>
-          </a:ln>
-        </p:spPr>
-        <p:style>
-          <a:lnRef idx="1">
-            <a:schemeClr val="accent2"/>
-          </a:lnRef>
-          <a:fillRef idx="0">
-            <a:schemeClr val="accent2"/>
-          </a:fillRef>
-          <a:effectRef idx="0">
-            <a:schemeClr val="accent2"/>
-          </a:effectRef>
-          <a:fontRef idx="minor">
-            <a:schemeClr val="tx1"/>
-          </a:fontRef>
-        </p:style>
-      </p:cxnSp>
-      <p:sp>
-        <p:nvSpPr>
-          <p:cNvPr id="50" name="TextBox 49">
-            <a:extLst>
-              <a:ext uri="{FF2B5EF4-FFF2-40B4-BE49-F238E27FC236}">
-                <a16:creationId xmlns:a16="http://schemas.microsoft.com/office/drawing/2014/main" id="{B5E0AD04-9440-41C2-B4FB-B72E1A42A126}"/>
-              </a:ext>
-            </a:extLst>
-          </p:cNvPr>
-          <p:cNvSpPr txBox="1"/>
-          <p:nvPr/>
-        </p:nvSpPr>
-        <p:spPr>
-          <a:xfrm>
-            <a:off x="9223900" y="1109709"/>
-            <a:ext cx="2192783" cy="369332"/>
-          </a:xfrm>
-          <a:prstGeom prst="rect">
-            <a:avLst/>
-          </a:prstGeom>
-          <a:solidFill>
-            <a:schemeClr val="accent2"/>
-          </a:solidFill>
-          <a:ln>
-            <a:solidFill>
-              <a:schemeClr val="tx1"/>
-            </a:solidFill>
-          </a:ln>
-        </p:spPr>
-        <p:txBody>
-          <a:bodyPr wrap="square" rtlCol="0">
-            <a:spAutoFit/>
-          </a:bodyPr>
-          <a:lstStyle/>
-          <a:p>
-            <a:r>
-              <a:rPr lang="en-SG" b="1" dirty="0">
-                <a:solidFill>
-                  <a:schemeClr val="bg1"/>
-                </a:solidFill>
-                <a:latin typeface="Arial Nova Cond" panose="020B0506020202020204" pitchFamily="34" charset="0"/>
-              </a:rPr>
-              <a:t>Example 1: Today</a:t>
-            </a:r>
-          </a:p>
-        </p:txBody>
-      </p:sp>
-      <p:sp>
-        <p:nvSpPr>
-          <p:cNvPr id="51" name="TextBox 50">
-            <a:extLst>
-              <a:ext uri="{FF2B5EF4-FFF2-40B4-BE49-F238E27FC236}">
-                <a16:creationId xmlns:a16="http://schemas.microsoft.com/office/drawing/2014/main" id="{5B1329EE-3A70-40B4-89B8-2C228E21CD4F}"/>
-              </a:ext>
-            </a:extLst>
-          </p:cNvPr>
-          <p:cNvSpPr txBox="1"/>
-          <p:nvPr/>
-        </p:nvSpPr>
-        <p:spPr>
-          <a:xfrm>
-            <a:off x="9223898" y="5860742"/>
-            <a:ext cx="2192785" cy="369332"/>
-          </a:xfrm>
-          <a:prstGeom prst="rect">
-            <a:avLst/>
-          </a:prstGeom>
-          <a:solidFill>
-            <a:schemeClr val="accent2"/>
-          </a:solidFill>
-          <a:ln>
-            <a:solidFill>
-              <a:schemeClr val="tx1"/>
-            </a:solidFill>
-          </a:ln>
-        </p:spPr>
-        <p:txBody>
-          <a:bodyPr wrap="square" rtlCol="0">
-            <a:spAutoFit/>
-          </a:bodyPr>
-          <a:lstStyle/>
-          <a:p>
-            <a:r>
-              <a:rPr lang="en-SG" b="1" dirty="0">
-                <a:solidFill>
-                  <a:schemeClr val="bg1"/>
-                </a:solidFill>
-                <a:latin typeface="Arial Nova Cond" panose="020B0506020202020204" pitchFamily="34" charset="0"/>
-              </a:rPr>
-              <a:t>Example 3: Yesterday</a:t>
-            </a:r>
-          </a:p>
-        </p:txBody>
-      </p:sp>
-      <p:sp>
-        <p:nvSpPr>
-          <p:cNvPr id="52" name="TextBox 51">
-            <a:extLst>
-              <a:ext uri="{FF2B5EF4-FFF2-40B4-BE49-F238E27FC236}">
-                <a16:creationId xmlns:a16="http://schemas.microsoft.com/office/drawing/2014/main" id="{BD6EE5F3-40AA-43B5-A283-8ECC99BD8746}"/>
-              </a:ext>
-            </a:extLst>
-          </p:cNvPr>
-          <p:cNvSpPr txBox="1"/>
-          <p:nvPr/>
-        </p:nvSpPr>
-        <p:spPr>
-          <a:xfrm>
-            <a:off x="9223898" y="3489833"/>
-            <a:ext cx="2192785" cy="369332"/>
-          </a:xfrm>
-          <a:prstGeom prst="rect">
-            <a:avLst/>
-          </a:prstGeom>
-          <a:solidFill>
-            <a:schemeClr val="accent2"/>
-          </a:solidFill>
-          <a:ln>
-            <a:solidFill>
-              <a:schemeClr val="tx1"/>
-            </a:solidFill>
-          </a:ln>
-        </p:spPr>
-        <p:txBody>
-          <a:bodyPr wrap="square" rtlCol="0">
-            <a:spAutoFit/>
-          </a:bodyPr>
-          <a:lstStyle/>
-          <a:p>
-            <a:r>
-              <a:rPr lang="en-SG" b="1" dirty="0">
-                <a:solidFill>
-                  <a:schemeClr val="bg1"/>
-                </a:solidFill>
-                <a:latin typeface="Arial Nova Cond" panose="020B0506020202020204" pitchFamily="34" charset="0"/>
-              </a:rPr>
-              <a:t>Example 2: Tomorrow</a:t>
-            </a:r>
-          </a:p>
-        </p:txBody>
-      </p:sp>
-      <p:sp>
-        <p:nvSpPr>
-          <p:cNvPr id="53" name="TextBox 52">
-            <a:extLst>
-              <a:ext uri="{FF2B5EF4-FFF2-40B4-BE49-F238E27FC236}">
-                <a16:creationId xmlns:a16="http://schemas.microsoft.com/office/drawing/2014/main" id="{7A6B68EC-FC61-45F5-AE8D-D50121FFB36A}"/>
-              </a:ext>
-            </a:extLst>
-          </p:cNvPr>
-          <p:cNvSpPr txBox="1"/>
-          <p:nvPr/>
-        </p:nvSpPr>
-        <p:spPr>
-          <a:xfrm>
-            <a:off x="3295540" y="-13798"/>
-            <a:ext cx="5778903" cy="369332"/>
-          </a:xfrm>
-          <a:prstGeom prst="rect">
-            <a:avLst/>
-          </a:prstGeom>
-          <a:solidFill>
-            <a:schemeClr val="accent2"/>
-          </a:solidFill>
-          <a:ln>
-            <a:solidFill>
-              <a:schemeClr val="tx1"/>
-            </a:solidFill>
-          </a:ln>
-        </p:spPr>
-        <p:txBody>
-          <a:bodyPr wrap="square" rtlCol="0">
-            <a:spAutoFit/>
-          </a:bodyPr>
-          <a:lstStyle/>
-          <a:p>
-            <a:r>
-              <a:rPr lang="en-SG" b="1" dirty="0">
-                <a:solidFill>
-                  <a:schemeClr val="bg1"/>
-                </a:solidFill>
-                <a:latin typeface="Arial Nova Cond" panose="020B0506020202020204" pitchFamily="34" charset="0"/>
-              </a:rPr>
-              <a:t>Assuming current date is 12 April 2019 (12/04/2019), Friday</a:t>
-            </a:r>
-          </a:p>
-        </p:txBody>
-      </p:sp>
     </p:spTree>
     <p:extLst>
       <p:ext uri="{BB962C8B-B14F-4D97-AF65-F5344CB8AC3E}">
-        <p14:creationId xmlns:p14="http://schemas.microsoft.com/office/powerpoint/2010/main" val="1649825059"/>
+        <p14:creationId xmlns:p14="http://schemas.microsoft.com/office/powerpoint/2010/main" val="795782062"/>
       </p:ext>
     </p:extLst>
   </p:cSld>

--- a/docs/diagrams/ui_annotated.pptx
+++ b/docs/diagrams/ui_annotated.pptx
@@ -271,7 +271,7 @@
           <a:p>
             <a:fld id="{F0B7906A-B038-4706-83B2-00193F0E7D27}" type="datetimeFigureOut">
               <a:rPr lang="en-SG" smtClean="0"/>
-              <a:t>12/4/2019</a:t>
+              <a:t>14/4/2019</a:t>
             </a:fld>
             <a:endParaRPr lang="en-SG"/>
           </a:p>
@@ -471,7 +471,7 @@
           <a:p>
             <a:fld id="{F0B7906A-B038-4706-83B2-00193F0E7D27}" type="datetimeFigureOut">
               <a:rPr lang="en-SG" smtClean="0"/>
-              <a:t>12/4/2019</a:t>
+              <a:t>14/4/2019</a:t>
             </a:fld>
             <a:endParaRPr lang="en-SG"/>
           </a:p>
@@ -681,7 +681,7 @@
           <a:p>
             <a:fld id="{F0B7906A-B038-4706-83B2-00193F0E7D27}" type="datetimeFigureOut">
               <a:rPr lang="en-SG" smtClean="0"/>
-              <a:t>12/4/2019</a:t>
+              <a:t>14/4/2019</a:t>
             </a:fld>
             <a:endParaRPr lang="en-SG"/>
           </a:p>
@@ -881,7 +881,7 @@
           <a:p>
             <a:fld id="{F0B7906A-B038-4706-83B2-00193F0E7D27}" type="datetimeFigureOut">
               <a:rPr lang="en-SG" smtClean="0"/>
-              <a:t>12/4/2019</a:t>
+              <a:t>14/4/2019</a:t>
             </a:fld>
             <a:endParaRPr lang="en-SG"/>
           </a:p>
@@ -1157,7 +1157,7 @@
           <a:p>
             <a:fld id="{F0B7906A-B038-4706-83B2-00193F0E7D27}" type="datetimeFigureOut">
               <a:rPr lang="en-SG" smtClean="0"/>
-              <a:t>12/4/2019</a:t>
+              <a:t>14/4/2019</a:t>
             </a:fld>
             <a:endParaRPr lang="en-SG"/>
           </a:p>
@@ -1425,7 +1425,7 @@
           <a:p>
             <a:fld id="{F0B7906A-B038-4706-83B2-00193F0E7D27}" type="datetimeFigureOut">
               <a:rPr lang="en-SG" smtClean="0"/>
-              <a:t>12/4/2019</a:t>
+              <a:t>14/4/2019</a:t>
             </a:fld>
             <a:endParaRPr lang="en-SG"/>
           </a:p>
@@ -1840,7 +1840,7 @@
           <a:p>
             <a:fld id="{F0B7906A-B038-4706-83B2-00193F0E7D27}" type="datetimeFigureOut">
               <a:rPr lang="en-SG" smtClean="0"/>
-              <a:t>12/4/2019</a:t>
+              <a:t>14/4/2019</a:t>
             </a:fld>
             <a:endParaRPr lang="en-SG"/>
           </a:p>
@@ -1982,7 +1982,7 @@
           <a:p>
             <a:fld id="{F0B7906A-B038-4706-83B2-00193F0E7D27}" type="datetimeFigureOut">
               <a:rPr lang="en-SG" smtClean="0"/>
-              <a:t>12/4/2019</a:t>
+              <a:t>14/4/2019</a:t>
             </a:fld>
             <a:endParaRPr lang="en-SG"/>
           </a:p>
@@ -2095,7 +2095,7 @@
           <a:p>
             <a:fld id="{F0B7906A-B038-4706-83B2-00193F0E7D27}" type="datetimeFigureOut">
               <a:rPr lang="en-SG" smtClean="0"/>
-              <a:t>12/4/2019</a:t>
+              <a:t>14/4/2019</a:t>
             </a:fld>
             <a:endParaRPr lang="en-SG"/>
           </a:p>
@@ -2408,7 +2408,7 @@
           <a:p>
             <a:fld id="{F0B7906A-B038-4706-83B2-00193F0E7D27}" type="datetimeFigureOut">
               <a:rPr lang="en-SG" smtClean="0"/>
-              <a:t>12/4/2019</a:t>
+              <a:t>14/4/2019</a:t>
             </a:fld>
             <a:endParaRPr lang="en-SG"/>
           </a:p>
@@ -2697,7 +2697,7 @@
           <a:p>
             <a:fld id="{F0B7906A-B038-4706-83B2-00193F0E7D27}" type="datetimeFigureOut">
               <a:rPr lang="en-SG" smtClean="0"/>
-              <a:t>12/4/2019</a:t>
+              <a:t>14/4/2019</a:t>
             </a:fld>
             <a:endParaRPr lang="en-SG"/>
           </a:p>
@@ -2940,7 +2940,7 @@
           <a:p>
             <a:fld id="{F0B7906A-B038-4706-83B2-00193F0E7D27}" type="datetimeFigureOut">
               <a:rPr lang="en-SG" smtClean="0"/>
-              <a:t>12/4/2019</a:t>
+              <a:t>14/4/2019</a:t>
             </a:fld>
             <a:endParaRPr lang="en-SG"/>
           </a:p>

--- a/docs/diagrams/ui_annotated.pptx
+++ b/docs/diagrams/ui_annotated.pptx
@@ -14,10 +14,11 @@
     <p:sldId id="268" r:id="rId8"/>
     <p:sldId id="272" r:id="rId9"/>
     <p:sldId id="273" r:id="rId10"/>
-    <p:sldId id="266" r:id="rId11"/>
-    <p:sldId id="269" r:id="rId12"/>
-    <p:sldId id="270" r:id="rId13"/>
-    <p:sldId id="271" r:id="rId14"/>
+    <p:sldId id="274" r:id="rId11"/>
+    <p:sldId id="266" r:id="rId12"/>
+    <p:sldId id="269" r:id="rId13"/>
+    <p:sldId id="270" r:id="rId14"/>
+    <p:sldId id="271" r:id="rId15"/>
   </p:sldIdLst>
   <p:sldSz cx="12192000" cy="6858000"/>
   <p:notesSz cx="6858000" cy="9144000"/>
@@ -273,7 +274,7 @@
           <a:p>
             <a:fld id="{F0B7906A-B038-4706-83B2-00193F0E7D27}" type="datetimeFigureOut">
               <a:rPr lang="en-SG" smtClean="0"/>
-              <a:t>13/4/2019</a:t>
+              <a:t>14/4/2019</a:t>
             </a:fld>
             <a:endParaRPr lang="en-SG"/>
           </a:p>
@@ -473,7 +474,7 @@
           <a:p>
             <a:fld id="{F0B7906A-B038-4706-83B2-00193F0E7D27}" type="datetimeFigureOut">
               <a:rPr lang="en-SG" smtClean="0"/>
-              <a:t>13/4/2019</a:t>
+              <a:t>14/4/2019</a:t>
             </a:fld>
             <a:endParaRPr lang="en-SG"/>
           </a:p>
@@ -683,7 +684,7 @@
           <a:p>
             <a:fld id="{F0B7906A-B038-4706-83B2-00193F0E7D27}" type="datetimeFigureOut">
               <a:rPr lang="en-SG" smtClean="0"/>
-              <a:t>13/4/2019</a:t>
+              <a:t>14/4/2019</a:t>
             </a:fld>
             <a:endParaRPr lang="en-SG"/>
           </a:p>
@@ -883,7 +884,7 @@
           <a:p>
             <a:fld id="{F0B7906A-B038-4706-83B2-00193F0E7D27}" type="datetimeFigureOut">
               <a:rPr lang="en-SG" smtClean="0"/>
-              <a:t>13/4/2019</a:t>
+              <a:t>14/4/2019</a:t>
             </a:fld>
             <a:endParaRPr lang="en-SG"/>
           </a:p>
@@ -1159,7 +1160,7 @@
           <a:p>
             <a:fld id="{F0B7906A-B038-4706-83B2-00193F0E7D27}" type="datetimeFigureOut">
               <a:rPr lang="en-SG" smtClean="0"/>
-              <a:t>13/4/2019</a:t>
+              <a:t>14/4/2019</a:t>
             </a:fld>
             <a:endParaRPr lang="en-SG"/>
           </a:p>
@@ -1427,7 +1428,7 @@
           <a:p>
             <a:fld id="{F0B7906A-B038-4706-83B2-00193F0E7D27}" type="datetimeFigureOut">
               <a:rPr lang="en-SG" smtClean="0"/>
-              <a:t>13/4/2019</a:t>
+              <a:t>14/4/2019</a:t>
             </a:fld>
             <a:endParaRPr lang="en-SG"/>
           </a:p>
@@ -1842,7 +1843,7 @@
           <a:p>
             <a:fld id="{F0B7906A-B038-4706-83B2-00193F0E7D27}" type="datetimeFigureOut">
               <a:rPr lang="en-SG" smtClean="0"/>
-              <a:t>13/4/2019</a:t>
+              <a:t>14/4/2019</a:t>
             </a:fld>
             <a:endParaRPr lang="en-SG"/>
           </a:p>
@@ -1984,7 +1985,7 @@
           <a:p>
             <a:fld id="{F0B7906A-B038-4706-83B2-00193F0E7D27}" type="datetimeFigureOut">
               <a:rPr lang="en-SG" smtClean="0"/>
-              <a:t>13/4/2019</a:t>
+              <a:t>14/4/2019</a:t>
             </a:fld>
             <a:endParaRPr lang="en-SG"/>
           </a:p>
@@ -2097,7 +2098,7 @@
           <a:p>
             <a:fld id="{F0B7906A-B038-4706-83B2-00193F0E7D27}" type="datetimeFigureOut">
               <a:rPr lang="en-SG" smtClean="0"/>
-              <a:t>13/4/2019</a:t>
+              <a:t>14/4/2019</a:t>
             </a:fld>
             <a:endParaRPr lang="en-SG"/>
           </a:p>
@@ -2410,7 +2411,7 @@
           <a:p>
             <a:fld id="{F0B7906A-B038-4706-83B2-00193F0E7D27}" type="datetimeFigureOut">
               <a:rPr lang="en-SG" smtClean="0"/>
-              <a:t>13/4/2019</a:t>
+              <a:t>14/4/2019</a:t>
             </a:fld>
             <a:endParaRPr lang="en-SG"/>
           </a:p>
@@ -2699,7 +2700,7 @@
           <a:p>
             <a:fld id="{F0B7906A-B038-4706-83B2-00193F0E7D27}" type="datetimeFigureOut">
               <a:rPr lang="en-SG" smtClean="0"/>
-              <a:t>13/4/2019</a:t>
+              <a:t>14/4/2019</a:t>
             </a:fld>
             <a:endParaRPr lang="en-SG"/>
           </a:p>
@@ -2942,7 +2943,7 @@
           <a:p>
             <a:fld id="{F0B7906A-B038-4706-83B2-00193F0E7D27}" type="datetimeFigureOut">
               <a:rPr lang="en-SG" smtClean="0"/>
-              <a:t>13/4/2019</a:t>
+              <a:t>14/4/2019</a:t>
             </a:fld>
             <a:endParaRPr lang="en-SG"/>
           </a:p>
@@ -3982,6 +3983,441 @@
           <p:cNvPr id="2" name="Picture 1">
             <a:extLst>
               <a:ext uri="{FF2B5EF4-FFF2-40B4-BE49-F238E27FC236}">
+                <a16:creationId xmlns:a16="http://schemas.microsoft.com/office/drawing/2014/main" id="{4F1D3742-A477-40F3-A418-6233DEF15E7A}"/>
+              </a:ext>
+            </a:extLst>
+          </p:cNvPr>
+          <p:cNvPicPr>
+            <a:picLocks noChangeAspect="1"/>
+          </p:cNvPicPr>
+          <p:nvPr/>
+        </p:nvPicPr>
+        <p:blipFill>
+          <a:blip r:embed="rId2"/>
+          <a:stretch>
+            <a:fillRect/>
+          </a:stretch>
+        </p:blipFill>
+        <p:spPr>
+          <a:xfrm>
+            <a:off x="1847850" y="3635478"/>
+            <a:ext cx="8515350" cy="1857375"/>
+          </a:xfrm>
+          <a:prstGeom prst="rect">
+            <a:avLst/>
+          </a:prstGeom>
+        </p:spPr>
+      </p:pic>
+      <p:pic>
+        <p:nvPicPr>
+          <p:cNvPr id="3" name="Picture 2">
+            <a:extLst>
+              <a:ext uri="{FF2B5EF4-FFF2-40B4-BE49-F238E27FC236}">
+                <a16:creationId xmlns:a16="http://schemas.microsoft.com/office/drawing/2014/main" id="{0BD3B7D6-A730-4319-AACE-12F9A8B5C3C6}"/>
+              </a:ext>
+            </a:extLst>
+          </p:cNvPr>
+          <p:cNvPicPr>
+            <a:picLocks noChangeAspect="1"/>
+          </p:cNvPicPr>
+          <p:nvPr/>
+        </p:nvPicPr>
+        <p:blipFill>
+          <a:blip r:embed="rId3"/>
+          <a:stretch>
+            <a:fillRect/>
+          </a:stretch>
+        </p:blipFill>
+        <p:spPr>
+          <a:xfrm>
+            <a:off x="1847850" y="1110883"/>
+            <a:ext cx="8534400" cy="1847850"/>
+          </a:xfrm>
+          <a:prstGeom prst="rect">
+            <a:avLst/>
+          </a:prstGeom>
+        </p:spPr>
+      </p:pic>
+      <p:sp>
+        <p:nvSpPr>
+          <p:cNvPr id="4" name="TextBox 3">
+            <a:extLst>
+              <a:ext uri="{FF2B5EF4-FFF2-40B4-BE49-F238E27FC236}">
+                <a16:creationId xmlns:a16="http://schemas.microsoft.com/office/drawing/2014/main" id="{3AAEC78E-07D9-4EC2-BAD3-E11A00AE29E9}"/>
+              </a:ext>
+            </a:extLst>
+          </p:cNvPr>
+          <p:cNvSpPr txBox="1"/>
+          <p:nvPr/>
+        </p:nvSpPr>
+        <p:spPr>
+          <a:xfrm>
+            <a:off x="1847850" y="676564"/>
+            <a:ext cx="2377633" cy="461665"/>
+          </a:xfrm>
+          <a:prstGeom prst="rect">
+            <a:avLst/>
+          </a:prstGeom>
+          <a:noFill/>
+        </p:spPr>
+        <p:txBody>
+          <a:bodyPr wrap="square" rtlCol="0">
+            <a:spAutoFit/>
+          </a:bodyPr>
+          <a:lstStyle/>
+          <a:p>
+            <a:r>
+              <a:rPr lang="en-SG" sz="2400" dirty="0">
+                <a:solidFill>
+                  <a:schemeClr val="accent2"/>
+                </a:solidFill>
+                <a:latin typeface="Arial Nova Cond" panose="020B0506020202020204" pitchFamily="34" charset="0"/>
+              </a:rPr>
+              <a:t>BEFORE</a:t>
+            </a:r>
+          </a:p>
+        </p:txBody>
+      </p:sp>
+      <p:sp>
+        <p:nvSpPr>
+          <p:cNvPr id="5" name="TextBox 4">
+            <a:extLst>
+              <a:ext uri="{FF2B5EF4-FFF2-40B4-BE49-F238E27FC236}">
+                <a16:creationId xmlns:a16="http://schemas.microsoft.com/office/drawing/2014/main" id="{24FBF0C7-B1AE-4CB5-9C4A-92DB51A55BD6}"/>
+              </a:ext>
+            </a:extLst>
+          </p:cNvPr>
+          <p:cNvSpPr txBox="1"/>
+          <p:nvPr/>
+        </p:nvSpPr>
+        <p:spPr>
+          <a:xfrm>
+            <a:off x="1809750" y="3165211"/>
+            <a:ext cx="2377633" cy="461665"/>
+          </a:xfrm>
+          <a:prstGeom prst="rect">
+            <a:avLst/>
+          </a:prstGeom>
+          <a:noFill/>
+        </p:spPr>
+        <p:txBody>
+          <a:bodyPr wrap="square" rtlCol="0">
+            <a:spAutoFit/>
+          </a:bodyPr>
+          <a:lstStyle/>
+          <a:p>
+            <a:r>
+              <a:rPr lang="en-SG" sz="2400" dirty="0">
+                <a:solidFill>
+                  <a:schemeClr val="accent2"/>
+                </a:solidFill>
+                <a:latin typeface="Arial Nova Cond" panose="020B0506020202020204" pitchFamily="34" charset="0"/>
+              </a:rPr>
+              <a:t>AFTER</a:t>
+            </a:r>
+          </a:p>
+        </p:txBody>
+      </p:sp>
+      <p:sp>
+        <p:nvSpPr>
+          <p:cNvPr id="6" name="Rectangle 5">
+            <a:extLst>
+              <a:ext uri="{FF2B5EF4-FFF2-40B4-BE49-F238E27FC236}">
+                <a16:creationId xmlns:a16="http://schemas.microsoft.com/office/drawing/2014/main" id="{440FAB70-1718-49D5-ABFC-B4CA485E5542}"/>
+              </a:ext>
+            </a:extLst>
+          </p:cNvPr>
+          <p:cNvSpPr/>
+          <p:nvPr/>
+        </p:nvSpPr>
+        <p:spPr>
+          <a:xfrm>
+            <a:off x="2209865" y="2127252"/>
+            <a:ext cx="3161125" cy="300501"/>
+          </a:xfrm>
+          <a:prstGeom prst="rect">
+            <a:avLst/>
+          </a:prstGeom>
+          <a:noFill/>
+          <a:ln w="38100">
+            <a:solidFill>
+              <a:schemeClr val="accent2"/>
+            </a:solidFill>
+          </a:ln>
+        </p:spPr>
+        <p:style>
+          <a:lnRef idx="2">
+            <a:schemeClr val="accent1">
+              <a:shade val="50000"/>
+            </a:schemeClr>
+          </a:lnRef>
+          <a:fillRef idx="1">
+            <a:schemeClr val="accent1"/>
+          </a:fillRef>
+          <a:effectRef idx="0">
+            <a:schemeClr val="accent1"/>
+          </a:effectRef>
+          <a:fontRef idx="minor">
+            <a:schemeClr val="lt1"/>
+          </a:fontRef>
+        </p:style>
+        <p:txBody>
+          <a:bodyPr rtlCol="0" anchor="ctr"/>
+          <a:lstStyle/>
+          <a:p>
+            <a:pPr algn="ctr"/>
+            <a:endParaRPr lang="en-SG"/>
+          </a:p>
+        </p:txBody>
+      </p:sp>
+      <p:sp>
+        <p:nvSpPr>
+          <p:cNvPr id="7" name="Text Box 2">
+            <a:extLst>
+              <a:ext uri="{FF2B5EF4-FFF2-40B4-BE49-F238E27FC236}">
+                <a16:creationId xmlns:a16="http://schemas.microsoft.com/office/drawing/2014/main" id="{C4EE51C9-27A8-43CE-A71A-DC191E92F567}"/>
+              </a:ext>
+            </a:extLst>
+          </p:cNvPr>
+          <p:cNvSpPr txBox="1">
+            <a:spLocks noChangeArrowheads="1"/>
+          </p:cNvSpPr>
+          <p:nvPr/>
+        </p:nvSpPr>
+        <p:spPr bwMode="auto">
+          <a:xfrm>
+            <a:off x="71669" y="3076493"/>
+            <a:ext cx="1615736" cy="885370"/>
+          </a:xfrm>
+          <a:prstGeom prst="rect">
+            <a:avLst/>
+          </a:prstGeom>
+          <a:solidFill>
+            <a:schemeClr val="accent2"/>
+          </a:solidFill>
+          <a:ln w="9525">
+            <a:solidFill>
+              <a:srgbClr val="000000"/>
+            </a:solidFill>
+            <a:miter lim="800000"/>
+            <a:headEnd/>
+            <a:tailEnd/>
+          </a:ln>
+        </p:spPr>
+        <p:txBody>
+          <a:bodyPr rot="0" vert="horz" wrap="square" lIns="91440" tIns="45720" rIns="91440" bIns="45720" anchor="t" anchorCtr="0">
+            <a:noAutofit/>
+          </a:bodyPr>
+          <a:lstStyle/>
+          <a:p>
+            <a:pPr>
+              <a:lnSpc>
+                <a:spcPct val="107000"/>
+              </a:lnSpc>
+              <a:spcAft>
+                <a:spcPts val="800"/>
+              </a:spcAft>
+            </a:pPr>
+            <a:r>
+              <a:rPr lang="en-SG" sz="1200" b="1" dirty="0">
+                <a:solidFill>
+                  <a:schemeClr val="bg1"/>
+                </a:solidFill>
+                <a:effectLst/>
+                <a:latin typeface="Arial Nova Cond" panose="020B0506020202020204" pitchFamily="34" charset="0"/>
+                <a:ea typeface="Calibri" panose="020F0502020204030204" pitchFamily="34" charset="0"/>
+                <a:cs typeface="Times New Roman" panose="02020603050405020304" pitchFamily="18" charset="0"/>
+              </a:rPr>
+              <a:t>The status of the project task is updated from ongoing to complete</a:t>
+            </a:r>
+            <a:endParaRPr lang="en-SG" sz="1200" dirty="0">
+              <a:solidFill>
+                <a:schemeClr val="bg1"/>
+              </a:solidFill>
+              <a:effectLst/>
+              <a:latin typeface="Calibri" panose="020F0502020204030204" pitchFamily="34" charset="0"/>
+              <a:ea typeface="Calibri" panose="020F0502020204030204" pitchFamily="34" charset="0"/>
+              <a:cs typeface="Times New Roman" panose="02020603050405020304" pitchFamily="18" charset="0"/>
+            </a:endParaRPr>
+          </a:p>
+        </p:txBody>
+      </p:sp>
+      <p:cxnSp>
+        <p:nvCxnSpPr>
+          <p:cNvPr id="8" name="Straight Arrow Connector 7">
+            <a:extLst>
+              <a:ext uri="{FF2B5EF4-FFF2-40B4-BE49-F238E27FC236}">
+                <a16:creationId xmlns:a16="http://schemas.microsoft.com/office/drawing/2014/main" id="{EBF4F0D9-02A4-4B78-BC9C-156C52D9AA1F}"/>
+              </a:ext>
+            </a:extLst>
+          </p:cNvPr>
+          <p:cNvCxnSpPr>
+            <a:cxnSpLocks/>
+            <a:endCxn id="10" idx="1"/>
+          </p:cNvCxnSpPr>
+          <p:nvPr/>
+        </p:nvCxnSpPr>
+        <p:spPr>
+          <a:xfrm>
+            <a:off x="1482571" y="3970465"/>
+            <a:ext cx="753589" cy="865000"/>
+          </a:xfrm>
+          <a:prstGeom prst="straightConnector1">
+            <a:avLst/>
+          </a:prstGeom>
+          <a:ln w="34925">
+            <a:solidFill>
+              <a:schemeClr val="accent2"/>
+            </a:solidFill>
+            <a:tailEnd type="triangle"/>
+          </a:ln>
+        </p:spPr>
+        <p:style>
+          <a:lnRef idx="1">
+            <a:schemeClr val="accent1"/>
+          </a:lnRef>
+          <a:fillRef idx="0">
+            <a:schemeClr val="accent1"/>
+          </a:fillRef>
+          <a:effectRef idx="0">
+            <a:schemeClr val="accent1"/>
+          </a:effectRef>
+          <a:fontRef idx="minor">
+            <a:schemeClr val="tx1"/>
+          </a:fontRef>
+        </p:style>
+      </p:cxnSp>
+      <p:cxnSp>
+        <p:nvCxnSpPr>
+          <p:cNvPr id="9" name="Straight Arrow Connector 8">
+            <a:extLst>
+              <a:ext uri="{FF2B5EF4-FFF2-40B4-BE49-F238E27FC236}">
+                <a16:creationId xmlns:a16="http://schemas.microsoft.com/office/drawing/2014/main" id="{678ACCEB-343E-4DDF-987D-192EBF938101}"/>
+              </a:ext>
+            </a:extLst>
+          </p:cNvPr>
+          <p:cNvCxnSpPr>
+            <a:cxnSpLocks/>
+          </p:cNvCxnSpPr>
+          <p:nvPr/>
+        </p:nvCxnSpPr>
+        <p:spPr>
+          <a:xfrm flipV="1">
+            <a:off x="1273775" y="2277502"/>
+            <a:ext cx="936090" cy="798991"/>
+          </a:xfrm>
+          <a:prstGeom prst="straightConnector1">
+            <a:avLst/>
+          </a:prstGeom>
+          <a:ln w="34925">
+            <a:solidFill>
+              <a:schemeClr val="accent2"/>
+            </a:solidFill>
+            <a:tailEnd type="triangle"/>
+          </a:ln>
+        </p:spPr>
+        <p:style>
+          <a:lnRef idx="1">
+            <a:schemeClr val="accent1"/>
+          </a:lnRef>
+          <a:fillRef idx="0">
+            <a:schemeClr val="accent1"/>
+          </a:fillRef>
+          <a:effectRef idx="0">
+            <a:schemeClr val="accent1"/>
+          </a:effectRef>
+          <a:fontRef idx="minor">
+            <a:schemeClr val="tx1"/>
+          </a:fontRef>
+        </p:style>
+      </p:cxnSp>
+      <p:sp>
+        <p:nvSpPr>
+          <p:cNvPr id="10" name="Rectangle 9">
+            <a:extLst>
+              <a:ext uri="{FF2B5EF4-FFF2-40B4-BE49-F238E27FC236}">
+                <a16:creationId xmlns:a16="http://schemas.microsoft.com/office/drawing/2014/main" id="{A4B1E0D2-F2D6-4EA1-AF99-B95A5C42C6FC}"/>
+              </a:ext>
+            </a:extLst>
+          </p:cNvPr>
+          <p:cNvSpPr/>
+          <p:nvPr/>
+        </p:nvSpPr>
+        <p:spPr>
+          <a:xfrm>
+            <a:off x="2236160" y="4685214"/>
+            <a:ext cx="3161125" cy="300501"/>
+          </a:xfrm>
+          <a:prstGeom prst="rect">
+            <a:avLst/>
+          </a:prstGeom>
+          <a:noFill/>
+          <a:ln w="38100">
+            <a:solidFill>
+              <a:schemeClr val="accent2"/>
+            </a:solidFill>
+          </a:ln>
+        </p:spPr>
+        <p:style>
+          <a:lnRef idx="2">
+            <a:schemeClr val="accent1">
+              <a:shade val="50000"/>
+            </a:schemeClr>
+          </a:lnRef>
+          <a:fillRef idx="1">
+            <a:schemeClr val="accent1"/>
+          </a:fillRef>
+          <a:effectRef idx="0">
+            <a:schemeClr val="accent1"/>
+          </a:effectRef>
+          <a:fontRef idx="minor">
+            <a:schemeClr val="lt1"/>
+          </a:fontRef>
+        </p:style>
+        <p:txBody>
+          <a:bodyPr rtlCol="0" anchor="ctr"/>
+          <a:lstStyle/>
+          <a:p>
+            <a:pPr algn="ctr"/>
+            <a:endParaRPr lang="en-SG"/>
+          </a:p>
+        </p:txBody>
+      </p:sp>
+    </p:spTree>
+    <p:extLst>
+      <p:ext uri="{BB962C8B-B14F-4D97-AF65-F5344CB8AC3E}">
+        <p14:creationId xmlns:p14="http://schemas.microsoft.com/office/powerpoint/2010/main" val="543972883"/>
+      </p:ext>
+    </p:extLst>
+  </p:cSld>
+  <p:clrMapOvr>
+    <a:masterClrMapping/>
+  </p:clrMapOvr>
+</p:sld>
+</file>
+
+<file path=ppt/slides/slide11.xml><?xml version="1.0" encoding="utf-8"?>
+<p:sld xmlns:a="http://schemas.openxmlformats.org/drawingml/2006/main" xmlns:r="http://schemas.openxmlformats.org/officeDocument/2006/relationships" xmlns:p="http://schemas.openxmlformats.org/presentationml/2006/main">
+  <p:cSld>
+    <p:spTree>
+      <p:nvGrpSpPr>
+        <p:cNvPr id="1" name=""/>
+        <p:cNvGrpSpPr/>
+        <p:nvPr/>
+      </p:nvGrpSpPr>
+      <p:grpSpPr>
+        <a:xfrm>
+          <a:off x="0" y="0"/>
+          <a:ext cx="0" cy="0"/>
+          <a:chOff x="0" y="0"/>
+          <a:chExt cx="0" cy="0"/>
+        </a:xfrm>
+      </p:grpSpPr>
+      <p:pic>
+        <p:nvPicPr>
+          <p:cNvPr id="2" name="Picture 1">
+            <a:extLst>
+              <a:ext uri="{FF2B5EF4-FFF2-40B4-BE49-F238E27FC236}">
                 <a16:creationId xmlns:a16="http://schemas.microsoft.com/office/drawing/2014/main" id="{B094C944-B477-436C-ACB6-B9990EF3069E}"/>
               </a:ext>
             </a:extLst>
@@ -4068,7 +4504,7 @@
 </p:sld>
 </file>
 
-<file path=ppt/slides/slide11.xml><?xml version="1.0" encoding="utf-8"?>
+<file path=ppt/slides/slide12.xml><?xml version="1.0" encoding="utf-8"?>
 <p:sld xmlns:a="http://schemas.openxmlformats.org/drawingml/2006/main" xmlns:r="http://schemas.openxmlformats.org/officeDocument/2006/relationships" xmlns:p="http://schemas.openxmlformats.org/presentationml/2006/main">
   <p:cSld>
     <p:spTree>
@@ -5284,7 +5720,7 @@
 </p:sld>
 </file>
 
-<file path=ppt/slides/slide12.xml><?xml version="1.0" encoding="utf-8"?>
+<file path=ppt/slides/slide13.xml><?xml version="1.0" encoding="utf-8"?>
 <p:sld xmlns:a="http://schemas.openxmlformats.org/drawingml/2006/main" xmlns:r="http://schemas.openxmlformats.org/officeDocument/2006/relationships" xmlns:p="http://schemas.openxmlformats.org/presentationml/2006/main">
   <p:cSld>
     <p:spTree>
@@ -6525,7 +6961,7 @@
 </p:sld>
 </file>
 
-<file path=ppt/slides/slide13.xml><?xml version="1.0" encoding="utf-8"?>
+<file path=ppt/slides/slide14.xml><?xml version="1.0" encoding="utf-8"?>
 <p:sld xmlns:a="http://schemas.openxmlformats.org/drawingml/2006/main" xmlns:r="http://schemas.openxmlformats.org/officeDocument/2006/relationships" xmlns:p="http://schemas.openxmlformats.org/presentationml/2006/main">
   <p:cSld>
     <p:spTree>

--- a/docs/diagrams/ui_annotated.pptx
+++ b/docs/diagrams/ui_annotated.pptx
@@ -12,13 +12,10 @@
     <p:sldId id="264" r:id="rId6"/>
     <p:sldId id="267" r:id="rId7"/>
     <p:sldId id="268" r:id="rId8"/>
-    <p:sldId id="272" r:id="rId9"/>
-    <p:sldId id="273" r:id="rId10"/>
-    <p:sldId id="274" r:id="rId11"/>
-    <p:sldId id="266" r:id="rId12"/>
-    <p:sldId id="269" r:id="rId13"/>
-    <p:sldId id="270" r:id="rId14"/>
-    <p:sldId id="271" r:id="rId15"/>
+    <p:sldId id="266" r:id="rId9"/>
+    <p:sldId id="269" r:id="rId10"/>
+    <p:sldId id="270" r:id="rId11"/>
+    <p:sldId id="271" r:id="rId12"/>
   </p:sldIdLst>
   <p:sldSz cx="12192000" cy="6858000"/>
   <p:notesSz cx="6858000" cy="9144000"/>
@@ -3983,1765 +3980,6 @@
           <p:cNvPr id="2" name="Picture 1">
             <a:extLst>
               <a:ext uri="{FF2B5EF4-FFF2-40B4-BE49-F238E27FC236}">
-                <a16:creationId xmlns:a16="http://schemas.microsoft.com/office/drawing/2014/main" id="{4F1D3742-A477-40F3-A418-6233DEF15E7A}"/>
-              </a:ext>
-            </a:extLst>
-          </p:cNvPr>
-          <p:cNvPicPr>
-            <a:picLocks noChangeAspect="1"/>
-          </p:cNvPicPr>
-          <p:nvPr/>
-        </p:nvPicPr>
-        <p:blipFill>
-          <a:blip r:embed="rId2"/>
-          <a:stretch>
-            <a:fillRect/>
-          </a:stretch>
-        </p:blipFill>
-        <p:spPr>
-          <a:xfrm>
-            <a:off x="1847850" y="3635478"/>
-            <a:ext cx="8515350" cy="1857375"/>
-          </a:xfrm>
-          <a:prstGeom prst="rect">
-            <a:avLst/>
-          </a:prstGeom>
-        </p:spPr>
-      </p:pic>
-      <p:pic>
-        <p:nvPicPr>
-          <p:cNvPr id="3" name="Picture 2">
-            <a:extLst>
-              <a:ext uri="{FF2B5EF4-FFF2-40B4-BE49-F238E27FC236}">
-                <a16:creationId xmlns:a16="http://schemas.microsoft.com/office/drawing/2014/main" id="{0BD3B7D6-A730-4319-AACE-12F9A8B5C3C6}"/>
-              </a:ext>
-            </a:extLst>
-          </p:cNvPr>
-          <p:cNvPicPr>
-            <a:picLocks noChangeAspect="1"/>
-          </p:cNvPicPr>
-          <p:nvPr/>
-        </p:nvPicPr>
-        <p:blipFill>
-          <a:blip r:embed="rId3"/>
-          <a:stretch>
-            <a:fillRect/>
-          </a:stretch>
-        </p:blipFill>
-        <p:spPr>
-          <a:xfrm>
-            <a:off x="1847850" y="1110883"/>
-            <a:ext cx="8534400" cy="1847850"/>
-          </a:xfrm>
-          <a:prstGeom prst="rect">
-            <a:avLst/>
-          </a:prstGeom>
-        </p:spPr>
-      </p:pic>
-      <p:sp>
-        <p:nvSpPr>
-          <p:cNvPr id="4" name="TextBox 3">
-            <a:extLst>
-              <a:ext uri="{FF2B5EF4-FFF2-40B4-BE49-F238E27FC236}">
-                <a16:creationId xmlns:a16="http://schemas.microsoft.com/office/drawing/2014/main" id="{3AAEC78E-07D9-4EC2-BAD3-E11A00AE29E9}"/>
-              </a:ext>
-            </a:extLst>
-          </p:cNvPr>
-          <p:cNvSpPr txBox="1"/>
-          <p:nvPr/>
-        </p:nvSpPr>
-        <p:spPr>
-          <a:xfrm>
-            <a:off x="1847850" y="676564"/>
-            <a:ext cx="2377633" cy="461665"/>
-          </a:xfrm>
-          <a:prstGeom prst="rect">
-            <a:avLst/>
-          </a:prstGeom>
-          <a:noFill/>
-        </p:spPr>
-        <p:txBody>
-          <a:bodyPr wrap="square" rtlCol="0">
-            <a:spAutoFit/>
-          </a:bodyPr>
-          <a:lstStyle/>
-          <a:p>
-            <a:r>
-              <a:rPr lang="en-SG" sz="2400" dirty="0">
-                <a:solidFill>
-                  <a:schemeClr val="accent2"/>
-                </a:solidFill>
-                <a:latin typeface="Arial Nova Cond" panose="020B0506020202020204" pitchFamily="34" charset="0"/>
-              </a:rPr>
-              <a:t>BEFORE</a:t>
-            </a:r>
-          </a:p>
-        </p:txBody>
-      </p:sp>
-      <p:sp>
-        <p:nvSpPr>
-          <p:cNvPr id="5" name="TextBox 4">
-            <a:extLst>
-              <a:ext uri="{FF2B5EF4-FFF2-40B4-BE49-F238E27FC236}">
-                <a16:creationId xmlns:a16="http://schemas.microsoft.com/office/drawing/2014/main" id="{24FBF0C7-B1AE-4CB5-9C4A-92DB51A55BD6}"/>
-              </a:ext>
-            </a:extLst>
-          </p:cNvPr>
-          <p:cNvSpPr txBox="1"/>
-          <p:nvPr/>
-        </p:nvSpPr>
-        <p:spPr>
-          <a:xfrm>
-            <a:off x="1809750" y="3165211"/>
-            <a:ext cx="2377633" cy="461665"/>
-          </a:xfrm>
-          <a:prstGeom prst="rect">
-            <a:avLst/>
-          </a:prstGeom>
-          <a:noFill/>
-        </p:spPr>
-        <p:txBody>
-          <a:bodyPr wrap="square" rtlCol="0">
-            <a:spAutoFit/>
-          </a:bodyPr>
-          <a:lstStyle/>
-          <a:p>
-            <a:r>
-              <a:rPr lang="en-SG" sz="2400" dirty="0">
-                <a:solidFill>
-                  <a:schemeClr val="accent2"/>
-                </a:solidFill>
-                <a:latin typeface="Arial Nova Cond" panose="020B0506020202020204" pitchFamily="34" charset="0"/>
-              </a:rPr>
-              <a:t>AFTER</a:t>
-            </a:r>
-          </a:p>
-        </p:txBody>
-      </p:sp>
-      <p:sp>
-        <p:nvSpPr>
-          <p:cNvPr id="6" name="Rectangle 5">
-            <a:extLst>
-              <a:ext uri="{FF2B5EF4-FFF2-40B4-BE49-F238E27FC236}">
-                <a16:creationId xmlns:a16="http://schemas.microsoft.com/office/drawing/2014/main" id="{440FAB70-1718-49D5-ABFC-B4CA485E5542}"/>
-              </a:ext>
-            </a:extLst>
-          </p:cNvPr>
-          <p:cNvSpPr/>
-          <p:nvPr/>
-        </p:nvSpPr>
-        <p:spPr>
-          <a:xfrm>
-            <a:off x="2209865" y="2127252"/>
-            <a:ext cx="3161125" cy="300501"/>
-          </a:xfrm>
-          <a:prstGeom prst="rect">
-            <a:avLst/>
-          </a:prstGeom>
-          <a:noFill/>
-          <a:ln w="38100">
-            <a:solidFill>
-              <a:schemeClr val="accent2"/>
-            </a:solidFill>
-          </a:ln>
-        </p:spPr>
-        <p:style>
-          <a:lnRef idx="2">
-            <a:schemeClr val="accent1">
-              <a:shade val="50000"/>
-            </a:schemeClr>
-          </a:lnRef>
-          <a:fillRef idx="1">
-            <a:schemeClr val="accent1"/>
-          </a:fillRef>
-          <a:effectRef idx="0">
-            <a:schemeClr val="accent1"/>
-          </a:effectRef>
-          <a:fontRef idx="minor">
-            <a:schemeClr val="lt1"/>
-          </a:fontRef>
-        </p:style>
-        <p:txBody>
-          <a:bodyPr rtlCol="0" anchor="ctr"/>
-          <a:lstStyle/>
-          <a:p>
-            <a:pPr algn="ctr"/>
-            <a:endParaRPr lang="en-SG"/>
-          </a:p>
-        </p:txBody>
-      </p:sp>
-      <p:sp>
-        <p:nvSpPr>
-          <p:cNvPr id="7" name="Text Box 2">
-            <a:extLst>
-              <a:ext uri="{FF2B5EF4-FFF2-40B4-BE49-F238E27FC236}">
-                <a16:creationId xmlns:a16="http://schemas.microsoft.com/office/drawing/2014/main" id="{C4EE51C9-27A8-43CE-A71A-DC191E92F567}"/>
-              </a:ext>
-            </a:extLst>
-          </p:cNvPr>
-          <p:cNvSpPr txBox="1">
-            <a:spLocks noChangeArrowheads="1"/>
-          </p:cNvSpPr>
-          <p:nvPr/>
-        </p:nvSpPr>
-        <p:spPr bwMode="auto">
-          <a:xfrm>
-            <a:off x="71669" y="3076493"/>
-            <a:ext cx="1615736" cy="885370"/>
-          </a:xfrm>
-          <a:prstGeom prst="rect">
-            <a:avLst/>
-          </a:prstGeom>
-          <a:solidFill>
-            <a:schemeClr val="accent2"/>
-          </a:solidFill>
-          <a:ln w="9525">
-            <a:solidFill>
-              <a:srgbClr val="000000"/>
-            </a:solidFill>
-            <a:miter lim="800000"/>
-            <a:headEnd/>
-            <a:tailEnd/>
-          </a:ln>
-        </p:spPr>
-        <p:txBody>
-          <a:bodyPr rot="0" vert="horz" wrap="square" lIns="91440" tIns="45720" rIns="91440" bIns="45720" anchor="t" anchorCtr="0">
-            <a:noAutofit/>
-          </a:bodyPr>
-          <a:lstStyle/>
-          <a:p>
-            <a:pPr>
-              <a:lnSpc>
-                <a:spcPct val="107000"/>
-              </a:lnSpc>
-              <a:spcAft>
-                <a:spcPts val="800"/>
-              </a:spcAft>
-            </a:pPr>
-            <a:r>
-              <a:rPr lang="en-SG" sz="1200" b="1" dirty="0">
-                <a:solidFill>
-                  <a:schemeClr val="bg1"/>
-                </a:solidFill>
-                <a:effectLst/>
-                <a:latin typeface="Arial Nova Cond" panose="020B0506020202020204" pitchFamily="34" charset="0"/>
-                <a:ea typeface="Calibri" panose="020F0502020204030204" pitchFamily="34" charset="0"/>
-                <a:cs typeface="Times New Roman" panose="02020603050405020304" pitchFamily="18" charset="0"/>
-              </a:rPr>
-              <a:t>The status of the project task is updated from ongoing to complete</a:t>
-            </a:r>
-            <a:endParaRPr lang="en-SG" sz="1200" dirty="0">
-              <a:solidFill>
-                <a:schemeClr val="bg1"/>
-              </a:solidFill>
-              <a:effectLst/>
-              <a:latin typeface="Calibri" panose="020F0502020204030204" pitchFamily="34" charset="0"/>
-              <a:ea typeface="Calibri" panose="020F0502020204030204" pitchFamily="34" charset="0"/>
-              <a:cs typeface="Times New Roman" panose="02020603050405020304" pitchFamily="18" charset="0"/>
-            </a:endParaRPr>
-          </a:p>
-        </p:txBody>
-      </p:sp>
-      <p:cxnSp>
-        <p:nvCxnSpPr>
-          <p:cNvPr id="8" name="Straight Arrow Connector 7">
-            <a:extLst>
-              <a:ext uri="{FF2B5EF4-FFF2-40B4-BE49-F238E27FC236}">
-                <a16:creationId xmlns:a16="http://schemas.microsoft.com/office/drawing/2014/main" id="{EBF4F0D9-02A4-4B78-BC9C-156C52D9AA1F}"/>
-              </a:ext>
-            </a:extLst>
-          </p:cNvPr>
-          <p:cNvCxnSpPr>
-            <a:cxnSpLocks/>
-            <a:endCxn id="10" idx="1"/>
-          </p:cNvCxnSpPr>
-          <p:nvPr/>
-        </p:nvCxnSpPr>
-        <p:spPr>
-          <a:xfrm>
-            <a:off x="1482571" y="3970465"/>
-            <a:ext cx="753589" cy="865000"/>
-          </a:xfrm>
-          <a:prstGeom prst="straightConnector1">
-            <a:avLst/>
-          </a:prstGeom>
-          <a:ln w="34925">
-            <a:solidFill>
-              <a:schemeClr val="accent2"/>
-            </a:solidFill>
-            <a:tailEnd type="triangle"/>
-          </a:ln>
-        </p:spPr>
-        <p:style>
-          <a:lnRef idx="1">
-            <a:schemeClr val="accent1"/>
-          </a:lnRef>
-          <a:fillRef idx="0">
-            <a:schemeClr val="accent1"/>
-          </a:fillRef>
-          <a:effectRef idx="0">
-            <a:schemeClr val="accent1"/>
-          </a:effectRef>
-          <a:fontRef idx="minor">
-            <a:schemeClr val="tx1"/>
-          </a:fontRef>
-        </p:style>
-      </p:cxnSp>
-      <p:cxnSp>
-        <p:nvCxnSpPr>
-          <p:cNvPr id="9" name="Straight Arrow Connector 8">
-            <a:extLst>
-              <a:ext uri="{FF2B5EF4-FFF2-40B4-BE49-F238E27FC236}">
-                <a16:creationId xmlns:a16="http://schemas.microsoft.com/office/drawing/2014/main" id="{678ACCEB-343E-4DDF-987D-192EBF938101}"/>
-              </a:ext>
-            </a:extLst>
-          </p:cNvPr>
-          <p:cNvCxnSpPr>
-            <a:cxnSpLocks/>
-          </p:cNvCxnSpPr>
-          <p:nvPr/>
-        </p:nvCxnSpPr>
-        <p:spPr>
-          <a:xfrm flipV="1">
-            <a:off x="1273775" y="2277502"/>
-            <a:ext cx="936090" cy="798991"/>
-          </a:xfrm>
-          <a:prstGeom prst="straightConnector1">
-            <a:avLst/>
-          </a:prstGeom>
-          <a:ln w="34925">
-            <a:solidFill>
-              <a:schemeClr val="accent2"/>
-            </a:solidFill>
-            <a:tailEnd type="triangle"/>
-          </a:ln>
-        </p:spPr>
-        <p:style>
-          <a:lnRef idx="1">
-            <a:schemeClr val="accent1"/>
-          </a:lnRef>
-          <a:fillRef idx="0">
-            <a:schemeClr val="accent1"/>
-          </a:fillRef>
-          <a:effectRef idx="0">
-            <a:schemeClr val="accent1"/>
-          </a:effectRef>
-          <a:fontRef idx="minor">
-            <a:schemeClr val="tx1"/>
-          </a:fontRef>
-        </p:style>
-      </p:cxnSp>
-      <p:sp>
-        <p:nvSpPr>
-          <p:cNvPr id="10" name="Rectangle 9">
-            <a:extLst>
-              <a:ext uri="{FF2B5EF4-FFF2-40B4-BE49-F238E27FC236}">
-                <a16:creationId xmlns:a16="http://schemas.microsoft.com/office/drawing/2014/main" id="{A4B1E0D2-F2D6-4EA1-AF99-B95A5C42C6FC}"/>
-              </a:ext>
-            </a:extLst>
-          </p:cNvPr>
-          <p:cNvSpPr/>
-          <p:nvPr/>
-        </p:nvSpPr>
-        <p:spPr>
-          <a:xfrm>
-            <a:off x="2236160" y="4685214"/>
-            <a:ext cx="3161125" cy="300501"/>
-          </a:xfrm>
-          <a:prstGeom prst="rect">
-            <a:avLst/>
-          </a:prstGeom>
-          <a:noFill/>
-          <a:ln w="38100">
-            <a:solidFill>
-              <a:schemeClr val="accent2"/>
-            </a:solidFill>
-          </a:ln>
-        </p:spPr>
-        <p:style>
-          <a:lnRef idx="2">
-            <a:schemeClr val="accent1">
-              <a:shade val="50000"/>
-            </a:schemeClr>
-          </a:lnRef>
-          <a:fillRef idx="1">
-            <a:schemeClr val="accent1"/>
-          </a:fillRef>
-          <a:effectRef idx="0">
-            <a:schemeClr val="accent1"/>
-          </a:effectRef>
-          <a:fontRef idx="minor">
-            <a:schemeClr val="lt1"/>
-          </a:fontRef>
-        </p:style>
-        <p:txBody>
-          <a:bodyPr rtlCol="0" anchor="ctr"/>
-          <a:lstStyle/>
-          <a:p>
-            <a:pPr algn="ctr"/>
-            <a:endParaRPr lang="en-SG"/>
-          </a:p>
-        </p:txBody>
-      </p:sp>
-    </p:spTree>
-    <p:extLst>
-      <p:ext uri="{BB962C8B-B14F-4D97-AF65-F5344CB8AC3E}">
-        <p14:creationId xmlns:p14="http://schemas.microsoft.com/office/powerpoint/2010/main" val="543972883"/>
-      </p:ext>
-    </p:extLst>
-  </p:cSld>
-  <p:clrMapOvr>
-    <a:masterClrMapping/>
-  </p:clrMapOvr>
-</p:sld>
-</file>
-
-<file path=ppt/slides/slide11.xml><?xml version="1.0" encoding="utf-8"?>
-<p:sld xmlns:a="http://schemas.openxmlformats.org/drawingml/2006/main" xmlns:r="http://schemas.openxmlformats.org/officeDocument/2006/relationships" xmlns:p="http://schemas.openxmlformats.org/presentationml/2006/main">
-  <p:cSld>
-    <p:spTree>
-      <p:nvGrpSpPr>
-        <p:cNvPr id="1" name=""/>
-        <p:cNvGrpSpPr/>
-        <p:nvPr/>
-      </p:nvGrpSpPr>
-      <p:grpSpPr>
-        <a:xfrm>
-          <a:off x="0" y="0"/>
-          <a:ext cx="0" cy="0"/>
-          <a:chOff x="0" y="0"/>
-          <a:chExt cx="0" cy="0"/>
-        </a:xfrm>
-      </p:grpSpPr>
-      <p:pic>
-        <p:nvPicPr>
-          <p:cNvPr id="2" name="Picture 1">
-            <a:extLst>
-              <a:ext uri="{FF2B5EF4-FFF2-40B4-BE49-F238E27FC236}">
-                <a16:creationId xmlns:a16="http://schemas.microsoft.com/office/drawing/2014/main" id="{B094C944-B477-436C-ACB6-B9990EF3069E}"/>
-              </a:ext>
-            </a:extLst>
-          </p:cNvPr>
-          <p:cNvPicPr>
-            <a:picLocks noChangeAspect="1"/>
-          </p:cNvPicPr>
-          <p:nvPr/>
-        </p:nvPicPr>
-        <p:blipFill rotWithShape="1">
-          <a:blip r:embed="rId2"/>
-          <a:srcRect r="81953" b="87639"/>
-          <a:stretch/>
-        </p:blipFill>
-        <p:spPr>
-          <a:xfrm>
-            <a:off x="0" y="0"/>
-            <a:ext cx="12281408" cy="6858000"/>
-          </a:xfrm>
-          <a:prstGeom prst="rect">
-            <a:avLst/>
-          </a:prstGeom>
-          <a:ln w="76200">
-            <a:solidFill>
-              <a:schemeClr val="bg1"/>
-            </a:solidFill>
-          </a:ln>
-        </p:spPr>
-      </p:pic>
-      <p:cxnSp>
-        <p:nvCxnSpPr>
-          <p:cNvPr id="4" name="Straight Arrow Connector 3">
-            <a:extLst>
-              <a:ext uri="{FF2B5EF4-FFF2-40B4-BE49-F238E27FC236}">
-                <a16:creationId xmlns:a16="http://schemas.microsoft.com/office/drawing/2014/main" id="{E458FA27-34B2-4B06-BB74-D2F3E4937377}"/>
-              </a:ext>
-            </a:extLst>
-          </p:cNvPr>
-          <p:cNvCxnSpPr>
-            <a:cxnSpLocks/>
-          </p:cNvCxnSpPr>
-          <p:nvPr/>
-        </p:nvCxnSpPr>
-        <p:spPr>
-          <a:xfrm flipH="1">
-            <a:off x="4722923" y="0"/>
-            <a:ext cx="3160448" cy="3036163"/>
-          </a:xfrm>
-          <a:prstGeom prst="straightConnector1">
-            <a:avLst/>
-          </a:prstGeom>
-          <a:ln w="76200">
-            <a:solidFill>
-              <a:schemeClr val="accent2"/>
-            </a:solidFill>
-            <a:tailEnd type="triangle"/>
-          </a:ln>
-        </p:spPr>
-        <p:style>
-          <a:lnRef idx="1">
-            <a:schemeClr val="accent1"/>
-          </a:lnRef>
-          <a:fillRef idx="0">
-            <a:schemeClr val="accent1"/>
-          </a:fillRef>
-          <a:effectRef idx="0">
-            <a:schemeClr val="accent1"/>
-          </a:effectRef>
-          <a:fontRef idx="minor">
-            <a:schemeClr val="tx1"/>
-          </a:fontRef>
-        </p:style>
-      </p:cxnSp>
-    </p:spTree>
-    <p:extLst>
-      <p:ext uri="{BB962C8B-B14F-4D97-AF65-F5344CB8AC3E}">
-        <p14:creationId xmlns:p14="http://schemas.microsoft.com/office/powerpoint/2010/main" val="2923474229"/>
-      </p:ext>
-    </p:extLst>
-  </p:cSld>
-  <p:clrMapOvr>
-    <a:masterClrMapping/>
-  </p:clrMapOvr>
-</p:sld>
-</file>
-
-<file path=ppt/slides/slide12.xml><?xml version="1.0" encoding="utf-8"?>
-<p:sld xmlns:a="http://schemas.openxmlformats.org/drawingml/2006/main" xmlns:r="http://schemas.openxmlformats.org/officeDocument/2006/relationships" xmlns:p="http://schemas.openxmlformats.org/presentationml/2006/main">
-  <p:cSld>
-    <p:spTree>
-      <p:nvGrpSpPr>
-        <p:cNvPr id="1" name=""/>
-        <p:cNvGrpSpPr/>
-        <p:nvPr/>
-      </p:nvGrpSpPr>
-      <p:grpSpPr>
-        <a:xfrm>
-          <a:off x="0" y="0"/>
-          <a:ext cx="0" cy="0"/>
-          <a:chOff x="0" y="0"/>
-          <a:chExt cx="0" cy="0"/>
-        </a:xfrm>
-      </p:grpSpPr>
-      <p:pic>
-        <p:nvPicPr>
-          <p:cNvPr id="5" name="Picture 4">
-            <a:extLst>
-              <a:ext uri="{FF2B5EF4-FFF2-40B4-BE49-F238E27FC236}">
-                <a16:creationId xmlns:a16="http://schemas.microsoft.com/office/drawing/2014/main" id="{D9E135DF-8569-41FB-8450-938D2567B296}"/>
-              </a:ext>
-            </a:extLst>
-          </p:cNvPr>
-          <p:cNvPicPr>
-            <a:picLocks noChangeAspect="1"/>
-          </p:cNvPicPr>
-          <p:nvPr/>
-        </p:nvPicPr>
-        <p:blipFill rotWithShape="1">
-          <a:blip r:embed="rId2"/>
-          <a:srcRect b="76577"/>
-          <a:stretch/>
-        </p:blipFill>
-        <p:spPr>
-          <a:xfrm>
-            <a:off x="0" y="-19078"/>
-            <a:ext cx="12192000" cy="2149536"/>
-          </a:xfrm>
-          <a:prstGeom prst="rect">
-            <a:avLst/>
-          </a:prstGeom>
-          <a:ln w="28575">
-            <a:solidFill>
-              <a:schemeClr val="tx1"/>
-            </a:solidFill>
-          </a:ln>
-        </p:spPr>
-      </p:pic>
-      <p:sp>
-        <p:nvSpPr>
-          <p:cNvPr id="6" name="TextBox 5">
-            <a:extLst>
-              <a:ext uri="{FF2B5EF4-FFF2-40B4-BE49-F238E27FC236}">
-                <a16:creationId xmlns:a16="http://schemas.microsoft.com/office/drawing/2014/main" id="{9B741FFD-0583-47CE-B0CC-B1CBAAFEB50C}"/>
-              </a:ext>
-            </a:extLst>
-          </p:cNvPr>
-          <p:cNvSpPr txBox="1"/>
-          <p:nvPr/>
-        </p:nvSpPr>
-        <p:spPr>
-          <a:xfrm>
-            <a:off x="2432115" y="603315"/>
-            <a:ext cx="537327" cy="369332"/>
-          </a:xfrm>
-          <a:prstGeom prst="rect">
-            <a:avLst/>
-          </a:prstGeom>
-          <a:noFill/>
-          <a:ln w="38100">
-            <a:solidFill>
-              <a:schemeClr val="accent2"/>
-            </a:solidFill>
-          </a:ln>
-        </p:spPr>
-        <p:txBody>
-          <a:bodyPr wrap="square" rtlCol="0">
-            <a:spAutoFit/>
-          </a:bodyPr>
-          <a:lstStyle/>
-          <a:p>
-            <a:endParaRPr lang="en-SG" dirty="0"/>
-          </a:p>
-        </p:txBody>
-      </p:sp>
-      <p:sp>
-        <p:nvSpPr>
-          <p:cNvPr id="7" name="TextBox 6">
-            <a:extLst>
-              <a:ext uri="{FF2B5EF4-FFF2-40B4-BE49-F238E27FC236}">
-                <a16:creationId xmlns:a16="http://schemas.microsoft.com/office/drawing/2014/main" id="{787ECCF9-BE93-48B4-8C43-666FD7CEE8BF}"/>
-              </a:ext>
-            </a:extLst>
-          </p:cNvPr>
-          <p:cNvSpPr txBox="1"/>
-          <p:nvPr/>
-        </p:nvSpPr>
-        <p:spPr>
-          <a:xfrm>
-            <a:off x="0" y="1763036"/>
-            <a:ext cx="1621410" cy="369332"/>
-          </a:xfrm>
-          <a:prstGeom prst="rect">
-            <a:avLst/>
-          </a:prstGeom>
-          <a:noFill/>
-          <a:ln w="38100">
-            <a:solidFill>
-              <a:schemeClr val="accent2"/>
-            </a:solidFill>
-          </a:ln>
-        </p:spPr>
-        <p:txBody>
-          <a:bodyPr wrap="square" rtlCol="0">
-            <a:spAutoFit/>
-          </a:bodyPr>
-          <a:lstStyle/>
-          <a:p>
-            <a:endParaRPr lang="en-SG" dirty="0"/>
-          </a:p>
-        </p:txBody>
-      </p:sp>
-      <p:sp>
-        <p:nvSpPr>
-          <p:cNvPr id="8" name="Text Box 2">
-            <a:extLst>
-              <a:ext uri="{FF2B5EF4-FFF2-40B4-BE49-F238E27FC236}">
-                <a16:creationId xmlns:a16="http://schemas.microsoft.com/office/drawing/2014/main" id="{E154DDE7-F4B9-4E11-8440-28EC301E80AD}"/>
-              </a:ext>
-            </a:extLst>
-          </p:cNvPr>
-          <p:cNvSpPr txBox="1">
-            <a:spLocks noChangeArrowheads="1"/>
-          </p:cNvSpPr>
-          <p:nvPr/>
-        </p:nvSpPr>
-        <p:spPr bwMode="auto">
-          <a:xfrm>
-            <a:off x="5181932" y="632068"/>
-            <a:ext cx="3801812" cy="337353"/>
-          </a:xfrm>
-          <a:prstGeom prst="rect">
-            <a:avLst/>
-          </a:prstGeom>
-          <a:solidFill>
-            <a:schemeClr val="accent2"/>
-          </a:solidFill>
-          <a:ln w="9525">
-            <a:solidFill>
-              <a:srgbClr val="000000"/>
-            </a:solidFill>
-            <a:miter lim="800000"/>
-            <a:headEnd/>
-            <a:tailEnd/>
-          </a:ln>
-        </p:spPr>
-        <p:txBody>
-          <a:bodyPr rot="0" vert="horz" wrap="square" lIns="91440" tIns="45720" rIns="91440" bIns="45720" anchor="t" anchorCtr="0">
-            <a:noAutofit/>
-          </a:bodyPr>
-          <a:lstStyle/>
-          <a:p>
-            <a:pPr>
-              <a:lnSpc>
-                <a:spcPct val="107000"/>
-              </a:lnSpc>
-              <a:spcAft>
-                <a:spcPts val="800"/>
-              </a:spcAft>
-            </a:pPr>
-            <a:r>
-              <a:rPr lang="en-SG" sz="1200" b="1" dirty="0">
-                <a:solidFill>
-                  <a:schemeClr val="bg1"/>
-                </a:solidFill>
-                <a:latin typeface="Arial Nova Cond" panose="020B0506020202020204" pitchFamily="34" charset="0"/>
-                <a:ea typeface="Calibri" panose="020F0502020204030204" pitchFamily="34" charset="0"/>
-                <a:cs typeface="Times New Roman" panose="02020603050405020304" pitchFamily="18" charset="0"/>
-              </a:rPr>
-              <a:t>1. User has typed in today as the start date of the project.</a:t>
-            </a:r>
-            <a:endParaRPr lang="en-SG" sz="1200" dirty="0">
-              <a:solidFill>
-                <a:schemeClr val="bg1"/>
-              </a:solidFill>
-              <a:effectLst/>
-              <a:latin typeface="Calibri" panose="020F0502020204030204" pitchFamily="34" charset="0"/>
-              <a:ea typeface="Calibri" panose="020F0502020204030204" pitchFamily="34" charset="0"/>
-              <a:cs typeface="Times New Roman" panose="02020603050405020304" pitchFamily="18" charset="0"/>
-            </a:endParaRPr>
-          </a:p>
-        </p:txBody>
-      </p:sp>
-      <p:cxnSp>
-        <p:nvCxnSpPr>
-          <p:cNvPr id="10" name="Straight Arrow Connector 9">
-            <a:extLst>
-              <a:ext uri="{FF2B5EF4-FFF2-40B4-BE49-F238E27FC236}">
-                <a16:creationId xmlns:a16="http://schemas.microsoft.com/office/drawing/2014/main" id="{918FB132-AB13-4365-A644-C1901657AADE}"/>
-              </a:ext>
-            </a:extLst>
-          </p:cNvPr>
-          <p:cNvCxnSpPr>
-            <a:cxnSpLocks/>
-          </p:cNvCxnSpPr>
-          <p:nvPr/>
-        </p:nvCxnSpPr>
-        <p:spPr>
-          <a:xfrm flipH="1">
-            <a:off x="3777005" y="815804"/>
-            <a:ext cx="1404928" cy="0"/>
-          </a:xfrm>
-          <a:prstGeom prst="straightConnector1">
-            <a:avLst/>
-          </a:prstGeom>
-          <a:ln>
-            <a:tailEnd type="triangle"/>
-          </a:ln>
-        </p:spPr>
-        <p:style>
-          <a:lnRef idx="1">
-            <a:schemeClr val="accent2"/>
-          </a:lnRef>
-          <a:fillRef idx="0">
-            <a:schemeClr val="accent2"/>
-          </a:fillRef>
-          <a:effectRef idx="0">
-            <a:schemeClr val="accent2"/>
-          </a:effectRef>
-          <a:fontRef idx="minor">
-            <a:schemeClr val="tx1"/>
-          </a:fontRef>
-        </p:style>
-      </p:cxnSp>
-      <p:sp>
-        <p:nvSpPr>
-          <p:cNvPr id="11" name="Text Box 2">
-            <a:extLst>
-              <a:ext uri="{FF2B5EF4-FFF2-40B4-BE49-F238E27FC236}">
-                <a16:creationId xmlns:a16="http://schemas.microsoft.com/office/drawing/2014/main" id="{6C870D41-80E3-4DB5-8924-84B4DA42F0A9}"/>
-              </a:ext>
-            </a:extLst>
-          </p:cNvPr>
-          <p:cNvSpPr txBox="1">
-            <a:spLocks noChangeArrowheads="1"/>
-          </p:cNvSpPr>
-          <p:nvPr/>
-        </p:nvSpPr>
-        <p:spPr bwMode="auto">
-          <a:xfrm>
-            <a:off x="3701988" y="1764798"/>
-            <a:ext cx="5281756" cy="337353"/>
-          </a:xfrm>
-          <a:prstGeom prst="rect">
-            <a:avLst/>
-          </a:prstGeom>
-          <a:solidFill>
-            <a:schemeClr val="accent2"/>
-          </a:solidFill>
-          <a:ln w="9525">
-            <a:solidFill>
-              <a:srgbClr val="000000"/>
-            </a:solidFill>
-            <a:miter lim="800000"/>
-            <a:headEnd/>
-            <a:tailEnd/>
-          </a:ln>
-        </p:spPr>
-        <p:txBody>
-          <a:bodyPr rot="0" vert="horz" wrap="square" lIns="91440" tIns="45720" rIns="91440" bIns="45720" anchor="t" anchorCtr="0">
-            <a:noAutofit/>
-          </a:bodyPr>
-          <a:lstStyle/>
-          <a:p>
-            <a:pPr>
-              <a:lnSpc>
-                <a:spcPct val="107000"/>
-              </a:lnSpc>
-              <a:spcAft>
-                <a:spcPts val="800"/>
-              </a:spcAft>
-            </a:pPr>
-            <a:r>
-              <a:rPr lang="en-SG" sz="1200" b="1" dirty="0">
-                <a:solidFill>
-                  <a:schemeClr val="bg1"/>
-                </a:solidFill>
-                <a:latin typeface="Arial Nova Cond" panose="020B0506020202020204" pitchFamily="34" charset="0"/>
-                <a:ea typeface="Calibri" panose="020F0502020204030204" pitchFamily="34" charset="0"/>
-                <a:cs typeface="Times New Roman" panose="02020603050405020304" pitchFamily="18" charset="0"/>
-              </a:rPr>
-              <a:t>2. The input gets automatically translated to today’s date in DD/MM/YYYY format.</a:t>
-            </a:r>
-            <a:endParaRPr lang="en-SG" sz="1200" dirty="0">
-              <a:solidFill>
-                <a:schemeClr val="bg1"/>
-              </a:solidFill>
-              <a:effectLst/>
-              <a:latin typeface="Calibri" panose="020F0502020204030204" pitchFamily="34" charset="0"/>
-              <a:ea typeface="Calibri" panose="020F0502020204030204" pitchFamily="34" charset="0"/>
-              <a:cs typeface="Times New Roman" panose="02020603050405020304" pitchFamily="18" charset="0"/>
-            </a:endParaRPr>
-          </a:p>
-        </p:txBody>
-      </p:sp>
-      <p:cxnSp>
-        <p:nvCxnSpPr>
-          <p:cNvPr id="13" name="Straight Arrow Connector 12">
-            <a:extLst>
-              <a:ext uri="{FF2B5EF4-FFF2-40B4-BE49-F238E27FC236}">
-                <a16:creationId xmlns:a16="http://schemas.microsoft.com/office/drawing/2014/main" id="{FD29C48E-5FEF-48C7-84BC-A0C6BE03D08E}"/>
-              </a:ext>
-            </a:extLst>
-          </p:cNvPr>
-          <p:cNvCxnSpPr>
-            <a:cxnSpLocks/>
-            <a:stCxn id="11" idx="1"/>
-          </p:cNvCxnSpPr>
-          <p:nvPr/>
-        </p:nvCxnSpPr>
-        <p:spPr>
-          <a:xfrm flipH="1">
-            <a:off x="1687398" y="1933475"/>
-            <a:ext cx="2014590" cy="8447"/>
-          </a:xfrm>
-          <a:prstGeom prst="straightConnector1">
-            <a:avLst/>
-          </a:prstGeom>
-          <a:ln>
-            <a:tailEnd type="triangle"/>
-          </a:ln>
-        </p:spPr>
-        <p:style>
-          <a:lnRef idx="1">
-            <a:schemeClr val="accent2"/>
-          </a:lnRef>
-          <a:fillRef idx="0">
-            <a:schemeClr val="accent2"/>
-          </a:fillRef>
-          <a:effectRef idx="0">
-            <a:schemeClr val="accent2"/>
-          </a:effectRef>
-          <a:fontRef idx="minor">
-            <a:schemeClr val="tx1"/>
-          </a:fontRef>
-        </p:style>
-      </p:cxnSp>
-      <p:pic>
-        <p:nvPicPr>
-          <p:cNvPr id="14" name="Picture 13">
-            <a:extLst>
-              <a:ext uri="{FF2B5EF4-FFF2-40B4-BE49-F238E27FC236}">
-                <a16:creationId xmlns:a16="http://schemas.microsoft.com/office/drawing/2014/main" id="{670FC78B-0DB5-46D6-8CA2-31761E278AF2}"/>
-              </a:ext>
-            </a:extLst>
-          </p:cNvPr>
-          <p:cNvPicPr>
-            <a:picLocks noChangeAspect="1"/>
-          </p:cNvPicPr>
-          <p:nvPr/>
-        </p:nvPicPr>
-        <p:blipFill rotWithShape="1">
-          <a:blip r:embed="rId3"/>
-          <a:srcRect b="77041"/>
-          <a:stretch/>
-        </p:blipFill>
-        <p:spPr>
-          <a:xfrm>
-            <a:off x="0" y="2314194"/>
-            <a:ext cx="12192000" cy="2149200"/>
-          </a:xfrm>
-          <a:prstGeom prst="rect">
-            <a:avLst/>
-          </a:prstGeom>
-          <a:ln w="28575">
-            <a:solidFill>
-              <a:schemeClr val="tx1"/>
-            </a:solidFill>
-          </a:ln>
-        </p:spPr>
-      </p:pic>
-      <p:sp>
-        <p:nvSpPr>
-          <p:cNvPr id="15" name="TextBox 14">
-            <a:extLst>
-              <a:ext uri="{FF2B5EF4-FFF2-40B4-BE49-F238E27FC236}">
-                <a16:creationId xmlns:a16="http://schemas.microsoft.com/office/drawing/2014/main" id="{55CE3AF9-F284-461C-BA0A-F07BCEBBE27E}"/>
-              </a:ext>
-            </a:extLst>
-          </p:cNvPr>
-          <p:cNvSpPr txBox="1"/>
-          <p:nvPr/>
-        </p:nvSpPr>
-        <p:spPr>
-          <a:xfrm>
-            <a:off x="2458093" y="2999106"/>
-            <a:ext cx="769856" cy="369332"/>
-          </a:xfrm>
-          <a:prstGeom prst="rect">
-            <a:avLst/>
-          </a:prstGeom>
-          <a:noFill/>
-          <a:ln w="38100">
-            <a:solidFill>
-              <a:schemeClr val="accent2"/>
-            </a:solidFill>
-          </a:ln>
-        </p:spPr>
-        <p:txBody>
-          <a:bodyPr wrap="square" rtlCol="0">
-            <a:spAutoFit/>
-          </a:bodyPr>
-          <a:lstStyle/>
-          <a:p>
-            <a:endParaRPr lang="en-SG" dirty="0"/>
-          </a:p>
-        </p:txBody>
-      </p:sp>
-      <p:sp>
-        <p:nvSpPr>
-          <p:cNvPr id="16" name="TextBox 15">
-            <a:extLst>
-              <a:ext uri="{FF2B5EF4-FFF2-40B4-BE49-F238E27FC236}">
-                <a16:creationId xmlns:a16="http://schemas.microsoft.com/office/drawing/2014/main" id="{382482ED-FAD3-4D14-8B1F-4047C1BC3FC0}"/>
-              </a:ext>
-            </a:extLst>
-          </p:cNvPr>
-          <p:cNvSpPr txBox="1"/>
-          <p:nvPr/>
-        </p:nvSpPr>
-        <p:spPr>
-          <a:xfrm>
-            <a:off x="0" y="4094062"/>
-            <a:ext cx="1621410" cy="369332"/>
-          </a:xfrm>
-          <a:prstGeom prst="rect">
-            <a:avLst/>
-          </a:prstGeom>
-          <a:noFill/>
-          <a:ln w="38100">
-            <a:solidFill>
-              <a:schemeClr val="accent2"/>
-            </a:solidFill>
-          </a:ln>
-        </p:spPr>
-        <p:txBody>
-          <a:bodyPr wrap="square" rtlCol="0">
-            <a:spAutoFit/>
-          </a:bodyPr>
-          <a:lstStyle/>
-          <a:p>
-            <a:endParaRPr lang="en-SG" dirty="0"/>
-          </a:p>
-        </p:txBody>
-      </p:sp>
-      <p:sp>
-        <p:nvSpPr>
-          <p:cNvPr id="17" name="Text Box 2">
-            <a:extLst>
-              <a:ext uri="{FF2B5EF4-FFF2-40B4-BE49-F238E27FC236}">
-                <a16:creationId xmlns:a16="http://schemas.microsoft.com/office/drawing/2014/main" id="{083A14B9-CE02-4592-BC8F-B840A5077109}"/>
-              </a:ext>
-            </a:extLst>
-          </p:cNvPr>
-          <p:cNvSpPr txBox="1">
-            <a:spLocks noChangeArrowheads="1"/>
-          </p:cNvSpPr>
-          <p:nvPr/>
-        </p:nvSpPr>
-        <p:spPr bwMode="auto">
-          <a:xfrm>
-            <a:off x="4761159" y="2965340"/>
-            <a:ext cx="4207164" cy="337353"/>
-          </a:xfrm>
-          <a:prstGeom prst="rect">
-            <a:avLst/>
-          </a:prstGeom>
-          <a:solidFill>
-            <a:schemeClr val="accent2"/>
-          </a:solidFill>
-          <a:ln w="9525">
-            <a:solidFill>
-              <a:srgbClr val="000000"/>
-            </a:solidFill>
-            <a:miter lim="800000"/>
-            <a:headEnd/>
-            <a:tailEnd/>
-          </a:ln>
-        </p:spPr>
-        <p:txBody>
-          <a:bodyPr rot="0" vert="horz" wrap="square" lIns="91440" tIns="45720" rIns="91440" bIns="45720" anchor="t" anchorCtr="0">
-            <a:noAutofit/>
-          </a:bodyPr>
-          <a:lstStyle/>
-          <a:p>
-            <a:pPr>
-              <a:lnSpc>
-                <a:spcPct val="107000"/>
-              </a:lnSpc>
-              <a:spcAft>
-                <a:spcPts val="800"/>
-              </a:spcAft>
-            </a:pPr>
-            <a:r>
-              <a:rPr lang="en-SG" sz="1200" b="1" dirty="0">
-                <a:solidFill>
-                  <a:schemeClr val="bg1"/>
-                </a:solidFill>
-                <a:latin typeface="Arial Nova Cond" panose="020B0506020202020204" pitchFamily="34" charset="0"/>
-                <a:ea typeface="Calibri" panose="020F0502020204030204" pitchFamily="34" charset="0"/>
-                <a:cs typeface="Times New Roman" panose="02020603050405020304" pitchFamily="18" charset="0"/>
-              </a:rPr>
-              <a:t>1. User has typed in “tomorrow” as the start date of the project.</a:t>
-            </a:r>
-            <a:endParaRPr lang="en-SG" sz="1200" dirty="0">
-              <a:solidFill>
-                <a:schemeClr val="bg1"/>
-              </a:solidFill>
-              <a:effectLst/>
-              <a:latin typeface="Calibri" panose="020F0502020204030204" pitchFamily="34" charset="0"/>
-              <a:ea typeface="Calibri" panose="020F0502020204030204" pitchFamily="34" charset="0"/>
-              <a:cs typeface="Times New Roman" panose="02020603050405020304" pitchFamily="18" charset="0"/>
-            </a:endParaRPr>
-          </a:p>
-        </p:txBody>
-      </p:sp>
-      <p:cxnSp>
-        <p:nvCxnSpPr>
-          <p:cNvPr id="18" name="Straight Arrow Connector 17">
-            <a:extLst>
-              <a:ext uri="{FF2B5EF4-FFF2-40B4-BE49-F238E27FC236}">
-                <a16:creationId xmlns:a16="http://schemas.microsoft.com/office/drawing/2014/main" id="{C9685AB7-0455-46D0-B7FE-78AAE85A3FC8}"/>
-              </a:ext>
-            </a:extLst>
-          </p:cNvPr>
-          <p:cNvCxnSpPr>
-            <a:cxnSpLocks/>
-            <a:stCxn id="17" idx="1"/>
-          </p:cNvCxnSpPr>
-          <p:nvPr/>
-        </p:nvCxnSpPr>
-        <p:spPr>
-          <a:xfrm flipH="1" flipV="1">
-            <a:off x="4023919" y="3134016"/>
-            <a:ext cx="737240" cy="1"/>
-          </a:xfrm>
-          <a:prstGeom prst="straightConnector1">
-            <a:avLst/>
-          </a:prstGeom>
-          <a:ln>
-            <a:tailEnd type="triangle"/>
-          </a:ln>
-        </p:spPr>
-        <p:style>
-          <a:lnRef idx="1">
-            <a:schemeClr val="accent2"/>
-          </a:lnRef>
-          <a:fillRef idx="0">
-            <a:schemeClr val="accent2"/>
-          </a:fillRef>
-          <a:effectRef idx="0">
-            <a:schemeClr val="accent2"/>
-          </a:effectRef>
-          <a:fontRef idx="minor">
-            <a:schemeClr val="tx1"/>
-          </a:fontRef>
-        </p:style>
-      </p:cxnSp>
-      <p:sp>
-        <p:nvSpPr>
-          <p:cNvPr id="20" name="Text Box 2">
-            <a:extLst>
-              <a:ext uri="{FF2B5EF4-FFF2-40B4-BE49-F238E27FC236}">
-                <a16:creationId xmlns:a16="http://schemas.microsoft.com/office/drawing/2014/main" id="{0BC2D9CB-2659-451C-8382-8A2DAF9C3508}"/>
-              </a:ext>
-            </a:extLst>
-          </p:cNvPr>
-          <p:cNvSpPr txBox="1">
-            <a:spLocks noChangeArrowheads="1"/>
-          </p:cNvSpPr>
-          <p:nvPr/>
-        </p:nvSpPr>
-        <p:spPr bwMode="auto">
-          <a:xfrm>
-            <a:off x="3386239" y="4122515"/>
-            <a:ext cx="5597506" cy="337353"/>
-          </a:xfrm>
-          <a:prstGeom prst="rect">
-            <a:avLst/>
-          </a:prstGeom>
-          <a:solidFill>
-            <a:schemeClr val="accent2"/>
-          </a:solidFill>
-          <a:ln w="9525">
-            <a:solidFill>
-              <a:srgbClr val="000000"/>
-            </a:solidFill>
-            <a:miter lim="800000"/>
-            <a:headEnd/>
-            <a:tailEnd/>
-          </a:ln>
-        </p:spPr>
-        <p:txBody>
-          <a:bodyPr rot="0" vert="horz" wrap="square" lIns="91440" tIns="45720" rIns="91440" bIns="45720" anchor="t" anchorCtr="0">
-            <a:noAutofit/>
-          </a:bodyPr>
-          <a:lstStyle/>
-          <a:p>
-            <a:pPr>
-              <a:lnSpc>
-                <a:spcPct val="107000"/>
-              </a:lnSpc>
-              <a:spcAft>
-                <a:spcPts val="800"/>
-              </a:spcAft>
-            </a:pPr>
-            <a:r>
-              <a:rPr lang="en-SG" sz="1200" b="1" dirty="0">
-                <a:solidFill>
-                  <a:schemeClr val="bg1"/>
-                </a:solidFill>
-                <a:latin typeface="Arial Nova Cond" panose="020B0506020202020204" pitchFamily="34" charset="0"/>
-                <a:ea typeface="Calibri" panose="020F0502020204030204" pitchFamily="34" charset="0"/>
-                <a:cs typeface="Times New Roman" panose="02020603050405020304" pitchFamily="18" charset="0"/>
-              </a:rPr>
-              <a:t>2. The input gets automatically translated to tomorrow’s date in DD/MM/YYYY format.</a:t>
-            </a:r>
-            <a:endParaRPr lang="en-SG" sz="1200" dirty="0">
-              <a:solidFill>
-                <a:schemeClr val="bg1"/>
-              </a:solidFill>
-              <a:effectLst/>
-              <a:latin typeface="Calibri" panose="020F0502020204030204" pitchFamily="34" charset="0"/>
-              <a:ea typeface="Calibri" panose="020F0502020204030204" pitchFamily="34" charset="0"/>
-              <a:cs typeface="Times New Roman" panose="02020603050405020304" pitchFamily="18" charset="0"/>
-            </a:endParaRPr>
-          </a:p>
-        </p:txBody>
-      </p:sp>
-      <p:cxnSp>
-        <p:nvCxnSpPr>
-          <p:cNvPr id="21" name="Straight Arrow Connector 20">
-            <a:extLst>
-              <a:ext uri="{FF2B5EF4-FFF2-40B4-BE49-F238E27FC236}">
-                <a16:creationId xmlns:a16="http://schemas.microsoft.com/office/drawing/2014/main" id="{63153747-F7EF-4EA0-9951-35064829F4ED}"/>
-              </a:ext>
-            </a:extLst>
-          </p:cNvPr>
-          <p:cNvCxnSpPr>
-            <a:cxnSpLocks/>
-          </p:cNvCxnSpPr>
-          <p:nvPr/>
-        </p:nvCxnSpPr>
-        <p:spPr>
-          <a:xfrm flipH="1">
-            <a:off x="1687399" y="4291192"/>
-            <a:ext cx="1698840" cy="0"/>
-          </a:xfrm>
-          <a:prstGeom prst="straightConnector1">
-            <a:avLst/>
-          </a:prstGeom>
-          <a:ln>
-            <a:tailEnd type="triangle"/>
-          </a:ln>
-        </p:spPr>
-        <p:style>
-          <a:lnRef idx="1">
-            <a:schemeClr val="accent2"/>
-          </a:lnRef>
-          <a:fillRef idx="0">
-            <a:schemeClr val="accent2"/>
-          </a:fillRef>
-          <a:effectRef idx="0">
-            <a:schemeClr val="accent2"/>
-          </a:effectRef>
-          <a:fontRef idx="minor">
-            <a:schemeClr val="tx1"/>
-          </a:fontRef>
-        </p:style>
-      </p:cxnSp>
-      <p:pic>
-        <p:nvPicPr>
-          <p:cNvPr id="33" name="Picture 32">
-            <a:extLst>
-              <a:ext uri="{FF2B5EF4-FFF2-40B4-BE49-F238E27FC236}">
-                <a16:creationId xmlns:a16="http://schemas.microsoft.com/office/drawing/2014/main" id="{DD631BBA-0E3E-43E2-8500-21F676AF9031}"/>
-              </a:ext>
-            </a:extLst>
-          </p:cNvPr>
-          <p:cNvPicPr>
-            <a:picLocks noChangeAspect="1"/>
-          </p:cNvPicPr>
-          <p:nvPr/>
-        </p:nvPicPr>
-        <p:blipFill rotWithShape="1">
-          <a:blip r:embed="rId4"/>
-          <a:srcRect b="77041"/>
-          <a:stretch/>
-        </p:blipFill>
-        <p:spPr>
-          <a:xfrm>
-            <a:off x="0" y="4708799"/>
-            <a:ext cx="12192000" cy="2149200"/>
-          </a:xfrm>
-          <a:prstGeom prst="rect">
-            <a:avLst/>
-          </a:prstGeom>
-          <a:ln w="28575">
-            <a:solidFill>
-              <a:schemeClr val="tx1"/>
-            </a:solidFill>
-          </a:ln>
-        </p:spPr>
-      </p:pic>
-      <p:sp>
-        <p:nvSpPr>
-          <p:cNvPr id="39" name="TextBox 38">
-            <a:extLst>
-              <a:ext uri="{FF2B5EF4-FFF2-40B4-BE49-F238E27FC236}">
-                <a16:creationId xmlns:a16="http://schemas.microsoft.com/office/drawing/2014/main" id="{5EAFB21D-2263-4C83-B022-5334B380B6D5}"/>
-              </a:ext>
-            </a:extLst>
-          </p:cNvPr>
-          <p:cNvSpPr txBox="1"/>
-          <p:nvPr/>
-        </p:nvSpPr>
-        <p:spPr>
-          <a:xfrm>
-            <a:off x="2308194" y="5345436"/>
-            <a:ext cx="727969" cy="380661"/>
-          </a:xfrm>
-          <a:prstGeom prst="rect">
-            <a:avLst/>
-          </a:prstGeom>
-          <a:noFill/>
-          <a:ln w="38100">
-            <a:solidFill>
-              <a:schemeClr val="accent2"/>
-            </a:solidFill>
-          </a:ln>
-        </p:spPr>
-        <p:txBody>
-          <a:bodyPr wrap="square" rtlCol="0">
-            <a:spAutoFit/>
-          </a:bodyPr>
-          <a:lstStyle/>
-          <a:p>
-            <a:endParaRPr lang="en-SG" dirty="0"/>
-          </a:p>
-        </p:txBody>
-      </p:sp>
-      <p:sp>
-        <p:nvSpPr>
-          <p:cNvPr id="40" name="TextBox 39">
-            <a:extLst>
-              <a:ext uri="{FF2B5EF4-FFF2-40B4-BE49-F238E27FC236}">
-                <a16:creationId xmlns:a16="http://schemas.microsoft.com/office/drawing/2014/main" id="{17AB54A9-6339-48EA-8C56-94181E3182C6}"/>
-              </a:ext>
-            </a:extLst>
-          </p:cNvPr>
-          <p:cNvSpPr txBox="1"/>
-          <p:nvPr/>
-        </p:nvSpPr>
-        <p:spPr>
-          <a:xfrm>
-            <a:off x="0" y="6488667"/>
-            <a:ext cx="1621410" cy="369332"/>
-          </a:xfrm>
-          <a:prstGeom prst="rect">
-            <a:avLst/>
-          </a:prstGeom>
-          <a:noFill/>
-          <a:ln w="38100">
-            <a:solidFill>
-              <a:schemeClr val="accent2"/>
-            </a:solidFill>
-          </a:ln>
-        </p:spPr>
-        <p:txBody>
-          <a:bodyPr wrap="square" rtlCol="0">
-            <a:spAutoFit/>
-          </a:bodyPr>
-          <a:lstStyle/>
-          <a:p>
-            <a:endParaRPr lang="en-SG" dirty="0"/>
-          </a:p>
-        </p:txBody>
-      </p:sp>
-      <p:sp>
-        <p:nvSpPr>
-          <p:cNvPr id="41" name="Text Box 2">
-            <a:extLst>
-              <a:ext uri="{FF2B5EF4-FFF2-40B4-BE49-F238E27FC236}">
-                <a16:creationId xmlns:a16="http://schemas.microsoft.com/office/drawing/2014/main" id="{315BC484-2334-41CF-9937-44090B5E1785}"/>
-              </a:ext>
-            </a:extLst>
-          </p:cNvPr>
-          <p:cNvSpPr txBox="1">
-            <a:spLocks noChangeArrowheads="1"/>
-          </p:cNvSpPr>
-          <p:nvPr/>
-        </p:nvSpPr>
-        <p:spPr bwMode="auto">
-          <a:xfrm>
-            <a:off x="4776580" y="5347655"/>
-            <a:ext cx="4207164" cy="337353"/>
-          </a:xfrm>
-          <a:prstGeom prst="rect">
-            <a:avLst/>
-          </a:prstGeom>
-          <a:solidFill>
-            <a:schemeClr val="accent2"/>
-          </a:solidFill>
-          <a:ln w="9525">
-            <a:solidFill>
-              <a:srgbClr val="000000"/>
-            </a:solidFill>
-            <a:miter lim="800000"/>
-            <a:headEnd/>
-            <a:tailEnd/>
-          </a:ln>
-        </p:spPr>
-        <p:txBody>
-          <a:bodyPr rot="0" vert="horz" wrap="square" lIns="91440" tIns="45720" rIns="91440" bIns="45720" anchor="t" anchorCtr="0">
-            <a:noAutofit/>
-          </a:bodyPr>
-          <a:lstStyle/>
-          <a:p>
-            <a:pPr>
-              <a:lnSpc>
-                <a:spcPct val="107000"/>
-              </a:lnSpc>
-              <a:spcAft>
-                <a:spcPts val="800"/>
-              </a:spcAft>
-            </a:pPr>
-            <a:r>
-              <a:rPr lang="en-SG" sz="1200" b="1" dirty="0">
-                <a:solidFill>
-                  <a:schemeClr val="bg1"/>
-                </a:solidFill>
-                <a:latin typeface="Arial Nova Cond" panose="020B0506020202020204" pitchFamily="34" charset="0"/>
-                <a:ea typeface="Calibri" panose="020F0502020204030204" pitchFamily="34" charset="0"/>
-                <a:cs typeface="Times New Roman" panose="02020603050405020304" pitchFamily="18" charset="0"/>
-              </a:rPr>
-              <a:t>1. User has typed in “yesterday” as the start date of the project.</a:t>
-            </a:r>
-            <a:endParaRPr lang="en-SG" sz="1200" dirty="0">
-              <a:solidFill>
-                <a:schemeClr val="bg1"/>
-              </a:solidFill>
-              <a:effectLst/>
-              <a:latin typeface="Calibri" panose="020F0502020204030204" pitchFamily="34" charset="0"/>
-              <a:ea typeface="Calibri" panose="020F0502020204030204" pitchFamily="34" charset="0"/>
-              <a:cs typeface="Times New Roman" panose="02020603050405020304" pitchFamily="18" charset="0"/>
-            </a:endParaRPr>
-          </a:p>
-        </p:txBody>
-      </p:sp>
-      <p:cxnSp>
-        <p:nvCxnSpPr>
-          <p:cNvPr id="42" name="Straight Arrow Connector 41">
-            <a:extLst>
-              <a:ext uri="{FF2B5EF4-FFF2-40B4-BE49-F238E27FC236}">
-                <a16:creationId xmlns:a16="http://schemas.microsoft.com/office/drawing/2014/main" id="{BC073C4A-43A7-4185-BD9A-6864B1AC9E24}"/>
-              </a:ext>
-            </a:extLst>
-          </p:cNvPr>
-          <p:cNvCxnSpPr>
-            <a:cxnSpLocks/>
-          </p:cNvCxnSpPr>
-          <p:nvPr/>
-        </p:nvCxnSpPr>
-        <p:spPr>
-          <a:xfrm flipH="1" flipV="1">
-            <a:off x="3879542" y="5516331"/>
-            <a:ext cx="881619" cy="1"/>
-          </a:xfrm>
-          <a:prstGeom prst="straightConnector1">
-            <a:avLst/>
-          </a:prstGeom>
-          <a:ln>
-            <a:tailEnd type="triangle"/>
-          </a:ln>
-        </p:spPr>
-        <p:style>
-          <a:lnRef idx="1">
-            <a:schemeClr val="accent2"/>
-          </a:lnRef>
-          <a:fillRef idx="0">
-            <a:schemeClr val="accent2"/>
-          </a:fillRef>
-          <a:effectRef idx="0">
-            <a:schemeClr val="accent2"/>
-          </a:effectRef>
-          <a:fontRef idx="minor">
-            <a:schemeClr val="tx1"/>
-          </a:fontRef>
-        </p:style>
-      </p:cxnSp>
-      <p:sp>
-        <p:nvSpPr>
-          <p:cNvPr id="46" name="Text Box 2">
-            <a:extLst>
-              <a:ext uri="{FF2B5EF4-FFF2-40B4-BE49-F238E27FC236}">
-                <a16:creationId xmlns:a16="http://schemas.microsoft.com/office/drawing/2014/main" id="{4FB4D075-03AA-47EF-A287-C1265E95D04D}"/>
-              </a:ext>
-            </a:extLst>
-          </p:cNvPr>
-          <p:cNvSpPr txBox="1">
-            <a:spLocks noChangeArrowheads="1"/>
-          </p:cNvSpPr>
-          <p:nvPr/>
-        </p:nvSpPr>
-        <p:spPr bwMode="auto">
-          <a:xfrm>
-            <a:off x="3386239" y="6436866"/>
-            <a:ext cx="5597506" cy="337353"/>
-          </a:xfrm>
-          <a:prstGeom prst="rect">
-            <a:avLst/>
-          </a:prstGeom>
-          <a:solidFill>
-            <a:schemeClr val="accent2"/>
-          </a:solidFill>
-          <a:ln w="9525">
-            <a:solidFill>
-              <a:srgbClr val="000000"/>
-            </a:solidFill>
-            <a:miter lim="800000"/>
-            <a:headEnd/>
-            <a:tailEnd/>
-          </a:ln>
-        </p:spPr>
-        <p:txBody>
-          <a:bodyPr rot="0" vert="horz" wrap="square" lIns="91440" tIns="45720" rIns="91440" bIns="45720" anchor="t" anchorCtr="0">
-            <a:noAutofit/>
-          </a:bodyPr>
-          <a:lstStyle/>
-          <a:p>
-            <a:pPr>
-              <a:lnSpc>
-                <a:spcPct val="107000"/>
-              </a:lnSpc>
-              <a:spcAft>
-                <a:spcPts val="800"/>
-              </a:spcAft>
-            </a:pPr>
-            <a:r>
-              <a:rPr lang="en-SG" sz="1200" b="1" dirty="0">
-                <a:solidFill>
-                  <a:schemeClr val="bg1"/>
-                </a:solidFill>
-                <a:latin typeface="Arial Nova Cond" panose="020B0506020202020204" pitchFamily="34" charset="0"/>
-                <a:ea typeface="Calibri" panose="020F0502020204030204" pitchFamily="34" charset="0"/>
-                <a:cs typeface="Times New Roman" panose="02020603050405020304" pitchFamily="18" charset="0"/>
-              </a:rPr>
-              <a:t>2. The input gets automatically translated to yesterday’s date in DD/MM/YYYY format.</a:t>
-            </a:r>
-            <a:endParaRPr lang="en-SG" sz="1200" dirty="0">
-              <a:solidFill>
-                <a:schemeClr val="bg1"/>
-              </a:solidFill>
-              <a:effectLst/>
-              <a:latin typeface="Calibri" panose="020F0502020204030204" pitchFamily="34" charset="0"/>
-              <a:ea typeface="Calibri" panose="020F0502020204030204" pitchFamily="34" charset="0"/>
-              <a:cs typeface="Times New Roman" panose="02020603050405020304" pitchFamily="18" charset="0"/>
-            </a:endParaRPr>
-          </a:p>
-        </p:txBody>
-      </p:sp>
-      <p:cxnSp>
-        <p:nvCxnSpPr>
-          <p:cNvPr id="47" name="Straight Arrow Connector 46">
-            <a:extLst>
-              <a:ext uri="{FF2B5EF4-FFF2-40B4-BE49-F238E27FC236}">
-                <a16:creationId xmlns:a16="http://schemas.microsoft.com/office/drawing/2014/main" id="{CF78BE78-E149-4C61-9951-D600A9740339}"/>
-              </a:ext>
-            </a:extLst>
-          </p:cNvPr>
-          <p:cNvCxnSpPr>
-            <a:cxnSpLocks/>
-          </p:cNvCxnSpPr>
-          <p:nvPr/>
-        </p:nvCxnSpPr>
-        <p:spPr>
-          <a:xfrm flipH="1">
-            <a:off x="1687399" y="6610299"/>
-            <a:ext cx="1698840" cy="0"/>
-          </a:xfrm>
-          <a:prstGeom prst="straightConnector1">
-            <a:avLst/>
-          </a:prstGeom>
-          <a:ln>
-            <a:tailEnd type="triangle"/>
-          </a:ln>
-        </p:spPr>
-        <p:style>
-          <a:lnRef idx="1">
-            <a:schemeClr val="accent2"/>
-          </a:lnRef>
-          <a:fillRef idx="0">
-            <a:schemeClr val="accent2"/>
-          </a:fillRef>
-          <a:effectRef idx="0">
-            <a:schemeClr val="accent2"/>
-          </a:effectRef>
-          <a:fontRef idx="minor">
-            <a:schemeClr val="tx1"/>
-          </a:fontRef>
-        </p:style>
-      </p:cxnSp>
-      <p:sp>
-        <p:nvSpPr>
-          <p:cNvPr id="50" name="TextBox 49">
-            <a:extLst>
-              <a:ext uri="{FF2B5EF4-FFF2-40B4-BE49-F238E27FC236}">
-                <a16:creationId xmlns:a16="http://schemas.microsoft.com/office/drawing/2014/main" id="{B5E0AD04-9440-41C2-B4FB-B72E1A42A126}"/>
-              </a:ext>
-            </a:extLst>
-          </p:cNvPr>
-          <p:cNvSpPr txBox="1"/>
-          <p:nvPr/>
-        </p:nvSpPr>
-        <p:spPr>
-          <a:xfrm>
-            <a:off x="9223900" y="1109709"/>
-            <a:ext cx="2192783" cy="369332"/>
-          </a:xfrm>
-          <a:prstGeom prst="rect">
-            <a:avLst/>
-          </a:prstGeom>
-          <a:solidFill>
-            <a:schemeClr val="accent2"/>
-          </a:solidFill>
-          <a:ln>
-            <a:solidFill>
-              <a:schemeClr val="tx1"/>
-            </a:solidFill>
-          </a:ln>
-        </p:spPr>
-        <p:txBody>
-          <a:bodyPr wrap="square" rtlCol="0">
-            <a:spAutoFit/>
-          </a:bodyPr>
-          <a:lstStyle/>
-          <a:p>
-            <a:r>
-              <a:rPr lang="en-SG" b="1" dirty="0">
-                <a:solidFill>
-                  <a:schemeClr val="bg1"/>
-                </a:solidFill>
-                <a:latin typeface="Arial Nova Cond" panose="020B0506020202020204" pitchFamily="34" charset="0"/>
-              </a:rPr>
-              <a:t>Example 1: Today</a:t>
-            </a:r>
-          </a:p>
-        </p:txBody>
-      </p:sp>
-      <p:sp>
-        <p:nvSpPr>
-          <p:cNvPr id="51" name="TextBox 50">
-            <a:extLst>
-              <a:ext uri="{FF2B5EF4-FFF2-40B4-BE49-F238E27FC236}">
-                <a16:creationId xmlns:a16="http://schemas.microsoft.com/office/drawing/2014/main" id="{5B1329EE-3A70-40B4-89B8-2C228E21CD4F}"/>
-              </a:ext>
-            </a:extLst>
-          </p:cNvPr>
-          <p:cNvSpPr txBox="1"/>
-          <p:nvPr/>
-        </p:nvSpPr>
-        <p:spPr>
-          <a:xfrm>
-            <a:off x="9223898" y="5860742"/>
-            <a:ext cx="2192785" cy="369332"/>
-          </a:xfrm>
-          <a:prstGeom prst="rect">
-            <a:avLst/>
-          </a:prstGeom>
-          <a:solidFill>
-            <a:schemeClr val="accent2"/>
-          </a:solidFill>
-          <a:ln>
-            <a:solidFill>
-              <a:schemeClr val="tx1"/>
-            </a:solidFill>
-          </a:ln>
-        </p:spPr>
-        <p:txBody>
-          <a:bodyPr wrap="square" rtlCol="0">
-            <a:spAutoFit/>
-          </a:bodyPr>
-          <a:lstStyle/>
-          <a:p>
-            <a:r>
-              <a:rPr lang="en-SG" b="1" dirty="0">
-                <a:solidFill>
-                  <a:schemeClr val="bg1"/>
-                </a:solidFill>
-                <a:latin typeface="Arial Nova Cond" panose="020B0506020202020204" pitchFamily="34" charset="0"/>
-              </a:rPr>
-              <a:t>Example 3: Yesterday</a:t>
-            </a:r>
-          </a:p>
-        </p:txBody>
-      </p:sp>
-      <p:sp>
-        <p:nvSpPr>
-          <p:cNvPr id="52" name="TextBox 51">
-            <a:extLst>
-              <a:ext uri="{FF2B5EF4-FFF2-40B4-BE49-F238E27FC236}">
-                <a16:creationId xmlns:a16="http://schemas.microsoft.com/office/drawing/2014/main" id="{BD6EE5F3-40AA-43B5-A283-8ECC99BD8746}"/>
-              </a:ext>
-            </a:extLst>
-          </p:cNvPr>
-          <p:cNvSpPr txBox="1"/>
-          <p:nvPr/>
-        </p:nvSpPr>
-        <p:spPr>
-          <a:xfrm>
-            <a:off x="9223898" y="3489833"/>
-            <a:ext cx="2192785" cy="369332"/>
-          </a:xfrm>
-          <a:prstGeom prst="rect">
-            <a:avLst/>
-          </a:prstGeom>
-          <a:solidFill>
-            <a:schemeClr val="accent2"/>
-          </a:solidFill>
-          <a:ln>
-            <a:solidFill>
-              <a:schemeClr val="tx1"/>
-            </a:solidFill>
-          </a:ln>
-        </p:spPr>
-        <p:txBody>
-          <a:bodyPr wrap="square" rtlCol="0">
-            <a:spAutoFit/>
-          </a:bodyPr>
-          <a:lstStyle/>
-          <a:p>
-            <a:r>
-              <a:rPr lang="en-SG" b="1" dirty="0">
-                <a:solidFill>
-                  <a:schemeClr val="bg1"/>
-                </a:solidFill>
-                <a:latin typeface="Arial Nova Cond" panose="020B0506020202020204" pitchFamily="34" charset="0"/>
-              </a:rPr>
-              <a:t>Example 2: Tomorrow</a:t>
-            </a:r>
-          </a:p>
-        </p:txBody>
-      </p:sp>
-      <p:sp>
-        <p:nvSpPr>
-          <p:cNvPr id="53" name="TextBox 52">
-            <a:extLst>
-              <a:ext uri="{FF2B5EF4-FFF2-40B4-BE49-F238E27FC236}">
-                <a16:creationId xmlns:a16="http://schemas.microsoft.com/office/drawing/2014/main" id="{7A6B68EC-FC61-45F5-AE8D-D50121FFB36A}"/>
-              </a:ext>
-            </a:extLst>
-          </p:cNvPr>
-          <p:cNvSpPr txBox="1"/>
-          <p:nvPr/>
-        </p:nvSpPr>
-        <p:spPr>
-          <a:xfrm>
-            <a:off x="3295540" y="-13798"/>
-            <a:ext cx="5778903" cy="369332"/>
-          </a:xfrm>
-          <a:prstGeom prst="rect">
-            <a:avLst/>
-          </a:prstGeom>
-          <a:solidFill>
-            <a:schemeClr val="accent2"/>
-          </a:solidFill>
-          <a:ln>
-            <a:solidFill>
-              <a:schemeClr val="tx1"/>
-            </a:solidFill>
-          </a:ln>
-        </p:spPr>
-        <p:txBody>
-          <a:bodyPr wrap="square" rtlCol="0">
-            <a:spAutoFit/>
-          </a:bodyPr>
-          <a:lstStyle/>
-          <a:p>
-            <a:r>
-              <a:rPr lang="en-SG" b="1" dirty="0">
-                <a:solidFill>
-                  <a:schemeClr val="bg1"/>
-                </a:solidFill>
-                <a:latin typeface="Arial Nova Cond" panose="020B0506020202020204" pitchFamily="34" charset="0"/>
-              </a:rPr>
-              <a:t>Assuming current date is 12 April 2019 (12/04/2019), Friday</a:t>
-            </a:r>
-          </a:p>
-        </p:txBody>
-      </p:sp>
-    </p:spTree>
-    <p:extLst>
-      <p:ext uri="{BB962C8B-B14F-4D97-AF65-F5344CB8AC3E}">
-        <p14:creationId xmlns:p14="http://schemas.microsoft.com/office/powerpoint/2010/main" val="1649825059"/>
-      </p:ext>
-    </p:extLst>
-  </p:cSld>
-  <p:clrMapOvr>
-    <a:masterClrMapping/>
-  </p:clrMapOvr>
-</p:sld>
-</file>
-
-<file path=ppt/slides/slide13.xml><?xml version="1.0" encoding="utf-8"?>
-<p:sld xmlns:a="http://schemas.openxmlformats.org/drawingml/2006/main" xmlns:r="http://schemas.openxmlformats.org/officeDocument/2006/relationships" xmlns:p="http://schemas.openxmlformats.org/presentationml/2006/main">
-  <p:cSld>
-    <p:spTree>
-      <p:nvGrpSpPr>
-        <p:cNvPr id="1" name=""/>
-        <p:cNvGrpSpPr/>
-        <p:nvPr/>
-      </p:nvGrpSpPr>
-      <p:grpSpPr>
-        <a:xfrm>
-          <a:off x="0" y="0"/>
-          <a:ext cx="0" cy="0"/>
-          <a:chOff x="0" y="0"/>
-          <a:chExt cx="0" cy="0"/>
-        </a:xfrm>
-      </p:grpSpPr>
-      <p:pic>
-        <p:nvPicPr>
-          <p:cNvPr id="2" name="Picture 1">
-            <a:extLst>
-              <a:ext uri="{FF2B5EF4-FFF2-40B4-BE49-F238E27FC236}">
                 <a16:creationId xmlns:a16="http://schemas.microsoft.com/office/drawing/2014/main" id="{31E64AFC-D99F-48D4-8EB5-BCF0A54C2368}"/>
               </a:ext>
             </a:extLst>
@@ -6961,7 +5199,7 @@
 </p:sld>
 </file>
 
-<file path=ppt/slides/slide14.xml><?xml version="1.0" encoding="utf-8"?>
+<file path=ppt/slides/slide11.xml><?xml version="1.0" encoding="utf-8"?>
 <p:sld xmlns:a="http://schemas.openxmlformats.org/drawingml/2006/main" xmlns:r="http://schemas.openxmlformats.org/officeDocument/2006/relationships" xmlns:p="http://schemas.openxmlformats.org/presentationml/2006/main">
   <p:cSld>
     <p:spTree>
@@ -10361,7 +8599,29 @@
                 <a:ea typeface="Calibri" panose="020F0502020204030204" pitchFamily="34" charset="0"/>
                 <a:cs typeface="Times New Roman" panose="02020603050405020304" pitchFamily="18" charset="0"/>
               </a:rPr>
-              <a:t>2. Identify target employee from the list. For eg, target employee is at index 2 of the displayed list.</a:t>
+              <a:t>2. Identify target employee from the list. For </a:t>
+            </a:r>
+            <a:r>
+              <a:rPr lang="en-SG" sz="1200" b="1" dirty="0" err="1">
+                <a:solidFill>
+                  <a:schemeClr val="bg1"/>
+                </a:solidFill>
+                <a:latin typeface="Arial Nova Cond" panose="020B0506020202020204" pitchFamily="34" charset="0"/>
+                <a:ea typeface="Calibri" panose="020F0502020204030204" pitchFamily="34" charset="0"/>
+                <a:cs typeface="Times New Roman" panose="02020603050405020304" pitchFamily="18" charset="0"/>
+              </a:rPr>
+              <a:t>eg</a:t>
+            </a:r>
+            <a:r>
+              <a:rPr lang="en-SG" sz="1200" b="1" dirty="0">
+                <a:solidFill>
+                  <a:schemeClr val="bg1"/>
+                </a:solidFill>
+                <a:latin typeface="Arial Nova Cond" panose="020B0506020202020204" pitchFamily="34" charset="0"/>
+                <a:ea typeface="Calibri" panose="020F0502020204030204" pitchFamily="34" charset="0"/>
+                <a:cs typeface="Times New Roman" panose="02020603050405020304" pitchFamily="18" charset="0"/>
+              </a:rPr>
+              <a:t>, target employee is at index 2 of the displayed list.</a:t>
             </a:r>
             <a:endParaRPr lang="en-SG" sz="1200" dirty="0">
               <a:solidFill>
@@ -10943,7 +9203,29 @@
                 <a:ea typeface="Calibri" panose="020F0502020204030204" pitchFamily="34" charset="0"/>
                 <a:cs typeface="Times New Roman" panose="02020603050405020304" pitchFamily="18" charset="0"/>
               </a:rPr>
-              <a:t>1. Identify target project from the list of projects. For eg, name of target project is “Orbital”</a:t>
+              <a:t>1. Identify target project from the list of projects. For </a:t>
+            </a:r>
+            <a:r>
+              <a:rPr lang="en-SG" sz="1200" b="1" dirty="0" err="1">
+                <a:solidFill>
+                  <a:schemeClr val="bg1"/>
+                </a:solidFill>
+                <a:latin typeface="Arial Nova Cond" panose="020B0506020202020204" pitchFamily="34" charset="0"/>
+                <a:ea typeface="Calibri" panose="020F0502020204030204" pitchFamily="34" charset="0"/>
+                <a:cs typeface="Times New Roman" panose="02020603050405020304" pitchFamily="18" charset="0"/>
+              </a:rPr>
+              <a:t>eg</a:t>
+            </a:r>
+            <a:r>
+              <a:rPr lang="en-SG" sz="1200" b="1" dirty="0">
+                <a:solidFill>
+                  <a:schemeClr val="bg1"/>
+                </a:solidFill>
+                <a:latin typeface="Arial Nova Cond" panose="020B0506020202020204" pitchFamily="34" charset="0"/>
+                <a:ea typeface="Calibri" panose="020F0502020204030204" pitchFamily="34" charset="0"/>
+                <a:cs typeface="Times New Roman" panose="02020603050405020304" pitchFamily="18" charset="0"/>
+              </a:rPr>
+              <a:t>, name of target project is “Orbital”</a:t>
             </a:r>
             <a:endParaRPr lang="en-SG" sz="1200" dirty="0">
               <a:solidFill>
@@ -11466,10 +9748,10 @@
       </p:grpSpPr>
       <p:pic>
         <p:nvPicPr>
-          <p:cNvPr id="3" name="Picture 2">
-            <a:extLst>
-              <a:ext uri="{FF2B5EF4-FFF2-40B4-BE49-F238E27FC236}">
-                <a16:creationId xmlns:a16="http://schemas.microsoft.com/office/drawing/2014/main" id="{7E4F4B5F-370C-4592-AC1D-71312B1F61A6}"/>
+          <p:cNvPr id="2" name="Picture 1">
+            <a:extLst>
+              <a:ext uri="{FF2B5EF4-FFF2-40B4-BE49-F238E27FC236}">
+                <a16:creationId xmlns:a16="http://schemas.microsoft.com/office/drawing/2014/main" id="{B094C944-B477-436C-ACB6-B9990EF3069E}"/>
               </a:ext>
             </a:extLst>
           </p:cNvPr>
@@ -11478,46 +9760,53 @@
           </p:cNvPicPr>
           <p:nvPr/>
         </p:nvPicPr>
-        <p:blipFill>
+        <p:blipFill rotWithShape="1">
           <a:blip r:embed="rId2"/>
-          <a:stretch>
-            <a:fillRect/>
-          </a:stretch>
+          <a:srcRect r="81953" b="87639"/>
+          <a:stretch/>
         </p:blipFill>
         <p:spPr>
           <a:xfrm>
             <a:off x="0" y="0"/>
-            <a:ext cx="12192000" cy="6858000"/>
+            <a:ext cx="12281408" cy="6858000"/>
           </a:xfrm>
           <a:prstGeom prst="rect">
             <a:avLst/>
           </a:prstGeom>
+          <a:ln w="76200">
+            <a:solidFill>
+              <a:schemeClr val="bg1"/>
+            </a:solidFill>
+          </a:ln>
         </p:spPr>
       </p:pic>
-      <p:sp>
-        <p:nvSpPr>
-          <p:cNvPr id="4" name="Right Brace 3">
-            <a:extLst>
-              <a:ext uri="{FF2B5EF4-FFF2-40B4-BE49-F238E27FC236}">
-                <a16:creationId xmlns:a16="http://schemas.microsoft.com/office/drawing/2014/main" id="{8C9DA5B1-E700-4CAD-AB10-097629CCEE17}"/>
-              </a:ext>
-            </a:extLst>
-          </p:cNvPr>
-          <p:cNvSpPr/>
-          <p:nvPr/>
-        </p:nvSpPr>
-        <p:spPr>
-          <a:xfrm>
-            <a:off x="2143125" y="2551314"/>
-            <a:ext cx="404766" cy="3884997"/>
-          </a:xfrm>
-          <a:prstGeom prst="rightBrace">
-            <a:avLst/>
-          </a:prstGeom>
-          <a:ln w="38100">
+      <p:cxnSp>
+        <p:nvCxnSpPr>
+          <p:cNvPr id="4" name="Straight Arrow Connector 3">
+            <a:extLst>
+              <a:ext uri="{FF2B5EF4-FFF2-40B4-BE49-F238E27FC236}">
+                <a16:creationId xmlns:a16="http://schemas.microsoft.com/office/drawing/2014/main" id="{E458FA27-34B2-4B06-BB74-D2F3E4937377}"/>
+              </a:ext>
+            </a:extLst>
+          </p:cNvPr>
+          <p:cNvCxnSpPr>
+            <a:cxnSpLocks/>
+          </p:cNvCxnSpPr>
+          <p:nvPr/>
+        </p:nvCxnSpPr>
+        <p:spPr>
+          <a:xfrm flipH="1">
+            <a:off x="4722923" y="0"/>
+            <a:ext cx="3160448" cy="3036163"/>
+          </a:xfrm>
+          <a:prstGeom prst="straightConnector1">
+            <a:avLst/>
+          </a:prstGeom>
+          <a:ln w="76200">
             <a:solidFill>
               <a:schemeClr val="accent2"/>
             </a:solidFill>
+            <a:tailEnd type="triangle"/>
           </a:ln>
         </p:spPr>
         <p:style>
@@ -11534,757 +9823,11 @@
             <a:schemeClr val="tx1"/>
           </a:fontRef>
         </p:style>
-        <p:txBody>
-          <a:bodyPr rtlCol="0" anchor="ctr"/>
-          <a:lstStyle/>
-          <a:p>
-            <a:pPr algn="ctr"/>
-            <a:endParaRPr lang="en-SG" dirty="0"/>
-          </a:p>
-        </p:txBody>
-      </p:sp>
-      <p:sp>
-        <p:nvSpPr>
-          <p:cNvPr id="5" name="Text Box 2">
-            <a:extLst>
-              <a:ext uri="{FF2B5EF4-FFF2-40B4-BE49-F238E27FC236}">
-                <a16:creationId xmlns:a16="http://schemas.microsoft.com/office/drawing/2014/main" id="{4E71F7AF-136B-4111-8EB2-97818063643F}"/>
-              </a:ext>
-            </a:extLst>
-          </p:cNvPr>
-          <p:cNvSpPr txBox="1">
-            <a:spLocks noChangeArrowheads="1"/>
-          </p:cNvSpPr>
-          <p:nvPr/>
-        </p:nvSpPr>
-        <p:spPr bwMode="auto">
-          <a:xfrm>
-            <a:off x="2547891" y="3951094"/>
-            <a:ext cx="1660125" cy="1085436"/>
-          </a:xfrm>
-          <a:prstGeom prst="rect">
-            <a:avLst/>
-          </a:prstGeom>
-          <a:solidFill>
-            <a:schemeClr val="accent2"/>
-          </a:solidFill>
-          <a:ln w="9525">
-            <a:solidFill>
-              <a:srgbClr val="000000"/>
-            </a:solidFill>
-            <a:miter lim="800000"/>
-            <a:headEnd/>
-            <a:tailEnd/>
-          </a:ln>
-        </p:spPr>
-        <p:txBody>
-          <a:bodyPr rot="0" vert="horz" wrap="square" lIns="91440" tIns="45720" rIns="91440" bIns="45720" anchor="t" anchorCtr="0">
-            <a:noAutofit/>
-          </a:bodyPr>
-          <a:lstStyle/>
-          <a:p>
-            <a:pPr>
-              <a:lnSpc>
-                <a:spcPct val="107000"/>
-              </a:lnSpc>
-              <a:spcAft>
-                <a:spcPts val="800"/>
-              </a:spcAft>
-            </a:pPr>
-            <a:r>
-              <a:rPr lang="en-SG" sz="1200" b="1" dirty="0">
-                <a:solidFill>
-                  <a:schemeClr val="bg1"/>
-                </a:solidFill>
-                <a:latin typeface="Arial Nova Cond" panose="020B0506020202020204" pitchFamily="34" charset="0"/>
-                <a:ea typeface="Calibri" panose="020F0502020204030204" pitchFamily="34" charset="0"/>
-                <a:cs typeface="Times New Roman" panose="02020603050405020304" pitchFamily="18" charset="0"/>
-              </a:rPr>
-              <a:t>1. Identify target project from the list of projects. For eg, name of target project is “Orbital”</a:t>
-            </a:r>
-            <a:endParaRPr lang="en-SG" sz="1200" dirty="0">
-              <a:solidFill>
-                <a:schemeClr val="bg1"/>
-              </a:solidFill>
-              <a:effectLst/>
-              <a:latin typeface="Calibri" panose="020F0502020204030204" pitchFamily="34" charset="0"/>
-              <a:ea typeface="Calibri" panose="020F0502020204030204" pitchFamily="34" charset="0"/>
-              <a:cs typeface="Times New Roman" panose="02020603050405020304" pitchFamily="18" charset="0"/>
-            </a:endParaRPr>
-          </a:p>
-        </p:txBody>
-      </p:sp>
-      <p:sp>
-        <p:nvSpPr>
-          <p:cNvPr id="6" name="Text Box 2">
-            <a:extLst>
-              <a:ext uri="{FF2B5EF4-FFF2-40B4-BE49-F238E27FC236}">
-                <a16:creationId xmlns:a16="http://schemas.microsoft.com/office/drawing/2014/main" id="{23E4F310-42BB-4073-99B0-EB563178276A}"/>
-              </a:ext>
-            </a:extLst>
-          </p:cNvPr>
-          <p:cNvSpPr txBox="1">
-            <a:spLocks noChangeArrowheads="1"/>
-          </p:cNvSpPr>
-          <p:nvPr/>
-        </p:nvSpPr>
-        <p:spPr bwMode="auto">
-          <a:xfrm>
-            <a:off x="5238101" y="510466"/>
-            <a:ext cx="3992086" cy="337353"/>
-          </a:xfrm>
-          <a:prstGeom prst="rect">
-            <a:avLst/>
-          </a:prstGeom>
-          <a:solidFill>
-            <a:schemeClr val="accent2"/>
-          </a:solidFill>
-          <a:ln w="9525">
-            <a:solidFill>
-              <a:srgbClr val="000000"/>
-            </a:solidFill>
-            <a:miter lim="800000"/>
-            <a:headEnd/>
-            <a:tailEnd/>
-          </a:ln>
-        </p:spPr>
-        <p:txBody>
-          <a:bodyPr rot="0" vert="horz" wrap="square" lIns="91440" tIns="45720" rIns="91440" bIns="45720" anchor="t" anchorCtr="0">
-            <a:noAutofit/>
-          </a:bodyPr>
-          <a:lstStyle/>
-          <a:p>
-            <a:pPr>
-              <a:lnSpc>
-                <a:spcPct val="107000"/>
-              </a:lnSpc>
-              <a:spcAft>
-                <a:spcPts val="800"/>
-              </a:spcAft>
-            </a:pPr>
-            <a:r>
-              <a:rPr lang="en-SG" sz="1200" b="1" dirty="0">
-                <a:solidFill>
-                  <a:schemeClr val="bg1"/>
-                </a:solidFill>
-                <a:effectLst/>
-                <a:latin typeface="Arial Nova Cond" panose="020B0506020202020204" pitchFamily="34" charset="0"/>
-                <a:ea typeface="Calibri" panose="020F0502020204030204" pitchFamily="34" charset="0"/>
-                <a:cs typeface="Times New Roman" panose="02020603050405020304" pitchFamily="18" charset="0"/>
-              </a:rPr>
-              <a:t>3. Type the command to add a task to a project’s milestone</a:t>
-            </a:r>
-            <a:endParaRPr lang="en-SG" sz="1200" dirty="0">
-              <a:solidFill>
-                <a:schemeClr val="bg1"/>
-              </a:solidFill>
-              <a:effectLst/>
-              <a:latin typeface="Calibri" panose="020F0502020204030204" pitchFamily="34" charset="0"/>
-              <a:ea typeface="Calibri" panose="020F0502020204030204" pitchFamily="34" charset="0"/>
-              <a:cs typeface="Times New Roman" panose="02020603050405020304" pitchFamily="18" charset="0"/>
-            </a:endParaRPr>
-          </a:p>
-        </p:txBody>
-      </p:sp>
-      <p:cxnSp>
-        <p:nvCxnSpPr>
-          <p:cNvPr id="7" name="Straight Arrow Connector 6">
-            <a:extLst>
-              <a:ext uri="{FF2B5EF4-FFF2-40B4-BE49-F238E27FC236}">
-                <a16:creationId xmlns:a16="http://schemas.microsoft.com/office/drawing/2014/main" id="{68A0399F-718A-451F-87C5-C0FFAEE48D48}"/>
-              </a:ext>
-            </a:extLst>
-          </p:cNvPr>
-          <p:cNvCxnSpPr>
-            <a:cxnSpLocks/>
-            <a:stCxn id="6" idx="1"/>
-          </p:cNvCxnSpPr>
-          <p:nvPr/>
-        </p:nvCxnSpPr>
-        <p:spPr>
-          <a:xfrm flipH="1">
-            <a:off x="3921341" y="679143"/>
-            <a:ext cx="1316760" cy="0"/>
-          </a:xfrm>
-          <a:prstGeom prst="straightConnector1">
-            <a:avLst/>
-          </a:prstGeom>
-          <a:ln>
-            <a:tailEnd type="triangle"/>
-          </a:ln>
-        </p:spPr>
-        <p:style>
-          <a:lnRef idx="1">
-            <a:schemeClr val="accent2"/>
-          </a:lnRef>
-          <a:fillRef idx="0">
-            <a:schemeClr val="accent2"/>
-          </a:fillRef>
-          <a:effectRef idx="0">
-            <a:schemeClr val="accent2"/>
-          </a:effectRef>
-          <a:fontRef idx="minor">
-            <a:schemeClr val="tx1"/>
-          </a:fontRef>
-        </p:style>
       </p:cxnSp>
-      <p:sp>
-        <p:nvSpPr>
-          <p:cNvPr id="8" name="Text Box 2">
-            <a:extLst>
-              <a:ext uri="{FF2B5EF4-FFF2-40B4-BE49-F238E27FC236}">
-                <a16:creationId xmlns:a16="http://schemas.microsoft.com/office/drawing/2014/main" id="{D3275FB8-0D08-45B7-8712-0608704D9006}"/>
-              </a:ext>
-            </a:extLst>
-          </p:cNvPr>
-          <p:cNvSpPr txBox="1">
-            <a:spLocks noChangeArrowheads="1"/>
-          </p:cNvSpPr>
-          <p:nvPr/>
-        </p:nvSpPr>
-        <p:spPr bwMode="auto">
-          <a:xfrm>
-            <a:off x="5991505" y="1234325"/>
-            <a:ext cx="4706085" cy="501590"/>
-          </a:xfrm>
-          <a:prstGeom prst="rect">
-            <a:avLst/>
-          </a:prstGeom>
-          <a:solidFill>
-            <a:schemeClr val="accent2"/>
-          </a:solidFill>
-          <a:ln w="9525">
-            <a:solidFill>
-              <a:srgbClr val="000000"/>
-            </a:solidFill>
-            <a:miter lim="800000"/>
-            <a:headEnd/>
-            <a:tailEnd/>
-          </a:ln>
-        </p:spPr>
-        <p:txBody>
-          <a:bodyPr rot="0" vert="horz" wrap="square" lIns="91440" tIns="45720" rIns="91440" bIns="45720" anchor="t" anchorCtr="0">
-            <a:noAutofit/>
-          </a:bodyPr>
-          <a:lstStyle/>
-          <a:p>
-            <a:pPr>
-              <a:lnSpc>
-                <a:spcPct val="107000"/>
-              </a:lnSpc>
-              <a:spcAft>
-                <a:spcPts val="800"/>
-              </a:spcAft>
-            </a:pPr>
-            <a:r>
-              <a:rPr lang="en-SG" sz="1200" b="1" dirty="0">
-                <a:solidFill>
-                  <a:schemeClr val="bg1"/>
-                </a:solidFill>
-                <a:latin typeface="Arial Nova Cond" panose="020B0506020202020204" pitchFamily="34" charset="0"/>
-                <a:ea typeface="Calibri" panose="020F0502020204030204" pitchFamily="34" charset="0"/>
-                <a:cs typeface="Times New Roman" panose="02020603050405020304" pitchFamily="18" charset="0"/>
-              </a:rPr>
-              <a:t>4. The details of the added project task, the target milestone index, 2, and the target project, Orbital, will be indicated in the success message</a:t>
-            </a:r>
-            <a:endParaRPr lang="en-SG" sz="2000" dirty="0">
-              <a:solidFill>
-                <a:schemeClr val="bg1"/>
-              </a:solidFill>
-              <a:latin typeface="Calibri" panose="020F0502020204030204" pitchFamily="34" charset="0"/>
-              <a:ea typeface="Calibri" panose="020F0502020204030204" pitchFamily="34" charset="0"/>
-              <a:cs typeface="Times New Roman" panose="02020603050405020304" pitchFamily="18" charset="0"/>
-            </a:endParaRPr>
-          </a:p>
-        </p:txBody>
-      </p:sp>
-      <p:cxnSp>
-        <p:nvCxnSpPr>
-          <p:cNvPr id="9" name="Connector: Elbow 8">
-            <a:extLst>
-              <a:ext uri="{FF2B5EF4-FFF2-40B4-BE49-F238E27FC236}">
-                <a16:creationId xmlns:a16="http://schemas.microsoft.com/office/drawing/2014/main" id="{CAB73BA0-C554-4628-83CD-9E503DE433FD}"/>
-              </a:ext>
-            </a:extLst>
-          </p:cNvPr>
-          <p:cNvCxnSpPr>
-            <a:cxnSpLocks/>
-            <a:stCxn id="8" idx="0"/>
-          </p:cNvCxnSpPr>
-          <p:nvPr/>
-        </p:nvCxnSpPr>
-        <p:spPr>
-          <a:xfrm rot="16200000" flipV="1">
-            <a:off x="6904380" y="-205843"/>
-            <a:ext cx="157392" cy="2722944"/>
-          </a:xfrm>
-          <a:prstGeom prst="bentConnector2">
-            <a:avLst/>
-          </a:prstGeom>
-          <a:ln>
-            <a:tailEnd type="triangle"/>
-          </a:ln>
-        </p:spPr>
-        <p:style>
-          <a:lnRef idx="1">
-            <a:schemeClr val="accent2"/>
-          </a:lnRef>
-          <a:fillRef idx="0">
-            <a:schemeClr val="accent2"/>
-          </a:fillRef>
-          <a:effectRef idx="0">
-            <a:schemeClr val="accent2"/>
-          </a:effectRef>
-          <a:fontRef idx="minor">
-            <a:schemeClr val="tx1"/>
-          </a:fontRef>
-        </p:style>
-      </p:cxnSp>
-      <p:sp>
-        <p:nvSpPr>
-          <p:cNvPr id="10" name="Text Box 2">
-            <a:extLst>
-              <a:ext uri="{FF2B5EF4-FFF2-40B4-BE49-F238E27FC236}">
-                <a16:creationId xmlns:a16="http://schemas.microsoft.com/office/drawing/2014/main" id="{ECAEC7BA-E888-4F2C-A645-3C79DCC5D41B}"/>
-              </a:ext>
-            </a:extLst>
-          </p:cNvPr>
-          <p:cNvSpPr txBox="1">
-            <a:spLocks noChangeArrowheads="1"/>
-          </p:cNvSpPr>
-          <p:nvPr/>
-        </p:nvSpPr>
-        <p:spPr bwMode="auto">
-          <a:xfrm>
-            <a:off x="10204142" y="1790383"/>
-            <a:ext cx="1940141" cy="1640336"/>
-          </a:xfrm>
-          <a:prstGeom prst="rect">
-            <a:avLst/>
-          </a:prstGeom>
-          <a:solidFill>
-            <a:schemeClr val="accent2"/>
-          </a:solidFill>
-          <a:ln w="9525">
-            <a:solidFill>
-              <a:srgbClr val="000000"/>
-            </a:solidFill>
-            <a:miter lim="800000"/>
-            <a:headEnd/>
-            <a:tailEnd/>
-          </a:ln>
-        </p:spPr>
-        <p:txBody>
-          <a:bodyPr rot="0" vert="horz" wrap="square" lIns="91440" tIns="45720" rIns="91440" bIns="45720" anchor="t" anchorCtr="0">
-            <a:noAutofit/>
-          </a:bodyPr>
-          <a:lstStyle/>
-          <a:p>
-            <a:pPr>
-              <a:lnSpc>
-                <a:spcPct val="107000"/>
-              </a:lnSpc>
-              <a:spcAft>
-                <a:spcPts val="800"/>
-              </a:spcAft>
-            </a:pPr>
-            <a:r>
-              <a:rPr lang="en-SG" sz="1200" b="1" dirty="0">
-                <a:solidFill>
-                  <a:schemeClr val="bg1"/>
-                </a:solidFill>
-                <a:effectLst/>
-                <a:latin typeface="Arial Nova Cond" panose="020B0506020202020204" pitchFamily="34" charset="0"/>
-                <a:ea typeface="Calibri" panose="020F0502020204030204" pitchFamily="34" charset="0"/>
-                <a:cs typeface="Times New Roman" panose="02020603050405020304" pitchFamily="18" charset="0"/>
-              </a:rPr>
-              <a:t>5. By selecting project “Orbital” and using the arrows to toggle to the list of milestones and tasks under project “Orbital”, you will be able to see the new project task </a:t>
-            </a:r>
-            <a:r>
-              <a:rPr lang="en-SG" sz="1200" b="1" dirty="0">
-                <a:solidFill>
-                  <a:schemeClr val="bg1"/>
-                </a:solidFill>
-                <a:latin typeface="Arial Nova Cond" panose="020B0506020202020204" pitchFamily="34" charset="0"/>
-                <a:ea typeface="Calibri" panose="020F0502020204030204" pitchFamily="34" charset="0"/>
-                <a:cs typeface="Times New Roman" panose="02020603050405020304" pitchFamily="18" charset="0"/>
-              </a:rPr>
-              <a:t>already added to the list.</a:t>
-            </a:r>
-            <a:endParaRPr lang="en-SG" sz="1200" dirty="0">
-              <a:solidFill>
-                <a:schemeClr val="bg1"/>
-              </a:solidFill>
-              <a:effectLst/>
-              <a:latin typeface="Calibri" panose="020F0502020204030204" pitchFamily="34" charset="0"/>
-              <a:ea typeface="Calibri" panose="020F0502020204030204" pitchFamily="34" charset="0"/>
-              <a:cs typeface="Times New Roman" panose="02020603050405020304" pitchFamily="18" charset="0"/>
-            </a:endParaRPr>
-          </a:p>
-        </p:txBody>
-      </p:sp>
-      <p:cxnSp>
-        <p:nvCxnSpPr>
-          <p:cNvPr id="11" name="Straight Connector 10">
-            <a:extLst>
-              <a:ext uri="{FF2B5EF4-FFF2-40B4-BE49-F238E27FC236}">
-                <a16:creationId xmlns:a16="http://schemas.microsoft.com/office/drawing/2014/main" id="{BC0A7E02-D18D-44A1-B1F7-C7BF0389E605}"/>
-              </a:ext>
-            </a:extLst>
-          </p:cNvPr>
-          <p:cNvCxnSpPr/>
-          <p:nvPr/>
-        </p:nvCxnSpPr>
-        <p:spPr>
-          <a:xfrm flipH="1">
-            <a:off x="8313013" y="2133705"/>
-            <a:ext cx="1873189" cy="0"/>
-          </a:xfrm>
-          <a:prstGeom prst="line">
-            <a:avLst/>
-          </a:prstGeom>
-        </p:spPr>
-        <p:style>
-          <a:lnRef idx="1">
-            <a:schemeClr val="accent2"/>
-          </a:lnRef>
-          <a:fillRef idx="0">
-            <a:schemeClr val="accent2"/>
-          </a:fillRef>
-          <a:effectRef idx="0">
-            <a:schemeClr val="accent2"/>
-          </a:effectRef>
-          <a:fontRef idx="minor">
-            <a:schemeClr val="tx1"/>
-          </a:fontRef>
-        </p:style>
-      </p:cxnSp>
-      <p:cxnSp>
-        <p:nvCxnSpPr>
-          <p:cNvPr id="12" name="Straight Arrow Connector 11">
-            <a:extLst>
-              <a:ext uri="{FF2B5EF4-FFF2-40B4-BE49-F238E27FC236}">
-                <a16:creationId xmlns:a16="http://schemas.microsoft.com/office/drawing/2014/main" id="{0BE3FAB7-3345-4C33-85E8-03C107E4801C}"/>
-              </a:ext>
-            </a:extLst>
-          </p:cNvPr>
-          <p:cNvCxnSpPr/>
-          <p:nvPr/>
-        </p:nvCxnSpPr>
-        <p:spPr>
-          <a:xfrm>
-            <a:off x="8313013" y="2127734"/>
-            <a:ext cx="0" cy="692458"/>
-          </a:xfrm>
-          <a:prstGeom prst="straightConnector1">
-            <a:avLst/>
-          </a:prstGeom>
-          <a:ln>
-            <a:tailEnd type="triangle"/>
-          </a:ln>
-        </p:spPr>
-        <p:style>
-          <a:lnRef idx="1">
-            <a:schemeClr val="accent2"/>
-          </a:lnRef>
-          <a:fillRef idx="0">
-            <a:schemeClr val="accent2"/>
-          </a:fillRef>
-          <a:effectRef idx="0">
-            <a:schemeClr val="accent2"/>
-          </a:effectRef>
-          <a:fontRef idx="minor">
-            <a:schemeClr val="tx1"/>
-          </a:fontRef>
-        </p:style>
-      </p:cxnSp>
-      <p:sp>
-        <p:nvSpPr>
-          <p:cNvPr id="13" name="Text Box 2">
-            <a:extLst>
-              <a:ext uri="{FF2B5EF4-FFF2-40B4-BE49-F238E27FC236}">
-                <a16:creationId xmlns:a16="http://schemas.microsoft.com/office/drawing/2014/main" id="{C66E2AF0-076D-42E5-90EF-41D8125B88EA}"/>
-              </a:ext>
-            </a:extLst>
-          </p:cNvPr>
-          <p:cNvSpPr txBox="1">
-            <a:spLocks noChangeArrowheads="1"/>
-          </p:cNvSpPr>
-          <p:nvPr/>
-        </p:nvSpPr>
-        <p:spPr bwMode="auto">
-          <a:xfrm>
-            <a:off x="6546727" y="3725299"/>
-            <a:ext cx="1940141" cy="1254130"/>
-          </a:xfrm>
-          <a:prstGeom prst="rect">
-            <a:avLst/>
-          </a:prstGeom>
-          <a:solidFill>
-            <a:schemeClr val="accent2"/>
-          </a:solidFill>
-          <a:ln w="9525">
-            <a:solidFill>
-              <a:srgbClr val="000000"/>
-            </a:solidFill>
-            <a:miter lim="800000"/>
-            <a:headEnd/>
-            <a:tailEnd/>
-          </a:ln>
-        </p:spPr>
-        <p:txBody>
-          <a:bodyPr rot="0" vert="horz" wrap="square" lIns="91440" tIns="45720" rIns="91440" bIns="45720" anchor="t" anchorCtr="0">
-            <a:noAutofit/>
-          </a:bodyPr>
-          <a:lstStyle/>
-          <a:p>
-            <a:pPr>
-              <a:lnSpc>
-                <a:spcPct val="107000"/>
-              </a:lnSpc>
-              <a:spcAft>
-                <a:spcPts val="800"/>
-              </a:spcAft>
-            </a:pPr>
-            <a:r>
-              <a:rPr lang="en-SG" sz="1200" b="1" dirty="0">
-                <a:solidFill>
-                  <a:schemeClr val="bg1"/>
-                </a:solidFill>
-                <a:effectLst/>
-                <a:latin typeface="Arial Nova Cond" panose="020B0506020202020204" pitchFamily="34" charset="0"/>
-                <a:ea typeface="Calibri" panose="020F0502020204030204" pitchFamily="34" charset="0"/>
-                <a:cs typeface="Times New Roman" panose="02020603050405020304" pitchFamily="18" charset="0"/>
-              </a:rPr>
-              <a:t>6. The new project task is added under the milestone at index 2. Project tasks are set to ongoing status by default on addition to the milestone.</a:t>
-            </a:r>
-            <a:endParaRPr lang="en-SG" sz="1200" dirty="0">
-              <a:solidFill>
-                <a:schemeClr val="bg1"/>
-              </a:solidFill>
-              <a:effectLst/>
-              <a:latin typeface="Calibri" panose="020F0502020204030204" pitchFamily="34" charset="0"/>
-              <a:ea typeface="Calibri" panose="020F0502020204030204" pitchFamily="34" charset="0"/>
-              <a:cs typeface="Times New Roman" panose="02020603050405020304" pitchFamily="18" charset="0"/>
-            </a:endParaRPr>
-          </a:p>
-        </p:txBody>
-      </p:sp>
-      <p:cxnSp>
-        <p:nvCxnSpPr>
-          <p:cNvPr id="18" name="Connector: Elbow 17">
-            <a:extLst>
-              <a:ext uri="{FF2B5EF4-FFF2-40B4-BE49-F238E27FC236}">
-                <a16:creationId xmlns:a16="http://schemas.microsoft.com/office/drawing/2014/main" id="{5CA6284A-CCC3-46C4-845B-2837DC370A3F}"/>
-              </a:ext>
-            </a:extLst>
-          </p:cNvPr>
-          <p:cNvCxnSpPr>
-            <a:cxnSpLocks/>
-            <a:stCxn id="13" idx="0"/>
-          </p:cNvCxnSpPr>
-          <p:nvPr/>
-        </p:nvCxnSpPr>
-        <p:spPr>
-          <a:xfrm rot="16200000" flipV="1">
-            <a:off x="6929720" y="3138220"/>
-            <a:ext cx="360000" cy="814157"/>
-          </a:xfrm>
-          <a:prstGeom prst="bentConnector2">
-            <a:avLst/>
-          </a:prstGeom>
-          <a:ln>
-            <a:tailEnd type="triangle"/>
-          </a:ln>
-        </p:spPr>
-        <p:style>
-          <a:lnRef idx="1">
-            <a:schemeClr val="accent2"/>
-          </a:lnRef>
-          <a:fillRef idx="0">
-            <a:schemeClr val="accent2"/>
-          </a:fillRef>
-          <a:effectRef idx="0">
-            <a:schemeClr val="accent2"/>
-          </a:effectRef>
-          <a:fontRef idx="minor">
-            <a:schemeClr val="tx1"/>
-          </a:fontRef>
-        </p:style>
-      </p:cxnSp>
-      <p:sp>
-        <p:nvSpPr>
-          <p:cNvPr id="23" name="Text Box 2">
-            <a:extLst>
-              <a:ext uri="{FF2B5EF4-FFF2-40B4-BE49-F238E27FC236}">
-                <a16:creationId xmlns:a16="http://schemas.microsoft.com/office/drawing/2014/main" id="{E18A2A79-2A84-4295-A353-0065DCBB2CE9}"/>
-              </a:ext>
-            </a:extLst>
-          </p:cNvPr>
-          <p:cNvSpPr txBox="1">
-            <a:spLocks noChangeArrowheads="1"/>
-          </p:cNvSpPr>
-          <p:nvPr/>
-        </p:nvSpPr>
-        <p:spPr bwMode="auto">
-          <a:xfrm>
-            <a:off x="2481170" y="2596898"/>
-            <a:ext cx="1459544" cy="935764"/>
-          </a:xfrm>
-          <a:prstGeom prst="rect">
-            <a:avLst/>
-          </a:prstGeom>
-          <a:solidFill>
-            <a:schemeClr val="accent2"/>
-          </a:solidFill>
-          <a:ln w="9525">
-            <a:solidFill>
-              <a:srgbClr val="000000"/>
-            </a:solidFill>
-            <a:miter lim="800000"/>
-            <a:headEnd/>
-            <a:tailEnd/>
-          </a:ln>
-        </p:spPr>
-        <p:txBody>
-          <a:bodyPr rot="0" vert="horz" wrap="square" lIns="91440" tIns="45720" rIns="91440" bIns="45720" anchor="t" anchorCtr="0">
-            <a:noAutofit/>
-          </a:bodyPr>
-          <a:lstStyle/>
-          <a:p>
-            <a:pPr>
-              <a:lnSpc>
-                <a:spcPct val="107000"/>
-              </a:lnSpc>
-              <a:spcAft>
-                <a:spcPts val="800"/>
-              </a:spcAft>
-            </a:pPr>
-            <a:r>
-              <a:rPr lang="en-SG" sz="1200" b="1" dirty="0">
-                <a:solidFill>
-                  <a:schemeClr val="bg1"/>
-                </a:solidFill>
-                <a:effectLst/>
-                <a:latin typeface="Arial Nova Cond" panose="020B0506020202020204" pitchFamily="34" charset="0"/>
-                <a:ea typeface="Calibri" panose="020F0502020204030204" pitchFamily="34" charset="0"/>
-                <a:cs typeface="Times New Roman" panose="02020603050405020304" pitchFamily="18" charset="0"/>
-              </a:rPr>
-              <a:t>2. Arrow for collapsing the list of tasks under a milestone.</a:t>
-            </a:r>
-            <a:endParaRPr lang="en-SG" sz="1200" dirty="0">
-              <a:solidFill>
-                <a:schemeClr val="bg1"/>
-              </a:solidFill>
-              <a:effectLst/>
-              <a:latin typeface="Calibri" panose="020F0502020204030204" pitchFamily="34" charset="0"/>
-              <a:ea typeface="Calibri" panose="020F0502020204030204" pitchFamily="34" charset="0"/>
-              <a:cs typeface="Times New Roman" panose="02020603050405020304" pitchFamily="18" charset="0"/>
-            </a:endParaRPr>
-          </a:p>
-        </p:txBody>
-      </p:sp>
-      <p:cxnSp>
-        <p:nvCxnSpPr>
-          <p:cNvPr id="24" name="Connector: Elbow 23">
-            <a:extLst>
-              <a:ext uri="{FF2B5EF4-FFF2-40B4-BE49-F238E27FC236}">
-                <a16:creationId xmlns:a16="http://schemas.microsoft.com/office/drawing/2014/main" id="{9C0081C2-E7E0-4E69-86DD-749A928FC3A7}"/>
-              </a:ext>
-            </a:extLst>
-          </p:cNvPr>
-          <p:cNvCxnSpPr>
-            <a:cxnSpLocks/>
-            <a:stCxn id="23" idx="3"/>
-            <a:endCxn id="28" idx="1"/>
-          </p:cNvCxnSpPr>
-          <p:nvPr/>
-        </p:nvCxnSpPr>
-        <p:spPr>
-          <a:xfrm>
-            <a:off x="3940714" y="3064780"/>
-            <a:ext cx="475759" cy="84759"/>
-          </a:xfrm>
-          <a:prstGeom prst="bentConnector3">
-            <a:avLst>
-              <a:gd name="adj1" fmla="val 50000"/>
-            </a:avLst>
-          </a:prstGeom>
-          <a:ln>
-            <a:tailEnd type="triangle"/>
-          </a:ln>
-        </p:spPr>
-        <p:style>
-          <a:lnRef idx="1">
-            <a:schemeClr val="accent2"/>
-          </a:lnRef>
-          <a:fillRef idx="0">
-            <a:schemeClr val="accent2"/>
-          </a:fillRef>
-          <a:effectRef idx="0">
-            <a:schemeClr val="accent2"/>
-          </a:effectRef>
-          <a:fontRef idx="minor">
-            <a:schemeClr val="tx1"/>
-          </a:fontRef>
-        </p:style>
-      </p:cxnSp>
-      <p:sp>
-        <p:nvSpPr>
-          <p:cNvPr id="28" name="Rectangle 27">
-            <a:extLst>
-              <a:ext uri="{FF2B5EF4-FFF2-40B4-BE49-F238E27FC236}">
-                <a16:creationId xmlns:a16="http://schemas.microsoft.com/office/drawing/2014/main" id="{6B3BB933-6554-48C9-9E67-EA219AFC8232}"/>
-              </a:ext>
-            </a:extLst>
-          </p:cNvPr>
-          <p:cNvSpPr/>
-          <p:nvPr/>
-        </p:nvSpPr>
-        <p:spPr>
-          <a:xfrm>
-            <a:off x="4416473" y="3093817"/>
-            <a:ext cx="95352" cy="111443"/>
-          </a:xfrm>
-          <a:prstGeom prst="rect">
-            <a:avLst/>
-          </a:prstGeom>
-          <a:noFill/>
-          <a:ln w="22225">
-            <a:solidFill>
-              <a:schemeClr val="accent2"/>
-            </a:solidFill>
-          </a:ln>
-        </p:spPr>
-        <p:style>
-          <a:lnRef idx="2">
-            <a:schemeClr val="accent1">
-              <a:shade val="50000"/>
-            </a:schemeClr>
-          </a:lnRef>
-          <a:fillRef idx="1">
-            <a:schemeClr val="accent1"/>
-          </a:fillRef>
-          <a:effectRef idx="0">
-            <a:schemeClr val="accent1"/>
-          </a:effectRef>
-          <a:fontRef idx="minor">
-            <a:schemeClr val="lt1"/>
-          </a:fontRef>
-        </p:style>
-        <p:txBody>
-          <a:bodyPr rtlCol="0" anchor="ctr"/>
-          <a:lstStyle/>
-          <a:p>
-            <a:pPr algn="ctr"/>
-            <a:endParaRPr lang="en-SG" dirty="0"/>
-          </a:p>
-        </p:txBody>
-      </p:sp>
     </p:spTree>
     <p:extLst>
       <p:ext uri="{BB962C8B-B14F-4D97-AF65-F5344CB8AC3E}">
-        <p14:creationId xmlns:p14="http://schemas.microsoft.com/office/powerpoint/2010/main" val="3337039540"/>
+        <p14:creationId xmlns:p14="http://schemas.microsoft.com/office/powerpoint/2010/main" val="2923474229"/>
       </p:ext>
     </p:extLst>
   </p:cSld>
@@ -12313,10 +9856,10 @@
       </p:grpSpPr>
       <p:pic>
         <p:nvPicPr>
-          <p:cNvPr id="59" name="Picture 58">
-            <a:extLst>
-              <a:ext uri="{FF2B5EF4-FFF2-40B4-BE49-F238E27FC236}">
-                <a16:creationId xmlns:a16="http://schemas.microsoft.com/office/drawing/2014/main" id="{448196C8-4D3F-46F6-8865-F03A98202FBE}"/>
+          <p:cNvPr id="5" name="Picture 4">
+            <a:extLst>
+              <a:ext uri="{FF2B5EF4-FFF2-40B4-BE49-F238E27FC236}">
+                <a16:creationId xmlns:a16="http://schemas.microsoft.com/office/drawing/2014/main" id="{D9E135DF-8569-41FB-8450-938D2567B296}"/>
               </a:ext>
             </a:extLst>
           </p:cNvPr>
@@ -12325,58 +9868,32 @@
           </p:cNvPicPr>
           <p:nvPr/>
         </p:nvPicPr>
-        <p:blipFill>
+        <p:blipFill rotWithShape="1">
           <a:blip r:embed="rId2"/>
-          <a:stretch>
-            <a:fillRect/>
-          </a:stretch>
+          <a:srcRect b="76577"/>
+          <a:stretch/>
         </p:blipFill>
         <p:spPr>
           <a:xfrm>
-            <a:off x="6180046" y="1003391"/>
-            <a:ext cx="5986806" cy="3692303"/>
+            <a:off x="0" y="-19078"/>
+            <a:ext cx="12192000" cy="2149536"/>
           </a:xfrm>
           <a:prstGeom prst="rect">
             <a:avLst/>
           </a:prstGeom>
+          <a:ln w="28575">
+            <a:solidFill>
+              <a:schemeClr val="tx1"/>
+            </a:solidFill>
+          </a:ln>
         </p:spPr>
       </p:pic>
-      <p:pic>
-        <p:nvPicPr>
-          <p:cNvPr id="57" name="Picture 56">
-            <a:extLst>
-              <a:ext uri="{FF2B5EF4-FFF2-40B4-BE49-F238E27FC236}">
-                <a16:creationId xmlns:a16="http://schemas.microsoft.com/office/drawing/2014/main" id="{7DBBBE37-E5EC-4BEA-AA87-A73574470D4A}"/>
-              </a:ext>
-            </a:extLst>
-          </p:cNvPr>
-          <p:cNvPicPr>
-            <a:picLocks noChangeAspect="1"/>
-          </p:cNvPicPr>
-          <p:nvPr/>
-        </p:nvPicPr>
-        <p:blipFill>
-          <a:blip r:embed="rId3"/>
-          <a:stretch>
-            <a:fillRect/>
-          </a:stretch>
-        </p:blipFill>
-        <p:spPr>
-          <a:xfrm>
-            <a:off x="109194" y="1003391"/>
-            <a:ext cx="5986806" cy="3722777"/>
-          </a:xfrm>
-          <a:prstGeom prst="rect">
-            <a:avLst/>
-          </a:prstGeom>
-        </p:spPr>
-      </p:pic>
-      <p:sp>
-        <p:nvSpPr>
-          <p:cNvPr id="4" name="TextBox 3">
-            <a:extLst>
-              <a:ext uri="{FF2B5EF4-FFF2-40B4-BE49-F238E27FC236}">
-                <a16:creationId xmlns:a16="http://schemas.microsoft.com/office/drawing/2014/main" id="{B6E056D6-FCD4-4EEA-BCAA-1D65A1B8E15F}"/>
+      <p:sp>
+        <p:nvSpPr>
+          <p:cNvPr id="6" name="TextBox 5">
+            <a:extLst>
+              <a:ext uri="{FF2B5EF4-FFF2-40B4-BE49-F238E27FC236}">
+                <a16:creationId xmlns:a16="http://schemas.microsoft.com/office/drawing/2014/main" id="{9B741FFD-0583-47CE-B0CC-B1CBAAFEB50C}"/>
               </a:ext>
             </a:extLst>
           </p:cNvPr>
@@ -12385,88 +9902,8 @@
         </p:nvSpPr>
         <p:spPr>
           <a:xfrm>
-            <a:off x="109194" y="510363"/>
-            <a:ext cx="2377633" cy="461665"/>
-          </a:xfrm>
-          <a:prstGeom prst="rect">
-            <a:avLst/>
-          </a:prstGeom>
-          <a:noFill/>
-        </p:spPr>
-        <p:txBody>
-          <a:bodyPr wrap="square" rtlCol="0">
-            <a:spAutoFit/>
-          </a:bodyPr>
-          <a:lstStyle/>
-          <a:p>
-            <a:r>
-              <a:rPr lang="en-SG" sz="2400" dirty="0">
-                <a:solidFill>
-                  <a:schemeClr val="accent2"/>
-                </a:solidFill>
-                <a:latin typeface="Arial Nova Cond" panose="020B0506020202020204" pitchFamily="34" charset="0"/>
-              </a:rPr>
-              <a:t>BEFORE</a:t>
-            </a:r>
-          </a:p>
-        </p:txBody>
-      </p:sp>
-      <p:sp>
-        <p:nvSpPr>
-          <p:cNvPr id="5" name="TextBox 4">
-            <a:extLst>
-              <a:ext uri="{FF2B5EF4-FFF2-40B4-BE49-F238E27FC236}">
-                <a16:creationId xmlns:a16="http://schemas.microsoft.com/office/drawing/2014/main" id="{1C01C89D-1A0D-4BF5-8CD1-F586B55A77B9}"/>
-              </a:ext>
-            </a:extLst>
-          </p:cNvPr>
-          <p:cNvSpPr txBox="1"/>
-          <p:nvPr/>
-        </p:nvSpPr>
-        <p:spPr>
-          <a:xfrm>
-            <a:off x="6180046" y="510363"/>
-            <a:ext cx="2377633" cy="461665"/>
-          </a:xfrm>
-          <a:prstGeom prst="rect">
-            <a:avLst/>
-          </a:prstGeom>
-          <a:noFill/>
-        </p:spPr>
-        <p:txBody>
-          <a:bodyPr wrap="square" rtlCol="0">
-            <a:spAutoFit/>
-          </a:bodyPr>
-          <a:lstStyle/>
-          <a:p>
-            <a:r>
-              <a:rPr lang="en-SG" sz="2400" dirty="0">
-                <a:solidFill>
-                  <a:schemeClr val="accent2"/>
-                </a:solidFill>
-                <a:latin typeface="Arial Nova Cond" panose="020B0506020202020204" pitchFamily="34" charset="0"/>
-              </a:rPr>
-              <a:t>AFTER</a:t>
-            </a:r>
-          </a:p>
-        </p:txBody>
-      </p:sp>
-      <p:sp>
-        <p:nvSpPr>
-          <p:cNvPr id="6" name="Rectangle 5">
-            <a:extLst>
-              <a:ext uri="{FF2B5EF4-FFF2-40B4-BE49-F238E27FC236}">
-                <a16:creationId xmlns:a16="http://schemas.microsoft.com/office/drawing/2014/main" id="{986A9773-E1F0-4B74-8A2D-5EEDDA00BB89}"/>
-              </a:ext>
-            </a:extLst>
-          </p:cNvPr>
-          <p:cNvSpPr/>
-          <p:nvPr/>
-        </p:nvSpPr>
-        <p:spPr>
-          <a:xfrm>
-            <a:off x="203512" y="1514473"/>
-            <a:ext cx="4220507" cy="644913"/>
+            <a:off x="2432115" y="603315"/>
+            <a:ext cx="537327" cy="369332"/>
           </a:xfrm>
           <a:prstGeom prst="rect">
             <a:avLst/>
@@ -12478,28 +9915,50 @@
             </a:solidFill>
           </a:ln>
         </p:spPr>
-        <p:style>
-          <a:lnRef idx="2">
-            <a:schemeClr val="accent1">
-              <a:shade val="50000"/>
-            </a:schemeClr>
-          </a:lnRef>
-          <a:fillRef idx="1">
-            <a:schemeClr val="accent1"/>
-          </a:fillRef>
-          <a:effectRef idx="0">
-            <a:schemeClr val="accent1"/>
-          </a:effectRef>
-          <a:fontRef idx="minor">
-            <a:schemeClr val="lt1"/>
-          </a:fontRef>
-        </p:style>
-        <p:txBody>
-          <a:bodyPr rtlCol="0" anchor="ctr"/>
-          <a:lstStyle/>
-          <a:p>
-            <a:pPr algn="ctr"/>
-            <a:endParaRPr lang="en-SG"/>
+        <p:txBody>
+          <a:bodyPr wrap="square" rtlCol="0">
+            <a:spAutoFit/>
+          </a:bodyPr>
+          <a:lstStyle/>
+          <a:p>
+            <a:endParaRPr lang="en-SG" dirty="0"/>
+          </a:p>
+        </p:txBody>
+      </p:sp>
+      <p:sp>
+        <p:nvSpPr>
+          <p:cNvPr id="7" name="TextBox 6">
+            <a:extLst>
+              <a:ext uri="{FF2B5EF4-FFF2-40B4-BE49-F238E27FC236}">
+                <a16:creationId xmlns:a16="http://schemas.microsoft.com/office/drawing/2014/main" id="{787ECCF9-BE93-48B4-8C43-666FD7CEE8BF}"/>
+              </a:ext>
+            </a:extLst>
+          </p:cNvPr>
+          <p:cNvSpPr txBox="1"/>
+          <p:nvPr/>
+        </p:nvSpPr>
+        <p:spPr>
+          <a:xfrm>
+            <a:off x="0" y="1763036"/>
+            <a:ext cx="1621410" cy="369332"/>
+          </a:xfrm>
+          <a:prstGeom prst="rect">
+            <a:avLst/>
+          </a:prstGeom>
+          <a:noFill/>
+          <a:ln w="38100">
+            <a:solidFill>
+              <a:schemeClr val="accent2"/>
+            </a:solidFill>
+          </a:ln>
+        </p:spPr>
+        <p:txBody>
+          <a:bodyPr wrap="square" rtlCol="0">
+            <a:spAutoFit/>
+          </a:bodyPr>
+          <a:lstStyle/>
+          <a:p>
+            <a:endParaRPr lang="en-SG" dirty="0"/>
           </a:p>
         </p:txBody>
       </p:sp>
@@ -12508,7 +9967,7 @@
           <p:cNvPr id="8" name="Text Box 2">
             <a:extLst>
               <a:ext uri="{FF2B5EF4-FFF2-40B4-BE49-F238E27FC236}">
-                <a16:creationId xmlns:a16="http://schemas.microsoft.com/office/drawing/2014/main" id="{CF3DC429-02F5-489E-A1C3-0C82121A7BD1}"/>
+                <a16:creationId xmlns:a16="http://schemas.microsoft.com/office/drawing/2014/main" id="{E154DDE7-F4B9-4E11-8440-28EC301E80AD}"/>
               </a:ext>
             </a:extLst>
           </p:cNvPr>
@@ -12519,8 +9978,8 @@
         </p:nvSpPr>
         <p:spPr bwMode="auto">
           <a:xfrm>
-            <a:off x="4294426" y="2917104"/>
-            <a:ext cx="2134949" cy="1018698"/>
+            <a:off x="5181932" y="632068"/>
+            <a:ext cx="3801812" cy="337353"/>
           </a:xfrm>
           <a:prstGeom prst="rect">
             <a:avLst/>
@@ -12556,36 +10015,11 @@
                 <a:solidFill>
                   <a:schemeClr val="bg1"/>
                 </a:solidFill>
-                <a:effectLst/>
                 <a:latin typeface="Arial Nova Cond" panose="020B0506020202020204" pitchFamily="34" charset="0"/>
                 <a:ea typeface="Calibri" panose="020F0502020204030204" pitchFamily="34" charset="0"/>
                 <a:cs typeface="Times New Roman" panose="02020603050405020304" pitchFamily="18" charset="0"/>
               </a:rPr>
-              <a:t>The 1</a:t>
-            </a:r>
-            <a:r>
-              <a:rPr lang="en-SG" sz="1200" b="1" baseline="30000" dirty="0">
-                <a:solidFill>
-                  <a:schemeClr val="bg1"/>
-                </a:solidFill>
-                <a:effectLst/>
-                <a:latin typeface="Arial Nova Cond" panose="020B0506020202020204" pitchFamily="34" charset="0"/>
-                <a:ea typeface="Calibri" panose="020F0502020204030204" pitchFamily="34" charset="0"/>
-                <a:cs typeface="Times New Roman" panose="02020603050405020304" pitchFamily="18" charset="0"/>
-              </a:rPr>
-              <a:t>st</a:t>
-            </a:r>
-            <a:r>
-              <a:rPr lang="en-SG" sz="1200" b="1" dirty="0">
-                <a:solidFill>
-                  <a:schemeClr val="bg1"/>
-                </a:solidFill>
-                <a:effectLst/>
-                <a:latin typeface="Arial Nova Cond" panose="020B0506020202020204" pitchFamily="34" charset="0"/>
-                <a:ea typeface="Calibri" panose="020F0502020204030204" pitchFamily="34" charset="0"/>
-                <a:cs typeface="Times New Roman" panose="02020603050405020304" pitchFamily="18" charset="0"/>
-              </a:rPr>
-              <a:t> project task is removed from the milestone at index 2. The index of the remaining project task is updated from 1 to 2.</a:t>
+              <a:t>1. User has typed in today as the start date of the project.</a:t>
             </a:r>
             <a:endParaRPr lang="en-SG" sz="1200" dirty="0">
               <a:solidFill>
@@ -12599,64 +10033,12 @@
           </a:p>
         </p:txBody>
       </p:sp>
-      <p:sp>
-        <p:nvSpPr>
-          <p:cNvPr id="30" name="Rectangle 29">
-            <a:extLst>
-              <a:ext uri="{FF2B5EF4-FFF2-40B4-BE49-F238E27FC236}">
-                <a16:creationId xmlns:a16="http://schemas.microsoft.com/office/drawing/2014/main" id="{6326C739-5981-42C1-BA33-0A400885A4BB}"/>
-              </a:ext>
-            </a:extLst>
-          </p:cNvPr>
-          <p:cNvSpPr/>
-          <p:nvPr/>
-        </p:nvSpPr>
-        <p:spPr>
-          <a:xfrm>
-            <a:off x="6246857" y="1524000"/>
-            <a:ext cx="4163968" cy="400049"/>
-          </a:xfrm>
-          <a:prstGeom prst="rect">
-            <a:avLst/>
-          </a:prstGeom>
-          <a:noFill/>
-          <a:ln w="38100">
-            <a:solidFill>
-              <a:schemeClr val="accent2"/>
-            </a:solidFill>
-          </a:ln>
-        </p:spPr>
-        <p:style>
-          <a:lnRef idx="2">
-            <a:schemeClr val="accent1">
-              <a:shade val="50000"/>
-            </a:schemeClr>
-          </a:lnRef>
-          <a:fillRef idx="1">
-            <a:schemeClr val="accent1"/>
-          </a:fillRef>
-          <a:effectRef idx="0">
-            <a:schemeClr val="accent1"/>
-          </a:effectRef>
-          <a:fontRef idx="minor">
-            <a:schemeClr val="lt1"/>
-          </a:fontRef>
-        </p:style>
-        <p:txBody>
-          <a:bodyPr rtlCol="0" anchor="ctr"/>
-          <a:lstStyle/>
-          <a:p>
-            <a:pPr algn="ctr"/>
-            <a:endParaRPr lang="en-SG"/>
-          </a:p>
-        </p:txBody>
-      </p:sp>
       <p:cxnSp>
         <p:nvCxnSpPr>
-          <p:cNvPr id="44" name="Straight Arrow Connector 43">
-            <a:extLst>
-              <a:ext uri="{FF2B5EF4-FFF2-40B4-BE49-F238E27FC236}">
-                <a16:creationId xmlns:a16="http://schemas.microsoft.com/office/drawing/2014/main" id="{747FFF60-FFD0-479C-83EF-586CC0994F27}"/>
+          <p:cNvPr id="10" name="Straight Arrow Connector 9">
+            <a:extLst>
+              <a:ext uri="{FF2B5EF4-FFF2-40B4-BE49-F238E27FC236}">
+                <a16:creationId xmlns:a16="http://schemas.microsoft.com/office/drawing/2014/main" id="{918FB132-AB13-4365-A644-C1901657AADE}"/>
               </a:ext>
             </a:extLst>
           </p:cNvPr>
@@ -12666,84 +10048,1002 @@
           <p:nvPr/>
         </p:nvCxnSpPr>
         <p:spPr>
-          <a:xfrm flipH="1" flipV="1">
-            <a:off x="4124327" y="2190751"/>
-            <a:ext cx="299692" cy="674029"/>
+          <a:xfrm flipH="1">
+            <a:off x="3777005" y="815804"/>
+            <a:ext cx="1404928" cy="0"/>
           </a:xfrm>
           <a:prstGeom prst="straightConnector1">
             <a:avLst/>
           </a:prstGeom>
-          <a:ln w="34925">
-            <a:solidFill>
-              <a:schemeClr val="accent2"/>
-            </a:solidFill>
+          <a:ln>
             <a:tailEnd type="triangle"/>
           </a:ln>
         </p:spPr>
         <p:style>
           <a:lnRef idx="1">
-            <a:schemeClr val="accent1"/>
+            <a:schemeClr val="accent2"/>
           </a:lnRef>
           <a:fillRef idx="0">
-            <a:schemeClr val="accent1"/>
+            <a:schemeClr val="accent2"/>
           </a:fillRef>
           <a:effectRef idx="0">
-            <a:schemeClr val="accent1"/>
+            <a:schemeClr val="accent2"/>
           </a:effectRef>
           <a:fontRef idx="minor">
             <a:schemeClr val="tx1"/>
           </a:fontRef>
         </p:style>
       </p:cxnSp>
+      <p:sp>
+        <p:nvSpPr>
+          <p:cNvPr id="11" name="Text Box 2">
+            <a:extLst>
+              <a:ext uri="{FF2B5EF4-FFF2-40B4-BE49-F238E27FC236}">
+                <a16:creationId xmlns:a16="http://schemas.microsoft.com/office/drawing/2014/main" id="{6C870D41-80E3-4DB5-8924-84B4DA42F0A9}"/>
+              </a:ext>
+            </a:extLst>
+          </p:cNvPr>
+          <p:cNvSpPr txBox="1">
+            <a:spLocks noChangeArrowheads="1"/>
+          </p:cNvSpPr>
+          <p:nvPr/>
+        </p:nvSpPr>
+        <p:spPr bwMode="auto">
+          <a:xfrm>
+            <a:off x="3701988" y="1764798"/>
+            <a:ext cx="5281756" cy="337353"/>
+          </a:xfrm>
+          <a:prstGeom prst="rect">
+            <a:avLst/>
+          </a:prstGeom>
+          <a:solidFill>
+            <a:schemeClr val="accent2"/>
+          </a:solidFill>
+          <a:ln w="9525">
+            <a:solidFill>
+              <a:srgbClr val="000000"/>
+            </a:solidFill>
+            <a:miter lim="800000"/>
+            <a:headEnd/>
+            <a:tailEnd/>
+          </a:ln>
+        </p:spPr>
+        <p:txBody>
+          <a:bodyPr rot="0" vert="horz" wrap="square" lIns="91440" tIns="45720" rIns="91440" bIns="45720" anchor="t" anchorCtr="0">
+            <a:noAutofit/>
+          </a:bodyPr>
+          <a:lstStyle/>
+          <a:p>
+            <a:pPr>
+              <a:lnSpc>
+                <a:spcPct val="107000"/>
+              </a:lnSpc>
+              <a:spcAft>
+                <a:spcPts val="800"/>
+              </a:spcAft>
+            </a:pPr>
+            <a:r>
+              <a:rPr lang="en-SG" sz="1200" b="1" dirty="0">
+                <a:solidFill>
+                  <a:schemeClr val="bg1"/>
+                </a:solidFill>
+                <a:latin typeface="Arial Nova Cond" panose="020B0506020202020204" pitchFamily="34" charset="0"/>
+                <a:ea typeface="Calibri" panose="020F0502020204030204" pitchFamily="34" charset="0"/>
+                <a:cs typeface="Times New Roman" panose="02020603050405020304" pitchFamily="18" charset="0"/>
+              </a:rPr>
+              <a:t>2. The input gets automatically translated to today’s date in DD/MM/YYYY format.</a:t>
+            </a:r>
+            <a:endParaRPr lang="en-SG" sz="1200" dirty="0">
+              <a:solidFill>
+                <a:schemeClr val="bg1"/>
+              </a:solidFill>
+              <a:effectLst/>
+              <a:latin typeface="Calibri" panose="020F0502020204030204" pitchFamily="34" charset="0"/>
+              <a:ea typeface="Calibri" panose="020F0502020204030204" pitchFamily="34" charset="0"/>
+              <a:cs typeface="Times New Roman" panose="02020603050405020304" pitchFamily="18" charset="0"/>
+            </a:endParaRPr>
+          </a:p>
+        </p:txBody>
+      </p:sp>
       <p:cxnSp>
         <p:nvCxnSpPr>
-          <p:cNvPr id="46" name="Straight Arrow Connector 45">
-            <a:extLst>
-              <a:ext uri="{FF2B5EF4-FFF2-40B4-BE49-F238E27FC236}">
-                <a16:creationId xmlns:a16="http://schemas.microsoft.com/office/drawing/2014/main" id="{CA7C0367-8B9B-4843-BC31-40260B582924}"/>
+          <p:cNvPr id="13" name="Straight Arrow Connector 12">
+            <a:extLst>
+              <a:ext uri="{FF2B5EF4-FFF2-40B4-BE49-F238E27FC236}">
+                <a16:creationId xmlns:a16="http://schemas.microsoft.com/office/drawing/2014/main" id="{FD29C48E-5FEF-48C7-84BC-A0C6BE03D08E}"/>
               </a:ext>
             </a:extLst>
           </p:cNvPr>
           <p:cNvCxnSpPr>
             <a:cxnSpLocks/>
-            <a:stCxn id="57" idx="3"/>
+            <a:stCxn id="11" idx="1"/>
           </p:cNvCxnSpPr>
           <p:nvPr/>
         </p:nvCxnSpPr>
         <p:spPr>
-          <a:xfrm flipV="1">
-            <a:off x="6096000" y="1990726"/>
-            <a:ext cx="222613" cy="874054"/>
+          <a:xfrm flipH="1">
+            <a:off x="1687398" y="1933475"/>
+            <a:ext cx="2014590" cy="8447"/>
           </a:xfrm>
           <a:prstGeom prst="straightConnector1">
             <a:avLst/>
           </a:prstGeom>
-          <a:ln w="34925">
-            <a:solidFill>
-              <a:schemeClr val="accent2"/>
-            </a:solidFill>
+          <a:ln>
             <a:tailEnd type="triangle"/>
           </a:ln>
         </p:spPr>
         <p:style>
           <a:lnRef idx="1">
-            <a:schemeClr val="accent1"/>
+            <a:schemeClr val="accent2"/>
           </a:lnRef>
           <a:fillRef idx="0">
-            <a:schemeClr val="accent1"/>
+            <a:schemeClr val="accent2"/>
           </a:fillRef>
           <a:effectRef idx="0">
-            <a:schemeClr val="accent1"/>
+            <a:schemeClr val="accent2"/>
           </a:effectRef>
           <a:fontRef idx="minor">
             <a:schemeClr val="tx1"/>
           </a:fontRef>
         </p:style>
       </p:cxnSp>
+      <p:pic>
+        <p:nvPicPr>
+          <p:cNvPr id="14" name="Picture 13">
+            <a:extLst>
+              <a:ext uri="{FF2B5EF4-FFF2-40B4-BE49-F238E27FC236}">
+                <a16:creationId xmlns:a16="http://schemas.microsoft.com/office/drawing/2014/main" id="{670FC78B-0DB5-46D6-8CA2-31761E278AF2}"/>
+              </a:ext>
+            </a:extLst>
+          </p:cNvPr>
+          <p:cNvPicPr>
+            <a:picLocks noChangeAspect="1"/>
+          </p:cNvPicPr>
+          <p:nvPr/>
+        </p:nvPicPr>
+        <p:blipFill rotWithShape="1">
+          <a:blip r:embed="rId3"/>
+          <a:srcRect b="77041"/>
+          <a:stretch/>
+        </p:blipFill>
+        <p:spPr>
+          <a:xfrm>
+            <a:off x="0" y="2314194"/>
+            <a:ext cx="12192000" cy="2149200"/>
+          </a:xfrm>
+          <a:prstGeom prst="rect">
+            <a:avLst/>
+          </a:prstGeom>
+          <a:ln w="28575">
+            <a:solidFill>
+              <a:schemeClr val="tx1"/>
+            </a:solidFill>
+          </a:ln>
+        </p:spPr>
+      </p:pic>
+      <p:sp>
+        <p:nvSpPr>
+          <p:cNvPr id="15" name="TextBox 14">
+            <a:extLst>
+              <a:ext uri="{FF2B5EF4-FFF2-40B4-BE49-F238E27FC236}">
+                <a16:creationId xmlns:a16="http://schemas.microsoft.com/office/drawing/2014/main" id="{55CE3AF9-F284-461C-BA0A-F07BCEBBE27E}"/>
+              </a:ext>
+            </a:extLst>
+          </p:cNvPr>
+          <p:cNvSpPr txBox="1"/>
+          <p:nvPr/>
+        </p:nvSpPr>
+        <p:spPr>
+          <a:xfrm>
+            <a:off x="2458093" y="2999106"/>
+            <a:ext cx="769856" cy="369332"/>
+          </a:xfrm>
+          <a:prstGeom prst="rect">
+            <a:avLst/>
+          </a:prstGeom>
+          <a:noFill/>
+          <a:ln w="38100">
+            <a:solidFill>
+              <a:schemeClr val="accent2"/>
+            </a:solidFill>
+          </a:ln>
+        </p:spPr>
+        <p:txBody>
+          <a:bodyPr wrap="square" rtlCol="0">
+            <a:spAutoFit/>
+          </a:bodyPr>
+          <a:lstStyle/>
+          <a:p>
+            <a:endParaRPr lang="en-SG" dirty="0"/>
+          </a:p>
+        </p:txBody>
+      </p:sp>
+      <p:sp>
+        <p:nvSpPr>
+          <p:cNvPr id="16" name="TextBox 15">
+            <a:extLst>
+              <a:ext uri="{FF2B5EF4-FFF2-40B4-BE49-F238E27FC236}">
+                <a16:creationId xmlns:a16="http://schemas.microsoft.com/office/drawing/2014/main" id="{382482ED-FAD3-4D14-8B1F-4047C1BC3FC0}"/>
+              </a:ext>
+            </a:extLst>
+          </p:cNvPr>
+          <p:cNvSpPr txBox="1"/>
+          <p:nvPr/>
+        </p:nvSpPr>
+        <p:spPr>
+          <a:xfrm>
+            <a:off x="0" y="4094062"/>
+            <a:ext cx="1621410" cy="369332"/>
+          </a:xfrm>
+          <a:prstGeom prst="rect">
+            <a:avLst/>
+          </a:prstGeom>
+          <a:noFill/>
+          <a:ln w="38100">
+            <a:solidFill>
+              <a:schemeClr val="accent2"/>
+            </a:solidFill>
+          </a:ln>
+        </p:spPr>
+        <p:txBody>
+          <a:bodyPr wrap="square" rtlCol="0">
+            <a:spAutoFit/>
+          </a:bodyPr>
+          <a:lstStyle/>
+          <a:p>
+            <a:endParaRPr lang="en-SG" dirty="0"/>
+          </a:p>
+        </p:txBody>
+      </p:sp>
+      <p:sp>
+        <p:nvSpPr>
+          <p:cNvPr id="17" name="Text Box 2">
+            <a:extLst>
+              <a:ext uri="{FF2B5EF4-FFF2-40B4-BE49-F238E27FC236}">
+                <a16:creationId xmlns:a16="http://schemas.microsoft.com/office/drawing/2014/main" id="{083A14B9-CE02-4592-BC8F-B840A5077109}"/>
+              </a:ext>
+            </a:extLst>
+          </p:cNvPr>
+          <p:cNvSpPr txBox="1">
+            <a:spLocks noChangeArrowheads="1"/>
+          </p:cNvSpPr>
+          <p:nvPr/>
+        </p:nvSpPr>
+        <p:spPr bwMode="auto">
+          <a:xfrm>
+            <a:off x="4761159" y="2965340"/>
+            <a:ext cx="4207164" cy="337353"/>
+          </a:xfrm>
+          <a:prstGeom prst="rect">
+            <a:avLst/>
+          </a:prstGeom>
+          <a:solidFill>
+            <a:schemeClr val="accent2"/>
+          </a:solidFill>
+          <a:ln w="9525">
+            <a:solidFill>
+              <a:srgbClr val="000000"/>
+            </a:solidFill>
+            <a:miter lim="800000"/>
+            <a:headEnd/>
+            <a:tailEnd/>
+          </a:ln>
+        </p:spPr>
+        <p:txBody>
+          <a:bodyPr rot="0" vert="horz" wrap="square" lIns="91440" tIns="45720" rIns="91440" bIns="45720" anchor="t" anchorCtr="0">
+            <a:noAutofit/>
+          </a:bodyPr>
+          <a:lstStyle/>
+          <a:p>
+            <a:pPr>
+              <a:lnSpc>
+                <a:spcPct val="107000"/>
+              </a:lnSpc>
+              <a:spcAft>
+                <a:spcPts val="800"/>
+              </a:spcAft>
+            </a:pPr>
+            <a:r>
+              <a:rPr lang="en-SG" sz="1200" b="1" dirty="0">
+                <a:solidFill>
+                  <a:schemeClr val="bg1"/>
+                </a:solidFill>
+                <a:latin typeface="Arial Nova Cond" panose="020B0506020202020204" pitchFamily="34" charset="0"/>
+                <a:ea typeface="Calibri" panose="020F0502020204030204" pitchFamily="34" charset="0"/>
+                <a:cs typeface="Times New Roman" panose="02020603050405020304" pitchFamily="18" charset="0"/>
+              </a:rPr>
+              <a:t>1. User has typed in “tomorrow” as the start date of the project.</a:t>
+            </a:r>
+            <a:endParaRPr lang="en-SG" sz="1200" dirty="0">
+              <a:solidFill>
+                <a:schemeClr val="bg1"/>
+              </a:solidFill>
+              <a:effectLst/>
+              <a:latin typeface="Calibri" panose="020F0502020204030204" pitchFamily="34" charset="0"/>
+              <a:ea typeface="Calibri" panose="020F0502020204030204" pitchFamily="34" charset="0"/>
+              <a:cs typeface="Times New Roman" panose="02020603050405020304" pitchFamily="18" charset="0"/>
+            </a:endParaRPr>
+          </a:p>
+        </p:txBody>
+      </p:sp>
+      <p:cxnSp>
+        <p:nvCxnSpPr>
+          <p:cNvPr id="18" name="Straight Arrow Connector 17">
+            <a:extLst>
+              <a:ext uri="{FF2B5EF4-FFF2-40B4-BE49-F238E27FC236}">
+                <a16:creationId xmlns:a16="http://schemas.microsoft.com/office/drawing/2014/main" id="{C9685AB7-0455-46D0-B7FE-78AAE85A3FC8}"/>
+              </a:ext>
+            </a:extLst>
+          </p:cNvPr>
+          <p:cNvCxnSpPr>
+            <a:cxnSpLocks/>
+            <a:stCxn id="17" idx="1"/>
+          </p:cNvCxnSpPr>
+          <p:nvPr/>
+        </p:nvCxnSpPr>
+        <p:spPr>
+          <a:xfrm flipH="1" flipV="1">
+            <a:off x="4023919" y="3134016"/>
+            <a:ext cx="737240" cy="1"/>
+          </a:xfrm>
+          <a:prstGeom prst="straightConnector1">
+            <a:avLst/>
+          </a:prstGeom>
+          <a:ln>
+            <a:tailEnd type="triangle"/>
+          </a:ln>
+        </p:spPr>
+        <p:style>
+          <a:lnRef idx="1">
+            <a:schemeClr val="accent2"/>
+          </a:lnRef>
+          <a:fillRef idx="0">
+            <a:schemeClr val="accent2"/>
+          </a:fillRef>
+          <a:effectRef idx="0">
+            <a:schemeClr val="accent2"/>
+          </a:effectRef>
+          <a:fontRef idx="minor">
+            <a:schemeClr val="tx1"/>
+          </a:fontRef>
+        </p:style>
+      </p:cxnSp>
+      <p:sp>
+        <p:nvSpPr>
+          <p:cNvPr id="20" name="Text Box 2">
+            <a:extLst>
+              <a:ext uri="{FF2B5EF4-FFF2-40B4-BE49-F238E27FC236}">
+                <a16:creationId xmlns:a16="http://schemas.microsoft.com/office/drawing/2014/main" id="{0BC2D9CB-2659-451C-8382-8A2DAF9C3508}"/>
+              </a:ext>
+            </a:extLst>
+          </p:cNvPr>
+          <p:cNvSpPr txBox="1">
+            <a:spLocks noChangeArrowheads="1"/>
+          </p:cNvSpPr>
+          <p:nvPr/>
+        </p:nvSpPr>
+        <p:spPr bwMode="auto">
+          <a:xfrm>
+            <a:off x="3386239" y="4122515"/>
+            <a:ext cx="5597506" cy="337353"/>
+          </a:xfrm>
+          <a:prstGeom prst="rect">
+            <a:avLst/>
+          </a:prstGeom>
+          <a:solidFill>
+            <a:schemeClr val="accent2"/>
+          </a:solidFill>
+          <a:ln w="9525">
+            <a:solidFill>
+              <a:srgbClr val="000000"/>
+            </a:solidFill>
+            <a:miter lim="800000"/>
+            <a:headEnd/>
+            <a:tailEnd/>
+          </a:ln>
+        </p:spPr>
+        <p:txBody>
+          <a:bodyPr rot="0" vert="horz" wrap="square" lIns="91440" tIns="45720" rIns="91440" bIns="45720" anchor="t" anchorCtr="0">
+            <a:noAutofit/>
+          </a:bodyPr>
+          <a:lstStyle/>
+          <a:p>
+            <a:pPr>
+              <a:lnSpc>
+                <a:spcPct val="107000"/>
+              </a:lnSpc>
+              <a:spcAft>
+                <a:spcPts val="800"/>
+              </a:spcAft>
+            </a:pPr>
+            <a:r>
+              <a:rPr lang="en-SG" sz="1200" b="1" dirty="0">
+                <a:solidFill>
+                  <a:schemeClr val="bg1"/>
+                </a:solidFill>
+                <a:latin typeface="Arial Nova Cond" panose="020B0506020202020204" pitchFamily="34" charset="0"/>
+                <a:ea typeface="Calibri" panose="020F0502020204030204" pitchFamily="34" charset="0"/>
+                <a:cs typeface="Times New Roman" panose="02020603050405020304" pitchFamily="18" charset="0"/>
+              </a:rPr>
+              <a:t>2. The input gets automatically translated to tomorrow’s date in DD/MM/YYYY format.</a:t>
+            </a:r>
+            <a:endParaRPr lang="en-SG" sz="1200" dirty="0">
+              <a:solidFill>
+                <a:schemeClr val="bg1"/>
+              </a:solidFill>
+              <a:effectLst/>
+              <a:latin typeface="Calibri" panose="020F0502020204030204" pitchFamily="34" charset="0"/>
+              <a:ea typeface="Calibri" panose="020F0502020204030204" pitchFamily="34" charset="0"/>
+              <a:cs typeface="Times New Roman" panose="02020603050405020304" pitchFamily="18" charset="0"/>
+            </a:endParaRPr>
+          </a:p>
+        </p:txBody>
+      </p:sp>
+      <p:cxnSp>
+        <p:nvCxnSpPr>
+          <p:cNvPr id="21" name="Straight Arrow Connector 20">
+            <a:extLst>
+              <a:ext uri="{FF2B5EF4-FFF2-40B4-BE49-F238E27FC236}">
+                <a16:creationId xmlns:a16="http://schemas.microsoft.com/office/drawing/2014/main" id="{63153747-F7EF-4EA0-9951-35064829F4ED}"/>
+              </a:ext>
+            </a:extLst>
+          </p:cNvPr>
+          <p:cNvCxnSpPr>
+            <a:cxnSpLocks/>
+          </p:cNvCxnSpPr>
+          <p:nvPr/>
+        </p:nvCxnSpPr>
+        <p:spPr>
+          <a:xfrm flipH="1">
+            <a:off x="1687399" y="4291192"/>
+            <a:ext cx="1698840" cy="0"/>
+          </a:xfrm>
+          <a:prstGeom prst="straightConnector1">
+            <a:avLst/>
+          </a:prstGeom>
+          <a:ln>
+            <a:tailEnd type="triangle"/>
+          </a:ln>
+        </p:spPr>
+        <p:style>
+          <a:lnRef idx="1">
+            <a:schemeClr val="accent2"/>
+          </a:lnRef>
+          <a:fillRef idx="0">
+            <a:schemeClr val="accent2"/>
+          </a:fillRef>
+          <a:effectRef idx="0">
+            <a:schemeClr val="accent2"/>
+          </a:effectRef>
+          <a:fontRef idx="minor">
+            <a:schemeClr val="tx1"/>
+          </a:fontRef>
+        </p:style>
+      </p:cxnSp>
+      <p:pic>
+        <p:nvPicPr>
+          <p:cNvPr id="33" name="Picture 32">
+            <a:extLst>
+              <a:ext uri="{FF2B5EF4-FFF2-40B4-BE49-F238E27FC236}">
+                <a16:creationId xmlns:a16="http://schemas.microsoft.com/office/drawing/2014/main" id="{DD631BBA-0E3E-43E2-8500-21F676AF9031}"/>
+              </a:ext>
+            </a:extLst>
+          </p:cNvPr>
+          <p:cNvPicPr>
+            <a:picLocks noChangeAspect="1"/>
+          </p:cNvPicPr>
+          <p:nvPr/>
+        </p:nvPicPr>
+        <p:blipFill rotWithShape="1">
+          <a:blip r:embed="rId4"/>
+          <a:srcRect b="77041"/>
+          <a:stretch/>
+        </p:blipFill>
+        <p:spPr>
+          <a:xfrm>
+            <a:off x="0" y="4708799"/>
+            <a:ext cx="12192000" cy="2149200"/>
+          </a:xfrm>
+          <a:prstGeom prst="rect">
+            <a:avLst/>
+          </a:prstGeom>
+          <a:ln w="28575">
+            <a:solidFill>
+              <a:schemeClr val="tx1"/>
+            </a:solidFill>
+          </a:ln>
+        </p:spPr>
+      </p:pic>
+      <p:sp>
+        <p:nvSpPr>
+          <p:cNvPr id="39" name="TextBox 38">
+            <a:extLst>
+              <a:ext uri="{FF2B5EF4-FFF2-40B4-BE49-F238E27FC236}">
+                <a16:creationId xmlns:a16="http://schemas.microsoft.com/office/drawing/2014/main" id="{5EAFB21D-2263-4C83-B022-5334B380B6D5}"/>
+              </a:ext>
+            </a:extLst>
+          </p:cNvPr>
+          <p:cNvSpPr txBox="1"/>
+          <p:nvPr/>
+        </p:nvSpPr>
+        <p:spPr>
+          <a:xfrm>
+            <a:off x="2308194" y="5345436"/>
+            <a:ext cx="727969" cy="380661"/>
+          </a:xfrm>
+          <a:prstGeom prst="rect">
+            <a:avLst/>
+          </a:prstGeom>
+          <a:noFill/>
+          <a:ln w="38100">
+            <a:solidFill>
+              <a:schemeClr val="accent2"/>
+            </a:solidFill>
+          </a:ln>
+        </p:spPr>
+        <p:txBody>
+          <a:bodyPr wrap="square" rtlCol="0">
+            <a:spAutoFit/>
+          </a:bodyPr>
+          <a:lstStyle/>
+          <a:p>
+            <a:endParaRPr lang="en-SG" dirty="0"/>
+          </a:p>
+        </p:txBody>
+      </p:sp>
+      <p:sp>
+        <p:nvSpPr>
+          <p:cNvPr id="40" name="TextBox 39">
+            <a:extLst>
+              <a:ext uri="{FF2B5EF4-FFF2-40B4-BE49-F238E27FC236}">
+                <a16:creationId xmlns:a16="http://schemas.microsoft.com/office/drawing/2014/main" id="{17AB54A9-6339-48EA-8C56-94181E3182C6}"/>
+              </a:ext>
+            </a:extLst>
+          </p:cNvPr>
+          <p:cNvSpPr txBox="1"/>
+          <p:nvPr/>
+        </p:nvSpPr>
+        <p:spPr>
+          <a:xfrm>
+            <a:off x="0" y="6488667"/>
+            <a:ext cx="1621410" cy="369332"/>
+          </a:xfrm>
+          <a:prstGeom prst="rect">
+            <a:avLst/>
+          </a:prstGeom>
+          <a:noFill/>
+          <a:ln w="38100">
+            <a:solidFill>
+              <a:schemeClr val="accent2"/>
+            </a:solidFill>
+          </a:ln>
+        </p:spPr>
+        <p:txBody>
+          <a:bodyPr wrap="square" rtlCol="0">
+            <a:spAutoFit/>
+          </a:bodyPr>
+          <a:lstStyle/>
+          <a:p>
+            <a:endParaRPr lang="en-SG" dirty="0"/>
+          </a:p>
+        </p:txBody>
+      </p:sp>
+      <p:sp>
+        <p:nvSpPr>
+          <p:cNvPr id="41" name="Text Box 2">
+            <a:extLst>
+              <a:ext uri="{FF2B5EF4-FFF2-40B4-BE49-F238E27FC236}">
+                <a16:creationId xmlns:a16="http://schemas.microsoft.com/office/drawing/2014/main" id="{315BC484-2334-41CF-9937-44090B5E1785}"/>
+              </a:ext>
+            </a:extLst>
+          </p:cNvPr>
+          <p:cNvSpPr txBox="1">
+            <a:spLocks noChangeArrowheads="1"/>
+          </p:cNvSpPr>
+          <p:nvPr/>
+        </p:nvSpPr>
+        <p:spPr bwMode="auto">
+          <a:xfrm>
+            <a:off x="4776580" y="5347655"/>
+            <a:ext cx="4207164" cy="337353"/>
+          </a:xfrm>
+          <a:prstGeom prst="rect">
+            <a:avLst/>
+          </a:prstGeom>
+          <a:solidFill>
+            <a:schemeClr val="accent2"/>
+          </a:solidFill>
+          <a:ln w="9525">
+            <a:solidFill>
+              <a:srgbClr val="000000"/>
+            </a:solidFill>
+            <a:miter lim="800000"/>
+            <a:headEnd/>
+            <a:tailEnd/>
+          </a:ln>
+        </p:spPr>
+        <p:txBody>
+          <a:bodyPr rot="0" vert="horz" wrap="square" lIns="91440" tIns="45720" rIns="91440" bIns="45720" anchor="t" anchorCtr="0">
+            <a:noAutofit/>
+          </a:bodyPr>
+          <a:lstStyle/>
+          <a:p>
+            <a:pPr>
+              <a:lnSpc>
+                <a:spcPct val="107000"/>
+              </a:lnSpc>
+              <a:spcAft>
+                <a:spcPts val="800"/>
+              </a:spcAft>
+            </a:pPr>
+            <a:r>
+              <a:rPr lang="en-SG" sz="1200" b="1" dirty="0">
+                <a:solidFill>
+                  <a:schemeClr val="bg1"/>
+                </a:solidFill>
+                <a:latin typeface="Arial Nova Cond" panose="020B0506020202020204" pitchFamily="34" charset="0"/>
+                <a:ea typeface="Calibri" panose="020F0502020204030204" pitchFamily="34" charset="0"/>
+                <a:cs typeface="Times New Roman" panose="02020603050405020304" pitchFamily="18" charset="0"/>
+              </a:rPr>
+              <a:t>1. User has typed in “yesterday” as the start date of the project.</a:t>
+            </a:r>
+            <a:endParaRPr lang="en-SG" sz="1200" dirty="0">
+              <a:solidFill>
+                <a:schemeClr val="bg1"/>
+              </a:solidFill>
+              <a:effectLst/>
+              <a:latin typeface="Calibri" panose="020F0502020204030204" pitchFamily="34" charset="0"/>
+              <a:ea typeface="Calibri" panose="020F0502020204030204" pitchFamily="34" charset="0"/>
+              <a:cs typeface="Times New Roman" panose="02020603050405020304" pitchFamily="18" charset="0"/>
+            </a:endParaRPr>
+          </a:p>
+        </p:txBody>
+      </p:sp>
+      <p:cxnSp>
+        <p:nvCxnSpPr>
+          <p:cNvPr id="42" name="Straight Arrow Connector 41">
+            <a:extLst>
+              <a:ext uri="{FF2B5EF4-FFF2-40B4-BE49-F238E27FC236}">
+                <a16:creationId xmlns:a16="http://schemas.microsoft.com/office/drawing/2014/main" id="{BC073C4A-43A7-4185-BD9A-6864B1AC9E24}"/>
+              </a:ext>
+            </a:extLst>
+          </p:cNvPr>
+          <p:cNvCxnSpPr>
+            <a:cxnSpLocks/>
+          </p:cNvCxnSpPr>
+          <p:nvPr/>
+        </p:nvCxnSpPr>
+        <p:spPr>
+          <a:xfrm flipH="1" flipV="1">
+            <a:off x="3879542" y="5516331"/>
+            <a:ext cx="881619" cy="1"/>
+          </a:xfrm>
+          <a:prstGeom prst="straightConnector1">
+            <a:avLst/>
+          </a:prstGeom>
+          <a:ln>
+            <a:tailEnd type="triangle"/>
+          </a:ln>
+        </p:spPr>
+        <p:style>
+          <a:lnRef idx="1">
+            <a:schemeClr val="accent2"/>
+          </a:lnRef>
+          <a:fillRef idx="0">
+            <a:schemeClr val="accent2"/>
+          </a:fillRef>
+          <a:effectRef idx="0">
+            <a:schemeClr val="accent2"/>
+          </a:effectRef>
+          <a:fontRef idx="minor">
+            <a:schemeClr val="tx1"/>
+          </a:fontRef>
+        </p:style>
+      </p:cxnSp>
+      <p:sp>
+        <p:nvSpPr>
+          <p:cNvPr id="46" name="Text Box 2">
+            <a:extLst>
+              <a:ext uri="{FF2B5EF4-FFF2-40B4-BE49-F238E27FC236}">
+                <a16:creationId xmlns:a16="http://schemas.microsoft.com/office/drawing/2014/main" id="{4FB4D075-03AA-47EF-A287-C1265E95D04D}"/>
+              </a:ext>
+            </a:extLst>
+          </p:cNvPr>
+          <p:cNvSpPr txBox="1">
+            <a:spLocks noChangeArrowheads="1"/>
+          </p:cNvSpPr>
+          <p:nvPr/>
+        </p:nvSpPr>
+        <p:spPr bwMode="auto">
+          <a:xfrm>
+            <a:off x="3386239" y="6436866"/>
+            <a:ext cx="5597506" cy="337353"/>
+          </a:xfrm>
+          <a:prstGeom prst="rect">
+            <a:avLst/>
+          </a:prstGeom>
+          <a:solidFill>
+            <a:schemeClr val="accent2"/>
+          </a:solidFill>
+          <a:ln w="9525">
+            <a:solidFill>
+              <a:srgbClr val="000000"/>
+            </a:solidFill>
+            <a:miter lim="800000"/>
+            <a:headEnd/>
+            <a:tailEnd/>
+          </a:ln>
+        </p:spPr>
+        <p:txBody>
+          <a:bodyPr rot="0" vert="horz" wrap="square" lIns="91440" tIns="45720" rIns="91440" bIns="45720" anchor="t" anchorCtr="0">
+            <a:noAutofit/>
+          </a:bodyPr>
+          <a:lstStyle/>
+          <a:p>
+            <a:pPr>
+              <a:lnSpc>
+                <a:spcPct val="107000"/>
+              </a:lnSpc>
+              <a:spcAft>
+                <a:spcPts val="800"/>
+              </a:spcAft>
+            </a:pPr>
+            <a:r>
+              <a:rPr lang="en-SG" sz="1200" b="1" dirty="0">
+                <a:solidFill>
+                  <a:schemeClr val="bg1"/>
+                </a:solidFill>
+                <a:latin typeface="Arial Nova Cond" panose="020B0506020202020204" pitchFamily="34" charset="0"/>
+                <a:ea typeface="Calibri" panose="020F0502020204030204" pitchFamily="34" charset="0"/>
+                <a:cs typeface="Times New Roman" panose="02020603050405020304" pitchFamily="18" charset="0"/>
+              </a:rPr>
+              <a:t>2. The input gets automatically translated to yesterday’s date in DD/MM/YYYY format.</a:t>
+            </a:r>
+            <a:endParaRPr lang="en-SG" sz="1200" dirty="0">
+              <a:solidFill>
+                <a:schemeClr val="bg1"/>
+              </a:solidFill>
+              <a:effectLst/>
+              <a:latin typeface="Calibri" panose="020F0502020204030204" pitchFamily="34" charset="0"/>
+              <a:ea typeface="Calibri" panose="020F0502020204030204" pitchFamily="34" charset="0"/>
+              <a:cs typeface="Times New Roman" panose="02020603050405020304" pitchFamily="18" charset="0"/>
+            </a:endParaRPr>
+          </a:p>
+        </p:txBody>
+      </p:sp>
+      <p:cxnSp>
+        <p:nvCxnSpPr>
+          <p:cNvPr id="47" name="Straight Arrow Connector 46">
+            <a:extLst>
+              <a:ext uri="{FF2B5EF4-FFF2-40B4-BE49-F238E27FC236}">
+                <a16:creationId xmlns:a16="http://schemas.microsoft.com/office/drawing/2014/main" id="{CF78BE78-E149-4C61-9951-D600A9740339}"/>
+              </a:ext>
+            </a:extLst>
+          </p:cNvPr>
+          <p:cNvCxnSpPr>
+            <a:cxnSpLocks/>
+          </p:cNvCxnSpPr>
+          <p:nvPr/>
+        </p:nvCxnSpPr>
+        <p:spPr>
+          <a:xfrm flipH="1">
+            <a:off x="1687399" y="6610299"/>
+            <a:ext cx="1698840" cy="0"/>
+          </a:xfrm>
+          <a:prstGeom prst="straightConnector1">
+            <a:avLst/>
+          </a:prstGeom>
+          <a:ln>
+            <a:tailEnd type="triangle"/>
+          </a:ln>
+        </p:spPr>
+        <p:style>
+          <a:lnRef idx="1">
+            <a:schemeClr val="accent2"/>
+          </a:lnRef>
+          <a:fillRef idx="0">
+            <a:schemeClr val="accent2"/>
+          </a:fillRef>
+          <a:effectRef idx="0">
+            <a:schemeClr val="accent2"/>
+          </a:effectRef>
+          <a:fontRef idx="minor">
+            <a:schemeClr val="tx1"/>
+          </a:fontRef>
+        </p:style>
+      </p:cxnSp>
+      <p:sp>
+        <p:nvSpPr>
+          <p:cNvPr id="50" name="TextBox 49">
+            <a:extLst>
+              <a:ext uri="{FF2B5EF4-FFF2-40B4-BE49-F238E27FC236}">
+                <a16:creationId xmlns:a16="http://schemas.microsoft.com/office/drawing/2014/main" id="{B5E0AD04-9440-41C2-B4FB-B72E1A42A126}"/>
+              </a:ext>
+            </a:extLst>
+          </p:cNvPr>
+          <p:cNvSpPr txBox="1"/>
+          <p:nvPr/>
+        </p:nvSpPr>
+        <p:spPr>
+          <a:xfrm>
+            <a:off x="9223900" y="1109709"/>
+            <a:ext cx="2192783" cy="369332"/>
+          </a:xfrm>
+          <a:prstGeom prst="rect">
+            <a:avLst/>
+          </a:prstGeom>
+          <a:solidFill>
+            <a:schemeClr val="accent2"/>
+          </a:solidFill>
+          <a:ln>
+            <a:solidFill>
+              <a:schemeClr val="tx1"/>
+            </a:solidFill>
+          </a:ln>
+        </p:spPr>
+        <p:txBody>
+          <a:bodyPr wrap="square" rtlCol="0">
+            <a:spAutoFit/>
+          </a:bodyPr>
+          <a:lstStyle/>
+          <a:p>
+            <a:r>
+              <a:rPr lang="en-SG" b="1" dirty="0">
+                <a:solidFill>
+                  <a:schemeClr val="bg1"/>
+                </a:solidFill>
+                <a:latin typeface="Arial Nova Cond" panose="020B0506020202020204" pitchFamily="34" charset="0"/>
+              </a:rPr>
+              <a:t>Example 1: Today</a:t>
+            </a:r>
+          </a:p>
+        </p:txBody>
+      </p:sp>
+      <p:sp>
+        <p:nvSpPr>
+          <p:cNvPr id="51" name="TextBox 50">
+            <a:extLst>
+              <a:ext uri="{FF2B5EF4-FFF2-40B4-BE49-F238E27FC236}">
+                <a16:creationId xmlns:a16="http://schemas.microsoft.com/office/drawing/2014/main" id="{5B1329EE-3A70-40B4-89B8-2C228E21CD4F}"/>
+              </a:ext>
+            </a:extLst>
+          </p:cNvPr>
+          <p:cNvSpPr txBox="1"/>
+          <p:nvPr/>
+        </p:nvSpPr>
+        <p:spPr>
+          <a:xfrm>
+            <a:off x="9223898" y="5860742"/>
+            <a:ext cx="2192785" cy="369332"/>
+          </a:xfrm>
+          <a:prstGeom prst="rect">
+            <a:avLst/>
+          </a:prstGeom>
+          <a:solidFill>
+            <a:schemeClr val="accent2"/>
+          </a:solidFill>
+          <a:ln>
+            <a:solidFill>
+              <a:schemeClr val="tx1"/>
+            </a:solidFill>
+          </a:ln>
+        </p:spPr>
+        <p:txBody>
+          <a:bodyPr wrap="square" rtlCol="0">
+            <a:spAutoFit/>
+          </a:bodyPr>
+          <a:lstStyle/>
+          <a:p>
+            <a:r>
+              <a:rPr lang="en-SG" b="1" dirty="0">
+                <a:solidFill>
+                  <a:schemeClr val="bg1"/>
+                </a:solidFill>
+                <a:latin typeface="Arial Nova Cond" panose="020B0506020202020204" pitchFamily="34" charset="0"/>
+              </a:rPr>
+              <a:t>Example 3: Yesterday</a:t>
+            </a:r>
+          </a:p>
+        </p:txBody>
+      </p:sp>
+      <p:sp>
+        <p:nvSpPr>
+          <p:cNvPr id="52" name="TextBox 51">
+            <a:extLst>
+              <a:ext uri="{FF2B5EF4-FFF2-40B4-BE49-F238E27FC236}">
+                <a16:creationId xmlns:a16="http://schemas.microsoft.com/office/drawing/2014/main" id="{BD6EE5F3-40AA-43B5-A283-8ECC99BD8746}"/>
+              </a:ext>
+            </a:extLst>
+          </p:cNvPr>
+          <p:cNvSpPr txBox="1"/>
+          <p:nvPr/>
+        </p:nvSpPr>
+        <p:spPr>
+          <a:xfrm>
+            <a:off x="9223898" y="3489833"/>
+            <a:ext cx="2192785" cy="369332"/>
+          </a:xfrm>
+          <a:prstGeom prst="rect">
+            <a:avLst/>
+          </a:prstGeom>
+          <a:solidFill>
+            <a:schemeClr val="accent2"/>
+          </a:solidFill>
+          <a:ln>
+            <a:solidFill>
+              <a:schemeClr val="tx1"/>
+            </a:solidFill>
+          </a:ln>
+        </p:spPr>
+        <p:txBody>
+          <a:bodyPr wrap="square" rtlCol="0">
+            <a:spAutoFit/>
+          </a:bodyPr>
+          <a:lstStyle/>
+          <a:p>
+            <a:r>
+              <a:rPr lang="en-SG" b="1" dirty="0">
+                <a:solidFill>
+                  <a:schemeClr val="bg1"/>
+                </a:solidFill>
+                <a:latin typeface="Arial Nova Cond" panose="020B0506020202020204" pitchFamily="34" charset="0"/>
+              </a:rPr>
+              <a:t>Example 2: Tomorrow</a:t>
+            </a:r>
+          </a:p>
+        </p:txBody>
+      </p:sp>
+      <p:sp>
+        <p:nvSpPr>
+          <p:cNvPr id="53" name="TextBox 52">
+            <a:extLst>
+              <a:ext uri="{FF2B5EF4-FFF2-40B4-BE49-F238E27FC236}">
+                <a16:creationId xmlns:a16="http://schemas.microsoft.com/office/drawing/2014/main" id="{7A6B68EC-FC61-45F5-AE8D-D50121FFB36A}"/>
+              </a:ext>
+            </a:extLst>
+          </p:cNvPr>
+          <p:cNvSpPr txBox="1"/>
+          <p:nvPr/>
+        </p:nvSpPr>
+        <p:spPr>
+          <a:xfrm>
+            <a:off x="3295540" y="-13798"/>
+            <a:ext cx="5778903" cy="369332"/>
+          </a:xfrm>
+          <a:prstGeom prst="rect">
+            <a:avLst/>
+          </a:prstGeom>
+          <a:solidFill>
+            <a:schemeClr val="accent2"/>
+          </a:solidFill>
+          <a:ln>
+            <a:solidFill>
+              <a:schemeClr val="tx1"/>
+            </a:solidFill>
+          </a:ln>
+        </p:spPr>
+        <p:txBody>
+          <a:bodyPr wrap="square" rtlCol="0">
+            <a:spAutoFit/>
+          </a:bodyPr>
+          <a:lstStyle/>
+          <a:p>
+            <a:r>
+              <a:rPr lang="en-SG" b="1" dirty="0">
+                <a:solidFill>
+                  <a:schemeClr val="bg1"/>
+                </a:solidFill>
+                <a:latin typeface="Arial Nova Cond" panose="020B0506020202020204" pitchFamily="34" charset="0"/>
+              </a:rPr>
+              <a:t>Assuming current date is 12 April 2019 (12/04/2019), Friday</a:t>
+            </a:r>
+          </a:p>
+        </p:txBody>
+      </p:sp>
     </p:spTree>
     <p:extLst>
       <p:ext uri="{BB962C8B-B14F-4D97-AF65-F5344CB8AC3E}">
-        <p14:creationId xmlns:p14="http://schemas.microsoft.com/office/powerpoint/2010/main" val="795782062"/>
+        <p14:creationId xmlns:p14="http://schemas.microsoft.com/office/powerpoint/2010/main" val="1649825059"/>
       </p:ext>
     </p:extLst>
   </p:cSld>
